--- a/design/2016/models/3_control_model.pptx
+++ b/design/2016/models/3_control_model.pptx
@@ -197,7 +197,7 @@
           <a:p>
             <a:fld id="{729140AA-5DCF-4644-846F-5EE03622738A}" type="datetimeFigureOut">
               <a:rPr kumimoji="1" lang="ja-JP" altLang="en-US" smtClean="0"/>
-              <a:t>2016/8/15</a:t>
+              <a:t>2016/8/17</a:t>
             </a:fld>
             <a:endParaRPr kumimoji="1" lang="ja-JP" altLang="en-US"/>
           </a:p>
@@ -628,7 +628,7 @@
           <a:p>
             <a:fld id="{D72B48E1-50D5-40B7-9AA4-D680720A3CD4}" type="datetimeFigureOut">
               <a:rPr kumimoji="1" lang="ja-JP" altLang="en-US" smtClean="0"/>
-              <a:t>2016/8/15</a:t>
+              <a:t>2016/8/17</a:t>
             </a:fld>
             <a:endParaRPr kumimoji="1" lang="ja-JP" altLang="en-US"/>
           </a:p>
@@ -830,7 +830,7 @@
           <a:p>
             <a:fld id="{D72B48E1-50D5-40B7-9AA4-D680720A3CD4}" type="datetimeFigureOut">
               <a:rPr kumimoji="1" lang="ja-JP" altLang="en-US" smtClean="0"/>
-              <a:t>2016/8/15</a:t>
+              <a:t>2016/8/17</a:t>
             </a:fld>
             <a:endParaRPr kumimoji="1" lang="ja-JP" altLang="en-US"/>
           </a:p>
@@ -1042,7 +1042,7 @@
           <a:p>
             <a:fld id="{D72B48E1-50D5-40B7-9AA4-D680720A3CD4}" type="datetimeFigureOut">
               <a:rPr kumimoji="1" lang="ja-JP" altLang="en-US" smtClean="0"/>
-              <a:t>2016/8/15</a:t>
+              <a:t>2016/8/17</a:t>
             </a:fld>
             <a:endParaRPr kumimoji="1" lang="ja-JP" altLang="en-US"/>
           </a:p>
@@ -1281,7 +1281,7 @@
           <a:p>
             <a:fld id="{D72B48E1-50D5-40B7-9AA4-D680720A3CD4}" type="datetimeFigureOut">
               <a:rPr kumimoji="1" lang="ja-JP" altLang="en-US" smtClean="0"/>
-              <a:t>2016/8/15</a:t>
+              <a:t>2016/8/17</a:t>
             </a:fld>
             <a:endParaRPr kumimoji="1" lang="ja-JP" altLang="en-US"/>
           </a:p>
@@ -1525,7 +1525,7 @@
           <a:p>
             <a:fld id="{D72B48E1-50D5-40B7-9AA4-D680720A3CD4}" type="datetimeFigureOut">
               <a:rPr kumimoji="1" lang="ja-JP" altLang="en-US" smtClean="0"/>
-              <a:t>2016/8/15</a:t>
+              <a:t>2016/8/17</a:t>
             </a:fld>
             <a:endParaRPr kumimoji="1" lang="ja-JP" altLang="en-US"/>
           </a:p>
@@ -1821,7 +1821,7 @@
           <a:p>
             <a:fld id="{D72B48E1-50D5-40B7-9AA4-D680720A3CD4}" type="datetimeFigureOut">
               <a:rPr kumimoji="1" lang="ja-JP" altLang="en-US" smtClean="0"/>
-              <a:t>2016/8/15</a:t>
+              <a:t>2016/8/17</a:t>
             </a:fld>
             <a:endParaRPr kumimoji="1" lang="ja-JP" altLang="en-US"/>
           </a:p>
@@ -2252,7 +2252,7 @@
           <a:p>
             <a:fld id="{D72B48E1-50D5-40B7-9AA4-D680720A3CD4}" type="datetimeFigureOut">
               <a:rPr kumimoji="1" lang="ja-JP" altLang="en-US" smtClean="0"/>
-              <a:t>2016/8/15</a:t>
+              <a:t>2016/8/17</a:t>
             </a:fld>
             <a:endParaRPr kumimoji="1" lang="ja-JP" altLang="en-US"/>
           </a:p>
@@ -2370,7 +2370,7 @@
           <a:p>
             <a:fld id="{D72B48E1-50D5-40B7-9AA4-D680720A3CD4}" type="datetimeFigureOut">
               <a:rPr kumimoji="1" lang="ja-JP" altLang="en-US" smtClean="0"/>
-              <a:t>2016/8/15</a:t>
+              <a:t>2016/8/17</a:t>
             </a:fld>
             <a:endParaRPr kumimoji="1" lang="ja-JP" altLang="en-US"/>
           </a:p>
@@ -2465,7 +2465,7 @@
           <a:p>
             <a:fld id="{D72B48E1-50D5-40B7-9AA4-D680720A3CD4}" type="datetimeFigureOut">
               <a:rPr kumimoji="1" lang="ja-JP" altLang="en-US" smtClean="0"/>
-              <a:t>2016/8/15</a:t>
+              <a:t>2016/8/17</a:t>
             </a:fld>
             <a:endParaRPr kumimoji="1" lang="ja-JP" altLang="en-US"/>
           </a:p>
@@ -2774,7 +2774,7 @@
           <a:p>
             <a:fld id="{D72B48E1-50D5-40B7-9AA4-D680720A3CD4}" type="datetimeFigureOut">
               <a:rPr kumimoji="1" lang="ja-JP" altLang="en-US" smtClean="0"/>
-              <a:t>2016/8/15</a:t>
+              <a:t>2016/8/17</a:t>
             </a:fld>
             <a:endParaRPr kumimoji="1" lang="ja-JP" altLang="en-US"/>
           </a:p>
@@ -3031,7 +3031,7 @@
           <a:p>
             <a:fld id="{D72B48E1-50D5-40B7-9AA4-D680720A3CD4}" type="datetimeFigureOut">
               <a:rPr kumimoji="1" lang="ja-JP" altLang="en-US" smtClean="0"/>
-              <a:t>2016/8/15</a:t>
+              <a:t>2016/8/17</a:t>
             </a:fld>
             <a:endParaRPr kumimoji="1" lang="ja-JP" altLang="en-US"/>
           </a:p>
@@ -3276,7 +3276,7 @@
           <a:p>
             <a:fld id="{D72B48E1-50D5-40B7-9AA4-D680720A3CD4}" type="datetimeFigureOut">
               <a:rPr kumimoji="1" lang="ja-JP" altLang="en-US" smtClean="0"/>
-              <a:t>2016/8/15</a:t>
+              <a:t>2016/8/17</a:t>
             </a:fld>
             <a:endParaRPr kumimoji="1" lang="ja-JP" altLang="en-US"/>
           </a:p>
@@ -4449,6 +4449,877 @@
           </a:p>
         </p:txBody>
       </p:sp>
+      <p:sp>
+        <p:nvSpPr>
+          <p:cNvPr id="12" name="テキスト ボックス 11"/>
+          <p:cNvSpPr txBox="1"/>
+          <p:nvPr/>
+        </p:nvSpPr>
+        <p:spPr>
+          <a:xfrm>
+            <a:off x="361022" y="1763095"/>
+            <a:ext cx="2606804" cy="369332"/>
+          </a:xfrm>
+          <a:prstGeom prst="rect">
+            <a:avLst/>
+          </a:prstGeom>
+          <a:solidFill>
+            <a:srgbClr val="D24726"/>
+          </a:solidFill>
+        </p:spPr>
+        <p:txBody>
+          <a:bodyPr wrap="none" rtlCol="0">
+            <a:spAutoFit/>
+          </a:bodyPr>
+          <a:lstStyle/>
+          <a:p>
+            <a:r>
+              <a:rPr lang="en-US" altLang="ja-JP" sz="1800" b="1" dirty="0">
+                <a:solidFill>
+                  <a:schemeClr val="bg1"/>
+                </a:solidFill>
+                <a:latin typeface="メイリオ" panose="020B0604030504040204" pitchFamily="50" charset="-128"/>
+                <a:ea typeface="メイリオ" panose="020B0604030504040204" pitchFamily="50" charset="-128"/>
+                <a:cs typeface="メイリオ" panose="020B0604030504040204" pitchFamily="50" charset="-128"/>
+              </a:rPr>
+              <a:t>3</a:t>
+            </a:r>
+            <a:r>
+              <a:rPr lang="en-US" altLang="ja-JP" sz="1800" b="1" dirty="0" smtClean="0">
+                <a:solidFill>
+                  <a:schemeClr val="bg1"/>
+                </a:solidFill>
+                <a:latin typeface="メイリオ" panose="020B0604030504040204" pitchFamily="50" charset="-128"/>
+                <a:ea typeface="メイリオ" panose="020B0604030504040204" pitchFamily="50" charset="-128"/>
+                <a:cs typeface="メイリオ" panose="020B0604030504040204" pitchFamily="50" charset="-128"/>
+              </a:rPr>
+              <a:t>-1. </a:t>
+            </a:r>
+            <a:r>
+              <a:rPr lang="ja-JP" altLang="en-US" sz="1800" b="1" dirty="0" smtClean="0">
+                <a:solidFill>
+                  <a:schemeClr val="bg1"/>
+                </a:solidFill>
+                <a:latin typeface="メイリオ" panose="020B0604030504040204" pitchFamily="50" charset="-128"/>
+                <a:ea typeface="メイリオ" panose="020B0604030504040204" pitchFamily="50" charset="-128"/>
+                <a:cs typeface="メイリオ" panose="020B0604030504040204" pitchFamily="50" charset="-128"/>
+              </a:rPr>
+              <a:t>自己位置推定機能</a:t>
+            </a:r>
+            <a:endParaRPr kumimoji="1" lang="ja-JP" altLang="en-US" sz="1800" b="1" dirty="0">
+              <a:solidFill>
+                <a:schemeClr val="bg1"/>
+              </a:solidFill>
+              <a:latin typeface="メイリオ" panose="020B0604030504040204" pitchFamily="50" charset="-128"/>
+              <a:ea typeface="メイリオ" panose="020B0604030504040204" pitchFamily="50" charset="-128"/>
+              <a:cs typeface="メイリオ" panose="020B0604030504040204" pitchFamily="50" charset="-128"/>
+            </a:endParaRPr>
+          </a:p>
+        </p:txBody>
+      </p:sp>
+      <p:sp>
+        <p:nvSpPr>
+          <p:cNvPr id="13" name="正方形/長方形 12"/>
+          <p:cNvSpPr/>
+          <p:nvPr/>
+        </p:nvSpPr>
+        <p:spPr>
+          <a:xfrm>
+            <a:off x="361022" y="1763096"/>
+            <a:ext cx="3368296" cy="2055870"/>
+          </a:xfrm>
+          <a:prstGeom prst="rect">
+            <a:avLst/>
+          </a:prstGeom>
+          <a:noFill/>
+          <a:ln w="25400">
+            <a:solidFill>
+              <a:srgbClr val="D24726"/>
+            </a:solidFill>
+          </a:ln>
+        </p:spPr>
+        <p:style>
+          <a:lnRef idx="2">
+            <a:schemeClr val="accent1">
+              <a:shade val="50000"/>
+            </a:schemeClr>
+          </a:lnRef>
+          <a:fillRef idx="1">
+            <a:schemeClr val="accent1"/>
+          </a:fillRef>
+          <a:effectRef idx="0">
+            <a:schemeClr val="accent1"/>
+          </a:effectRef>
+          <a:fontRef idx="minor">
+            <a:schemeClr val="lt1"/>
+          </a:fontRef>
+        </p:style>
+        <p:txBody>
+          <a:bodyPr rtlCol="0" anchor="ctr"/>
+          <a:lstStyle/>
+          <a:p>
+            <a:pPr algn="ctr"/>
+            <a:endParaRPr kumimoji="1" lang="ja-JP" altLang="en-US"/>
+          </a:p>
+        </p:txBody>
+      </p:sp>
+      <p:sp>
+        <p:nvSpPr>
+          <p:cNvPr id="16" name="テキスト ボックス 15"/>
+          <p:cNvSpPr txBox="1"/>
+          <p:nvPr/>
+        </p:nvSpPr>
+        <p:spPr>
+          <a:xfrm>
+            <a:off x="834582" y="5537013"/>
+            <a:ext cx="1210588" cy="400110"/>
+          </a:xfrm>
+          <a:prstGeom prst="rect">
+            <a:avLst/>
+          </a:prstGeom>
+          <a:noFill/>
+        </p:spPr>
+        <p:txBody>
+          <a:bodyPr wrap="none" spcCol="36000" rtlCol="0">
+            <a:spAutoFit/>
+          </a:bodyPr>
+          <a:lstStyle/>
+          <a:p>
+            <a:pPr>
+              <a:spcAft>
+                <a:spcPts val="1800"/>
+              </a:spcAft>
+            </a:pPr>
+            <a:r>
+              <a:rPr lang="ja-JP" altLang="en-US" sz="2000" dirty="0" smtClean="0">
+                <a:latin typeface="メイリオ" panose="020B0604030504040204" pitchFamily="50" charset="-128"/>
+                <a:ea typeface="メイリオ" panose="020B0604030504040204" pitchFamily="50" charset="-128"/>
+                <a:cs typeface="メイリオ" panose="020B0604030504040204" pitchFamily="50" charset="-128"/>
+              </a:rPr>
+              <a:t>コメント</a:t>
+            </a:r>
+            <a:endParaRPr lang="en-US" altLang="ja-JP" sz="2000" dirty="0">
+              <a:latin typeface="メイリオ" panose="020B0604030504040204" pitchFamily="50" charset="-128"/>
+              <a:ea typeface="メイリオ" panose="020B0604030504040204" pitchFamily="50" charset="-128"/>
+              <a:cs typeface="メイリオ" panose="020B0604030504040204" pitchFamily="50" charset="-128"/>
+            </a:endParaRPr>
+          </a:p>
+        </p:txBody>
+      </p:sp>
+      <p:sp>
+        <p:nvSpPr>
+          <p:cNvPr id="17" name="テキスト ボックス 16"/>
+          <p:cNvSpPr txBox="1"/>
+          <p:nvPr/>
+        </p:nvSpPr>
+        <p:spPr>
+          <a:xfrm>
+            <a:off x="3959707" y="1774480"/>
+            <a:ext cx="2145139" cy="369332"/>
+          </a:xfrm>
+          <a:prstGeom prst="rect">
+            <a:avLst/>
+          </a:prstGeom>
+          <a:solidFill>
+            <a:srgbClr val="D24726"/>
+          </a:solidFill>
+        </p:spPr>
+        <p:txBody>
+          <a:bodyPr wrap="none" rtlCol="0">
+            <a:spAutoFit/>
+          </a:bodyPr>
+          <a:lstStyle/>
+          <a:p>
+            <a:r>
+              <a:rPr lang="en-US" altLang="ja-JP" sz="1800" b="1" dirty="0" smtClean="0">
+                <a:solidFill>
+                  <a:schemeClr val="bg1"/>
+                </a:solidFill>
+                <a:latin typeface="メイリオ" panose="020B0604030504040204" pitchFamily="50" charset="-128"/>
+                <a:ea typeface="メイリオ" panose="020B0604030504040204" pitchFamily="50" charset="-128"/>
+                <a:cs typeface="メイリオ" panose="020B0604030504040204" pitchFamily="50" charset="-128"/>
+              </a:rPr>
+              <a:t>3</a:t>
+            </a:r>
+            <a:r>
+              <a:rPr lang="en-US" altLang="ja-JP" sz="1800" b="1" dirty="0" smtClean="0">
+                <a:solidFill>
+                  <a:schemeClr val="bg1"/>
+                </a:solidFill>
+                <a:latin typeface="メイリオ" panose="020B0604030504040204" pitchFamily="50" charset="-128"/>
+                <a:ea typeface="メイリオ" panose="020B0604030504040204" pitchFamily="50" charset="-128"/>
+                <a:cs typeface="メイリオ" panose="020B0604030504040204" pitchFamily="50" charset="-128"/>
+              </a:rPr>
+              <a:t>-2. </a:t>
+            </a:r>
+            <a:r>
+              <a:rPr lang="ja-JP" altLang="en-US" sz="1800" b="1" dirty="0" smtClean="0">
+                <a:solidFill>
+                  <a:schemeClr val="bg1"/>
+                </a:solidFill>
+                <a:latin typeface="メイリオ" panose="020B0604030504040204" pitchFamily="50" charset="-128"/>
+                <a:ea typeface="メイリオ" panose="020B0604030504040204" pitchFamily="50" charset="-128"/>
+                <a:cs typeface="メイリオ" panose="020B0604030504040204" pitchFamily="50" charset="-128"/>
+              </a:rPr>
+              <a:t>自己位置補正</a:t>
+            </a:r>
+            <a:endParaRPr kumimoji="1" lang="ja-JP" altLang="en-US" sz="1800" b="1" dirty="0">
+              <a:solidFill>
+                <a:schemeClr val="bg1"/>
+              </a:solidFill>
+              <a:latin typeface="メイリオ" panose="020B0604030504040204" pitchFamily="50" charset="-128"/>
+              <a:ea typeface="メイリオ" panose="020B0604030504040204" pitchFamily="50" charset="-128"/>
+              <a:cs typeface="メイリオ" panose="020B0604030504040204" pitchFamily="50" charset="-128"/>
+            </a:endParaRPr>
+          </a:p>
+        </p:txBody>
+      </p:sp>
+      <p:sp>
+        <p:nvSpPr>
+          <p:cNvPr id="18" name="正方形/長方形 17"/>
+          <p:cNvSpPr/>
+          <p:nvPr/>
+        </p:nvSpPr>
+        <p:spPr>
+          <a:xfrm>
+            <a:off x="3959707" y="1774481"/>
+            <a:ext cx="3368296" cy="2055870"/>
+          </a:xfrm>
+          <a:prstGeom prst="rect">
+            <a:avLst/>
+          </a:prstGeom>
+          <a:noFill/>
+          <a:ln w="25400">
+            <a:solidFill>
+              <a:srgbClr val="D24726"/>
+            </a:solidFill>
+          </a:ln>
+        </p:spPr>
+        <p:style>
+          <a:lnRef idx="2">
+            <a:schemeClr val="accent1">
+              <a:shade val="50000"/>
+            </a:schemeClr>
+          </a:lnRef>
+          <a:fillRef idx="1">
+            <a:schemeClr val="accent1"/>
+          </a:fillRef>
+          <a:effectRef idx="0">
+            <a:schemeClr val="accent1"/>
+          </a:effectRef>
+          <a:fontRef idx="minor">
+            <a:schemeClr val="lt1"/>
+          </a:fontRef>
+        </p:style>
+        <p:txBody>
+          <a:bodyPr rtlCol="0" anchor="ctr"/>
+          <a:lstStyle/>
+          <a:p>
+            <a:pPr algn="ctr"/>
+            <a:endParaRPr kumimoji="1" lang="ja-JP" altLang="en-US"/>
+          </a:p>
+        </p:txBody>
+      </p:sp>
+      <p:sp>
+        <p:nvSpPr>
+          <p:cNvPr id="19" name="テキスト ボックス 18"/>
+          <p:cNvSpPr txBox="1"/>
+          <p:nvPr/>
+        </p:nvSpPr>
+        <p:spPr>
+          <a:xfrm>
+            <a:off x="2210837" y="4509077"/>
+            <a:ext cx="2145139" cy="369332"/>
+          </a:xfrm>
+          <a:prstGeom prst="rect">
+            <a:avLst/>
+          </a:prstGeom>
+          <a:solidFill>
+            <a:srgbClr val="D24726"/>
+          </a:solidFill>
+        </p:spPr>
+        <p:txBody>
+          <a:bodyPr wrap="none" rtlCol="0">
+            <a:spAutoFit/>
+          </a:bodyPr>
+          <a:lstStyle/>
+          <a:p>
+            <a:r>
+              <a:rPr lang="en-US" altLang="ja-JP" sz="1800" b="1" dirty="0" smtClean="0">
+                <a:solidFill>
+                  <a:schemeClr val="bg1"/>
+                </a:solidFill>
+                <a:latin typeface="メイリオ" panose="020B0604030504040204" pitchFamily="50" charset="-128"/>
+                <a:ea typeface="メイリオ" panose="020B0604030504040204" pitchFamily="50" charset="-128"/>
+                <a:cs typeface="メイリオ" panose="020B0604030504040204" pitchFamily="50" charset="-128"/>
+              </a:rPr>
+              <a:t>3</a:t>
+            </a:r>
+            <a:r>
+              <a:rPr lang="en-US" altLang="ja-JP" sz="1800" b="1" dirty="0" smtClean="0">
+                <a:solidFill>
+                  <a:schemeClr val="bg1"/>
+                </a:solidFill>
+                <a:latin typeface="メイリオ" panose="020B0604030504040204" pitchFamily="50" charset="-128"/>
+                <a:ea typeface="メイリオ" panose="020B0604030504040204" pitchFamily="50" charset="-128"/>
+                <a:cs typeface="メイリオ" panose="020B0604030504040204" pitchFamily="50" charset="-128"/>
+              </a:rPr>
+              <a:t>-3. </a:t>
+            </a:r>
+            <a:r>
+              <a:rPr lang="ja-JP" altLang="en-US" sz="1800" b="1" dirty="0" smtClean="0">
+                <a:solidFill>
+                  <a:schemeClr val="bg1"/>
+                </a:solidFill>
+                <a:latin typeface="メイリオ" panose="020B0604030504040204" pitchFamily="50" charset="-128"/>
+                <a:ea typeface="メイリオ" panose="020B0604030504040204" pitchFamily="50" charset="-128"/>
+                <a:cs typeface="メイリオ" panose="020B0604030504040204" pitchFamily="50" charset="-128"/>
+              </a:rPr>
+              <a:t>向き補正走行</a:t>
+            </a:r>
+            <a:endParaRPr kumimoji="1" lang="ja-JP" altLang="en-US" sz="1800" b="1" dirty="0">
+              <a:solidFill>
+                <a:schemeClr val="bg1"/>
+              </a:solidFill>
+              <a:latin typeface="メイリオ" panose="020B0604030504040204" pitchFamily="50" charset="-128"/>
+              <a:ea typeface="メイリオ" panose="020B0604030504040204" pitchFamily="50" charset="-128"/>
+              <a:cs typeface="メイリオ" panose="020B0604030504040204" pitchFamily="50" charset="-128"/>
+            </a:endParaRPr>
+          </a:p>
+        </p:txBody>
+      </p:sp>
+      <p:sp>
+        <p:nvSpPr>
+          <p:cNvPr id="22" name="正方形/長方形 21"/>
+          <p:cNvSpPr/>
+          <p:nvPr/>
+        </p:nvSpPr>
+        <p:spPr>
+          <a:xfrm>
+            <a:off x="2210837" y="4509078"/>
+            <a:ext cx="3368296" cy="2055870"/>
+          </a:xfrm>
+          <a:prstGeom prst="rect">
+            <a:avLst/>
+          </a:prstGeom>
+          <a:noFill/>
+          <a:ln w="25400">
+            <a:solidFill>
+              <a:srgbClr val="D24726"/>
+            </a:solidFill>
+          </a:ln>
+        </p:spPr>
+        <p:style>
+          <a:lnRef idx="2">
+            <a:schemeClr val="accent1">
+              <a:shade val="50000"/>
+            </a:schemeClr>
+          </a:lnRef>
+          <a:fillRef idx="1">
+            <a:schemeClr val="accent1"/>
+          </a:fillRef>
+          <a:effectRef idx="0">
+            <a:schemeClr val="accent1"/>
+          </a:effectRef>
+          <a:fontRef idx="minor">
+            <a:schemeClr val="lt1"/>
+          </a:fontRef>
+        </p:style>
+        <p:txBody>
+          <a:bodyPr rtlCol="0" anchor="ctr"/>
+          <a:lstStyle/>
+          <a:p>
+            <a:pPr algn="ctr"/>
+            <a:endParaRPr kumimoji="1" lang="ja-JP" altLang="en-US"/>
+          </a:p>
+        </p:txBody>
+      </p:sp>
+      <p:sp>
+        <p:nvSpPr>
+          <p:cNvPr id="23" name="テキスト ボックス 22"/>
+          <p:cNvSpPr txBox="1"/>
+          <p:nvPr/>
+        </p:nvSpPr>
+        <p:spPr>
+          <a:xfrm>
+            <a:off x="361023" y="7357482"/>
+            <a:ext cx="2145139" cy="369332"/>
+          </a:xfrm>
+          <a:prstGeom prst="rect">
+            <a:avLst/>
+          </a:prstGeom>
+          <a:solidFill>
+            <a:srgbClr val="D24726"/>
+          </a:solidFill>
+        </p:spPr>
+        <p:txBody>
+          <a:bodyPr wrap="none" rtlCol="0">
+            <a:spAutoFit/>
+          </a:bodyPr>
+          <a:lstStyle/>
+          <a:p>
+            <a:r>
+              <a:rPr lang="en-US" altLang="ja-JP" sz="1800" b="1" dirty="0" smtClean="0">
+                <a:solidFill>
+                  <a:schemeClr val="bg1"/>
+                </a:solidFill>
+                <a:latin typeface="メイリオ" panose="020B0604030504040204" pitchFamily="50" charset="-128"/>
+                <a:ea typeface="メイリオ" panose="020B0604030504040204" pitchFamily="50" charset="-128"/>
+                <a:cs typeface="メイリオ" panose="020B0604030504040204" pitchFamily="50" charset="-128"/>
+              </a:rPr>
+              <a:t>3</a:t>
+            </a:r>
+            <a:r>
+              <a:rPr lang="en-US" altLang="ja-JP" sz="1800" b="1" dirty="0" smtClean="0">
+                <a:solidFill>
+                  <a:schemeClr val="bg1"/>
+                </a:solidFill>
+                <a:latin typeface="メイリオ" panose="020B0604030504040204" pitchFamily="50" charset="-128"/>
+                <a:ea typeface="メイリオ" panose="020B0604030504040204" pitchFamily="50" charset="-128"/>
+                <a:cs typeface="メイリオ" panose="020B0604030504040204" pitchFamily="50" charset="-128"/>
+              </a:rPr>
+              <a:t>-4. </a:t>
+            </a:r>
+            <a:r>
+              <a:rPr lang="ja-JP" altLang="en-US" sz="1800" b="1" dirty="0" smtClean="0">
+                <a:solidFill>
+                  <a:schemeClr val="bg1"/>
+                </a:solidFill>
+                <a:latin typeface="メイリオ" panose="020B0604030504040204" pitchFamily="50" charset="-128"/>
+                <a:ea typeface="メイリオ" panose="020B0604030504040204" pitchFamily="50" charset="-128"/>
+                <a:cs typeface="メイリオ" panose="020B0604030504040204" pitchFamily="50" charset="-128"/>
+              </a:rPr>
+              <a:t>座標指定移動</a:t>
+            </a:r>
+            <a:endParaRPr lang="en-US" altLang="ja-JP" sz="1800" b="1" dirty="0" smtClean="0">
+              <a:solidFill>
+                <a:schemeClr val="bg1"/>
+              </a:solidFill>
+              <a:latin typeface="メイリオ" panose="020B0604030504040204" pitchFamily="50" charset="-128"/>
+              <a:ea typeface="メイリオ" panose="020B0604030504040204" pitchFamily="50" charset="-128"/>
+              <a:cs typeface="メイリオ" panose="020B0604030504040204" pitchFamily="50" charset="-128"/>
+            </a:endParaRPr>
+          </a:p>
+        </p:txBody>
+      </p:sp>
+      <p:sp>
+        <p:nvSpPr>
+          <p:cNvPr id="24" name="正方形/長方形 23"/>
+          <p:cNvSpPr/>
+          <p:nvPr/>
+        </p:nvSpPr>
+        <p:spPr>
+          <a:xfrm>
+            <a:off x="361022" y="7357482"/>
+            <a:ext cx="3580539" cy="2922083"/>
+          </a:xfrm>
+          <a:prstGeom prst="rect">
+            <a:avLst/>
+          </a:prstGeom>
+          <a:noFill/>
+          <a:ln w="25400">
+            <a:solidFill>
+              <a:srgbClr val="D24726"/>
+            </a:solidFill>
+          </a:ln>
+        </p:spPr>
+        <p:style>
+          <a:lnRef idx="2">
+            <a:schemeClr val="accent1">
+              <a:shade val="50000"/>
+            </a:schemeClr>
+          </a:lnRef>
+          <a:fillRef idx="1">
+            <a:schemeClr val="accent1"/>
+          </a:fillRef>
+          <a:effectRef idx="0">
+            <a:schemeClr val="accent1"/>
+          </a:effectRef>
+          <a:fontRef idx="minor">
+            <a:schemeClr val="lt1"/>
+          </a:fontRef>
+        </p:style>
+        <p:txBody>
+          <a:bodyPr rtlCol="0" anchor="ctr"/>
+          <a:lstStyle/>
+          <a:p>
+            <a:pPr algn="ctr"/>
+            <a:endParaRPr kumimoji="1" lang="ja-JP" altLang="en-US"/>
+          </a:p>
+        </p:txBody>
+      </p:sp>
+      <p:sp>
+        <p:nvSpPr>
+          <p:cNvPr id="25" name="テキスト ボックス 24"/>
+          <p:cNvSpPr txBox="1"/>
+          <p:nvPr/>
+        </p:nvSpPr>
+        <p:spPr>
+          <a:xfrm>
+            <a:off x="8778881" y="2132426"/>
+            <a:ext cx="1452642" cy="369332"/>
+          </a:xfrm>
+          <a:prstGeom prst="rect">
+            <a:avLst/>
+          </a:prstGeom>
+          <a:solidFill>
+            <a:srgbClr val="D24726"/>
+          </a:solidFill>
+        </p:spPr>
+        <p:txBody>
+          <a:bodyPr wrap="none" rtlCol="0">
+            <a:spAutoFit/>
+          </a:bodyPr>
+          <a:lstStyle/>
+          <a:p>
+            <a:r>
+              <a:rPr lang="en-US" altLang="ja-JP" sz="1800" b="1" dirty="0" smtClean="0">
+                <a:solidFill>
+                  <a:schemeClr val="bg1"/>
+                </a:solidFill>
+                <a:latin typeface="メイリオ" panose="020B0604030504040204" pitchFamily="50" charset="-128"/>
+                <a:ea typeface="メイリオ" panose="020B0604030504040204" pitchFamily="50" charset="-128"/>
+                <a:cs typeface="メイリオ" panose="020B0604030504040204" pitchFamily="50" charset="-128"/>
+              </a:rPr>
+              <a:t>3</a:t>
+            </a:r>
+            <a:r>
+              <a:rPr lang="en-US" altLang="ja-JP" sz="1800" b="1" dirty="0" smtClean="0">
+                <a:solidFill>
+                  <a:schemeClr val="bg1"/>
+                </a:solidFill>
+                <a:latin typeface="メイリオ" panose="020B0604030504040204" pitchFamily="50" charset="-128"/>
+                <a:ea typeface="メイリオ" panose="020B0604030504040204" pitchFamily="50" charset="-128"/>
+                <a:cs typeface="メイリオ" panose="020B0604030504040204" pitchFamily="50" charset="-128"/>
+              </a:rPr>
+              <a:t>-6. </a:t>
+            </a:r>
+            <a:r>
+              <a:rPr lang="ja-JP" altLang="en-US" sz="1800" b="1" dirty="0">
+                <a:solidFill>
+                  <a:schemeClr val="bg1"/>
+                </a:solidFill>
+                <a:latin typeface="メイリオ" panose="020B0604030504040204" pitchFamily="50" charset="-128"/>
+                <a:ea typeface="メイリオ" panose="020B0604030504040204" pitchFamily="50" charset="-128"/>
+                <a:cs typeface="メイリオ" panose="020B0604030504040204" pitchFamily="50" charset="-128"/>
+              </a:rPr>
+              <a:t>ゲーム</a:t>
+            </a:r>
+            <a:endParaRPr lang="en-US" altLang="ja-JP" sz="1800" b="1" dirty="0" smtClean="0">
+              <a:solidFill>
+                <a:schemeClr val="bg1"/>
+              </a:solidFill>
+              <a:latin typeface="メイリオ" panose="020B0604030504040204" pitchFamily="50" charset="-128"/>
+              <a:ea typeface="メイリオ" panose="020B0604030504040204" pitchFamily="50" charset="-128"/>
+              <a:cs typeface="メイリオ" panose="020B0604030504040204" pitchFamily="50" charset="-128"/>
+            </a:endParaRPr>
+          </a:p>
+        </p:txBody>
+      </p:sp>
+      <p:sp>
+        <p:nvSpPr>
+          <p:cNvPr id="26" name="正方形/長方形 25"/>
+          <p:cNvSpPr/>
+          <p:nvPr/>
+        </p:nvSpPr>
+        <p:spPr>
+          <a:xfrm>
+            <a:off x="8778880" y="2132427"/>
+            <a:ext cx="5152273" cy="1657201"/>
+          </a:xfrm>
+          <a:prstGeom prst="rect">
+            <a:avLst/>
+          </a:prstGeom>
+          <a:noFill/>
+          <a:ln w="25400">
+            <a:solidFill>
+              <a:srgbClr val="D24726"/>
+            </a:solidFill>
+          </a:ln>
+        </p:spPr>
+        <p:style>
+          <a:lnRef idx="2">
+            <a:schemeClr val="accent1">
+              <a:shade val="50000"/>
+            </a:schemeClr>
+          </a:lnRef>
+          <a:fillRef idx="1">
+            <a:schemeClr val="accent1"/>
+          </a:fillRef>
+          <a:effectRef idx="0">
+            <a:schemeClr val="accent1"/>
+          </a:effectRef>
+          <a:fontRef idx="minor">
+            <a:schemeClr val="lt1"/>
+          </a:fontRef>
+        </p:style>
+        <p:txBody>
+          <a:bodyPr rtlCol="0" anchor="ctr"/>
+          <a:lstStyle/>
+          <a:p>
+            <a:pPr algn="ctr"/>
+            <a:endParaRPr kumimoji="1" lang="ja-JP" altLang="en-US"/>
+          </a:p>
+        </p:txBody>
+      </p:sp>
+      <p:sp>
+        <p:nvSpPr>
+          <p:cNvPr id="27" name="テキスト ボックス 26"/>
+          <p:cNvSpPr txBox="1"/>
+          <p:nvPr/>
+        </p:nvSpPr>
+        <p:spPr>
+          <a:xfrm>
+            <a:off x="4034192" y="6564947"/>
+            <a:ext cx="2760692" cy="369332"/>
+          </a:xfrm>
+          <a:prstGeom prst="rect">
+            <a:avLst/>
+          </a:prstGeom>
+          <a:solidFill>
+            <a:srgbClr val="D24726"/>
+          </a:solidFill>
+        </p:spPr>
+        <p:txBody>
+          <a:bodyPr wrap="none" rtlCol="0">
+            <a:spAutoFit/>
+          </a:bodyPr>
+          <a:lstStyle/>
+          <a:p>
+            <a:r>
+              <a:rPr lang="en-US" altLang="ja-JP" sz="1800" b="1" dirty="0" smtClean="0">
+                <a:solidFill>
+                  <a:schemeClr val="bg1"/>
+                </a:solidFill>
+                <a:latin typeface="メイリオ" panose="020B0604030504040204" pitchFamily="50" charset="-128"/>
+                <a:ea typeface="メイリオ" panose="020B0604030504040204" pitchFamily="50" charset="-128"/>
+                <a:cs typeface="メイリオ" panose="020B0604030504040204" pitchFamily="50" charset="-128"/>
+              </a:rPr>
+              <a:t>3</a:t>
+            </a:r>
+            <a:r>
+              <a:rPr lang="en-US" altLang="ja-JP" sz="1800" b="1" dirty="0" smtClean="0">
+                <a:solidFill>
+                  <a:schemeClr val="bg1"/>
+                </a:solidFill>
+                <a:latin typeface="メイリオ" panose="020B0604030504040204" pitchFamily="50" charset="-128"/>
+                <a:ea typeface="メイリオ" panose="020B0604030504040204" pitchFamily="50" charset="-128"/>
+                <a:cs typeface="メイリオ" panose="020B0604030504040204" pitchFamily="50" charset="-128"/>
+              </a:rPr>
+              <a:t>-5.</a:t>
+            </a:r>
+            <a:r>
+              <a:rPr lang="ja-JP" altLang="en-US" sz="1800" b="1" dirty="0">
+                <a:solidFill>
+                  <a:schemeClr val="bg1"/>
+                </a:solidFill>
+                <a:latin typeface="メイリオ" panose="020B0604030504040204" pitchFamily="50" charset="-128"/>
+                <a:ea typeface="メイリオ" panose="020B0604030504040204" pitchFamily="50" charset="-128"/>
+                <a:cs typeface="メイリオ" panose="020B0604030504040204" pitchFamily="50" charset="-128"/>
+              </a:rPr>
+              <a:t>色認識・アーム制御</a:t>
+            </a:r>
+            <a:endParaRPr lang="en-US" altLang="ja-JP" sz="1800" b="1" dirty="0">
+              <a:solidFill>
+                <a:schemeClr val="bg1"/>
+              </a:solidFill>
+              <a:latin typeface="メイリオ" panose="020B0604030504040204" pitchFamily="50" charset="-128"/>
+              <a:ea typeface="メイリオ" panose="020B0604030504040204" pitchFamily="50" charset="-128"/>
+              <a:cs typeface="メイリオ" panose="020B0604030504040204" pitchFamily="50" charset="-128"/>
+            </a:endParaRPr>
+          </a:p>
+        </p:txBody>
+      </p:sp>
+      <p:sp>
+        <p:nvSpPr>
+          <p:cNvPr id="28" name="正方形/長方形 27"/>
+          <p:cNvSpPr/>
+          <p:nvPr/>
+        </p:nvSpPr>
+        <p:spPr>
+          <a:xfrm>
+            <a:off x="4034191" y="6564947"/>
+            <a:ext cx="4744689" cy="3714617"/>
+          </a:xfrm>
+          <a:prstGeom prst="rect">
+            <a:avLst/>
+          </a:prstGeom>
+          <a:noFill/>
+          <a:ln w="25400">
+            <a:solidFill>
+              <a:srgbClr val="D24726"/>
+            </a:solidFill>
+          </a:ln>
+        </p:spPr>
+        <p:style>
+          <a:lnRef idx="2">
+            <a:schemeClr val="accent1">
+              <a:shade val="50000"/>
+            </a:schemeClr>
+          </a:lnRef>
+          <a:fillRef idx="1">
+            <a:schemeClr val="accent1"/>
+          </a:fillRef>
+          <a:effectRef idx="0">
+            <a:schemeClr val="accent1"/>
+          </a:effectRef>
+          <a:fontRef idx="minor">
+            <a:schemeClr val="lt1"/>
+          </a:fontRef>
+        </p:style>
+        <p:txBody>
+          <a:bodyPr rtlCol="0" anchor="ctr"/>
+          <a:lstStyle/>
+          <a:p>
+            <a:pPr algn="ctr"/>
+            <a:endParaRPr kumimoji="1" lang="ja-JP" altLang="en-US"/>
+          </a:p>
+        </p:txBody>
+      </p:sp>
+      <p:sp>
+        <p:nvSpPr>
+          <p:cNvPr id="33" name="テキスト ボックス 32"/>
+          <p:cNvSpPr txBox="1"/>
+          <p:nvPr/>
+        </p:nvSpPr>
+        <p:spPr>
+          <a:xfrm>
+            <a:off x="8778881" y="4821083"/>
+            <a:ext cx="1221809" cy="369332"/>
+          </a:xfrm>
+          <a:prstGeom prst="rect">
+            <a:avLst/>
+          </a:prstGeom>
+          <a:solidFill>
+            <a:srgbClr val="D24726"/>
+          </a:solidFill>
+        </p:spPr>
+        <p:txBody>
+          <a:bodyPr wrap="none" rtlCol="0">
+            <a:spAutoFit/>
+          </a:bodyPr>
+          <a:lstStyle/>
+          <a:p>
+            <a:r>
+              <a:rPr lang="en-US" altLang="ja-JP" sz="1800" b="1" dirty="0" smtClean="0">
+                <a:solidFill>
+                  <a:schemeClr val="bg1"/>
+                </a:solidFill>
+                <a:latin typeface="メイリオ" panose="020B0604030504040204" pitchFamily="50" charset="-128"/>
+                <a:ea typeface="メイリオ" panose="020B0604030504040204" pitchFamily="50" charset="-128"/>
+                <a:cs typeface="メイリオ" panose="020B0604030504040204" pitchFamily="50" charset="-128"/>
+              </a:rPr>
+              <a:t>3</a:t>
+            </a:r>
+            <a:r>
+              <a:rPr lang="en-US" altLang="ja-JP" sz="1800" b="1" dirty="0" smtClean="0">
+                <a:solidFill>
+                  <a:schemeClr val="bg1"/>
+                </a:solidFill>
+                <a:latin typeface="メイリオ" panose="020B0604030504040204" pitchFamily="50" charset="-128"/>
+                <a:ea typeface="メイリオ" panose="020B0604030504040204" pitchFamily="50" charset="-128"/>
+                <a:cs typeface="メイリオ" panose="020B0604030504040204" pitchFamily="50" charset="-128"/>
+              </a:rPr>
+              <a:t>-7. </a:t>
+            </a:r>
+            <a:r>
+              <a:rPr lang="ja-JP" altLang="en-US" sz="1800" b="1" dirty="0" smtClean="0">
+                <a:solidFill>
+                  <a:schemeClr val="bg1"/>
+                </a:solidFill>
+                <a:latin typeface="メイリオ" panose="020B0604030504040204" pitchFamily="50" charset="-128"/>
+                <a:ea typeface="メイリオ" panose="020B0604030504040204" pitchFamily="50" charset="-128"/>
+                <a:cs typeface="メイリオ" panose="020B0604030504040204" pitchFamily="50" charset="-128"/>
+              </a:rPr>
+              <a:t>走行</a:t>
+            </a:r>
+            <a:endParaRPr lang="en-US" altLang="ja-JP" sz="1800" b="1" dirty="0" smtClean="0">
+              <a:solidFill>
+                <a:schemeClr val="bg1"/>
+              </a:solidFill>
+              <a:latin typeface="メイリオ" panose="020B0604030504040204" pitchFamily="50" charset="-128"/>
+              <a:ea typeface="メイリオ" panose="020B0604030504040204" pitchFamily="50" charset="-128"/>
+              <a:cs typeface="メイリオ" panose="020B0604030504040204" pitchFamily="50" charset="-128"/>
+            </a:endParaRPr>
+          </a:p>
+        </p:txBody>
+      </p:sp>
+      <p:sp>
+        <p:nvSpPr>
+          <p:cNvPr id="34" name="正方形/長方形 33"/>
+          <p:cNvSpPr/>
+          <p:nvPr/>
+        </p:nvSpPr>
+        <p:spPr>
+          <a:xfrm>
+            <a:off x="8778880" y="4821084"/>
+            <a:ext cx="5152273" cy="1657201"/>
+          </a:xfrm>
+          <a:prstGeom prst="rect">
+            <a:avLst/>
+          </a:prstGeom>
+          <a:noFill/>
+          <a:ln w="25400">
+            <a:solidFill>
+              <a:srgbClr val="D24726"/>
+            </a:solidFill>
+          </a:ln>
+        </p:spPr>
+        <p:style>
+          <a:lnRef idx="2">
+            <a:schemeClr val="accent1">
+              <a:shade val="50000"/>
+            </a:schemeClr>
+          </a:lnRef>
+          <a:fillRef idx="1">
+            <a:schemeClr val="accent1"/>
+          </a:fillRef>
+          <a:effectRef idx="0">
+            <a:schemeClr val="accent1"/>
+          </a:effectRef>
+          <a:fontRef idx="minor">
+            <a:schemeClr val="lt1"/>
+          </a:fontRef>
+        </p:style>
+        <p:txBody>
+          <a:bodyPr rtlCol="0" anchor="ctr"/>
+          <a:lstStyle/>
+          <a:p>
+            <a:pPr algn="ctr"/>
+            <a:endParaRPr kumimoji="1" lang="ja-JP" altLang="en-US"/>
+          </a:p>
+        </p:txBody>
+      </p:sp>
+      <p:pic>
+        <p:nvPicPr>
+          <p:cNvPr id="2" name="図 1"/>
+          <p:cNvPicPr>
+            <a:picLocks noChangeAspect="1"/>
+          </p:cNvPicPr>
+          <p:nvPr/>
+        </p:nvPicPr>
+        <p:blipFill>
+          <a:blip r:embed="rId2">
+            <a:extLst>
+              <a:ext uri="{28A0092B-C50C-407E-A947-70E740481C1C}">
+                <a14:useLocalDpi xmlns:a14="http://schemas.microsoft.com/office/drawing/2010/main" val="0"/>
+              </a:ext>
+            </a:extLst>
+          </a:blip>
+          <a:stretch>
+            <a:fillRect/>
+          </a:stretch>
+        </p:blipFill>
+        <p:spPr>
+          <a:xfrm>
+            <a:off x="4192642" y="6861953"/>
+            <a:ext cx="3314573" cy="3215497"/>
+          </a:xfrm>
+          <a:prstGeom prst="rect">
+            <a:avLst/>
+          </a:prstGeom>
+        </p:spPr>
+      </p:pic>
     </p:spTree>
     <p:extLst>
       <p:ext uri="{BB962C8B-B14F-4D97-AF65-F5344CB8AC3E}">

--- a/design/2016/models/3_control_model.pptx
+++ b/design/2016/models/3_control_model.pptx
@@ -4525,8 +4525,8 @@
         </p:nvSpPr>
         <p:spPr>
           <a:xfrm>
-            <a:off x="361022" y="1763095"/>
-            <a:ext cx="4891900" cy="3560019"/>
+            <a:off x="361022" y="1763097"/>
+            <a:ext cx="4891900" cy="2674844"/>
           </a:xfrm>
           <a:prstGeom prst="rect">
             <a:avLst/>
@@ -4560,49 +4560,6 @@
           <a:p>
             <a:pPr algn="ctr"/>
             <a:endParaRPr kumimoji="1" lang="ja-JP" altLang="en-US"/>
-          </a:p>
-        </p:txBody>
-      </p:sp>
-      <p:sp>
-        <p:nvSpPr>
-          <p:cNvPr id="16" name="テキスト ボックス 15"/>
-          <p:cNvSpPr txBox="1"/>
-          <p:nvPr/>
-        </p:nvSpPr>
-        <p:spPr>
-          <a:xfrm>
-            <a:off x="834582" y="5537013"/>
-            <a:ext cx="1210588" cy="400110"/>
-          </a:xfrm>
-          <a:prstGeom prst="rect">
-            <a:avLst/>
-          </a:prstGeom>
-          <a:noFill/>
-        </p:spPr>
-        <p:txBody>
-          <a:bodyPr wrap="none" spcCol="36000" rtlCol="0">
-            <a:spAutoFit/>
-          </a:bodyPr>
-          <a:lstStyle/>
-          <a:p>
-            <a:pPr>
-              <a:spcAft>
-                <a:spcPts val="1800"/>
-              </a:spcAft>
-            </a:pPr>
-            <a:r>
-              <a:rPr lang="ja-JP" altLang="en-US" sz="2000" dirty="0" smtClean="0">
-                <a:latin typeface="メイリオ" panose="020B0604030504040204" pitchFamily="50" charset="-128"/>
-                <a:ea typeface="メイリオ" panose="020B0604030504040204" pitchFamily="50" charset="-128"/>
-                <a:cs typeface="メイリオ" panose="020B0604030504040204" pitchFamily="50" charset="-128"/>
-              </a:rPr>
-              <a:t>コメント</a:t>
-            </a:r>
-            <a:endParaRPr lang="en-US" altLang="ja-JP" sz="2000" dirty="0">
-              <a:latin typeface="メイリオ" panose="020B0604030504040204" pitchFamily="50" charset="-128"/>
-              <a:ea typeface="メイリオ" panose="020B0604030504040204" pitchFamily="50" charset="-128"/>
-              <a:cs typeface="メイリオ" panose="020B0604030504040204" pitchFamily="50" charset="-128"/>
-            </a:endParaRPr>
           </a:p>
         </p:txBody>
       </p:sp>
@@ -4672,7 +4629,7 @@
         <p:spPr>
           <a:xfrm>
             <a:off x="5252923" y="1763095"/>
-            <a:ext cx="5281728" cy="2681934"/>
+            <a:ext cx="5281728" cy="2182871"/>
           </a:xfrm>
           <a:prstGeom prst="rect">
             <a:avLst/>
@@ -4717,7 +4674,7 @@
         </p:nvSpPr>
         <p:spPr>
           <a:xfrm>
-            <a:off x="5262820" y="4462670"/>
+            <a:off x="5259935" y="3948568"/>
             <a:ext cx="2145139" cy="369332"/>
           </a:xfrm>
           <a:prstGeom prst="rect">
@@ -4774,8 +4731,8 @@
         </p:nvSpPr>
         <p:spPr>
           <a:xfrm>
-            <a:off x="5262819" y="4462671"/>
-            <a:ext cx="5271831" cy="3040940"/>
+            <a:off x="5259934" y="3948569"/>
+            <a:ext cx="5271831" cy="3001152"/>
           </a:xfrm>
           <a:prstGeom prst="rect">
             <a:avLst/>
@@ -4820,7 +4777,7 @@
         </p:nvSpPr>
         <p:spPr>
           <a:xfrm>
-            <a:off x="361023" y="7357482"/>
+            <a:off x="361023" y="4442430"/>
             <a:ext cx="2145139" cy="369332"/>
           </a:xfrm>
           <a:prstGeom prst="rect">
@@ -4877,8 +4834,8 @@
         </p:nvSpPr>
         <p:spPr>
           <a:xfrm>
-            <a:off x="361022" y="7357482"/>
-            <a:ext cx="3580539" cy="2922083"/>
+            <a:off x="361022" y="4442430"/>
+            <a:ext cx="4895544" cy="2378003"/>
           </a:xfrm>
           <a:prstGeom prst="rect">
             <a:avLst/>
@@ -4923,7 +4880,7 @@
         </p:nvSpPr>
         <p:spPr>
           <a:xfrm>
-            <a:off x="11407781" y="2161763"/>
+            <a:off x="7133943" y="6958372"/>
             <a:ext cx="1452642" cy="369332"/>
           </a:xfrm>
           <a:prstGeom prst="rect">
@@ -4980,8 +4937,8 @@
         </p:nvSpPr>
         <p:spPr>
           <a:xfrm>
-            <a:off x="11407780" y="2161764"/>
-            <a:ext cx="5152273" cy="1657201"/>
+            <a:off x="7133942" y="6958373"/>
+            <a:ext cx="7619200" cy="3596010"/>
           </a:xfrm>
           <a:prstGeom prst="rect">
             <a:avLst/>
@@ -5026,7 +4983,7 @@
         </p:nvSpPr>
         <p:spPr>
           <a:xfrm>
-            <a:off x="4163709" y="7776876"/>
+            <a:off x="334376" y="6828266"/>
             <a:ext cx="2760692" cy="369332"/>
           </a:xfrm>
           <a:prstGeom prst="rect">
@@ -5083,7 +5040,7 @@
         </p:nvSpPr>
         <p:spPr>
           <a:xfrm>
-            <a:off x="4163709" y="7776876"/>
+            <a:off x="334376" y="6828266"/>
             <a:ext cx="6780516" cy="3714618"/>
           </a:xfrm>
           <a:prstGeom prst="rect">
@@ -5129,7 +5086,7 @@
         </p:nvSpPr>
         <p:spPr>
           <a:xfrm>
-            <a:off x="11216032" y="5762237"/>
+            <a:off x="10560079" y="1770055"/>
             <a:ext cx="1221809" cy="369332"/>
           </a:xfrm>
           <a:prstGeom prst="rect">
@@ -5186,8 +5143,8 @@
         </p:nvSpPr>
         <p:spPr>
           <a:xfrm>
-            <a:off x="11216031" y="5762238"/>
-            <a:ext cx="5916834" cy="4821898"/>
+            <a:off x="10560078" y="1762372"/>
+            <a:ext cx="4193064" cy="5196000"/>
           </a:xfrm>
           <a:prstGeom prst="rect">
             <a:avLst/>
@@ -5220,7 +5177,7 @@
           <a:lstStyle/>
           <a:p>
             <a:pPr algn="ctr"/>
-            <a:endParaRPr kumimoji="1" lang="ja-JP" altLang="en-US"/>
+            <a:endParaRPr kumimoji="1" lang="ja-JP" altLang="en-US" dirty="0"/>
           </a:p>
         </p:txBody>
       </p:sp>
@@ -5232,7 +5189,7 @@
         </p:nvSpPr>
         <p:spPr>
           <a:xfrm>
-            <a:off x="9439938" y="9944059"/>
+            <a:off x="5610605" y="8995449"/>
             <a:ext cx="1538425" cy="523220"/>
           </a:xfrm>
           <a:prstGeom prst="rect">
@@ -5257,15 +5214,7 @@
                 <a:ea typeface="メイリオ" panose="020B0604030504040204" pitchFamily="50" charset="-128"/>
                 <a:cs typeface="メイリオ" panose="020B0604030504040204" pitchFamily="50" charset="-128"/>
               </a:rPr>
-              <a:t>アーム</a:t>
-            </a:r>
-            <a:r>
-              <a:rPr lang="ja-JP" altLang="en-US" sz="700" dirty="0" smtClean="0">
-                <a:latin typeface="メイリオ" panose="020B0604030504040204" pitchFamily="50" charset="-128"/>
-                <a:ea typeface="メイリオ" panose="020B0604030504040204" pitchFamily="50" charset="-128"/>
-                <a:cs typeface="メイリオ" panose="020B0604030504040204" pitchFamily="50" charset="-128"/>
-              </a:rPr>
-              <a:t>角度</a:t>
+              <a:t>アーム角度</a:t>
             </a:r>
             <a:r>
               <a:rPr lang="en-US" altLang="ja-JP" sz="700" dirty="0" smtClean="0">
@@ -5281,23 +5230,7 @@
                 <a:ea typeface="メイリオ" panose="020B0604030504040204" pitchFamily="50" charset="-128"/>
                 <a:cs typeface="メイリオ" panose="020B0604030504040204" pitchFamily="50" charset="-128"/>
               </a:rPr>
-              <a:t>度周辺</a:t>
-            </a:r>
-            <a:r>
-              <a:rPr lang="ja-JP" altLang="en-US" sz="700" dirty="0" smtClean="0">
-                <a:latin typeface="メイリオ" panose="020B0604030504040204" pitchFamily="50" charset="-128"/>
-                <a:ea typeface="メイリオ" panose="020B0604030504040204" pitchFamily="50" charset="-128"/>
-                <a:cs typeface="メイリオ" panose="020B0604030504040204" pitchFamily="50" charset="-128"/>
-              </a:rPr>
-              <a:t>で色が確実に区別できることがわかった</a:t>
-            </a:r>
-            <a:r>
-              <a:rPr lang="ja-JP" altLang="en-US" sz="700" dirty="0" smtClean="0">
-                <a:latin typeface="メイリオ" panose="020B0604030504040204" pitchFamily="50" charset="-128"/>
-                <a:ea typeface="メイリオ" panose="020B0604030504040204" pitchFamily="50" charset="-128"/>
-                <a:cs typeface="メイリオ" panose="020B0604030504040204" pitchFamily="50" charset="-128"/>
-              </a:rPr>
-              <a:t>。</a:t>
+              <a:t>度周辺で色が確実に区別できることがわかった。</a:t>
             </a:r>
             <a:r>
               <a:rPr lang="en-US" altLang="ja-JP" sz="700" dirty="0" smtClean="0">
@@ -5360,23 +5293,7 @@
                 <a:ea typeface="メイリオ" panose="020B0604030504040204" pitchFamily="50" charset="-128"/>
                 <a:cs typeface="メイリオ" panose="020B0604030504040204" pitchFamily="50" charset="-128"/>
               </a:rPr>
-              <a:t>黒</a:t>
-            </a:r>
-            <a:r>
-              <a:rPr lang="ja-JP" altLang="en-US" sz="700" dirty="0" smtClean="0">
-                <a:latin typeface="メイリオ" panose="020B0604030504040204" pitchFamily="50" charset="-128"/>
-                <a:ea typeface="メイリオ" panose="020B0604030504040204" pitchFamily="50" charset="-128"/>
-                <a:cs typeface="メイリオ" panose="020B0604030504040204" pitchFamily="50" charset="-128"/>
-              </a:rPr>
-              <a:t>として認識</a:t>
-            </a:r>
-            <a:r>
-              <a:rPr lang="ja-JP" altLang="en-US" sz="700" dirty="0" smtClean="0">
-                <a:latin typeface="メイリオ" panose="020B0604030504040204" pitchFamily="50" charset="-128"/>
-                <a:ea typeface="メイリオ" panose="020B0604030504040204" pitchFamily="50" charset="-128"/>
-                <a:cs typeface="メイリオ" panose="020B0604030504040204" pitchFamily="50" charset="-128"/>
-              </a:rPr>
-              <a:t>させる</a:t>
+              <a:t>黒として認識させる</a:t>
             </a:r>
             <a:r>
               <a:rPr lang="en-US" altLang="ja-JP" sz="700" dirty="0" smtClean="0">
@@ -5416,8 +5333,8 @@
         </p:blipFill>
         <p:spPr>
           <a:xfrm>
-            <a:off x="13414089" y="5831238"/>
-            <a:ext cx="3628372" cy="4683898"/>
+            <a:off x="10619727" y="2531142"/>
+            <a:ext cx="3045463" cy="3931416"/>
           </a:xfrm>
           <a:prstGeom prst="rect">
             <a:avLst/>
@@ -5432,7 +5349,7 @@
         </p:nvGrpSpPr>
         <p:grpSpPr>
           <a:xfrm>
-            <a:off x="5338617" y="4572762"/>
+            <a:off x="5335732" y="4058660"/>
             <a:ext cx="4921834" cy="2844059"/>
             <a:chOff x="5230762" y="3703747"/>
             <a:chExt cx="6023254" cy="3480510"/>
@@ -5842,7 +5759,7 @@
             <a:prstGeom prst="line">
               <a:avLst/>
             </a:prstGeom>
-            <a:ln w="241300">
+            <a:ln w="152400">
               <a:solidFill>
                 <a:schemeClr val="tx1"/>
               </a:solidFill>
@@ -6056,7 +5973,7 @@
             <a:prstGeom prst="straightConnector1">
               <a:avLst/>
             </a:prstGeom>
-            <a:ln w="88900">
+            <a:ln w="50800">
               <a:solidFill>
                 <a:schemeClr val="accent4"/>
               </a:solidFill>
@@ -6092,7 +6009,7 @@
             <a:prstGeom prst="straightConnector1">
               <a:avLst/>
             </a:prstGeom>
-            <a:ln w="88900">
+            <a:ln w="50800">
               <a:solidFill>
                 <a:srgbClr val="00B0F0"/>
               </a:solidFill>
@@ -6204,7 +6121,7 @@
             <a:prstGeom prst="line">
               <a:avLst/>
             </a:prstGeom>
-            <a:ln w="241300">
+            <a:ln w="152400">
               <a:solidFill>
                 <a:schemeClr val="tx1"/>
               </a:solidFill>
@@ -6412,13 +6329,13 @@
           </p:nvCxnSpPr>
           <p:spPr>
             <a:xfrm flipV="1">
-              <a:off x="9335873" y="5489056"/>
+              <a:off x="9322860" y="5489056"/>
               <a:ext cx="0" cy="1056564"/>
             </a:xfrm>
             <a:prstGeom prst="straightConnector1">
               <a:avLst/>
             </a:prstGeom>
-            <a:ln w="88900">
+            <a:ln w="50800">
               <a:solidFill>
                 <a:schemeClr val="accent4"/>
               </a:solidFill>
@@ -6454,7 +6371,7 @@
             <a:prstGeom prst="straightConnector1">
               <a:avLst/>
             </a:prstGeom>
-            <a:ln w="88900">
+            <a:ln w="50800">
               <a:solidFill>
                 <a:srgbClr val="92D050"/>
               </a:solidFill>
@@ -6490,7 +6407,7 @@
             <a:prstGeom prst="straightConnector1">
               <a:avLst/>
             </a:prstGeom>
-            <a:ln w="88900">
+            <a:ln w="50800">
               <a:solidFill>
                 <a:srgbClr val="92D050"/>
               </a:solidFill>
@@ -6520,8 +6437,8 @@
           </p:nvSpPr>
           <p:spPr>
             <a:xfrm>
-              <a:off x="7107663" y="4573192"/>
-              <a:ext cx="1261884" cy="200055"/>
+              <a:off x="7107662" y="4573192"/>
+              <a:ext cx="1434415" cy="244824"/>
             </a:xfrm>
             <a:prstGeom prst="rect">
               <a:avLst/>
@@ -6543,7 +6460,29 @@
                   <a:ea typeface="メイリオ" panose="020B0604030504040204" pitchFamily="50" charset="-128"/>
                   <a:cs typeface="メイリオ" panose="020B0604030504040204" pitchFamily="50" charset="-128"/>
                 </a:rPr>
-                <a:t>このまま走行を続ける場合</a:t>
+                <a:t>このまま走行を</a:t>
+              </a:r>
+              <a:r>
+                <a:rPr lang="ja-JP" altLang="en-US" sz="700" dirty="0" smtClean="0">
+                  <a:solidFill>
+                    <a:srgbClr val="FF0000"/>
+                  </a:solidFill>
+                  <a:latin typeface="メイリオ" panose="020B0604030504040204" pitchFamily="50" charset="-128"/>
+                  <a:ea typeface="メイリオ" panose="020B0604030504040204" pitchFamily="50" charset="-128"/>
+                  <a:cs typeface="メイリオ" panose="020B0604030504040204" pitchFamily="50" charset="-128"/>
+                </a:rPr>
+                <a:t>続ける</a:t>
+              </a:r>
+              <a:r>
+                <a:rPr lang="ja-JP" altLang="en-US" sz="700" dirty="0">
+                  <a:solidFill>
+                    <a:srgbClr val="FF0000"/>
+                  </a:solidFill>
+                  <a:latin typeface="メイリオ" panose="020B0604030504040204" pitchFamily="50" charset="-128"/>
+                  <a:ea typeface="メイリオ" panose="020B0604030504040204" pitchFamily="50" charset="-128"/>
+                  <a:cs typeface="メイリオ" panose="020B0604030504040204" pitchFamily="50" charset="-128"/>
+                </a:rPr>
+                <a:t>と</a:t>
               </a:r>
               <a:endParaRPr kumimoji="1" lang="ja-JP" altLang="en-US" sz="700" dirty="0">
                 <a:solidFill>
@@ -6995,675 +6934,18 @@
           </p:txBody>
         </p:sp>
       </p:grpSp>
-      <p:grpSp>
-        <p:nvGrpSpPr>
-          <p:cNvPr id="165" name="グループ化 164"/>
-          <p:cNvGrpSpPr>
-            <a:grpSpLocks noChangeAspect="1"/>
-          </p:cNvGrpSpPr>
-          <p:nvPr/>
-        </p:nvGrpSpPr>
-        <p:grpSpPr>
-          <a:xfrm>
-            <a:off x="486730" y="2700695"/>
-            <a:ext cx="3520893" cy="3612466"/>
-            <a:chOff x="5764393" y="5075633"/>
-            <a:chExt cx="4890568" cy="5017764"/>
-          </a:xfrm>
-        </p:grpSpPr>
-        <p:sp>
-          <p:nvSpPr>
-            <p:cNvPr id="191" name="円弧 190"/>
-            <p:cNvSpPr>
-              <a:spLocks noChangeAspect="1"/>
-            </p:cNvSpPr>
-            <p:nvPr/>
-          </p:nvSpPr>
-          <p:spPr>
-            <a:xfrm>
-              <a:off x="5764393" y="5202241"/>
-              <a:ext cx="4890568" cy="4891156"/>
-            </a:xfrm>
-            <a:prstGeom prst="arc">
-              <a:avLst>
-                <a:gd name="adj1" fmla="val 12522286"/>
-                <a:gd name="adj2" fmla="val 14896127"/>
-              </a:avLst>
-            </a:prstGeom>
-            <a:ln w="19050">
-              <a:solidFill>
-                <a:schemeClr val="tx1"/>
-              </a:solidFill>
-              <a:prstDash val="solid"/>
-            </a:ln>
-          </p:spPr>
-          <p:style>
-            <a:lnRef idx="1">
-              <a:schemeClr val="accent1"/>
-            </a:lnRef>
-            <a:fillRef idx="0">
-              <a:schemeClr val="accent1"/>
-            </a:fillRef>
-            <a:effectRef idx="0">
-              <a:schemeClr val="accent1"/>
-            </a:effectRef>
-            <a:fontRef idx="minor">
-              <a:schemeClr val="tx1"/>
-            </a:fontRef>
-          </p:style>
-          <p:txBody>
-            <a:bodyPr rtlCol="0" anchor="ctr"/>
-            <a:lstStyle/>
-            <a:p>
-              <a:pPr algn="ctr"/>
-              <a:endParaRPr kumimoji="1" lang="ja-JP" altLang="en-US" sz="1600"/>
-            </a:p>
-          </p:txBody>
-        </p:sp>
-        <p:grpSp>
-          <p:nvGrpSpPr>
-            <p:cNvPr id="192" name="グループ化 191"/>
-            <p:cNvGrpSpPr/>
-            <p:nvPr/>
-          </p:nvGrpSpPr>
-          <p:grpSpPr>
-            <a:xfrm rot="3857177">
-              <a:off x="6778161" y="5238045"/>
-              <a:ext cx="737632" cy="412808"/>
-              <a:chOff x="7585665" y="2266306"/>
-              <a:chExt cx="737632" cy="412808"/>
-            </a:xfrm>
-          </p:grpSpPr>
-          <p:sp>
-            <p:nvSpPr>
-              <p:cNvPr id="199" name="角丸四角形 198"/>
-              <p:cNvSpPr/>
-              <p:nvPr/>
-            </p:nvSpPr>
-            <p:spPr>
-              <a:xfrm>
-                <a:off x="7585665" y="2266306"/>
-                <a:ext cx="102120" cy="403990"/>
-              </a:xfrm>
-              <a:prstGeom prst="roundRect">
-                <a:avLst>
-                  <a:gd name="adj" fmla="val 50000"/>
-                </a:avLst>
-              </a:prstGeom>
-              <a:solidFill>
-                <a:schemeClr val="bg2">
-                  <a:lumMod val="50000"/>
-                </a:schemeClr>
-              </a:solidFill>
-              <a:ln>
-                <a:solidFill>
-                  <a:schemeClr val="tx1"/>
-                </a:solidFill>
-              </a:ln>
-            </p:spPr>
-            <p:style>
-              <a:lnRef idx="2">
-                <a:schemeClr val="accent1">
-                  <a:shade val="50000"/>
-                </a:schemeClr>
-              </a:lnRef>
-              <a:fillRef idx="1">
-                <a:schemeClr val="accent1"/>
-              </a:fillRef>
-              <a:effectRef idx="0">
-                <a:schemeClr val="accent1"/>
-              </a:effectRef>
-              <a:fontRef idx="minor">
-                <a:schemeClr val="lt1"/>
-              </a:fontRef>
-            </p:style>
-            <p:txBody>
-              <a:bodyPr rtlCol="0" anchor="ctr"/>
-              <a:lstStyle/>
-              <a:p>
-                <a:pPr algn="ctr"/>
-                <a:endParaRPr kumimoji="1" lang="ja-JP" altLang="en-US" sz="1600" dirty="0">
-                  <a:latin typeface="HG丸ｺﾞｼｯｸM-PRO" panose="020F0600000000000000" pitchFamily="50" charset="-128"/>
-                  <a:ea typeface="HG丸ｺﾞｼｯｸM-PRO" panose="020F0600000000000000" pitchFamily="50" charset="-128"/>
-                </a:endParaRPr>
-              </a:p>
-            </p:txBody>
-          </p:sp>
-          <p:sp>
-            <p:nvSpPr>
-              <p:cNvPr id="200" name="角丸四角形 199"/>
-              <p:cNvSpPr/>
-              <p:nvPr/>
-            </p:nvSpPr>
-            <p:spPr>
-              <a:xfrm>
-                <a:off x="8221177" y="2275124"/>
-                <a:ext cx="102120" cy="403990"/>
-              </a:xfrm>
-              <a:prstGeom prst="roundRect">
-                <a:avLst>
-                  <a:gd name="adj" fmla="val 50000"/>
-                </a:avLst>
-              </a:prstGeom>
-              <a:solidFill>
-                <a:schemeClr val="bg2">
-                  <a:lumMod val="50000"/>
-                </a:schemeClr>
-              </a:solidFill>
-              <a:ln>
-                <a:solidFill>
-                  <a:schemeClr val="tx1"/>
-                </a:solidFill>
-              </a:ln>
-            </p:spPr>
-            <p:style>
-              <a:lnRef idx="2">
-                <a:schemeClr val="accent1">
-                  <a:shade val="50000"/>
-                </a:schemeClr>
-              </a:lnRef>
-              <a:fillRef idx="1">
-                <a:schemeClr val="accent1"/>
-              </a:fillRef>
-              <a:effectRef idx="0">
-                <a:schemeClr val="accent1"/>
-              </a:effectRef>
-              <a:fontRef idx="minor">
-                <a:schemeClr val="lt1"/>
-              </a:fontRef>
-            </p:style>
-            <p:txBody>
-              <a:bodyPr rtlCol="0" anchor="ctr"/>
-              <a:lstStyle/>
-              <a:p>
-                <a:pPr algn="ctr"/>
-                <a:endParaRPr kumimoji="1" lang="ja-JP" altLang="en-US" sz="1600" dirty="0">
-                  <a:latin typeface="HG丸ｺﾞｼｯｸM-PRO" panose="020F0600000000000000" pitchFamily="50" charset="-128"/>
-                  <a:ea typeface="HG丸ｺﾞｼｯｸM-PRO" panose="020F0600000000000000" pitchFamily="50" charset="-128"/>
-                </a:endParaRPr>
-              </a:p>
-            </p:txBody>
-          </p:sp>
-          <p:sp>
-            <p:nvSpPr>
-              <p:cNvPr id="201" name="正方形/長方形 200"/>
-              <p:cNvSpPr/>
-              <p:nvPr/>
-            </p:nvSpPr>
-            <p:spPr>
-              <a:xfrm>
-                <a:off x="7681436" y="2447194"/>
-                <a:ext cx="535374" cy="45719"/>
-              </a:xfrm>
-              <a:prstGeom prst="rect">
-                <a:avLst/>
-              </a:prstGeom>
-              <a:solidFill>
-                <a:schemeClr val="accent1">
-                  <a:lumMod val="20000"/>
-                  <a:lumOff val="80000"/>
-                </a:schemeClr>
-              </a:solidFill>
-              <a:ln w="12700">
-                <a:solidFill>
-                  <a:schemeClr val="tx1">
-                    <a:lumMod val="75000"/>
-                    <a:lumOff val="25000"/>
-                  </a:schemeClr>
-                </a:solidFill>
-              </a:ln>
-            </p:spPr>
-            <p:style>
-              <a:lnRef idx="2">
-                <a:schemeClr val="accent1">
-                  <a:shade val="50000"/>
-                </a:schemeClr>
-              </a:lnRef>
-              <a:fillRef idx="1">
-                <a:schemeClr val="accent1"/>
-              </a:fillRef>
-              <a:effectRef idx="0">
-                <a:schemeClr val="accent1"/>
-              </a:effectRef>
-              <a:fontRef idx="minor">
-                <a:schemeClr val="lt1"/>
-              </a:fontRef>
-            </p:style>
-            <p:txBody>
-              <a:bodyPr rtlCol="0" anchor="ctr"/>
-              <a:lstStyle/>
-              <a:p>
-                <a:pPr algn="ctr"/>
-                <a:endParaRPr kumimoji="1" lang="ja-JP" altLang="en-US" sz="1600" dirty="0">
-                  <a:latin typeface="HG丸ｺﾞｼｯｸM-PRO" panose="020F0600000000000000" pitchFamily="50" charset="-128"/>
-                  <a:ea typeface="HG丸ｺﾞｼｯｸM-PRO" panose="020F0600000000000000" pitchFamily="50" charset="-128"/>
-                </a:endParaRPr>
-              </a:p>
-            </p:txBody>
-          </p:sp>
-        </p:grpSp>
-        <p:grpSp>
-          <p:nvGrpSpPr>
-            <p:cNvPr id="193" name="グループ化 192"/>
-            <p:cNvGrpSpPr/>
-            <p:nvPr/>
-          </p:nvGrpSpPr>
-          <p:grpSpPr>
-            <a:xfrm rot="2053306">
-              <a:off x="5796198" y="6058372"/>
-              <a:ext cx="737632" cy="412808"/>
-              <a:chOff x="7585665" y="2266306"/>
-              <a:chExt cx="737632" cy="412808"/>
-            </a:xfrm>
-          </p:grpSpPr>
-          <p:sp>
-            <p:nvSpPr>
-              <p:cNvPr id="196" name="角丸四角形 195"/>
-              <p:cNvSpPr/>
-              <p:nvPr/>
-            </p:nvSpPr>
-            <p:spPr>
-              <a:xfrm>
-                <a:off x="7585665" y="2266306"/>
-                <a:ext cx="102120" cy="403990"/>
-              </a:xfrm>
-              <a:prstGeom prst="roundRect">
-                <a:avLst>
-                  <a:gd name="adj" fmla="val 50000"/>
-                </a:avLst>
-              </a:prstGeom>
-              <a:solidFill>
-                <a:schemeClr val="bg2">
-                  <a:lumMod val="50000"/>
-                </a:schemeClr>
-              </a:solidFill>
-              <a:ln>
-                <a:solidFill>
-                  <a:schemeClr val="tx1"/>
-                </a:solidFill>
-              </a:ln>
-            </p:spPr>
-            <p:style>
-              <a:lnRef idx="2">
-                <a:schemeClr val="accent1">
-                  <a:shade val="50000"/>
-                </a:schemeClr>
-              </a:lnRef>
-              <a:fillRef idx="1">
-                <a:schemeClr val="accent1"/>
-              </a:fillRef>
-              <a:effectRef idx="0">
-                <a:schemeClr val="accent1"/>
-              </a:effectRef>
-              <a:fontRef idx="minor">
-                <a:schemeClr val="lt1"/>
-              </a:fontRef>
-            </p:style>
-            <p:txBody>
-              <a:bodyPr rtlCol="0" anchor="ctr"/>
-              <a:lstStyle/>
-              <a:p>
-                <a:pPr algn="ctr"/>
-                <a:endParaRPr kumimoji="1" lang="ja-JP" altLang="en-US" sz="1600" dirty="0">
-                  <a:latin typeface="HG丸ｺﾞｼｯｸM-PRO" panose="020F0600000000000000" pitchFamily="50" charset="-128"/>
-                  <a:ea typeface="HG丸ｺﾞｼｯｸM-PRO" panose="020F0600000000000000" pitchFamily="50" charset="-128"/>
-                </a:endParaRPr>
-              </a:p>
-            </p:txBody>
-          </p:sp>
-          <p:sp>
-            <p:nvSpPr>
-              <p:cNvPr id="197" name="角丸四角形 196"/>
-              <p:cNvSpPr/>
-              <p:nvPr/>
-            </p:nvSpPr>
-            <p:spPr>
-              <a:xfrm>
-                <a:off x="8221177" y="2275124"/>
-                <a:ext cx="102120" cy="403990"/>
-              </a:xfrm>
-              <a:prstGeom prst="roundRect">
-                <a:avLst>
-                  <a:gd name="adj" fmla="val 50000"/>
-                </a:avLst>
-              </a:prstGeom>
-              <a:solidFill>
-                <a:schemeClr val="bg2">
-                  <a:lumMod val="50000"/>
-                </a:schemeClr>
-              </a:solidFill>
-              <a:ln>
-                <a:solidFill>
-                  <a:schemeClr val="tx1"/>
-                </a:solidFill>
-              </a:ln>
-            </p:spPr>
-            <p:style>
-              <a:lnRef idx="2">
-                <a:schemeClr val="accent1">
-                  <a:shade val="50000"/>
-                </a:schemeClr>
-              </a:lnRef>
-              <a:fillRef idx="1">
-                <a:schemeClr val="accent1"/>
-              </a:fillRef>
-              <a:effectRef idx="0">
-                <a:schemeClr val="accent1"/>
-              </a:effectRef>
-              <a:fontRef idx="minor">
-                <a:schemeClr val="lt1"/>
-              </a:fontRef>
-            </p:style>
-            <p:txBody>
-              <a:bodyPr rtlCol="0" anchor="ctr"/>
-              <a:lstStyle/>
-              <a:p>
-                <a:pPr algn="ctr"/>
-                <a:endParaRPr kumimoji="1" lang="ja-JP" altLang="en-US" sz="1600" dirty="0">
-                  <a:latin typeface="HG丸ｺﾞｼｯｸM-PRO" panose="020F0600000000000000" pitchFamily="50" charset="-128"/>
-                  <a:ea typeface="HG丸ｺﾞｼｯｸM-PRO" panose="020F0600000000000000" pitchFamily="50" charset="-128"/>
-                </a:endParaRPr>
-              </a:p>
-            </p:txBody>
-          </p:sp>
-          <p:sp>
-            <p:nvSpPr>
-              <p:cNvPr id="198" name="正方形/長方形 197"/>
-              <p:cNvSpPr/>
-              <p:nvPr/>
-            </p:nvSpPr>
-            <p:spPr>
-              <a:xfrm>
-                <a:off x="7681437" y="2447194"/>
-                <a:ext cx="544847" cy="57104"/>
-              </a:xfrm>
-              <a:prstGeom prst="rect">
-                <a:avLst/>
-              </a:prstGeom>
-              <a:solidFill>
-                <a:schemeClr val="accent1">
-                  <a:lumMod val="20000"/>
-                  <a:lumOff val="80000"/>
-                </a:schemeClr>
-              </a:solidFill>
-              <a:ln w="12700">
-                <a:solidFill>
-                  <a:schemeClr val="tx1">
-                    <a:lumMod val="75000"/>
-                    <a:lumOff val="25000"/>
-                  </a:schemeClr>
-                </a:solidFill>
-              </a:ln>
-            </p:spPr>
-            <p:style>
-              <a:lnRef idx="2">
-                <a:schemeClr val="accent1">
-                  <a:shade val="50000"/>
-                </a:schemeClr>
-              </a:lnRef>
-              <a:fillRef idx="1">
-                <a:schemeClr val="accent1"/>
-              </a:fillRef>
-              <a:effectRef idx="0">
-                <a:schemeClr val="accent1"/>
-              </a:effectRef>
-              <a:fontRef idx="minor">
-                <a:schemeClr val="lt1"/>
-              </a:fontRef>
-            </p:style>
-            <p:txBody>
-              <a:bodyPr rtlCol="0" anchor="ctr"/>
-              <a:lstStyle/>
-              <a:p>
-                <a:pPr algn="ctr"/>
-                <a:endParaRPr kumimoji="1" lang="ja-JP" altLang="en-US" sz="1600" dirty="0">
-                  <a:latin typeface="HG丸ｺﾞｼｯｸM-PRO" panose="020F0600000000000000" pitchFamily="50" charset="-128"/>
-                  <a:ea typeface="HG丸ｺﾞｼｯｸM-PRO" panose="020F0600000000000000" pitchFamily="50" charset="-128"/>
-                </a:endParaRPr>
-              </a:p>
-            </p:txBody>
-          </p:sp>
-        </p:grpSp>
-        <p:cxnSp>
-          <p:nvCxnSpPr>
-            <p:cNvPr id="194" name="直線コネクタ 193"/>
-            <p:cNvCxnSpPr>
-              <a:stCxn id="173" idx="1"/>
-            </p:cNvCxnSpPr>
-            <p:nvPr/>
-          </p:nvCxnSpPr>
-          <p:spPr>
-            <a:xfrm>
-              <a:off x="7133987" y="5409112"/>
-              <a:ext cx="1043141" cy="2232821"/>
-            </a:xfrm>
-            <a:prstGeom prst="line">
-              <a:avLst/>
-            </a:prstGeom>
-            <a:ln w="12700">
-              <a:solidFill>
-                <a:schemeClr val="tx1"/>
-              </a:solidFill>
-              <a:prstDash val="sysDash"/>
-            </a:ln>
-          </p:spPr>
-          <p:style>
-            <a:lnRef idx="1">
-              <a:schemeClr val="accent1"/>
-            </a:lnRef>
-            <a:fillRef idx="0">
-              <a:schemeClr val="accent1"/>
-            </a:fillRef>
-            <a:effectRef idx="0">
-              <a:schemeClr val="accent1"/>
-            </a:effectRef>
-            <a:fontRef idx="minor">
-              <a:schemeClr val="tx1"/>
-            </a:fontRef>
-          </p:style>
-        </p:cxnSp>
-        <p:cxnSp>
-          <p:nvCxnSpPr>
-            <p:cNvPr id="195" name="直線コネクタ 194"/>
-            <p:cNvCxnSpPr>
-              <a:stCxn id="172" idx="3"/>
-            </p:cNvCxnSpPr>
-            <p:nvPr/>
-          </p:nvCxnSpPr>
-          <p:spPr>
-            <a:xfrm>
-              <a:off x="6158245" y="6264868"/>
-              <a:ext cx="2018882" cy="1382951"/>
-            </a:xfrm>
-            <a:prstGeom prst="line">
-              <a:avLst/>
-            </a:prstGeom>
-            <a:ln w="12700">
-              <a:solidFill>
-                <a:schemeClr val="tx1"/>
-              </a:solidFill>
-              <a:prstDash val="sysDash"/>
-            </a:ln>
-          </p:spPr>
-          <p:style>
-            <a:lnRef idx="1">
-              <a:schemeClr val="accent1"/>
-            </a:lnRef>
-            <a:fillRef idx="0">
-              <a:schemeClr val="accent1"/>
-            </a:fillRef>
-            <a:effectRef idx="0">
-              <a:schemeClr val="accent1"/>
-            </a:effectRef>
-            <a:fontRef idx="minor">
-              <a:schemeClr val="tx1"/>
-            </a:fontRef>
-          </p:style>
-        </p:cxnSp>
-      </p:grpSp>
-      <p:sp>
-        <p:nvSpPr>
-          <p:cNvPr id="166" name="円弧 165"/>
-          <p:cNvSpPr>
-            <a:spLocks noChangeAspect="1"/>
-          </p:cNvSpPr>
-          <p:nvPr/>
-        </p:nvSpPr>
-        <p:spPr>
-          <a:xfrm rot="4574878">
-            <a:off x="1973766" y="4285866"/>
-            <a:ext cx="342203" cy="342244"/>
-          </a:xfrm>
-          <a:prstGeom prst="arc">
-            <a:avLst>
-              <a:gd name="adj1" fmla="val 7753775"/>
-              <a:gd name="adj2" fmla="val 10981213"/>
-            </a:avLst>
-          </a:prstGeom>
-          <a:ln w="19050">
-            <a:solidFill>
-              <a:schemeClr val="tx1"/>
-            </a:solidFill>
-            <a:prstDash val="solid"/>
-          </a:ln>
-        </p:spPr>
-        <p:style>
-          <a:lnRef idx="1">
-            <a:schemeClr val="accent1"/>
-          </a:lnRef>
-          <a:fillRef idx="0">
-            <a:schemeClr val="accent1"/>
-          </a:fillRef>
-          <a:effectRef idx="0">
-            <a:schemeClr val="accent1"/>
-          </a:effectRef>
-          <a:fontRef idx="minor">
-            <a:schemeClr val="tx1"/>
-          </a:fontRef>
-        </p:style>
-        <p:txBody>
-          <a:bodyPr rtlCol="0" anchor="ctr"/>
-          <a:lstStyle/>
-          <a:p>
-            <a:pPr algn="ctr"/>
-            <a:endParaRPr kumimoji="1" lang="ja-JP" altLang="en-US" sz="1600"/>
-          </a:p>
-        </p:txBody>
-      </p:sp>
-      <p:sp>
-        <p:nvSpPr>
-          <p:cNvPr id="168" name="円弧 167"/>
-          <p:cNvSpPr>
-            <a:spLocks noChangeAspect="1"/>
-          </p:cNvSpPr>
-          <p:nvPr/>
-        </p:nvSpPr>
-        <p:spPr>
-          <a:xfrm>
-            <a:off x="642816" y="2947932"/>
-            <a:ext cx="3520893" cy="3521316"/>
-          </a:xfrm>
-          <a:prstGeom prst="arc">
-            <a:avLst>
-              <a:gd name="adj1" fmla="val 12922278"/>
-              <a:gd name="adj2" fmla="val 14485159"/>
-            </a:avLst>
-          </a:prstGeom>
-          <a:ln w="19050">
-            <a:solidFill>
-              <a:srgbClr val="FF0000"/>
-            </a:solidFill>
-            <a:prstDash val="solid"/>
-            <a:headEnd type="triangle" w="med" len="med"/>
-            <a:tailEnd type="none" w="med" len="med"/>
-          </a:ln>
-        </p:spPr>
-        <p:style>
-          <a:lnRef idx="1">
-            <a:schemeClr val="accent1"/>
-          </a:lnRef>
-          <a:fillRef idx="0">
-            <a:schemeClr val="accent1"/>
-          </a:fillRef>
-          <a:effectRef idx="0">
-            <a:schemeClr val="accent1"/>
-          </a:effectRef>
-          <a:fontRef idx="minor">
-            <a:schemeClr val="tx1"/>
-          </a:fontRef>
-        </p:style>
-        <p:txBody>
-          <a:bodyPr rtlCol="0" anchor="ctr"/>
-          <a:lstStyle/>
-          <a:p>
-            <a:pPr algn="ctr"/>
-            <a:endParaRPr kumimoji="1" lang="ja-JP" altLang="en-US" sz="1600"/>
-          </a:p>
-        </p:txBody>
-      </p:sp>
-      <p:sp>
-        <p:nvSpPr>
-          <p:cNvPr id="169" name="円弧 168"/>
-          <p:cNvSpPr>
-            <a:spLocks noChangeAspect="1"/>
-          </p:cNvSpPr>
-          <p:nvPr/>
-        </p:nvSpPr>
-        <p:spPr>
-          <a:xfrm>
-            <a:off x="251043" y="2541109"/>
-            <a:ext cx="4068752" cy="4069241"/>
-          </a:xfrm>
-          <a:prstGeom prst="arc">
-            <a:avLst>
-              <a:gd name="adj1" fmla="val 12837570"/>
-              <a:gd name="adj2" fmla="val 14621218"/>
-            </a:avLst>
-          </a:prstGeom>
-          <a:ln w="19050">
-            <a:solidFill>
-              <a:srgbClr val="0066FF"/>
-            </a:solidFill>
-            <a:prstDash val="solid"/>
-            <a:headEnd type="triangle" w="med" len="med"/>
-            <a:tailEnd type="none" w="med" len="med"/>
-          </a:ln>
-        </p:spPr>
-        <p:style>
-          <a:lnRef idx="1">
-            <a:schemeClr val="accent1"/>
-          </a:lnRef>
-          <a:fillRef idx="0">
-            <a:schemeClr val="accent1"/>
-          </a:fillRef>
-          <a:effectRef idx="0">
-            <a:schemeClr val="accent1"/>
-          </a:effectRef>
-          <a:fontRef idx="minor">
-            <a:schemeClr val="tx1"/>
-          </a:fontRef>
-        </p:style>
-        <p:txBody>
-          <a:bodyPr rtlCol="0" anchor="ctr"/>
-          <a:lstStyle/>
-          <a:p>
-            <a:pPr algn="ctr"/>
-            <a:endParaRPr kumimoji="1" lang="ja-JP" altLang="en-US" sz="1600"/>
-          </a:p>
-        </p:txBody>
-      </p:sp>
       <mc:AlternateContent xmlns:mc="http://schemas.openxmlformats.org/markup-compatibility/2006">
         <mc:Choice xmlns:a14="http://schemas.microsoft.com/office/drawing/2010/main" Requires="a14">
           <p:sp>
             <p:nvSpPr>
-              <p:cNvPr id="170" name="テキスト ボックス 169"/>
+              <p:cNvPr id="167" name="テキスト ボックス 166"/>
               <p:cNvSpPr txBox="1"/>
               <p:nvPr/>
             </p:nvSpPr>
             <p:spPr>
               <a:xfrm>
-                <a:off x="1737335" y="4080401"/>
-                <a:ext cx="408467" cy="153876"/>
+                <a:off x="2184132" y="2151287"/>
+                <a:ext cx="4589053" cy="1323427"/>
               </a:xfrm>
               <a:prstGeom prst="rect">
                 <a:avLst/>
@@ -7676,31 +6958,654 @@
               </a:bodyPr>
               <a:lstStyle/>
               <a:p>
-                <a:pPr/>
+                <a:r>
+                  <a:rPr lang="ja-JP" altLang="en-US" sz="800" dirty="0" smtClean="0">
+                    <a:latin typeface="HG丸ｺﾞｼｯｸM-PRO" panose="020F0600000000000000" pitchFamily="50" charset="-128"/>
+                    <a:ea typeface="HG丸ｺﾞｼｯｸM-PRO" panose="020F0600000000000000" pitchFamily="50" charset="-128"/>
+                  </a:rPr>
+                  <a:t>トレッド長（</a:t>
+                </a:r>
                 <a14:m>
-                  <m:oMathPara xmlns:m="http://schemas.openxmlformats.org/officeDocument/2006/math">
-                    <m:oMathParaPr>
-                      <m:jc m:val="centerGroup"/>
-                    </m:oMathParaPr>
-                    <m:oMath xmlns:m="http://schemas.openxmlformats.org/officeDocument/2006/math">
-                      <m:r>
-                        <a:rPr lang="ja-JP" altLang="en-US" sz="400" i="1" smtClean="0">
-                          <a:latin typeface="Cambria Math"/>
-                          <a:ea typeface="HG丸ｺﾞｼｯｸM-PRO" panose="020F0600000000000000" pitchFamily="50" charset="-128"/>
-                        </a:rPr>
-                        <m:t>∆</m:t>
-                      </m:r>
-                      <m:r>
-                        <a:rPr lang="ja-JP" altLang="en-US" sz="400" i="1" smtClean="0">
-                          <a:latin typeface="Cambria Math"/>
-                          <a:ea typeface="HG丸ｺﾞｼｯｸM-PRO" panose="020F0600000000000000" pitchFamily="50" charset="-128"/>
-                        </a:rPr>
-                        <m:t>𝜃</m:t>
-                      </m:r>
-                    </m:oMath>
-                  </m:oMathPara>
+                  <m:oMath xmlns:m="http://schemas.openxmlformats.org/officeDocument/2006/math">
+                    <m:r>
+                      <a:rPr lang="en-US" altLang="ja-JP" sz="800" b="0" i="1" smtClean="0">
+                        <a:latin typeface="Cambria Math"/>
+                        <a:ea typeface="HG丸ｺﾞｼｯｸM-PRO" panose="020F0600000000000000" pitchFamily="50" charset="-128"/>
+                      </a:rPr>
+                      <m:t>𝑚𝑚</m:t>
+                    </m:r>
+                  </m:oMath>
                 </a14:m>
-                <a:endParaRPr lang="ja-JP" altLang="en-US" sz="400" dirty="0">
+                <a:r>
+                  <a:rPr lang="ja-JP" altLang="en-US" sz="800" dirty="0" smtClean="0">
+                    <a:latin typeface="HG丸ｺﾞｼｯｸM-PRO" panose="020F0600000000000000" pitchFamily="50" charset="-128"/>
+                    <a:ea typeface="HG丸ｺﾞｼｯｸM-PRO" panose="020F0600000000000000" pitchFamily="50" charset="-128"/>
+                  </a:rPr>
+                  <a:t>）： </a:t>
+                </a:r>
+                <a14:m>
+                  <m:oMath xmlns:m="http://schemas.openxmlformats.org/officeDocument/2006/math">
+                    <m:r>
+                      <a:rPr lang="en-US" altLang="ja-JP" sz="800" b="0" i="0" smtClean="0">
+                        <a:latin typeface="Cambria Math"/>
+                        <a:ea typeface="HG丸ｺﾞｼｯｸM-PRO" panose="020F0600000000000000" pitchFamily="50" charset="-128"/>
+                      </a:rPr>
+                      <m:t>2</m:t>
+                    </m:r>
+                    <m:sSub>
+                      <m:sSubPr>
+                        <m:ctrlPr>
+                          <a:rPr lang="en-US" altLang="ja-JP" sz="800" i="1" smtClean="0">
+                            <a:latin typeface="Cambria Math" panose="02040503050406030204" pitchFamily="18" charset="0"/>
+                            <a:ea typeface="HG丸ｺﾞｼｯｸM-PRO" panose="020F0600000000000000" pitchFamily="50" charset="-128"/>
+                          </a:rPr>
+                        </m:ctrlPr>
+                      </m:sSubPr>
+                      <m:e>
+                        <m:r>
+                          <a:rPr lang="en-US" altLang="ja-JP" sz="800" b="0" i="1" smtClean="0">
+                            <a:latin typeface="Cambria Math"/>
+                            <a:ea typeface="HG丸ｺﾞｼｯｸM-PRO" panose="020F0600000000000000" pitchFamily="50" charset="-128"/>
+                          </a:rPr>
+                          <m:t>𝐿</m:t>
+                        </m:r>
+                      </m:e>
+                      <m:sub>
+                        <m:r>
+                          <a:rPr lang="en-US" altLang="ja-JP" sz="800" b="0" i="1" smtClean="0">
+                            <a:latin typeface="Cambria Math"/>
+                            <a:ea typeface="HG丸ｺﾞｼｯｸM-PRO" panose="020F0600000000000000" pitchFamily="50" charset="-128"/>
+                          </a:rPr>
+                          <m:t>𝑇</m:t>
+                        </m:r>
+                      </m:sub>
+                    </m:sSub>
+                  </m:oMath>
+                </a14:m>
+                <a:endParaRPr lang="en-US" altLang="ja-JP" sz="800" dirty="0" smtClean="0">
+                  <a:latin typeface="HG丸ｺﾞｼｯｸM-PRO" panose="020F0600000000000000" pitchFamily="50" charset="-128"/>
+                  <a:ea typeface="HG丸ｺﾞｼｯｸM-PRO" panose="020F0600000000000000" pitchFamily="50" charset="-128"/>
+                </a:endParaRPr>
+              </a:p>
+              <a:p>
+                <a:r>
+                  <a:rPr lang="ja-JP" altLang="en-US" sz="800" dirty="0" smtClean="0">
+                    <a:latin typeface="HG丸ｺﾞｼｯｸM-PRO" panose="020F0600000000000000" pitchFamily="50" charset="-128"/>
+                    <a:ea typeface="HG丸ｺﾞｼｯｸM-PRO" panose="020F0600000000000000" pitchFamily="50" charset="-128"/>
+                  </a:rPr>
+                  <a:t>車輪半径（</a:t>
+                </a:r>
+                <a14:m>
+                  <m:oMath xmlns:m="http://schemas.openxmlformats.org/officeDocument/2006/math">
+                    <m:r>
+                      <a:rPr lang="en-US" altLang="ja-JP" sz="800" b="0" i="1" smtClean="0">
+                        <a:latin typeface="Cambria Math"/>
+                        <a:ea typeface="HG丸ｺﾞｼｯｸM-PRO" panose="020F0600000000000000" pitchFamily="50" charset="-128"/>
+                      </a:rPr>
+                      <m:t>𝑚𝑚</m:t>
+                    </m:r>
+                  </m:oMath>
+                </a14:m>
+                <a:r>
+                  <a:rPr lang="ja-JP" altLang="en-US" sz="800" dirty="0" smtClean="0">
+                    <a:latin typeface="HG丸ｺﾞｼｯｸM-PRO" panose="020F0600000000000000" pitchFamily="50" charset="-128"/>
+                    <a:ea typeface="HG丸ｺﾞｼｯｸM-PRO" panose="020F0600000000000000" pitchFamily="50" charset="-128"/>
+                  </a:rPr>
+                  <a:t>）</a:t>
+                </a:r>
+                <a:r>
+                  <a:rPr lang="en-US" altLang="ja-JP" sz="800" dirty="0" smtClean="0">
+                    <a:latin typeface="HG丸ｺﾞｼｯｸM-PRO" panose="020F0600000000000000" pitchFamily="50" charset="-128"/>
+                    <a:ea typeface="HG丸ｺﾞｼｯｸM-PRO" panose="020F0600000000000000" pitchFamily="50" charset="-128"/>
+                  </a:rPr>
+                  <a:t>: </a:t>
+                </a:r>
+                <a14:m>
+                  <m:oMath xmlns:m="http://schemas.openxmlformats.org/officeDocument/2006/math">
+                    <m:sSub>
+                      <m:sSubPr>
+                        <m:ctrlPr>
+                          <a:rPr lang="en-US" altLang="ja-JP" sz="800" i="1" smtClean="0">
+                            <a:latin typeface="Cambria Math" panose="02040503050406030204" pitchFamily="18" charset="0"/>
+                            <a:ea typeface="HG丸ｺﾞｼｯｸM-PRO" panose="020F0600000000000000" pitchFamily="50" charset="-128"/>
+                          </a:rPr>
+                        </m:ctrlPr>
+                      </m:sSubPr>
+                      <m:e>
+                        <m:r>
+                          <a:rPr lang="en-US" altLang="ja-JP" sz="800" b="0" i="1" smtClean="0">
+                            <a:latin typeface="Cambria Math"/>
+                            <a:ea typeface="HG丸ｺﾞｼｯｸM-PRO" panose="020F0600000000000000" pitchFamily="50" charset="-128"/>
+                          </a:rPr>
+                          <m:t>𝑅</m:t>
+                        </m:r>
+                      </m:e>
+                      <m:sub>
+                        <m:r>
+                          <a:rPr lang="en-US" altLang="ja-JP" sz="800" b="0" i="1" smtClean="0">
+                            <a:latin typeface="Cambria Math"/>
+                            <a:ea typeface="HG丸ｺﾞｼｯｸM-PRO" panose="020F0600000000000000" pitchFamily="50" charset="-128"/>
+                          </a:rPr>
+                          <m:t>𝑊</m:t>
+                        </m:r>
+                      </m:sub>
+                    </m:sSub>
+                  </m:oMath>
+                </a14:m>
+                <a:endParaRPr lang="en-US" altLang="ja-JP" sz="800" dirty="0" smtClean="0">
+                  <a:latin typeface="HG丸ｺﾞｼｯｸM-PRO" panose="020F0600000000000000" pitchFamily="50" charset="-128"/>
+                  <a:ea typeface="HG丸ｺﾞｼｯｸM-PRO" panose="020F0600000000000000" pitchFamily="50" charset="-128"/>
+                </a:endParaRPr>
+              </a:p>
+              <a:p>
+                <a:r>
+                  <a:rPr lang="ja-JP" altLang="en-US" sz="800" dirty="0" smtClean="0">
+                    <a:latin typeface="HG丸ｺﾞｼｯｸM-PRO" panose="020F0600000000000000" pitchFamily="50" charset="-128"/>
+                    <a:ea typeface="HG丸ｺﾞｼｯｸM-PRO" panose="020F0600000000000000" pitchFamily="50" charset="-128"/>
+                  </a:rPr>
+                  <a:t>微小時間での右サーボモーターの回転角の変化量（</a:t>
+                </a:r>
+                <a14:m>
+                  <m:oMath xmlns:m="http://schemas.openxmlformats.org/officeDocument/2006/math">
+                    <m:r>
+                      <a:rPr lang="en-US" altLang="ja-JP" sz="800" b="0" i="1" smtClean="0">
+                        <a:latin typeface="Cambria Math"/>
+                        <a:ea typeface="HG丸ｺﾞｼｯｸM-PRO" panose="020F0600000000000000" pitchFamily="50" charset="-128"/>
+                      </a:rPr>
+                      <m:t>𝑑𝑒𝑔</m:t>
+                    </m:r>
+                    <m:r>
+                      <a:rPr lang="en-US" altLang="ja-JP" sz="800" b="0" i="1" smtClean="0">
+                        <a:latin typeface="Cambria Math"/>
+                        <a:ea typeface="HG丸ｺﾞｼｯｸM-PRO" panose="020F0600000000000000" pitchFamily="50" charset="-128"/>
+                      </a:rPr>
+                      <m:t>.</m:t>
+                    </m:r>
+                  </m:oMath>
+                </a14:m>
+                <a:r>
+                  <a:rPr lang="ja-JP" altLang="en-US" sz="800" dirty="0" smtClean="0">
+                    <a:latin typeface="HG丸ｺﾞｼｯｸM-PRO" panose="020F0600000000000000" pitchFamily="50" charset="-128"/>
+                    <a:ea typeface="HG丸ｺﾞｼｯｸM-PRO" panose="020F0600000000000000" pitchFamily="50" charset="-128"/>
+                  </a:rPr>
+                  <a:t>）：</a:t>
+                </a:r>
+                <a14:m>
+                  <m:oMath xmlns:m="http://schemas.openxmlformats.org/officeDocument/2006/math">
+                    <m:r>
+                      <a:rPr lang="ja-JP" altLang="en-US" sz="800" i="1" smtClean="0">
+                        <a:latin typeface="Cambria Math"/>
+                        <a:ea typeface="HG丸ｺﾞｼｯｸM-PRO" panose="020F0600000000000000" pitchFamily="50" charset="-128"/>
+                      </a:rPr>
+                      <m:t>∆</m:t>
+                    </m:r>
+                    <m:sSub>
+                      <m:sSubPr>
+                        <m:ctrlPr>
+                          <a:rPr lang="en-US" altLang="ja-JP" sz="800" i="1" smtClean="0">
+                            <a:latin typeface="Cambria Math" panose="02040503050406030204" pitchFamily="18" charset="0"/>
+                            <a:ea typeface="HG丸ｺﾞｼｯｸM-PRO" panose="020F0600000000000000" pitchFamily="50" charset="-128"/>
+                          </a:rPr>
+                        </m:ctrlPr>
+                      </m:sSubPr>
+                      <m:e>
+                        <m:r>
+                          <a:rPr lang="ja-JP" altLang="en-US" sz="800" i="1" smtClean="0">
+                            <a:latin typeface="Cambria Math"/>
+                            <a:ea typeface="HG丸ｺﾞｼｯｸM-PRO" panose="020F0600000000000000" pitchFamily="50" charset="-128"/>
+                          </a:rPr>
+                          <m:t>𝜑</m:t>
+                        </m:r>
+                      </m:e>
+                      <m:sub>
+                        <m:r>
+                          <a:rPr lang="en-US" altLang="ja-JP" sz="800" b="0" i="1" smtClean="0">
+                            <a:latin typeface="Cambria Math"/>
+                            <a:ea typeface="HG丸ｺﾞｼｯｸM-PRO" panose="020F0600000000000000" pitchFamily="50" charset="-128"/>
+                          </a:rPr>
+                          <m:t>𝑅</m:t>
+                        </m:r>
+                      </m:sub>
+                    </m:sSub>
+                  </m:oMath>
+                </a14:m>
+                <a:endParaRPr lang="en-US" altLang="ja-JP" sz="800" dirty="0" smtClean="0">
+                  <a:latin typeface="HG丸ｺﾞｼｯｸM-PRO" panose="020F0600000000000000" pitchFamily="50" charset="-128"/>
+                  <a:ea typeface="HG丸ｺﾞｼｯｸM-PRO" panose="020F0600000000000000" pitchFamily="50" charset="-128"/>
+                </a:endParaRPr>
+              </a:p>
+              <a:p>
+                <a:r>
+                  <a:rPr lang="ja-JP" altLang="en-US" sz="800" dirty="0" smtClean="0">
+                    <a:latin typeface="HG丸ｺﾞｼｯｸM-PRO" panose="020F0600000000000000" pitchFamily="50" charset="-128"/>
+                    <a:ea typeface="HG丸ｺﾞｼｯｸM-PRO" panose="020F0600000000000000" pitchFamily="50" charset="-128"/>
+                  </a:rPr>
+                  <a:t>微小時間での</a:t>
+                </a:r>
+                <a:r>
+                  <a:rPr lang="ja-JP" altLang="en-US" sz="800" dirty="0">
+                    <a:latin typeface="HG丸ｺﾞｼｯｸM-PRO" panose="020F0600000000000000" pitchFamily="50" charset="-128"/>
+                    <a:ea typeface="HG丸ｺﾞｼｯｸM-PRO" panose="020F0600000000000000" pitchFamily="50" charset="-128"/>
+                  </a:rPr>
+                  <a:t>左</a:t>
+                </a:r>
+                <a:r>
+                  <a:rPr lang="ja-JP" altLang="en-US" sz="800" dirty="0" smtClean="0">
+                    <a:latin typeface="HG丸ｺﾞｼｯｸM-PRO" panose="020F0600000000000000" pitchFamily="50" charset="-128"/>
+                    <a:ea typeface="HG丸ｺﾞｼｯｸM-PRO" panose="020F0600000000000000" pitchFamily="50" charset="-128"/>
+                  </a:rPr>
+                  <a:t>サーボモーターの回転角の変化量（</a:t>
+                </a:r>
+                <a14:m>
+                  <m:oMath xmlns:m="http://schemas.openxmlformats.org/officeDocument/2006/math">
+                    <m:r>
+                      <a:rPr lang="en-US" altLang="ja-JP" sz="800" b="0" i="1" smtClean="0">
+                        <a:latin typeface="Cambria Math"/>
+                        <a:ea typeface="HG丸ｺﾞｼｯｸM-PRO" panose="020F0600000000000000" pitchFamily="50" charset="-128"/>
+                      </a:rPr>
+                      <m:t>𝑑𝑒𝑔</m:t>
+                    </m:r>
+                    <m:r>
+                      <a:rPr lang="en-US" altLang="ja-JP" sz="800" b="0" i="1" smtClean="0">
+                        <a:latin typeface="Cambria Math"/>
+                        <a:ea typeface="HG丸ｺﾞｼｯｸM-PRO" panose="020F0600000000000000" pitchFamily="50" charset="-128"/>
+                      </a:rPr>
+                      <m:t>. </m:t>
+                    </m:r>
+                  </m:oMath>
+                </a14:m>
+                <a:r>
+                  <a:rPr lang="ja-JP" altLang="en-US" sz="800" dirty="0" smtClean="0">
+                    <a:latin typeface="HG丸ｺﾞｼｯｸM-PRO" panose="020F0600000000000000" pitchFamily="50" charset="-128"/>
+                    <a:ea typeface="HG丸ｺﾞｼｯｸM-PRO" panose="020F0600000000000000" pitchFamily="50" charset="-128"/>
+                  </a:rPr>
+                  <a:t>）：</a:t>
+                </a:r>
+                <a14:m>
+                  <m:oMath xmlns:m="http://schemas.openxmlformats.org/officeDocument/2006/math">
+                    <m:r>
+                      <a:rPr lang="ja-JP" altLang="en-US" sz="800" i="1" smtClean="0">
+                        <a:latin typeface="Cambria Math"/>
+                        <a:ea typeface="HG丸ｺﾞｼｯｸM-PRO" panose="020F0600000000000000" pitchFamily="50" charset="-128"/>
+                      </a:rPr>
+                      <m:t>∆</m:t>
+                    </m:r>
+                    <m:sSub>
+                      <m:sSubPr>
+                        <m:ctrlPr>
+                          <a:rPr lang="en-US" altLang="ja-JP" sz="800" i="1" smtClean="0">
+                            <a:latin typeface="Cambria Math" panose="02040503050406030204" pitchFamily="18" charset="0"/>
+                            <a:ea typeface="HG丸ｺﾞｼｯｸM-PRO" panose="020F0600000000000000" pitchFamily="50" charset="-128"/>
+                          </a:rPr>
+                        </m:ctrlPr>
+                      </m:sSubPr>
+                      <m:e>
+                        <m:r>
+                          <a:rPr lang="ja-JP" altLang="en-US" sz="800" i="1" smtClean="0">
+                            <a:latin typeface="Cambria Math"/>
+                            <a:ea typeface="HG丸ｺﾞｼｯｸM-PRO" panose="020F0600000000000000" pitchFamily="50" charset="-128"/>
+                          </a:rPr>
+                          <m:t>𝜑</m:t>
+                        </m:r>
+                      </m:e>
+                      <m:sub>
+                        <m:r>
+                          <a:rPr lang="en-US" altLang="ja-JP" sz="800" b="0" i="1" smtClean="0">
+                            <a:latin typeface="Cambria Math"/>
+                            <a:ea typeface="HG丸ｺﾞｼｯｸM-PRO" panose="020F0600000000000000" pitchFamily="50" charset="-128"/>
+                          </a:rPr>
+                          <m:t>𝐿</m:t>
+                        </m:r>
+                      </m:sub>
+                    </m:sSub>
+                  </m:oMath>
+                </a14:m>
+                <a:endParaRPr lang="en-US" altLang="ja-JP" sz="800" dirty="0" smtClean="0">
+                  <a:latin typeface="HG丸ｺﾞｼｯｸM-PRO" panose="020F0600000000000000" pitchFamily="50" charset="-128"/>
+                  <a:ea typeface="HG丸ｺﾞｼｯｸM-PRO" panose="020F0600000000000000" pitchFamily="50" charset="-128"/>
+                </a:endParaRPr>
+              </a:p>
+              <a:p>
+                <a:r>
+                  <a:rPr lang="ja-JP" altLang="en-US" sz="800" dirty="0" smtClean="0">
+                    <a:latin typeface="HG丸ｺﾞｼｯｸM-PRO" panose="020F0600000000000000" pitchFamily="50" charset="-128"/>
+                    <a:ea typeface="HG丸ｺﾞｼｯｸM-PRO" panose="020F0600000000000000" pitchFamily="50" charset="-128"/>
+                  </a:rPr>
+                  <a:t>走行体の座標（</a:t>
+                </a:r>
+                <a:r>
+                  <a:rPr lang="en-US" altLang="ja-JP" sz="800" b="0" dirty="0" smtClean="0">
+                    <a:ea typeface="HG丸ｺﾞｼｯｸM-PRO" panose="020F0600000000000000" pitchFamily="50" charset="-128"/>
+                  </a:rPr>
+                  <a:t> </a:t>
+                </a:r>
+                <a14:m>
+                  <m:oMath xmlns:m="http://schemas.openxmlformats.org/officeDocument/2006/math">
+                    <m:r>
+                      <a:rPr lang="en-US" altLang="ja-JP" sz="800" b="0" i="1" smtClean="0">
+                        <a:latin typeface="Cambria Math"/>
+                        <a:ea typeface="HG丸ｺﾞｼｯｸM-PRO" panose="020F0600000000000000" pitchFamily="50" charset="-128"/>
+                      </a:rPr>
+                      <m:t>𝑚𝑚</m:t>
+                    </m:r>
+                    <m:r>
+                      <a:rPr lang="en-US" altLang="ja-JP" sz="800" b="0" i="1" smtClean="0">
+                        <a:latin typeface="Cambria Math"/>
+                        <a:ea typeface="HG丸ｺﾞｼｯｸM-PRO" panose="020F0600000000000000" pitchFamily="50" charset="-128"/>
+                      </a:rPr>
+                      <m:t> </m:t>
+                    </m:r>
+                  </m:oMath>
+                </a14:m>
+                <a:r>
+                  <a:rPr lang="ja-JP" altLang="en-US" sz="800" dirty="0" smtClean="0">
+                    <a:latin typeface="HG丸ｺﾞｼｯｸM-PRO" panose="020F0600000000000000" pitchFamily="50" charset="-128"/>
+                    <a:ea typeface="HG丸ｺﾞｼｯｸM-PRO" panose="020F0600000000000000" pitchFamily="50" charset="-128"/>
+                  </a:rPr>
+                  <a:t>）：</a:t>
+                </a:r>
+                <a14:m>
+                  <m:oMath xmlns:m="http://schemas.openxmlformats.org/officeDocument/2006/math">
+                    <m:r>
+                      <a:rPr lang="en-US" altLang="ja-JP" sz="800" b="0" i="1" smtClean="0">
+                        <a:latin typeface="Cambria Math"/>
+                        <a:ea typeface="HG丸ｺﾞｼｯｸM-PRO" panose="020F0600000000000000" pitchFamily="50" charset="-128"/>
+                      </a:rPr>
+                      <m:t>𝑥</m:t>
+                    </m:r>
+                    <m:r>
+                      <a:rPr lang="en-US" altLang="ja-JP" sz="800" b="0" i="1" smtClean="0">
+                        <a:latin typeface="Cambria Math"/>
+                        <a:ea typeface="HG丸ｺﾞｼｯｸM-PRO" panose="020F0600000000000000" pitchFamily="50" charset="-128"/>
+                      </a:rPr>
+                      <m:t>,</m:t>
+                    </m:r>
+                    <m:r>
+                      <a:rPr lang="en-US" altLang="ja-JP" sz="800" b="0" i="1" smtClean="0">
+                        <a:latin typeface="Cambria Math"/>
+                        <a:ea typeface="HG丸ｺﾞｼｯｸM-PRO" panose="020F0600000000000000" pitchFamily="50" charset="-128"/>
+                      </a:rPr>
+                      <m:t>𝑦</m:t>
+                    </m:r>
+                  </m:oMath>
+                </a14:m>
+                <a:endParaRPr lang="en-US" altLang="ja-JP" sz="800" dirty="0" smtClean="0">
+                  <a:latin typeface="HG丸ｺﾞｼｯｸM-PRO" panose="020F0600000000000000" pitchFamily="50" charset="-128"/>
+                  <a:ea typeface="HG丸ｺﾞｼｯｸM-PRO" panose="020F0600000000000000" pitchFamily="50" charset="-128"/>
+                </a:endParaRPr>
+              </a:p>
+              <a:p>
+                <a:r>
+                  <a:rPr lang="ja-JP" altLang="en-US" sz="800" dirty="0" smtClean="0">
+                    <a:latin typeface="HG丸ｺﾞｼｯｸM-PRO" panose="020F0600000000000000" pitchFamily="50" charset="-128"/>
+                    <a:ea typeface="HG丸ｺﾞｼｯｸM-PRO" panose="020F0600000000000000" pitchFamily="50" charset="-128"/>
+                  </a:rPr>
+                  <a:t>走行体の方向（</a:t>
+                </a:r>
+                <a14:m>
+                  <m:oMath xmlns:m="http://schemas.openxmlformats.org/officeDocument/2006/math">
+                    <m:r>
+                      <a:rPr lang="en-US" altLang="ja-JP" sz="800" b="0" i="1" smtClean="0">
+                        <a:latin typeface="Cambria Math"/>
+                        <a:ea typeface="HG丸ｺﾞｼｯｸM-PRO" panose="020F0600000000000000" pitchFamily="50" charset="-128"/>
+                      </a:rPr>
+                      <m:t>𝑟𝑎𝑑</m:t>
+                    </m:r>
+                    <m:r>
+                      <a:rPr lang="en-US" altLang="ja-JP" sz="800" b="0" i="1" smtClean="0">
+                        <a:latin typeface="Cambria Math"/>
+                        <a:ea typeface="HG丸ｺﾞｼｯｸM-PRO" panose="020F0600000000000000" pitchFamily="50" charset="-128"/>
+                      </a:rPr>
+                      <m:t>.</m:t>
+                    </m:r>
+                  </m:oMath>
+                </a14:m>
+                <a:r>
+                  <a:rPr lang="ja-JP" altLang="en-US" sz="800" dirty="0" smtClean="0">
+                    <a:latin typeface="HG丸ｺﾞｼｯｸM-PRO" panose="020F0600000000000000" pitchFamily="50" charset="-128"/>
+                    <a:ea typeface="HG丸ｺﾞｼｯｸM-PRO" panose="020F0600000000000000" pitchFamily="50" charset="-128"/>
+                  </a:rPr>
+                  <a:t>）：</a:t>
+                </a:r>
+                <a14:m>
+                  <m:oMath xmlns:m="http://schemas.openxmlformats.org/officeDocument/2006/math">
+                    <m:r>
+                      <a:rPr lang="ja-JP" altLang="en-US" sz="800" i="1" smtClean="0">
+                        <a:latin typeface="Cambria Math"/>
+                        <a:ea typeface="HG丸ｺﾞｼｯｸM-PRO" panose="020F0600000000000000" pitchFamily="50" charset="-128"/>
+                      </a:rPr>
+                      <m:t>𝜃</m:t>
+                    </m:r>
+                  </m:oMath>
+                </a14:m>
+                <a:endParaRPr lang="en-US" altLang="ja-JP" sz="800" dirty="0" smtClean="0">
+                  <a:latin typeface="HG丸ｺﾞｼｯｸM-PRO" panose="020F0600000000000000" pitchFamily="50" charset="-128"/>
+                  <a:ea typeface="HG丸ｺﾞｼｯｸM-PRO" panose="020F0600000000000000" pitchFamily="50" charset="-128"/>
+                </a:endParaRPr>
+              </a:p>
+              <a:p>
+                <a:r>
+                  <a:rPr lang="ja-JP" altLang="en-US" sz="800" dirty="0" smtClean="0">
+                    <a:latin typeface="HG丸ｺﾞｼｯｸM-PRO" panose="020F0600000000000000" pitchFamily="50" charset="-128"/>
+                    <a:ea typeface="HG丸ｺﾞｼｯｸM-PRO" panose="020F0600000000000000" pitchFamily="50" charset="-128"/>
+                  </a:rPr>
+                  <a:t>微小時間での機体の進行方向の変化量（</a:t>
+                </a:r>
+                <a14:m>
+                  <m:oMath xmlns:m="http://schemas.openxmlformats.org/officeDocument/2006/math">
+                    <m:r>
+                      <a:rPr lang="en-US" altLang="ja-JP" sz="800" b="0" i="1" smtClean="0">
+                        <a:latin typeface="Cambria Math"/>
+                        <a:ea typeface="HG丸ｺﾞｼｯｸM-PRO" panose="020F0600000000000000" pitchFamily="50" charset="-128"/>
+                      </a:rPr>
+                      <m:t>𝑟𝑎𝑑</m:t>
+                    </m:r>
+                    <m:r>
+                      <a:rPr lang="en-US" altLang="ja-JP" sz="800" b="0" i="1" smtClean="0">
+                        <a:latin typeface="Cambria Math"/>
+                        <a:ea typeface="HG丸ｺﾞｼｯｸM-PRO" panose="020F0600000000000000" pitchFamily="50" charset="-128"/>
+                      </a:rPr>
+                      <m:t>.</m:t>
+                    </m:r>
+                  </m:oMath>
+                </a14:m>
+                <a:r>
+                  <a:rPr lang="ja-JP" altLang="en-US" sz="800" dirty="0" smtClean="0">
+                    <a:latin typeface="HG丸ｺﾞｼｯｸM-PRO" panose="020F0600000000000000" pitchFamily="50" charset="-128"/>
+                    <a:ea typeface="HG丸ｺﾞｼｯｸM-PRO" panose="020F0600000000000000" pitchFamily="50" charset="-128"/>
+                  </a:rPr>
+                  <a:t>）：</a:t>
+                </a:r>
+                <a14:m>
+                  <m:oMath xmlns:m="http://schemas.openxmlformats.org/officeDocument/2006/math">
+                    <m:r>
+                      <a:rPr lang="ja-JP" altLang="en-US" sz="800" i="1" smtClean="0">
+                        <a:latin typeface="Cambria Math"/>
+                        <a:ea typeface="HG丸ｺﾞｼｯｸM-PRO" panose="020F0600000000000000" pitchFamily="50" charset="-128"/>
+                      </a:rPr>
+                      <m:t>∆</m:t>
+                    </m:r>
+                    <m:r>
+                      <a:rPr lang="ja-JP" altLang="en-US" sz="800" i="1" smtClean="0">
+                        <a:latin typeface="Cambria Math"/>
+                        <a:ea typeface="HG丸ｺﾞｼｯｸM-PRO" panose="020F0600000000000000" pitchFamily="50" charset="-128"/>
+                      </a:rPr>
+                      <m:t>𝜃</m:t>
+                    </m:r>
+                  </m:oMath>
+                </a14:m>
+                <a:endParaRPr lang="en-US" altLang="ja-JP" sz="800" dirty="0" smtClean="0">
+                  <a:latin typeface="HG丸ｺﾞｼｯｸM-PRO" panose="020F0600000000000000" pitchFamily="50" charset="-128"/>
+                  <a:ea typeface="HG丸ｺﾞｼｯｸM-PRO" panose="020F0600000000000000" pitchFamily="50" charset="-128"/>
+                </a:endParaRPr>
+              </a:p>
+              <a:p>
+                <a:r>
+                  <a:rPr lang="ja-JP" altLang="en-US" sz="800" dirty="0" smtClean="0">
+                    <a:latin typeface="HG丸ｺﾞｼｯｸM-PRO" panose="020F0600000000000000" pitchFamily="50" charset="-128"/>
+                    <a:ea typeface="HG丸ｺﾞｼｯｸM-PRO" panose="020F0600000000000000" pitchFamily="50" charset="-128"/>
+                  </a:rPr>
+                  <a:t>旋回半径：</a:t>
+                </a:r>
+                <a14:m>
+                  <m:oMath xmlns:m="http://schemas.openxmlformats.org/officeDocument/2006/math">
+                    <m:r>
+                      <a:rPr lang="en-US" altLang="ja-JP" sz="800" b="0" i="1" smtClean="0">
+                        <a:latin typeface="Cambria Math"/>
+                        <a:ea typeface="HG丸ｺﾞｼｯｸM-PRO" panose="020F0600000000000000" pitchFamily="50" charset="-128"/>
+                      </a:rPr>
+                      <m:t>𝑟</m:t>
+                    </m:r>
+                  </m:oMath>
+                </a14:m>
+                <a:endParaRPr lang="en-US" altLang="ja-JP" sz="800" dirty="0" smtClean="0">
+                  <a:latin typeface="HG丸ｺﾞｼｯｸM-PRO" panose="020F0600000000000000" pitchFamily="50" charset="-128"/>
+                  <a:ea typeface="HG丸ｺﾞｼｯｸM-PRO" panose="020F0600000000000000" pitchFamily="50" charset="-128"/>
+                </a:endParaRPr>
+              </a:p>
+              <a:p>
+                <a:r>
+                  <a:rPr lang="ja-JP" altLang="en-US" sz="800" dirty="0" smtClean="0">
+                    <a:latin typeface="HG丸ｺﾞｼｯｸM-PRO" panose="020F0600000000000000" pitchFamily="50" charset="-128"/>
+                    <a:ea typeface="HG丸ｺﾞｼｯｸM-PRO" panose="020F0600000000000000" pitchFamily="50" charset="-128"/>
+                  </a:rPr>
+                  <a:t>横軸</a:t>
+                </a:r>
+                <a:r>
+                  <a:rPr lang="ja-JP" altLang="en-US" sz="800" dirty="0">
+                    <a:latin typeface="HG丸ｺﾞｼｯｸM-PRO" panose="020F0600000000000000" pitchFamily="50" charset="-128"/>
+                    <a:ea typeface="HG丸ｺﾞｼｯｸM-PRO" panose="020F0600000000000000" pitchFamily="50" charset="-128"/>
+                  </a:rPr>
+                  <a:t>方向</a:t>
+                </a:r>
+                <a:r>
+                  <a:rPr lang="ja-JP" altLang="en-US" sz="800" dirty="0" smtClean="0">
+                    <a:latin typeface="HG丸ｺﾞｼｯｸM-PRO" panose="020F0600000000000000" pitchFamily="50" charset="-128"/>
+                    <a:ea typeface="HG丸ｺﾞｼｯｸM-PRO" panose="020F0600000000000000" pitchFamily="50" charset="-128"/>
+                  </a:rPr>
+                  <a:t>の</a:t>
+                </a:r>
+                <a:r>
+                  <a:rPr lang="ja-JP" altLang="en-US" sz="800" dirty="0">
+                    <a:latin typeface="HG丸ｺﾞｼｯｸM-PRO" panose="020F0600000000000000" pitchFamily="50" charset="-128"/>
+                    <a:ea typeface="HG丸ｺﾞｼｯｸM-PRO" panose="020F0600000000000000" pitchFamily="50" charset="-128"/>
+                  </a:rPr>
+                  <a:t>位置</a:t>
+                </a:r>
+                <a:r>
+                  <a:rPr lang="ja-JP" altLang="en-US" sz="800" dirty="0" smtClean="0">
+                    <a:latin typeface="HG丸ｺﾞｼｯｸM-PRO" panose="020F0600000000000000" pitchFamily="50" charset="-128"/>
+                    <a:ea typeface="HG丸ｺﾞｼｯｸM-PRO" panose="020F0600000000000000" pitchFamily="50" charset="-128"/>
+                  </a:rPr>
+                  <a:t>変化（</a:t>
+                </a:r>
+                <a14:m>
+                  <m:oMath xmlns:m="http://schemas.openxmlformats.org/officeDocument/2006/math">
+                    <m:r>
+                      <a:rPr lang="en-US" altLang="ja-JP" sz="800" b="0" i="1" smtClean="0">
+                        <a:latin typeface="Cambria Math"/>
+                        <a:ea typeface="HG丸ｺﾞｼｯｸM-PRO" panose="020F0600000000000000" pitchFamily="50" charset="-128"/>
+                      </a:rPr>
+                      <m:t>𝑚𝑚</m:t>
+                    </m:r>
+                  </m:oMath>
+                </a14:m>
+                <a:r>
+                  <a:rPr lang="ja-JP" altLang="en-US" sz="800" dirty="0" smtClean="0">
+                    <a:latin typeface="HG丸ｺﾞｼｯｸM-PRO" panose="020F0600000000000000" pitchFamily="50" charset="-128"/>
+                    <a:ea typeface="HG丸ｺﾞｼｯｸM-PRO" panose="020F0600000000000000" pitchFamily="50" charset="-128"/>
+                  </a:rPr>
+                  <a:t>）：</a:t>
+                </a:r>
+                <a14:m>
+                  <m:oMath xmlns:m="http://schemas.openxmlformats.org/officeDocument/2006/math">
+                    <m:r>
+                      <a:rPr lang="ja-JP" altLang="en-US" sz="800" i="1" smtClean="0">
+                        <a:latin typeface="Cambria Math"/>
+                        <a:ea typeface="HG丸ｺﾞｼｯｸM-PRO" panose="020F0600000000000000" pitchFamily="50" charset="-128"/>
+                      </a:rPr>
+                      <m:t>∆</m:t>
+                    </m:r>
+                    <m:r>
+                      <a:rPr lang="en-US" altLang="ja-JP" sz="800" b="0" i="1" smtClean="0">
+                        <a:latin typeface="Cambria Math"/>
+                        <a:ea typeface="HG丸ｺﾞｼｯｸM-PRO" panose="020F0600000000000000" pitchFamily="50" charset="-128"/>
+                      </a:rPr>
+                      <m:t>𝑥</m:t>
+                    </m:r>
+                  </m:oMath>
+                </a14:m>
+                <a:endParaRPr lang="en-US" altLang="ja-JP" sz="800" dirty="0" smtClean="0">
+                  <a:latin typeface="HG丸ｺﾞｼｯｸM-PRO" panose="020F0600000000000000" pitchFamily="50" charset="-128"/>
+                  <a:ea typeface="HG丸ｺﾞｼｯｸM-PRO" panose="020F0600000000000000" pitchFamily="50" charset="-128"/>
+                </a:endParaRPr>
+              </a:p>
+              <a:p>
+                <a:r>
+                  <a:rPr lang="ja-JP" altLang="en-US" sz="800" dirty="0" smtClean="0">
+                    <a:latin typeface="HG丸ｺﾞｼｯｸM-PRO" panose="020F0600000000000000" pitchFamily="50" charset="-128"/>
+                    <a:ea typeface="HG丸ｺﾞｼｯｸM-PRO" panose="020F0600000000000000" pitchFamily="50" charset="-128"/>
+                  </a:rPr>
+                  <a:t>縦軸</a:t>
+                </a:r>
+                <a:r>
+                  <a:rPr lang="ja-JP" altLang="en-US" sz="800" dirty="0">
+                    <a:latin typeface="HG丸ｺﾞｼｯｸM-PRO" panose="020F0600000000000000" pitchFamily="50" charset="-128"/>
+                    <a:ea typeface="HG丸ｺﾞｼｯｸM-PRO" panose="020F0600000000000000" pitchFamily="50" charset="-128"/>
+                  </a:rPr>
+                  <a:t>方向</a:t>
+                </a:r>
+                <a:r>
+                  <a:rPr lang="ja-JP" altLang="en-US" sz="800" dirty="0" smtClean="0">
+                    <a:latin typeface="HG丸ｺﾞｼｯｸM-PRO" panose="020F0600000000000000" pitchFamily="50" charset="-128"/>
+                    <a:ea typeface="HG丸ｺﾞｼｯｸM-PRO" panose="020F0600000000000000" pitchFamily="50" charset="-128"/>
+                  </a:rPr>
+                  <a:t>の位置変化（</a:t>
+                </a:r>
+                <a14:m>
+                  <m:oMath xmlns:m="http://schemas.openxmlformats.org/officeDocument/2006/math">
+                    <m:r>
+                      <a:rPr lang="en-US" altLang="ja-JP" sz="800" b="0" i="1" smtClean="0">
+                        <a:latin typeface="Cambria Math"/>
+                        <a:ea typeface="HG丸ｺﾞｼｯｸM-PRO" panose="020F0600000000000000" pitchFamily="50" charset="-128"/>
+                      </a:rPr>
+                      <m:t>𝑚𝑚</m:t>
+                    </m:r>
+                  </m:oMath>
+                </a14:m>
+                <a:r>
+                  <a:rPr lang="ja-JP" altLang="en-US" sz="800" dirty="0" smtClean="0">
+                    <a:latin typeface="HG丸ｺﾞｼｯｸM-PRO" panose="020F0600000000000000" pitchFamily="50" charset="-128"/>
+                    <a:ea typeface="HG丸ｺﾞｼｯｸM-PRO" panose="020F0600000000000000" pitchFamily="50" charset="-128"/>
+                  </a:rPr>
+                  <a:t>）：</a:t>
+                </a:r>
+                <a14:m>
+                  <m:oMath xmlns:m="http://schemas.openxmlformats.org/officeDocument/2006/math">
+                    <m:r>
+                      <a:rPr lang="ja-JP" altLang="en-US" sz="800" i="1" smtClean="0">
+                        <a:latin typeface="Cambria Math"/>
+                        <a:ea typeface="HG丸ｺﾞｼｯｸM-PRO" panose="020F0600000000000000" pitchFamily="50" charset="-128"/>
+                      </a:rPr>
+                      <m:t>∆</m:t>
+                    </m:r>
+                    <m:r>
+                      <a:rPr lang="en-US" altLang="ja-JP" sz="800" b="0" i="1" smtClean="0">
+                        <a:latin typeface="Cambria Math"/>
+                        <a:ea typeface="HG丸ｺﾞｼｯｸM-PRO" panose="020F0600000000000000" pitchFamily="50" charset="-128"/>
+                      </a:rPr>
+                      <m:t>𝑦</m:t>
+                    </m:r>
+                  </m:oMath>
+                </a14:m>
+                <a:r>
+                  <a:rPr lang="ja-JP" altLang="en-US" sz="800" dirty="0" smtClean="0">
+                    <a:latin typeface="HG丸ｺﾞｼｯｸM-PRO" panose="020F0600000000000000" pitchFamily="50" charset="-128"/>
+                    <a:ea typeface="HG丸ｺﾞｼｯｸM-PRO" panose="020F0600000000000000" pitchFamily="50" charset="-128"/>
+                  </a:rPr>
+                  <a:t> </a:t>
+                </a:r>
+                <a:endParaRPr lang="ja-JP" altLang="en-US" sz="800" dirty="0">
                   <a:latin typeface="HG丸ｺﾞｼｯｸM-PRO" panose="020F0600000000000000" pitchFamily="50" charset="-128"/>
                   <a:ea typeface="HG丸ｺﾞｼｯｸM-PRO" panose="020F0600000000000000" pitchFamily="50" charset="-128"/>
                 </a:endParaRPr>
@@ -7711,7 +7616,7 @@
         <mc:Fallback>
           <p:sp>
             <p:nvSpPr>
-              <p:cNvPr id="170" name="テキスト ボックス 169"/>
+              <p:cNvPr id="167" name="テキスト ボックス 166"/>
               <p:cNvSpPr txBox="1">
                 <a:spLocks noRot="1" noChangeAspect="1" noMove="1" noResize="1" noEditPoints="1" noAdjustHandles="1" noChangeArrowheads="1" noChangeShapeType="1" noTextEdit="1"/>
               </p:cNvSpPr>
@@ -7719,8 +7624,8 @@
             </p:nvSpPr>
             <p:spPr>
               <a:xfrm>
-                <a:off x="1737335" y="4080401"/>
-                <a:ext cx="408467" cy="153876"/>
+                <a:off x="2184132" y="2151287"/>
+                <a:ext cx="4589053" cy="1323427"/>
               </a:xfrm>
               <a:prstGeom prst="rect">
                 <a:avLst/>
@@ -7747,188 +7652,18 @@
           </p:sp>
         </mc:Fallback>
       </mc:AlternateContent>
-      <p:cxnSp>
-        <p:nvCxnSpPr>
-          <p:cNvPr id="171" name="直線矢印コネクタ 170"/>
-          <p:cNvCxnSpPr/>
-          <p:nvPr/>
-        </p:nvCxnSpPr>
-        <p:spPr>
-          <a:xfrm flipH="1">
-            <a:off x="805722" y="3566348"/>
-            <a:ext cx="663675" cy="0"/>
-          </a:xfrm>
-          <a:prstGeom prst="straightConnector1">
-            <a:avLst/>
-          </a:prstGeom>
-          <a:ln w="12700">
-            <a:solidFill>
-              <a:schemeClr val="tx1"/>
-            </a:solidFill>
-            <a:prstDash val="sysDot"/>
-            <a:tailEnd type="arrow" w="sm" len="med"/>
-          </a:ln>
-        </p:spPr>
-        <p:style>
-          <a:lnRef idx="1">
-            <a:schemeClr val="accent1"/>
-          </a:lnRef>
-          <a:fillRef idx="0">
-            <a:schemeClr val="accent1"/>
-          </a:fillRef>
-          <a:effectRef idx="0">
-            <a:schemeClr val="accent1"/>
-          </a:effectRef>
-          <a:fontRef idx="minor">
-            <a:schemeClr val="tx1"/>
-          </a:fontRef>
-        </p:style>
-      </p:cxnSp>
-      <p:sp>
-        <p:nvSpPr>
-          <p:cNvPr id="172" name="円/楕円 171"/>
-          <p:cNvSpPr>
-            <a:spLocks noChangeAspect="1"/>
-          </p:cNvSpPr>
-          <p:nvPr/>
-        </p:nvSpPr>
-        <p:spPr>
-          <a:xfrm rot="4500000">
-            <a:off x="766575" y="3543038"/>
-            <a:ext cx="55306" cy="55312"/>
-          </a:xfrm>
-          <a:prstGeom prst="ellipse">
-            <a:avLst/>
-          </a:prstGeom>
-          <a:solidFill>
-            <a:schemeClr val="tx1"/>
-          </a:solidFill>
-          <a:ln>
-            <a:noFill/>
-          </a:ln>
-        </p:spPr>
-        <p:style>
-          <a:lnRef idx="2">
-            <a:schemeClr val="accent1">
-              <a:shade val="50000"/>
-            </a:schemeClr>
-          </a:lnRef>
-          <a:fillRef idx="1">
-            <a:schemeClr val="accent1"/>
-          </a:fillRef>
-          <a:effectRef idx="0">
-            <a:schemeClr val="accent1"/>
-          </a:effectRef>
-          <a:fontRef idx="minor">
-            <a:schemeClr val="lt1"/>
-          </a:fontRef>
-        </p:style>
-        <p:txBody>
-          <a:bodyPr rtlCol="0" anchor="ctr"/>
-          <a:lstStyle/>
-          <a:p>
-            <a:pPr algn="ctr"/>
-            <a:endParaRPr kumimoji="1" lang="ja-JP" altLang="en-US" sz="1600"/>
-          </a:p>
-        </p:txBody>
-      </p:sp>
-      <p:sp>
-        <p:nvSpPr>
-          <p:cNvPr id="173" name="円/楕円 172"/>
-          <p:cNvSpPr>
-            <a:spLocks noChangeAspect="1"/>
-          </p:cNvSpPr>
-          <p:nvPr/>
-        </p:nvSpPr>
-        <p:spPr>
-          <a:xfrm rot="900000">
-            <a:off x="1458922" y="2937073"/>
-            <a:ext cx="55306" cy="55312"/>
-          </a:xfrm>
-          <a:prstGeom prst="ellipse">
-            <a:avLst/>
-          </a:prstGeom>
-          <a:solidFill>
-            <a:schemeClr val="tx1"/>
-          </a:solidFill>
-          <a:ln>
-            <a:noFill/>
-          </a:ln>
-        </p:spPr>
-        <p:style>
-          <a:lnRef idx="2">
-            <a:schemeClr val="accent1">
-              <a:shade val="50000"/>
-            </a:schemeClr>
-          </a:lnRef>
-          <a:fillRef idx="1">
-            <a:schemeClr val="accent1"/>
-          </a:fillRef>
-          <a:effectRef idx="0">
-            <a:schemeClr val="accent1"/>
-          </a:effectRef>
-          <a:fontRef idx="minor">
-            <a:schemeClr val="lt1"/>
-          </a:fontRef>
-        </p:style>
-        <p:txBody>
-          <a:bodyPr rtlCol="0" anchor="ctr"/>
-          <a:lstStyle/>
-          <a:p>
-            <a:pPr algn="ctr"/>
-            <a:endParaRPr kumimoji="1" lang="ja-JP" altLang="en-US" sz="1600"/>
-          </a:p>
-        </p:txBody>
-      </p:sp>
-      <p:cxnSp>
-        <p:nvCxnSpPr>
-          <p:cNvPr id="174" name="直線矢印コネクタ 173"/>
-          <p:cNvCxnSpPr/>
-          <p:nvPr/>
-        </p:nvCxnSpPr>
-        <p:spPr>
-          <a:xfrm>
-            <a:off x="1486706" y="3018062"/>
-            <a:ext cx="0" cy="552632"/>
-          </a:xfrm>
-          <a:prstGeom prst="straightConnector1">
-            <a:avLst/>
-          </a:prstGeom>
-          <a:ln w="12700">
-            <a:solidFill>
-              <a:schemeClr val="tx1"/>
-            </a:solidFill>
-            <a:prstDash val="sysDot"/>
-            <a:tailEnd type="arrow" w="sm" len="med"/>
-          </a:ln>
-        </p:spPr>
-        <p:style>
-          <a:lnRef idx="1">
-            <a:schemeClr val="accent1"/>
-          </a:lnRef>
-          <a:fillRef idx="0">
-            <a:schemeClr val="accent1"/>
-          </a:fillRef>
-          <a:effectRef idx="0">
-            <a:schemeClr val="accent1"/>
-          </a:effectRef>
-          <a:fontRef idx="minor">
-            <a:schemeClr val="tx1"/>
-          </a:fontRef>
-        </p:style>
-      </p:cxnSp>
       <mc:AlternateContent xmlns:mc="http://schemas.openxmlformats.org/markup-compatibility/2006">
         <mc:Choice xmlns:a14="http://schemas.microsoft.com/office/drawing/2010/main" Requires="a14">
           <p:sp>
             <p:nvSpPr>
-              <p:cNvPr id="175" name="テキスト ボックス 174"/>
+              <p:cNvPr id="180" name="テキスト ボックス 179"/>
               <p:cNvSpPr txBox="1"/>
               <p:nvPr/>
             </p:nvSpPr>
             <p:spPr>
               <a:xfrm>
-                <a:off x="1056638" y="3528199"/>
-                <a:ext cx="273152" cy="169277"/>
+                <a:off x="2525989" y="3575703"/>
+                <a:ext cx="1085169" cy="352019"/>
               </a:xfrm>
               <a:prstGeom prst="rect">
                 <a:avLst/>
@@ -7949,21 +7684,227 @@
                     </m:oMathParaPr>
                     <m:oMath xmlns:m="http://schemas.openxmlformats.org/officeDocument/2006/math">
                       <m:r>
-                        <a:rPr kumimoji="1" lang="ja-JP" altLang="en-US" sz="500" i="1" smtClean="0">
+                        <a:rPr lang="en-US" altLang="ja-JP" sz="800" b="0" i="1" smtClean="0">
                           <a:latin typeface="Cambria Math"/>
+                          <a:ea typeface="Cambria Math"/>
                         </a:rPr>
-                        <m:t>∆</m:t>
+                        <m:t>𝑟</m:t>
                       </m:r>
                       <m:r>
-                        <a:rPr kumimoji="1" lang="en-US" altLang="ja-JP" sz="500" b="0" i="1" smtClean="0">
+                        <a:rPr lang="en-US" altLang="ja-JP" sz="800" b="0" i="1" smtClean="0">
                           <a:latin typeface="Cambria Math"/>
+                          <a:ea typeface="Cambria Math"/>
                         </a:rPr>
-                        <m:t>𝑥</m:t>
+                        <m:t>=</m:t>
                       </m:r>
+                      <m:f>
+                        <m:fPr>
+                          <m:ctrlPr>
+                            <a:rPr lang="en-US" altLang="ja-JP" sz="800" b="0" i="1" smtClean="0">
+                              <a:latin typeface="Cambria Math" panose="02040503050406030204" pitchFamily="18" charset="0"/>
+                              <a:ea typeface="Cambria Math"/>
+                            </a:rPr>
+                          </m:ctrlPr>
+                        </m:fPr>
+                        <m:num>
+                          <m:sSub>
+                            <m:sSubPr>
+                              <m:ctrlPr>
+                                <a:rPr lang="en-US" altLang="ja-JP" sz="800" i="1" smtClean="0">
+                                  <a:latin typeface="Cambria Math" panose="02040503050406030204" pitchFamily="18" charset="0"/>
+                                  <a:ea typeface="HG丸ｺﾞｼｯｸM-PRO" panose="020F0600000000000000" pitchFamily="50" charset="-128"/>
+                                </a:rPr>
+                              </m:ctrlPr>
+                            </m:sSubPr>
+                            <m:e>
+                              <m:r>
+                                <a:rPr lang="en-US" altLang="ja-JP" sz="800" b="0" i="1" smtClean="0">
+                                  <a:latin typeface="Cambria Math"/>
+                                  <a:ea typeface="HG丸ｺﾞｼｯｸM-PRO" panose="020F0600000000000000" pitchFamily="50" charset="-128"/>
+                                </a:rPr>
+                                <m:t>𝐿</m:t>
+                              </m:r>
+                            </m:e>
+                            <m:sub>
+                              <m:r>
+                                <a:rPr lang="en-US" altLang="ja-JP" sz="800" b="0" i="1" smtClean="0">
+                                  <a:latin typeface="Cambria Math"/>
+                                  <a:ea typeface="HG丸ｺﾞｼｯｸM-PRO" panose="020F0600000000000000" pitchFamily="50" charset="-128"/>
+                                </a:rPr>
+                                <m:t>𝑇</m:t>
+                              </m:r>
+                            </m:sub>
+                          </m:sSub>
+                          <m:d>
+                            <m:dPr>
+                              <m:ctrlPr>
+                                <a:rPr lang="en-US" altLang="ja-JP" sz="800" b="0" i="1" smtClean="0">
+                                  <a:latin typeface="Cambria Math" panose="02040503050406030204" pitchFamily="18" charset="0"/>
+                                  <a:ea typeface="Cambria Math"/>
+                                </a:rPr>
+                              </m:ctrlPr>
+                            </m:dPr>
+                            <m:e>
+                              <m:r>
+                                <a:rPr lang="en-US" altLang="ja-JP" sz="800" b="0" i="1" smtClean="0">
+                                  <a:latin typeface="Cambria Math"/>
+                                  <a:ea typeface="Cambria Math"/>
+                                </a:rPr>
+                                <m:t>∆</m:t>
+                              </m:r>
+                              <m:sSub>
+                                <m:sSubPr>
+                                  <m:ctrlPr>
+                                    <a:rPr lang="en-US" altLang="ja-JP" sz="800" b="0" i="1" smtClean="0">
+                                      <a:latin typeface="Cambria Math" panose="02040503050406030204" pitchFamily="18" charset="0"/>
+                                      <a:ea typeface="Cambria Math"/>
+                                    </a:rPr>
+                                  </m:ctrlPr>
+                                </m:sSubPr>
+                                <m:e>
+                                  <m:r>
+                                    <a:rPr lang="ja-JP" altLang="en-US" sz="800" i="1" smtClean="0">
+                                      <a:latin typeface="Cambria Math"/>
+                                      <a:ea typeface="HG丸ｺﾞｼｯｸM-PRO" panose="020F0600000000000000" pitchFamily="50" charset="-128"/>
+                                    </a:rPr>
+                                    <m:t>𝜑</m:t>
+                                  </m:r>
+                                </m:e>
+                                <m:sub>
+                                  <m:r>
+                                    <a:rPr lang="en-US" altLang="ja-JP" sz="800" b="0" i="1" smtClean="0">
+                                      <a:latin typeface="Cambria Math"/>
+                                      <a:ea typeface="Cambria Math"/>
+                                    </a:rPr>
+                                    <m:t>𝑅</m:t>
+                                  </m:r>
+                                </m:sub>
+                              </m:sSub>
+                              <m:r>
+                                <a:rPr lang="en-US" altLang="ja-JP" sz="800" b="0" i="1" smtClean="0">
+                                  <a:latin typeface="Cambria Math"/>
+                                  <a:ea typeface="Cambria Math"/>
+                                </a:rPr>
+                                <m:t>+∆</m:t>
+                              </m:r>
+                              <m:sSub>
+                                <m:sSubPr>
+                                  <m:ctrlPr>
+                                    <a:rPr lang="en-US" altLang="ja-JP" sz="800" b="0" i="1" smtClean="0">
+                                      <a:latin typeface="Cambria Math" panose="02040503050406030204" pitchFamily="18" charset="0"/>
+                                      <a:ea typeface="Cambria Math"/>
+                                    </a:rPr>
+                                  </m:ctrlPr>
+                                </m:sSubPr>
+                                <m:e>
+                                  <m:r>
+                                    <a:rPr lang="ja-JP" altLang="en-US" sz="800" i="1" smtClean="0">
+                                      <a:latin typeface="Cambria Math"/>
+                                      <a:ea typeface="HG丸ｺﾞｼｯｸM-PRO" panose="020F0600000000000000" pitchFamily="50" charset="-128"/>
+                                    </a:rPr>
+                                    <m:t>𝜑</m:t>
+                                  </m:r>
+                                </m:e>
+                                <m:sub>
+                                  <m:r>
+                                    <a:rPr lang="en-US" altLang="ja-JP" sz="800" b="0" i="1" smtClean="0">
+                                      <a:latin typeface="Cambria Math"/>
+                                      <a:ea typeface="Cambria Math"/>
+                                    </a:rPr>
+                                    <m:t>𝐿</m:t>
+                                  </m:r>
+                                </m:sub>
+                              </m:sSub>
+                            </m:e>
+                          </m:d>
+                        </m:num>
+                        <m:den>
+                          <m:r>
+                            <a:rPr lang="ja-JP" altLang="en-US" sz="800" i="1" smtClean="0">
+                              <a:latin typeface="Cambria Math"/>
+                              <a:ea typeface="HG丸ｺﾞｼｯｸM-PRO" panose="020F0600000000000000" pitchFamily="50" charset="-128"/>
+                            </a:rPr>
+                            <m:t>∆</m:t>
+                          </m:r>
+                          <m:sSub>
+                            <m:sSubPr>
+                              <m:ctrlPr>
+                                <a:rPr lang="en-US" altLang="ja-JP" sz="800" i="1" smtClean="0">
+                                  <a:latin typeface="Cambria Math" panose="02040503050406030204" pitchFamily="18" charset="0"/>
+                                  <a:ea typeface="HG丸ｺﾞｼｯｸM-PRO" panose="020F0600000000000000" pitchFamily="50" charset="-128"/>
+                                </a:rPr>
+                              </m:ctrlPr>
+                            </m:sSubPr>
+                            <m:e>
+                              <m:r>
+                                <a:rPr lang="ja-JP" altLang="en-US" sz="800" i="1" smtClean="0">
+                                  <a:latin typeface="Cambria Math"/>
+                                  <a:ea typeface="HG丸ｺﾞｼｯｸM-PRO" panose="020F0600000000000000" pitchFamily="50" charset="-128"/>
+                                </a:rPr>
+                                <m:t>𝜑</m:t>
+                              </m:r>
+                            </m:e>
+                            <m:sub>
+                              <m:r>
+                                <a:rPr lang="en-US" altLang="ja-JP" sz="800" b="0" i="1" smtClean="0">
+                                  <a:latin typeface="Cambria Math"/>
+                                  <a:ea typeface="HG丸ｺﾞｼｯｸM-PRO" panose="020F0600000000000000" pitchFamily="50" charset="-128"/>
+                                </a:rPr>
+                                <m:t>𝑅</m:t>
+                              </m:r>
+                            </m:sub>
+                          </m:sSub>
+                          <m:r>
+                            <a:rPr lang="en-US" altLang="ja-JP" sz="800" b="0" i="1" smtClean="0">
+                              <a:latin typeface="Cambria Math"/>
+                              <a:ea typeface="HG丸ｺﾞｼｯｸM-PRO" panose="020F0600000000000000" pitchFamily="50" charset="-128"/>
+                            </a:rPr>
+                            <m:t>−</m:t>
+                          </m:r>
+                          <m:r>
+                            <a:rPr lang="ja-JP" altLang="en-US" sz="800" i="1" smtClean="0">
+                              <a:latin typeface="Cambria Math"/>
+                              <a:ea typeface="HG丸ｺﾞｼｯｸM-PRO" panose="020F0600000000000000" pitchFamily="50" charset="-128"/>
+                            </a:rPr>
+                            <m:t>∆</m:t>
+                          </m:r>
+                          <m:sSub>
+                            <m:sSubPr>
+                              <m:ctrlPr>
+                                <a:rPr lang="en-US" altLang="ja-JP" sz="800" i="1" smtClean="0">
+                                  <a:latin typeface="Cambria Math" panose="02040503050406030204" pitchFamily="18" charset="0"/>
+                                  <a:ea typeface="HG丸ｺﾞｼｯｸM-PRO" panose="020F0600000000000000" pitchFamily="50" charset="-128"/>
+                                </a:rPr>
+                              </m:ctrlPr>
+                            </m:sSubPr>
+                            <m:e>
+                              <m:r>
+                                <a:rPr lang="ja-JP" altLang="en-US" sz="800" i="1" smtClean="0">
+                                  <a:latin typeface="Cambria Math"/>
+                                  <a:ea typeface="HG丸ｺﾞｼｯｸM-PRO" panose="020F0600000000000000" pitchFamily="50" charset="-128"/>
+                                </a:rPr>
+                                <m:t>𝜑</m:t>
+                              </m:r>
+                            </m:e>
+                            <m:sub>
+                              <m:r>
+                                <a:rPr lang="en-US" altLang="ja-JP" sz="800" b="0" i="1" smtClean="0">
+                                  <a:latin typeface="Cambria Math"/>
+                                  <a:ea typeface="HG丸ｺﾞｼｯｸM-PRO" panose="020F0600000000000000" pitchFamily="50" charset="-128"/>
+                                </a:rPr>
+                                <m:t>𝐿</m:t>
+                              </m:r>
+                            </m:sub>
+                          </m:sSub>
+                        </m:den>
+                      </m:f>
                     </m:oMath>
                   </m:oMathPara>
                 </a14:m>
-                <a:endParaRPr kumimoji="1" lang="ja-JP" altLang="en-US" sz="500" dirty="0"/>
+                <a:endParaRPr lang="en-US" altLang="ja-JP" sz="800" dirty="0">
+                  <a:latin typeface="HG丸ｺﾞｼｯｸM-PRO" panose="020F0600000000000000" pitchFamily="50" charset="-128"/>
+                  <a:ea typeface="HG丸ｺﾞｼｯｸM-PRO" panose="020F0600000000000000" pitchFamily="50" charset="-128"/>
+                </a:endParaRPr>
               </a:p>
             </p:txBody>
           </p:sp>
@@ -7971,7 +7912,7 @@
         <mc:Fallback>
           <p:sp>
             <p:nvSpPr>
-              <p:cNvPr id="175" name="テキスト ボックス 174"/>
+              <p:cNvPr id="180" name="テキスト ボックス 179"/>
               <p:cNvSpPr txBox="1">
                 <a:spLocks noRot="1" noChangeAspect="1" noMove="1" noResize="1" noEditPoints="1" noAdjustHandles="1" noChangeArrowheads="1" noChangeShapeType="1" noTextEdit="1"/>
               </p:cNvSpPr>
@@ -7979,8 +7920,8 @@
             </p:nvSpPr>
             <p:spPr>
               <a:xfrm>
-                <a:off x="1056638" y="3528199"/>
-                <a:ext cx="273152" cy="169277"/>
+                <a:off x="2525989" y="3575703"/>
+                <a:ext cx="1085169" cy="352019"/>
               </a:xfrm>
               <a:prstGeom prst="rect">
                 <a:avLst/>
@@ -8007,18 +7948,56 @@
           </p:sp>
         </mc:Fallback>
       </mc:AlternateContent>
+      <p:sp>
+        <p:nvSpPr>
+          <p:cNvPr id="182" name="テキスト ボックス 181"/>
+          <p:cNvSpPr txBox="1"/>
+          <p:nvPr/>
+        </p:nvSpPr>
+        <p:spPr>
+          <a:xfrm>
+            <a:off x="3829135" y="3654394"/>
+            <a:ext cx="1265090" cy="215444"/>
+          </a:xfrm>
+          <a:prstGeom prst="rect">
+            <a:avLst/>
+          </a:prstGeom>
+          <a:noFill/>
+        </p:spPr>
+        <p:txBody>
+          <a:bodyPr wrap="none" rtlCol="0">
+            <a:spAutoFit/>
+          </a:bodyPr>
+          <a:lstStyle/>
+          <a:p>
+            <a:r>
+              <a:rPr lang="ja-JP" altLang="en-US" sz="800" dirty="0"/>
+              <a:t>（</a:t>
+            </a:r>
+            <a:r>
+              <a:rPr lang="ja-JP" altLang="en-US" sz="800" dirty="0" smtClean="0"/>
+              <a:t>直進時は無限大となる</a:t>
+            </a:r>
+            <a:r>
+              <a:rPr lang="ja-JP" altLang="en-US" sz="800" dirty="0"/>
+              <a:t>）</a:t>
+            </a:r>
+            <a:endParaRPr kumimoji="1" lang="ja-JP" altLang="en-US" sz="800" dirty="0"/>
+          </a:p>
+        </p:txBody>
+      </p:sp>
       <mc:AlternateContent xmlns:mc="http://schemas.openxmlformats.org/markup-compatibility/2006">
         <mc:Choice xmlns:a14="http://schemas.microsoft.com/office/drawing/2010/main" Requires="a14">
           <p:sp>
             <p:nvSpPr>
-              <p:cNvPr id="176" name="テキスト ボックス 175"/>
+              <p:cNvPr id="183" name="テキスト ボックス 182"/>
               <p:cNvSpPr txBox="1"/>
               <p:nvPr/>
             </p:nvSpPr>
             <p:spPr>
               <a:xfrm>
-                <a:off x="1226181" y="3275667"/>
-                <a:ext cx="273921" cy="169277"/>
+                <a:off x="2512749" y="3984239"/>
+                <a:ext cx="1239442" cy="351378"/>
               </a:xfrm>
               <a:prstGeom prst="rect">
                 <a:avLst/>
@@ -8039,21 +8018,199 @@
                     </m:oMathParaPr>
                     <m:oMath xmlns:m="http://schemas.openxmlformats.org/officeDocument/2006/math">
                       <m:r>
-                        <a:rPr kumimoji="1" lang="ja-JP" altLang="en-US" sz="500" i="1" smtClean="0">
+                        <a:rPr lang="en-US" altLang="ja-JP" sz="800" b="0" i="1" smtClean="0">
                           <a:latin typeface="Cambria Math"/>
+                          <a:ea typeface="Cambria Math"/>
                         </a:rPr>
                         <m:t>∆</m:t>
                       </m:r>
                       <m:r>
-                        <a:rPr kumimoji="1" lang="en-US" altLang="ja-JP" sz="500" b="0" i="1" smtClean="0">
+                        <a:rPr lang="ja-JP" altLang="en-US" sz="800" b="0" i="1" smtClean="0">
                           <a:latin typeface="Cambria Math"/>
+                          <a:ea typeface="Cambria Math"/>
                         </a:rPr>
-                        <m:t>𝑦</m:t>
+                        <m:t>𝜃</m:t>
                       </m:r>
+                      <m:r>
+                        <a:rPr lang="en-US" altLang="ja-JP" sz="800" b="0" i="1" smtClean="0">
+                          <a:latin typeface="Cambria Math"/>
+                          <a:ea typeface="Cambria Math"/>
+                        </a:rPr>
+                        <m:t>=</m:t>
+                      </m:r>
+                      <m:f>
+                        <m:fPr>
+                          <m:ctrlPr>
+                            <a:rPr lang="en-US" altLang="ja-JP" sz="800" b="0" i="1" smtClean="0">
+                              <a:latin typeface="Cambria Math" panose="02040503050406030204" pitchFamily="18" charset="0"/>
+                              <a:ea typeface="Cambria Math"/>
+                            </a:rPr>
+                          </m:ctrlPr>
+                        </m:fPr>
+                        <m:num>
+                          <m:r>
+                            <a:rPr lang="ja-JP" altLang="en-US" sz="800" b="0" i="1" smtClean="0">
+                              <a:latin typeface="Cambria Math"/>
+                              <a:ea typeface="Cambria Math"/>
+                            </a:rPr>
+                            <m:t>𝜋</m:t>
+                          </m:r>
+                          <m:sSub>
+                            <m:sSubPr>
+                              <m:ctrlPr>
+                                <a:rPr lang="en-US" altLang="ja-JP" sz="800" i="1" smtClean="0">
+                                  <a:latin typeface="Cambria Math" panose="02040503050406030204" pitchFamily="18" charset="0"/>
+                                  <a:ea typeface="HG丸ｺﾞｼｯｸM-PRO" panose="020F0600000000000000" pitchFamily="50" charset="-128"/>
+                                </a:rPr>
+                              </m:ctrlPr>
+                            </m:sSubPr>
+                            <m:e>
+                              <m:r>
+                                <a:rPr lang="en-US" altLang="ja-JP" sz="800" b="0" i="1" smtClean="0">
+                                  <a:latin typeface="Cambria Math"/>
+                                  <a:ea typeface="HG丸ｺﾞｼｯｸM-PRO" panose="020F0600000000000000" pitchFamily="50" charset="-128"/>
+                                </a:rPr>
+                                <m:t>𝑅</m:t>
+                              </m:r>
+                            </m:e>
+                            <m:sub>
+                              <m:r>
+                                <a:rPr lang="en-US" altLang="ja-JP" sz="800" b="0" i="1" smtClean="0">
+                                  <a:latin typeface="Cambria Math"/>
+                                  <a:ea typeface="HG丸ｺﾞｼｯｸM-PRO" panose="020F0600000000000000" pitchFamily="50" charset="-128"/>
+                                </a:rPr>
+                                <m:t>𝑤</m:t>
+                              </m:r>
+                            </m:sub>
+                          </m:sSub>
+                          <m:d>
+                            <m:dPr>
+                              <m:ctrlPr>
+                                <a:rPr lang="en-US" altLang="ja-JP" sz="800" b="0" i="1" smtClean="0">
+                                  <a:latin typeface="Cambria Math" panose="02040503050406030204" pitchFamily="18" charset="0"/>
+                                  <a:ea typeface="Cambria Math"/>
+                                </a:rPr>
+                              </m:ctrlPr>
+                            </m:dPr>
+                            <m:e>
+                              <m:r>
+                                <a:rPr lang="en-US" altLang="ja-JP" sz="800" b="0" i="1" smtClean="0">
+                                  <a:latin typeface="Cambria Math"/>
+                                  <a:ea typeface="Cambria Math"/>
+                                </a:rPr>
+                                <m:t>∆</m:t>
+                              </m:r>
+                              <m:sSub>
+                                <m:sSubPr>
+                                  <m:ctrlPr>
+                                    <a:rPr lang="en-US" altLang="ja-JP" sz="800" b="0" i="1" smtClean="0">
+                                      <a:latin typeface="Cambria Math" panose="02040503050406030204" pitchFamily="18" charset="0"/>
+                                      <a:ea typeface="Cambria Math"/>
+                                    </a:rPr>
+                                  </m:ctrlPr>
+                                </m:sSubPr>
+                                <m:e>
+                                  <m:r>
+                                    <a:rPr lang="ja-JP" altLang="en-US" sz="800" i="1" smtClean="0">
+                                      <a:latin typeface="Cambria Math"/>
+                                      <a:ea typeface="HG丸ｺﾞｼｯｸM-PRO" panose="020F0600000000000000" pitchFamily="50" charset="-128"/>
+                                    </a:rPr>
+                                    <m:t>𝜑</m:t>
+                                  </m:r>
+                                </m:e>
+                                <m:sub>
+                                  <m:r>
+                                    <a:rPr lang="en-US" altLang="ja-JP" sz="800" b="0" i="1" smtClean="0">
+                                      <a:latin typeface="Cambria Math"/>
+                                      <a:ea typeface="Cambria Math"/>
+                                    </a:rPr>
+                                    <m:t>𝑅</m:t>
+                                  </m:r>
+                                </m:sub>
+                              </m:sSub>
+                              <m:r>
+                                <a:rPr lang="en-US" altLang="ja-JP" sz="800" b="0" i="1" smtClean="0">
+                                  <a:latin typeface="Cambria Math"/>
+                                  <a:ea typeface="Cambria Math"/>
+                                </a:rPr>
+                                <m:t>−∆</m:t>
+                              </m:r>
+                              <m:sSub>
+                                <m:sSubPr>
+                                  <m:ctrlPr>
+                                    <a:rPr lang="en-US" altLang="ja-JP" sz="800" b="0" i="1" smtClean="0">
+                                      <a:latin typeface="Cambria Math" panose="02040503050406030204" pitchFamily="18" charset="0"/>
+                                      <a:ea typeface="Cambria Math"/>
+                                    </a:rPr>
+                                  </m:ctrlPr>
+                                </m:sSubPr>
+                                <m:e>
+                                  <m:r>
+                                    <a:rPr lang="ja-JP" altLang="en-US" sz="800" i="1" smtClean="0">
+                                      <a:latin typeface="Cambria Math"/>
+                                      <a:ea typeface="HG丸ｺﾞｼｯｸM-PRO" panose="020F0600000000000000" pitchFamily="50" charset="-128"/>
+                                    </a:rPr>
+                                    <m:t>𝜑</m:t>
+                                  </m:r>
+                                </m:e>
+                                <m:sub>
+                                  <m:r>
+                                    <a:rPr lang="en-US" altLang="ja-JP" sz="800" b="0" i="1" smtClean="0">
+                                      <a:latin typeface="Cambria Math"/>
+                                      <a:ea typeface="Cambria Math"/>
+                                    </a:rPr>
+                                    <m:t>𝐿</m:t>
+                                  </m:r>
+                                </m:sub>
+                              </m:sSub>
+                            </m:e>
+                          </m:d>
+                        </m:num>
+                        <m:den>
+                          <m:r>
+                            <a:rPr lang="en-US" altLang="ja-JP" sz="800" b="0" i="1" smtClean="0">
+                              <a:latin typeface="Cambria Math"/>
+                              <a:ea typeface="Cambria Math"/>
+                            </a:rPr>
+                            <m:t>360</m:t>
+                          </m:r>
+                          <m:sSub>
+                            <m:sSubPr>
+                              <m:ctrlPr>
+                                <a:rPr lang="en-US" altLang="ja-JP" sz="800" i="1" smtClean="0">
+                                  <a:latin typeface="Cambria Math" panose="02040503050406030204" pitchFamily="18" charset="0"/>
+                                  <a:ea typeface="HG丸ｺﾞｼｯｸM-PRO" panose="020F0600000000000000" pitchFamily="50" charset="-128"/>
+                                </a:rPr>
+                              </m:ctrlPr>
+                            </m:sSubPr>
+                            <m:e>
+                              <m:r>
+                                <a:rPr lang="en-US" altLang="ja-JP" sz="800" b="0" i="1" smtClean="0">
+                                  <a:latin typeface="Cambria Math"/>
+                                  <a:ea typeface="HG丸ｺﾞｼｯｸM-PRO" panose="020F0600000000000000" pitchFamily="50" charset="-128"/>
+                                </a:rPr>
+                                <m:t>𝐿</m:t>
+                              </m:r>
+                            </m:e>
+                            <m:sub>
+                              <m:r>
+                                <a:rPr lang="en-US" altLang="ja-JP" sz="800" b="0" i="1" smtClean="0">
+                                  <a:latin typeface="Cambria Math"/>
+                                  <a:ea typeface="HG丸ｺﾞｼｯｸM-PRO" panose="020F0600000000000000" pitchFamily="50" charset="-128"/>
+                                </a:rPr>
+                                <m:t>𝑇</m:t>
+                              </m:r>
+                            </m:sub>
+                          </m:sSub>
+                        </m:den>
+                      </m:f>
                     </m:oMath>
                   </m:oMathPara>
                 </a14:m>
-                <a:endParaRPr kumimoji="1" lang="ja-JP" altLang="en-US" sz="500" dirty="0"/>
+                <a:endParaRPr lang="en-US" altLang="ja-JP" sz="800" dirty="0" smtClean="0">
+                  <a:latin typeface="HG丸ｺﾞｼｯｸM-PRO" panose="020F0600000000000000" pitchFamily="50" charset="-128"/>
+                  <a:ea typeface="HG丸ｺﾞｼｯｸM-PRO" panose="020F0600000000000000" pitchFamily="50" charset="-128"/>
+                </a:endParaRPr>
               </a:p>
             </p:txBody>
           </p:sp>
@@ -8061,7 +8218,7 @@
         <mc:Fallback>
           <p:sp>
             <p:nvSpPr>
-              <p:cNvPr id="176" name="テキスト ボックス 175"/>
+              <p:cNvPr id="183" name="テキスト ボックス 182"/>
               <p:cNvSpPr txBox="1">
                 <a:spLocks noRot="1" noChangeAspect="1" noMove="1" noResize="1" noEditPoints="1" noAdjustHandles="1" noChangeArrowheads="1" noChangeShapeType="1" noTextEdit="1"/>
               </p:cNvSpPr>
@@ -8069,8 +8226,8 @@
             </p:nvSpPr>
             <p:spPr>
               <a:xfrm>
-                <a:off x="1226181" y="3275667"/>
-                <a:ext cx="273921" cy="169277"/>
+                <a:off x="2512749" y="3984239"/>
+                <a:ext cx="1239442" cy="351378"/>
               </a:xfrm>
               <a:prstGeom prst="rect">
                 <a:avLst/>
@@ -8097,99 +8254,26 @@
           </p:sp>
         </mc:Fallback>
       </mc:AlternateContent>
-      <p:cxnSp>
-        <p:nvCxnSpPr>
-          <p:cNvPr id="177" name="直線コネクタ 176"/>
-          <p:cNvCxnSpPr/>
-          <p:nvPr/>
-        </p:nvCxnSpPr>
-        <p:spPr>
-          <a:xfrm flipV="1">
-            <a:off x="1462441" y="2791845"/>
-            <a:ext cx="394928" cy="184504"/>
-          </a:xfrm>
-          <a:prstGeom prst="line">
-            <a:avLst/>
-          </a:prstGeom>
-          <a:ln w="12700">
-            <a:solidFill>
-              <a:schemeClr val="tx1"/>
-            </a:solidFill>
-            <a:prstDash val="sysDash"/>
-          </a:ln>
-        </p:spPr>
-        <p:style>
-          <a:lnRef idx="1">
-            <a:schemeClr val="accent1"/>
-          </a:lnRef>
-          <a:fillRef idx="0">
-            <a:schemeClr val="accent1"/>
-          </a:fillRef>
-          <a:effectRef idx="0">
-            <a:schemeClr val="accent1"/>
-          </a:effectRef>
-          <a:fontRef idx="minor">
-            <a:schemeClr val="tx1"/>
-          </a:fontRef>
-        </p:style>
-      </p:cxnSp>
-      <p:cxnSp>
-        <p:nvCxnSpPr>
-          <p:cNvPr id="179" name="直線矢印コネクタ 178"/>
-          <p:cNvCxnSpPr/>
-          <p:nvPr/>
-        </p:nvCxnSpPr>
-        <p:spPr>
-          <a:xfrm>
-            <a:off x="1663652" y="2887843"/>
-            <a:ext cx="714285" cy="1575496"/>
-          </a:xfrm>
-          <a:prstGeom prst="straightConnector1">
-            <a:avLst/>
-          </a:prstGeom>
-          <a:ln w="12700">
-            <a:solidFill>
-              <a:schemeClr val="tx1"/>
-            </a:solidFill>
-            <a:prstDash val="sysDot"/>
-            <a:headEnd type="arrow" w="sm" len="med"/>
-            <a:tailEnd type="arrow" w="sm" len="med"/>
-          </a:ln>
-        </p:spPr>
-        <p:style>
-          <a:lnRef idx="1">
-            <a:schemeClr val="accent1"/>
-          </a:lnRef>
-          <a:fillRef idx="0">
-            <a:schemeClr val="accent1"/>
-          </a:fillRef>
-          <a:effectRef idx="0">
-            <a:schemeClr val="accent1"/>
-          </a:effectRef>
-          <a:fontRef idx="minor">
-            <a:schemeClr val="tx1"/>
-          </a:fontRef>
-        </p:style>
-      </p:cxnSp>
       <mc:AlternateContent xmlns:mc="http://schemas.openxmlformats.org/markup-compatibility/2006">
         <mc:Choice xmlns:a14="http://schemas.microsoft.com/office/drawing/2010/main" Requires="a14">
           <p:sp>
             <p:nvSpPr>
-              <p:cNvPr id="181" name="正方形/長方形 180"/>
-              <p:cNvSpPr/>
+              <p:cNvPr id="188" name="テキスト ボックス 187"/>
+              <p:cNvSpPr txBox="1"/>
               <p:nvPr/>
             </p:nvSpPr>
             <p:spPr>
               <a:xfrm>
-                <a:off x="1894686" y="3417871"/>
-                <a:ext cx="221086" cy="153888"/>
+                <a:off x="1141169" y="4112557"/>
+                <a:ext cx="1426673" cy="338554"/>
               </a:xfrm>
               <a:prstGeom prst="rect">
                 <a:avLst/>
               </a:prstGeom>
+              <a:noFill/>
             </p:spPr>
             <p:txBody>
-              <a:bodyPr wrap="none">
+              <a:bodyPr wrap="none" rtlCol="0">
                 <a:spAutoFit/>
               </a:bodyPr>
               <a:lstStyle/>
@@ -8202,15 +8286,302 @@
                     </m:oMathParaPr>
                     <m:oMath xmlns:m="http://schemas.openxmlformats.org/officeDocument/2006/math">
                       <m:r>
-                        <a:rPr lang="en-US" altLang="ja-JP" sz="400" b="0" i="1" smtClean="0">
+                        <a:rPr lang="en-US" altLang="ja-JP" sz="800" b="0" i="1" smtClean="0">
                           <a:latin typeface="Cambria Math"/>
+                          <a:ea typeface="Cambria Math"/>
+                        </a:rPr>
+                        <m:t>∆</m:t>
+                      </m:r>
+                      <m:r>
+                        <a:rPr lang="en-US" altLang="ja-JP" sz="800" b="0" i="1" smtClean="0">
+                          <a:latin typeface="Cambria Math"/>
+                          <a:ea typeface="Cambria Math"/>
+                        </a:rPr>
+                        <m:t>𝑥</m:t>
+                      </m:r>
+                      <m:r>
+                        <a:rPr lang="en-US" altLang="ja-JP" sz="800" b="0" i="1" smtClean="0">
+                          <a:latin typeface="Cambria Math"/>
+                          <a:ea typeface="Cambria Math"/>
+                        </a:rPr>
+                        <m:t>=</m:t>
+                      </m:r>
+                      <m:r>
+                        <a:rPr lang="en-US" altLang="ja-JP" sz="800" b="0" i="1" smtClean="0">
+                          <a:latin typeface="Cambria Math"/>
+                          <a:ea typeface="Cambria Math"/>
                         </a:rPr>
                         <m:t>𝑟</m:t>
                       </m:r>
+                      <m:d>
+                        <m:dPr>
+                          <m:begChr m:val="{"/>
+                          <m:endChr m:val="}"/>
+                          <m:ctrlPr>
+                            <a:rPr lang="en-US" altLang="ja-JP" sz="800" b="0" i="1" smtClean="0">
+                              <a:latin typeface="Cambria Math" panose="02040503050406030204" pitchFamily="18" charset="0"/>
+                              <a:ea typeface="Cambria Math"/>
+                            </a:rPr>
+                          </m:ctrlPr>
+                        </m:dPr>
+                        <m:e>
+                          <m:func>
+                            <m:funcPr>
+                              <m:ctrlPr>
+                                <a:rPr lang="en-US" altLang="ja-JP" sz="800" b="0" i="1" smtClean="0">
+                                  <a:latin typeface="Cambria Math" panose="02040503050406030204" pitchFamily="18" charset="0"/>
+                                  <a:ea typeface="Cambria Math"/>
+                                </a:rPr>
+                              </m:ctrlPr>
+                            </m:funcPr>
+                            <m:fName>
+                              <m:r>
+                                <m:rPr>
+                                  <m:sty m:val="p"/>
+                                </m:rPr>
+                                <a:rPr lang="en-US" altLang="ja-JP" sz="800" b="0" i="0" smtClean="0">
+                                  <a:latin typeface="Cambria Math"/>
+                                  <a:ea typeface="Cambria Math"/>
+                                </a:rPr>
+                                <m:t>cos</m:t>
+                              </m:r>
+                            </m:fName>
+                            <m:e>
+                              <m:d>
+                                <m:dPr>
+                                  <m:ctrlPr>
+                                    <a:rPr lang="en-US" altLang="ja-JP" sz="800" b="0" i="1" smtClean="0">
+                                      <a:latin typeface="Cambria Math" panose="02040503050406030204" pitchFamily="18" charset="0"/>
+                                      <a:ea typeface="Cambria Math"/>
+                                    </a:rPr>
+                                  </m:ctrlPr>
+                                </m:dPr>
+                                <m:e>
+                                  <m:r>
+                                    <a:rPr lang="ja-JP" altLang="en-US" sz="800" i="1" smtClean="0">
+                                      <a:latin typeface="Cambria Math"/>
+                                      <a:ea typeface="HG丸ｺﾞｼｯｸM-PRO" panose="020F0600000000000000" pitchFamily="50" charset="-128"/>
+                                    </a:rPr>
+                                    <m:t>𝜃</m:t>
+                                  </m:r>
+                                  <m:r>
+                                    <m:rPr>
+                                      <m:nor/>
+                                    </m:rPr>
+                                    <a:rPr lang="en-US" altLang="ja-JP" sz="800" b="0" i="0" smtClean="0">
+                                      <a:latin typeface="Cambria Math"/>
+                                      <a:ea typeface="HG丸ｺﾞｼｯｸM-PRO" panose="020F0600000000000000" pitchFamily="50" charset="-128"/>
+                                    </a:rPr>
+                                    <m:t>+</m:t>
+                                  </m:r>
+                                  <m:r>
+                                    <a:rPr lang="en-US" altLang="ja-JP" sz="800" b="0" i="1" smtClean="0">
+                                      <a:latin typeface="Cambria Math"/>
+                                      <a:ea typeface="Cambria Math"/>
+                                    </a:rPr>
+                                    <m:t>∆</m:t>
+                                  </m:r>
+                                  <m:r>
+                                    <a:rPr lang="ja-JP" altLang="en-US" sz="800" b="0" i="1" smtClean="0">
+                                      <a:latin typeface="Cambria Math"/>
+                                      <a:ea typeface="Cambria Math"/>
+                                    </a:rPr>
+                                    <m:t>𝜃</m:t>
+                                  </m:r>
+                                </m:e>
+                              </m:d>
+                            </m:e>
+                          </m:func>
+                          <m:r>
+                            <a:rPr lang="en-US" altLang="ja-JP" sz="800" b="0" i="1" smtClean="0">
+                              <a:latin typeface="Cambria Math"/>
+                              <a:ea typeface="Cambria Math"/>
+                            </a:rPr>
+                            <m:t>−</m:t>
+                          </m:r>
+                          <m:func>
+                            <m:funcPr>
+                              <m:ctrlPr>
+                                <a:rPr lang="en-US" altLang="ja-JP" sz="800" b="0" i="1" smtClean="0">
+                                  <a:latin typeface="Cambria Math" panose="02040503050406030204" pitchFamily="18" charset="0"/>
+                                  <a:ea typeface="Cambria Math"/>
+                                </a:rPr>
+                              </m:ctrlPr>
+                            </m:funcPr>
+                            <m:fName>
+                              <m:r>
+                                <m:rPr>
+                                  <m:sty m:val="p"/>
+                                </m:rPr>
+                                <a:rPr lang="en-US" altLang="ja-JP" sz="800" b="0" i="0" smtClean="0">
+                                  <a:latin typeface="Cambria Math"/>
+                                  <a:ea typeface="Cambria Math"/>
+                                </a:rPr>
+                                <m:t>cos</m:t>
+                              </m:r>
+                            </m:fName>
+                            <m:e>
+                              <m:r>
+                                <a:rPr lang="ja-JP" altLang="en-US" sz="800" b="0" i="1" smtClean="0">
+                                  <a:latin typeface="Cambria Math"/>
+                                  <a:ea typeface="Cambria Math"/>
+                                </a:rPr>
+                                <m:t>𝜃</m:t>
+                              </m:r>
+                            </m:e>
+                          </m:func>
+                        </m:e>
+                      </m:d>
+                    </m:oMath>
+                    <m:oMath xmlns:m="http://schemas.openxmlformats.org/officeDocument/2006/math">
+                      <m:r>
+                        <a:rPr lang="en-US" altLang="ja-JP" sz="800" b="0" i="1" smtClean="0">
+                          <a:latin typeface="Cambria Math"/>
+                          <a:ea typeface="Cambria Math"/>
+                        </a:rPr>
+                        <m:t>∆</m:t>
+                      </m:r>
+                      <m:r>
+                        <a:rPr lang="en-US" altLang="ja-JP" sz="800" b="0" i="1" smtClean="0">
+                          <a:latin typeface="Cambria Math"/>
+                          <a:ea typeface="Cambria Math"/>
+                        </a:rPr>
+                        <m:t>𝑦</m:t>
+                      </m:r>
+                      <m:r>
+                        <a:rPr lang="en-US" altLang="ja-JP" sz="800" b="0" i="1" smtClean="0">
+                          <a:latin typeface="Cambria Math"/>
+                          <a:ea typeface="Cambria Math"/>
+                        </a:rPr>
+                        <m:t>=</m:t>
+                      </m:r>
+                      <m:r>
+                        <a:rPr lang="en-US" altLang="ja-JP" sz="800" b="0" i="1" smtClean="0">
+                          <a:latin typeface="Cambria Math"/>
+                          <a:ea typeface="Cambria Math"/>
+                        </a:rPr>
+                        <m:t>𝑟</m:t>
+                      </m:r>
+                      <m:d>
+                        <m:dPr>
+                          <m:begChr m:val="{"/>
+                          <m:endChr m:val="}"/>
+                          <m:ctrlPr>
+                            <a:rPr lang="en-US" altLang="ja-JP" sz="800" b="0" i="1" smtClean="0">
+                              <a:latin typeface="Cambria Math" panose="02040503050406030204" pitchFamily="18" charset="0"/>
+                              <a:ea typeface="Cambria Math"/>
+                            </a:rPr>
+                          </m:ctrlPr>
+                        </m:dPr>
+                        <m:e>
+                          <m:func>
+                            <m:funcPr>
+                              <m:ctrlPr>
+                                <a:rPr lang="en-US" altLang="ja-JP" sz="800" b="0" i="1" smtClean="0">
+                                  <a:latin typeface="Cambria Math" panose="02040503050406030204" pitchFamily="18" charset="0"/>
+                                  <a:ea typeface="Cambria Math"/>
+                                </a:rPr>
+                              </m:ctrlPr>
+                            </m:funcPr>
+                            <m:fName>
+                              <m:r>
+                                <a:rPr lang="en-US" altLang="ja-JP" sz="800" b="0" i="1" smtClean="0">
+                                  <a:latin typeface="Cambria Math"/>
+                                  <a:ea typeface="Cambria Math"/>
+                                </a:rPr>
+                                <m:t>𝑠𝑖𝑛</m:t>
+                              </m:r>
+                            </m:fName>
+                            <m:e>
+                              <m:d>
+                                <m:dPr>
+                                  <m:ctrlPr>
+                                    <a:rPr lang="en-US" altLang="ja-JP" sz="800" b="0" i="1" smtClean="0">
+                                      <a:latin typeface="Cambria Math" panose="02040503050406030204" pitchFamily="18" charset="0"/>
+                                      <a:ea typeface="Cambria Math"/>
+                                    </a:rPr>
+                                  </m:ctrlPr>
+                                </m:dPr>
+                                <m:e>
+                                  <m:r>
+                                    <a:rPr lang="ja-JP" altLang="en-US" sz="800" i="1" smtClean="0">
+                                      <a:latin typeface="Cambria Math"/>
+                                      <a:ea typeface="HG丸ｺﾞｼｯｸM-PRO" panose="020F0600000000000000" pitchFamily="50" charset="-128"/>
+                                    </a:rPr>
+                                    <m:t>𝜃</m:t>
+                                  </m:r>
+                                  <m:r>
+                                    <m:rPr>
+                                      <m:nor/>
+                                    </m:rPr>
+                                    <a:rPr lang="en-US" altLang="ja-JP" sz="800" b="0" i="0" smtClean="0">
+                                      <a:latin typeface="Cambria Math"/>
+                                      <a:ea typeface="HG丸ｺﾞｼｯｸM-PRO" panose="020F0600000000000000" pitchFamily="50" charset="-128"/>
+                                    </a:rPr>
+                                    <m:t>+</m:t>
+                                  </m:r>
+                                  <m:r>
+                                    <a:rPr lang="en-US" altLang="ja-JP" sz="800" b="0" i="1" smtClean="0">
+                                      <a:latin typeface="Cambria Math"/>
+                                      <a:ea typeface="Cambria Math"/>
+                                    </a:rPr>
+                                    <m:t>∆</m:t>
+                                  </m:r>
+                                  <m:r>
+                                    <a:rPr lang="ja-JP" altLang="en-US" sz="800" b="0" i="1" smtClean="0">
+                                      <a:latin typeface="Cambria Math"/>
+                                      <a:ea typeface="Cambria Math"/>
+                                    </a:rPr>
+                                    <m:t>𝜃</m:t>
+                                  </m:r>
+                                </m:e>
+                              </m:d>
+                            </m:e>
+                          </m:func>
+                          <m:r>
+                            <a:rPr lang="en-US" altLang="ja-JP" sz="800" b="0" i="1" smtClean="0">
+                              <a:latin typeface="Cambria Math"/>
+                              <a:ea typeface="Cambria Math"/>
+                            </a:rPr>
+                            <m:t>−</m:t>
+                          </m:r>
+                          <m:func>
+                            <m:funcPr>
+                              <m:ctrlPr>
+                                <a:rPr lang="en-US" altLang="ja-JP" sz="800" b="0" i="1" smtClean="0">
+                                  <a:latin typeface="Cambria Math" panose="02040503050406030204" pitchFamily="18" charset="0"/>
+                                  <a:ea typeface="Cambria Math"/>
+                                </a:rPr>
+                              </m:ctrlPr>
+                            </m:funcPr>
+                            <m:fName>
+                              <m:r>
+                                <a:rPr lang="en-US" altLang="ja-JP" sz="800" b="0" i="1" smtClean="0">
+                                  <a:latin typeface="Cambria Math"/>
+                                  <a:ea typeface="Cambria Math"/>
+                                </a:rPr>
+                                <m:t>𝑠𝑖𝑛</m:t>
+                              </m:r>
+                            </m:fName>
+                            <m:e>
+                              <m:r>
+                                <a:rPr lang="ja-JP" altLang="en-US" sz="800" b="0" i="1" smtClean="0">
+                                  <a:latin typeface="Cambria Math"/>
+                                  <a:ea typeface="Cambria Math"/>
+                                </a:rPr>
+                                <m:t>𝜃</m:t>
+                              </m:r>
+                            </m:e>
+                          </m:func>
+                        </m:e>
+                      </m:d>
                     </m:oMath>
                   </m:oMathPara>
                 </a14:m>
-                <a:endParaRPr lang="ja-JP" altLang="en-US" sz="400" dirty="0"/>
+                <a:endParaRPr lang="en-US" altLang="ja-JP" sz="800" dirty="0" smtClean="0">
+                  <a:latin typeface="HG丸ｺﾞｼｯｸM-PRO" panose="020F0600000000000000" pitchFamily="50" charset="-128"/>
+                  <a:ea typeface="HG丸ｺﾞｼｯｸM-PRO" panose="020F0600000000000000" pitchFamily="50" charset="-128"/>
+                </a:endParaRPr>
               </a:p>
             </p:txBody>
           </p:sp>
@@ -8218,16 +8589,16 @@
         <mc:Fallback>
           <p:sp>
             <p:nvSpPr>
-              <p:cNvPr id="181" name="正方形/長方形 180"/>
-              <p:cNvSpPr>
+              <p:cNvPr id="188" name="テキスト ボックス 187"/>
+              <p:cNvSpPr txBox="1">
                 <a:spLocks noRot="1" noChangeAspect="1" noMove="1" noResize="1" noEditPoints="1" noAdjustHandles="1" noChangeArrowheads="1" noChangeShapeType="1" noTextEdit="1"/>
               </p:cNvSpPr>
               <p:nvPr/>
             </p:nvSpPr>
             <p:spPr>
               <a:xfrm>
-                <a:off x="1894686" y="3417871"/>
-                <a:ext cx="221086" cy="153888"/>
+                <a:off x="1141169" y="4112557"/>
+                <a:ext cx="1426673" cy="338554"/>
               </a:xfrm>
               <a:prstGeom prst="rect">
                 <a:avLst/>
@@ -8254,2034 +8625,70 @@
           </p:sp>
         </mc:Fallback>
       </mc:AlternateContent>
-      <mc:AlternateContent xmlns:mc="http://schemas.openxmlformats.org/markup-compatibility/2006">
-        <mc:Choice xmlns:a14="http://schemas.microsoft.com/office/drawing/2010/main" Requires="a14">
-          <p:sp>
-            <p:nvSpPr>
-              <p:cNvPr id="184" name="正方形/長方形 183"/>
-              <p:cNvSpPr/>
-              <p:nvPr/>
-            </p:nvSpPr>
-            <p:spPr>
-              <a:xfrm>
-                <a:off x="426171" y="3711345"/>
-                <a:ext cx="279499" cy="153888"/>
-              </a:xfrm>
-              <a:prstGeom prst="rect">
-                <a:avLst/>
-              </a:prstGeom>
-            </p:spPr>
-            <p:txBody>
-              <a:bodyPr wrap="none">
-                <a:spAutoFit/>
-              </a:bodyPr>
-              <a:lstStyle/>
-              <a:p>
-                <a:pPr/>
-                <a14:m>
-                  <m:oMathPara xmlns:m="http://schemas.openxmlformats.org/officeDocument/2006/math">
-                    <m:oMathParaPr>
-                      <m:jc m:val="centerGroup"/>
-                    </m:oMathParaPr>
-                    <m:oMath xmlns:m="http://schemas.openxmlformats.org/officeDocument/2006/math">
-                      <m:r>
-                        <a:rPr lang="en-US" altLang="ja-JP" sz="400" b="0" i="1" smtClean="0">
-                          <a:latin typeface="Cambria Math"/>
-                          <a:ea typeface="HG丸ｺﾞｼｯｸM-PRO" panose="020F0600000000000000" pitchFamily="50" charset="-128"/>
-                        </a:rPr>
-                        <m:t>2</m:t>
-                      </m:r>
-                      <m:sSub>
-                        <m:sSubPr>
-                          <m:ctrlPr>
-                            <a:rPr lang="en-US" altLang="ja-JP" sz="400" i="1" smtClean="0">
-                              <a:latin typeface="Cambria Math" panose="02040503050406030204" pitchFamily="18" charset="0"/>
-                              <a:ea typeface="HG丸ｺﾞｼｯｸM-PRO" panose="020F0600000000000000" pitchFamily="50" charset="-128"/>
-                            </a:rPr>
-                          </m:ctrlPr>
-                        </m:sSubPr>
-                        <m:e>
-                          <m:r>
-                            <a:rPr lang="en-US" altLang="ja-JP" sz="400" b="0" i="1" smtClean="0">
-                              <a:latin typeface="Cambria Math"/>
-                              <a:ea typeface="HG丸ｺﾞｼｯｸM-PRO" panose="020F0600000000000000" pitchFamily="50" charset="-128"/>
-                            </a:rPr>
-                            <m:t>𝐿</m:t>
-                          </m:r>
-                        </m:e>
-                        <m:sub>
-                          <m:r>
-                            <a:rPr lang="en-US" altLang="ja-JP" sz="400" b="0" i="1" smtClean="0">
-                              <a:latin typeface="Cambria Math"/>
-                              <a:ea typeface="HG丸ｺﾞｼｯｸM-PRO" panose="020F0600000000000000" pitchFamily="50" charset="-128"/>
-                            </a:rPr>
-                            <m:t>𝑇</m:t>
-                          </m:r>
-                        </m:sub>
-                      </m:sSub>
-                    </m:oMath>
-                  </m:oMathPara>
-                </a14:m>
-                <a:endParaRPr lang="ja-JP" altLang="en-US" sz="400" dirty="0"/>
-              </a:p>
-            </p:txBody>
-          </p:sp>
-        </mc:Choice>
-        <mc:Fallback>
-          <p:sp>
-            <p:nvSpPr>
-              <p:cNvPr id="184" name="正方形/長方形 183"/>
-              <p:cNvSpPr>
-                <a:spLocks noRot="1" noChangeAspect="1" noMove="1" noResize="1" noEditPoints="1" noAdjustHandles="1" noChangeArrowheads="1" noChangeShapeType="1" noTextEdit="1"/>
-              </p:cNvSpPr>
-              <p:nvPr/>
-            </p:nvSpPr>
-            <p:spPr>
-              <a:xfrm>
-                <a:off x="426171" y="3711345"/>
-                <a:ext cx="279499" cy="153888"/>
-              </a:xfrm>
-              <a:prstGeom prst="rect">
-                <a:avLst/>
-              </a:prstGeom>
-              <a:blipFill rotWithShape="0">
-                <a:blip r:embed="rId7"/>
-                <a:stretch>
-                  <a:fillRect/>
-                </a:stretch>
-              </a:blipFill>
-            </p:spPr>
-            <p:txBody>
-              <a:bodyPr/>
-              <a:lstStyle/>
-              <a:p>
-                <a:r>
-                  <a:rPr lang="ja-JP" altLang="en-US">
-                    <a:noFill/>
-                  </a:rPr>
-                  <a:t> </a:t>
-                </a:r>
-              </a:p>
-            </p:txBody>
-          </p:sp>
-        </mc:Fallback>
-      </mc:AlternateContent>
-      <p:cxnSp>
-        <p:nvCxnSpPr>
-          <p:cNvPr id="185" name="直線コネクタ 184"/>
-          <p:cNvCxnSpPr/>
+      <p:sp>
+        <p:nvSpPr>
+          <p:cNvPr id="189" name="正方形/長方形 188"/>
+          <p:cNvSpPr/>
           <p:nvPr/>
-        </p:nvCxnSpPr>
+        </p:nvSpPr>
         <p:spPr>
-          <a:xfrm flipV="1">
-            <a:off x="426514" y="3543869"/>
-            <a:ext cx="85334" cy="125463"/>
+          <a:xfrm>
+            <a:off x="2078748" y="3364603"/>
+            <a:ext cx="1518364" cy="215444"/>
           </a:xfrm>
-          <a:prstGeom prst="line">
+          <a:prstGeom prst="rect">
             <a:avLst/>
           </a:prstGeom>
-          <a:ln w="12700">
-            <a:solidFill>
-              <a:schemeClr val="tx1"/>
-            </a:solidFill>
-            <a:prstDash val="sysDash"/>
-          </a:ln>
         </p:spPr>
-        <p:style>
-          <a:lnRef idx="1">
-            <a:schemeClr val="accent1"/>
-          </a:lnRef>
-          <a:fillRef idx="0">
-            <a:schemeClr val="accent1"/>
-          </a:fillRef>
-          <a:effectRef idx="0">
-            <a:schemeClr val="accent1"/>
-          </a:effectRef>
-          <a:fontRef idx="minor">
-            <a:schemeClr val="tx1"/>
-          </a:fontRef>
-        </p:style>
-      </p:cxnSp>
-      <p:cxnSp>
-        <p:nvCxnSpPr>
-          <p:cNvPr id="186" name="直線コネクタ 185"/>
-          <p:cNvCxnSpPr/>
+        <p:txBody>
+          <a:bodyPr wrap="none">
+            <a:spAutoFit/>
+          </a:bodyPr>
+          <a:lstStyle/>
+          <a:p>
+            <a:r>
+              <a:rPr lang="ja-JP" altLang="en-US" sz="800" dirty="0" smtClean="0">
+                <a:latin typeface="HG丸ｺﾞｼｯｸM-PRO" panose="020F0600000000000000" pitchFamily="50" charset="-128"/>
+                <a:ea typeface="HG丸ｺﾞｼｯｸM-PRO" panose="020F0600000000000000" pitchFamily="50" charset="-128"/>
+              </a:rPr>
+              <a:t>走行体の旋回半径と方向変化</a:t>
+            </a:r>
+            <a:endParaRPr lang="ja-JP" altLang="en-US" sz="800" dirty="0"/>
+          </a:p>
+        </p:txBody>
+      </p:sp>
+      <p:sp>
+        <p:nvSpPr>
+          <p:cNvPr id="190" name="正方形/長方形 189"/>
+          <p:cNvSpPr/>
           <p:nvPr/>
-        </p:nvCxnSpPr>
+        </p:nvSpPr>
         <p:spPr>
-          <a:xfrm flipV="1">
-            <a:off x="792232" y="3825419"/>
-            <a:ext cx="85334" cy="125463"/>
+          <a:xfrm>
+            <a:off x="479029" y="3928860"/>
+            <a:ext cx="1107996" cy="215444"/>
           </a:xfrm>
-          <a:prstGeom prst="line">
+          <a:prstGeom prst="rect">
             <a:avLst/>
           </a:prstGeom>
-          <a:ln w="12700">
-            <a:solidFill>
-              <a:schemeClr val="tx1"/>
-            </a:solidFill>
-            <a:prstDash val="sysDash"/>
-          </a:ln>
         </p:spPr>
-        <p:style>
-          <a:lnRef idx="1">
-            <a:schemeClr val="accent1"/>
-          </a:lnRef>
-          <a:fillRef idx="0">
-            <a:schemeClr val="accent1"/>
-          </a:fillRef>
-          <a:effectRef idx="0">
-            <a:schemeClr val="accent1"/>
-          </a:effectRef>
-          <a:fontRef idx="minor">
-            <a:schemeClr val="tx1"/>
-          </a:fontRef>
-        </p:style>
-      </p:cxnSp>
-      <p:cxnSp>
-        <p:nvCxnSpPr>
-          <p:cNvPr id="187" name="直線矢印コネクタ 186"/>
-          <p:cNvCxnSpPr/>
-          <p:nvPr/>
-        </p:nvCxnSpPr>
-        <p:spPr>
-          <a:xfrm rot="21480000">
-            <a:off x="479264" y="3606601"/>
-            <a:ext cx="355635" cy="281550"/>
-          </a:xfrm>
-          <a:prstGeom prst="straightConnector1">
-            <a:avLst/>
-          </a:prstGeom>
-          <a:ln w="12700">
-            <a:solidFill>
-              <a:schemeClr val="tx1"/>
-            </a:solidFill>
-            <a:prstDash val="sysDot"/>
-            <a:headEnd type="arrow" w="sm" len="med"/>
-            <a:tailEnd type="arrow" w="sm" len="med"/>
-          </a:ln>
-        </p:spPr>
-        <p:style>
-          <a:lnRef idx="1">
-            <a:schemeClr val="accent1"/>
-          </a:lnRef>
-          <a:fillRef idx="0">
-            <a:schemeClr val="accent1"/>
-          </a:fillRef>
-          <a:effectRef idx="0">
-            <a:schemeClr val="accent1"/>
-          </a:effectRef>
-          <a:fontRef idx="minor">
-            <a:schemeClr val="tx1"/>
-          </a:fontRef>
-        </p:style>
-      </p:cxnSp>
-      <p:grpSp>
-        <p:nvGrpSpPr>
-          <p:cNvPr id="202" name="グループ化 201"/>
-          <p:cNvGrpSpPr/>
-          <p:nvPr/>
-        </p:nvGrpSpPr>
-        <p:grpSpPr>
-          <a:xfrm>
-            <a:off x="2078748" y="2322737"/>
-            <a:ext cx="4694437" cy="2909327"/>
-            <a:chOff x="2210485" y="2322312"/>
-            <a:chExt cx="4694437" cy="2909327"/>
-          </a:xfrm>
-        </p:grpSpPr>
-        <mc:AlternateContent xmlns:mc="http://schemas.openxmlformats.org/markup-compatibility/2006">
-          <mc:Choice xmlns:a14="http://schemas.microsoft.com/office/drawing/2010/main" Requires="a14">
-            <p:sp>
-              <p:nvSpPr>
-                <p:cNvPr id="167" name="テキスト ボックス 166"/>
-                <p:cNvSpPr txBox="1"/>
-                <p:nvPr/>
-              </p:nvSpPr>
-              <p:spPr>
-                <a:xfrm>
-                  <a:off x="2315869" y="2322312"/>
-                  <a:ext cx="4589053" cy="1323427"/>
-                </a:xfrm>
-                <a:prstGeom prst="rect">
-                  <a:avLst/>
-                </a:prstGeom>
-                <a:noFill/>
-              </p:spPr>
-              <p:txBody>
-                <a:bodyPr wrap="square" lIns="91428" tIns="45714" rIns="91428" bIns="45714" rtlCol="0">
-                  <a:spAutoFit/>
-                </a:bodyPr>
-                <a:lstStyle/>
-                <a:p>
-                  <a:r>
-                    <a:rPr lang="ja-JP" altLang="en-US" sz="800" dirty="0" smtClean="0">
-                      <a:latin typeface="HG丸ｺﾞｼｯｸM-PRO" panose="020F0600000000000000" pitchFamily="50" charset="-128"/>
-                      <a:ea typeface="HG丸ｺﾞｼｯｸM-PRO" panose="020F0600000000000000" pitchFamily="50" charset="-128"/>
-                    </a:rPr>
-                    <a:t>トレッド長（</a:t>
-                  </a:r>
-                  <a14:m>
-                    <m:oMath xmlns:m="http://schemas.openxmlformats.org/officeDocument/2006/math">
-                      <m:r>
-                        <a:rPr lang="en-US" altLang="ja-JP" sz="800" b="0" i="1" smtClean="0">
-                          <a:latin typeface="Cambria Math"/>
-                          <a:ea typeface="HG丸ｺﾞｼｯｸM-PRO" panose="020F0600000000000000" pitchFamily="50" charset="-128"/>
-                        </a:rPr>
-                        <m:t>𝑚𝑚</m:t>
-                      </m:r>
-                    </m:oMath>
-                  </a14:m>
-                  <a:r>
-                    <a:rPr lang="ja-JP" altLang="en-US" sz="800" dirty="0" smtClean="0">
-                      <a:latin typeface="HG丸ｺﾞｼｯｸM-PRO" panose="020F0600000000000000" pitchFamily="50" charset="-128"/>
-                      <a:ea typeface="HG丸ｺﾞｼｯｸM-PRO" panose="020F0600000000000000" pitchFamily="50" charset="-128"/>
-                    </a:rPr>
-                    <a:t>）： </a:t>
-                  </a:r>
-                  <a14:m>
-                    <m:oMath xmlns:m="http://schemas.openxmlformats.org/officeDocument/2006/math">
-                      <m:r>
-                        <a:rPr lang="en-US" altLang="ja-JP" sz="800" b="0" i="0" smtClean="0">
-                          <a:latin typeface="Cambria Math"/>
-                          <a:ea typeface="HG丸ｺﾞｼｯｸM-PRO" panose="020F0600000000000000" pitchFamily="50" charset="-128"/>
-                        </a:rPr>
-                        <m:t>2</m:t>
-                      </m:r>
-                      <m:sSub>
-                        <m:sSubPr>
-                          <m:ctrlPr>
-                            <a:rPr lang="en-US" altLang="ja-JP" sz="800" i="1" smtClean="0">
-                              <a:latin typeface="Cambria Math" panose="02040503050406030204" pitchFamily="18" charset="0"/>
-                              <a:ea typeface="HG丸ｺﾞｼｯｸM-PRO" panose="020F0600000000000000" pitchFamily="50" charset="-128"/>
-                            </a:rPr>
-                          </m:ctrlPr>
-                        </m:sSubPr>
-                        <m:e>
-                          <m:r>
-                            <a:rPr lang="en-US" altLang="ja-JP" sz="800" b="0" i="1" smtClean="0">
-                              <a:latin typeface="Cambria Math"/>
-                              <a:ea typeface="HG丸ｺﾞｼｯｸM-PRO" panose="020F0600000000000000" pitchFamily="50" charset="-128"/>
-                            </a:rPr>
-                            <m:t>𝐿</m:t>
-                          </m:r>
-                        </m:e>
-                        <m:sub>
-                          <m:r>
-                            <a:rPr lang="en-US" altLang="ja-JP" sz="800" b="0" i="1" smtClean="0">
-                              <a:latin typeface="Cambria Math"/>
-                              <a:ea typeface="HG丸ｺﾞｼｯｸM-PRO" panose="020F0600000000000000" pitchFamily="50" charset="-128"/>
-                            </a:rPr>
-                            <m:t>𝑇</m:t>
-                          </m:r>
-                        </m:sub>
-                      </m:sSub>
-                    </m:oMath>
-                  </a14:m>
-                  <a:endParaRPr lang="en-US" altLang="ja-JP" sz="800" dirty="0" smtClean="0">
-                    <a:latin typeface="HG丸ｺﾞｼｯｸM-PRO" panose="020F0600000000000000" pitchFamily="50" charset="-128"/>
-                    <a:ea typeface="HG丸ｺﾞｼｯｸM-PRO" panose="020F0600000000000000" pitchFamily="50" charset="-128"/>
-                  </a:endParaRPr>
-                </a:p>
-                <a:p>
-                  <a:r>
-                    <a:rPr lang="ja-JP" altLang="en-US" sz="800" dirty="0" smtClean="0">
-                      <a:latin typeface="HG丸ｺﾞｼｯｸM-PRO" panose="020F0600000000000000" pitchFamily="50" charset="-128"/>
-                      <a:ea typeface="HG丸ｺﾞｼｯｸM-PRO" panose="020F0600000000000000" pitchFamily="50" charset="-128"/>
-                    </a:rPr>
-                    <a:t>車輪半径（</a:t>
-                  </a:r>
-                  <a14:m>
-                    <m:oMath xmlns:m="http://schemas.openxmlformats.org/officeDocument/2006/math">
-                      <m:r>
-                        <a:rPr lang="en-US" altLang="ja-JP" sz="800" b="0" i="1" smtClean="0">
-                          <a:latin typeface="Cambria Math"/>
-                          <a:ea typeface="HG丸ｺﾞｼｯｸM-PRO" panose="020F0600000000000000" pitchFamily="50" charset="-128"/>
-                        </a:rPr>
-                        <m:t>𝑚𝑚</m:t>
-                      </m:r>
-                    </m:oMath>
-                  </a14:m>
-                  <a:r>
-                    <a:rPr lang="ja-JP" altLang="en-US" sz="800" dirty="0" smtClean="0">
-                      <a:latin typeface="HG丸ｺﾞｼｯｸM-PRO" panose="020F0600000000000000" pitchFamily="50" charset="-128"/>
-                      <a:ea typeface="HG丸ｺﾞｼｯｸM-PRO" panose="020F0600000000000000" pitchFamily="50" charset="-128"/>
-                    </a:rPr>
-                    <a:t>）</a:t>
-                  </a:r>
-                  <a:r>
-                    <a:rPr lang="en-US" altLang="ja-JP" sz="800" dirty="0" smtClean="0">
-                      <a:latin typeface="HG丸ｺﾞｼｯｸM-PRO" panose="020F0600000000000000" pitchFamily="50" charset="-128"/>
-                      <a:ea typeface="HG丸ｺﾞｼｯｸM-PRO" panose="020F0600000000000000" pitchFamily="50" charset="-128"/>
-                    </a:rPr>
-                    <a:t>: </a:t>
-                  </a:r>
-                  <a14:m>
-                    <m:oMath xmlns:m="http://schemas.openxmlformats.org/officeDocument/2006/math">
-                      <m:sSub>
-                        <m:sSubPr>
-                          <m:ctrlPr>
-                            <a:rPr lang="en-US" altLang="ja-JP" sz="800" i="1" smtClean="0">
-                              <a:latin typeface="Cambria Math" panose="02040503050406030204" pitchFamily="18" charset="0"/>
-                              <a:ea typeface="HG丸ｺﾞｼｯｸM-PRO" panose="020F0600000000000000" pitchFamily="50" charset="-128"/>
-                            </a:rPr>
-                          </m:ctrlPr>
-                        </m:sSubPr>
-                        <m:e>
-                          <m:r>
-                            <a:rPr lang="en-US" altLang="ja-JP" sz="800" b="0" i="1" smtClean="0">
-                              <a:latin typeface="Cambria Math"/>
-                              <a:ea typeface="HG丸ｺﾞｼｯｸM-PRO" panose="020F0600000000000000" pitchFamily="50" charset="-128"/>
-                            </a:rPr>
-                            <m:t>𝑅</m:t>
-                          </m:r>
-                        </m:e>
-                        <m:sub>
-                          <m:r>
-                            <a:rPr lang="en-US" altLang="ja-JP" sz="800" b="0" i="1" smtClean="0">
-                              <a:latin typeface="Cambria Math"/>
-                              <a:ea typeface="HG丸ｺﾞｼｯｸM-PRO" panose="020F0600000000000000" pitchFamily="50" charset="-128"/>
-                            </a:rPr>
-                            <m:t>𝑊</m:t>
-                          </m:r>
-                        </m:sub>
-                      </m:sSub>
-                    </m:oMath>
-                  </a14:m>
-                  <a:endParaRPr lang="en-US" altLang="ja-JP" sz="800" dirty="0" smtClean="0">
-                    <a:latin typeface="HG丸ｺﾞｼｯｸM-PRO" panose="020F0600000000000000" pitchFamily="50" charset="-128"/>
-                    <a:ea typeface="HG丸ｺﾞｼｯｸM-PRO" panose="020F0600000000000000" pitchFamily="50" charset="-128"/>
-                  </a:endParaRPr>
-                </a:p>
-                <a:p>
-                  <a:r>
-                    <a:rPr lang="ja-JP" altLang="en-US" sz="800" dirty="0" smtClean="0">
-                      <a:latin typeface="HG丸ｺﾞｼｯｸM-PRO" panose="020F0600000000000000" pitchFamily="50" charset="-128"/>
-                      <a:ea typeface="HG丸ｺﾞｼｯｸM-PRO" panose="020F0600000000000000" pitchFamily="50" charset="-128"/>
-                    </a:rPr>
-                    <a:t>微小時間での右サーボモーターの回転角の変化量（</a:t>
-                  </a:r>
-                  <a14:m>
-                    <m:oMath xmlns:m="http://schemas.openxmlformats.org/officeDocument/2006/math">
-                      <m:r>
-                        <a:rPr lang="en-US" altLang="ja-JP" sz="800" b="0" i="1" smtClean="0">
-                          <a:latin typeface="Cambria Math"/>
-                          <a:ea typeface="HG丸ｺﾞｼｯｸM-PRO" panose="020F0600000000000000" pitchFamily="50" charset="-128"/>
-                        </a:rPr>
-                        <m:t>𝑑𝑒𝑔</m:t>
-                      </m:r>
-                      <m:r>
-                        <a:rPr lang="en-US" altLang="ja-JP" sz="800" b="0" i="1" smtClean="0">
-                          <a:latin typeface="Cambria Math"/>
-                          <a:ea typeface="HG丸ｺﾞｼｯｸM-PRO" panose="020F0600000000000000" pitchFamily="50" charset="-128"/>
-                        </a:rPr>
-                        <m:t>.</m:t>
-                      </m:r>
-                    </m:oMath>
-                  </a14:m>
-                  <a:r>
-                    <a:rPr lang="ja-JP" altLang="en-US" sz="800" dirty="0" smtClean="0">
-                      <a:latin typeface="HG丸ｺﾞｼｯｸM-PRO" panose="020F0600000000000000" pitchFamily="50" charset="-128"/>
-                      <a:ea typeface="HG丸ｺﾞｼｯｸM-PRO" panose="020F0600000000000000" pitchFamily="50" charset="-128"/>
-                    </a:rPr>
-                    <a:t>）：</a:t>
-                  </a:r>
-                  <a14:m>
-                    <m:oMath xmlns:m="http://schemas.openxmlformats.org/officeDocument/2006/math">
-                      <m:r>
-                        <a:rPr lang="ja-JP" altLang="en-US" sz="800" i="1" smtClean="0">
-                          <a:latin typeface="Cambria Math"/>
-                          <a:ea typeface="HG丸ｺﾞｼｯｸM-PRO" panose="020F0600000000000000" pitchFamily="50" charset="-128"/>
-                        </a:rPr>
-                        <m:t>∆</m:t>
-                      </m:r>
-                      <m:sSub>
-                        <m:sSubPr>
-                          <m:ctrlPr>
-                            <a:rPr lang="en-US" altLang="ja-JP" sz="800" i="1" smtClean="0">
-                              <a:latin typeface="Cambria Math" panose="02040503050406030204" pitchFamily="18" charset="0"/>
-                              <a:ea typeface="HG丸ｺﾞｼｯｸM-PRO" panose="020F0600000000000000" pitchFamily="50" charset="-128"/>
-                            </a:rPr>
-                          </m:ctrlPr>
-                        </m:sSubPr>
-                        <m:e>
-                          <m:r>
-                            <a:rPr lang="ja-JP" altLang="en-US" sz="800" i="1" smtClean="0">
-                              <a:latin typeface="Cambria Math"/>
-                              <a:ea typeface="HG丸ｺﾞｼｯｸM-PRO" panose="020F0600000000000000" pitchFamily="50" charset="-128"/>
-                            </a:rPr>
-                            <m:t>𝜑</m:t>
-                          </m:r>
-                        </m:e>
-                        <m:sub>
-                          <m:r>
-                            <a:rPr lang="en-US" altLang="ja-JP" sz="800" b="0" i="1" smtClean="0">
-                              <a:latin typeface="Cambria Math"/>
-                              <a:ea typeface="HG丸ｺﾞｼｯｸM-PRO" panose="020F0600000000000000" pitchFamily="50" charset="-128"/>
-                            </a:rPr>
-                            <m:t>𝑅</m:t>
-                          </m:r>
-                        </m:sub>
-                      </m:sSub>
-                    </m:oMath>
-                  </a14:m>
-                  <a:endParaRPr lang="en-US" altLang="ja-JP" sz="800" dirty="0" smtClean="0">
-                    <a:latin typeface="HG丸ｺﾞｼｯｸM-PRO" panose="020F0600000000000000" pitchFamily="50" charset="-128"/>
-                    <a:ea typeface="HG丸ｺﾞｼｯｸM-PRO" panose="020F0600000000000000" pitchFamily="50" charset="-128"/>
-                  </a:endParaRPr>
-                </a:p>
-                <a:p>
-                  <a:r>
-                    <a:rPr lang="ja-JP" altLang="en-US" sz="800" dirty="0" smtClean="0">
-                      <a:latin typeface="HG丸ｺﾞｼｯｸM-PRO" panose="020F0600000000000000" pitchFamily="50" charset="-128"/>
-                      <a:ea typeface="HG丸ｺﾞｼｯｸM-PRO" panose="020F0600000000000000" pitchFamily="50" charset="-128"/>
-                    </a:rPr>
-                    <a:t>微小時間での</a:t>
-                  </a:r>
-                  <a:r>
-                    <a:rPr lang="ja-JP" altLang="en-US" sz="800" dirty="0">
-                      <a:latin typeface="HG丸ｺﾞｼｯｸM-PRO" panose="020F0600000000000000" pitchFamily="50" charset="-128"/>
-                      <a:ea typeface="HG丸ｺﾞｼｯｸM-PRO" panose="020F0600000000000000" pitchFamily="50" charset="-128"/>
-                    </a:rPr>
-                    <a:t>左</a:t>
-                  </a:r>
-                  <a:r>
-                    <a:rPr lang="ja-JP" altLang="en-US" sz="800" dirty="0" smtClean="0">
-                      <a:latin typeface="HG丸ｺﾞｼｯｸM-PRO" panose="020F0600000000000000" pitchFamily="50" charset="-128"/>
-                      <a:ea typeface="HG丸ｺﾞｼｯｸM-PRO" panose="020F0600000000000000" pitchFamily="50" charset="-128"/>
-                    </a:rPr>
-                    <a:t>サーボモーターの回転角の変化量（</a:t>
-                  </a:r>
-                  <a14:m>
-                    <m:oMath xmlns:m="http://schemas.openxmlformats.org/officeDocument/2006/math">
-                      <m:r>
-                        <a:rPr lang="en-US" altLang="ja-JP" sz="800" b="0" i="1" smtClean="0">
-                          <a:latin typeface="Cambria Math"/>
-                          <a:ea typeface="HG丸ｺﾞｼｯｸM-PRO" panose="020F0600000000000000" pitchFamily="50" charset="-128"/>
-                        </a:rPr>
-                        <m:t>𝑑𝑒𝑔</m:t>
-                      </m:r>
-                      <m:r>
-                        <a:rPr lang="en-US" altLang="ja-JP" sz="800" b="0" i="1" smtClean="0">
-                          <a:latin typeface="Cambria Math"/>
-                          <a:ea typeface="HG丸ｺﾞｼｯｸM-PRO" panose="020F0600000000000000" pitchFamily="50" charset="-128"/>
-                        </a:rPr>
-                        <m:t>. </m:t>
-                      </m:r>
-                    </m:oMath>
-                  </a14:m>
-                  <a:r>
-                    <a:rPr lang="ja-JP" altLang="en-US" sz="800" dirty="0" smtClean="0">
-                      <a:latin typeface="HG丸ｺﾞｼｯｸM-PRO" panose="020F0600000000000000" pitchFamily="50" charset="-128"/>
-                      <a:ea typeface="HG丸ｺﾞｼｯｸM-PRO" panose="020F0600000000000000" pitchFamily="50" charset="-128"/>
-                    </a:rPr>
-                    <a:t>）：</a:t>
-                  </a:r>
-                  <a14:m>
-                    <m:oMath xmlns:m="http://schemas.openxmlformats.org/officeDocument/2006/math">
-                      <m:r>
-                        <a:rPr lang="ja-JP" altLang="en-US" sz="800" i="1" smtClean="0">
-                          <a:latin typeface="Cambria Math"/>
-                          <a:ea typeface="HG丸ｺﾞｼｯｸM-PRO" panose="020F0600000000000000" pitchFamily="50" charset="-128"/>
-                        </a:rPr>
-                        <m:t>∆</m:t>
-                      </m:r>
-                      <m:sSub>
-                        <m:sSubPr>
-                          <m:ctrlPr>
-                            <a:rPr lang="en-US" altLang="ja-JP" sz="800" i="1" smtClean="0">
-                              <a:latin typeface="Cambria Math" panose="02040503050406030204" pitchFamily="18" charset="0"/>
-                              <a:ea typeface="HG丸ｺﾞｼｯｸM-PRO" panose="020F0600000000000000" pitchFamily="50" charset="-128"/>
-                            </a:rPr>
-                          </m:ctrlPr>
-                        </m:sSubPr>
-                        <m:e>
-                          <m:r>
-                            <a:rPr lang="ja-JP" altLang="en-US" sz="800" i="1" smtClean="0">
-                              <a:latin typeface="Cambria Math"/>
-                              <a:ea typeface="HG丸ｺﾞｼｯｸM-PRO" panose="020F0600000000000000" pitchFamily="50" charset="-128"/>
-                            </a:rPr>
-                            <m:t>𝜑</m:t>
-                          </m:r>
-                        </m:e>
-                        <m:sub>
-                          <m:r>
-                            <a:rPr lang="en-US" altLang="ja-JP" sz="800" b="0" i="1" smtClean="0">
-                              <a:latin typeface="Cambria Math"/>
-                              <a:ea typeface="HG丸ｺﾞｼｯｸM-PRO" panose="020F0600000000000000" pitchFamily="50" charset="-128"/>
-                            </a:rPr>
-                            <m:t>𝐿</m:t>
-                          </m:r>
-                        </m:sub>
-                      </m:sSub>
-                    </m:oMath>
-                  </a14:m>
-                  <a:endParaRPr lang="en-US" altLang="ja-JP" sz="800" dirty="0" smtClean="0">
-                    <a:latin typeface="HG丸ｺﾞｼｯｸM-PRO" panose="020F0600000000000000" pitchFamily="50" charset="-128"/>
-                    <a:ea typeface="HG丸ｺﾞｼｯｸM-PRO" panose="020F0600000000000000" pitchFamily="50" charset="-128"/>
-                  </a:endParaRPr>
-                </a:p>
-                <a:p>
-                  <a:r>
-                    <a:rPr lang="ja-JP" altLang="en-US" sz="800" dirty="0" smtClean="0">
-                      <a:latin typeface="HG丸ｺﾞｼｯｸM-PRO" panose="020F0600000000000000" pitchFamily="50" charset="-128"/>
-                      <a:ea typeface="HG丸ｺﾞｼｯｸM-PRO" panose="020F0600000000000000" pitchFamily="50" charset="-128"/>
-                    </a:rPr>
-                    <a:t>走行体の座標（</a:t>
-                  </a:r>
-                  <a:r>
-                    <a:rPr lang="en-US" altLang="ja-JP" sz="800" b="0" dirty="0" smtClean="0">
-                      <a:ea typeface="HG丸ｺﾞｼｯｸM-PRO" panose="020F0600000000000000" pitchFamily="50" charset="-128"/>
-                    </a:rPr>
-                    <a:t> </a:t>
-                  </a:r>
-                  <a14:m>
-                    <m:oMath xmlns:m="http://schemas.openxmlformats.org/officeDocument/2006/math">
-                      <m:r>
-                        <a:rPr lang="en-US" altLang="ja-JP" sz="800" b="0" i="1" smtClean="0">
-                          <a:latin typeface="Cambria Math"/>
-                          <a:ea typeface="HG丸ｺﾞｼｯｸM-PRO" panose="020F0600000000000000" pitchFamily="50" charset="-128"/>
-                        </a:rPr>
-                        <m:t>𝑚𝑚</m:t>
-                      </m:r>
-                      <m:r>
-                        <a:rPr lang="en-US" altLang="ja-JP" sz="800" b="0" i="1" smtClean="0">
-                          <a:latin typeface="Cambria Math"/>
-                          <a:ea typeface="HG丸ｺﾞｼｯｸM-PRO" panose="020F0600000000000000" pitchFamily="50" charset="-128"/>
-                        </a:rPr>
-                        <m:t> </m:t>
-                      </m:r>
-                    </m:oMath>
-                  </a14:m>
-                  <a:r>
-                    <a:rPr lang="ja-JP" altLang="en-US" sz="800" dirty="0" smtClean="0">
-                      <a:latin typeface="HG丸ｺﾞｼｯｸM-PRO" panose="020F0600000000000000" pitchFamily="50" charset="-128"/>
-                      <a:ea typeface="HG丸ｺﾞｼｯｸM-PRO" panose="020F0600000000000000" pitchFamily="50" charset="-128"/>
-                    </a:rPr>
-                    <a:t>）：</a:t>
-                  </a:r>
-                  <a14:m>
-                    <m:oMath xmlns:m="http://schemas.openxmlformats.org/officeDocument/2006/math">
-                      <m:r>
-                        <a:rPr lang="en-US" altLang="ja-JP" sz="800" b="0" i="1" smtClean="0">
-                          <a:latin typeface="Cambria Math"/>
-                          <a:ea typeface="HG丸ｺﾞｼｯｸM-PRO" panose="020F0600000000000000" pitchFamily="50" charset="-128"/>
-                        </a:rPr>
-                        <m:t>𝑥</m:t>
-                      </m:r>
-                      <m:r>
-                        <a:rPr lang="en-US" altLang="ja-JP" sz="800" b="0" i="1" smtClean="0">
-                          <a:latin typeface="Cambria Math"/>
-                          <a:ea typeface="HG丸ｺﾞｼｯｸM-PRO" panose="020F0600000000000000" pitchFamily="50" charset="-128"/>
-                        </a:rPr>
-                        <m:t>,</m:t>
-                      </m:r>
-                      <m:r>
-                        <a:rPr lang="en-US" altLang="ja-JP" sz="800" b="0" i="1" smtClean="0">
-                          <a:latin typeface="Cambria Math"/>
-                          <a:ea typeface="HG丸ｺﾞｼｯｸM-PRO" panose="020F0600000000000000" pitchFamily="50" charset="-128"/>
-                        </a:rPr>
-                        <m:t>𝑦</m:t>
-                      </m:r>
-                    </m:oMath>
-                  </a14:m>
-                  <a:endParaRPr lang="en-US" altLang="ja-JP" sz="800" dirty="0" smtClean="0">
-                    <a:latin typeface="HG丸ｺﾞｼｯｸM-PRO" panose="020F0600000000000000" pitchFamily="50" charset="-128"/>
-                    <a:ea typeface="HG丸ｺﾞｼｯｸM-PRO" panose="020F0600000000000000" pitchFamily="50" charset="-128"/>
-                  </a:endParaRPr>
-                </a:p>
-                <a:p>
-                  <a:r>
-                    <a:rPr lang="ja-JP" altLang="en-US" sz="800" dirty="0" smtClean="0">
-                      <a:latin typeface="HG丸ｺﾞｼｯｸM-PRO" panose="020F0600000000000000" pitchFamily="50" charset="-128"/>
-                      <a:ea typeface="HG丸ｺﾞｼｯｸM-PRO" panose="020F0600000000000000" pitchFamily="50" charset="-128"/>
-                    </a:rPr>
-                    <a:t>走行体の方向（</a:t>
-                  </a:r>
-                  <a14:m>
-                    <m:oMath xmlns:m="http://schemas.openxmlformats.org/officeDocument/2006/math">
-                      <m:r>
-                        <a:rPr lang="en-US" altLang="ja-JP" sz="800" b="0" i="1" smtClean="0">
-                          <a:latin typeface="Cambria Math"/>
-                          <a:ea typeface="HG丸ｺﾞｼｯｸM-PRO" panose="020F0600000000000000" pitchFamily="50" charset="-128"/>
-                        </a:rPr>
-                        <m:t>𝑟𝑎𝑑</m:t>
-                      </m:r>
-                      <m:r>
-                        <a:rPr lang="en-US" altLang="ja-JP" sz="800" b="0" i="1" smtClean="0">
-                          <a:latin typeface="Cambria Math"/>
-                          <a:ea typeface="HG丸ｺﾞｼｯｸM-PRO" panose="020F0600000000000000" pitchFamily="50" charset="-128"/>
-                        </a:rPr>
-                        <m:t>.</m:t>
-                      </m:r>
-                    </m:oMath>
-                  </a14:m>
-                  <a:r>
-                    <a:rPr lang="ja-JP" altLang="en-US" sz="800" dirty="0" smtClean="0">
-                      <a:latin typeface="HG丸ｺﾞｼｯｸM-PRO" panose="020F0600000000000000" pitchFamily="50" charset="-128"/>
-                      <a:ea typeface="HG丸ｺﾞｼｯｸM-PRO" panose="020F0600000000000000" pitchFamily="50" charset="-128"/>
-                    </a:rPr>
-                    <a:t>）：</a:t>
-                  </a:r>
-                  <a14:m>
-                    <m:oMath xmlns:m="http://schemas.openxmlformats.org/officeDocument/2006/math">
-                      <m:r>
-                        <a:rPr lang="ja-JP" altLang="en-US" sz="800" i="1" smtClean="0">
-                          <a:latin typeface="Cambria Math"/>
-                          <a:ea typeface="HG丸ｺﾞｼｯｸM-PRO" panose="020F0600000000000000" pitchFamily="50" charset="-128"/>
-                        </a:rPr>
-                        <m:t>𝜃</m:t>
-                      </m:r>
-                    </m:oMath>
-                  </a14:m>
-                  <a:endParaRPr lang="en-US" altLang="ja-JP" sz="800" dirty="0" smtClean="0">
-                    <a:latin typeface="HG丸ｺﾞｼｯｸM-PRO" panose="020F0600000000000000" pitchFamily="50" charset="-128"/>
-                    <a:ea typeface="HG丸ｺﾞｼｯｸM-PRO" panose="020F0600000000000000" pitchFamily="50" charset="-128"/>
-                  </a:endParaRPr>
-                </a:p>
-                <a:p>
-                  <a:r>
-                    <a:rPr lang="ja-JP" altLang="en-US" sz="800" dirty="0" smtClean="0">
-                      <a:latin typeface="HG丸ｺﾞｼｯｸM-PRO" panose="020F0600000000000000" pitchFamily="50" charset="-128"/>
-                      <a:ea typeface="HG丸ｺﾞｼｯｸM-PRO" panose="020F0600000000000000" pitchFamily="50" charset="-128"/>
-                    </a:rPr>
-                    <a:t>微小時間での機体の進行方向の変化量（</a:t>
-                  </a:r>
-                  <a14:m>
-                    <m:oMath xmlns:m="http://schemas.openxmlformats.org/officeDocument/2006/math">
-                      <m:r>
-                        <a:rPr lang="en-US" altLang="ja-JP" sz="800" b="0" i="1" smtClean="0">
-                          <a:latin typeface="Cambria Math"/>
-                          <a:ea typeface="HG丸ｺﾞｼｯｸM-PRO" panose="020F0600000000000000" pitchFamily="50" charset="-128"/>
-                        </a:rPr>
-                        <m:t>𝑟𝑎𝑑</m:t>
-                      </m:r>
-                      <m:r>
-                        <a:rPr lang="en-US" altLang="ja-JP" sz="800" b="0" i="1" smtClean="0">
-                          <a:latin typeface="Cambria Math"/>
-                          <a:ea typeface="HG丸ｺﾞｼｯｸM-PRO" panose="020F0600000000000000" pitchFamily="50" charset="-128"/>
-                        </a:rPr>
-                        <m:t>.</m:t>
-                      </m:r>
-                    </m:oMath>
-                  </a14:m>
-                  <a:r>
-                    <a:rPr lang="ja-JP" altLang="en-US" sz="800" dirty="0" smtClean="0">
-                      <a:latin typeface="HG丸ｺﾞｼｯｸM-PRO" panose="020F0600000000000000" pitchFamily="50" charset="-128"/>
-                      <a:ea typeface="HG丸ｺﾞｼｯｸM-PRO" panose="020F0600000000000000" pitchFamily="50" charset="-128"/>
-                    </a:rPr>
-                    <a:t>）：</a:t>
-                  </a:r>
-                  <a14:m>
-                    <m:oMath xmlns:m="http://schemas.openxmlformats.org/officeDocument/2006/math">
-                      <m:r>
-                        <a:rPr lang="ja-JP" altLang="en-US" sz="800" i="1" smtClean="0">
-                          <a:latin typeface="Cambria Math"/>
-                          <a:ea typeface="HG丸ｺﾞｼｯｸM-PRO" panose="020F0600000000000000" pitchFamily="50" charset="-128"/>
-                        </a:rPr>
-                        <m:t>∆</m:t>
-                      </m:r>
-                      <m:r>
-                        <a:rPr lang="ja-JP" altLang="en-US" sz="800" i="1" smtClean="0">
-                          <a:latin typeface="Cambria Math"/>
-                          <a:ea typeface="HG丸ｺﾞｼｯｸM-PRO" panose="020F0600000000000000" pitchFamily="50" charset="-128"/>
-                        </a:rPr>
-                        <m:t>𝜃</m:t>
-                      </m:r>
-                    </m:oMath>
-                  </a14:m>
-                  <a:endParaRPr lang="en-US" altLang="ja-JP" sz="800" dirty="0" smtClean="0">
-                    <a:latin typeface="HG丸ｺﾞｼｯｸM-PRO" panose="020F0600000000000000" pitchFamily="50" charset="-128"/>
-                    <a:ea typeface="HG丸ｺﾞｼｯｸM-PRO" panose="020F0600000000000000" pitchFamily="50" charset="-128"/>
-                  </a:endParaRPr>
-                </a:p>
-                <a:p>
-                  <a:r>
-                    <a:rPr lang="ja-JP" altLang="en-US" sz="800" dirty="0" smtClean="0">
-                      <a:latin typeface="HG丸ｺﾞｼｯｸM-PRO" panose="020F0600000000000000" pitchFamily="50" charset="-128"/>
-                      <a:ea typeface="HG丸ｺﾞｼｯｸM-PRO" panose="020F0600000000000000" pitchFamily="50" charset="-128"/>
-                    </a:rPr>
-                    <a:t>旋回半径：</a:t>
-                  </a:r>
-                  <a14:m>
-                    <m:oMath xmlns:m="http://schemas.openxmlformats.org/officeDocument/2006/math">
-                      <m:r>
-                        <a:rPr lang="en-US" altLang="ja-JP" sz="800" b="0" i="1" smtClean="0">
-                          <a:latin typeface="Cambria Math"/>
-                          <a:ea typeface="HG丸ｺﾞｼｯｸM-PRO" panose="020F0600000000000000" pitchFamily="50" charset="-128"/>
-                        </a:rPr>
-                        <m:t>𝑟</m:t>
-                      </m:r>
-                    </m:oMath>
-                  </a14:m>
-                  <a:endParaRPr lang="en-US" altLang="ja-JP" sz="800" dirty="0" smtClean="0">
-                    <a:latin typeface="HG丸ｺﾞｼｯｸM-PRO" panose="020F0600000000000000" pitchFamily="50" charset="-128"/>
-                    <a:ea typeface="HG丸ｺﾞｼｯｸM-PRO" panose="020F0600000000000000" pitchFamily="50" charset="-128"/>
-                  </a:endParaRPr>
-                </a:p>
-                <a:p>
-                  <a:r>
-                    <a:rPr lang="ja-JP" altLang="en-US" sz="800" dirty="0" smtClean="0">
-                      <a:latin typeface="HG丸ｺﾞｼｯｸM-PRO" panose="020F0600000000000000" pitchFamily="50" charset="-128"/>
-                      <a:ea typeface="HG丸ｺﾞｼｯｸM-PRO" panose="020F0600000000000000" pitchFamily="50" charset="-128"/>
-                    </a:rPr>
-                    <a:t>横軸</a:t>
-                  </a:r>
-                  <a:r>
-                    <a:rPr lang="ja-JP" altLang="en-US" sz="800" dirty="0">
-                      <a:latin typeface="HG丸ｺﾞｼｯｸM-PRO" panose="020F0600000000000000" pitchFamily="50" charset="-128"/>
-                      <a:ea typeface="HG丸ｺﾞｼｯｸM-PRO" panose="020F0600000000000000" pitchFamily="50" charset="-128"/>
-                    </a:rPr>
-                    <a:t>方向</a:t>
-                  </a:r>
-                  <a:r>
-                    <a:rPr lang="ja-JP" altLang="en-US" sz="800" dirty="0" smtClean="0">
-                      <a:latin typeface="HG丸ｺﾞｼｯｸM-PRO" panose="020F0600000000000000" pitchFamily="50" charset="-128"/>
-                      <a:ea typeface="HG丸ｺﾞｼｯｸM-PRO" panose="020F0600000000000000" pitchFamily="50" charset="-128"/>
-                    </a:rPr>
-                    <a:t>の</a:t>
-                  </a:r>
-                  <a:r>
-                    <a:rPr lang="ja-JP" altLang="en-US" sz="800" dirty="0">
-                      <a:latin typeface="HG丸ｺﾞｼｯｸM-PRO" panose="020F0600000000000000" pitchFamily="50" charset="-128"/>
-                      <a:ea typeface="HG丸ｺﾞｼｯｸM-PRO" panose="020F0600000000000000" pitchFamily="50" charset="-128"/>
-                    </a:rPr>
-                    <a:t>位置</a:t>
-                  </a:r>
-                  <a:r>
-                    <a:rPr lang="ja-JP" altLang="en-US" sz="800" dirty="0" smtClean="0">
-                      <a:latin typeface="HG丸ｺﾞｼｯｸM-PRO" panose="020F0600000000000000" pitchFamily="50" charset="-128"/>
-                      <a:ea typeface="HG丸ｺﾞｼｯｸM-PRO" panose="020F0600000000000000" pitchFamily="50" charset="-128"/>
-                    </a:rPr>
-                    <a:t>変化（</a:t>
-                  </a:r>
-                  <a14:m>
-                    <m:oMath xmlns:m="http://schemas.openxmlformats.org/officeDocument/2006/math">
-                      <m:r>
-                        <a:rPr lang="en-US" altLang="ja-JP" sz="800" b="0" i="1" smtClean="0">
-                          <a:latin typeface="Cambria Math"/>
-                          <a:ea typeface="HG丸ｺﾞｼｯｸM-PRO" panose="020F0600000000000000" pitchFamily="50" charset="-128"/>
-                        </a:rPr>
-                        <m:t>𝑚𝑚</m:t>
-                      </m:r>
-                    </m:oMath>
-                  </a14:m>
-                  <a:r>
-                    <a:rPr lang="ja-JP" altLang="en-US" sz="800" dirty="0" smtClean="0">
-                      <a:latin typeface="HG丸ｺﾞｼｯｸM-PRO" panose="020F0600000000000000" pitchFamily="50" charset="-128"/>
-                      <a:ea typeface="HG丸ｺﾞｼｯｸM-PRO" panose="020F0600000000000000" pitchFamily="50" charset="-128"/>
-                    </a:rPr>
-                    <a:t>）：</a:t>
-                  </a:r>
-                  <a14:m>
-                    <m:oMath xmlns:m="http://schemas.openxmlformats.org/officeDocument/2006/math">
-                      <m:r>
-                        <a:rPr lang="ja-JP" altLang="en-US" sz="800" i="1" smtClean="0">
-                          <a:latin typeface="Cambria Math"/>
-                          <a:ea typeface="HG丸ｺﾞｼｯｸM-PRO" panose="020F0600000000000000" pitchFamily="50" charset="-128"/>
-                        </a:rPr>
-                        <m:t>∆</m:t>
-                      </m:r>
-                      <m:r>
-                        <a:rPr lang="en-US" altLang="ja-JP" sz="800" b="0" i="1" smtClean="0">
-                          <a:latin typeface="Cambria Math"/>
-                          <a:ea typeface="HG丸ｺﾞｼｯｸM-PRO" panose="020F0600000000000000" pitchFamily="50" charset="-128"/>
-                        </a:rPr>
-                        <m:t>𝑥</m:t>
-                      </m:r>
-                    </m:oMath>
-                  </a14:m>
-                  <a:endParaRPr lang="en-US" altLang="ja-JP" sz="800" dirty="0" smtClean="0">
-                    <a:latin typeface="HG丸ｺﾞｼｯｸM-PRO" panose="020F0600000000000000" pitchFamily="50" charset="-128"/>
-                    <a:ea typeface="HG丸ｺﾞｼｯｸM-PRO" panose="020F0600000000000000" pitchFamily="50" charset="-128"/>
-                  </a:endParaRPr>
-                </a:p>
-                <a:p>
-                  <a:r>
-                    <a:rPr lang="ja-JP" altLang="en-US" sz="800" dirty="0" smtClean="0">
-                      <a:latin typeface="HG丸ｺﾞｼｯｸM-PRO" panose="020F0600000000000000" pitchFamily="50" charset="-128"/>
-                      <a:ea typeface="HG丸ｺﾞｼｯｸM-PRO" panose="020F0600000000000000" pitchFamily="50" charset="-128"/>
-                    </a:rPr>
-                    <a:t>縦軸</a:t>
-                  </a:r>
-                  <a:r>
-                    <a:rPr lang="ja-JP" altLang="en-US" sz="800" dirty="0">
-                      <a:latin typeface="HG丸ｺﾞｼｯｸM-PRO" panose="020F0600000000000000" pitchFamily="50" charset="-128"/>
-                      <a:ea typeface="HG丸ｺﾞｼｯｸM-PRO" panose="020F0600000000000000" pitchFamily="50" charset="-128"/>
-                    </a:rPr>
-                    <a:t>方向</a:t>
-                  </a:r>
-                  <a:r>
-                    <a:rPr lang="ja-JP" altLang="en-US" sz="800" dirty="0" smtClean="0">
-                      <a:latin typeface="HG丸ｺﾞｼｯｸM-PRO" panose="020F0600000000000000" pitchFamily="50" charset="-128"/>
-                      <a:ea typeface="HG丸ｺﾞｼｯｸM-PRO" panose="020F0600000000000000" pitchFamily="50" charset="-128"/>
-                    </a:rPr>
-                    <a:t>の位置変化（</a:t>
-                  </a:r>
-                  <a14:m>
-                    <m:oMath xmlns:m="http://schemas.openxmlformats.org/officeDocument/2006/math">
-                      <m:r>
-                        <a:rPr lang="en-US" altLang="ja-JP" sz="800" b="0" i="1" smtClean="0">
-                          <a:latin typeface="Cambria Math"/>
-                          <a:ea typeface="HG丸ｺﾞｼｯｸM-PRO" panose="020F0600000000000000" pitchFamily="50" charset="-128"/>
-                        </a:rPr>
-                        <m:t>𝑚𝑚</m:t>
-                      </m:r>
-                    </m:oMath>
-                  </a14:m>
-                  <a:r>
-                    <a:rPr lang="ja-JP" altLang="en-US" sz="800" dirty="0" smtClean="0">
-                      <a:latin typeface="HG丸ｺﾞｼｯｸM-PRO" panose="020F0600000000000000" pitchFamily="50" charset="-128"/>
-                      <a:ea typeface="HG丸ｺﾞｼｯｸM-PRO" panose="020F0600000000000000" pitchFamily="50" charset="-128"/>
-                    </a:rPr>
-                    <a:t>）：</a:t>
-                  </a:r>
-                  <a14:m>
-                    <m:oMath xmlns:m="http://schemas.openxmlformats.org/officeDocument/2006/math">
-                      <m:r>
-                        <a:rPr lang="ja-JP" altLang="en-US" sz="800" i="1" smtClean="0">
-                          <a:latin typeface="Cambria Math"/>
-                          <a:ea typeface="HG丸ｺﾞｼｯｸM-PRO" panose="020F0600000000000000" pitchFamily="50" charset="-128"/>
-                        </a:rPr>
-                        <m:t>∆</m:t>
-                      </m:r>
-                      <m:r>
-                        <a:rPr lang="en-US" altLang="ja-JP" sz="800" b="0" i="1" smtClean="0">
-                          <a:latin typeface="Cambria Math"/>
-                          <a:ea typeface="HG丸ｺﾞｼｯｸM-PRO" panose="020F0600000000000000" pitchFamily="50" charset="-128"/>
-                        </a:rPr>
-                        <m:t>𝑦</m:t>
-                      </m:r>
-                    </m:oMath>
-                  </a14:m>
-                  <a:r>
-                    <a:rPr lang="ja-JP" altLang="en-US" sz="800" dirty="0" smtClean="0">
-                      <a:latin typeface="HG丸ｺﾞｼｯｸM-PRO" panose="020F0600000000000000" pitchFamily="50" charset="-128"/>
-                      <a:ea typeface="HG丸ｺﾞｼｯｸM-PRO" panose="020F0600000000000000" pitchFamily="50" charset="-128"/>
-                    </a:rPr>
-                    <a:t> </a:t>
-                  </a:r>
-                  <a:endParaRPr lang="ja-JP" altLang="en-US" sz="800" dirty="0">
-                    <a:latin typeface="HG丸ｺﾞｼｯｸM-PRO" panose="020F0600000000000000" pitchFamily="50" charset="-128"/>
-                    <a:ea typeface="HG丸ｺﾞｼｯｸM-PRO" panose="020F0600000000000000" pitchFamily="50" charset="-128"/>
-                  </a:endParaRPr>
-                </a:p>
-              </p:txBody>
-            </p:sp>
-          </mc:Choice>
-          <mc:Fallback>
-            <p:sp>
-              <p:nvSpPr>
-                <p:cNvPr id="167" name="テキスト ボックス 166"/>
-                <p:cNvSpPr txBox="1">
-                  <a:spLocks noRot="1" noChangeAspect="1" noMove="1" noResize="1" noEditPoints="1" noAdjustHandles="1" noChangeArrowheads="1" noChangeShapeType="1" noTextEdit="1"/>
-                </p:cNvSpPr>
-                <p:nvPr/>
-              </p:nvSpPr>
-              <p:spPr>
-                <a:xfrm>
-                  <a:off x="2315869" y="2322312"/>
-                  <a:ext cx="4589053" cy="1323427"/>
-                </a:xfrm>
-                <a:prstGeom prst="rect">
-                  <a:avLst/>
-                </a:prstGeom>
-                <a:blipFill rotWithShape="0">
-                  <a:blip r:embed="rId8"/>
-                  <a:stretch>
-                    <a:fillRect/>
-                  </a:stretch>
-                </a:blipFill>
-              </p:spPr>
-              <p:txBody>
-                <a:bodyPr/>
-                <a:lstStyle/>
-                <a:p>
-                  <a:r>
-                    <a:rPr lang="ja-JP" altLang="en-US">
-                      <a:noFill/>
-                    </a:rPr>
-                    <a:t> </a:t>
-                  </a:r>
-                </a:p>
-              </p:txBody>
-            </p:sp>
-          </mc:Fallback>
-        </mc:AlternateContent>
-        <p:cxnSp>
-          <p:nvCxnSpPr>
-            <p:cNvPr id="178" name="直線コネクタ 177"/>
-            <p:cNvCxnSpPr/>
-            <p:nvPr/>
-          </p:nvCxnSpPr>
-          <p:spPr>
-            <a:xfrm flipV="1">
-              <a:off x="2223742" y="4456987"/>
-              <a:ext cx="195380" cy="91278"/>
-            </a:xfrm>
-            <a:prstGeom prst="line">
-              <a:avLst/>
-            </a:prstGeom>
-            <a:ln w="12700">
-              <a:solidFill>
-                <a:schemeClr val="tx1"/>
-              </a:solidFill>
-              <a:prstDash val="sysDash"/>
-            </a:ln>
-          </p:spPr>
-          <p:style>
-            <a:lnRef idx="1">
-              <a:schemeClr val="accent1"/>
-            </a:lnRef>
-            <a:fillRef idx="0">
-              <a:schemeClr val="accent1"/>
-            </a:fillRef>
-            <a:effectRef idx="0">
-              <a:schemeClr val="accent1"/>
-            </a:effectRef>
-            <a:fontRef idx="minor">
-              <a:schemeClr val="tx1"/>
-            </a:fontRef>
-          </p:style>
-        </p:cxnSp>
-        <mc:AlternateContent xmlns:mc="http://schemas.openxmlformats.org/markup-compatibility/2006">
-          <mc:Choice xmlns:a14="http://schemas.microsoft.com/office/drawing/2010/main" Requires="a14">
-            <p:sp>
-              <p:nvSpPr>
-                <p:cNvPr id="180" name="テキスト ボックス 179"/>
-                <p:cNvSpPr txBox="1"/>
-                <p:nvPr/>
-              </p:nvSpPr>
-              <p:spPr>
-                <a:xfrm>
-                  <a:off x="2657726" y="3746728"/>
-                  <a:ext cx="1085169" cy="352019"/>
-                </a:xfrm>
-                <a:prstGeom prst="rect">
-                  <a:avLst/>
-                </a:prstGeom>
-                <a:noFill/>
-              </p:spPr>
-              <p:txBody>
-                <a:bodyPr wrap="none" rtlCol="0">
-                  <a:spAutoFit/>
-                </a:bodyPr>
-                <a:lstStyle/>
-                <a:p>
-                  <a:pPr/>
-                  <a14:m>
-                    <m:oMathPara xmlns:m="http://schemas.openxmlformats.org/officeDocument/2006/math">
-                      <m:oMathParaPr>
-                        <m:jc m:val="centerGroup"/>
-                      </m:oMathParaPr>
-                      <m:oMath xmlns:m="http://schemas.openxmlformats.org/officeDocument/2006/math">
-                        <m:r>
-                          <a:rPr lang="en-US" altLang="ja-JP" sz="800" b="0" i="1" smtClean="0">
-                            <a:latin typeface="Cambria Math"/>
-                            <a:ea typeface="Cambria Math"/>
-                          </a:rPr>
-                          <m:t>𝑟</m:t>
-                        </m:r>
-                        <m:r>
-                          <a:rPr lang="en-US" altLang="ja-JP" sz="800" b="0" i="1" smtClean="0">
-                            <a:latin typeface="Cambria Math"/>
-                            <a:ea typeface="Cambria Math"/>
-                          </a:rPr>
-                          <m:t>=</m:t>
-                        </m:r>
-                        <m:f>
-                          <m:fPr>
-                            <m:ctrlPr>
-                              <a:rPr lang="en-US" altLang="ja-JP" sz="800" b="0" i="1" smtClean="0">
-                                <a:latin typeface="Cambria Math" panose="02040503050406030204" pitchFamily="18" charset="0"/>
-                                <a:ea typeface="Cambria Math"/>
-                              </a:rPr>
-                            </m:ctrlPr>
-                          </m:fPr>
-                          <m:num>
-                            <m:sSub>
-                              <m:sSubPr>
-                                <m:ctrlPr>
-                                  <a:rPr lang="en-US" altLang="ja-JP" sz="800" i="1" smtClean="0">
-                                    <a:latin typeface="Cambria Math" panose="02040503050406030204" pitchFamily="18" charset="0"/>
-                                    <a:ea typeface="HG丸ｺﾞｼｯｸM-PRO" panose="020F0600000000000000" pitchFamily="50" charset="-128"/>
-                                  </a:rPr>
-                                </m:ctrlPr>
-                              </m:sSubPr>
-                              <m:e>
-                                <m:r>
-                                  <a:rPr lang="en-US" altLang="ja-JP" sz="800" b="0" i="1" smtClean="0">
-                                    <a:latin typeface="Cambria Math"/>
-                                    <a:ea typeface="HG丸ｺﾞｼｯｸM-PRO" panose="020F0600000000000000" pitchFamily="50" charset="-128"/>
-                                  </a:rPr>
-                                  <m:t>𝐿</m:t>
-                                </m:r>
-                              </m:e>
-                              <m:sub>
-                                <m:r>
-                                  <a:rPr lang="en-US" altLang="ja-JP" sz="800" b="0" i="1" smtClean="0">
-                                    <a:latin typeface="Cambria Math"/>
-                                    <a:ea typeface="HG丸ｺﾞｼｯｸM-PRO" panose="020F0600000000000000" pitchFamily="50" charset="-128"/>
-                                  </a:rPr>
-                                  <m:t>𝑇</m:t>
-                                </m:r>
-                              </m:sub>
-                            </m:sSub>
-                            <m:d>
-                              <m:dPr>
-                                <m:ctrlPr>
-                                  <a:rPr lang="en-US" altLang="ja-JP" sz="800" b="0" i="1" smtClean="0">
-                                    <a:latin typeface="Cambria Math" panose="02040503050406030204" pitchFamily="18" charset="0"/>
-                                    <a:ea typeface="Cambria Math"/>
-                                  </a:rPr>
-                                </m:ctrlPr>
-                              </m:dPr>
-                              <m:e>
-                                <m:r>
-                                  <a:rPr lang="en-US" altLang="ja-JP" sz="800" b="0" i="1" smtClean="0">
-                                    <a:latin typeface="Cambria Math"/>
-                                    <a:ea typeface="Cambria Math"/>
-                                  </a:rPr>
-                                  <m:t>∆</m:t>
-                                </m:r>
-                                <m:sSub>
-                                  <m:sSubPr>
-                                    <m:ctrlPr>
-                                      <a:rPr lang="en-US" altLang="ja-JP" sz="800" b="0" i="1" smtClean="0">
-                                        <a:latin typeface="Cambria Math" panose="02040503050406030204" pitchFamily="18" charset="0"/>
-                                        <a:ea typeface="Cambria Math"/>
-                                      </a:rPr>
-                                    </m:ctrlPr>
-                                  </m:sSubPr>
-                                  <m:e>
-                                    <m:r>
-                                      <a:rPr lang="ja-JP" altLang="en-US" sz="800" i="1" smtClean="0">
-                                        <a:latin typeface="Cambria Math"/>
-                                        <a:ea typeface="HG丸ｺﾞｼｯｸM-PRO" panose="020F0600000000000000" pitchFamily="50" charset="-128"/>
-                                      </a:rPr>
-                                      <m:t>𝜑</m:t>
-                                    </m:r>
-                                  </m:e>
-                                  <m:sub>
-                                    <m:r>
-                                      <a:rPr lang="en-US" altLang="ja-JP" sz="800" b="0" i="1" smtClean="0">
-                                        <a:latin typeface="Cambria Math"/>
-                                        <a:ea typeface="Cambria Math"/>
-                                      </a:rPr>
-                                      <m:t>𝑅</m:t>
-                                    </m:r>
-                                  </m:sub>
-                                </m:sSub>
-                                <m:r>
-                                  <a:rPr lang="en-US" altLang="ja-JP" sz="800" b="0" i="1" smtClean="0">
-                                    <a:latin typeface="Cambria Math"/>
-                                    <a:ea typeface="Cambria Math"/>
-                                  </a:rPr>
-                                  <m:t>+∆</m:t>
-                                </m:r>
-                                <m:sSub>
-                                  <m:sSubPr>
-                                    <m:ctrlPr>
-                                      <a:rPr lang="en-US" altLang="ja-JP" sz="800" b="0" i="1" smtClean="0">
-                                        <a:latin typeface="Cambria Math" panose="02040503050406030204" pitchFamily="18" charset="0"/>
-                                        <a:ea typeface="Cambria Math"/>
-                                      </a:rPr>
-                                    </m:ctrlPr>
-                                  </m:sSubPr>
-                                  <m:e>
-                                    <m:r>
-                                      <a:rPr lang="ja-JP" altLang="en-US" sz="800" i="1" smtClean="0">
-                                        <a:latin typeface="Cambria Math"/>
-                                        <a:ea typeface="HG丸ｺﾞｼｯｸM-PRO" panose="020F0600000000000000" pitchFamily="50" charset="-128"/>
-                                      </a:rPr>
-                                      <m:t>𝜑</m:t>
-                                    </m:r>
-                                  </m:e>
-                                  <m:sub>
-                                    <m:r>
-                                      <a:rPr lang="en-US" altLang="ja-JP" sz="800" b="0" i="1" smtClean="0">
-                                        <a:latin typeface="Cambria Math"/>
-                                        <a:ea typeface="Cambria Math"/>
-                                      </a:rPr>
-                                      <m:t>𝐿</m:t>
-                                    </m:r>
-                                  </m:sub>
-                                </m:sSub>
-                              </m:e>
-                            </m:d>
-                          </m:num>
-                          <m:den>
-                            <m:r>
-                              <a:rPr lang="ja-JP" altLang="en-US" sz="800" i="1" smtClean="0">
-                                <a:latin typeface="Cambria Math"/>
-                                <a:ea typeface="HG丸ｺﾞｼｯｸM-PRO" panose="020F0600000000000000" pitchFamily="50" charset="-128"/>
-                              </a:rPr>
-                              <m:t>∆</m:t>
-                            </m:r>
-                            <m:sSub>
-                              <m:sSubPr>
-                                <m:ctrlPr>
-                                  <a:rPr lang="en-US" altLang="ja-JP" sz="800" i="1" smtClean="0">
-                                    <a:latin typeface="Cambria Math" panose="02040503050406030204" pitchFamily="18" charset="0"/>
-                                    <a:ea typeface="HG丸ｺﾞｼｯｸM-PRO" panose="020F0600000000000000" pitchFamily="50" charset="-128"/>
-                                  </a:rPr>
-                                </m:ctrlPr>
-                              </m:sSubPr>
-                              <m:e>
-                                <m:r>
-                                  <a:rPr lang="ja-JP" altLang="en-US" sz="800" i="1" smtClean="0">
-                                    <a:latin typeface="Cambria Math"/>
-                                    <a:ea typeface="HG丸ｺﾞｼｯｸM-PRO" panose="020F0600000000000000" pitchFamily="50" charset="-128"/>
-                                  </a:rPr>
-                                  <m:t>𝜑</m:t>
-                                </m:r>
-                              </m:e>
-                              <m:sub>
-                                <m:r>
-                                  <a:rPr lang="en-US" altLang="ja-JP" sz="800" b="0" i="1" smtClean="0">
-                                    <a:latin typeface="Cambria Math"/>
-                                    <a:ea typeface="HG丸ｺﾞｼｯｸM-PRO" panose="020F0600000000000000" pitchFamily="50" charset="-128"/>
-                                  </a:rPr>
-                                  <m:t>𝑅</m:t>
-                                </m:r>
-                              </m:sub>
-                            </m:sSub>
-                            <m:r>
-                              <a:rPr lang="en-US" altLang="ja-JP" sz="800" b="0" i="1" smtClean="0">
-                                <a:latin typeface="Cambria Math"/>
-                                <a:ea typeface="HG丸ｺﾞｼｯｸM-PRO" panose="020F0600000000000000" pitchFamily="50" charset="-128"/>
-                              </a:rPr>
-                              <m:t>−</m:t>
-                            </m:r>
-                            <m:r>
-                              <a:rPr lang="ja-JP" altLang="en-US" sz="800" i="1" smtClean="0">
-                                <a:latin typeface="Cambria Math"/>
-                                <a:ea typeface="HG丸ｺﾞｼｯｸM-PRO" panose="020F0600000000000000" pitchFamily="50" charset="-128"/>
-                              </a:rPr>
-                              <m:t>∆</m:t>
-                            </m:r>
-                            <m:sSub>
-                              <m:sSubPr>
-                                <m:ctrlPr>
-                                  <a:rPr lang="en-US" altLang="ja-JP" sz="800" i="1" smtClean="0">
-                                    <a:latin typeface="Cambria Math" panose="02040503050406030204" pitchFamily="18" charset="0"/>
-                                    <a:ea typeface="HG丸ｺﾞｼｯｸM-PRO" panose="020F0600000000000000" pitchFamily="50" charset="-128"/>
-                                  </a:rPr>
-                                </m:ctrlPr>
-                              </m:sSubPr>
-                              <m:e>
-                                <m:r>
-                                  <a:rPr lang="ja-JP" altLang="en-US" sz="800" i="1" smtClean="0">
-                                    <a:latin typeface="Cambria Math"/>
-                                    <a:ea typeface="HG丸ｺﾞｼｯｸM-PRO" panose="020F0600000000000000" pitchFamily="50" charset="-128"/>
-                                  </a:rPr>
-                                  <m:t>𝜑</m:t>
-                                </m:r>
-                              </m:e>
-                              <m:sub>
-                                <m:r>
-                                  <a:rPr lang="en-US" altLang="ja-JP" sz="800" b="0" i="1" smtClean="0">
-                                    <a:latin typeface="Cambria Math"/>
-                                    <a:ea typeface="HG丸ｺﾞｼｯｸM-PRO" panose="020F0600000000000000" pitchFamily="50" charset="-128"/>
-                                  </a:rPr>
-                                  <m:t>𝐿</m:t>
-                                </m:r>
-                              </m:sub>
-                            </m:sSub>
-                          </m:den>
-                        </m:f>
-                      </m:oMath>
-                    </m:oMathPara>
-                  </a14:m>
-                  <a:endParaRPr lang="en-US" altLang="ja-JP" sz="800" dirty="0">
-                    <a:latin typeface="HG丸ｺﾞｼｯｸM-PRO" panose="020F0600000000000000" pitchFamily="50" charset="-128"/>
-                    <a:ea typeface="HG丸ｺﾞｼｯｸM-PRO" panose="020F0600000000000000" pitchFamily="50" charset="-128"/>
-                  </a:endParaRPr>
-                </a:p>
-              </p:txBody>
-            </p:sp>
-          </mc:Choice>
-          <mc:Fallback>
-            <p:sp>
-              <p:nvSpPr>
-                <p:cNvPr id="180" name="テキスト ボックス 179"/>
-                <p:cNvSpPr txBox="1">
-                  <a:spLocks noRot="1" noChangeAspect="1" noMove="1" noResize="1" noEditPoints="1" noAdjustHandles="1" noChangeArrowheads="1" noChangeShapeType="1" noTextEdit="1"/>
-                </p:cNvSpPr>
-                <p:nvPr/>
-              </p:nvSpPr>
-              <p:spPr>
-                <a:xfrm>
-                  <a:off x="2657726" y="3746728"/>
-                  <a:ext cx="1085169" cy="352019"/>
-                </a:xfrm>
-                <a:prstGeom prst="rect">
-                  <a:avLst/>
-                </a:prstGeom>
-                <a:blipFill rotWithShape="0">
-                  <a:blip r:embed="rId9"/>
-                  <a:stretch>
-                    <a:fillRect/>
-                  </a:stretch>
-                </a:blipFill>
-              </p:spPr>
-              <p:txBody>
-                <a:bodyPr/>
-                <a:lstStyle/>
-                <a:p>
-                  <a:r>
-                    <a:rPr lang="ja-JP" altLang="en-US">
-                      <a:noFill/>
-                    </a:rPr>
-                    <a:t> </a:t>
-                  </a:r>
-                </a:p>
-              </p:txBody>
-            </p:sp>
-          </mc:Fallback>
-        </mc:AlternateContent>
-        <p:sp>
-          <p:nvSpPr>
-            <p:cNvPr id="182" name="テキスト ボックス 181"/>
-            <p:cNvSpPr txBox="1"/>
-            <p:nvPr/>
-          </p:nvSpPr>
-          <p:spPr>
-            <a:xfrm>
-              <a:off x="3960872" y="3825419"/>
-              <a:ext cx="1265090" cy="215444"/>
-            </a:xfrm>
-            <a:prstGeom prst="rect">
-              <a:avLst/>
-            </a:prstGeom>
-            <a:noFill/>
-          </p:spPr>
-          <p:txBody>
-            <a:bodyPr wrap="none" rtlCol="0">
-              <a:spAutoFit/>
-            </a:bodyPr>
-            <a:lstStyle/>
-            <a:p>
-              <a:r>
-                <a:rPr lang="ja-JP" altLang="en-US" sz="800" dirty="0"/>
-                <a:t>（</a:t>
-              </a:r>
-              <a:r>
-                <a:rPr lang="ja-JP" altLang="en-US" sz="800" dirty="0" smtClean="0"/>
-                <a:t>直進時は無限大となる</a:t>
-              </a:r>
-              <a:r>
-                <a:rPr lang="ja-JP" altLang="en-US" sz="800" dirty="0"/>
-                <a:t>）</a:t>
-              </a:r>
-              <a:endParaRPr kumimoji="1" lang="ja-JP" altLang="en-US" sz="800" dirty="0"/>
-            </a:p>
-          </p:txBody>
-        </p:sp>
-        <mc:AlternateContent xmlns:mc="http://schemas.openxmlformats.org/markup-compatibility/2006">
-          <mc:Choice xmlns:a14="http://schemas.microsoft.com/office/drawing/2010/main" Requires="a14">
-            <p:sp>
-              <p:nvSpPr>
-                <p:cNvPr id="183" name="テキスト ボックス 182"/>
-                <p:cNvSpPr txBox="1"/>
-                <p:nvPr/>
-              </p:nvSpPr>
-              <p:spPr>
-                <a:xfrm>
-                  <a:off x="2644486" y="4155264"/>
-                  <a:ext cx="1239442" cy="351378"/>
-                </a:xfrm>
-                <a:prstGeom prst="rect">
-                  <a:avLst/>
-                </a:prstGeom>
-                <a:noFill/>
-              </p:spPr>
-              <p:txBody>
-                <a:bodyPr wrap="none" rtlCol="0">
-                  <a:spAutoFit/>
-                </a:bodyPr>
-                <a:lstStyle/>
-                <a:p>
-                  <a:pPr/>
-                  <a14:m>
-                    <m:oMathPara xmlns:m="http://schemas.openxmlformats.org/officeDocument/2006/math">
-                      <m:oMathParaPr>
-                        <m:jc m:val="centerGroup"/>
-                      </m:oMathParaPr>
-                      <m:oMath xmlns:m="http://schemas.openxmlformats.org/officeDocument/2006/math">
-                        <m:r>
-                          <a:rPr lang="en-US" altLang="ja-JP" sz="800" b="0" i="1" smtClean="0">
-                            <a:latin typeface="Cambria Math"/>
-                            <a:ea typeface="Cambria Math"/>
-                          </a:rPr>
-                          <m:t>∆</m:t>
-                        </m:r>
-                        <m:r>
-                          <a:rPr lang="ja-JP" altLang="en-US" sz="800" b="0" i="1" smtClean="0">
-                            <a:latin typeface="Cambria Math"/>
-                            <a:ea typeface="Cambria Math"/>
-                          </a:rPr>
-                          <m:t>𝜃</m:t>
-                        </m:r>
-                        <m:r>
-                          <a:rPr lang="en-US" altLang="ja-JP" sz="800" b="0" i="1" smtClean="0">
-                            <a:latin typeface="Cambria Math"/>
-                            <a:ea typeface="Cambria Math"/>
-                          </a:rPr>
-                          <m:t>=</m:t>
-                        </m:r>
-                        <m:f>
-                          <m:fPr>
-                            <m:ctrlPr>
-                              <a:rPr lang="en-US" altLang="ja-JP" sz="800" b="0" i="1" smtClean="0">
-                                <a:latin typeface="Cambria Math" panose="02040503050406030204" pitchFamily="18" charset="0"/>
-                                <a:ea typeface="Cambria Math"/>
-                              </a:rPr>
-                            </m:ctrlPr>
-                          </m:fPr>
-                          <m:num>
-                            <m:r>
-                              <a:rPr lang="ja-JP" altLang="en-US" sz="800" b="0" i="1" smtClean="0">
-                                <a:latin typeface="Cambria Math"/>
-                                <a:ea typeface="Cambria Math"/>
-                              </a:rPr>
-                              <m:t>𝜋</m:t>
-                            </m:r>
-                            <m:sSub>
-                              <m:sSubPr>
-                                <m:ctrlPr>
-                                  <a:rPr lang="en-US" altLang="ja-JP" sz="800" i="1" smtClean="0">
-                                    <a:latin typeface="Cambria Math" panose="02040503050406030204" pitchFamily="18" charset="0"/>
-                                    <a:ea typeface="HG丸ｺﾞｼｯｸM-PRO" panose="020F0600000000000000" pitchFamily="50" charset="-128"/>
-                                  </a:rPr>
-                                </m:ctrlPr>
-                              </m:sSubPr>
-                              <m:e>
-                                <m:r>
-                                  <a:rPr lang="en-US" altLang="ja-JP" sz="800" b="0" i="1" smtClean="0">
-                                    <a:latin typeface="Cambria Math"/>
-                                    <a:ea typeface="HG丸ｺﾞｼｯｸM-PRO" panose="020F0600000000000000" pitchFamily="50" charset="-128"/>
-                                  </a:rPr>
-                                  <m:t>𝑅</m:t>
-                                </m:r>
-                              </m:e>
-                              <m:sub>
-                                <m:r>
-                                  <a:rPr lang="en-US" altLang="ja-JP" sz="800" b="0" i="1" smtClean="0">
-                                    <a:latin typeface="Cambria Math"/>
-                                    <a:ea typeface="HG丸ｺﾞｼｯｸM-PRO" panose="020F0600000000000000" pitchFamily="50" charset="-128"/>
-                                  </a:rPr>
-                                  <m:t>𝑤</m:t>
-                                </m:r>
-                              </m:sub>
-                            </m:sSub>
-                            <m:d>
-                              <m:dPr>
-                                <m:ctrlPr>
-                                  <a:rPr lang="en-US" altLang="ja-JP" sz="800" b="0" i="1" smtClean="0">
-                                    <a:latin typeface="Cambria Math" panose="02040503050406030204" pitchFamily="18" charset="0"/>
-                                    <a:ea typeface="Cambria Math"/>
-                                  </a:rPr>
-                                </m:ctrlPr>
-                              </m:dPr>
-                              <m:e>
-                                <m:r>
-                                  <a:rPr lang="en-US" altLang="ja-JP" sz="800" b="0" i="1" smtClean="0">
-                                    <a:latin typeface="Cambria Math"/>
-                                    <a:ea typeface="Cambria Math"/>
-                                  </a:rPr>
-                                  <m:t>∆</m:t>
-                                </m:r>
-                                <m:sSub>
-                                  <m:sSubPr>
-                                    <m:ctrlPr>
-                                      <a:rPr lang="en-US" altLang="ja-JP" sz="800" b="0" i="1" smtClean="0">
-                                        <a:latin typeface="Cambria Math" panose="02040503050406030204" pitchFamily="18" charset="0"/>
-                                        <a:ea typeface="Cambria Math"/>
-                                      </a:rPr>
-                                    </m:ctrlPr>
-                                  </m:sSubPr>
-                                  <m:e>
-                                    <m:r>
-                                      <a:rPr lang="ja-JP" altLang="en-US" sz="800" i="1" smtClean="0">
-                                        <a:latin typeface="Cambria Math"/>
-                                        <a:ea typeface="HG丸ｺﾞｼｯｸM-PRO" panose="020F0600000000000000" pitchFamily="50" charset="-128"/>
-                                      </a:rPr>
-                                      <m:t>𝜑</m:t>
-                                    </m:r>
-                                  </m:e>
-                                  <m:sub>
-                                    <m:r>
-                                      <a:rPr lang="en-US" altLang="ja-JP" sz="800" b="0" i="1" smtClean="0">
-                                        <a:latin typeface="Cambria Math"/>
-                                        <a:ea typeface="Cambria Math"/>
-                                      </a:rPr>
-                                      <m:t>𝑅</m:t>
-                                    </m:r>
-                                  </m:sub>
-                                </m:sSub>
-                                <m:r>
-                                  <a:rPr lang="en-US" altLang="ja-JP" sz="800" b="0" i="1" smtClean="0">
-                                    <a:latin typeface="Cambria Math"/>
-                                    <a:ea typeface="Cambria Math"/>
-                                  </a:rPr>
-                                  <m:t>−∆</m:t>
-                                </m:r>
-                                <m:sSub>
-                                  <m:sSubPr>
-                                    <m:ctrlPr>
-                                      <a:rPr lang="en-US" altLang="ja-JP" sz="800" b="0" i="1" smtClean="0">
-                                        <a:latin typeface="Cambria Math" panose="02040503050406030204" pitchFamily="18" charset="0"/>
-                                        <a:ea typeface="Cambria Math"/>
-                                      </a:rPr>
-                                    </m:ctrlPr>
-                                  </m:sSubPr>
-                                  <m:e>
-                                    <m:r>
-                                      <a:rPr lang="ja-JP" altLang="en-US" sz="800" i="1" smtClean="0">
-                                        <a:latin typeface="Cambria Math"/>
-                                        <a:ea typeface="HG丸ｺﾞｼｯｸM-PRO" panose="020F0600000000000000" pitchFamily="50" charset="-128"/>
-                                      </a:rPr>
-                                      <m:t>𝜑</m:t>
-                                    </m:r>
-                                  </m:e>
-                                  <m:sub>
-                                    <m:r>
-                                      <a:rPr lang="en-US" altLang="ja-JP" sz="800" b="0" i="1" smtClean="0">
-                                        <a:latin typeface="Cambria Math"/>
-                                        <a:ea typeface="Cambria Math"/>
-                                      </a:rPr>
-                                      <m:t>𝐿</m:t>
-                                    </m:r>
-                                  </m:sub>
-                                </m:sSub>
-                              </m:e>
-                            </m:d>
-                          </m:num>
-                          <m:den>
-                            <m:r>
-                              <a:rPr lang="en-US" altLang="ja-JP" sz="800" b="0" i="1" smtClean="0">
-                                <a:latin typeface="Cambria Math"/>
-                                <a:ea typeface="Cambria Math"/>
-                              </a:rPr>
-                              <m:t>360</m:t>
-                            </m:r>
-                            <m:sSub>
-                              <m:sSubPr>
-                                <m:ctrlPr>
-                                  <a:rPr lang="en-US" altLang="ja-JP" sz="800" i="1" smtClean="0">
-                                    <a:latin typeface="Cambria Math" panose="02040503050406030204" pitchFamily="18" charset="0"/>
-                                    <a:ea typeface="HG丸ｺﾞｼｯｸM-PRO" panose="020F0600000000000000" pitchFamily="50" charset="-128"/>
-                                  </a:rPr>
-                                </m:ctrlPr>
-                              </m:sSubPr>
-                              <m:e>
-                                <m:r>
-                                  <a:rPr lang="en-US" altLang="ja-JP" sz="800" b="0" i="1" smtClean="0">
-                                    <a:latin typeface="Cambria Math"/>
-                                    <a:ea typeface="HG丸ｺﾞｼｯｸM-PRO" panose="020F0600000000000000" pitchFamily="50" charset="-128"/>
-                                  </a:rPr>
-                                  <m:t>𝐿</m:t>
-                                </m:r>
-                              </m:e>
-                              <m:sub>
-                                <m:r>
-                                  <a:rPr lang="en-US" altLang="ja-JP" sz="800" b="0" i="1" smtClean="0">
-                                    <a:latin typeface="Cambria Math"/>
-                                    <a:ea typeface="HG丸ｺﾞｼｯｸM-PRO" panose="020F0600000000000000" pitchFamily="50" charset="-128"/>
-                                  </a:rPr>
-                                  <m:t>𝑇</m:t>
-                                </m:r>
-                              </m:sub>
-                            </m:sSub>
-                          </m:den>
-                        </m:f>
-                      </m:oMath>
-                    </m:oMathPara>
-                  </a14:m>
-                  <a:endParaRPr lang="en-US" altLang="ja-JP" sz="800" dirty="0" smtClean="0">
-                    <a:latin typeface="HG丸ｺﾞｼｯｸM-PRO" panose="020F0600000000000000" pitchFamily="50" charset="-128"/>
-                    <a:ea typeface="HG丸ｺﾞｼｯｸM-PRO" panose="020F0600000000000000" pitchFamily="50" charset="-128"/>
-                  </a:endParaRPr>
-                </a:p>
-              </p:txBody>
-            </p:sp>
-          </mc:Choice>
-          <mc:Fallback>
-            <p:sp>
-              <p:nvSpPr>
-                <p:cNvPr id="183" name="テキスト ボックス 182"/>
-                <p:cNvSpPr txBox="1">
-                  <a:spLocks noRot="1" noChangeAspect="1" noMove="1" noResize="1" noEditPoints="1" noAdjustHandles="1" noChangeArrowheads="1" noChangeShapeType="1" noTextEdit="1"/>
-                </p:cNvSpPr>
-                <p:nvPr/>
-              </p:nvSpPr>
-              <p:spPr>
-                <a:xfrm>
-                  <a:off x="2644486" y="4155264"/>
-                  <a:ext cx="1239442" cy="351378"/>
-                </a:xfrm>
-                <a:prstGeom prst="rect">
-                  <a:avLst/>
-                </a:prstGeom>
-                <a:blipFill rotWithShape="0">
-                  <a:blip r:embed="rId10"/>
-                  <a:stretch>
-                    <a:fillRect/>
-                  </a:stretch>
-                </a:blipFill>
-              </p:spPr>
-              <p:txBody>
-                <a:bodyPr/>
-                <a:lstStyle/>
-                <a:p>
-                  <a:r>
-                    <a:rPr lang="ja-JP" altLang="en-US">
-                      <a:noFill/>
-                    </a:rPr>
-                    <a:t> </a:t>
-                  </a:r>
-                </a:p>
-              </p:txBody>
-            </p:sp>
-          </mc:Fallback>
-        </mc:AlternateContent>
-        <mc:AlternateContent xmlns:mc="http://schemas.openxmlformats.org/markup-compatibility/2006">
-          <mc:Choice xmlns:a14="http://schemas.microsoft.com/office/drawing/2010/main" Requires="a14">
-            <p:sp>
-              <p:nvSpPr>
-                <p:cNvPr id="188" name="テキスト ボックス 187"/>
-                <p:cNvSpPr txBox="1"/>
-                <p:nvPr/>
-              </p:nvSpPr>
-              <p:spPr>
-                <a:xfrm>
-                  <a:off x="2644486" y="4893085"/>
-                  <a:ext cx="1426673" cy="338554"/>
-                </a:xfrm>
-                <a:prstGeom prst="rect">
-                  <a:avLst/>
-                </a:prstGeom>
-                <a:noFill/>
-              </p:spPr>
-              <p:txBody>
-                <a:bodyPr wrap="none" rtlCol="0">
-                  <a:spAutoFit/>
-                </a:bodyPr>
-                <a:lstStyle/>
-                <a:p>
-                  <a:pPr/>
-                  <a14:m>
-                    <m:oMathPara xmlns:m="http://schemas.openxmlformats.org/officeDocument/2006/math">
-                      <m:oMathParaPr>
-                        <m:jc m:val="centerGroup"/>
-                      </m:oMathParaPr>
-                      <m:oMath xmlns:m="http://schemas.openxmlformats.org/officeDocument/2006/math">
-                        <m:r>
-                          <a:rPr lang="en-US" altLang="ja-JP" sz="800" b="0" i="1" smtClean="0">
-                            <a:latin typeface="Cambria Math"/>
-                            <a:ea typeface="Cambria Math"/>
-                          </a:rPr>
-                          <m:t>∆</m:t>
-                        </m:r>
-                        <m:r>
-                          <a:rPr lang="en-US" altLang="ja-JP" sz="800" b="0" i="1" smtClean="0">
-                            <a:latin typeface="Cambria Math"/>
-                            <a:ea typeface="Cambria Math"/>
-                          </a:rPr>
-                          <m:t>𝑥</m:t>
-                        </m:r>
-                        <m:r>
-                          <a:rPr lang="en-US" altLang="ja-JP" sz="800" b="0" i="1" smtClean="0">
-                            <a:latin typeface="Cambria Math"/>
-                            <a:ea typeface="Cambria Math"/>
-                          </a:rPr>
-                          <m:t>=</m:t>
-                        </m:r>
-                        <m:r>
-                          <a:rPr lang="en-US" altLang="ja-JP" sz="800" b="0" i="1" smtClean="0">
-                            <a:latin typeface="Cambria Math"/>
-                            <a:ea typeface="Cambria Math"/>
-                          </a:rPr>
-                          <m:t>𝑟</m:t>
-                        </m:r>
-                        <m:d>
-                          <m:dPr>
-                            <m:begChr m:val="{"/>
-                            <m:endChr m:val="}"/>
-                            <m:ctrlPr>
-                              <a:rPr lang="en-US" altLang="ja-JP" sz="800" b="0" i="1" smtClean="0">
-                                <a:latin typeface="Cambria Math" panose="02040503050406030204" pitchFamily="18" charset="0"/>
-                                <a:ea typeface="Cambria Math"/>
-                              </a:rPr>
-                            </m:ctrlPr>
-                          </m:dPr>
-                          <m:e>
-                            <m:func>
-                              <m:funcPr>
-                                <m:ctrlPr>
-                                  <a:rPr lang="en-US" altLang="ja-JP" sz="800" b="0" i="1" smtClean="0">
-                                    <a:latin typeface="Cambria Math" panose="02040503050406030204" pitchFamily="18" charset="0"/>
-                                    <a:ea typeface="Cambria Math"/>
-                                  </a:rPr>
-                                </m:ctrlPr>
-                              </m:funcPr>
-                              <m:fName>
-                                <m:r>
-                                  <m:rPr>
-                                    <m:sty m:val="p"/>
-                                  </m:rPr>
-                                  <a:rPr lang="en-US" altLang="ja-JP" sz="800" b="0" i="0" smtClean="0">
-                                    <a:latin typeface="Cambria Math"/>
-                                    <a:ea typeface="Cambria Math"/>
-                                  </a:rPr>
-                                  <m:t>cos</m:t>
-                                </m:r>
-                              </m:fName>
-                              <m:e>
-                                <m:d>
-                                  <m:dPr>
-                                    <m:ctrlPr>
-                                      <a:rPr lang="en-US" altLang="ja-JP" sz="800" b="0" i="1" smtClean="0">
-                                        <a:latin typeface="Cambria Math" panose="02040503050406030204" pitchFamily="18" charset="0"/>
-                                        <a:ea typeface="Cambria Math"/>
-                                      </a:rPr>
-                                    </m:ctrlPr>
-                                  </m:dPr>
-                                  <m:e>
-                                    <m:r>
-                                      <a:rPr lang="ja-JP" altLang="en-US" sz="800" i="1" smtClean="0">
-                                        <a:latin typeface="Cambria Math"/>
-                                        <a:ea typeface="HG丸ｺﾞｼｯｸM-PRO" panose="020F0600000000000000" pitchFamily="50" charset="-128"/>
-                                      </a:rPr>
-                                      <m:t>𝜃</m:t>
-                                    </m:r>
-                                    <m:r>
-                                      <m:rPr>
-                                        <m:nor/>
-                                      </m:rPr>
-                                      <a:rPr lang="en-US" altLang="ja-JP" sz="800" b="0" i="0" smtClean="0">
-                                        <a:latin typeface="Cambria Math"/>
-                                        <a:ea typeface="HG丸ｺﾞｼｯｸM-PRO" panose="020F0600000000000000" pitchFamily="50" charset="-128"/>
-                                      </a:rPr>
-                                      <m:t>+</m:t>
-                                    </m:r>
-                                    <m:r>
-                                      <a:rPr lang="en-US" altLang="ja-JP" sz="800" b="0" i="1" smtClean="0">
-                                        <a:latin typeface="Cambria Math"/>
-                                        <a:ea typeface="Cambria Math"/>
-                                      </a:rPr>
-                                      <m:t>∆</m:t>
-                                    </m:r>
-                                    <m:r>
-                                      <a:rPr lang="ja-JP" altLang="en-US" sz="800" b="0" i="1" smtClean="0">
-                                        <a:latin typeface="Cambria Math"/>
-                                        <a:ea typeface="Cambria Math"/>
-                                      </a:rPr>
-                                      <m:t>𝜃</m:t>
-                                    </m:r>
-                                  </m:e>
-                                </m:d>
-                              </m:e>
-                            </m:func>
-                            <m:r>
-                              <a:rPr lang="en-US" altLang="ja-JP" sz="800" b="0" i="1" smtClean="0">
-                                <a:latin typeface="Cambria Math"/>
-                                <a:ea typeface="Cambria Math"/>
-                              </a:rPr>
-                              <m:t>−</m:t>
-                            </m:r>
-                            <m:func>
-                              <m:funcPr>
-                                <m:ctrlPr>
-                                  <a:rPr lang="en-US" altLang="ja-JP" sz="800" b="0" i="1" smtClean="0">
-                                    <a:latin typeface="Cambria Math" panose="02040503050406030204" pitchFamily="18" charset="0"/>
-                                    <a:ea typeface="Cambria Math"/>
-                                  </a:rPr>
-                                </m:ctrlPr>
-                              </m:funcPr>
-                              <m:fName>
-                                <m:r>
-                                  <m:rPr>
-                                    <m:sty m:val="p"/>
-                                  </m:rPr>
-                                  <a:rPr lang="en-US" altLang="ja-JP" sz="800" b="0" i="0" smtClean="0">
-                                    <a:latin typeface="Cambria Math"/>
-                                    <a:ea typeface="Cambria Math"/>
-                                  </a:rPr>
-                                  <m:t>cos</m:t>
-                                </m:r>
-                              </m:fName>
-                              <m:e>
-                                <m:r>
-                                  <a:rPr lang="ja-JP" altLang="en-US" sz="800" b="0" i="1" smtClean="0">
-                                    <a:latin typeface="Cambria Math"/>
-                                    <a:ea typeface="Cambria Math"/>
-                                  </a:rPr>
-                                  <m:t>𝜃</m:t>
-                                </m:r>
-                              </m:e>
-                            </m:func>
-                          </m:e>
-                        </m:d>
-                      </m:oMath>
-                      <m:oMath xmlns:m="http://schemas.openxmlformats.org/officeDocument/2006/math">
-                        <m:r>
-                          <a:rPr lang="en-US" altLang="ja-JP" sz="800" b="0" i="1" smtClean="0">
-                            <a:latin typeface="Cambria Math"/>
-                            <a:ea typeface="Cambria Math"/>
-                          </a:rPr>
-                          <m:t>∆</m:t>
-                        </m:r>
-                        <m:r>
-                          <a:rPr lang="en-US" altLang="ja-JP" sz="800" b="0" i="1" smtClean="0">
-                            <a:latin typeface="Cambria Math"/>
-                            <a:ea typeface="Cambria Math"/>
-                          </a:rPr>
-                          <m:t>𝑦</m:t>
-                        </m:r>
-                        <m:r>
-                          <a:rPr lang="en-US" altLang="ja-JP" sz="800" b="0" i="1" smtClean="0">
-                            <a:latin typeface="Cambria Math"/>
-                            <a:ea typeface="Cambria Math"/>
-                          </a:rPr>
-                          <m:t>=</m:t>
-                        </m:r>
-                        <m:r>
-                          <a:rPr lang="en-US" altLang="ja-JP" sz="800" b="0" i="1" smtClean="0">
-                            <a:latin typeface="Cambria Math"/>
-                            <a:ea typeface="Cambria Math"/>
-                          </a:rPr>
-                          <m:t>𝑟</m:t>
-                        </m:r>
-                        <m:d>
-                          <m:dPr>
-                            <m:begChr m:val="{"/>
-                            <m:endChr m:val="}"/>
-                            <m:ctrlPr>
-                              <a:rPr lang="en-US" altLang="ja-JP" sz="800" b="0" i="1" smtClean="0">
-                                <a:latin typeface="Cambria Math" panose="02040503050406030204" pitchFamily="18" charset="0"/>
-                                <a:ea typeface="Cambria Math"/>
-                              </a:rPr>
-                            </m:ctrlPr>
-                          </m:dPr>
-                          <m:e>
-                            <m:func>
-                              <m:funcPr>
-                                <m:ctrlPr>
-                                  <a:rPr lang="en-US" altLang="ja-JP" sz="800" b="0" i="1" smtClean="0">
-                                    <a:latin typeface="Cambria Math" panose="02040503050406030204" pitchFamily="18" charset="0"/>
-                                    <a:ea typeface="Cambria Math"/>
-                                  </a:rPr>
-                                </m:ctrlPr>
-                              </m:funcPr>
-                              <m:fName>
-                                <m:r>
-                                  <a:rPr lang="en-US" altLang="ja-JP" sz="800" b="0" i="1" smtClean="0">
-                                    <a:latin typeface="Cambria Math"/>
-                                    <a:ea typeface="Cambria Math"/>
-                                  </a:rPr>
-                                  <m:t>𝑠𝑖𝑛</m:t>
-                                </m:r>
-                              </m:fName>
-                              <m:e>
-                                <m:d>
-                                  <m:dPr>
-                                    <m:ctrlPr>
-                                      <a:rPr lang="en-US" altLang="ja-JP" sz="800" b="0" i="1" smtClean="0">
-                                        <a:latin typeface="Cambria Math" panose="02040503050406030204" pitchFamily="18" charset="0"/>
-                                        <a:ea typeface="Cambria Math"/>
-                                      </a:rPr>
-                                    </m:ctrlPr>
-                                  </m:dPr>
-                                  <m:e>
-                                    <m:r>
-                                      <a:rPr lang="ja-JP" altLang="en-US" sz="800" i="1" smtClean="0">
-                                        <a:latin typeface="Cambria Math"/>
-                                        <a:ea typeface="HG丸ｺﾞｼｯｸM-PRO" panose="020F0600000000000000" pitchFamily="50" charset="-128"/>
-                                      </a:rPr>
-                                      <m:t>𝜃</m:t>
-                                    </m:r>
-                                    <m:r>
-                                      <m:rPr>
-                                        <m:nor/>
-                                      </m:rPr>
-                                      <a:rPr lang="en-US" altLang="ja-JP" sz="800" b="0" i="0" smtClean="0">
-                                        <a:latin typeface="Cambria Math"/>
-                                        <a:ea typeface="HG丸ｺﾞｼｯｸM-PRO" panose="020F0600000000000000" pitchFamily="50" charset="-128"/>
-                                      </a:rPr>
-                                      <m:t>+</m:t>
-                                    </m:r>
-                                    <m:r>
-                                      <a:rPr lang="en-US" altLang="ja-JP" sz="800" b="0" i="1" smtClean="0">
-                                        <a:latin typeface="Cambria Math"/>
-                                        <a:ea typeface="Cambria Math"/>
-                                      </a:rPr>
-                                      <m:t>∆</m:t>
-                                    </m:r>
-                                    <m:r>
-                                      <a:rPr lang="ja-JP" altLang="en-US" sz="800" b="0" i="1" smtClean="0">
-                                        <a:latin typeface="Cambria Math"/>
-                                        <a:ea typeface="Cambria Math"/>
-                                      </a:rPr>
-                                      <m:t>𝜃</m:t>
-                                    </m:r>
-                                  </m:e>
-                                </m:d>
-                              </m:e>
-                            </m:func>
-                            <m:r>
-                              <a:rPr lang="en-US" altLang="ja-JP" sz="800" b="0" i="1" smtClean="0">
-                                <a:latin typeface="Cambria Math"/>
-                                <a:ea typeface="Cambria Math"/>
-                              </a:rPr>
-                              <m:t>−</m:t>
-                            </m:r>
-                            <m:func>
-                              <m:funcPr>
-                                <m:ctrlPr>
-                                  <a:rPr lang="en-US" altLang="ja-JP" sz="800" b="0" i="1" smtClean="0">
-                                    <a:latin typeface="Cambria Math" panose="02040503050406030204" pitchFamily="18" charset="0"/>
-                                    <a:ea typeface="Cambria Math"/>
-                                  </a:rPr>
-                                </m:ctrlPr>
-                              </m:funcPr>
-                              <m:fName>
-                                <m:r>
-                                  <a:rPr lang="en-US" altLang="ja-JP" sz="800" b="0" i="1" smtClean="0">
-                                    <a:latin typeface="Cambria Math"/>
-                                    <a:ea typeface="Cambria Math"/>
-                                  </a:rPr>
-                                  <m:t>𝑠𝑖𝑛</m:t>
-                                </m:r>
-                              </m:fName>
-                              <m:e>
-                                <m:r>
-                                  <a:rPr lang="ja-JP" altLang="en-US" sz="800" b="0" i="1" smtClean="0">
-                                    <a:latin typeface="Cambria Math"/>
-                                    <a:ea typeface="Cambria Math"/>
-                                  </a:rPr>
-                                  <m:t>𝜃</m:t>
-                                </m:r>
-                              </m:e>
-                            </m:func>
-                          </m:e>
-                        </m:d>
-                      </m:oMath>
-                    </m:oMathPara>
-                  </a14:m>
-                  <a:endParaRPr lang="en-US" altLang="ja-JP" sz="800" dirty="0" smtClean="0">
-                    <a:latin typeface="HG丸ｺﾞｼｯｸM-PRO" panose="020F0600000000000000" pitchFamily="50" charset="-128"/>
-                    <a:ea typeface="HG丸ｺﾞｼｯｸM-PRO" panose="020F0600000000000000" pitchFamily="50" charset="-128"/>
-                  </a:endParaRPr>
-                </a:p>
-              </p:txBody>
-            </p:sp>
-          </mc:Choice>
-          <mc:Fallback>
-            <p:sp>
-              <p:nvSpPr>
-                <p:cNvPr id="188" name="テキスト ボックス 187"/>
-                <p:cNvSpPr txBox="1">
-                  <a:spLocks noRot="1" noChangeAspect="1" noMove="1" noResize="1" noEditPoints="1" noAdjustHandles="1" noChangeArrowheads="1" noChangeShapeType="1" noTextEdit="1"/>
-                </p:cNvSpPr>
-                <p:nvPr/>
-              </p:nvSpPr>
-              <p:spPr>
-                <a:xfrm>
-                  <a:off x="2644486" y="4893085"/>
-                  <a:ext cx="1426673" cy="338554"/>
-                </a:xfrm>
-                <a:prstGeom prst="rect">
-                  <a:avLst/>
-                </a:prstGeom>
-                <a:blipFill rotWithShape="0">
-                  <a:blip r:embed="rId11"/>
-                  <a:stretch>
-                    <a:fillRect/>
-                  </a:stretch>
-                </a:blipFill>
-              </p:spPr>
-              <p:txBody>
-                <a:bodyPr/>
-                <a:lstStyle/>
-                <a:p>
-                  <a:r>
-                    <a:rPr lang="ja-JP" altLang="en-US">
-                      <a:noFill/>
-                    </a:rPr>
-                    <a:t> </a:t>
-                  </a:r>
-                </a:p>
-              </p:txBody>
-            </p:sp>
-          </mc:Fallback>
-        </mc:AlternateContent>
-        <p:sp>
-          <p:nvSpPr>
-            <p:cNvPr id="189" name="正方形/長方形 188"/>
-            <p:cNvSpPr/>
-            <p:nvPr/>
-          </p:nvSpPr>
-          <p:spPr>
-            <a:xfrm>
-              <a:off x="2210485" y="3535628"/>
-              <a:ext cx="1518364" cy="215444"/>
-            </a:xfrm>
-            <a:prstGeom prst="rect">
-              <a:avLst/>
-            </a:prstGeom>
-          </p:spPr>
-          <p:txBody>
-            <a:bodyPr wrap="none">
-              <a:spAutoFit/>
-            </a:bodyPr>
-            <a:lstStyle/>
-            <a:p>
-              <a:r>
-                <a:rPr lang="ja-JP" altLang="en-US" sz="800" dirty="0" smtClean="0">
-                  <a:latin typeface="HG丸ｺﾞｼｯｸM-PRO" panose="020F0600000000000000" pitchFamily="50" charset="-128"/>
-                  <a:ea typeface="HG丸ｺﾞｼｯｸM-PRO" panose="020F0600000000000000" pitchFamily="50" charset="-128"/>
-                </a:rPr>
-                <a:t>走行体の旋回半径と方向変化</a:t>
-              </a:r>
-              <a:endParaRPr lang="ja-JP" altLang="en-US" sz="800" dirty="0"/>
-            </a:p>
-          </p:txBody>
-        </p:sp>
-        <p:sp>
-          <p:nvSpPr>
-            <p:cNvPr id="190" name="正方形/長方形 189"/>
-            <p:cNvSpPr/>
-            <p:nvPr/>
-          </p:nvSpPr>
-          <p:spPr>
-            <a:xfrm>
-              <a:off x="2210485" y="4633027"/>
-              <a:ext cx="1107996" cy="215444"/>
-            </a:xfrm>
-            <a:prstGeom prst="rect">
-              <a:avLst/>
-            </a:prstGeom>
-          </p:spPr>
-          <p:txBody>
-            <a:bodyPr wrap="none">
-              <a:spAutoFit/>
-            </a:bodyPr>
-            <a:lstStyle/>
-            <a:p>
-              <a:r>
-                <a:rPr lang="ja-JP" altLang="en-US" sz="800" dirty="0" smtClean="0">
-                  <a:latin typeface="HG丸ｺﾞｼｯｸM-PRO" panose="020F0600000000000000" pitchFamily="50" charset="-128"/>
-                  <a:ea typeface="HG丸ｺﾞｼｯｸM-PRO" panose="020F0600000000000000" pitchFamily="50" charset="-128"/>
-                </a:rPr>
-                <a:t>走行体の位置の変化</a:t>
-              </a:r>
-              <a:endParaRPr lang="ja-JP" altLang="en-US" sz="800" dirty="0"/>
-            </a:p>
-          </p:txBody>
-        </p:sp>
-      </p:grpSp>
+        <p:txBody>
+          <a:bodyPr wrap="none">
+            <a:spAutoFit/>
+          </a:bodyPr>
+          <a:lstStyle/>
+          <a:p>
+            <a:r>
+              <a:rPr lang="ja-JP" altLang="en-US" sz="800" dirty="0" smtClean="0">
+                <a:latin typeface="HG丸ｺﾞｼｯｸM-PRO" panose="020F0600000000000000" pitchFamily="50" charset="-128"/>
+                <a:ea typeface="HG丸ｺﾞｼｯｸM-PRO" panose="020F0600000000000000" pitchFamily="50" charset="-128"/>
+              </a:rPr>
+              <a:t>走行体の位置の変化</a:t>
+            </a:r>
+            <a:endParaRPr lang="ja-JP" altLang="en-US" sz="800" dirty="0"/>
+          </a:p>
+        </p:txBody>
+      </p:sp>
       <p:grpSp>
         <p:nvGrpSpPr>
           <p:cNvPr id="227" name="グループ化 226"/>
@@ -10290,10 +8697,10 @@
         </p:nvGrpSpPr>
         <p:grpSpPr>
           <a:xfrm>
-            <a:off x="5554108" y="2016960"/>
-            <a:ext cx="4832493" cy="2252743"/>
+            <a:off x="5554109" y="2016960"/>
+            <a:ext cx="4228750" cy="1969361"/>
             <a:chOff x="852014" y="2075157"/>
-            <a:chExt cx="9274056" cy="4323248"/>
+            <a:chExt cx="9274056" cy="4318998"/>
           </a:xfrm>
         </p:grpSpPr>
         <p:pic>
@@ -10305,7 +8712,7 @@
             <p:nvPr/>
           </p:nvPicPr>
           <p:blipFill>
-            <a:blip r:embed="rId12"/>
+            <a:blip r:embed="rId7"/>
             <a:stretch>
               <a:fillRect/>
             </a:stretch>
@@ -10329,7 +8736,7 @@
             <p:nvPr/>
           </p:nvPicPr>
           <p:blipFill>
-            <a:blip r:embed="rId13"/>
+            <a:blip r:embed="rId8"/>
             <a:stretch>
               <a:fillRect/>
             </a:stretch>
@@ -10387,7 +8794,7 @@
             <a:lstStyle/>
             <a:p>
               <a:pPr algn="ctr"/>
-              <a:endParaRPr kumimoji="1" lang="ja-JP" altLang="en-US" sz="900">
+              <a:endParaRPr kumimoji="1" lang="ja-JP" altLang="en-US" sz="700">
                 <a:latin typeface="メイリオ" panose="020B0604030504040204" pitchFamily="50" charset="-128"/>
                 <a:ea typeface="メイリオ" panose="020B0604030504040204" pitchFamily="50" charset="-128"/>
                 <a:cs typeface="メイリオ" panose="020B0604030504040204" pitchFamily="50" charset="-128"/>
@@ -10438,7 +8845,7 @@
             <a:lstStyle/>
             <a:p>
               <a:pPr algn="ctr"/>
-              <a:endParaRPr kumimoji="1" lang="ja-JP" altLang="en-US" sz="900">
+              <a:endParaRPr kumimoji="1" lang="ja-JP" altLang="en-US" sz="700">
                 <a:latin typeface="メイリオ" panose="020B0604030504040204" pitchFamily="50" charset="-128"/>
                 <a:ea typeface="メイリオ" panose="020B0604030504040204" pitchFamily="50" charset="-128"/>
                 <a:cs typeface="メイリオ" panose="020B0604030504040204" pitchFamily="50" charset="-128"/>
@@ -10508,7 +8915,7 @@
               <a:lstStyle/>
               <a:p>
                 <a:pPr algn="ctr"/>
-                <a:endParaRPr kumimoji="1" lang="ja-JP" altLang="en-US" sz="900" dirty="0">
+                <a:endParaRPr kumimoji="1" lang="ja-JP" altLang="en-US" sz="700" dirty="0">
                   <a:latin typeface="メイリオ" panose="020B0604030504040204" pitchFamily="50" charset="-128"/>
                   <a:ea typeface="メイリオ" panose="020B0604030504040204" pitchFamily="50" charset="-128"/>
                   <a:cs typeface="メイリオ" panose="020B0604030504040204" pitchFamily="50" charset="-128"/>
@@ -10560,7 +8967,7 @@
               <a:lstStyle/>
               <a:p>
                 <a:pPr algn="ctr"/>
-                <a:endParaRPr kumimoji="1" lang="ja-JP" altLang="en-US" sz="900">
+                <a:endParaRPr kumimoji="1" lang="ja-JP" altLang="en-US" sz="700">
                   <a:latin typeface="メイリオ" panose="020B0604030504040204" pitchFamily="50" charset="-128"/>
                   <a:ea typeface="メイリオ" panose="020B0604030504040204" pitchFamily="50" charset="-128"/>
                   <a:cs typeface="メイリオ" panose="020B0604030504040204" pitchFamily="50" charset="-128"/>
@@ -10616,7 +9023,7 @@
               <a:lstStyle/>
               <a:p>
                 <a:pPr algn="ctr"/>
-                <a:endParaRPr kumimoji="1" lang="ja-JP" altLang="en-US" sz="900" dirty="0">
+                <a:endParaRPr kumimoji="1" lang="ja-JP" altLang="en-US" sz="700" dirty="0">
                   <a:latin typeface="メイリオ" panose="020B0604030504040204" pitchFamily="50" charset="-128"/>
                   <a:ea typeface="メイリオ" panose="020B0604030504040204" pitchFamily="50" charset="-128"/>
                   <a:cs typeface="メイリオ" panose="020B0604030504040204" pitchFamily="50" charset="-128"/>
@@ -10721,7 +9128,7 @@
               <a:lstStyle/>
               <a:p>
                 <a:pPr algn="ctr"/>
-                <a:endParaRPr kumimoji="1" lang="ja-JP" altLang="en-US" sz="900" dirty="0">
+                <a:endParaRPr kumimoji="1" lang="ja-JP" altLang="en-US" sz="700" dirty="0">
                   <a:latin typeface="メイリオ" panose="020B0604030504040204" pitchFamily="50" charset="-128"/>
                   <a:ea typeface="メイリオ" panose="020B0604030504040204" pitchFamily="50" charset="-128"/>
                   <a:cs typeface="メイリオ" panose="020B0604030504040204" pitchFamily="50" charset="-128"/>
@@ -10773,7 +9180,7 @@
               <a:lstStyle/>
               <a:p>
                 <a:pPr algn="ctr"/>
-                <a:endParaRPr kumimoji="1" lang="ja-JP" altLang="en-US" sz="900">
+                <a:endParaRPr kumimoji="1" lang="ja-JP" altLang="en-US" sz="700">
                   <a:latin typeface="メイリオ" panose="020B0604030504040204" pitchFamily="50" charset="-128"/>
                   <a:ea typeface="メイリオ" panose="020B0604030504040204" pitchFamily="50" charset="-128"/>
                   <a:cs typeface="メイリオ" panose="020B0604030504040204" pitchFamily="50" charset="-128"/>
@@ -10829,7 +9236,7 @@
               <a:lstStyle/>
               <a:p>
                 <a:pPr algn="ctr"/>
-                <a:endParaRPr kumimoji="1" lang="ja-JP" altLang="en-US" sz="900" dirty="0">
+                <a:endParaRPr kumimoji="1" lang="ja-JP" altLang="en-US" sz="700" dirty="0">
                   <a:latin typeface="メイリオ" panose="020B0604030504040204" pitchFamily="50" charset="-128"/>
                   <a:ea typeface="メイリオ" panose="020B0604030504040204" pitchFamily="50" charset="-128"/>
                   <a:cs typeface="メイリオ" panose="020B0604030504040204" pitchFamily="50" charset="-128"/>
@@ -10882,7 +9289,7 @@
             <a:lstStyle/>
             <a:p>
               <a:pPr algn="ctr"/>
-              <a:endParaRPr kumimoji="1" lang="ja-JP" altLang="en-US" sz="900">
+              <a:endParaRPr kumimoji="1" lang="ja-JP" altLang="en-US" sz="700">
                 <a:latin typeface="メイリオ" panose="020B0604030504040204" pitchFamily="50" charset="-128"/>
                 <a:ea typeface="メイリオ" panose="020B0604030504040204" pitchFamily="50" charset="-128"/>
                 <a:cs typeface="メイリオ" panose="020B0604030504040204" pitchFamily="50" charset="-128"/>
@@ -10933,7 +9340,7 @@
             <a:p>
               <a:pPr algn="ctr"/>
               <a:r>
-                <a:rPr lang="ja-JP" altLang="en-US" sz="900" dirty="0" smtClean="0">
+                <a:rPr lang="ja-JP" altLang="en-US" sz="700" dirty="0" smtClean="0">
                   <a:solidFill>
                     <a:schemeClr val="tx1"/>
                   </a:solidFill>
@@ -10944,7 +9351,7 @@
                 <a:t>横線を通過するときに</a:t>
               </a:r>
               <a:r>
-                <a:rPr lang="en-US" altLang="ja-JP" sz="900" dirty="0">
+                <a:rPr lang="en-US" altLang="ja-JP" sz="700" dirty="0">
                   <a:solidFill>
                     <a:schemeClr val="tx1"/>
                   </a:solidFill>
@@ -10955,7 +9362,7 @@
                 <a:t>y</a:t>
               </a:r>
               <a:r>
-                <a:rPr lang="ja-JP" altLang="en-US" sz="900" dirty="0" smtClean="0">
+                <a:rPr lang="ja-JP" altLang="en-US" sz="700" dirty="0" smtClean="0">
                   <a:solidFill>
                     <a:schemeClr val="tx1"/>
                   </a:solidFill>
@@ -10965,7 +9372,7 @@
                 </a:rPr>
                 <a:t>座標を補正</a:t>
               </a:r>
-              <a:endParaRPr kumimoji="1" lang="ja-JP" altLang="en-US" sz="900" dirty="0">
+              <a:endParaRPr kumimoji="1" lang="ja-JP" altLang="en-US" sz="700" dirty="0">
                 <a:solidFill>
                   <a:schemeClr val="tx1"/>
                 </a:solidFill>
@@ -11050,8 +9457,8 @@
           </p:nvSpPr>
           <p:spPr>
             <a:xfrm>
-              <a:off x="4929749" y="2075157"/>
-              <a:ext cx="480524" cy="442991"/>
+              <a:off x="4929750" y="2075157"/>
+              <a:ext cx="517487" cy="438740"/>
             </a:xfrm>
             <a:prstGeom prst="rect">
               <a:avLst/>
@@ -11065,14 +9472,14 @@
             <a:lstStyle/>
             <a:p>
               <a:r>
-                <a:rPr lang="en-US" altLang="ja-JP" sz="900" dirty="0">
+                <a:rPr lang="en-US" altLang="ja-JP" sz="700" dirty="0">
                   <a:latin typeface="メイリオ" panose="020B0604030504040204" pitchFamily="50" charset="-128"/>
                   <a:ea typeface="メイリオ" panose="020B0604030504040204" pitchFamily="50" charset="-128"/>
                   <a:cs typeface="メイリオ" panose="020B0604030504040204" pitchFamily="50" charset="-128"/>
                 </a:rPr>
                 <a:t>y</a:t>
               </a:r>
-              <a:endParaRPr kumimoji="1" lang="ja-JP" altLang="en-US" sz="900" dirty="0">
+              <a:endParaRPr kumimoji="1" lang="ja-JP" altLang="en-US" sz="700" dirty="0">
                 <a:latin typeface="メイリオ" panose="020B0604030504040204" pitchFamily="50" charset="-128"/>
                 <a:ea typeface="メイリオ" panose="020B0604030504040204" pitchFamily="50" charset="-128"/>
                 <a:cs typeface="メイリオ" panose="020B0604030504040204" pitchFamily="50" charset="-128"/>
@@ -11088,8 +9495,8 @@
           </p:nvSpPr>
           <p:spPr>
             <a:xfrm>
-              <a:off x="8653854" y="5955414"/>
-              <a:ext cx="477446" cy="442991"/>
+              <a:off x="8653853" y="5955415"/>
+              <a:ext cx="513974" cy="438740"/>
             </a:xfrm>
             <a:prstGeom prst="rect">
               <a:avLst/>
@@ -11103,14 +9510,14 @@
             <a:lstStyle/>
             <a:p>
               <a:r>
-                <a:rPr lang="en-US" altLang="ja-JP" sz="900" dirty="0" smtClean="0">
+                <a:rPr lang="en-US" altLang="ja-JP" sz="700" dirty="0" smtClean="0">
                   <a:latin typeface="メイリオ" panose="020B0604030504040204" pitchFamily="50" charset="-128"/>
                   <a:ea typeface="メイリオ" panose="020B0604030504040204" pitchFamily="50" charset="-128"/>
                   <a:cs typeface="メイリオ" panose="020B0604030504040204" pitchFamily="50" charset="-128"/>
                 </a:rPr>
                 <a:t>x</a:t>
               </a:r>
-              <a:endParaRPr kumimoji="1" lang="ja-JP" altLang="en-US" sz="900" dirty="0">
+              <a:endParaRPr kumimoji="1" lang="ja-JP" altLang="en-US" sz="700" dirty="0">
                 <a:latin typeface="メイリオ" panose="020B0604030504040204" pitchFamily="50" charset="-128"/>
                 <a:ea typeface="メイリオ" panose="020B0604030504040204" pitchFamily="50" charset="-128"/>
                 <a:cs typeface="メイリオ" panose="020B0604030504040204" pitchFamily="50" charset="-128"/>
@@ -11198,7 +9605,7 @@
             <a:lstStyle/>
             <a:p>
               <a:pPr algn="ctr"/>
-              <a:endParaRPr kumimoji="1" lang="ja-JP" altLang="en-US" sz="900">
+              <a:endParaRPr kumimoji="1" lang="ja-JP" altLang="en-US" sz="700">
                 <a:latin typeface="メイリオ" panose="020B0604030504040204" pitchFamily="50" charset="-128"/>
                 <a:ea typeface="メイリオ" panose="020B0604030504040204" pitchFamily="50" charset="-128"/>
                 <a:cs typeface="メイリオ" panose="020B0604030504040204" pitchFamily="50" charset="-128"/>
@@ -11249,7 +9656,7 @@
             <a:p>
               <a:pPr algn="ctr"/>
               <a:r>
-                <a:rPr lang="ja-JP" altLang="en-US" sz="900" dirty="0" smtClean="0">
+                <a:rPr lang="ja-JP" altLang="en-US" sz="700" dirty="0" smtClean="0">
                   <a:solidFill>
                     <a:schemeClr val="tx1"/>
                   </a:solidFill>
@@ -11260,7 +9667,7 @@
                 <a:t>縦線を通過するときに</a:t>
               </a:r>
               <a:r>
-                <a:rPr lang="en-US" altLang="ja-JP" sz="900" dirty="0">
+                <a:rPr lang="en-US" altLang="ja-JP" sz="700" dirty="0">
                   <a:solidFill>
                     <a:schemeClr val="tx1"/>
                   </a:solidFill>
@@ -11271,7 +9678,7 @@
                 <a:t>x</a:t>
               </a:r>
               <a:r>
-                <a:rPr lang="ja-JP" altLang="en-US" sz="900" dirty="0" smtClean="0">
+                <a:rPr lang="ja-JP" altLang="en-US" sz="700" dirty="0" smtClean="0">
                   <a:solidFill>
                     <a:schemeClr val="tx1"/>
                   </a:solidFill>
@@ -11281,7 +9688,7 @@
                 </a:rPr>
                 <a:t>座標を補正</a:t>
               </a:r>
-              <a:endParaRPr kumimoji="1" lang="ja-JP" altLang="en-US" sz="900" dirty="0">
+              <a:endParaRPr kumimoji="1" lang="ja-JP" altLang="en-US" sz="700" dirty="0">
                 <a:solidFill>
                   <a:schemeClr val="tx1"/>
                 </a:solidFill>
@@ -11373,7 +9780,7 @@
         </p:nvGrpSpPr>
         <p:grpSpPr>
           <a:xfrm>
-            <a:off x="4316191" y="8104643"/>
+            <a:off x="486858" y="7156033"/>
             <a:ext cx="3368657" cy="3398350"/>
             <a:chOff x="1451837" y="1331"/>
             <a:chExt cx="7320644" cy="7385172"/>
@@ -21345,13 +19752,13 @@
           <p:nvPr>
             <p:extLst>
               <p:ext uri="{D42A27DB-BD31-4B8C-83A1-F6EECF244321}">
-                <p14:modId xmlns:p14="http://schemas.microsoft.com/office/powerpoint/2010/main" val="2543326108"/>
+                <p14:modId xmlns:p14="http://schemas.microsoft.com/office/powerpoint/2010/main" val="4253727867"/>
               </p:ext>
             </p:extLst>
           </p:nvPr>
         </p:nvGraphicFramePr>
         <p:xfrm>
-          <a:off x="7597316" y="8168179"/>
+          <a:off x="3767983" y="7219569"/>
           <a:ext cx="1855403" cy="3299912"/>
         </p:xfrm>
         <a:graphic>
@@ -32914,7 +31321,7 @@
         </p:nvSpPr>
         <p:spPr>
           <a:xfrm>
-            <a:off x="7581315" y="9855739"/>
+            <a:off x="3751982" y="8907129"/>
             <a:ext cx="1583750" cy="836074"/>
           </a:xfrm>
           <a:prstGeom prst="rect">
@@ -32960,7 +31367,7 @@
         </p:nvSpPr>
         <p:spPr>
           <a:xfrm>
-            <a:off x="7436033" y="7930483"/>
+            <a:off x="3606700" y="6981873"/>
             <a:ext cx="2355556" cy="230832"/>
           </a:xfrm>
           <a:prstGeom prst="rect">
@@ -32995,6 +31402,1613 @@
           </a:p>
         </p:txBody>
       </p:sp>
+      <p:sp>
+        <p:nvSpPr>
+          <p:cNvPr id="2" name="テキスト ボックス 1"/>
+          <p:cNvSpPr txBox="1"/>
+          <p:nvPr/>
+        </p:nvSpPr>
+        <p:spPr>
+          <a:xfrm>
+            <a:off x="10515777" y="2163782"/>
+            <a:ext cx="4285140" cy="461665"/>
+          </a:xfrm>
+          <a:prstGeom prst="rect">
+            <a:avLst/>
+          </a:prstGeom>
+          <a:noFill/>
+        </p:spPr>
+        <p:txBody>
+          <a:bodyPr wrap="square" rtlCol="0">
+            <a:spAutoFit/>
+          </a:bodyPr>
+          <a:lstStyle/>
+          <a:p>
+            <a:r>
+              <a:rPr lang="ja-JP" altLang="en-US" sz="1200" dirty="0" smtClean="0">
+                <a:latin typeface="メイリオ" panose="020B0604030504040204" pitchFamily="50" charset="-128"/>
+                <a:ea typeface="メイリオ" panose="020B0604030504040204" pitchFamily="50" charset="-128"/>
+                <a:cs typeface="メイリオ" panose="020B0604030504040204" pitchFamily="50" charset="-128"/>
+              </a:rPr>
+              <a:t>下図のように</a:t>
+            </a:r>
+            <a:r>
+              <a:rPr lang="ja-JP" altLang="en-US" sz="1200" dirty="0">
+                <a:latin typeface="メイリオ" panose="020B0604030504040204" pitchFamily="50" charset="-128"/>
+                <a:ea typeface="メイリオ" panose="020B0604030504040204" pitchFamily="50" charset="-128"/>
+                <a:cs typeface="メイリオ" panose="020B0604030504040204" pitchFamily="50" charset="-128"/>
+              </a:rPr>
+              <a:t>コースの形状によって</a:t>
+            </a:r>
+            <a:r>
+              <a:rPr kumimoji="1" lang="ja-JP" altLang="en-US" sz="1200" dirty="0" smtClean="0">
+                <a:latin typeface="メイリオ" panose="020B0604030504040204" pitchFamily="50" charset="-128"/>
+                <a:ea typeface="メイリオ" panose="020B0604030504040204" pitchFamily="50" charset="-128"/>
+                <a:cs typeface="メイリオ" panose="020B0604030504040204" pitchFamily="50" charset="-128"/>
+              </a:rPr>
+              <a:t>走行速度を変化させる。</a:t>
+            </a:r>
+            <a:r>
+              <a:rPr kumimoji="1" lang="en-US" altLang="ja-JP" sz="1200" dirty="0" smtClean="0">
+                <a:latin typeface="メイリオ" panose="020B0604030504040204" pitchFamily="50" charset="-128"/>
+                <a:ea typeface="メイリオ" panose="020B0604030504040204" pitchFamily="50" charset="-128"/>
+                <a:cs typeface="メイリオ" panose="020B0604030504040204" pitchFamily="50" charset="-128"/>
+              </a:rPr>
+              <a:t/>
+            </a:r>
+            <a:br>
+              <a:rPr kumimoji="1" lang="en-US" altLang="ja-JP" sz="1200" dirty="0" smtClean="0">
+                <a:latin typeface="メイリオ" panose="020B0604030504040204" pitchFamily="50" charset="-128"/>
+                <a:ea typeface="メイリオ" panose="020B0604030504040204" pitchFamily="50" charset="-128"/>
+                <a:cs typeface="メイリオ" panose="020B0604030504040204" pitchFamily="50" charset="-128"/>
+              </a:rPr>
+            </a:br>
+            <a:r>
+              <a:rPr kumimoji="1" lang="ja-JP" altLang="en-US" sz="1200" dirty="0" smtClean="0">
+                <a:latin typeface="メイリオ" panose="020B0604030504040204" pitchFamily="50" charset="-128"/>
+                <a:ea typeface="メイリオ" panose="020B0604030504040204" pitchFamily="50" charset="-128"/>
+                <a:cs typeface="メイリオ" panose="020B0604030504040204" pitchFamily="50" charset="-128"/>
+              </a:rPr>
+              <a:t>これによって、安定した走行を実現させる</a:t>
+            </a:r>
+            <a:endParaRPr kumimoji="1" lang="ja-JP" altLang="en-US" sz="1200" dirty="0">
+              <a:latin typeface="メイリオ" panose="020B0604030504040204" pitchFamily="50" charset="-128"/>
+              <a:ea typeface="メイリオ" panose="020B0604030504040204" pitchFamily="50" charset="-128"/>
+              <a:cs typeface="メイリオ" panose="020B0604030504040204" pitchFamily="50" charset="-128"/>
+            </a:endParaRPr>
+          </a:p>
+        </p:txBody>
+      </p:sp>
+      <p:grpSp>
+        <p:nvGrpSpPr>
+          <p:cNvPr id="409" name="グループ化 408"/>
+          <p:cNvGrpSpPr/>
+          <p:nvPr/>
+        </p:nvGrpSpPr>
+        <p:grpSpPr>
+          <a:xfrm>
+            <a:off x="266750" y="2063907"/>
+            <a:ext cx="3972652" cy="3973129"/>
+            <a:chOff x="-1260648" y="1301975"/>
+            <a:chExt cx="3972652" cy="3973129"/>
+          </a:xfrm>
+        </p:grpSpPr>
+        <p:sp>
+          <p:nvSpPr>
+            <p:cNvPr id="410" name="円弧 409"/>
+            <p:cNvSpPr>
+              <a:spLocks noChangeAspect="1"/>
+            </p:cNvSpPr>
+            <p:nvPr/>
+          </p:nvSpPr>
+          <p:spPr>
+            <a:xfrm>
+              <a:off x="-1030528" y="1546789"/>
+              <a:ext cx="3437732" cy="3438145"/>
+            </a:xfrm>
+            <a:prstGeom prst="arc">
+              <a:avLst>
+                <a:gd name="adj1" fmla="val 12522286"/>
+                <a:gd name="adj2" fmla="val 14896127"/>
+              </a:avLst>
+            </a:prstGeom>
+            <a:ln w="19050">
+              <a:solidFill>
+                <a:schemeClr val="tx1"/>
+              </a:solidFill>
+              <a:prstDash val="solid"/>
+            </a:ln>
+          </p:spPr>
+          <p:style>
+            <a:lnRef idx="1">
+              <a:schemeClr val="accent1"/>
+            </a:lnRef>
+            <a:fillRef idx="0">
+              <a:schemeClr val="accent1"/>
+            </a:fillRef>
+            <a:effectRef idx="0">
+              <a:schemeClr val="accent1"/>
+            </a:effectRef>
+            <a:fontRef idx="minor">
+              <a:schemeClr val="tx1"/>
+            </a:fontRef>
+          </p:style>
+          <p:txBody>
+            <a:bodyPr rtlCol="0" anchor="ctr"/>
+            <a:lstStyle/>
+            <a:p>
+              <a:pPr algn="ctr"/>
+              <a:endParaRPr kumimoji="1" lang="ja-JP" altLang="en-US"/>
+            </a:p>
+          </p:txBody>
+        </p:sp>
+        <p:sp>
+          <p:nvSpPr>
+            <p:cNvPr id="411" name="円弧 410"/>
+            <p:cNvSpPr>
+              <a:spLocks noChangeAspect="1"/>
+            </p:cNvSpPr>
+            <p:nvPr/>
+          </p:nvSpPr>
+          <p:spPr>
+            <a:xfrm>
+              <a:off x="-878128" y="1699189"/>
+              <a:ext cx="3437732" cy="3438145"/>
+            </a:xfrm>
+            <a:prstGeom prst="arc">
+              <a:avLst>
+                <a:gd name="adj1" fmla="val 12922278"/>
+                <a:gd name="adj2" fmla="val 14485159"/>
+              </a:avLst>
+            </a:prstGeom>
+            <a:ln w="19050">
+              <a:solidFill>
+                <a:srgbClr val="FF0000"/>
+              </a:solidFill>
+              <a:prstDash val="solid"/>
+              <a:headEnd type="triangle" w="med" len="med"/>
+              <a:tailEnd type="none" w="med" len="med"/>
+            </a:ln>
+          </p:spPr>
+          <p:style>
+            <a:lnRef idx="1">
+              <a:schemeClr val="accent1"/>
+            </a:lnRef>
+            <a:fillRef idx="0">
+              <a:schemeClr val="accent1"/>
+            </a:fillRef>
+            <a:effectRef idx="0">
+              <a:schemeClr val="accent1"/>
+            </a:effectRef>
+            <a:fontRef idx="minor">
+              <a:schemeClr val="tx1"/>
+            </a:fontRef>
+          </p:style>
+          <p:txBody>
+            <a:bodyPr rtlCol="0" anchor="ctr"/>
+            <a:lstStyle/>
+            <a:p>
+              <a:pPr algn="ctr"/>
+              <a:endParaRPr kumimoji="1" lang="ja-JP" altLang="en-US"/>
+            </a:p>
+          </p:txBody>
+        </p:sp>
+        <p:sp>
+          <p:nvSpPr>
+            <p:cNvPr id="412" name="円弧 411"/>
+            <p:cNvSpPr>
+              <a:spLocks noChangeAspect="1"/>
+            </p:cNvSpPr>
+            <p:nvPr/>
+          </p:nvSpPr>
+          <p:spPr>
+            <a:xfrm>
+              <a:off x="-1260648" y="1301975"/>
+              <a:ext cx="3972652" cy="3973129"/>
+            </a:xfrm>
+            <a:prstGeom prst="arc">
+              <a:avLst>
+                <a:gd name="adj1" fmla="val 12837570"/>
+                <a:gd name="adj2" fmla="val 14621218"/>
+              </a:avLst>
+            </a:prstGeom>
+            <a:ln w="19050">
+              <a:solidFill>
+                <a:srgbClr val="0066FF"/>
+              </a:solidFill>
+              <a:prstDash val="solid"/>
+              <a:headEnd type="triangle" w="med" len="med"/>
+              <a:tailEnd type="none" w="med" len="med"/>
+            </a:ln>
+          </p:spPr>
+          <p:style>
+            <a:lnRef idx="1">
+              <a:schemeClr val="accent1"/>
+            </a:lnRef>
+            <a:fillRef idx="0">
+              <a:schemeClr val="accent1"/>
+            </a:fillRef>
+            <a:effectRef idx="0">
+              <a:schemeClr val="accent1"/>
+            </a:effectRef>
+            <a:fontRef idx="minor">
+              <a:schemeClr val="tx1"/>
+            </a:fontRef>
+          </p:style>
+          <p:txBody>
+            <a:bodyPr rtlCol="0" anchor="ctr"/>
+            <a:lstStyle/>
+            <a:p>
+              <a:pPr algn="ctr"/>
+              <a:endParaRPr kumimoji="1" lang="ja-JP" altLang="en-US"/>
+            </a:p>
+          </p:txBody>
+        </p:sp>
+        <p:grpSp>
+          <p:nvGrpSpPr>
+            <p:cNvPr id="413" name="グループ化 412"/>
+            <p:cNvGrpSpPr/>
+            <p:nvPr/>
+          </p:nvGrpSpPr>
+          <p:grpSpPr>
+            <a:xfrm>
+              <a:off x="-1089656" y="1457792"/>
+              <a:ext cx="1945879" cy="1881870"/>
+              <a:chOff x="2134702" y="1359657"/>
+              <a:chExt cx="1945879" cy="1881870"/>
+            </a:xfrm>
+          </p:grpSpPr>
+          <p:grpSp>
+            <p:nvGrpSpPr>
+              <p:cNvPr id="414" name="グループ化 413"/>
+              <p:cNvGrpSpPr/>
+              <p:nvPr/>
+            </p:nvGrpSpPr>
+            <p:grpSpPr>
+              <a:xfrm rot="3857177">
+                <a:off x="2906439" y="1473821"/>
+                <a:ext cx="518504" cy="290176"/>
+                <a:chOff x="7585665" y="2266306"/>
+                <a:chExt cx="737632" cy="412808"/>
+              </a:xfrm>
+            </p:grpSpPr>
+            <p:sp>
+              <p:nvSpPr>
+                <p:cNvPr id="437" name="角丸四角形 436"/>
+                <p:cNvSpPr/>
+                <p:nvPr/>
+              </p:nvSpPr>
+              <p:spPr>
+                <a:xfrm>
+                  <a:off x="7585665" y="2266306"/>
+                  <a:ext cx="102120" cy="403990"/>
+                </a:xfrm>
+                <a:prstGeom prst="roundRect">
+                  <a:avLst>
+                    <a:gd name="adj" fmla="val 50000"/>
+                  </a:avLst>
+                </a:prstGeom>
+                <a:solidFill>
+                  <a:schemeClr val="bg2">
+                    <a:lumMod val="50000"/>
+                  </a:schemeClr>
+                </a:solidFill>
+                <a:ln>
+                  <a:solidFill>
+                    <a:schemeClr val="tx1"/>
+                  </a:solidFill>
+                </a:ln>
+              </p:spPr>
+              <p:style>
+                <a:lnRef idx="2">
+                  <a:schemeClr val="accent1">
+                    <a:shade val="50000"/>
+                  </a:schemeClr>
+                </a:lnRef>
+                <a:fillRef idx="1">
+                  <a:schemeClr val="accent1"/>
+                </a:fillRef>
+                <a:effectRef idx="0">
+                  <a:schemeClr val="accent1"/>
+                </a:effectRef>
+                <a:fontRef idx="minor">
+                  <a:schemeClr val="lt1"/>
+                </a:fontRef>
+              </p:style>
+              <p:txBody>
+                <a:bodyPr rtlCol="0" anchor="ctr"/>
+                <a:lstStyle/>
+                <a:p>
+                  <a:pPr algn="ctr"/>
+                  <a:endParaRPr kumimoji="1" lang="ja-JP" altLang="en-US" dirty="0">
+                    <a:latin typeface="HG丸ｺﾞｼｯｸM-PRO" panose="020F0600000000000000" pitchFamily="50" charset="-128"/>
+                    <a:ea typeface="HG丸ｺﾞｼｯｸM-PRO" panose="020F0600000000000000" pitchFamily="50" charset="-128"/>
+                  </a:endParaRPr>
+                </a:p>
+              </p:txBody>
+            </p:sp>
+            <p:sp>
+              <p:nvSpPr>
+                <p:cNvPr id="438" name="角丸四角形 437"/>
+                <p:cNvSpPr/>
+                <p:nvPr/>
+              </p:nvSpPr>
+              <p:spPr>
+                <a:xfrm>
+                  <a:off x="8221177" y="2275124"/>
+                  <a:ext cx="102120" cy="403990"/>
+                </a:xfrm>
+                <a:prstGeom prst="roundRect">
+                  <a:avLst>
+                    <a:gd name="adj" fmla="val 50000"/>
+                  </a:avLst>
+                </a:prstGeom>
+                <a:solidFill>
+                  <a:schemeClr val="bg2">
+                    <a:lumMod val="50000"/>
+                  </a:schemeClr>
+                </a:solidFill>
+                <a:ln>
+                  <a:solidFill>
+                    <a:schemeClr val="tx1"/>
+                  </a:solidFill>
+                </a:ln>
+              </p:spPr>
+              <p:style>
+                <a:lnRef idx="2">
+                  <a:schemeClr val="accent1">
+                    <a:shade val="50000"/>
+                  </a:schemeClr>
+                </a:lnRef>
+                <a:fillRef idx="1">
+                  <a:schemeClr val="accent1"/>
+                </a:fillRef>
+                <a:effectRef idx="0">
+                  <a:schemeClr val="accent1"/>
+                </a:effectRef>
+                <a:fontRef idx="minor">
+                  <a:schemeClr val="lt1"/>
+                </a:fontRef>
+              </p:style>
+              <p:txBody>
+                <a:bodyPr rtlCol="0" anchor="ctr"/>
+                <a:lstStyle/>
+                <a:p>
+                  <a:pPr algn="ctr"/>
+                  <a:endParaRPr kumimoji="1" lang="ja-JP" altLang="en-US" dirty="0">
+                    <a:latin typeface="HG丸ｺﾞｼｯｸM-PRO" panose="020F0600000000000000" pitchFamily="50" charset="-128"/>
+                    <a:ea typeface="HG丸ｺﾞｼｯｸM-PRO" panose="020F0600000000000000" pitchFamily="50" charset="-128"/>
+                  </a:endParaRPr>
+                </a:p>
+              </p:txBody>
+            </p:sp>
+            <p:sp>
+              <p:nvSpPr>
+                <p:cNvPr id="439" name="正方形/長方形 438"/>
+                <p:cNvSpPr/>
+                <p:nvPr/>
+              </p:nvSpPr>
+              <p:spPr>
+                <a:xfrm>
+                  <a:off x="7681436" y="2447194"/>
+                  <a:ext cx="535374" cy="45719"/>
+                </a:xfrm>
+                <a:prstGeom prst="rect">
+                  <a:avLst/>
+                </a:prstGeom>
+                <a:solidFill>
+                  <a:schemeClr val="accent1">
+                    <a:lumMod val="20000"/>
+                    <a:lumOff val="80000"/>
+                  </a:schemeClr>
+                </a:solidFill>
+                <a:ln w="12700">
+                  <a:solidFill>
+                    <a:schemeClr val="tx1">
+                      <a:lumMod val="75000"/>
+                      <a:lumOff val="25000"/>
+                    </a:schemeClr>
+                  </a:solidFill>
+                </a:ln>
+              </p:spPr>
+              <p:style>
+                <a:lnRef idx="2">
+                  <a:schemeClr val="accent1">
+                    <a:shade val="50000"/>
+                  </a:schemeClr>
+                </a:lnRef>
+                <a:fillRef idx="1">
+                  <a:schemeClr val="accent1"/>
+                </a:fillRef>
+                <a:effectRef idx="0">
+                  <a:schemeClr val="accent1"/>
+                </a:effectRef>
+                <a:fontRef idx="minor">
+                  <a:schemeClr val="lt1"/>
+                </a:fontRef>
+              </p:style>
+              <p:txBody>
+                <a:bodyPr rtlCol="0" anchor="ctr"/>
+                <a:lstStyle/>
+                <a:p>
+                  <a:pPr algn="ctr"/>
+                  <a:endParaRPr kumimoji="1" lang="ja-JP" altLang="en-US" dirty="0">
+                    <a:latin typeface="HG丸ｺﾞｼｯｸM-PRO" panose="020F0600000000000000" pitchFamily="50" charset="-128"/>
+                    <a:ea typeface="HG丸ｺﾞｼｯｸM-PRO" panose="020F0600000000000000" pitchFamily="50" charset="-128"/>
+                  </a:endParaRPr>
+                </a:p>
+              </p:txBody>
+            </p:sp>
+          </p:grpSp>
+          <p:grpSp>
+            <p:nvGrpSpPr>
+              <p:cNvPr id="415" name="グループ化 414"/>
+              <p:cNvGrpSpPr/>
+              <p:nvPr/>
+            </p:nvGrpSpPr>
+            <p:grpSpPr>
+              <a:xfrm rot="2053306">
+                <a:off x="2216187" y="2050455"/>
+                <a:ext cx="518504" cy="290176"/>
+                <a:chOff x="7585665" y="2266306"/>
+                <a:chExt cx="737632" cy="412808"/>
+              </a:xfrm>
+            </p:grpSpPr>
+            <p:sp>
+              <p:nvSpPr>
+                <p:cNvPr id="434" name="角丸四角形 433"/>
+                <p:cNvSpPr/>
+                <p:nvPr/>
+              </p:nvSpPr>
+              <p:spPr>
+                <a:xfrm>
+                  <a:off x="7585665" y="2266306"/>
+                  <a:ext cx="102120" cy="403990"/>
+                </a:xfrm>
+                <a:prstGeom prst="roundRect">
+                  <a:avLst>
+                    <a:gd name="adj" fmla="val 50000"/>
+                  </a:avLst>
+                </a:prstGeom>
+                <a:solidFill>
+                  <a:schemeClr val="bg2">
+                    <a:lumMod val="50000"/>
+                  </a:schemeClr>
+                </a:solidFill>
+                <a:ln>
+                  <a:solidFill>
+                    <a:schemeClr val="tx1"/>
+                  </a:solidFill>
+                </a:ln>
+              </p:spPr>
+              <p:style>
+                <a:lnRef idx="2">
+                  <a:schemeClr val="accent1">
+                    <a:shade val="50000"/>
+                  </a:schemeClr>
+                </a:lnRef>
+                <a:fillRef idx="1">
+                  <a:schemeClr val="accent1"/>
+                </a:fillRef>
+                <a:effectRef idx="0">
+                  <a:schemeClr val="accent1"/>
+                </a:effectRef>
+                <a:fontRef idx="minor">
+                  <a:schemeClr val="lt1"/>
+                </a:fontRef>
+              </p:style>
+              <p:txBody>
+                <a:bodyPr rtlCol="0" anchor="ctr"/>
+                <a:lstStyle/>
+                <a:p>
+                  <a:pPr algn="ctr"/>
+                  <a:endParaRPr kumimoji="1" lang="ja-JP" altLang="en-US" dirty="0">
+                    <a:latin typeface="HG丸ｺﾞｼｯｸM-PRO" panose="020F0600000000000000" pitchFamily="50" charset="-128"/>
+                    <a:ea typeface="HG丸ｺﾞｼｯｸM-PRO" panose="020F0600000000000000" pitchFamily="50" charset="-128"/>
+                  </a:endParaRPr>
+                </a:p>
+              </p:txBody>
+            </p:sp>
+            <p:sp>
+              <p:nvSpPr>
+                <p:cNvPr id="435" name="角丸四角形 434"/>
+                <p:cNvSpPr/>
+                <p:nvPr/>
+              </p:nvSpPr>
+              <p:spPr>
+                <a:xfrm>
+                  <a:off x="8221177" y="2275124"/>
+                  <a:ext cx="102120" cy="403990"/>
+                </a:xfrm>
+                <a:prstGeom prst="roundRect">
+                  <a:avLst>
+                    <a:gd name="adj" fmla="val 50000"/>
+                  </a:avLst>
+                </a:prstGeom>
+                <a:solidFill>
+                  <a:schemeClr val="bg2">
+                    <a:lumMod val="50000"/>
+                  </a:schemeClr>
+                </a:solidFill>
+                <a:ln>
+                  <a:solidFill>
+                    <a:schemeClr val="tx1"/>
+                  </a:solidFill>
+                </a:ln>
+              </p:spPr>
+              <p:style>
+                <a:lnRef idx="2">
+                  <a:schemeClr val="accent1">
+                    <a:shade val="50000"/>
+                  </a:schemeClr>
+                </a:lnRef>
+                <a:fillRef idx="1">
+                  <a:schemeClr val="accent1"/>
+                </a:fillRef>
+                <a:effectRef idx="0">
+                  <a:schemeClr val="accent1"/>
+                </a:effectRef>
+                <a:fontRef idx="minor">
+                  <a:schemeClr val="lt1"/>
+                </a:fontRef>
+              </p:style>
+              <p:txBody>
+                <a:bodyPr rtlCol="0" anchor="ctr"/>
+                <a:lstStyle/>
+                <a:p>
+                  <a:pPr algn="ctr"/>
+                  <a:endParaRPr kumimoji="1" lang="ja-JP" altLang="en-US" dirty="0">
+                    <a:latin typeface="HG丸ｺﾞｼｯｸM-PRO" panose="020F0600000000000000" pitchFamily="50" charset="-128"/>
+                    <a:ea typeface="HG丸ｺﾞｼｯｸM-PRO" panose="020F0600000000000000" pitchFamily="50" charset="-128"/>
+                  </a:endParaRPr>
+                </a:p>
+              </p:txBody>
+            </p:sp>
+            <p:sp>
+              <p:nvSpPr>
+                <p:cNvPr id="436" name="正方形/長方形 435"/>
+                <p:cNvSpPr/>
+                <p:nvPr/>
+              </p:nvSpPr>
+              <p:spPr>
+                <a:xfrm>
+                  <a:off x="7681437" y="2447194"/>
+                  <a:ext cx="544847" cy="57104"/>
+                </a:xfrm>
+                <a:prstGeom prst="rect">
+                  <a:avLst/>
+                </a:prstGeom>
+                <a:solidFill>
+                  <a:schemeClr val="accent1">
+                    <a:lumMod val="20000"/>
+                    <a:lumOff val="80000"/>
+                  </a:schemeClr>
+                </a:solidFill>
+                <a:ln w="12700">
+                  <a:solidFill>
+                    <a:schemeClr val="tx1">
+                      <a:lumMod val="75000"/>
+                      <a:lumOff val="25000"/>
+                    </a:schemeClr>
+                  </a:solidFill>
+                </a:ln>
+              </p:spPr>
+              <p:style>
+                <a:lnRef idx="2">
+                  <a:schemeClr val="accent1">
+                    <a:shade val="50000"/>
+                  </a:schemeClr>
+                </a:lnRef>
+                <a:fillRef idx="1">
+                  <a:schemeClr val="accent1"/>
+                </a:fillRef>
+                <a:effectRef idx="0">
+                  <a:schemeClr val="accent1"/>
+                </a:effectRef>
+                <a:fontRef idx="minor">
+                  <a:schemeClr val="lt1"/>
+                </a:fontRef>
+              </p:style>
+              <p:txBody>
+                <a:bodyPr rtlCol="0" anchor="ctr"/>
+                <a:lstStyle/>
+                <a:p>
+                  <a:pPr algn="ctr"/>
+                  <a:endParaRPr kumimoji="1" lang="ja-JP" altLang="en-US" dirty="0">
+                    <a:latin typeface="HG丸ｺﾞｼｯｸM-PRO" panose="020F0600000000000000" pitchFamily="50" charset="-128"/>
+                    <a:ea typeface="HG丸ｺﾞｼｯｸM-PRO" panose="020F0600000000000000" pitchFamily="50" charset="-128"/>
+                  </a:endParaRPr>
+                </a:p>
+              </p:txBody>
+            </p:sp>
+          </p:grpSp>
+          <p:cxnSp>
+            <p:nvCxnSpPr>
+              <p:cNvPr id="416" name="直線コネクタ 415"/>
+              <p:cNvCxnSpPr>
+                <a:stCxn id="422" idx="1"/>
+              </p:cNvCxnSpPr>
+              <p:nvPr/>
+            </p:nvCxnSpPr>
+            <p:spPr>
+              <a:xfrm>
+                <a:off x="3156560" y="1594070"/>
+                <a:ext cx="733256" cy="1569519"/>
+              </a:xfrm>
+              <a:prstGeom prst="line">
+                <a:avLst/>
+              </a:prstGeom>
+              <a:ln w="12700">
+                <a:solidFill>
+                  <a:schemeClr val="tx1"/>
+                </a:solidFill>
+                <a:prstDash val="sysDash"/>
+              </a:ln>
+            </p:spPr>
+            <p:style>
+              <a:lnRef idx="1">
+                <a:schemeClr val="accent1"/>
+              </a:lnRef>
+              <a:fillRef idx="0">
+                <a:schemeClr val="accent1"/>
+              </a:fillRef>
+              <a:effectRef idx="0">
+                <a:schemeClr val="accent1"/>
+              </a:effectRef>
+              <a:fontRef idx="minor">
+                <a:schemeClr val="tx1"/>
+              </a:fontRef>
+            </p:style>
+          </p:cxnSp>
+          <p:cxnSp>
+            <p:nvCxnSpPr>
+              <p:cNvPr id="417" name="直線コネクタ 416"/>
+              <p:cNvCxnSpPr>
+                <a:stCxn id="421" idx="3"/>
+              </p:cNvCxnSpPr>
+              <p:nvPr/>
+            </p:nvCxnSpPr>
+            <p:spPr>
+              <a:xfrm>
+                <a:off x="2470681" y="2195607"/>
+                <a:ext cx="1419135" cy="972119"/>
+              </a:xfrm>
+              <a:prstGeom prst="line">
+                <a:avLst/>
+              </a:prstGeom>
+              <a:ln w="12700">
+                <a:solidFill>
+                  <a:schemeClr val="tx1"/>
+                </a:solidFill>
+                <a:prstDash val="sysDash"/>
+              </a:ln>
+            </p:spPr>
+            <p:style>
+              <a:lnRef idx="1">
+                <a:schemeClr val="accent1"/>
+              </a:lnRef>
+              <a:fillRef idx="0">
+                <a:schemeClr val="accent1"/>
+              </a:fillRef>
+              <a:effectRef idx="0">
+                <a:schemeClr val="accent1"/>
+              </a:effectRef>
+              <a:fontRef idx="minor">
+                <a:schemeClr val="tx1"/>
+              </a:fontRef>
+            </p:style>
+          </p:cxnSp>
+          <p:sp>
+            <p:nvSpPr>
+              <p:cNvPr id="418" name="円弧 417"/>
+              <p:cNvSpPr>
+                <a:spLocks noChangeAspect="1"/>
+              </p:cNvSpPr>
+              <p:nvPr/>
+            </p:nvSpPr>
+            <p:spPr>
+              <a:xfrm rot="4574878">
+                <a:off x="3645744" y="2907387"/>
+                <a:ext cx="334120" cy="334160"/>
+              </a:xfrm>
+              <a:prstGeom prst="arc">
+                <a:avLst>
+                  <a:gd name="adj1" fmla="val 7753775"/>
+                  <a:gd name="adj2" fmla="val 10981213"/>
+                </a:avLst>
+              </a:prstGeom>
+              <a:ln w="19050">
+                <a:solidFill>
+                  <a:schemeClr val="tx1"/>
+                </a:solidFill>
+                <a:prstDash val="solid"/>
+              </a:ln>
+            </p:spPr>
+            <p:style>
+              <a:lnRef idx="1">
+                <a:schemeClr val="accent1"/>
+              </a:lnRef>
+              <a:fillRef idx="0">
+                <a:schemeClr val="accent1"/>
+              </a:fillRef>
+              <a:effectRef idx="0">
+                <a:schemeClr val="accent1"/>
+              </a:effectRef>
+              <a:fontRef idx="minor">
+                <a:schemeClr val="tx1"/>
+              </a:fontRef>
+            </p:style>
+            <p:txBody>
+              <a:bodyPr rtlCol="0" anchor="ctr"/>
+              <a:lstStyle/>
+              <a:p>
+                <a:pPr algn="ctr"/>
+                <a:endParaRPr kumimoji="1" lang="ja-JP" altLang="en-US"/>
+              </a:p>
+            </p:txBody>
+          </p:sp>
+          <mc:AlternateContent xmlns:mc="http://schemas.openxmlformats.org/markup-compatibility/2006" xmlns:a14="http://schemas.microsoft.com/office/drawing/2010/main">
+            <mc:Choice Requires="a14">
+              <p:sp>
+                <p:nvSpPr>
+                  <p:cNvPr id="419" name="テキスト ボックス 418"/>
+                  <p:cNvSpPr txBox="1"/>
+                  <p:nvPr/>
+                </p:nvSpPr>
+                <p:spPr>
+                  <a:xfrm>
+                    <a:off x="3414897" y="2706775"/>
+                    <a:ext cx="398819" cy="215431"/>
+                  </a:xfrm>
+                  <a:prstGeom prst="rect">
+                    <a:avLst/>
+                  </a:prstGeom>
+                  <a:noFill/>
+                </p:spPr>
+                <p:txBody>
+                  <a:bodyPr wrap="square" lIns="91428" tIns="45714" rIns="91428" bIns="45714" rtlCol="0">
+                    <a:spAutoFit/>
+                  </a:bodyPr>
+                  <a:lstStyle/>
+                  <a:p>
+                    <a:pPr/>
+                    <a14:m>
+                      <m:oMathPara xmlns:m="http://schemas.openxmlformats.org/officeDocument/2006/math">
+                        <m:oMathParaPr>
+                          <m:jc m:val="centerGroup"/>
+                        </m:oMathParaPr>
+                        <m:oMath xmlns:m="http://schemas.openxmlformats.org/officeDocument/2006/math">
+                          <m:r>
+                            <a:rPr lang="ja-JP" altLang="en-US" sz="800" i="1" smtClean="0">
+                              <a:latin typeface="Cambria Math"/>
+                              <a:ea typeface="HG丸ｺﾞｼｯｸM-PRO" panose="020F0600000000000000" pitchFamily="50" charset="-128"/>
+                            </a:rPr>
+                            <m:t>∆</m:t>
+                          </m:r>
+                          <m:r>
+                            <a:rPr lang="ja-JP" altLang="en-US" sz="800" i="1" smtClean="0">
+                              <a:latin typeface="Cambria Math"/>
+                              <a:ea typeface="HG丸ｺﾞｼｯｸM-PRO" panose="020F0600000000000000" pitchFamily="50" charset="-128"/>
+                            </a:rPr>
+                            <m:t>𝜃</m:t>
+                          </m:r>
+                        </m:oMath>
+                      </m:oMathPara>
+                    </a14:m>
+                    <a:endParaRPr lang="ja-JP" altLang="en-US" sz="800" dirty="0">
+                      <a:latin typeface="HG丸ｺﾞｼｯｸM-PRO" panose="020F0600000000000000" pitchFamily="50" charset="-128"/>
+                      <a:ea typeface="HG丸ｺﾞｼｯｸM-PRO" panose="020F0600000000000000" pitchFamily="50" charset="-128"/>
+                    </a:endParaRPr>
+                  </a:p>
+                </p:txBody>
+              </p:sp>
+            </mc:Choice>
+            <mc:Fallback xmlns="">
+              <p:sp>
+                <p:nvSpPr>
+                  <p:cNvPr id="20" name="テキスト ボックス 19"/>
+                  <p:cNvSpPr txBox="1">
+                    <a:spLocks noRot="1" noChangeAspect="1" noMove="1" noResize="1" noEditPoints="1" noAdjustHandles="1" noChangeArrowheads="1" noChangeShapeType="1" noTextEdit="1"/>
+                  </p:cNvSpPr>
+                  <p:nvPr/>
+                </p:nvSpPr>
+                <p:spPr>
+                  <a:xfrm>
+                    <a:off x="3414897" y="2706775"/>
+                    <a:ext cx="398819" cy="215431"/>
+                  </a:xfrm>
+                  <a:prstGeom prst="rect">
+                    <a:avLst/>
+                  </a:prstGeom>
+                  <a:blipFill rotWithShape="0">
+                    <a:blip r:embed="rId9"/>
+                    <a:stretch>
+                      <a:fillRect/>
+                    </a:stretch>
+                  </a:blipFill>
+                </p:spPr>
+                <p:txBody>
+                  <a:bodyPr/>
+                  <a:lstStyle/>
+                  <a:p>
+                    <a:r>
+                      <a:rPr lang="ja-JP" altLang="en-US">
+                        <a:noFill/>
+                      </a:rPr>
+                      <a:t> </a:t>
+                    </a:r>
+                  </a:p>
+                </p:txBody>
+              </p:sp>
+            </mc:Fallback>
+          </mc:AlternateContent>
+          <p:cxnSp>
+            <p:nvCxnSpPr>
+              <p:cNvPr id="420" name="直線矢印コネクタ 419"/>
+              <p:cNvCxnSpPr/>
+              <p:nvPr/>
+            </p:nvCxnSpPr>
+            <p:spPr>
+              <a:xfrm flipH="1">
+                <a:off x="2505288" y="2204864"/>
+                <a:ext cx="648000" cy="0"/>
+              </a:xfrm>
+              <a:prstGeom prst="straightConnector1">
+                <a:avLst/>
+              </a:prstGeom>
+              <a:ln w="12700">
+                <a:solidFill>
+                  <a:schemeClr val="tx1"/>
+                </a:solidFill>
+                <a:prstDash val="sysDot"/>
+                <a:tailEnd type="arrow" w="sm" len="med"/>
+              </a:ln>
+            </p:spPr>
+            <p:style>
+              <a:lnRef idx="1">
+                <a:schemeClr val="accent1"/>
+              </a:lnRef>
+              <a:fillRef idx="0">
+                <a:schemeClr val="accent1"/>
+              </a:fillRef>
+              <a:effectRef idx="0">
+                <a:schemeClr val="accent1"/>
+              </a:effectRef>
+              <a:fontRef idx="minor">
+                <a:schemeClr val="tx1"/>
+              </a:fontRef>
+            </p:style>
+          </p:cxnSp>
+          <p:sp>
+            <p:nvSpPr>
+              <p:cNvPr id="421" name="円/楕円 420"/>
+              <p:cNvSpPr>
+                <a:spLocks noChangeAspect="1"/>
+              </p:cNvSpPr>
+              <p:nvPr/>
+            </p:nvSpPr>
+            <p:spPr>
+              <a:xfrm rot="4500000">
+                <a:off x="2467066" y="2182104"/>
+                <a:ext cx="54000" cy="54006"/>
+              </a:xfrm>
+              <a:prstGeom prst="ellipse">
+                <a:avLst/>
+              </a:prstGeom>
+              <a:solidFill>
+                <a:schemeClr val="tx1"/>
+              </a:solidFill>
+              <a:ln>
+                <a:noFill/>
+              </a:ln>
+            </p:spPr>
+            <p:style>
+              <a:lnRef idx="2">
+                <a:schemeClr val="accent1">
+                  <a:shade val="50000"/>
+                </a:schemeClr>
+              </a:lnRef>
+              <a:fillRef idx="1">
+                <a:schemeClr val="accent1"/>
+              </a:fillRef>
+              <a:effectRef idx="0">
+                <a:schemeClr val="accent1"/>
+              </a:effectRef>
+              <a:fontRef idx="minor">
+                <a:schemeClr val="lt1"/>
+              </a:fontRef>
+            </p:style>
+            <p:txBody>
+              <a:bodyPr rtlCol="0" anchor="ctr"/>
+              <a:lstStyle/>
+              <a:p>
+                <a:pPr algn="ctr"/>
+                <a:endParaRPr kumimoji="1" lang="ja-JP" altLang="en-US"/>
+              </a:p>
+            </p:txBody>
+          </p:sp>
+          <p:sp>
+            <p:nvSpPr>
+              <p:cNvPr id="422" name="円/楕円 421"/>
+              <p:cNvSpPr>
+                <a:spLocks noChangeAspect="1"/>
+              </p:cNvSpPr>
+              <p:nvPr/>
+            </p:nvSpPr>
+            <p:spPr>
+              <a:xfrm rot="900000">
+                <a:off x="3143060" y="1590452"/>
+                <a:ext cx="54000" cy="54006"/>
+              </a:xfrm>
+              <a:prstGeom prst="ellipse">
+                <a:avLst/>
+              </a:prstGeom>
+              <a:solidFill>
+                <a:schemeClr val="tx1"/>
+              </a:solidFill>
+              <a:ln>
+                <a:noFill/>
+              </a:ln>
+            </p:spPr>
+            <p:style>
+              <a:lnRef idx="2">
+                <a:schemeClr val="accent1">
+                  <a:shade val="50000"/>
+                </a:schemeClr>
+              </a:lnRef>
+              <a:fillRef idx="1">
+                <a:schemeClr val="accent1"/>
+              </a:fillRef>
+              <a:effectRef idx="0">
+                <a:schemeClr val="accent1"/>
+              </a:effectRef>
+              <a:fontRef idx="minor">
+                <a:schemeClr val="lt1"/>
+              </a:fontRef>
+            </p:style>
+            <p:txBody>
+              <a:bodyPr rtlCol="0" anchor="ctr"/>
+              <a:lstStyle/>
+              <a:p>
+                <a:pPr algn="ctr"/>
+                <a:endParaRPr kumimoji="1" lang="ja-JP" altLang="en-US"/>
+              </a:p>
+            </p:txBody>
+          </p:sp>
+          <p:cxnSp>
+            <p:nvCxnSpPr>
+              <p:cNvPr id="423" name="直線矢印コネクタ 422"/>
+              <p:cNvCxnSpPr/>
+              <p:nvPr/>
+            </p:nvCxnSpPr>
+            <p:spPr>
+              <a:xfrm>
+                <a:off x="3170188" y="1669528"/>
+                <a:ext cx="0" cy="539579"/>
+              </a:xfrm>
+              <a:prstGeom prst="straightConnector1">
+                <a:avLst/>
+              </a:prstGeom>
+              <a:ln w="12700">
+                <a:solidFill>
+                  <a:schemeClr val="tx1"/>
+                </a:solidFill>
+                <a:prstDash val="sysDot"/>
+                <a:tailEnd type="arrow" w="sm" len="med"/>
+              </a:ln>
+            </p:spPr>
+            <p:style>
+              <a:lnRef idx="1">
+                <a:schemeClr val="accent1"/>
+              </a:lnRef>
+              <a:fillRef idx="0">
+                <a:schemeClr val="accent1"/>
+              </a:fillRef>
+              <a:effectRef idx="0">
+                <a:schemeClr val="accent1"/>
+              </a:effectRef>
+              <a:fontRef idx="minor">
+                <a:schemeClr val="tx1"/>
+              </a:fontRef>
+            </p:style>
+          </p:cxnSp>
+          <mc:AlternateContent xmlns:mc="http://schemas.openxmlformats.org/markup-compatibility/2006" xmlns:a14="http://schemas.microsoft.com/office/drawing/2010/main">
+            <mc:Choice Requires="a14">
+              <p:sp>
+                <p:nvSpPr>
+                  <p:cNvPr id="424" name="テキスト ボックス 423"/>
+                  <p:cNvSpPr txBox="1"/>
+                  <p:nvPr/>
+                </p:nvSpPr>
+                <p:spPr>
+                  <a:xfrm>
+                    <a:off x="2750278" y="2167616"/>
+                    <a:ext cx="343620" cy="230832"/>
+                  </a:xfrm>
+                  <a:prstGeom prst="rect">
+                    <a:avLst/>
+                  </a:prstGeom>
+                  <a:noFill/>
+                </p:spPr>
+                <p:txBody>
+                  <a:bodyPr wrap="none" rtlCol="0">
+                    <a:spAutoFit/>
+                  </a:bodyPr>
+                  <a:lstStyle/>
+                  <a:p>
+                    <a:pPr/>
+                    <a14:m>
+                      <m:oMathPara xmlns:m="http://schemas.openxmlformats.org/officeDocument/2006/math">
+                        <m:oMathParaPr>
+                          <m:jc m:val="centerGroup"/>
+                        </m:oMathParaPr>
+                        <m:oMath xmlns:m="http://schemas.openxmlformats.org/officeDocument/2006/math">
+                          <m:r>
+                            <a:rPr kumimoji="1" lang="ja-JP" altLang="en-US" sz="900" i="1" smtClean="0">
+                              <a:latin typeface="Cambria Math"/>
+                            </a:rPr>
+                            <m:t>∆</m:t>
+                          </m:r>
+                          <m:r>
+                            <a:rPr kumimoji="1" lang="en-US" altLang="ja-JP" sz="900" b="0" i="1" smtClean="0">
+                              <a:latin typeface="Cambria Math"/>
+                            </a:rPr>
+                            <m:t>𝑥</m:t>
+                          </m:r>
+                        </m:oMath>
+                      </m:oMathPara>
+                    </a14:m>
+                    <a:endParaRPr kumimoji="1" lang="ja-JP" altLang="en-US" sz="900" dirty="0"/>
+                  </a:p>
+                </p:txBody>
+              </p:sp>
+            </mc:Choice>
+            <mc:Fallback xmlns="">
+              <p:sp>
+                <p:nvSpPr>
+                  <p:cNvPr id="25" name="テキスト ボックス 24"/>
+                  <p:cNvSpPr txBox="1">
+                    <a:spLocks noRot="1" noChangeAspect="1" noMove="1" noResize="1" noEditPoints="1" noAdjustHandles="1" noChangeArrowheads="1" noChangeShapeType="1" noTextEdit="1"/>
+                  </p:cNvSpPr>
+                  <p:nvPr/>
+                </p:nvSpPr>
+                <p:spPr>
+                  <a:xfrm>
+                    <a:off x="2750278" y="2167616"/>
+                    <a:ext cx="343620" cy="230832"/>
+                  </a:xfrm>
+                  <a:prstGeom prst="rect">
+                    <a:avLst/>
+                  </a:prstGeom>
+                  <a:blipFill rotWithShape="0">
+                    <a:blip r:embed="rId10"/>
+                    <a:stretch>
+                      <a:fillRect/>
+                    </a:stretch>
+                  </a:blipFill>
+                </p:spPr>
+                <p:txBody>
+                  <a:bodyPr/>
+                  <a:lstStyle/>
+                  <a:p>
+                    <a:r>
+                      <a:rPr lang="ja-JP" altLang="en-US">
+                        <a:noFill/>
+                      </a:rPr>
+                      <a:t> </a:t>
+                    </a:r>
+                  </a:p>
+                </p:txBody>
+              </p:sp>
+            </mc:Fallback>
+          </mc:AlternateContent>
+          <mc:AlternateContent xmlns:mc="http://schemas.openxmlformats.org/markup-compatibility/2006" xmlns:a14="http://schemas.microsoft.com/office/drawing/2010/main">
+            <mc:Choice Requires="a14">
+              <p:sp>
+                <p:nvSpPr>
+                  <p:cNvPr id="425" name="テキスト ボックス 424"/>
+                  <p:cNvSpPr txBox="1"/>
+                  <p:nvPr/>
+                </p:nvSpPr>
+                <p:spPr>
+                  <a:xfrm>
+                    <a:off x="2915816" y="1921049"/>
+                    <a:ext cx="345351" cy="230832"/>
+                  </a:xfrm>
+                  <a:prstGeom prst="rect">
+                    <a:avLst/>
+                  </a:prstGeom>
+                  <a:noFill/>
+                </p:spPr>
+                <p:txBody>
+                  <a:bodyPr wrap="none" rtlCol="0">
+                    <a:spAutoFit/>
+                  </a:bodyPr>
+                  <a:lstStyle/>
+                  <a:p>
+                    <a:pPr/>
+                    <a14:m>
+                      <m:oMathPara xmlns:m="http://schemas.openxmlformats.org/officeDocument/2006/math">
+                        <m:oMathParaPr>
+                          <m:jc m:val="centerGroup"/>
+                        </m:oMathParaPr>
+                        <m:oMath xmlns:m="http://schemas.openxmlformats.org/officeDocument/2006/math">
+                          <m:r>
+                            <a:rPr kumimoji="1" lang="ja-JP" altLang="en-US" sz="900" i="1" smtClean="0">
+                              <a:latin typeface="Cambria Math"/>
+                            </a:rPr>
+                            <m:t>∆</m:t>
+                          </m:r>
+                          <m:r>
+                            <a:rPr kumimoji="1" lang="en-US" altLang="ja-JP" sz="900" b="0" i="1" smtClean="0">
+                              <a:latin typeface="Cambria Math"/>
+                            </a:rPr>
+                            <m:t>𝑦</m:t>
+                          </m:r>
+                        </m:oMath>
+                      </m:oMathPara>
+                    </a14:m>
+                    <a:endParaRPr kumimoji="1" lang="ja-JP" altLang="en-US" sz="900" dirty="0"/>
+                  </a:p>
+                </p:txBody>
+              </p:sp>
+            </mc:Choice>
+            <mc:Fallback xmlns="">
+              <p:sp>
+                <p:nvSpPr>
+                  <p:cNvPr id="26" name="テキスト ボックス 25"/>
+                  <p:cNvSpPr txBox="1">
+                    <a:spLocks noRot="1" noChangeAspect="1" noMove="1" noResize="1" noEditPoints="1" noAdjustHandles="1" noChangeArrowheads="1" noChangeShapeType="1" noTextEdit="1"/>
+                  </p:cNvSpPr>
+                  <p:nvPr/>
+                </p:nvSpPr>
+                <p:spPr>
+                  <a:xfrm>
+                    <a:off x="2915816" y="1921049"/>
+                    <a:ext cx="345351" cy="230832"/>
+                  </a:xfrm>
+                  <a:prstGeom prst="rect">
+                    <a:avLst/>
+                  </a:prstGeom>
+                  <a:blipFill rotWithShape="0">
+                    <a:blip r:embed="rId11"/>
+                    <a:stretch>
+                      <a:fillRect/>
+                    </a:stretch>
+                  </a:blipFill>
+                </p:spPr>
+                <p:txBody>
+                  <a:bodyPr/>
+                  <a:lstStyle/>
+                  <a:p>
+                    <a:r>
+                      <a:rPr lang="ja-JP" altLang="en-US">
+                        <a:noFill/>
+                      </a:rPr>
+                      <a:t> </a:t>
+                    </a:r>
+                  </a:p>
+                </p:txBody>
+              </p:sp>
+            </mc:Fallback>
+          </mc:AlternateContent>
+          <p:cxnSp>
+            <p:nvCxnSpPr>
+              <p:cNvPr id="426" name="直線コネクタ 425"/>
+              <p:cNvCxnSpPr/>
+              <p:nvPr/>
+            </p:nvCxnSpPr>
+            <p:spPr>
+              <a:xfrm flipV="1">
+                <a:off x="3146496" y="1448654"/>
+                <a:ext cx="385600" cy="180146"/>
+              </a:xfrm>
+              <a:prstGeom prst="line">
+                <a:avLst/>
+              </a:prstGeom>
+              <a:ln w="12700">
+                <a:solidFill>
+                  <a:schemeClr val="tx1"/>
+                </a:solidFill>
+                <a:prstDash val="sysDash"/>
+              </a:ln>
+            </p:spPr>
+            <p:style>
+              <a:lnRef idx="1">
+                <a:schemeClr val="accent1"/>
+              </a:lnRef>
+              <a:fillRef idx="0">
+                <a:schemeClr val="accent1"/>
+              </a:fillRef>
+              <a:effectRef idx="0">
+                <a:schemeClr val="accent1"/>
+              </a:effectRef>
+              <a:fontRef idx="minor">
+                <a:schemeClr val="tx1"/>
+              </a:fontRef>
+            </p:style>
+          </p:cxnSp>
+          <p:cxnSp>
+            <p:nvCxnSpPr>
+              <p:cNvPr id="427" name="直線コネクタ 426"/>
+              <p:cNvCxnSpPr/>
+              <p:nvPr/>
+            </p:nvCxnSpPr>
+            <p:spPr>
+              <a:xfrm flipV="1">
+                <a:off x="3889816" y="3074467"/>
+                <a:ext cx="190765" cy="89122"/>
+              </a:xfrm>
+              <a:prstGeom prst="line">
+                <a:avLst/>
+              </a:prstGeom>
+              <a:ln w="12700">
+                <a:solidFill>
+                  <a:schemeClr val="tx1"/>
+                </a:solidFill>
+                <a:prstDash val="sysDash"/>
+              </a:ln>
+            </p:spPr>
+            <p:style>
+              <a:lnRef idx="1">
+                <a:schemeClr val="accent1"/>
+              </a:lnRef>
+              <a:fillRef idx="0">
+                <a:schemeClr val="accent1"/>
+              </a:fillRef>
+              <a:effectRef idx="0">
+                <a:schemeClr val="accent1"/>
+              </a:effectRef>
+              <a:fontRef idx="minor">
+                <a:schemeClr val="tx1"/>
+              </a:fontRef>
+            </p:style>
+          </p:cxnSp>
+          <p:cxnSp>
+            <p:nvCxnSpPr>
+              <p:cNvPr id="428" name="直線矢印コネクタ 427"/>
+              <p:cNvCxnSpPr/>
+              <p:nvPr/>
+            </p:nvCxnSpPr>
+            <p:spPr>
+              <a:xfrm>
+                <a:off x="3342954" y="1542385"/>
+                <a:ext cx="697414" cy="1538284"/>
+              </a:xfrm>
+              <a:prstGeom prst="straightConnector1">
+                <a:avLst/>
+              </a:prstGeom>
+              <a:ln w="12700">
+                <a:solidFill>
+                  <a:schemeClr val="tx1"/>
+                </a:solidFill>
+                <a:prstDash val="sysDot"/>
+                <a:headEnd type="arrow" w="sm" len="med"/>
+                <a:tailEnd type="arrow" w="sm" len="med"/>
+              </a:ln>
+            </p:spPr>
+            <p:style>
+              <a:lnRef idx="1">
+                <a:schemeClr val="accent1"/>
+              </a:lnRef>
+              <a:fillRef idx="0">
+                <a:schemeClr val="accent1"/>
+              </a:fillRef>
+              <a:effectRef idx="0">
+                <a:schemeClr val="accent1"/>
+              </a:effectRef>
+              <a:fontRef idx="minor">
+                <a:schemeClr val="tx1"/>
+              </a:fontRef>
+            </p:style>
+          </p:cxnSp>
+          <mc:AlternateContent xmlns:mc="http://schemas.openxmlformats.org/markup-compatibility/2006" xmlns:a14="http://schemas.microsoft.com/office/drawing/2010/main">
+            <mc:Choice Requires="a14">
+              <p:sp>
+                <p:nvSpPr>
+                  <p:cNvPr id="429" name="正方形/長方形 428"/>
+                  <p:cNvSpPr/>
+                  <p:nvPr/>
+                </p:nvSpPr>
+                <p:spPr>
+                  <a:xfrm>
+                    <a:off x="3568532" y="2059894"/>
+                    <a:ext cx="257443" cy="215444"/>
+                  </a:xfrm>
+                  <a:prstGeom prst="rect">
+                    <a:avLst/>
+                  </a:prstGeom>
+                </p:spPr>
+                <p:txBody>
+                  <a:bodyPr wrap="none">
+                    <a:spAutoFit/>
+                  </a:bodyPr>
+                  <a:lstStyle/>
+                  <a:p>
+                    <a:pPr/>
+                    <a14:m>
+                      <m:oMathPara xmlns:m="http://schemas.openxmlformats.org/officeDocument/2006/math">
+                        <m:oMathParaPr>
+                          <m:jc m:val="centerGroup"/>
+                        </m:oMathParaPr>
+                        <m:oMath xmlns:m="http://schemas.openxmlformats.org/officeDocument/2006/math">
+                          <m:r>
+                            <a:rPr lang="en-US" altLang="ja-JP" sz="800" b="0" i="1" smtClean="0">
+                              <a:latin typeface="Cambria Math"/>
+                            </a:rPr>
+                            <m:t>𝑟</m:t>
+                          </m:r>
+                        </m:oMath>
+                      </m:oMathPara>
+                    </a14:m>
+                    <a:endParaRPr lang="ja-JP" altLang="en-US" sz="800" dirty="0"/>
+                  </a:p>
+                </p:txBody>
+              </p:sp>
+            </mc:Choice>
+            <mc:Fallback xmlns="">
+              <p:sp>
+                <p:nvSpPr>
+                  <p:cNvPr id="31" name="正方形/長方形 30"/>
+                  <p:cNvSpPr>
+                    <a:spLocks noRot="1" noChangeAspect="1" noMove="1" noResize="1" noEditPoints="1" noAdjustHandles="1" noChangeArrowheads="1" noChangeShapeType="1" noTextEdit="1"/>
+                  </p:cNvSpPr>
+                  <p:nvPr/>
+                </p:nvSpPr>
+                <p:spPr>
+                  <a:xfrm>
+                    <a:off x="3568532" y="2059894"/>
+                    <a:ext cx="257443" cy="215444"/>
+                  </a:xfrm>
+                  <a:prstGeom prst="rect">
+                    <a:avLst/>
+                  </a:prstGeom>
+                  <a:blipFill rotWithShape="0">
+                    <a:blip r:embed="rId12"/>
+                    <a:stretch>
+                      <a:fillRect/>
+                    </a:stretch>
+                  </a:blipFill>
+                </p:spPr>
+                <p:txBody>
+                  <a:bodyPr/>
+                  <a:lstStyle/>
+                  <a:p>
+                    <a:r>
+                      <a:rPr lang="ja-JP" altLang="en-US">
+                        <a:noFill/>
+                      </a:rPr>
+                      <a:t> </a:t>
+                    </a:r>
+                  </a:p>
+                </p:txBody>
+              </p:sp>
+            </mc:Fallback>
+          </mc:AlternateContent>
+          <mc:AlternateContent xmlns:mc="http://schemas.openxmlformats.org/markup-compatibility/2006" xmlns:a14="http://schemas.microsoft.com/office/drawing/2010/main">
+            <mc:Choice Requires="a14">
+              <p:sp>
+                <p:nvSpPr>
+                  <p:cNvPr id="430" name="正方形/長方形 429"/>
+                  <p:cNvSpPr/>
+                  <p:nvPr/>
+                </p:nvSpPr>
+                <p:spPr>
+                  <a:xfrm>
+                    <a:off x="2134702" y="2346436"/>
+                    <a:ext cx="374333" cy="215444"/>
+                  </a:xfrm>
+                  <a:prstGeom prst="rect">
+                    <a:avLst/>
+                  </a:prstGeom>
+                </p:spPr>
+                <p:txBody>
+                  <a:bodyPr wrap="none">
+                    <a:spAutoFit/>
+                  </a:bodyPr>
+                  <a:lstStyle/>
+                  <a:p>
+                    <a:pPr/>
+                    <a14:m>
+                      <m:oMathPara xmlns:m="http://schemas.openxmlformats.org/officeDocument/2006/math">
+                        <m:oMathParaPr>
+                          <m:jc m:val="centerGroup"/>
+                        </m:oMathParaPr>
+                        <m:oMath xmlns:m="http://schemas.openxmlformats.org/officeDocument/2006/math">
+                          <m:r>
+                            <a:rPr lang="en-US" altLang="ja-JP" sz="800" b="0" i="1" smtClean="0">
+                              <a:latin typeface="Cambria Math"/>
+                              <a:ea typeface="HG丸ｺﾞｼｯｸM-PRO" panose="020F0600000000000000" pitchFamily="50" charset="-128"/>
+                            </a:rPr>
+                            <m:t>2</m:t>
+                          </m:r>
+                          <m:sSub>
+                            <m:sSubPr>
+                              <m:ctrlPr>
+                                <a:rPr lang="en-US" altLang="ja-JP" sz="800" i="1" smtClean="0">
+                                  <a:latin typeface="Cambria Math" panose="02040503050406030204" pitchFamily="18" charset="0"/>
+                                  <a:ea typeface="HG丸ｺﾞｼｯｸM-PRO" panose="020F0600000000000000" pitchFamily="50" charset="-128"/>
+                                </a:rPr>
+                              </m:ctrlPr>
+                            </m:sSubPr>
+                            <m:e>
+                              <m:r>
+                                <a:rPr lang="en-US" altLang="ja-JP" sz="800" b="0" i="1" smtClean="0">
+                                  <a:latin typeface="Cambria Math"/>
+                                  <a:ea typeface="HG丸ｺﾞｼｯｸM-PRO" panose="020F0600000000000000" pitchFamily="50" charset="-128"/>
+                                </a:rPr>
+                                <m:t>𝐿</m:t>
+                              </m:r>
+                            </m:e>
+                            <m:sub>
+                              <m:r>
+                                <a:rPr lang="en-US" altLang="ja-JP" sz="800" b="0" i="1" smtClean="0">
+                                  <a:latin typeface="Cambria Math"/>
+                                  <a:ea typeface="HG丸ｺﾞｼｯｸM-PRO" panose="020F0600000000000000" pitchFamily="50" charset="-128"/>
+                                </a:rPr>
+                                <m:t>𝑇</m:t>
+                              </m:r>
+                            </m:sub>
+                          </m:sSub>
+                        </m:oMath>
+                      </m:oMathPara>
+                    </a14:m>
+                    <a:endParaRPr lang="ja-JP" altLang="en-US" sz="800" dirty="0"/>
+                  </a:p>
+                </p:txBody>
+              </p:sp>
+            </mc:Choice>
+            <mc:Fallback xmlns="">
+              <p:sp>
+                <p:nvSpPr>
+                  <p:cNvPr id="34" name="正方形/長方形 33"/>
+                  <p:cNvSpPr>
+                    <a:spLocks noRot="1" noChangeAspect="1" noMove="1" noResize="1" noEditPoints="1" noAdjustHandles="1" noChangeArrowheads="1" noChangeShapeType="1" noTextEdit="1"/>
+                  </p:cNvSpPr>
+                  <p:nvPr/>
+                </p:nvSpPr>
+                <p:spPr>
+                  <a:xfrm>
+                    <a:off x="2134702" y="2346436"/>
+                    <a:ext cx="374333" cy="215444"/>
+                  </a:xfrm>
+                  <a:prstGeom prst="rect">
+                    <a:avLst/>
+                  </a:prstGeom>
+                  <a:blipFill rotWithShape="0">
+                    <a:blip r:embed="rId13"/>
+                    <a:stretch>
+                      <a:fillRect/>
+                    </a:stretch>
+                  </a:blipFill>
+                </p:spPr>
+                <p:txBody>
+                  <a:bodyPr/>
+                  <a:lstStyle/>
+                  <a:p>
+                    <a:r>
+                      <a:rPr lang="ja-JP" altLang="en-US">
+                        <a:noFill/>
+                      </a:rPr>
+                      <a:t> </a:t>
+                    </a:r>
+                  </a:p>
+                </p:txBody>
+              </p:sp>
+            </mc:Fallback>
+          </mc:AlternateContent>
+          <p:cxnSp>
+            <p:nvCxnSpPr>
+              <p:cNvPr id="431" name="直線コネクタ 430"/>
+              <p:cNvCxnSpPr/>
+              <p:nvPr/>
+            </p:nvCxnSpPr>
+            <p:spPr>
+              <a:xfrm flipV="1">
+                <a:off x="2135037" y="2182916"/>
+                <a:ext cx="83318" cy="122500"/>
+              </a:xfrm>
+              <a:prstGeom prst="line">
+                <a:avLst/>
+              </a:prstGeom>
+              <a:ln w="12700">
+                <a:solidFill>
+                  <a:schemeClr val="tx1"/>
+                </a:solidFill>
+                <a:prstDash val="sysDash"/>
+              </a:ln>
+            </p:spPr>
+            <p:style>
+              <a:lnRef idx="1">
+                <a:schemeClr val="accent1"/>
+              </a:lnRef>
+              <a:fillRef idx="0">
+                <a:schemeClr val="accent1"/>
+              </a:fillRef>
+              <a:effectRef idx="0">
+                <a:schemeClr val="accent1"/>
+              </a:effectRef>
+              <a:fontRef idx="minor">
+                <a:schemeClr val="tx1"/>
+              </a:fontRef>
+            </p:style>
+          </p:cxnSp>
+          <p:cxnSp>
+            <p:nvCxnSpPr>
+              <p:cNvPr id="432" name="直線コネクタ 431"/>
+              <p:cNvCxnSpPr/>
+              <p:nvPr/>
+            </p:nvCxnSpPr>
+            <p:spPr>
+              <a:xfrm flipV="1">
+                <a:off x="2492117" y="2457816"/>
+                <a:ext cx="83318" cy="122500"/>
+              </a:xfrm>
+              <a:prstGeom prst="line">
+                <a:avLst/>
+              </a:prstGeom>
+              <a:ln w="12700">
+                <a:solidFill>
+                  <a:schemeClr val="tx1"/>
+                </a:solidFill>
+                <a:prstDash val="sysDash"/>
+              </a:ln>
+            </p:spPr>
+            <p:style>
+              <a:lnRef idx="1">
+                <a:schemeClr val="accent1"/>
+              </a:lnRef>
+              <a:fillRef idx="0">
+                <a:schemeClr val="accent1"/>
+              </a:fillRef>
+              <a:effectRef idx="0">
+                <a:schemeClr val="accent1"/>
+              </a:effectRef>
+              <a:fontRef idx="minor">
+                <a:schemeClr val="tx1"/>
+              </a:fontRef>
+            </p:style>
+          </p:cxnSp>
+          <p:cxnSp>
+            <p:nvCxnSpPr>
+              <p:cNvPr id="433" name="直線矢印コネクタ 432"/>
+              <p:cNvCxnSpPr/>
+              <p:nvPr/>
+            </p:nvCxnSpPr>
+            <p:spPr>
+              <a:xfrm rot="21480000">
+                <a:off x="2186541" y="2244166"/>
+                <a:ext cx="347235" cy="274900"/>
+              </a:xfrm>
+              <a:prstGeom prst="straightConnector1">
+                <a:avLst/>
+              </a:prstGeom>
+              <a:ln w="12700">
+                <a:solidFill>
+                  <a:schemeClr val="tx1"/>
+                </a:solidFill>
+                <a:prstDash val="sysDot"/>
+                <a:headEnd type="arrow" w="sm" len="med"/>
+                <a:tailEnd type="arrow" w="sm" len="med"/>
+              </a:ln>
+            </p:spPr>
+            <p:style>
+              <a:lnRef idx="1">
+                <a:schemeClr val="accent1"/>
+              </a:lnRef>
+              <a:fillRef idx="0">
+                <a:schemeClr val="accent1"/>
+              </a:fillRef>
+              <a:effectRef idx="0">
+                <a:schemeClr val="accent1"/>
+              </a:effectRef>
+              <a:fontRef idx="minor">
+                <a:schemeClr val="tx1"/>
+              </a:fontRef>
+            </p:style>
+          </p:cxnSp>
+        </p:grpSp>
+      </p:grpSp>
     </p:spTree>
     <p:extLst>
       <p:ext uri="{BB962C8B-B14F-4D97-AF65-F5344CB8AC3E}">

--- a/design/2016/models/3_control_model.pptx
+++ b/design/2016/models/3_control_model.pptx
@@ -113,6 +113,1155 @@
     </p:ext>
   </p:extLst>
 </p:presentation>
+</file>
+
+<file path=ppt/charts/chart1.xml><?xml version="1.0" encoding="utf-8"?>
+<c:chartSpace xmlns:c="http://schemas.openxmlformats.org/drawingml/2006/chart" xmlns:a="http://schemas.openxmlformats.org/drawingml/2006/main" xmlns:r="http://schemas.openxmlformats.org/officeDocument/2006/relationships">
+  <c:date1904 val="0"/>
+  <c:lang val="ja-JP"/>
+  <c:roundedCorners val="0"/>
+  <mc:AlternateContent xmlns:mc="http://schemas.openxmlformats.org/markup-compatibility/2006">
+    <mc:Choice xmlns:c14="http://schemas.microsoft.com/office/drawing/2007/8/2/chart" Requires="c14">
+      <c14:style val="102"/>
+    </mc:Choice>
+    <mc:Fallback>
+      <c:style val="2"/>
+    </mc:Fallback>
+  </mc:AlternateContent>
+  <c:chart>
+    <c:autoTitleDeleted val="1"/>
+    <c:plotArea>
+      <c:layout/>
+      <c:scatterChart>
+        <c:scatterStyle val="lineMarker"/>
+        <c:varyColors val="0"/>
+        <c:ser>
+          <c:idx val="1"/>
+          <c:order val="0"/>
+          <c:tx>
+            <c:strRef>
+              <c:f>Sheet1!$C$19</c:f>
+              <c:strCache>
+                <c:ptCount val="1"/>
+                <c:pt idx="0">
+                  <c:v>右タイヤ</c:v>
+                </c:pt>
+              </c:strCache>
+            </c:strRef>
+          </c:tx>
+          <c:spPr>
+            <a:ln w="19050" cap="rnd">
+              <a:solidFill>
+                <a:srgbClr val="0070C0"/>
+              </a:solidFill>
+              <a:round/>
+            </a:ln>
+            <a:effectLst/>
+          </c:spPr>
+          <c:marker>
+            <c:symbol val="circle"/>
+            <c:size val="5"/>
+            <c:spPr>
+              <a:solidFill>
+                <a:srgbClr val="0070C0"/>
+              </a:solidFill>
+              <a:ln w="9525">
+                <a:solidFill>
+                  <a:srgbClr val="0070C0"/>
+                </a:solidFill>
+              </a:ln>
+              <a:effectLst/>
+            </c:spPr>
+          </c:marker>
+          <c:xVal>
+            <c:numRef>
+              <c:f>Sheet1!$A$20:$A$29</c:f>
+              <c:numCache>
+                <c:formatCode>General</c:formatCode>
+                <c:ptCount val="10"/>
+                <c:pt idx="0">
+                  <c:v>10</c:v>
+                </c:pt>
+                <c:pt idx="1">
+                  <c:v>20</c:v>
+                </c:pt>
+                <c:pt idx="2">
+                  <c:v>30</c:v>
+                </c:pt>
+                <c:pt idx="3">
+                  <c:v>40</c:v>
+                </c:pt>
+                <c:pt idx="4">
+                  <c:v>50</c:v>
+                </c:pt>
+                <c:pt idx="5">
+                  <c:v>60</c:v>
+                </c:pt>
+                <c:pt idx="6">
+                  <c:v>70</c:v>
+                </c:pt>
+                <c:pt idx="7">
+                  <c:v>80</c:v>
+                </c:pt>
+                <c:pt idx="8">
+                  <c:v>90</c:v>
+                </c:pt>
+                <c:pt idx="9">
+                  <c:v>100</c:v>
+                </c:pt>
+              </c:numCache>
+            </c:numRef>
+          </c:xVal>
+          <c:yVal>
+            <c:numRef>
+              <c:f>Sheet1!$C$20:$C$29</c:f>
+              <c:numCache>
+                <c:formatCode>General</c:formatCode>
+                <c:ptCount val="10"/>
+                <c:pt idx="0">
+                  <c:v>883.0666666666674</c:v>
+                </c:pt>
+                <c:pt idx="1">
+                  <c:v>1670.6666666666686</c:v>
+                </c:pt>
+                <c:pt idx="2">
+                  <c:v>2529.86666666667</c:v>
+                </c:pt>
+                <c:pt idx="3">
+                  <c:v>3341.2333333333372</c:v>
+                </c:pt>
+                <c:pt idx="4">
+                  <c:v>4247.3333333333394</c:v>
+                </c:pt>
+                <c:pt idx="5">
+                  <c:v>4843.200000000008</c:v>
+                </c:pt>
+                <c:pt idx="6">
+                  <c:v>4890.833333333343</c:v>
+                </c:pt>
+                <c:pt idx="7">
+                  <c:v>4843.2000000000089</c:v>
+                </c:pt>
+                <c:pt idx="8">
+                  <c:v>4890.8666666666759</c:v>
+                </c:pt>
+                <c:pt idx="9">
+                  <c:v>4795.5000000000082</c:v>
+                </c:pt>
+              </c:numCache>
+            </c:numRef>
+          </c:yVal>
+          <c:smooth val="0"/>
+        </c:ser>
+        <c:ser>
+          <c:idx val="0"/>
+          <c:order val="1"/>
+          <c:tx>
+            <c:strRef>
+              <c:f>Sheet1!$B$19</c:f>
+              <c:strCache>
+                <c:ptCount val="1"/>
+                <c:pt idx="0">
+                  <c:v>左タイヤ</c:v>
+                </c:pt>
+              </c:strCache>
+            </c:strRef>
+          </c:tx>
+          <c:spPr>
+            <a:ln w="19050" cap="rnd">
+              <a:solidFill>
+                <a:schemeClr val="accent4">
+                  <a:lumMod val="75000"/>
+                </a:schemeClr>
+              </a:solidFill>
+              <a:round/>
+            </a:ln>
+            <a:effectLst/>
+          </c:spPr>
+          <c:marker>
+            <c:symbol val="triangle"/>
+            <c:size val="5"/>
+            <c:spPr>
+              <a:solidFill>
+                <a:schemeClr val="accent2"/>
+              </a:solidFill>
+              <a:ln w="9525">
+                <a:solidFill>
+                  <a:schemeClr val="accent2">
+                    <a:alpha val="91000"/>
+                  </a:schemeClr>
+                </a:solidFill>
+              </a:ln>
+              <a:effectLst/>
+            </c:spPr>
+          </c:marker>
+          <c:xVal>
+            <c:numRef>
+              <c:f>Sheet1!$A$20:$A$29</c:f>
+              <c:numCache>
+                <c:formatCode>General</c:formatCode>
+                <c:ptCount val="10"/>
+                <c:pt idx="0">
+                  <c:v>10</c:v>
+                </c:pt>
+                <c:pt idx="1">
+                  <c:v>20</c:v>
+                </c:pt>
+                <c:pt idx="2">
+                  <c:v>30</c:v>
+                </c:pt>
+                <c:pt idx="3">
+                  <c:v>40</c:v>
+                </c:pt>
+                <c:pt idx="4">
+                  <c:v>50</c:v>
+                </c:pt>
+                <c:pt idx="5">
+                  <c:v>60</c:v>
+                </c:pt>
+                <c:pt idx="6">
+                  <c:v>70</c:v>
+                </c:pt>
+                <c:pt idx="7">
+                  <c:v>80</c:v>
+                </c:pt>
+                <c:pt idx="8">
+                  <c:v>90</c:v>
+                </c:pt>
+                <c:pt idx="9">
+                  <c:v>100</c:v>
+                </c:pt>
+              </c:numCache>
+            </c:numRef>
+          </c:xVal>
+          <c:yVal>
+            <c:numRef>
+              <c:f>Sheet1!$B$20:$B$29</c:f>
+              <c:numCache>
+                <c:formatCode>General</c:formatCode>
+                <c:ptCount val="10"/>
+                <c:pt idx="0">
+                  <c:v>930.80000000000086</c:v>
+                </c:pt>
+                <c:pt idx="1">
+                  <c:v>1718.4000000000019</c:v>
+                </c:pt>
+                <c:pt idx="2">
+                  <c:v>2577.5333333333365</c:v>
+                </c:pt>
+                <c:pt idx="3">
+                  <c:v>3365.0333333333379</c:v>
+                </c:pt>
+                <c:pt idx="4">
+                  <c:v>4295.0000000000073</c:v>
+                </c:pt>
+                <c:pt idx="5">
+                  <c:v>4604.8666666666741</c:v>
+                </c:pt>
+                <c:pt idx="6">
+                  <c:v>4676.3333333333421</c:v>
+                </c:pt>
+                <c:pt idx="7">
+                  <c:v>4604.8333333333412</c:v>
+                </c:pt>
+                <c:pt idx="8">
+                  <c:v>4724.033333333341</c:v>
+                </c:pt>
+                <c:pt idx="9">
+                  <c:v>4700.1666666666752</c:v>
+                </c:pt>
+              </c:numCache>
+            </c:numRef>
+          </c:yVal>
+          <c:smooth val="0"/>
+        </c:ser>
+        <c:dLbls>
+          <c:showLegendKey val="0"/>
+          <c:showVal val="0"/>
+          <c:showCatName val="0"/>
+          <c:showSerName val="0"/>
+          <c:showPercent val="0"/>
+          <c:showBubbleSize val="0"/>
+        </c:dLbls>
+        <c:axId val="648020712"/>
+        <c:axId val="648022280"/>
+      </c:scatterChart>
+      <c:valAx>
+        <c:axId val="648020712"/>
+        <c:scaling>
+          <c:orientation val="minMax"/>
+          <c:max val="100"/>
+          <c:min val="10"/>
+        </c:scaling>
+        <c:delete val="0"/>
+        <c:axPos val="b"/>
+        <c:majorGridlines>
+          <c:spPr>
+            <a:ln w="9525" cap="flat" cmpd="sng" algn="ctr">
+              <a:solidFill>
+                <a:schemeClr val="tx1">
+                  <a:lumMod val="15000"/>
+                  <a:lumOff val="85000"/>
+                </a:schemeClr>
+              </a:solidFill>
+              <a:round/>
+            </a:ln>
+            <a:effectLst/>
+          </c:spPr>
+        </c:majorGridlines>
+        <c:title>
+          <c:tx>
+            <c:rich>
+              <a:bodyPr rot="0" spcFirstLastPara="1" vertOverflow="ellipsis" vert="horz" wrap="square" anchor="ctr" anchorCtr="1"/>
+              <a:lstStyle/>
+              <a:p>
+                <a:pPr>
+                  <a:defRPr sz="600" b="0" i="0" u="none" strike="noStrike" kern="1200" baseline="0">
+                    <a:solidFill>
+                      <a:schemeClr val="tx1">
+                        <a:lumMod val="65000"/>
+                        <a:lumOff val="35000"/>
+                      </a:schemeClr>
+                    </a:solidFill>
+                    <a:latin typeface="+mn-lt"/>
+                    <a:ea typeface="+mn-ea"/>
+                    <a:cs typeface="+mn-cs"/>
+                  </a:defRPr>
+                </a:pPr>
+                <a:r>
+                  <a:rPr lang="ja-JP"/>
+                  <a:t>入力</a:t>
+                </a:r>
+                <a:r>
+                  <a:rPr lang="en-US"/>
+                  <a:t>[power]</a:t>
+                </a:r>
+                <a:endParaRPr lang="ja-JP"/>
+              </a:p>
+            </c:rich>
+          </c:tx>
+          <c:layout/>
+          <c:overlay val="0"/>
+          <c:spPr>
+            <a:noFill/>
+            <a:ln>
+              <a:noFill/>
+            </a:ln>
+            <a:effectLst/>
+          </c:spPr>
+          <c:txPr>
+            <a:bodyPr rot="0" spcFirstLastPara="1" vertOverflow="ellipsis" vert="horz" wrap="square" anchor="ctr" anchorCtr="1"/>
+            <a:lstStyle/>
+            <a:p>
+              <a:pPr>
+                <a:defRPr sz="600" b="0" i="0" u="none" strike="noStrike" kern="1200" baseline="0">
+                  <a:solidFill>
+                    <a:schemeClr val="tx1">
+                      <a:lumMod val="65000"/>
+                      <a:lumOff val="35000"/>
+                    </a:schemeClr>
+                  </a:solidFill>
+                  <a:latin typeface="+mn-lt"/>
+                  <a:ea typeface="+mn-ea"/>
+                  <a:cs typeface="+mn-cs"/>
+                </a:defRPr>
+              </a:pPr>
+              <a:endParaRPr lang="ja-JP"/>
+            </a:p>
+          </c:txPr>
+        </c:title>
+        <c:numFmt formatCode="General" sourceLinked="1"/>
+        <c:majorTickMark val="none"/>
+        <c:minorTickMark val="none"/>
+        <c:tickLblPos val="nextTo"/>
+        <c:spPr>
+          <a:noFill/>
+          <a:ln w="9525" cap="flat" cmpd="sng" algn="ctr">
+            <a:solidFill>
+              <a:schemeClr val="tx1">
+                <a:lumMod val="25000"/>
+                <a:lumOff val="75000"/>
+              </a:schemeClr>
+            </a:solidFill>
+            <a:round/>
+          </a:ln>
+          <a:effectLst/>
+        </c:spPr>
+        <c:txPr>
+          <a:bodyPr rot="-60000000" spcFirstLastPara="1" vertOverflow="ellipsis" vert="horz" wrap="square" anchor="ctr" anchorCtr="1"/>
+          <a:lstStyle/>
+          <a:p>
+            <a:pPr>
+              <a:defRPr sz="600" b="0" i="0" u="none" strike="noStrike" kern="1200" baseline="0">
+                <a:solidFill>
+                  <a:schemeClr val="tx1">
+                    <a:lumMod val="65000"/>
+                    <a:lumOff val="35000"/>
+                  </a:schemeClr>
+                </a:solidFill>
+                <a:latin typeface="+mn-lt"/>
+                <a:ea typeface="+mn-ea"/>
+                <a:cs typeface="+mn-cs"/>
+              </a:defRPr>
+            </a:pPr>
+            <a:endParaRPr lang="ja-JP"/>
+          </a:p>
+        </c:txPr>
+        <c:crossAx val="648022280"/>
+        <c:crosses val="autoZero"/>
+        <c:crossBetween val="midCat"/>
+        <c:majorUnit val="10"/>
+      </c:valAx>
+      <c:valAx>
+        <c:axId val="648022280"/>
+        <c:scaling>
+          <c:orientation val="minMax"/>
+          <c:max val="5000"/>
+          <c:min val="500"/>
+        </c:scaling>
+        <c:delete val="0"/>
+        <c:axPos val="l"/>
+        <c:majorGridlines>
+          <c:spPr>
+            <a:ln w="9525" cap="flat" cmpd="sng" algn="ctr">
+              <a:solidFill>
+                <a:schemeClr val="tx1">
+                  <a:lumMod val="15000"/>
+                  <a:lumOff val="85000"/>
+                </a:schemeClr>
+              </a:solidFill>
+              <a:round/>
+            </a:ln>
+            <a:effectLst/>
+          </c:spPr>
+        </c:majorGridlines>
+        <c:title>
+          <c:tx>
+            <c:rich>
+              <a:bodyPr rot="-5400000" spcFirstLastPara="1" vertOverflow="ellipsis" vert="horz" wrap="square" anchor="ctr" anchorCtr="1"/>
+              <a:lstStyle/>
+              <a:p>
+                <a:pPr>
+                  <a:defRPr sz="600" b="0" i="0" u="none" strike="noStrike" kern="1200" baseline="0">
+                    <a:solidFill>
+                      <a:schemeClr val="tx1">
+                        <a:lumMod val="65000"/>
+                        <a:lumOff val="35000"/>
+                      </a:schemeClr>
+                    </a:solidFill>
+                    <a:latin typeface="+mn-lt"/>
+                    <a:ea typeface="+mn-ea"/>
+                    <a:cs typeface="+mn-cs"/>
+                  </a:defRPr>
+                </a:pPr>
+                <a:r>
+                  <a:rPr lang="en-US" sz="600"/>
+                  <a:t>0.1</a:t>
+                </a:r>
+                <a:r>
+                  <a:rPr lang="ja-JP" sz="600"/>
+                  <a:t>秒間に進む距離</a:t>
+                </a:r>
+                <a:r>
+                  <a:rPr lang="en-US" sz="600"/>
+                  <a:t>[mm]</a:t>
+                </a:r>
+                <a:endParaRPr lang="ja-JP" sz="600"/>
+              </a:p>
+            </c:rich>
+          </c:tx>
+          <c:layout/>
+          <c:overlay val="0"/>
+          <c:spPr>
+            <a:noFill/>
+            <a:ln>
+              <a:noFill/>
+            </a:ln>
+            <a:effectLst/>
+          </c:spPr>
+          <c:txPr>
+            <a:bodyPr rot="-5400000" spcFirstLastPara="1" vertOverflow="ellipsis" vert="horz" wrap="square" anchor="ctr" anchorCtr="1"/>
+            <a:lstStyle/>
+            <a:p>
+              <a:pPr>
+                <a:defRPr sz="600" b="0" i="0" u="none" strike="noStrike" kern="1200" baseline="0">
+                  <a:solidFill>
+                    <a:schemeClr val="tx1">
+                      <a:lumMod val="65000"/>
+                      <a:lumOff val="35000"/>
+                    </a:schemeClr>
+                  </a:solidFill>
+                  <a:latin typeface="+mn-lt"/>
+                  <a:ea typeface="+mn-ea"/>
+                  <a:cs typeface="+mn-cs"/>
+                </a:defRPr>
+              </a:pPr>
+              <a:endParaRPr lang="ja-JP"/>
+            </a:p>
+          </c:txPr>
+        </c:title>
+        <c:numFmt formatCode="General" sourceLinked="1"/>
+        <c:majorTickMark val="none"/>
+        <c:minorTickMark val="none"/>
+        <c:tickLblPos val="nextTo"/>
+        <c:spPr>
+          <a:noFill/>
+          <a:ln w="9525" cap="flat" cmpd="sng" algn="ctr">
+            <a:solidFill>
+              <a:schemeClr val="tx1">
+                <a:lumMod val="25000"/>
+                <a:lumOff val="75000"/>
+              </a:schemeClr>
+            </a:solidFill>
+            <a:round/>
+          </a:ln>
+          <a:effectLst/>
+        </c:spPr>
+        <c:txPr>
+          <a:bodyPr rot="-60000000" spcFirstLastPara="1" vertOverflow="ellipsis" vert="horz" wrap="square" anchor="ctr" anchorCtr="1"/>
+          <a:lstStyle/>
+          <a:p>
+            <a:pPr>
+              <a:defRPr sz="600" b="0" i="0" u="none" strike="noStrike" kern="1200" baseline="0">
+                <a:solidFill>
+                  <a:schemeClr val="tx1">
+                    <a:lumMod val="65000"/>
+                    <a:lumOff val="35000"/>
+                  </a:schemeClr>
+                </a:solidFill>
+                <a:latin typeface="+mn-lt"/>
+                <a:ea typeface="+mn-ea"/>
+                <a:cs typeface="+mn-cs"/>
+              </a:defRPr>
+            </a:pPr>
+            <a:endParaRPr lang="ja-JP"/>
+          </a:p>
+        </c:txPr>
+        <c:crossAx val="648020712"/>
+        <c:crosses val="autoZero"/>
+        <c:crossBetween val="midCat"/>
+      </c:valAx>
+      <c:spPr>
+        <a:noFill/>
+        <a:ln>
+          <a:noFill/>
+        </a:ln>
+        <a:effectLst/>
+      </c:spPr>
+    </c:plotArea>
+    <c:legend>
+      <c:legendPos val="r"/>
+      <c:layout/>
+      <c:overlay val="1"/>
+      <c:spPr>
+        <a:noFill/>
+        <a:ln>
+          <a:noFill/>
+        </a:ln>
+        <a:effectLst/>
+      </c:spPr>
+      <c:txPr>
+        <a:bodyPr rot="0" spcFirstLastPara="1" vertOverflow="ellipsis" vert="horz" wrap="square" anchor="ctr" anchorCtr="1"/>
+        <a:lstStyle/>
+        <a:p>
+          <a:pPr>
+            <a:defRPr sz="600" b="0" i="0" u="none" strike="noStrike" kern="1200" baseline="0">
+              <a:solidFill>
+                <a:schemeClr val="tx1">
+                  <a:lumMod val="65000"/>
+                  <a:lumOff val="35000"/>
+                </a:schemeClr>
+              </a:solidFill>
+              <a:latin typeface="+mn-lt"/>
+              <a:ea typeface="+mn-ea"/>
+              <a:cs typeface="+mn-cs"/>
+            </a:defRPr>
+          </a:pPr>
+          <a:endParaRPr lang="ja-JP"/>
+        </a:p>
+      </c:txPr>
+    </c:legend>
+    <c:plotVisOnly val="1"/>
+    <c:dispBlanksAs val="gap"/>
+    <c:showDLblsOverMax val="0"/>
+  </c:chart>
+  <c:spPr>
+    <a:noFill/>
+    <a:ln>
+      <a:noFill/>
+    </a:ln>
+    <a:effectLst/>
+  </c:spPr>
+  <c:txPr>
+    <a:bodyPr/>
+    <a:lstStyle/>
+    <a:p>
+      <a:pPr>
+        <a:defRPr sz="600"/>
+      </a:pPr>
+      <a:endParaRPr lang="ja-JP"/>
+    </a:p>
+  </c:txPr>
+  <c:externalData r:id="rId3">
+    <c:autoUpdate val="0"/>
+  </c:externalData>
+</c:chartSpace>
+</file>
+
+<file path=ppt/charts/colors1.xml><?xml version="1.0" encoding="utf-8"?>
+<cs:colorStyle xmlns:cs="http://schemas.microsoft.com/office/drawing/2012/chartStyle" xmlns:a="http://schemas.openxmlformats.org/drawingml/2006/main" meth="cycle" id="10">
+  <a:schemeClr val="accent1"/>
+  <a:schemeClr val="accent2"/>
+  <a:schemeClr val="accent3"/>
+  <a:schemeClr val="accent4"/>
+  <a:schemeClr val="accent5"/>
+  <a:schemeClr val="accent6"/>
+  <cs:variation/>
+  <cs:variation>
+    <a:lumMod val="60000"/>
+  </cs:variation>
+  <cs:variation>
+    <a:lumMod val="80000"/>
+    <a:lumOff val="20000"/>
+  </cs:variation>
+  <cs:variation>
+    <a:lumMod val="80000"/>
+  </cs:variation>
+  <cs:variation>
+    <a:lumMod val="60000"/>
+    <a:lumOff val="40000"/>
+  </cs:variation>
+  <cs:variation>
+    <a:lumMod val="50000"/>
+  </cs:variation>
+  <cs:variation>
+    <a:lumMod val="70000"/>
+    <a:lumOff val="30000"/>
+  </cs:variation>
+  <cs:variation>
+    <a:lumMod val="70000"/>
+  </cs:variation>
+  <cs:variation>
+    <a:lumMod val="50000"/>
+    <a:lumOff val="50000"/>
+  </cs:variation>
+</cs:colorStyle>
+</file>
+
+<file path=ppt/charts/style1.xml><?xml version="1.0" encoding="utf-8"?>
+<cs:chartStyle xmlns:cs="http://schemas.microsoft.com/office/drawing/2012/chartStyle" xmlns:a="http://schemas.openxmlformats.org/drawingml/2006/main" id="240">
+  <cs:axisTitle>
+    <cs:lnRef idx="0"/>
+    <cs:fillRef idx="0"/>
+    <cs:effectRef idx="0"/>
+    <cs:fontRef idx="minor">
+      <a:schemeClr val="tx1">
+        <a:lumMod val="65000"/>
+        <a:lumOff val="35000"/>
+      </a:schemeClr>
+    </cs:fontRef>
+    <cs:defRPr sz="1000" kern="1200"/>
+  </cs:axisTitle>
+  <cs:categoryAxis>
+    <cs:lnRef idx="0"/>
+    <cs:fillRef idx="0"/>
+    <cs:effectRef idx="0"/>
+    <cs:fontRef idx="minor">
+      <a:schemeClr val="tx1">
+        <a:lumMod val="65000"/>
+        <a:lumOff val="35000"/>
+      </a:schemeClr>
+    </cs:fontRef>
+    <cs:spPr>
+      <a:ln w="9525" cap="flat" cmpd="sng" algn="ctr">
+        <a:solidFill>
+          <a:schemeClr val="tx1">
+            <a:lumMod val="25000"/>
+            <a:lumOff val="75000"/>
+          </a:schemeClr>
+        </a:solidFill>
+        <a:round/>
+      </a:ln>
+    </cs:spPr>
+    <cs:defRPr sz="900" kern="1200"/>
+  </cs:categoryAxis>
+  <cs:chartArea mods="allowNoFillOverride allowNoLineOverride">
+    <cs:lnRef idx="0"/>
+    <cs:fillRef idx="0"/>
+    <cs:effectRef idx="0"/>
+    <cs:fontRef idx="minor">
+      <a:schemeClr val="tx1"/>
+    </cs:fontRef>
+    <cs:spPr>
+      <a:solidFill>
+        <a:schemeClr val="bg1"/>
+      </a:solidFill>
+      <a:ln w="9525" cap="flat" cmpd="sng" algn="ctr">
+        <a:solidFill>
+          <a:schemeClr val="tx1">
+            <a:lumMod val="15000"/>
+            <a:lumOff val="85000"/>
+          </a:schemeClr>
+        </a:solidFill>
+        <a:round/>
+      </a:ln>
+    </cs:spPr>
+    <cs:defRPr sz="1000" kern="1200"/>
+  </cs:chartArea>
+  <cs:dataLabel>
+    <cs:lnRef idx="0"/>
+    <cs:fillRef idx="0"/>
+    <cs:effectRef idx="0"/>
+    <cs:fontRef idx="minor">
+      <a:schemeClr val="tx1">
+        <a:lumMod val="75000"/>
+        <a:lumOff val="25000"/>
+      </a:schemeClr>
+    </cs:fontRef>
+    <cs:defRPr sz="900" kern="1200"/>
+  </cs:dataLabel>
+  <cs:dataLabelCallout>
+    <cs:lnRef idx="0"/>
+    <cs:fillRef idx="0"/>
+    <cs:effectRef idx="0"/>
+    <cs:fontRef idx="minor">
+      <a:schemeClr val="dk1">
+        <a:lumMod val="65000"/>
+        <a:lumOff val="35000"/>
+      </a:schemeClr>
+    </cs:fontRef>
+    <cs:spPr>
+      <a:solidFill>
+        <a:schemeClr val="lt1"/>
+      </a:solidFill>
+      <a:ln>
+        <a:solidFill>
+          <a:schemeClr val="dk1">
+            <a:lumMod val="25000"/>
+            <a:lumOff val="75000"/>
+          </a:schemeClr>
+        </a:solidFill>
+      </a:ln>
+    </cs:spPr>
+    <cs:defRPr sz="900" kern="1200"/>
+    <cs:bodyPr rot="0" spcFirstLastPara="1" vertOverflow="clip" horzOverflow="clip" vert="horz" wrap="square" lIns="36576" tIns="18288" rIns="36576" bIns="18288" anchor="ctr" anchorCtr="1">
+      <a:spAutoFit/>
+    </cs:bodyPr>
+  </cs:dataLabelCallout>
+  <cs:dataPoint>
+    <cs:lnRef idx="0"/>
+    <cs:fillRef idx="1">
+      <cs:styleClr val="auto"/>
+    </cs:fillRef>
+    <cs:effectRef idx="0"/>
+    <cs:fontRef idx="minor">
+      <a:schemeClr val="tx1"/>
+    </cs:fontRef>
+  </cs:dataPoint>
+  <cs:dataPoint3D>
+    <cs:lnRef idx="0"/>
+    <cs:fillRef idx="1">
+      <cs:styleClr val="auto"/>
+    </cs:fillRef>
+    <cs:effectRef idx="0"/>
+    <cs:fontRef idx="minor">
+      <a:schemeClr val="tx1"/>
+    </cs:fontRef>
+  </cs:dataPoint3D>
+  <cs:dataPointLine>
+    <cs:lnRef idx="0">
+      <cs:styleClr val="auto"/>
+    </cs:lnRef>
+    <cs:fillRef idx="1"/>
+    <cs:effectRef idx="0"/>
+    <cs:fontRef idx="minor">
+      <a:schemeClr val="tx1"/>
+    </cs:fontRef>
+    <cs:spPr>
+      <a:ln w="19050" cap="rnd">
+        <a:solidFill>
+          <a:schemeClr val="phClr"/>
+        </a:solidFill>
+        <a:round/>
+      </a:ln>
+    </cs:spPr>
+  </cs:dataPointLine>
+  <cs:dataPointMarker>
+    <cs:lnRef idx="0">
+      <cs:styleClr val="auto"/>
+    </cs:lnRef>
+    <cs:fillRef idx="1">
+      <cs:styleClr val="auto"/>
+    </cs:fillRef>
+    <cs:effectRef idx="0"/>
+    <cs:fontRef idx="minor">
+      <a:schemeClr val="tx1"/>
+    </cs:fontRef>
+    <cs:spPr>
+      <a:ln w="9525">
+        <a:solidFill>
+          <a:schemeClr val="phClr"/>
+        </a:solidFill>
+      </a:ln>
+    </cs:spPr>
+  </cs:dataPointMarker>
+  <cs:dataPointMarkerLayout symbol="circle" size="5"/>
+  <cs:dataPointWireframe>
+    <cs:lnRef idx="0">
+      <cs:styleClr val="auto"/>
+    </cs:lnRef>
+    <cs:fillRef idx="0"/>
+    <cs:effectRef idx="0"/>
+    <cs:fontRef idx="minor">
+      <a:schemeClr val="dk1"/>
+    </cs:fontRef>
+    <cs:spPr>
+      <a:ln w="9525" cap="rnd">
+        <a:solidFill>
+          <a:schemeClr val="phClr"/>
+        </a:solidFill>
+        <a:round/>
+      </a:ln>
+    </cs:spPr>
+  </cs:dataPointWireframe>
+  <cs:dataTable>
+    <cs:lnRef idx="0"/>
+    <cs:fillRef idx="0"/>
+    <cs:effectRef idx="0"/>
+    <cs:fontRef idx="minor">
+      <a:schemeClr val="tx1">
+        <a:lumMod val="65000"/>
+        <a:lumOff val="35000"/>
+      </a:schemeClr>
+    </cs:fontRef>
+    <cs:spPr>
+      <a:noFill/>
+      <a:ln w="9525" cap="flat" cmpd="sng" algn="ctr">
+        <a:solidFill>
+          <a:schemeClr val="tx1">
+            <a:lumMod val="15000"/>
+            <a:lumOff val="85000"/>
+          </a:schemeClr>
+        </a:solidFill>
+        <a:round/>
+      </a:ln>
+    </cs:spPr>
+    <cs:defRPr sz="900" kern="1200"/>
+  </cs:dataTable>
+  <cs:downBar>
+    <cs:lnRef idx="0"/>
+    <cs:fillRef idx="0"/>
+    <cs:effectRef idx="0"/>
+    <cs:fontRef idx="minor">
+      <a:schemeClr val="tx1"/>
+    </cs:fontRef>
+    <cs:spPr>
+      <a:solidFill>
+        <a:schemeClr val="dk1">
+          <a:lumMod val="75000"/>
+          <a:lumOff val="25000"/>
+        </a:schemeClr>
+      </a:solidFill>
+      <a:ln w="9525" cap="flat" cmpd="sng" algn="ctr">
+        <a:solidFill>
+          <a:schemeClr val="tx1">
+            <a:lumMod val="65000"/>
+            <a:lumOff val="35000"/>
+          </a:schemeClr>
+        </a:solidFill>
+        <a:round/>
+      </a:ln>
+    </cs:spPr>
+  </cs:downBar>
+  <cs:dropLine>
+    <cs:lnRef idx="0"/>
+    <cs:fillRef idx="0"/>
+    <cs:effectRef idx="0"/>
+    <cs:fontRef idx="minor">
+      <a:schemeClr val="tx1"/>
+    </cs:fontRef>
+    <cs:spPr>
+      <a:ln w="9525" cap="flat" cmpd="sng" algn="ctr">
+        <a:solidFill>
+          <a:schemeClr val="tx1">
+            <a:lumMod val="35000"/>
+            <a:lumOff val="65000"/>
+          </a:schemeClr>
+        </a:solidFill>
+        <a:round/>
+      </a:ln>
+    </cs:spPr>
+  </cs:dropLine>
+  <cs:errorBar>
+    <cs:lnRef idx="0"/>
+    <cs:fillRef idx="0"/>
+    <cs:effectRef idx="0"/>
+    <cs:fontRef idx="minor">
+      <a:schemeClr val="tx1"/>
+    </cs:fontRef>
+    <cs:spPr>
+      <a:ln w="9525" cap="flat" cmpd="sng" algn="ctr">
+        <a:solidFill>
+          <a:schemeClr val="tx1">
+            <a:lumMod val="65000"/>
+            <a:lumOff val="35000"/>
+          </a:schemeClr>
+        </a:solidFill>
+        <a:round/>
+      </a:ln>
+    </cs:spPr>
+  </cs:errorBar>
+  <cs:floor>
+    <cs:lnRef idx="0"/>
+    <cs:fillRef idx="0"/>
+    <cs:effectRef idx="0"/>
+    <cs:fontRef idx="minor">
+      <a:schemeClr val="tx1"/>
+    </cs:fontRef>
+    <cs:spPr>
+      <a:noFill/>
+      <a:ln>
+        <a:noFill/>
+      </a:ln>
+    </cs:spPr>
+  </cs:floor>
+  <cs:gridlineMajor>
+    <cs:lnRef idx="0"/>
+    <cs:fillRef idx="0"/>
+    <cs:effectRef idx="0"/>
+    <cs:fontRef idx="minor">
+      <a:schemeClr val="tx1"/>
+    </cs:fontRef>
+    <cs:spPr>
+      <a:ln w="9525" cap="flat" cmpd="sng" algn="ctr">
+        <a:solidFill>
+          <a:schemeClr val="tx1">
+            <a:lumMod val="15000"/>
+            <a:lumOff val="85000"/>
+          </a:schemeClr>
+        </a:solidFill>
+        <a:round/>
+      </a:ln>
+    </cs:spPr>
+  </cs:gridlineMajor>
+  <cs:gridlineMinor>
+    <cs:lnRef idx="0"/>
+    <cs:fillRef idx="0"/>
+    <cs:effectRef idx="0"/>
+    <cs:fontRef idx="minor">
+      <a:schemeClr val="tx1"/>
+    </cs:fontRef>
+    <cs:spPr>
+      <a:ln w="9525" cap="flat" cmpd="sng" algn="ctr">
+        <a:solidFill>
+          <a:schemeClr val="tx1">
+            <a:lumMod val="5000"/>
+            <a:lumOff val="95000"/>
+          </a:schemeClr>
+        </a:solidFill>
+        <a:round/>
+      </a:ln>
+    </cs:spPr>
+  </cs:gridlineMinor>
+  <cs:hiLoLine>
+    <cs:lnRef idx="0"/>
+    <cs:fillRef idx="0"/>
+    <cs:effectRef idx="0"/>
+    <cs:fontRef idx="minor">
+      <a:schemeClr val="tx1"/>
+    </cs:fontRef>
+    <cs:spPr>
+      <a:ln w="9525" cap="flat" cmpd="sng" algn="ctr">
+        <a:solidFill>
+          <a:schemeClr val="tx1">
+            <a:lumMod val="50000"/>
+            <a:lumOff val="50000"/>
+          </a:schemeClr>
+        </a:solidFill>
+        <a:round/>
+      </a:ln>
+    </cs:spPr>
+  </cs:hiLoLine>
+  <cs:leaderLine>
+    <cs:lnRef idx="0"/>
+    <cs:fillRef idx="0"/>
+    <cs:effectRef idx="0"/>
+    <cs:fontRef idx="minor">
+      <a:schemeClr val="tx1"/>
+    </cs:fontRef>
+    <cs:spPr>
+      <a:ln w="9525" cap="flat" cmpd="sng" algn="ctr">
+        <a:solidFill>
+          <a:schemeClr val="tx1">
+            <a:lumMod val="35000"/>
+            <a:lumOff val="65000"/>
+          </a:schemeClr>
+        </a:solidFill>
+        <a:round/>
+      </a:ln>
+    </cs:spPr>
+  </cs:leaderLine>
+  <cs:legend>
+    <cs:lnRef idx="0"/>
+    <cs:fillRef idx="0"/>
+    <cs:effectRef idx="0"/>
+    <cs:fontRef idx="minor">
+      <a:schemeClr val="tx1">
+        <a:lumMod val="65000"/>
+        <a:lumOff val="35000"/>
+      </a:schemeClr>
+    </cs:fontRef>
+    <cs:defRPr sz="900" kern="1200"/>
+  </cs:legend>
+  <cs:plotArea mods="allowNoFillOverride allowNoLineOverride">
+    <cs:lnRef idx="0"/>
+    <cs:fillRef idx="0"/>
+    <cs:effectRef idx="0"/>
+    <cs:fontRef idx="minor">
+      <a:schemeClr val="tx1"/>
+    </cs:fontRef>
+  </cs:plotArea>
+  <cs:plotArea3D mods="allowNoFillOverride allowNoLineOverride">
+    <cs:lnRef idx="0"/>
+    <cs:fillRef idx="0"/>
+    <cs:effectRef idx="0"/>
+    <cs:fontRef idx="minor">
+      <a:schemeClr val="tx1"/>
+    </cs:fontRef>
+  </cs:plotArea3D>
+  <cs:seriesAxis>
+    <cs:lnRef idx="0"/>
+    <cs:fillRef idx="0"/>
+    <cs:effectRef idx="0"/>
+    <cs:fontRef idx="minor">
+      <a:schemeClr val="tx1">
+        <a:lumMod val="65000"/>
+        <a:lumOff val="35000"/>
+      </a:schemeClr>
+    </cs:fontRef>
+    <cs:defRPr sz="900" kern="1200"/>
+  </cs:seriesAxis>
+  <cs:seriesLine>
+    <cs:lnRef idx="0"/>
+    <cs:fillRef idx="0"/>
+    <cs:effectRef idx="0"/>
+    <cs:fontRef idx="minor">
+      <a:schemeClr val="tx1"/>
+    </cs:fontRef>
+    <cs:spPr>
+      <a:ln w="9525" cap="flat" cmpd="sng" algn="ctr">
+        <a:solidFill>
+          <a:schemeClr val="tx1">
+            <a:lumMod val="35000"/>
+            <a:lumOff val="65000"/>
+          </a:schemeClr>
+        </a:solidFill>
+        <a:round/>
+      </a:ln>
+    </cs:spPr>
+  </cs:seriesLine>
+  <cs:title>
+    <cs:lnRef idx="0"/>
+    <cs:fillRef idx="0"/>
+    <cs:effectRef idx="0"/>
+    <cs:fontRef idx="minor">
+      <a:schemeClr val="tx1">
+        <a:lumMod val="65000"/>
+        <a:lumOff val="35000"/>
+      </a:schemeClr>
+    </cs:fontRef>
+    <cs:defRPr sz="1400" b="0" kern="1200" spc="0" baseline="0"/>
+  </cs:title>
+  <cs:trendline>
+    <cs:lnRef idx="0">
+      <cs:styleClr val="auto"/>
+    </cs:lnRef>
+    <cs:fillRef idx="0"/>
+    <cs:effectRef idx="0"/>
+    <cs:fontRef idx="minor">
+      <a:schemeClr val="tx1"/>
+    </cs:fontRef>
+    <cs:spPr>
+      <a:ln w="19050" cap="rnd">
+        <a:solidFill>
+          <a:schemeClr val="phClr"/>
+        </a:solidFill>
+        <a:prstDash val="sysDot"/>
+      </a:ln>
+    </cs:spPr>
+  </cs:trendline>
+  <cs:trendlineLabel>
+    <cs:lnRef idx="0"/>
+    <cs:fillRef idx="0"/>
+    <cs:effectRef idx="0"/>
+    <cs:fontRef idx="minor">
+      <a:schemeClr val="tx1">
+        <a:lumMod val="65000"/>
+        <a:lumOff val="35000"/>
+      </a:schemeClr>
+    </cs:fontRef>
+    <cs:defRPr sz="900" kern="1200"/>
+  </cs:trendlineLabel>
+  <cs:upBar>
+    <cs:lnRef idx="0"/>
+    <cs:fillRef idx="0"/>
+    <cs:effectRef idx="0"/>
+    <cs:fontRef idx="minor">
+      <a:schemeClr val="tx1"/>
+    </cs:fontRef>
+    <cs:spPr>
+      <a:solidFill>
+        <a:schemeClr val="lt1"/>
+      </a:solidFill>
+      <a:ln w="9525" cap="flat" cmpd="sng" algn="ctr">
+        <a:solidFill>
+          <a:schemeClr val="tx1">
+            <a:lumMod val="65000"/>
+            <a:lumOff val="35000"/>
+          </a:schemeClr>
+        </a:solidFill>
+        <a:round/>
+      </a:ln>
+    </cs:spPr>
+  </cs:upBar>
+  <cs:valueAxis>
+    <cs:lnRef idx="0"/>
+    <cs:fillRef idx="0"/>
+    <cs:effectRef idx="0"/>
+    <cs:fontRef idx="minor">
+      <a:schemeClr val="tx1">
+        <a:lumMod val="65000"/>
+        <a:lumOff val="35000"/>
+      </a:schemeClr>
+    </cs:fontRef>
+    <cs:spPr>
+      <a:ln w="9525" cap="flat" cmpd="sng" algn="ctr">
+        <a:solidFill>
+          <a:schemeClr val="tx1">
+            <a:lumMod val="25000"/>
+            <a:lumOff val="75000"/>
+          </a:schemeClr>
+        </a:solidFill>
+        <a:round/>
+      </a:ln>
+    </cs:spPr>
+    <cs:defRPr sz="900" kern="1200"/>
+  </cs:valueAxis>
+  <cs:wall>
+    <cs:lnRef idx="0"/>
+    <cs:fillRef idx="0"/>
+    <cs:effectRef idx="0"/>
+    <cs:fontRef idx="minor">
+      <a:schemeClr val="tx1"/>
+    </cs:fontRef>
+    <cs:spPr>
+      <a:noFill/>
+      <a:ln>
+        <a:noFill/>
+      </a:ln>
+    </cs:spPr>
+  </cs:wall>
+</cs:chartStyle>
 </file>
 
 <file path=ppt/notesMasters/notesMaster1.xml><?xml version="1.0" encoding="utf-8"?>
@@ -4525,8 +5674,8 @@
         </p:nvSpPr>
         <p:spPr>
           <a:xfrm>
-            <a:off x="361022" y="1763097"/>
-            <a:ext cx="4891900" cy="2674844"/>
+            <a:off x="361021" y="1763097"/>
+            <a:ext cx="5645639" cy="2674844"/>
           </a:xfrm>
           <a:prstGeom prst="rect">
             <a:avLst/>
@@ -4571,7 +5720,7 @@
         </p:nvSpPr>
         <p:spPr>
           <a:xfrm>
-            <a:off x="5252923" y="1763094"/>
+            <a:off x="6008292" y="1763094"/>
             <a:ext cx="2145139" cy="369332"/>
           </a:xfrm>
           <a:prstGeom prst="rect">
@@ -4628,8 +5777,8 @@
         </p:nvSpPr>
         <p:spPr>
           <a:xfrm>
-            <a:off x="5252923" y="1763095"/>
-            <a:ext cx="5281728" cy="2182871"/>
+            <a:off x="6008292" y="1763095"/>
+            <a:ext cx="5285680" cy="2106743"/>
           </a:xfrm>
           <a:prstGeom prst="rect">
             <a:avLst/>
@@ -4674,7 +5823,7 @@
         </p:nvSpPr>
         <p:spPr>
           <a:xfrm>
-            <a:off x="5259935" y="3948568"/>
+            <a:off x="6021007" y="3869056"/>
             <a:ext cx="2145139" cy="369332"/>
           </a:xfrm>
           <a:prstGeom prst="rect">
@@ -4731,8 +5880,8 @@
         </p:nvSpPr>
         <p:spPr>
           <a:xfrm>
-            <a:off x="5259934" y="3948569"/>
-            <a:ext cx="5271831" cy="3001152"/>
+            <a:off x="6021006" y="3869057"/>
+            <a:ext cx="5303791" cy="2945691"/>
           </a:xfrm>
           <a:prstGeom prst="rect">
             <a:avLst/>
@@ -4834,8 +5983,8 @@
         </p:nvSpPr>
         <p:spPr>
           <a:xfrm>
-            <a:off x="361022" y="4442430"/>
-            <a:ext cx="4895544" cy="2378003"/>
+            <a:off x="361022" y="4442429"/>
+            <a:ext cx="5689268" cy="2392687"/>
           </a:xfrm>
           <a:prstGeom prst="rect">
             <a:avLst/>
@@ -4880,7 +6029,7 @@
         </p:nvSpPr>
         <p:spPr>
           <a:xfrm>
-            <a:off x="7133943" y="6958372"/>
+            <a:off x="7133943" y="6839104"/>
             <a:ext cx="1452642" cy="369332"/>
           </a:xfrm>
           <a:prstGeom prst="rect">
@@ -4937,8 +6086,8 @@
         </p:nvSpPr>
         <p:spPr>
           <a:xfrm>
-            <a:off x="7133942" y="6958373"/>
-            <a:ext cx="7619200" cy="3596010"/>
+            <a:off x="7133942" y="6839105"/>
+            <a:ext cx="7619200" cy="3714188"/>
           </a:xfrm>
           <a:prstGeom prst="rect">
             <a:avLst/>
@@ -4983,7 +6132,7 @@
         </p:nvSpPr>
         <p:spPr>
           <a:xfrm>
-            <a:off x="334376" y="6828266"/>
+            <a:off x="353426" y="6838675"/>
             <a:ext cx="2760692" cy="369332"/>
           </a:xfrm>
           <a:prstGeom prst="rect">
@@ -5040,7 +6189,7 @@
         </p:nvSpPr>
         <p:spPr>
           <a:xfrm>
-            <a:off x="334376" y="6828266"/>
+            <a:off x="353426" y="6838675"/>
             <a:ext cx="6780516" cy="3714618"/>
           </a:xfrm>
           <a:prstGeom prst="rect">
@@ -5086,7 +6235,7 @@
         </p:nvSpPr>
         <p:spPr>
           <a:xfrm>
-            <a:off x="10560079" y="1770055"/>
+            <a:off x="11303029" y="1770055"/>
             <a:ext cx="1221809" cy="369332"/>
           </a:xfrm>
           <a:prstGeom prst="rect">
@@ -5143,8 +6292,8 @@
         </p:nvSpPr>
         <p:spPr>
           <a:xfrm>
-            <a:off x="10560078" y="1762372"/>
-            <a:ext cx="4193064" cy="5196000"/>
+            <a:off x="11303028" y="1762372"/>
+            <a:ext cx="3450114" cy="5052376"/>
           </a:xfrm>
           <a:prstGeom prst="rect">
             <a:avLst/>
@@ -5189,7 +6338,7 @@
         </p:nvSpPr>
         <p:spPr>
           <a:xfrm>
-            <a:off x="5610605" y="8995449"/>
+            <a:off x="5629655" y="9005858"/>
             <a:ext cx="1538425" cy="523220"/>
           </a:xfrm>
           <a:prstGeom prst="rect">
@@ -5333,7 +6482,7 @@
         </p:blipFill>
         <p:spPr>
           <a:xfrm>
-            <a:off x="10619727" y="2531142"/>
+            <a:off x="11368427" y="2861297"/>
             <a:ext cx="3045463" cy="3931416"/>
           </a:xfrm>
           <a:prstGeom prst="rect">
@@ -5341,1601 +6490,8 @@
           </a:prstGeom>
         </p:spPr>
       </p:pic>
-      <p:grpSp>
-        <p:nvGrpSpPr>
-          <p:cNvPr id="110" name="グループ化 109"/>
-          <p:cNvGrpSpPr/>
-          <p:nvPr/>
-        </p:nvGrpSpPr>
-        <p:grpSpPr>
-          <a:xfrm>
-            <a:off x="5335732" y="4058660"/>
-            <a:ext cx="4921834" cy="2844059"/>
-            <a:chOff x="5230762" y="3703747"/>
-            <a:chExt cx="6023254" cy="3480510"/>
-          </a:xfrm>
-        </p:grpSpPr>
-        <p:grpSp>
-          <p:nvGrpSpPr>
-            <p:cNvPr id="78" name="グループ化 77"/>
-            <p:cNvGrpSpPr/>
-            <p:nvPr/>
-          </p:nvGrpSpPr>
-          <p:grpSpPr>
-            <a:xfrm rot="10800000">
-              <a:off x="5951446" y="5391497"/>
-              <a:ext cx="702882" cy="638637"/>
-              <a:chOff x="5476401" y="2958805"/>
-              <a:chExt cx="578693" cy="525800"/>
-            </a:xfrm>
-          </p:grpSpPr>
-          <p:sp>
-            <p:nvSpPr>
-              <p:cNvPr id="79" name="角丸四角形 78"/>
-              <p:cNvSpPr/>
-              <p:nvPr/>
-            </p:nvSpPr>
-            <p:spPr>
-              <a:xfrm>
-                <a:off x="5476401" y="3079716"/>
-                <a:ext cx="71783" cy="283978"/>
-              </a:xfrm>
-              <a:prstGeom prst="roundRect">
-                <a:avLst>
-                  <a:gd name="adj" fmla="val 50000"/>
-                </a:avLst>
-              </a:prstGeom>
-              <a:solidFill>
-                <a:schemeClr val="bg2">
-                  <a:lumMod val="50000"/>
-                </a:schemeClr>
-              </a:solidFill>
-              <a:ln>
-                <a:solidFill>
-                  <a:schemeClr val="tx1"/>
-                </a:solidFill>
-              </a:ln>
-            </p:spPr>
-            <p:style>
-              <a:lnRef idx="2">
-                <a:schemeClr val="accent1">
-                  <a:shade val="50000"/>
-                </a:schemeClr>
-              </a:lnRef>
-              <a:fillRef idx="1">
-                <a:schemeClr val="accent1"/>
-              </a:fillRef>
-              <a:effectRef idx="0">
-                <a:schemeClr val="accent1"/>
-              </a:effectRef>
-              <a:fontRef idx="minor">
-                <a:schemeClr val="lt1"/>
-              </a:fontRef>
-            </p:style>
-            <p:txBody>
-              <a:bodyPr rtlCol="0" anchor="ctr"/>
-              <a:lstStyle/>
-              <a:p>
-                <a:pPr algn="ctr"/>
-                <a:endParaRPr kumimoji="1" lang="ja-JP" altLang="en-US" sz="900" dirty="0">
-                  <a:latin typeface="メイリオ" panose="020B0604030504040204" pitchFamily="50" charset="-128"/>
-                  <a:ea typeface="メイリオ" panose="020B0604030504040204" pitchFamily="50" charset="-128"/>
-                  <a:cs typeface="メイリオ" panose="020B0604030504040204" pitchFamily="50" charset="-128"/>
-                </a:endParaRPr>
-              </a:p>
-            </p:txBody>
-          </p:sp>
-          <p:sp>
-            <p:nvSpPr>
-              <p:cNvPr id="80" name="正方形/長方形 79"/>
-              <p:cNvSpPr/>
-              <p:nvPr/>
-            </p:nvSpPr>
-            <p:spPr>
-              <a:xfrm>
-                <a:off x="5548184" y="2958805"/>
-                <a:ext cx="432486" cy="525800"/>
-              </a:xfrm>
-              <a:prstGeom prst="rect">
-                <a:avLst/>
-              </a:prstGeom>
-              <a:solidFill>
-                <a:schemeClr val="bg2"/>
-              </a:solidFill>
-              <a:ln>
-                <a:solidFill>
-                  <a:schemeClr val="tx1"/>
-                </a:solidFill>
-              </a:ln>
-            </p:spPr>
-            <p:style>
-              <a:lnRef idx="2">
-                <a:schemeClr val="accent1">
-                  <a:shade val="50000"/>
-                </a:schemeClr>
-              </a:lnRef>
-              <a:fillRef idx="1">
-                <a:schemeClr val="accent1"/>
-              </a:fillRef>
-              <a:effectRef idx="0">
-                <a:schemeClr val="accent1"/>
-              </a:effectRef>
-              <a:fontRef idx="minor">
-                <a:schemeClr val="lt1"/>
-              </a:fontRef>
-            </p:style>
-            <p:txBody>
-              <a:bodyPr rtlCol="0" anchor="ctr"/>
-              <a:lstStyle/>
-              <a:p>
-                <a:pPr algn="ctr"/>
-                <a:endParaRPr kumimoji="1" lang="ja-JP" altLang="en-US" sz="900">
-                  <a:latin typeface="メイリオ" panose="020B0604030504040204" pitchFamily="50" charset="-128"/>
-                  <a:ea typeface="メイリオ" panose="020B0604030504040204" pitchFamily="50" charset="-128"/>
-                  <a:cs typeface="メイリオ" panose="020B0604030504040204" pitchFamily="50" charset="-128"/>
-                </a:endParaRPr>
-              </a:p>
-            </p:txBody>
-          </p:sp>
-          <p:sp>
-            <p:nvSpPr>
-              <p:cNvPr id="81" name="角丸四角形 80"/>
-              <p:cNvSpPr/>
-              <p:nvPr/>
-            </p:nvSpPr>
-            <p:spPr>
-              <a:xfrm>
-                <a:off x="5983311" y="3079716"/>
-                <a:ext cx="71783" cy="283978"/>
-              </a:xfrm>
-              <a:prstGeom prst="roundRect">
-                <a:avLst>
-                  <a:gd name="adj" fmla="val 50000"/>
-                </a:avLst>
-              </a:prstGeom>
-              <a:solidFill>
-                <a:schemeClr val="bg2">
-                  <a:lumMod val="50000"/>
-                </a:schemeClr>
-              </a:solidFill>
-              <a:ln>
-                <a:solidFill>
-                  <a:schemeClr val="tx1"/>
-                </a:solidFill>
-              </a:ln>
-            </p:spPr>
-            <p:style>
-              <a:lnRef idx="2">
-                <a:schemeClr val="accent1">
-                  <a:shade val="50000"/>
-                </a:schemeClr>
-              </a:lnRef>
-              <a:fillRef idx="1">
-                <a:schemeClr val="accent1"/>
-              </a:fillRef>
-              <a:effectRef idx="0">
-                <a:schemeClr val="accent1"/>
-              </a:effectRef>
-              <a:fontRef idx="minor">
-                <a:schemeClr val="lt1"/>
-              </a:fontRef>
-            </p:style>
-            <p:txBody>
-              <a:bodyPr rtlCol="0" anchor="ctr"/>
-              <a:lstStyle/>
-              <a:p>
-                <a:pPr algn="ctr"/>
-                <a:endParaRPr kumimoji="1" lang="ja-JP" altLang="en-US" sz="900" dirty="0">
-                  <a:latin typeface="メイリオ" panose="020B0604030504040204" pitchFamily="50" charset="-128"/>
-                  <a:ea typeface="メイリオ" panose="020B0604030504040204" pitchFamily="50" charset="-128"/>
-                  <a:cs typeface="メイリオ" panose="020B0604030504040204" pitchFamily="50" charset="-128"/>
-                </a:endParaRPr>
-              </a:p>
-            </p:txBody>
-          </p:sp>
-        </p:grpSp>
-        <p:sp>
-          <p:nvSpPr>
-            <p:cNvPr id="82" name="テキスト ボックス 81"/>
-            <p:cNvSpPr txBox="1"/>
-            <p:nvPr/>
-          </p:nvSpPr>
-          <p:spPr>
-            <a:xfrm>
-              <a:off x="5274184" y="5010292"/>
-              <a:ext cx="1800492" cy="307776"/>
-            </a:xfrm>
-            <a:prstGeom prst="rect">
-              <a:avLst/>
-            </a:prstGeom>
-            <a:noFill/>
-          </p:spPr>
-          <p:txBody>
-            <a:bodyPr wrap="none" rtlCol="0">
-              <a:spAutoFit/>
-            </a:bodyPr>
-            <a:lstStyle/>
-            <a:p>
-              <a:r>
-                <a:rPr kumimoji="1" lang="ja-JP" altLang="en-US" sz="700" dirty="0" smtClean="0">
-                  <a:latin typeface="メイリオ" panose="020B0604030504040204" pitchFamily="50" charset="-128"/>
-                  <a:ea typeface="メイリオ" panose="020B0604030504040204" pitchFamily="50" charset="-128"/>
-                  <a:cs typeface="メイリオ" panose="020B0604030504040204" pitchFamily="50" charset="-128"/>
-                </a:rPr>
-                <a:t>同じ出力</a:t>
-              </a:r>
-              <a:r>
-                <a:rPr lang="ja-JP" altLang="en-US" sz="700" dirty="0" smtClean="0">
-                  <a:latin typeface="メイリオ" panose="020B0604030504040204" pitchFamily="50" charset="-128"/>
-                  <a:ea typeface="メイリオ" panose="020B0604030504040204" pitchFamily="50" charset="-128"/>
-                  <a:cs typeface="メイリオ" panose="020B0604030504040204" pitchFamily="50" charset="-128"/>
-                </a:rPr>
-                <a:t>、同じ時間で回転させても</a:t>
-              </a:r>
-              <a:endParaRPr lang="en-US" altLang="ja-JP" sz="700" dirty="0">
-                <a:latin typeface="メイリオ" panose="020B0604030504040204" pitchFamily="50" charset="-128"/>
-                <a:ea typeface="メイリオ" panose="020B0604030504040204" pitchFamily="50" charset="-128"/>
-                <a:cs typeface="メイリオ" panose="020B0604030504040204" pitchFamily="50" charset="-128"/>
-              </a:endParaRPr>
-            </a:p>
-            <a:p>
-              <a:r>
-                <a:rPr kumimoji="1" lang="ja-JP" altLang="en-US" sz="700" dirty="0" smtClean="0">
-                  <a:latin typeface="メイリオ" panose="020B0604030504040204" pitchFamily="50" charset="-128"/>
-                  <a:ea typeface="メイリオ" panose="020B0604030504040204" pitchFamily="50" charset="-128"/>
-                  <a:cs typeface="メイリオ" panose="020B0604030504040204" pitchFamily="50" charset="-128"/>
-                </a:rPr>
-                <a:t>タイヤの回転角に差が生じる場合がある</a:t>
-              </a:r>
-              <a:endParaRPr kumimoji="1" lang="ja-JP" altLang="en-US" sz="700" dirty="0">
-                <a:latin typeface="メイリオ" panose="020B0604030504040204" pitchFamily="50" charset="-128"/>
-                <a:ea typeface="メイリオ" panose="020B0604030504040204" pitchFamily="50" charset="-128"/>
-                <a:cs typeface="メイリオ" panose="020B0604030504040204" pitchFamily="50" charset="-128"/>
-              </a:endParaRPr>
-            </a:p>
-          </p:txBody>
-        </p:sp>
-        <p:sp>
-          <p:nvSpPr>
-            <p:cNvPr id="83" name="四角形吹き出し 82"/>
-            <p:cNvSpPr/>
-            <p:nvPr/>
-          </p:nvSpPr>
-          <p:spPr>
-            <a:xfrm>
-              <a:off x="6743277" y="5776413"/>
-              <a:ext cx="753983" cy="160169"/>
-            </a:xfrm>
-            <a:prstGeom prst="wedgeRectCallout">
-              <a:avLst>
-                <a:gd name="adj1" fmla="val -59891"/>
-                <a:gd name="adj2" fmla="val -75913"/>
-              </a:avLst>
-            </a:prstGeom>
-            <a:solidFill>
-              <a:schemeClr val="bg1"/>
-            </a:solidFill>
-          </p:spPr>
-          <p:style>
-            <a:lnRef idx="2">
-              <a:schemeClr val="accent1">
-                <a:shade val="50000"/>
-              </a:schemeClr>
-            </a:lnRef>
-            <a:fillRef idx="1">
-              <a:schemeClr val="accent1"/>
-            </a:fillRef>
-            <a:effectRef idx="0">
-              <a:schemeClr val="accent1"/>
-            </a:effectRef>
-            <a:fontRef idx="minor">
-              <a:schemeClr val="lt1"/>
-            </a:fontRef>
-          </p:style>
-          <p:txBody>
-            <a:bodyPr rtlCol="0" anchor="ctr"/>
-            <a:lstStyle/>
-            <a:p>
-              <a:pPr algn="ctr"/>
-              <a:r>
-                <a:rPr lang="ja-JP" altLang="en-US" sz="600" dirty="0" smtClean="0">
-                  <a:solidFill>
-                    <a:schemeClr val="tx1"/>
-                  </a:solidFill>
-                  <a:latin typeface="メイリオ" panose="020B0604030504040204" pitchFamily="50" charset="-128"/>
-                  <a:ea typeface="メイリオ" panose="020B0604030504040204" pitchFamily="50" charset="-128"/>
-                  <a:cs typeface="メイリオ" panose="020B0604030504040204" pitchFamily="50" charset="-128"/>
-                </a:rPr>
-                <a:t>回転角：</a:t>
-              </a:r>
-              <a:r>
-                <a:rPr lang="en-US" altLang="ja-JP" sz="600" dirty="0" smtClean="0">
-                  <a:solidFill>
-                    <a:schemeClr val="tx1"/>
-                  </a:solidFill>
-                  <a:latin typeface="メイリオ" panose="020B0604030504040204" pitchFamily="50" charset="-128"/>
-                  <a:ea typeface="メイリオ" panose="020B0604030504040204" pitchFamily="50" charset="-128"/>
-                  <a:cs typeface="メイリオ" panose="020B0604030504040204" pitchFamily="50" charset="-128"/>
-                </a:rPr>
-                <a:t>70</a:t>
-              </a:r>
-              <a:endParaRPr kumimoji="1" lang="ja-JP" altLang="en-US" sz="600" dirty="0">
-                <a:solidFill>
-                  <a:schemeClr val="tx1"/>
-                </a:solidFill>
-                <a:latin typeface="メイリオ" panose="020B0604030504040204" pitchFamily="50" charset="-128"/>
-                <a:ea typeface="メイリオ" panose="020B0604030504040204" pitchFamily="50" charset="-128"/>
-                <a:cs typeface="メイリオ" panose="020B0604030504040204" pitchFamily="50" charset="-128"/>
-              </a:endParaRPr>
-            </a:p>
-          </p:txBody>
-        </p:sp>
-        <p:sp>
-          <p:nvSpPr>
-            <p:cNvPr id="84" name="四角形吹き出し 83"/>
-            <p:cNvSpPr/>
-            <p:nvPr/>
-          </p:nvSpPr>
-          <p:spPr>
-            <a:xfrm>
-              <a:off x="5230762" y="5813888"/>
-              <a:ext cx="649567" cy="184849"/>
-            </a:xfrm>
-            <a:prstGeom prst="wedgeRectCallout">
-              <a:avLst>
-                <a:gd name="adj1" fmla="val 59878"/>
-                <a:gd name="adj2" fmla="val -97765"/>
-              </a:avLst>
-            </a:prstGeom>
-            <a:solidFill>
-              <a:schemeClr val="bg1"/>
-            </a:solidFill>
-          </p:spPr>
-          <p:style>
-            <a:lnRef idx="2">
-              <a:schemeClr val="accent1">
-                <a:shade val="50000"/>
-              </a:schemeClr>
-            </a:lnRef>
-            <a:fillRef idx="1">
-              <a:schemeClr val="accent1"/>
-            </a:fillRef>
-            <a:effectRef idx="0">
-              <a:schemeClr val="accent1"/>
-            </a:effectRef>
-            <a:fontRef idx="minor">
-              <a:schemeClr val="lt1"/>
-            </a:fontRef>
-          </p:style>
-          <p:txBody>
-            <a:bodyPr rtlCol="0" anchor="ctr"/>
-            <a:lstStyle/>
-            <a:p>
-              <a:pPr algn="ctr"/>
-              <a:r>
-                <a:rPr lang="ja-JP" altLang="en-US" sz="500" dirty="0" smtClean="0">
-                  <a:solidFill>
-                    <a:schemeClr val="tx1"/>
-                  </a:solidFill>
-                  <a:latin typeface="メイリオ" panose="020B0604030504040204" pitchFamily="50" charset="-128"/>
-                  <a:ea typeface="メイリオ" panose="020B0604030504040204" pitchFamily="50" charset="-128"/>
-                  <a:cs typeface="メイリオ" panose="020B0604030504040204" pitchFamily="50" charset="-128"/>
-                </a:rPr>
-                <a:t>回転角：</a:t>
-              </a:r>
-              <a:r>
-                <a:rPr lang="en-US" altLang="ja-JP" sz="500" dirty="0">
-                  <a:solidFill>
-                    <a:schemeClr val="tx1"/>
-                  </a:solidFill>
-                  <a:latin typeface="メイリオ" panose="020B0604030504040204" pitchFamily="50" charset="-128"/>
-                  <a:ea typeface="メイリオ" panose="020B0604030504040204" pitchFamily="50" charset="-128"/>
-                  <a:cs typeface="メイリオ" panose="020B0604030504040204" pitchFamily="50" charset="-128"/>
-                </a:rPr>
-                <a:t>69</a:t>
-              </a:r>
-              <a:endParaRPr kumimoji="1" lang="ja-JP" altLang="en-US" sz="500" dirty="0">
-                <a:solidFill>
-                  <a:schemeClr val="tx1"/>
-                </a:solidFill>
-                <a:latin typeface="メイリオ" panose="020B0604030504040204" pitchFamily="50" charset="-128"/>
-                <a:ea typeface="メイリオ" panose="020B0604030504040204" pitchFamily="50" charset="-128"/>
-                <a:cs typeface="メイリオ" panose="020B0604030504040204" pitchFamily="50" charset="-128"/>
-              </a:endParaRPr>
-            </a:p>
-          </p:txBody>
-        </p:sp>
-        <p:cxnSp>
-          <p:nvCxnSpPr>
-            <p:cNvPr id="85" name="直線コネクタ 84"/>
-            <p:cNvCxnSpPr/>
-            <p:nvPr/>
-          </p:nvCxnSpPr>
-          <p:spPr>
-            <a:xfrm>
-              <a:off x="8856359" y="3703747"/>
-              <a:ext cx="0" cy="1343314"/>
-            </a:xfrm>
-            <a:prstGeom prst="line">
-              <a:avLst/>
-            </a:prstGeom>
-            <a:ln w="152400">
-              <a:solidFill>
-                <a:schemeClr val="tx1"/>
-              </a:solidFill>
-            </a:ln>
-          </p:spPr>
-          <p:style>
-            <a:lnRef idx="1">
-              <a:schemeClr val="accent1"/>
-            </a:lnRef>
-            <a:fillRef idx="0">
-              <a:schemeClr val="accent1"/>
-            </a:fillRef>
-            <a:effectRef idx="0">
-              <a:schemeClr val="accent1"/>
-            </a:effectRef>
-            <a:fontRef idx="minor">
-              <a:schemeClr val="tx1"/>
-            </a:fontRef>
-          </p:style>
-        </p:cxnSp>
-        <p:grpSp>
-          <p:nvGrpSpPr>
-            <p:cNvPr id="86" name="グループ化 85"/>
-            <p:cNvGrpSpPr/>
-            <p:nvPr/>
-          </p:nvGrpSpPr>
-          <p:grpSpPr>
-            <a:xfrm rot="10800000">
-              <a:off x="8500528" y="4760311"/>
-              <a:ext cx="702882" cy="638637"/>
-              <a:chOff x="5476401" y="2958805"/>
-              <a:chExt cx="578693" cy="525800"/>
-            </a:xfrm>
-          </p:grpSpPr>
-          <p:sp>
-            <p:nvSpPr>
-              <p:cNvPr id="87" name="角丸四角形 86"/>
-              <p:cNvSpPr/>
-              <p:nvPr/>
-            </p:nvSpPr>
-            <p:spPr>
-              <a:xfrm>
-                <a:off x="5476401" y="3079716"/>
-                <a:ext cx="71783" cy="283978"/>
-              </a:xfrm>
-              <a:prstGeom prst="roundRect">
-                <a:avLst>
-                  <a:gd name="adj" fmla="val 50000"/>
-                </a:avLst>
-              </a:prstGeom>
-              <a:solidFill>
-                <a:schemeClr val="bg2">
-                  <a:lumMod val="50000"/>
-                </a:schemeClr>
-              </a:solidFill>
-              <a:ln>
-                <a:solidFill>
-                  <a:schemeClr val="tx1"/>
-                </a:solidFill>
-              </a:ln>
-            </p:spPr>
-            <p:style>
-              <a:lnRef idx="2">
-                <a:schemeClr val="accent1">
-                  <a:shade val="50000"/>
-                </a:schemeClr>
-              </a:lnRef>
-              <a:fillRef idx="1">
-                <a:schemeClr val="accent1"/>
-              </a:fillRef>
-              <a:effectRef idx="0">
-                <a:schemeClr val="accent1"/>
-              </a:effectRef>
-              <a:fontRef idx="minor">
-                <a:schemeClr val="lt1"/>
-              </a:fontRef>
-            </p:style>
-            <p:txBody>
-              <a:bodyPr rtlCol="0" anchor="ctr"/>
-              <a:lstStyle/>
-              <a:p>
-                <a:pPr algn="ctr"/>
-                <a:endParaRPr kumimoji="1" lang="ja-JP" altLang="en-US" sz="900" dirty="0">
-                  <a:latin typeface="メイリオ" panose="020B0604030504040204" pitchFamily="50" charset="-128"/>
-                  <a:ea typeface="メイリオ" panose="020B0604030504040204" pitchFamily="50" charset="-128"/>
-                  <a:cs typeface="メイリオ" panose="020B0604030504040204" pitchFamily="50" charset="-128"/>
-                </a:endParaRPr>
-              </a:p>
-            </p:txBody>
-          </p:sp>
-          <p:sp>
-            <p:nvSpPr>
-              <p:cNvPr id="88" name="正方形/長方形 87"/>
-              <p:cNvSpPr/>
-              <p:nvPr/>
-            </p:nvSpPr>
-            <p:spPr>
-              <a:xfrm>
-                <a:off x="5548184" y="2958805"/>
-                <a:ext cx="432486" cy="525800"/>
-              </a:xfrm>
-              <a:prstGeom prst="rect">
-                <a:avLst/>
-              </a:prstGeom>
-              <a:solidFill>
-                <a:schemeClr val="bg2"/>
-              </a:solidFill>
-              <a:ln>
-                <a:solidFill>
-                  <a:schemeClr val="tx1"/>
-                </a:solidFill>
-              </a:ln>
-            </p:spPr>
-            <p:style>
-              <a:lnRef idx="2">
-                <a:schemeClr val="accent1">
-                  <a:shade val="50000"/>
-                </a:schemeClr>
-              </a:lnRef>
-              <a:fillRef idx="1">
-                <a:schemeClr val="accent1"/>
-              </a:fillRef>
-              <a:effectRef idx="0">
-                <a:schemeClr val="accent1"/>
-              </a:effectRef>
-              <a:fontRef idx="minor">
-                <a:schemeClr val="lt1"/>
-              </a:fontRef>
-            </p:style>
-            <p:txBody>
-              <a:bodyPr rtlCol="0" anchor="ctr"/>
-              <a:lstStyle/>
-              <a:p>
-                <a:pPr algn="ctr"/>
-                <a:endParaRPr kumimoji="1" lang="ja-JP" altLang="en-US" sz="900">
-                  <a:latin typeface="メイリオ" panose="020B0604030504040204" pitchFamily="50" charset="-128"/>
-                  <a:ea typeface="メイリオ" panose="020B0604030504040204" pitchFamily="50" charset="-128"/>
-                  <a:cs typeface="メイリオ" panose="020B0604030504040204" pitchFamily="50" charset="-128"/>
-                </a:endParaRPr>
-              </a:p>
-            </p:txBody>
-          </p:sp>
-          <p:sp>
-            <p:nvSpPr>
-              <p:cNvPr id="89" name="角丸四角形 88"/>
-              <p:cNvSpPr/>
-              <p:nvPr/>
-            </p:nvSpPr>
-            <p:spPr>
-              <a:xfrm>
-                <a:off x="5983311" y="3079716"/>
-                <a:ext cx="71783" cy="283978"/>
-              </a:xfrm>
-              <a:prstGeom prst="roundRect">
-                <a:avLst>
-                  <a:gd name="adj" fmla="val 50000"/>
-                </a:avLst>
-              </a:prstGeom>
-              <a:solidFill>
-                <a:schemeClr val="bg2">
-                  <a:lumMod val="50000"/>
-                </a:schemeClr>
-              </a:solidFill>
-              <a:ln>
-                <a:solidFill>
-                  <a:schemeClr val="tx1"/>
-                </a:solidFill>
-              </a:ln>
-            </p:spPr>
-            <p:style>
-              <a:lnRef idx="2">
-                <a:schemeClr val="accent1">
-                  <a:shade val="50000"/>
-                </a:schemeClr>
-              </a:lnRef>
-              <a:fillRef idx="1">
-                <a:schemeClr val="accent1"/>
-              </a:fillRef>
-              <a:effectRef idx="0">
-                <a:schemeClr val="accent1"/>
-              </a:effectRef>
-              <a:fontRef idx="minor">
-                <a:schemeClr val="lt1"/>
-              </a:fontRef>
-            </p:style>
-            <p:txBody>
-              <a:bodyPr rtlCol="0" anchor="ctr"/>
-              <a:lstStyle/>
-              <a:p>
-                <a:pPr algn="ctr"/>
-                <a:endParaRPr kumimoji="1" lang="ja-JP" altLang="en-US" sz="900" dirty="0">
-                  <a:latin typeface="メイリオ" panose="020B0604030504040204" pitchFamily="50" charset="-128"/>
-                  <a:ea typeface="メイリオ" panose="020B0604030504040204" pitchFamily="50" charset="-128"/>
-                  <a:cs typeface="メイリオ" panose="020B0604030504040204" pitchFamily="50" charset="-128"/>
-                </a:endParaRPr>
-              </a:p>
-            </p:txBody>
-          </p:sp>
-        </p:grpSp>
-        <p:cxnSp>
-          <p:nvCxnSpPr>
-            <p:cNvPr id="90" name="直線矢印コネクタ 89"/>
-            <p:cNvCxnSpPr/>
-            <p:nvPr/>
-          </p:nvCxnSpPr>
-          <p:spPr>
-            <a:xfrm flipV="1">
-              <a:off x="8864012" y="3703747"/>
-              <a:ext cx="0" cy="1056564"/>
-            </a:xfrm>
-            <a:prstGeom prst="straightConnector1">
-              <a:avLst/>
-            </a:prstGeom>
-            <a:ln w="50800">
-              <a:solidFill>
-                <a:schemeClr val="accent4"/>
-              </a:solidFill>
-              <a:tailEnd type="triangle"/>
-            </a:ln>
-          </p:spPr>
-          <p:style>
-            <a:lnRef idx="1">
-              <a:schemeClr val="accent1"/>
-            </a:lnRef>
-            <a:fillRef idx="0">
-              <a:schemeClr val="accent1"/>
-            </a:fillRef>
-            <a:effectRef idx="0">
-              <a:schemeClr val="accent1"/>
-            </a:effectRef>
-            <a:fontRef idx="minor">
-              <a:schemeClr val="tx1"/>
-            </a:fontRef>
-          </p:style>
-        </p:cxnSp>
-        <p:cxnSp>
-          <p:nvCxnSpPr>
-            <p:cNvPr id="91" name="直線矢印コネクタ 90"/>
-            <p:cNvCxnSpPr/>
-            <p:nvPr/>
-          </p:nvCxnSpPr>
-          <p:spPr>
-            <a:xfrm flipH="1" flipV="1">
-              <a:off x="8694205" y="3703747"/>
-              <a:ext cx="169808" cy="1056564"/>
-            </a:xfrm>
-            <a:prstGeom prst="straightConnector1">
-              <a:avLst/>
-            </a:prstGeom>
-            <a:ln w="50800">
-              <a:solidFill>
-                <a:srgbClr val="00B0F0"/>
-              </a:solidFill>
-              <a:tailEnd type="triangle"/>
-            </a:ln>
-          </p:spPr>
-          <p:style>
-            <a:lnRef idx="1">
-              <a:schemeClr val="accent1"/>
-            </a:lnRef>
-            <a:fillRef idx="0">
-              <a:schemeClr val="accent1"/>
-            </a:fillRef>
-            <a:effectRef idx="0">
-              <a:schemeClr val="accent1"/>
-            </a:effectRef>
-            <a:fontRef idx="minor">
-              <a:schemeClr val="tx1"/>
-            </a:fontRef>
-          </p:style>
-        </p:cxnSp>
-        <p:sp>
-          <p:nvSpPr>
-            <p:cNvPr id="92" name="テキスト ボックス 91"/>
-            <p:cNvSpPr txBox="1"/>
-            <p:nvPr/>
-          </p:nvSpPr>
-          <p:spPr>
-            <a:xfrm>
-              <a:off x="7180272" y="6396697"/>
-              <a:ext cx="1903391" cy="307777"/>
-            </a:xfrm>
-            <a:prstGeom prst="rect">
-              <a:avLst/>
-            </a:prstGeom>
-            <a:noFill/>
-          </p:spPr>
-          <p:txBody>
-            <a:bodyPr wrap="square" rtlCol="0">
-              <a:spAutoFit/>
-            </a:bodyPr>
-            <a:lstStyle/>
-            <a:p>
-              <a:r>
-                <a:rPr lang="ja-JP" altLang="en-US" sz="700" dirty="0" smtClean="0">
-                  <a:solidFill>
-                    <a:srgbClr val="0070C0"/>
-                  </a:solidFill>
-                  <a:latin typeface="メイリオ" panose="020B0604030504040204" pitchFamily="50" charset="-128"/>
-                  <a:ea typeface="メイリオ" panose="020B0604030504040204" pitchFamily="50" charset="-128"/>
-                  <a:cs typeface="メイリオ" panose="020B0604030504040204" pitchFamily="50" charset="-128"/>
-                </a:rPr>
-                <a:t>微小時間ごとに向きを検知し、</a:t>
-              </a:r>
-              <a:r>
-                <a:rPr lang="en-US" altLang="ja-JP" sz="700" dirty="0" smtClean="0">
-                  <a:solidFill>
-                    <a:srgbClr val="0070C0"/>
-                  </a:solidFill>
-                  <a:latin typeface="メイリオ" panose="020B0604030504040204" pitchFamily="50" charset="-128"/>
-                  <a:ea typeface="メイリオ" panose="020B0604030504040204" pitchFamily="50" charset="-128"/>
-                  <a:cs typeface="メイリオ" panose="020B0604030504040204" pitchFamily="50" charset="-128"/>
-                </a:rPr>
-                <a:t/>
-              </a:r>
-              <a:br>
-                <a:rPr lang="en-US" altLang="ja-JP" sz="700" dirty="0" smtClean="0">
-                  <a:solidFill>
-                    <a:srgbClr val="0070C0"/>
-                  </a:solidFill>
-                  <a:latin typeface="メイリオ" panose="020B0604030504040204" pitchFamily="50" charset="-128"/>
-                  <a:ea typeface="メイリオ" panose="020B0604030504040204" pitchFamily="50" charset="-128"/>
-                  <a:cs typeface="メイリオ" panose="020B0604030504040204" pitchFamily="50" charset="-128"/>
-                </a:rPr>
-              </a:br>
-              <a:r>
-                <a:rPr lang="ja-JP" altLang="en-US" sz="700" dirty="0" smtClean="0">
-                  <a:solidFill>
-                    <a:srgbClr val="0070C0"/>
-                  </a:solidFill>
-                  <a:latin typeface="メイリオ" panose="020B0604030504040204" pitchFamily="50" charset="-128"/>
-                  <a:ea typeface="メイリオ" panose="020B0604030504040204" pitchFamily="50" charset="-128"/>
-                  <a:cs typeface="メイリオ" panose="020B0604030504040204" pitchFamily="50" charset="-128"/>
-                </a:rPr>
-                <a:t>ズレを打ち消すように走行を補正する</a:t>
-              </a:r>
-              <a:endParaRPr kumimoji="1" lang="ja-JP" altLang="en-US" sz="700" dirty="0">
-                <a:solidFill>
-                  <a:srgbClr val="0070C0"/>
-                </a:solidFill>
-                <a:latin typeface="メイリオ" panose="020B0604030504040204" pitchFamily="50" charset="-128"/>
-                <a:ea typeface="メイリオ" panose="020B0604030504040204" pitchFamily="50" charset="-128"/>
-                <a:cs typeface="メイリオ" panose="020B0604030504040204" pitchFamily="50" charset="-128"/>
-              </a:endParaRPr>
-            </a:p>
-          </p:txBody>
-        </p:sp>
-        <p:cxnSp>
-          <p:nvCxnSpPr>
-            <p:cNvPr id="93" name="直線コネクタ 92"/>
-            <p:cNvCxnSpPr/>
-            <p:nvPr/>
-          </p:nvCxnSpPr>
-          <p:spPr>
-            <a:xfrm>
-              <a:off x="9328220" y="5489056"/>
-              <a:ext cx="0" cy="1343314"/>
-            </a:xfrm>
-            <a:prstGeom prst="line">
-              <a:avLst/>
-            </a:prstGeom>
-            <a:ln w="152400">
-              <a:solidFill>
-                <a:schemeClr val="tx1"/>
-              </a:solidFill>
-            </a:ln>
-          </p:spPr>
-          <p:style>
-            <a:lnRef idx="1">
-              <a:schemeClr val="accent1"/>
-            </a:lnRef>
-            <a:fillRef idx="0">
-              <a:schemeClr val="accent1"/>
-            </a:fillRef>
-            <a:effectRef idx="0">
-              <a:schemeClr val="accent1"/>
-            </a:effectRef>
-            <a:fontRef idx="minor">
-              <a:schemeClr val="tx1"/>
-            </a:fontRef>
-          </p:style>
-        </p:cxnSp>
-        <p:grpSp>
-          <p:nvGrpSpPr>
-            <p:cNvPr id="94" name="グループ化 93"/>
-            <p:cNvGrpSpPr/>
-            <p:nvPr/>
-          </p:nvGrpSpPr>
-          <p:grpSpPr>
-            <a:xfrm rot="10800000">
-              <a:off x="8972389" y="6545620"/>
-              <a:ext cx="702882" cy="638637"/>
-              <a:chOff x="5476401" y="2958805"/>
-              <a:chExt cx="578693" cy="525800"/>
-            </a:xfrm>
-          </p:grpSpPr>
-          <p:sp>
-            <p:nvSpPr>
-              <p:cNvPr id="95" name="角丸四角形 94"/>
-              <p:cNvSpPr/>
-              <p:nvPr/>
-            </p:nvSpPr>
-            <p:spPr>
-              <a:xfrm>
-                <a:off x="5476401" y="3079716"/>
-                <a:ext cx="71783" cy="283978"/>
-              </a:xfrm>
-              <a:prstGeom prst="roundRect">
-                <a:avLst>
-                  <a:gd name="adj" fmla="val 50000"/>
-                </a:avLst>
-              </a:prstGeom>
-              <a:solidFill>
-                <a:schemeClr val="bg2">
-                  <a:lumMod val="50000"/>
-                </a:schemeClr>
-              </a:solidFill>
-              <a:ln>
-                <a:solidFill>
-                  <a:schemeClr val="tx1"/>
-                </a:solidFill>
-              </a:ln>
-            </p:spPr>
-            <p:style>
-              <a:lnRef idx="2">
-                <a:schemeClr val="accent1">
-                  <a:shade val="50000"/>
-                </a:schemeClr>
-              </a:lnRef>
-              <a:fillRef idx="1">
-                <a:schemeClr val="accent1"/>
-              </a:fillRef>
-              <a:effectRef idx="0">
-                <a:schemeClr val="accent1"/>
-              </a:effectRef>
-              <a:fontRef idx="minor">
-                <a:schemeClr val="lt1"/>
-              </a:fontRef>
-            </p:style>
-            <p:txBody>
-              <a:bodyPr rtlCol="0" anchor="ctr"/>
-              <a:lstStyle/>
-              <a:p>
-                <a:pPr algn="ctr"/>
-                <a:endParaRPr kumimoji="1" lang="ja-JP" altLang="en-US" sz="900" dirty="0">
-                  <a:latin typeface="メイリオ" panose="020B0604030504040204" pitchFamily="50" charset="-128"/>
-                  <a:ea typeface="メイリオ" panose="020B0604030504040204" pitchFamily="50" charset="-128"/>
-                  <a:cs typeface="メイリオ" panose="020B0604030504040204" pitchFamily="50" charset="-128"/>
-                </a:endParaRPr>
-              </a:p>
-            </p:txBody>
-          </p:sp>
-          <p:sp>
-            <p:nvSpPr>
-              <p:cNvPr id="96" name="正方形/長方形 95"/>
-              <p:cNvSpPr/>
-              <p:nvPr/>
-            </p:nvSpPr>
-            <p:spPr>
-              <a:xfrm>
-                <a:off x="5548184" y="2958805"/>
-                <a:ext cx="432486" cy="525800"/>
-              </a:xfrm>
-              <a:prstGeom prst="rect">
-                <a:avLst/>
-              </a:prstGeom>
-              <a:solidFill>
-                <a:schemeClr val="bg2"/>
-              </a:solidFill>
-              <a:ln>
-                <a:solidFill>
-                  <a:schemeClr val="tx1"/>
-                </a:solidFill>
-              </a:ln>
-            </p:spPr>
-            <p:style>
-              <a:lnRef idx="2">
-                <a:schemeClr val="accent1">
-                  <a:shade val="50000"/>
-                </a:schemeClr>
-              </a:lnRef>
-              <a:fillRef idx="1">
-                <a:schemeClr val="accent1"/>
-              </a:fillRef>
-              <a:effectRef idx="0">
-                <a:schemeClr val="accent1"/>
-              </a:effectRef>
-              <a:fontRef idx="minor">
-                <a:schemeClr val="lt1"/>
-              </a:fontRef>
-            </p:style>
-            <p:txBody>
-              <a:bodyPr rtlCol="0" anchor="ctr"/>
-              <a:lstStyle/>
-              <a:p>
-                <a:pPr algn="ctr"/>
-                <a:endParaRPr kumimoji="1" lang="ja-JP" altLang="en-US" sz="900">
-                  <a:latin typeface="メイリオ" panose="020B0604030504040204" pitchFamily="50" charset="-128"/>
-                  <a:ea typeface="メイリオ" panose="020B0604030504040204" pitchFamily="50" charset="-128"/>
-                  <a:cs typeface="メイリオ" panose="020B0604030504040204" pitchFamily="50" charset="-128"/>
-                </a:endParaRPr>
-              </a:p>
-            </p:txBody>
-          </p:sp>
-          <p:sp>
-            <p:nvSpPr>
-              <p:cNvPr id="97" name="角丸四角形 96"/>
-              <p:cNvSpPr/>
-              <p:nvPr/>
-            </p:nvSpPr>
-            <p:spPr>
-              <a:xfrm>
-                <a:off x="5983311" y="3079716"/>
-                <a:ext cx="71783" cy="283978"/>
-              </a:xfrm>
-              <a:prstGeom prst="roundRect">
-                <a:avLst>
-                  <a:gd name="adj" fmla="val 50000"/>
-                </a:avLst>
-              </a:prstGeom>
-              <a:solidFill>
-                <a:schemeClr val="bg2">
-                  <a:lumMod val="50000"/>
-                </a:schemeClr>
-              </a:solidFill>
-              <a:ln>
-                <a:solidFill>
-                  <a:schemeClr val="tx1"/>
-                </a:solidFill>
-              </a:ln>
-            </p:spPr>
-            <p:style>
-              <a:lnRef idx="2">
-                <a:schemeClr val="accent1">
-                  <a:shade val="50000"/>
-                </a:schemeClr>
-              </a:lnRef>
-              <a:fillRef idx="1">
-                <a:schemeClr val="accent1"/>
-              </a:fillRef>
-              <a:effectRef idx="0">
-                <a:schemeClr val="accent1"/>
-              </a:effectRef>
-              <a:fontRef idx="minor">
-                <a:schemeClr val="lt1"/>
-              </a:fontRef>
-            </p:style>
-            <p:txBody>
-              <a:bodyPr rtlCol="0" anchor="ctr"/>
-              <a:lstStyle/>
-              <a:p>
-                <a:pPr algn="ctr"/>
-                <a:endParaRPr kumimoji="1" lang="ja-JP" altLang="en-US" sz="900" dirty="0">
-                  <a:latin typeface="メイリオ" panose="020B0604030504040204" pitchFamily="50" charset="-128"/>
-                  <a:ea typeface="メイリオ" panose="020B0604030504040204" pitchFamily="50" charset="-128"/>
-                  <a:cs typeface="メイリオ" panose="020B0604030504040204" pitchFamily="50" charset="-128"/>
-                </a:endParaRPr>
-              </a:p>
-            </p:txBody>
-          </p:sp>
-        </p:grpSp>
-        <p:cxnSp>
-          <p:nvCxnSpPr>
-            <p:cNvPr id="98" name="直線矢印コネクタ 97"/>
-            <p:cNvCxnSpPr/>
-            <p:nvPr/>
-          </p:nvCxnSpPr>
-          <p:spPr>
-            <a:xfrm flipV="1">
-              <a:off x="9322860" y="5489056"/>
-              <a:ext cx="0" cy="1056564"/>
-            </a:xfrm>
-            <a:prstGeom prst="straightConnector1">
-              <a:avLst/>
-            </a:prstGeom>
-            <a:ln w="50800">
-              <a:solidFill>
-                <a:schemeClr val="accent4"/>
-              </a:solidFill>
-              <a:tailEnd type="triangle"/>
-            </a:ln>
-          </p:spPr>
-          <p:style>
-            <a:lnRef idx="1">
-              <a:schemeClr val="accent1"/>
-            </a:lnRef>
-            <a:fillRef idx="0">
-              <a:schemeClr val="accent1"/>
-            </a:fillRef>
-            <a:effectRef idx="0">
-              <a:schemeClr val="accent1"/>
-            </a:effectRef>
-            <a:fontRef idx="minor">
-              <a:schemeClr val="tx1"/>
-            </a:fontRef>
-          </p:style>
-        </p:cxnSp>
-        <p:cxnSp>
-          <p:nvCxnSpPr>
-            <p:cNvPr id="99" name="直線矢印コネクタ 98"/>
-            <p:cNvCxnSpPr/>
-            <p:nvPr/>
-          </p:nvCxnSpPr>
-          <p:spPr>
-            <a:xfrm flipH="1" flipV="1">
-              <a:off x="9206196" y="5932667"/>
-              <a:ext cx="133675" cy="607852"/>
-            </a:xfrm>
-            <a:prstGeom prst="straightConnector1">
-              <a:avLst/>
-            </a:prstGeom>
-            <a:ln w="50800">
-              <a:solidFill>
-                <a:srgbClr val="92D050"/>
-              </a:solidFill>
-              <a:tailEnd type="triangle"/>
-            </a:ln>
-          </p:spPr>
-          <p:style>
-            <a:lnRef idx="1">
-              <a:schemeClr val="accent1"/>
-            </a:lnRef>
-            <a:fillRef idx="0">
-              <a:schemeClr val="accent1"/>
-            </a:fillRef>
-            <a:effectRef idx="0">
-              <a:schemeClr val="accent1"/>
-            </a:effectRef>
-            <a:fontRef idx="minor">
-              <a:schemeClr val="tx1"/>
-            </a:fontRef>
-          </p:style>
-        </p:cxnSp>
-        <p:cxnSp>
-          <p:nvCxnSpPr>
-            <p:cNvPr id="100" name="直線矢印コネクタ 99"/>
-            <p:cNvCxnSpPr/>
-            <p:nvPr/>
-          </p:nvCxnSpPr>
-          <p:spPr>
-            <a:xfrm flipV="1">
-              <a:off x="9216606" y="5525823"/>
-              <a:ext cx="103961" cy="421209"/>
-            </a:xfrm>
-            <a:prstGeom prst="straightConnector1">
-              <a:avLst/>
-            </a:prstGeom>
-            <a:ln w="50800">
-              <a:solidFill>
-                <a:srgbClr val="92D050"/>
-              </a:solidFill>
-              <a:tailEnd type="triangle"/>
-            </a:ln>
-          </p:spPr>
-          <p:style>
-            <a:lnRef idx="1">
-              <a:schemeClr val="accent1"/>
-            </a:lnRef>
-            <a:fillRef idx="0">
-              <a:schemeClr val="accent1"/>
-            </a:fillRef>
-            <a:effectRef idx="0">
-              <a:schemeClr val="accent1"/>
-            </a:effectRef>
-            <a:fontRef idx="minor">
-              <a:schemeClr val="tx1"/>
-            </a:fontRef>
-          </p:style>
-        </p:cxnSp>
-        <p:sp>
-          <p:nvSpPr>
-            <p:cNvPr id="101" name="テキスト ボックス 100"/>
-            <p:cNvSpPr txBox="1"/>
-            <p:nvPr/>
-          </p:nvSpPr>
-          <p:spPr>
-            <a:xfrm>
-              <a:off x="7107662" y="4573192"/>
-              <a:ext cx="1434415" cy="244824"/>
-            </a:xfrm>
-            <a:prstGeom prst="rect">
-              <a:avLst/>
-            </a:prstGeom>
-            <a:noFill/>
-          </p:spPr>
-          <p:txBody>
-            <a:bodyPr wrap="none" rtlCol="0">
-              <a:spAutoFit/>
-            </a:bodyPr>
-            <a:lstStyle/>
-            <a:p>
-              <a:r>
-                <a:rPr lang="ja-JP" altLang="en-US" sz="700" dirty="0" smtClean="0">
-                  <a:solidFill>
-                    <a:srgbClr val="FF0000"/>
-                  </a:solidFill>
-                  <a:latin typeface="メイリオ" panose="020B0604030504040204" pitchFamily="50" charset="-128"/>
-                  <a:ea typeface="メイリオ" panose="020B0604030504040204" pitchFamily="50" charset="-128"/>
-                  <a:cs typeface="メイリオ" panose="020B0604030504040204" pitchFamily="50" charset="-128"/>
-                </a:rPr>
-                <a:t>このまま走行を</a:t>
-              </a:r>
-              <a:r>
-                <a:rPr lang="ja-JP" altLang="en-US" sz="700" dirty="0" smtClean="0">
-                  <a:solidFill>
-                    <a:srgbClr val="FF0000"/>
-                  </a:solidFill>
-                  <a:latin typeface="メイリオ" panose="020B0604030504040204" pitchFamily="50" charset="-128"/>
-                  <a:ea typeface="メイリオ" panose="020B0604030504040204" pitchFamily="50" charset="-128"/>
-                  <a:cs typeface="メイリオ" panose="020B0604030504040204" pitchFamily="50" charset="-128"/>
-                </a:rPr>
-                <a:t>続ける</a:t>
-              </a:r>
-              <a:r>
-                <a:rPr lang="ja-JP" altLang="en-US" sz="700" dirty="0">
-                  <a:solidFill>
-                    <a:srgbClr val="FF0000"/>
-                  </a:solidFill>
-                  <a:latin typeface="メイリオ" panose="020B0604030504040204" pitchFamily="50" charset="-128"/>
-                  <a:ea typeface="メイリオ" panose="020B0604030504040204" pitchFamily="50" charset="-128"/>
-                  <a:cs typeface="メイリオ" panose="020B0604030504040204" pitchFamily="50" charset="-128"/>
-                </a:rPr>
-                <a:t>と</a:t>
-              </a:r>
-              <a:endParaRPr kumimoji="1" lang="ja-JP" altLang="en-US" sz="700" dirty="0">
-                <a:solidFill>
-                  <a:srgbClr val="FF0000"/>
-                </a:solidFill>
-                <a:latin typeface="メイリオ" panose="020B0604030504040204" pitchFamily="50" charset="-128"/>
-                <a:ea typeface="メイリオ" panose="020B0604030504040204" pitchFamily="50" charset="-128"/>
-                <a:cs typeface="メイリオ" panose="020B0604030504040204" pitchFamily="50" charset="-128"/>
-              </a:endParaRPr>
-            </a:p>
-          </p:txBody>
-        </p:sp>
-        <p:sp>
-          <p:nvSpPr>
-            <p:cNvPr id="102" name="四角形吹き出し 101"/>
-            <p:cNvSpPr/>
-            <p:nvPr/>
-          </p:nvSpPr>
-          <p:spPr>
-            <a:xfrm>
-              <a:off x="9159816" y="3831098"/>
-              <a:ext cx="744390" cy="336806"/>
-            </a:xfrm>
-            <a:prstGeom prst="wedgeRectCallout">
-              <a:avLst>
-                <a:gd name="adj1" fmla="val -93278"/>
-                <a:gd name="adj2" fmla="val 40790"/>
-              </a:avLst>
-            </a:prstGeom>
-            <a:solidFill>
-              <a:schemeClr val="bg1"/>
-            </a:solidFill>
-          </p:spPr>
-          <p:style>
-            <a:lnRef idx="2">
-              <a:schemeClr val="accent1">
-                <a:shade val="50000"/>
-              </a:schemeClr>
-            </a:lnRef>
-            <a:fillRef idx="1">
-              <a:schemeClr val="accent1"/>
-            </a:fillRef>
-            <a:effectRef idx="0">
-              <a:schemeClr val="accent1"/>
-            </a:effectRef>
-            <a:fontRef idx="minor">
-              <a:schemeClr val="lt1"/>
-            </a:fontRef>
-          </p:style>
-          <p:txBody>
-            <a:bodyPr rtlCol="0" anchor="ctr"/>
-            <a:lstStyle/>
-            <a:p>
-              <a:pPr algn="ctr"/>
-              <a:r>
-                <a:rPr kumimoji="1" lang="ja-JP" altLang="en-US" sz="600" dirty="0" smtClean="0">
-                  <a:solidFill>
-                    <a:schemeClr val="tx1"/>
-                  </a:solidFill>
-                  <a:latin typeface="メイリオ" panose="020B0604030504040204" pitchFamily="50" charset="-128"/>
-                  <a:ea typeface="メイリオ" panose="020B0604030504040204" pitchFamily="50" charset="-128"/>
-                  <a:cs typeface="メイリオ" panose="020B0604030504040204" pitchFamily="50" charset="-128"/>
-                </a:rPr>
-                <a:t>目標の進行方向</a:t>
-              </a:r>
-              <a:endParaRPr kumimoji="1" lang="ja-JP" altLang="en-US" sz="600" dirty="0">
-                <a:solidFill>
-                  <a:schemeClr val="tx1"/>
-                </a:solidFill>
-                <a:latin typeface="メイリオ" panose="020B0604030504040204" pitchFamily="50" charset="-128"/>
-                <a:ea typeface="メイリオ" panose="020B0604030504040204" pitchFamily="50" charset="-128"/>
-                <a:cs typeface="メイリオ" panose="020B0604030504040204" pitchFamily="50" charset="-128"/>
-              </a:endParaRPr>
-            </a:p>
-          </p:txBody>
-        </p:sp>
-        <p:sp>
-          <p:nvSpPr>
-            <p:cNvPr id="103" name="四角形吹き出し 102"/>
-            <p:cNvSpPr/>
-            <p:nvPr/>
-          </p:nvSpPr>
-          <p:spPr>
-            <a:xfrm>
-              <a:off x="7707046" y="4074746"/>
-              <a:ext cx="744390" cy="336806"/>
-            </a:xfrm>
-            <a:prstGeom prst="wedgeRectCallout">
-              <a:avLst>
-                <a:gd name="adj1" fmla="val 88443"/>
-                <a:gd name="adj2" fmla="val 13653"/>
-              </a:avLst>
-            </a:prstGeom>
-            <a:solidFill>
-              <a:schemeClr val="bg1"/>
-            </a:solidFill>
-          </p:spPr>
-          <p:style>
-            <a:lnRef idx="2">
-              <a:schemeClr val="accent1">
-                <a:shade val="50000"/>
-              </a:schemeClr>
-            </a:lnRef>
-            <a:fillRef idx="1">
-              <a:schemeClr val="accent1"/>
-            </a:fillRef>
-            <a:effectRef idx="0">
-              <a:schemeClr val="accent1"/>
-            </a:effectRef>
-            <a:fontRef idx="minor">
-              <a:schemeClr val="lt1"/>
-            </a:fontRef>
-          </p:style>
-          <p:txBody>
-            <a:bodyPr rtlCol="0" anchor="ctr"/>
-            <a:lstStyle/>
-            <a:p>
-              <a:pPr algn="ctr"/>
-              <a:r>
-                <a:rPr kumimoji="1" lang="ja-JP" altLang="en-US" sz="600" dirty="0" smtClean="0">
-                  <a:solidFill>
-                    <a:schemeClr val="tx1"/>
-                  </a:solidFill>
-                  <a:latin typeface="メイリオ" panose="020B0604030504040204" pitchFamily="50" charset="-128"/>
-                  <a:ea typeface="メイリオ" panose="020B0604030504040204" pitchFamily="50" charset="-128"/>
-                  <a:cs typeface="メイリオ" panose="020B0604030504040204" pitchFamily="50" charset="-128"/>
-                </a:rPr>
-                <a:t>実際の進行方向</a:t>
-              </a:r>
-              <a:endParaRPr kumimoji="1" lang="ja-JP" altLang="en-US" sz="600" dirty="0">
-                <a:solidFill>
-                  <a:schemeClr val="tx1"/>
-                </a:solidFill>
-                <a:latin typeface="メイリオ" panose="020B0604030504040204" pitchFamily="50" charset="-128"/>
-                <a:ea typeface="メイリオ" panose="020B0604030504040204" pitchFamily="50" charset="-128"/>
-                <a:cs typeface="メイリオ" panose="020B0604030504040204" pitchFamily="50" charset="-128"/>
-              </a:endParaRPr>
-            </a:p>
-          </p:txBody>
-        </p:sp>
-        <p:sp>
-          <p:nvSpPr>
-            <p:cNvPr id="104" name="四角形吹き出し 103"/>
-            <p:cNvSpPr/>
-            <p:nvPr/>
-          </p:nvSpPr>
-          <p:spPr>
-            <a:xfrm>
-              <a:off x="9693362" y="5489056"/>
-              <a:ext cx="744390" cy="336806"/>
-            </a:xfrm>
-            <a:prstGeom prst="wedgeRectCallout">
-              <a:avLst>
-                <a:gd name="adj1" fmla="val -93278"/>
-                <a:gd name="adj2" fmla="val 40790"/>
-              </a:avLst>
-            </a:prstGeom>
-            <a:solidFill>
-              <a:schemeClr val="bg1"/>
-            </a:solidFill>
-          </p:spPr>
-          <p:style>
-            <a:lnRef idx="2">
-              <a:schemeClr val="accent1">
-                <a:shade val="50000"/>
-              </a:schemeClr>
-            </a:lnRef>
-            <a:fillRef idx="1">
-              <a:schemeClr val="accent1"/>
-            </a:fillRef>
-            <a:effectRef idx="0">
-              <a:schemeClr val="accent1"/>
-            </a:effectRef>
-            <a:fontRef idx="minor">
-              <a:schemeClr val="lt1"/>
-            </a:fontRef>
-          </p:style>
-          <p:txBody>
-            <a:bodyPr rtlCol="0" anchor="ctr"/>
-            <a:lstStyle/>
-            <a:p>
-              <a:pPr algn="ctr"/>
-              <a:r>
-                <a:rPr kumimoji="1" lang="ja-JP" altLang="en-US" sz="600" dirty="0" smtClean="0">
-                  <a:solidFill>
-                    <a:schemeClr val="tx1"/>
-                  </a:solidFill>
-                  <a:latin typeface="メイリオ" panose="020B0604030504040204" pitchFamily="50" charset="-128"/>
-                  <a:ea typeface="メイリオ" panose="020B0604030504040204" pitchFamily="50" charset="-128"/>
-                  <a:cs typeface="メイリオ" panose="020B0604030504040204" pitchFamily="50" charset="-128"/>
-                </a:rPr>
-                <a:t>目標の進行方向</a:t>
-              </a:r>
-              <a:endParaRPr kumimoji="1" lang="ja-JP" altLang="en-US" sz="600" dirty="0">
-                <a:solidFill>
-                  <a:schemeClr val="tx1"/>
-                </a:solidFill>
-                <a:latin typeface="メイリオ" panose="020B0604030504040204" pitchFamily="50" charset="-128"/>
-                <a:ea typeface="メイリオ" panose="020B0604030504040204" pitchFamily="50" charset="-128"/>
-                <a:cs typeface="メイリオ" panose="020B0604030504040204" pitchFamily="50" charset="-128"/>
-              </a:endParaRPr>
-            </a:p>
-          </p:txBody>
-        </p:sp>
-        <p:sp>
-          <p:nvSpPr>
-            <p:cNvPr id="105" name="四角形吹き出し 104"/>
-            <p:cNvSpPr/>
-            <p:nvPr/>
-          </p:nvSpPr>
-          <p:spPr>
-            <a:xfrm>
-              <a:off x="8181872" y="5661932"/>
-              <a:ext cx="744390" cy="336806"/>
-            </a:xfrm>
-            <a:prstGeom prst="wedgeRectCallout">
-              <a:avLst>
-                <a:gd name="adj1" fmla="val 88443"/>
-                <a:gd name="adj2" fmla="val 13653"/>
-              </a:avLst>
-            </a:prstGeom>
-            <a:solidFill>
-              <a:schemeClr val="bg1"/>
-            </a:solidFill>
-          </p:spPr>
-          <p:style>
-            <a:lnRef idx="2">
-              <a:schemeClr val="accent1">
-                <a:shade val="50000"/>
-              </a:schemeClr>
-            </a:lnRef>
-            <a:fillRef idx="1">
-              <a:schemeClr val="accent1"/>
-            </a:fillRef>
-            <a:effectRef idx="0">
-              <a:schemeClr val="accent1"/>
-            </a:effectRef>
-            <a:fontRef idx="minor">
-              <a:schemeClr val="lt1"/>
-            </a:fontRef>
-          </p:style>
-          <p:txBody>
-            <a:bodyPr rtlCol="0" anchor="ctr"/>
-            <a:lstStyle/>
-            <a:p>
-              <a:pPr algn="ctr"/>
-              <a:r>
-                <a:rPr kumimoji="1" lang="ja-JP" altLang="en-US" sz="600" dirty="0" smtClean="0">
-                  <a:solidFill>
-                    <a:schemeClr val="tx1"/>
-                  </a:solidFill>
-                  <a:latin typeface="メイリオ" panose="020B0604030504040204" pitchFamily="50" charset="-128"/>
-                  <a:ea typeface="メイリオ" panose="020B0604030504040204" pitchFamily="50" charset="-128"/>
-                  <a:cs typeface="メイリオ" panose="020B0604030504040204" pitchFamily="50" charset="-128"/>
-                </a:rPr>
-                <a:t>進行方向を補正する</a:t>
-              </a:r>
-              <a:endParaRPr kumimoji="1" lang="ja-JP" altLang="en-US" sz="600" dirty="0">
-                <a:solidFill>
-                  <a:schemeClr val="tx1"/>
-                </a:solidFill>
-                <a:latin typeface="メイリオ" panose="020B0604030504040204" pitchFamily="50" charset="-128"/>
-                <a:ea typeface="メイリオ" panose="020B0604030504040204" pitchFamily="50" charset="-128"/>
-                <a:cs typeface="メイリオ" panose="020B0604030504040204" pitchFamily="50" charset="-128"/>
-              </a:endParaRPr>
-            </a:p>
-          </p:txBody>
-        </p:sp>
-        <p:cxnSp>
-          <p:nvCxnSpPr>
-            <p:cNvPr id="106" name="カギ線コネクタ 105"/>
-            <p:cNvCxnSpPr/>
-            <p:nvPr/>
-          </p:nvCxnSpPr>
-          <p:spPr>
-            <a:xfrm>
-              <a:off x="7210859" y="5521351"/>
-              <a:ext cx="1027020" cy="714656"/>
-            </a:xfrm>
-            <a:prstGeom prst="bentConnector3">
-              <a:avLst/>
-            </a:prstGeom>
-            <a:ln w="25400">
-              <a:solidFill>
-                <a:schemeClr val="tx1"/>
-              </a:solidFill>
-              <a:tailEnd type="triangle"/>
-            </a:ln>
-          </p:spPr>
-          <p:style>
-            <a:lnRef idx="1">
-              <a:schemeClr val="accent1"/>
-            </a:lnRef>
-            <a:fillRef idx="0">
-              <a:schemeClr val="accent1"/>
-            </a:fillRef>
-            <a:effectRef idx="0">
-              <a:schemeClr val="accent1"/>
-            </a:effectRef>
-            <a:fontRef idx="minor">
-              <a:schemeClr val="tx1"/>
-            </a:fontRef>
-          </p:style>
-        </p:cxnSp>
-        <p:cxnSp>
-          <p:nvCxnSpPr>
-            <p:cNvPr id="107" name="カギ線コネクタ 106"/>
-            <p:cNvCxnSpPr/>
-            <p:nvPr/>
-          </p:nvCxnSpPr>
-          <p:spPr>
-            <a:xfrm flipV="1">
-              <a:off x="7210859" y="4811167"/>
-              <a:ext cx="1027020" cy="714656"/>
-            </a:xfrm>
-            <a:prstGeom prst="bentConnector3">
-              <a:avLst/>
-            </a:prstGeom>
-            <a:ln w="25400">
-              <a:solidFill>
-                <a:schemeClr val="tx1"/>
-              </a:solidFill>
-              <a:tailEnd type="triangle"/>
-            </a:ln>
-          </p:spPr>
-          <p:style>
-            <a:lnRef idx="1">
-              <a:schemeClr val="accent1"/>
-            </a:lnRef>
-            <a:fillRef idx="0">
-              <a:schemeClr val="accent1"/>
-            </a:fillRef>
-            <a:effectRef idx="0">
-              <a:schemeClr val="accent1"/>
-            </a:effectRef>
-            <a:fontRef idx="minor">
-              <a:schemeClr val="tx1"/>
-            </a:fontRef>
-          </p:style>
-        </p:cxnSp>
-        <p:sp>
-          <p:nvSpPr>
-            <p:cNvPr id="108" name="テキスト ボックス 107"/>
-            <p:cNvSpPr txBox="1"/>
-            <p:nvPr/>
-          </p:nvSpPr>
-          <p:spPr>
-            <a:xfrm>
-              <a:off x="9083663" y="4422526"/>
-              <a:ext cx="1454244" cy="230832"/>
-            </a:xfrm>
-            <a:prstGeom prst="rect">
-              <a:avLst/>
-            </a:prstGeom>
-            <a:noFill/>
-          </p:spPr>
-          <p:txBody>
-            <a:bodyPr wrap="none" rtlCol="0">
-              <a:spAutoFit/>
-            </a:bodyPr>
-            <a:lstStyle/>
-            <a:p>
-              <a:r>
-                <a:rPr lang="ja-JP" altLang="en-US" sz="900" b="1" u="sng" dirty="0" smtClean="0">
-                  <a:solidFill>
-                    <a:srgbClr val="FF0000"/>
-                  </a:solidFill>
-                  <a:latin typeface="メイリオ" panose="020B0604030504040204" pitchFamily="50" charset="-128"/>
-                  <a:ea typeface="メイリオ" panose="020B0604030504040204" pitchFamily="50" charset="-128"/>
-                  <a:cs typeface="メイリオ" panose="020B0604030504040204" pitchFamily="50" charset="-128"/>
-                </a:rPr>
-                <a:t>目標方向とズレ</a:t>
-              </a:r>
-              <a:r>
-                <a:rPr lang="ja-JP" altLang="en-US" sz="900" b="1" u="sng" dirty="0" err="1" smtClean="0">
-                  <a:solidFill>
-                    <a:srgbClr val="FF0000"/>
-                  </a:solidFill>
-                  <a:latin typeface="メイリオ" panose="020B0604030504040204" pitchFamily="50" charset="-128"/>
-                  <a:ea typeface="メイリオ" panose="020B0604030504040204" pitchFamily="50" charset="-128"/>
-                  <a:cs typeface="メイリオ" panose="020B0604030504040204" pitchFamily="50" charset="-128"/>
-                </a:rPr>
-                <a:t>て</a:t>
-              </a:r>
-              <a:r>
-                <a:rPr lang="ja-JP" altLang="en-US" sz="900" b="1" u="sng" dirty="0" smtClean="0">
-                  <a:solidFill>
-                    <a:srgbClr val="FF0000"/>
-                  </a:solidFill>
-                  <a:latin typeface="メイリオ" panose="020B0604030504040204" pitchFamily="50" charset="-128"/>
-                  <a:ea typeface="メイリオ" panose="020B0604030504040204" pitchFamily="50" charset="-128"/>
-                  <a:cs typeface="メイリオ" panose="020B0604030504040204" pitchFamily="50" charset="-128"/>
-                </a:rPr>
-                <a:t>しまう</a:t>
-              </a:r>
-              <a:endParaRPr kumimoji="1" lang="ja-JP" altLang="en-US" sz="900" b="1" u="sng" dirty="0">
-                <a:solidFill>
-                  <a:srgbClr val="FF0000"/>
-                </a:solidFill>
-                <a:latin typeface="メイリオ" panose="020B0604030504040204" pitchFamily="50" charset="-128"/>
-                <a:ea typeface="メイリオ" panose="020B0604030504040204" pitchFamily="50" charset="-128"/>
-                <a:cs typeface="メイリオ" panose="020B0604030504040204" pitchFamily="50" charset="-128"/>
-              </a:endParaRPr>
-            </a:p>
-          </p:txBody>
-        </p:sp>
-        <p:sp>
-          <p:nvSpPr>
-            <p:cNvPr id="109" name="テキスト ボックス 108"/>
-            <p:cNvSpPr txBox="1"/>
-            <p:nvPr/>
-          </p:nvSpPr>
-          <p:spPr>
-            <a:xfrm>
-              <a:off x="9568939" y="6257596"/>
-              <a:ext cx="1685077" cy="230832"/>
-            </a:xfrm>
-            <a:prstGeom prst="rect">
-              <a:avLst/>
-            </a:prstGeom>
-            <a:noFill/>
-          </p:spPr>
-          <p:txBody>
-            <a:bodyPr wrap="none" rtlCol="0">
-              <a:spAutoFit/>
-            </a:bodyPr>
-            <a:lstStyle/>
-            <a:p>
-              <a:r>
-                <a:rPr kumimoji="1" lang="ja-JP" altLang="en-US" sz="900" b="1" u="sng" dirty="0" smtClean="0">
-                  <a:solidFill>
-                    <a:srgbClr val="0070C0"/>
-                  </a:solidFill>
-                  <a:latin typeface="メイリオ" panose="020B0604030504040204" pitchFamily="50" charset="-128"/>
-                  <a:ea typeface="メイリオ" panose="020B0604030504040204" pitchFamily="50" charset="-128"/>
-                  <a:cs typeface="メイリオ" panose="020B0604030504040204" pitchFamily="50" charset="-128"/>
-                </a:rPr>
-                <a:t>目標方向に確実に移動させる</a:t>
-              </a:r>
-              <a:endParaRPr kumimoji="1" lang="ja-JP" altLang="en-US" sz="900" b="1" u="sng" dirty="0">
-                <a:solidFill>
-                  <a:srgbClr val="0070C0"/>
-                </a:solidFill>
-                <a:latin typeface="メイリオ" panose="020B0604030504040204" pitchFamily="50" charset="-128"/>
-                <a:ea typeface="メイリオ" panose="020B0604030504040204" pitchFamily="50" charset="-128"/>
-                <a:cs typeface="メイリオ" panose="020B0604030504040204" pitchFamily="50" charset="-128"/>
-              </a:endParaRPr>
-            </a:p>
-          </p:txBody>
-        </p:sp>
-      </p:grpSp>
-      <mc:AlternateContent xmlns:mc="http://schemas.openxmlformats.org/markup-compatibility/2006">
-        <mc:Choice xmlns:a14="http://schemas.microsoft.com/office/drawing/2010/main" Requires="a14">
+      <mc:AlternateContent xmlns:mc="http://schemas.openxmlformats.org/markup-compatibility/2006" xmlns:a14="http://schemas.microsoft.com/office/drawing/2010/main">
+        <mc:Choice Requires="a14">
           <p:sp>
             <p:nvSpPr>
               <p:cNvPr id="167" name="テキスト ボックス 166"/>
@@ -7613,7 +7169,7 @@
             </p:txBody>
           </p:sp>
         </mc:Choice>
-        <mc:Fallback>
+        <mc:Fallback xmlns="">
           <p:sp>
             <p:nvSpPr>
               <p:cNvPr id="167" name="テキスト ボックス 166"/>
@@ -7652,8 +7208,8 @@
           </p:sp>
         </mc:Fallback>
       </mc:AlternateContent>
-      <mc:AlternateContent xmlns:mc="http://schemas.openxmlformats.org/markup-compatibility/2006">
-        <mc:Choice xmlns:a14="http://schemas.microsoft.com/office/drawing/2010/main" Requires="a14">
+      <mc:AlternateContent xmlns:mc="http://schemas.openxmlformats.org/markup-compatibility/2006" xmlns:a14="http://schemas.microsoft.com/office/drawing/2010/main">
+        <mc:Choice Requires="a14">
           <p:sp>
             <p:nvSpPr>
               <p:cNvPr id="180" name="テキスト ボックス 179"/>
@@ -7909,7 +7465,7 @@
             </p:txBody>
           </p:sp>
         </mc:Choice>
-        <mc:Fallback>
+        <mc:Fallback xmlns="">
           <p:sp>
             <p:nvSpPr>
               <p:cNvPr id="180" name="テキスト ボックス 179"/>
@@ -7986,8 +7542,8 @@
           </a:p>
         </p:txBody>
       </p:sp>
-      <mc:AlternateContent xmlns:mc="http://schemas.openxmlformats.org/markup-compatibility/2006">
-        <mc:Choice xmlns:a14="http://schemas.microsoft.com/office/drawing/2010/main" Requires="a14">
+      <mc:AlternateContent xmlns:mc="http://schemas.openxmlformats.org/markup-compatibility/2006" xmlns:a14="http://schemas.microsoft.com/office/drawing/2010/main">
+        <mc:Choice Requires="a14">
           <p:sp>
             <p:nvSpPr>
               <p:cNvPr id="183" name="テキスト ボックス 182"/>
@@ -8215,7 +7771,7 @@
             </p:txBody>
           </p:sp>
         </mc:Choice>
-        <mc:Fallback>
+        <mc:Fallback xmlns="">
           <p:sp>
             <p:nvSpPr>
               <p:cNvPr id="183" name="テキスト ボックス 182"/>
@@ -8254,8 +7810,8 @@
           </p:sp>
         </mc:Fallback>
       </mc:AlternateContent>
-      <mc:AlternateContent xmlns:mc="http://schemas.openxmlformats.org/markup-compatibility/2006">
-        <mc:Choice xmlns:a14="http://schemas.microsoft.com/office/drawing/2010/main" Requires="a14">
+      <mc:AlternateContent xmlns:mc="http://schemas.openxmlformats.org/markup-compatibility/2006" xmlns:a14="http://schemas.microsoft.com/office/drawing/2010/main">
+        <mc:Choice Requires="a14">
           <p:sp>
             <p:nvSpPr>
               <p:cNvPr id="188" name="テキスト ボックス 187"/>
@@ -8586,7 +8142,7 @@
             </p:txBody>
           </p:sp>
         </mc:Choice>
-        <mc:Fallback>
+        <mc:Fallback xmlns="">
           <p:sp>
             <p:nvSpPr>
               <p:cNvPr id="188" name="テキスト ボックス 187"/>
@@ -8697,7 +8253,7 @@
         </p:nvGrpSpPr>
         <p:grpSpPr>
           <a:xfrm>
-            <a:off x="5554109" y="2016960"/>
+            <a:off x="6212895" y="1956907"/>
             <a:ext cx="4228750" cy="1969361"/>
             <a:chOff x="852014" y="2075157"/>
             <a:chExt cx="9274056" cy="4318998"/>
@@ -9780,7 +9336,7 @@
         </p:nvGrpSpPr>
         <p:grpSpPr>
           <a:xfrm>
-            <a:off x="486858" y="7156033"/>
+            <a:off x="505908" y="7166442"/>
             <a:ext cx="3368657" cy="3398350"/>
             <a:chOff x="1451837" y="1331"/>
             <a:chExt cx="7320644" cy="7385172"/>
@@ -19752,13 +19308,13 @@
           <p:nvPr>
             <p:extLst>
               <p:ext uri="{D42A27DB-BD31-4B8C-83A1-F6EECF244321}">
-                <p14:modId xmlns:p14="http://schemas.microsoft.com/office/powerpoint/2010/main" val="4253727867"/>
+                <p14:modId xmlns:p14="http://schemas.microsoft.com/office/powerpoint/2010/main" val="767814694"/>
               </p:ext>
             </p:extLst>
           </p:nvPr>
         </p:nvGraphicFramePr>
         <p:xfrm>
-          <a:off x="3767983" y="7219569"/>
+          <a:off x="3787033" y="7229978"/>
           <a:ext cx="1855403" cy="3299912"/>
         </p:xfrm>
         <a:graphic>
@@ -31321,7 +30877,7 @@
         </p:nvSpPr>
         <p:spPr>
           <a:xfrm>
-            <a:off x="3751982" y="8907129"/>
+            <a:off x="3771032" y="8917538"/>
             <a:ext cx="1583750" cy="836074"/>
           </a:xfrm>
           <a:prstGeom prst="rect">
@@ -31367,7 +30923,7 @@
         </p:nvSpPr>
         <p:spPr>
           <a:xfrm>
-            <a:off x="3606700" y="6981873"/>
+            <a:off x="3625750" y="6992282"/>
             <a:ext cx="2355556" cy="230832"/>
           </a:xfrm>
           <a:prstGeom prst="rect">
@@ -31410,8 +30966,8 @@
         </p:nvSpPr>
         <p:spPr>
           <a:xfrm>
-            <a:off x="10515777" y="2163782"/>
-            <a:ext cx="4285140" cy="461665"/>
+            <a:off x="11364167" y="2300106"/>
+            <a:ext cx="4285140" cy="646331"/>
           </a:xfrm>
           <a:prstGeom prst="rect">
             <a:avLst/>
@@ -31446,7 +31002,46 @@
                 <a:ea typeface="メイリオ" panose="020B0604030504040204" pitchFamily="50" charset="-128"/>
                 <a:cs typeface="メイリオ" panose="020B0604030504040204" pitchFamily="50" charset="-128"/>
               </a:rPr>
-              <a:t>走行速度を変化させる。</a:t>
+              <a:t>走行速度</a:t>
+            </a:r>
+            <a:r>
+              <a:rPr kumimoji="1" lang="ja-JP" altLang="en-US" sz="1200" dirty="0" smtClean="0">
+                <a:latin typeface="メイリオ" panose="020B0604030504040204" pitchFamily="50" charset="-128"/>
+                <a:ea typeface="メイリオ" panose="020B0604030504040204" pitchFamily="50" charset="-128"/>
+                <a:cs typeface="メイリオ" panose="020B0604030504040204" pitchFamily="50" charset="-128"/>
+              </a:rPr>
+              <a:t>を</a:t>
+            </a:r>
+            <a:r>
+              <a:rPr kumimoji="1" lang="en-US" altLang="ja-JP" sz="1200" dirty="0" smtClean="0">
+                <a:latin typeface="メイリオ" panose="020B0604030504040204" pitchFamily="50" charset="-128"/>
+                <a:ea typeface="メイリオ" panose="020B0604030504040204" pitchFamily="50" charset="-128"/>
+                <a:cs typeface="メイリオ" panose="020B0604030504040204" pitchFamily="50" charset="-128"/>
+              </a:rPr>
+              <a:t/>
+            </a:r>
+            <a:br>
+              <a:rPr kumimoji="1" lang="en-US" altLang="ja-JP" sz="1200" dirty="0" smtClean="0">
+                <a:latin typeface="メイリオ" panose="020B0604030504040204" pitchFamily="50" charset="-128"/>
+                <a:ea typeface="メイリオ" panose="020B0604030504040204" pitchFamily="50" charset="-128"/>
+                <a:cs typeface="メイリオ" panose="020B0604030504040204" pitchFamily="50" charset="-128"/>
+              </a:rPr>
+            </a:br>
+            <a:r>
+              <a:rPr kumimoji="1" lang="ja-JP" altLang="en-US" sz="1200" dirty="0" smtClean="0">
+                <a:latin typeface="メイリオ" panose="020B0604030504040204" pitchFamily="50" charset="-128"/>
+                <a:ea typeface="メイリオ" panose="020B0604030504040204" pitchFamily="50" charset="-128"/>
+                <a:cs typeface="メイリオ" panose="020B0604030504040204" pitchFamily="50" charset="-128"/>
+              </a:rPr>
+              <a:t>変化</a:t>
+            </a:r>
+            <a:r>
+              <a:rPr kumimoji="1" lang="ja-JP" altLang="en-US" sz="1200" dirty="0" smtClean="0">
+                <a:latin typeface="メイリオ" panose="020B0604030504040204" pitchFamily="50" charset="-128"/>
+                <a:ea typeface="メイリオ" panose="020B0604030504040204" pitchFamily="50" charset="-128"/>
+                <a:cs typeface="メイリオ" panose="020B0604030504040204" pitchFamily="50" charset="-128"/>
+              </a:rPr>
+              <a:t>させる。</a:t>
             </a:r>
             <a:r>
               <a:rPr kumimoji="1" lang="en-US" altLang="ja-JP" sz="1200" dirty="0" smtClean="0">
@@ -33009,6 +32604,5389 @@
           </p:cxnSp>
         </p:grpSp>
       </p:grpSp>
+      <mc:AlternateContent xmlns:mc="http://schemas.openxmlformats.org/markup-compatibility/2006">
+        <mc:Choice xmlns:a14="http://schemas.microsoft.com/office/drawing/2010/main" Requires="a14">
+          <p:sp>
+            <p:nvSpPr>
+              <p:cNvPr id="497" name="テキスト ボックス 496"/>
+              <p:cNvSpPr txBox="1"/>
+              <p:nvPr/>
+            </p:nvSpPr>
+            <p:spPr>
+              <a:xfrm>
+                <a:off x="322220" y="4801088"/>
+                <a:ext cx="4041491" cy="1703223"/>
+              </a:xfrm>
+              <a:prstGeom prst="rect">
+                <a:avLst/>
+              </a:prstGeom>
+              <a:noFill/>
+            </p:spPr>
+            <p:txBody>
+              <a:bodyPr wrap="none" rtlCol="0">
+                <a:spAutoFit/>
+              </a:bodyPr>
+              <a:lstStyle/>
+              <a:p>
+                <a:r>
+                  <a:rPr lang="ja-JP" altLang="en-US" sz="800" dirty="0">
+                    <a:latin typeface="メイリオ" panose="020B0604030504040204" pitchFamily="50" charset="-128"/>
+                    <a:ea typeface="メイリオ" panose="020B0604030504040204" pitchFamily="50" charset="-128"/>
+                    <a:cs typeface="メイリオ" panose="020B0604030504040204" pitchFamily="50" charset="-128"/>
+                  </a:rPr>
+                  <a:t>走行体の現在位置</a:t>
+                </a:r>
+                <a14:m>
+                  <m:oMath xmlns:m="http://schemas.openxmlformats.org/officeDocument/2006/math">
+                    <m:acc>
+                      <m:accPr>
+                        <m:chr m:val="⃗"/>
+                        <m:ctrlPr>
+                          <a:rPr lang="en-US" altLang="ja-JP" sz="800" i="1">
+                            <a:latin typeface="Cambria Math" panose="02040503050406030204" pitchFamily="18" charset="0"/>
+                          </a:rPr>
+                        </m:ctrlPr>
+                      </m:accPr>
+                      <m:e>
+                        <m:sSub>
+                          <m:sSubPr>
+                            <m:ctrlPr>
+                              <a:rPr lang="en-US" altLang="ja-JP" sz="800" i="1">
+                                <a:latin typeface="Cambria Math" panose="02040503050406030204" pitchFamily="18" charset="0"/>
+                              </a:rPr>
+                            </m:ctrlPr>
+                          </m:sSubPr>
+                          <m:e>
+                            <m:r>
+                              <a:rPr lang="en-US" altLang="ja-JP" sz="800" i="1">
+                                <a:latin typeface="Cambria Math" panose="02040503050406030204" pitchFamily="18" charset="0"/>
+                              </a:rPr>
+                              <m:t>𝑃</m:t>
+                            </m:r>
+                          </m:e>
+                          <m:sub>
+                            <m:r>
+                              <a:rPr lang="en-US" altLang="ja-JP" sz="800" i="1">
+                                <a:latin typeface="Cambria Math"/>
+                              </a:rPr>
+                              <m:t>0</m:t>
+                            </m:r>
+                          </m:sub>
+                        </m:sSub>
+                      </m:e>
+                    </m:acc>
+                    <m:r>
+                      <a:rPr lang="en-US" altLang="ja-JP" sz="800" i="1">
+                        <a:latin typeface="Cambria Math" panose="02040503050406030204" pitchFamily="18" charset="0"/>
+                      </a:rPr>
+                      <m:t>=</m:t>
+                    </m:r>
+                    <m:d>
+                      <m:dPr>
+                        <m:ctrlPr>
+                          <a:rPr lang="en-US" altLang="ja-JP" sz="800" i="1">
+                            <a:latin typeface="Cambria Math" panose="02040503050406030204" pitchFamily="18" charset="0"/>
+                          </a:rPr>
+                        </m:ctrlPr>
+                      </m:dPr>
+                      <m:e>
+                        <m:f>
+                          <m:fPr>
+                            <m:type m:val="noBar"/>
+                            <m:ctrlPr>
+                              <a:rPr lang="en-US" altLang="ja-JP" sz="800" i="1">
+                                <a:latin typeface="Cambria Math" panose="02040503050406030204" pitchFamily="18" charset="0"/>
+                              </a:rPr>
+                            </m:ctrlPr>
+                          </m:fPr>
+                          <m:num>
+                            <m:sSub>
+                              <m:sSubPr>
+                                <m:ctrlPr>
+                                  <a:rPr lang="en-US" altLang="ja-JP" sz="800" i="1">
+                                    <a:latin typeface="Cambria Math" panose="02040503050406030204" pitchFamily="18" charset="0"/>
+                                  </a:rPr>
+                                </m:ctrlPr>
+                              </m:sSubPr>
+                              <m:e>
+                                <m:sSub>
+                                  <m:sSubPr>
+                                    <m:ctrlPr>
+                                      <a:rPr lang="en-US" altLang="ja-JP" sz="800" i="1">
+                                        <a:latin typeface="Cambria Math" panose="02040503050406030204" pitchFamily="18" charset="0"/>
+                                      </a:rPr>
+                                    </m:ctrlPr>
+                                  </m:sSubPr>
+                                  <m:e>
+                                    <m:r>
+                                      <a:rPr lang="en-US" altLang="ja-JP" sz="800" i="1">
+                                        <a:latin typeface="Cambria Math" panose="02040503050406030204" pitchFamily="18" charset="0"/>
+                                      </a:rPr>
+                                      <m:t>𝑃</m:t>
+                                    </m:r>
+                                  </m:e>
+                                  <m:sub>
+                                    <m:r>
+                                      <a:rPr lang="en-US" altLang="ja-JP" sz="800" i="1">
+                                        <a:latin typeface="Cambria Math"/>
+                                      </a:rPr>
+                                      <m:t>0</m:t>
+                                    </m:r>
+                                  </m:sub>
+                                </m:sSub>
+                              </m:e>
+                              <m:sub>
+                                <m:r>
+                                  <a:rPr lang="en-US" altLang="ja-JP" sz="800" i="1">
+                                    <a:latin typeface="Cambria Math"/>
+                                  </a:rPr>
+                                  <m:t>𝑥</m:t>
+                                </m:r>
+                              </m:sub>
+                            </m:sSub>
+                          </m:num>
+                          <m:den>
+                            <m:sSub>
+                              <m:sSubPr>
+                                <m:ctrlPr>
+                                  <a:rPr lang="en-US" altLang="ja-JP" sz="800" i="1">
+                                    <a:latin typeface="Cambria Math" panose="02040503050406030204" pitchFamily="18" charset="0"/>
+                                  </a:rPr>
+                                </m:ctrlPr>
+                              </m:sSubPr>
+                              <m:e>
+                                <m:sSub>
+                                  <m:sSubPr>
+                                    <m:ctrlPr>
+                                      <a:rPr lang="en-US" altLang="ja-JP" sz="800" i="1">
+                                        <a:latin typeface="Cambria Math" panose="02040503050406030204" pitchFamily="18" charset="0"/>
+                                      </a:rPr>
+                                    </m:ctrlPr>
+                                  </m:sSubPr>
+                                  <m:e>
+                                    <m:r>
+                                      <a:rPr lang="en-US" altLang="ja-JP" sz="800" i="1">
+                                        <a:latin typeface="Cambria Math" panose="02040503050406030204" pitchFamily="18" charset="0"/>
+                                      </a:rPr>
+                                      <m:t>𝑃</m:t>
+                                    </m:r>
+                                  </m:e>
+                                  <m:sub>
+                                    <m:r>
+                                      <a:rPr lang="en-US" altLang="ja-JP" sz="800" i="1">
+                                        <a:latin typeface="Cambria Math"/>
+                                      </a:rPr>
+                                      <m:t>0</m:t>
+                                    </m:r>
+                                  </m:sub>
+                                </m:sSub>
+                              </m:e>
+                              <m:sub>
+                                <m:r>
+                                  <a:rPr lang="en-US" altLang="ja-JP" sz="800" i="1">
+                                    <a:latin typeface="Cambria Math"/>
+                                  </a:rPr>
+                                  <m:t>𝑦</m:t>
+                                </m:r>
+                              </m:sub>
+                            </m:sSub>
+                          </m:den>
+                        </m:f>
+                      </m:e>
+                    </m:d>
+                  </m:oMath>
+                </a14:m>
+                <a:r>
+                  <a:rPr lang="ja-JP" altLang="en-US" sz="800" dirty="0" err="1">
+                    <a:latin typeface="メイリオ" panose="020B0604030504040204" pitchFamily="50" charset="-128"/>
+                    <a:ea typeface="メイリオ" panose="020B0604030504040204" pitchFamily="50" charset="-128"/>
+                    <a:cs typeface="メイリオ" panose="020B0604030504040204" pitchFamily="50" charset="-128"/>
+                  </a:rPr>
+                  <a:t>での</a:t>
+                </a:r>
+                <a:r>
+                  <a:rPr lang="ja-JP" altLang="en-US" sz="800" dirty="0">
+                    <a:latin typeface="メイリオ" panose="020B0604030504040204" pitchFamily="50" charset="-128"/>
+                    <a:ea typeface="メイリオ" panose="020B0604030504040204" pitchFamily="50" charset="-128"/>
+                    <a:cs typeface="メイリオ" panose="020B0604030504040204" pitchFamily="50" charset="-128"/>
+                  </a:rPr>
+                  <a:t>速度および向き</a:t>
+                </a:r>
+                <a14:m>
+                  <m:oMath xmlns:m="http://schemas.openxmlformats.org/officeDocument/2006/math">
+                    <m:r>
+                      <a:rPr lang="ja-JP" altLang="en-US" sz="800" i="1">
+                        <a:latin typeface="Cambria Math" panose="02040503050406030204" pitchFamily="18" charset="0"/>
+                      </a:rPr>
+                      <m:t> </m:t>
+                    </m:r>
+                    <m:acc>
+                      <m:accPr>
+                        <m:chr m:val="⃗"/>
+                        <m:ctrlPr>
+                          <a:rPr lang="en-US" altLang="ja-JP" sz="800" i="1">
+                            <a:latin typeface="Cambria Math" panose="02040503050406030204" pitchFamily="18" charset="0"/>
+                          </a:rPr>
+                        </m:ctrlPr>
+                      </m:accPr>
+                      <m:e>
+                        <m:sSub>
+                          <m:sSubPr>
+                            <m:ctrlPr>
+                              <a:rPr lang="en-US" altLang="ja-JP" sz="800" i="1">
+                                <a:latin typeface="Cambria Math" panose="02040503050406030204" pitchFamily="18" charset="0"/>
+                              </a:rPr>
+                            </m:ctrlPr>
+                          </m:sSubPr>
+                          <m:e>
+                            <m:r>
+                              <a:rPr lang="en-US" altLang="ja-JP" sz="800" i="1">
+                                <a:latin typeface="Cambria Math"/>
+                              </a:rPr>
+                              <m:t>𝑣</m:t>
+                            </m:r>
+                          </m:e>
+                          <m:sub>
+                            <m:r>
+                              <a:rPr lang="en-US" altLang="ja-JP" sz="800" i="1">
+                                <a:latin typeface="Cambria Math"/>
+                              </a:rPr>
+                              <m:t>0</m:t>
+                            </m:r>
+                          </m:sub>
+                        </m:sSub>
+                      </m:e>
+                    </m:acc>
+                    <m:r>
+                      <a:rPr lang="en-US" altLang="ja-JP" sz="800" i="1">
+                        <a:latin typeface="Cambria Math"/>
+                      </a:rPr>
+                      <m:t>=</m:t>
+                    </m:r>
+                    <m:d>
+                      <m:dPr>
+                        <m:ctrlPr>
+                          <a:rPr lang="en-US" altLang="ja-JP" sz="800" i="1">
+                            <a:latin typeface="Cambria Math" panose="02040503050406030204" pitchFamily="18" charset="0"/>
+                          </a:rPr>
+                        </m:ctrlPr>
+                      </m:dPr>
+                      <m:e>
+                        <m:f>
+                          <m:fPr>
+                            <m:type m:val="noBar"/>
+                            <m:ctrlPr>
+                              <a:rPr lang="en-US" altLang="ja-JP" sz="800" i="1">
+                                <a:latin typeface="Cambria Math" panose="02040503050406030204" pitchFamily="18" charset="0"/>
+                              </a:rPr>
+                            </m:ctrlPr>
+                          </m:fPr>
+                          <m:num>
+                            <m:sSub>
+                              <m:sSubPr>
+                                <m:ctrlPr>
+                                  <a:rPr lang="en-US" altLang="ja-JP" sz="800" i="1">
+                                    <a:latin typeface="Cambria Math" panose="02040503050406030204" pitchFamily="18" charset="0"/>
+                                  </a:rPr>
+                                </m:ctrlPr>
+                              </m:sSubPr>
+                              <m:e>
+                                <m:sSub>
+                                  <m:sSubPr>
+                                    <m:ctrlPr>
+                                      <a:rPr lang="en-US" altLang="ja-JP" sz="800" i="1">
+                                        <a:latin typeface="Cambria Math" panose="02040503050406030204" pitchFamily="18" charset="0"/>
+                                      </a:rPr>
+                                    </m:ctrlPr>
+                                  </m:sSubPr>
+                                  <m:e>
+                                    <m:r>
+                                      <a:rPr lang="en-US" altLang="ja-JP" sz="800" i="1">
+                                        <a:latin typeface="Cambria Math"/>
+                                      </a:rPr>
+                                      <m:t>𝑣</m:t>
+                                    </m:r>
+                                  </m:e>
+                                  <m:sub>
+                                    <m:r>
+                                      <a:rPr lang="en-US" altLang="ja-JP" sz="800" i="1">
+                                        <a:latin typeface="Cambria Math"/>
+                                      </a:rPr>
+                                      <m:t>0</m:t>
+                                    </m:r>
+                                  </m:sub>
+                                </m:sSub>
+                              </m:e>
+                              <m:sub>
+                                <m:r>
+                                  <a:rPr lang="en-US" altLang="ja-JP" sz="800" i="1">
+                                    <a:latin typeface="Cambria Math"/>
+                                  </a:rPr>
+                                  <m:t>𝑥</m:t>
+                                </m:r>
+                              </m:sub>
+                            </m:sSub>
+                          </m:num>
+                          <m:den>
+                            <m:sSub>
+                              <m:sSubPr>
+                                <m:ctrlPr>
+                                  <a:rPr lang="en-US" altLang="ja-JP" sz="800" i="1">
+                                    <a:latin typeface="Cambria Math" panose="02040503050406030204" pitchFamily="18" charset="0"/>
+                                  </a:rPr>
+                                </m:ctrlPr>
+                              </m:sSubPr>
+                              <m:e>
+                                <m:sSub>
+                                  <m:sSubPr>
+                                    <m:ctrlPr>
+                                      <a:rPr lang="en-US" altLang="ja-JP" sz="800" i="1">
+                                        <a:latin typeface="Cambria Math" panose="02040503050406030204" pitchFamily="18" charset="0"/>
+                                      </a:rPr>
+                                    </m:ctrlPr>
+                                  </m:sSubPr>
+                                  <m:e>
+                                    <m:r>
+                                      <a:rPr lang="en-US" altLang="ja-JP" sz="800" i="1">
+                                        <a:latin typeface="Cambria Math"/>
+                                      </a:rPr>
+                                      <m:t>𝑣</m:t>
+                                    </m:r>
+                                  </m:e>
+                                  <m:sub>
+                                    <m:r>
+                                      <a:rPr lang="en-US" altLang="ja-JP" sz="800" i="1">
+                                        <a:latin typeface="Cambria Math"/>
+                                      </a:rPr>
+                                      <m:t>0</m:t>
+                                    </m:r>
+                                  </m:sub>
+                                </m:sSub>
+                              </m:e>
+                              <m:sub>
+                                <m:r>
+                                  <a:rPr lang="en-US" altLang="ja-JP" sz="800" i="1">
+                                    <a:latin typeface="Cambria Math"/>
+                                  </a:rPr>
+                                  <m:t>𝑦</m:t>
+                                </m:r>
+                              </m:sub>
+                            </m:sSub>
+                          </m:den>
+                        </m:f>
+                      </m:e>
+                    </m:d>
+                  </m:oMath>
+                </a14:m>
+                <a:endParaRPr lang="en-US" altLang="ja-JP" sz="800" dirty="0">
+                  <a:latin typeface="メイリオ" panose="020B0604030504040204" pitchFamily="50" charset="-128"/>
+                  <a:ea typeface="メイリオ" panose="020B0604030504040204" pitchFamily="50" charset="-128"/>
+                  <a:cs typeface="メイリオ" panose="020B0604030504040204" pitchFamily="50" charset="-128"/>
+                </a:endParaRPr>
+              </a:p>
+              <a:p>
+                <a:r>
+                  <a:rPr lang="ja-JP" altLang="en-US" sz="800" dirty="0">
+                    <a:latin typeface="メイリオ" panose="020B0604030504040204" pitchFamily="50" charset="-128"/>
+                    <a:ea typeface="メイリオ" panose="020B0604030504040204" pitchFamily="50" charset="-128"/>
+                    <a:cs typeface="メイリオ" panose="020B0604030504040204" pitchFamily="50" charset="-128"/>
+                  </a:rPr>
+                  <a:t>目標点</a:t>
+                </a:r>
+                <a14:m>
+                  <m:oMath xmlns:m="http://schemas.openxmlformats.org/officeDocument/2006/math">
+                    <m:acc>
+                      <m:accPr>
+                        <m:chr m:val="⃗"/>
+                        <m:ctrlPr>
+                          <a:rPr lang="en-US" altLang="ja-JP" sz="800" i="1">
+                            <a:latin typeface="Cambria Math" panose="02040503050406030204" pitchFamily="18" charset="0"/>
+                          </a:rPr>
+                        </m:ctrlPr>
+                      </m:accPr>
+                      <m:e>
+                        <m:sSub>
+                          <m:sSubPr>
+                            <m:ctrlPr>
+                              <a:rPr lang="en-US" altLang="ja-JP" sz="800" i="1">
+                                <a:latin typeface="Cambria Math" panose="02040503050406030204" pitchFamily="18" charset="0"/>
+                              </a:rPr>
+                            </m:ctrlPr>
+                          </m:sSubPr>
+                          <m:e>
+                            <m:r>
+                              <a:rPr lang="en-US" altLang="ja-JP" sz="800" i="1">
+                                <a:latin typeface="Cambria Math" panose="02040503050406030204" pitchFamily="18" charset="0"/>
+                              </a:rPr>
+                              <m:t>𝑃</m:t>
+                            </m:r>
+                          </m:e>
+                          <m:sub>
+                            <m:r>
+                              <a:rPr lang="en-US" altLang="ja-JP" sz="800" i="1">
+                                <a:latin typeface="Cambria Math" panose="02040503050406030204" pitchFamily="18" charset="0"/>
+                              </a:rPr>
+                              <m:t>1</m:t>
+                            </m:r>
+                          </m:sub>
+                        </m:sSub>
+                      </m:e>
+                    </m:acc>
+                    <m:r>
+                      <a:rPr lang="en-US" altLang="ja-JP" sz="800" i="1">
+                        <a:latin typeface="Cambria Math" panose="02040503050406030204" pitchFamily="18" charset="0"/>
+                      </a:rPr>
+                      <m:t>=</m:t>
+                    </m:r>
+                    <m:d>
+                      <m:dPr>
+                        <m:ctrlPr>
+                          <a:rPr lang="en-US" altLang="ja-JP" sz="800" i="1">
+                            <a:latin typeface="Cambria Math" panose="02040503050406030204" pitchFamily="18" charset="0"/>
+                          </a:rPr>
+                        </m:ctrlPr>
+                      </m:dPr>
+                      <m:e>
+                        <m:f>
+                          <m:fPr>
+                            <m:type m:val="noBar"/>
+                            <m:ctrlPr>
+                              <a:rPr lang="en-US" altLang="ja-JP" sz="800" i="1">
+                                <a:latin typeface="Cambria Math" panose="02040503050406030204" pitchFamily="18" charset="0"/>
+                              </a:rPr>
+                            </m:ctrlPr>
+                          </m:fPr>
+                          <m:num>
+                            <m:sSub>
+                              <m:sSubPr>
+                                <m:ctrlPr>
+                                  <a:rPr lang="en-US" altLang="ja-JP" sz="800" i="1">
+                                    <a:latin typeface="Cambria Math" panose="02040503050406030204" pitchFamily="18" charset="0"/>
+                                  </a:rPr>
+                                </m:ctrlPr>
+                              </m:sSubPr>
+                              <m:e>
+                                <m:sSub>
+                                  <m:sSubPr>
+                                    <m:ctrlPr>
+                                      <a:rPr lang="en-US" altLang="ja-JP" sz="800" i="1">
+                                        <a:latin typeface="Cambria Math" panose="02040503050406030204" pitchFamily="18" charset="0"/>
+                                      </a:rPr>
+                                    </m:ctrlPr>
+                                  </m:sSubPr>
+                                  <m:e>
+                                    <m:r>
+                                      <a:rPr lang="en-US" altLang="ja-JP" sz="800" i="1">
+                                        <a:latin typeface="Cambria Math" panose="02040503050406030204" pitchFamily="18" charset="0"/>
+                                      </a:rPr>
+                                      <m:t>𝑃</m:t>
+                                    </m:r>
+                                  </m:e>
+                                  <m:sub>
+                                    <m:r>
+                                      <a:rPr lang="en-US" altLang="ja-JP" sz="800" i="1">
+                                        <a:latin typeface="Cambria Math" panose="02040503050406030204" pitchFamily="18" charset="0"/>
+                                      </a:rPr>
+                                      <m:t>1</m:t>
+                                    </m:r>
+                                  </m:sub>
+                                </m:sSub>
+                              </m:e>
+                              <m:sub>
+                                <m:r>
+                                  <a:rPr lang="en-US" altLang="ja-JP" sz="800" i="1">
+                                    <a:latin typeface="Cambria Math"/>
+                                  </a:rPr>
+                                  <m:t>𝑥</m:t>
+                                </m:r>
+                              </m:sub>
+                            </m:sSub>
+                          </m:num>
+                          <m:den>
+                            <m:sSub>
+                              <m:sSubPr>
+                                <m:ctrlPr>
+                                  <a:rPr lang="en-US" altLang="ja-JP" sz="800" i="1">
+                                    <a:latin typeface="Cambria Math" panose="02040503050406030204" pitchFamily="18" charset="0"/>
+                                  </a:rPr>
+                                </m:ctrlPr>
+                              </m:sSubPr>
+                              <m:e>
+                                <m:sSub>
+                                  <m:sSubPr>
+                                    <m:ctrlPr>
+                                      <a:rPr lang="en-US" altLang="ja-JP" sz="800" i="1">
+                                        <a:latin typeface="Cambria Math" panose="02040503050406030204" pitchFamily="18" charset="0"/>
+                                      </a:rPr>
+                                    </m:ctrlPr>
+                                  </m:sSubPr>
+                                  <m:e>
+                                    <m:r>
+                                      <a:rPr lang="en-US" altLang="ja-JP" sz="800" i="1">
+                                        <a:latin typeface="Cambria Math" panose="02040503050406030204" pitchFamily="18" charset="0"/>
+                                      </a:rPr>
+                                      <m:t>𝑃</m:t>
+                                    </m:r>
+                                  </m:e>
+                                  <m:sub>
+                                    <m:r>
+                                      <a:rPr lang="en-US" altLang="ja-JP" sz="800" i="1">
+                                        <a:latin typeface="Cambria Math" panose="02040503050406030204" pitchFamily="18" charset="0"/>
+                                      </a:rPr>
+                                      <m:t>2</m:t>
+                                    </m:r>
+                                  </m:sub>
+                                </m:sSub>
+                              </m:e>
+                              <m:sub>
+                                <m:r>
+                                  <a:rPr lang="en-US" altLang="ja-JP" sz="800" i="1">
+                                    <a:latin typeface="Cambria Math"/>
+                                  </a:rPr>
+                                  <m:t>𝑦</m:t>
+                                </m:r>
+                              </m:sub>
+                            </m:sSub>
+                          </m:den>
+                        </m:f>
+                      </m:e>
+                    </m:d>
+                  </m:oMath>
+                </a14:m>
+                <a:r>
+                  <a:rPr lang="ja-JP" altLang="en-US" sz="800" dirty="0" err="1">
+                    <a:latin typeface="メイリオ" panose="020B0604030504040204" pitchFamily="50" charset="-128"/>
+                    <a:ea typeface="メイリオ" panose="020B0604030504040204" pitchFamily="50" charset="-128"/>
+                    <a:cs typeface="メイリオ" panose="020B0604030504040204" pitchFamily="50" charset="-128"/>
+                  </a:rPr>
+                  <a:t>での</a:t>
+                </a:r>
+                <a:r>
+                  <a:rPr lang="ja-JP" altLang="en-US" sz="800" dirty="0">
+                    <a:latin typeface="メイリオ" panose="020B0604030504040204" pitchFamily="50" charset="-128"/>
+                    <a:ea typeface="メイリオ" panose="020B0604030504040204" pitchFamily="50" charset="-128"/>
+                    <a:cs typeface="メイリオ" panose="020B0604030504040204" pitchFamily="50" charset="-128"/>
+                  </a:rPr>
+                  <a:t>速度および向き </a:t>
+                </a:r>
+                <a14:m>
+                  <m:oMath xmlns:m="http://schemas.openxmlformats.org/officeDocument/2006/math">
+                    <m:acc>
+                      <m:accPr>
+                        <m:chr m:val="⃗"/>
+                        <m:ctrlPr>
+                          <a:rPr lang="en-US" altLang="ja-JP" sz="800" i="1">
+                            <a:latin typeface="Cambria Math" panose="02040503050406030204" pitchFamily="18" charset="0"/>
+                          </a:rPr>
+                        </m:ctrlPr>
+                      </m:accPr>
+                      <m:e>
+                        <m:sSub>
+                          <m:sSubPr>
+                            <m:ctrlPr>
+                              <a:rPr lang="en-US" altLang="ja-JP" sz="800" i="1">
+                                <a:latin typeface="Cambria Math" panose="02040503050406030204" pitchFamily="18" charset="0"/>
+                              </a:rPr>
+                            </m:ctrlPr>
+                          </m:sSubPr>
+                          <m:e>
+                            <m:r>
+                              <a:rPr lang="en-US" altLang="ja-JP" sz="800" i="1">
+                                <a:latin typeface="Cambria Math"/>
+                              </a:rPr>
+                              <m:t>𝑣</m:t>
+                            </m:r>
+                          </m:e>
+                          <m:sub>
+                            <m:r>
+                              <a:rPr lang="en-US" altLang="ja-JP" sz="800" i="1">
+                                <a:latin typeface="Cambria Math" panose="02040503050406030204" pitchFamily="18" charset="0"/>
+                              </a:rPr>
+                              <m:t>1</m:t>
+                            </m:r>
+                          </m:sub>
+                        </m:sSub>
+                      </m:e>
+                    </m:acc>
+                    <m:r>
+                      <a:rPr lang="en-US" altLang="ja-JP" sz="800" i="1">
+                        <a:latin typeface="Cambria Math"/>
+                      </a:rPr>
+                      <m:t>=</m:t>
+                    </m:r>
+                    <m:d>
+                      <m:dPr>
+                        <m:ctrlPr>
+                          <a:rPr lang="en-US" altLang="ja-JP" sz="800" i="1">
+                            <a:latin typeface="Cambria Math" panose="02040503050406030204" pitchFamily="18" charset="0"/>
+                          </a:rPr>
+                        </m:ctrlPr>
+                      </m:dPr>
+                      <m:e>
+                        <m:f>
+                          <m:fPr>
+                            <m:type m:val="noBar"/>
+                            <m:ctrlPr>
+                              <a:rPr lang="en-US" altLang="ja-JP" sz="800" i="1">
+                                <a:latin typeface="Cambria Math" panose="02040503050406030204" pitchFamily="18" charset="0"/>
+                              </a:rPr>
+                            </m:ctrlPr>
+                          </m:fPr>
+                          <m:num>
+                            <m:sSub>
+                              <m:sSubPr>
+                                <m:ctrlPr>
+                                  <a:rPr lang="en-US" altLang="ja-JP" sz="800" i="1">
+                                    <a:latin typeface="Cambria Math" panose="02040503050406030204" pitchFamily="18" charset="0"/>
+                                  </a:rPr>
+                                </m:ctrlPr>
+                              </m:sSubPr>
+                              <m:e>
+                                <m:sSub>
+                                  <m:sSubPr>
+                                    <m:ctrlPr>
+                                      <a:rPr lang="en-US" altLang="ja-JP" sz="800" i="1">
+                                        <a:latin typeface="Cambria Math" panose="02040503050406030204" pitchFamily="18" charset="0"/>
+                                      </a:rPr>
+                                    </m:ctrlPr>
+                                  </m:sSubPr>
+                                  <m:e>
+                                    <m:r>
+                                      <a:rPr lang="en-US" altLang="ja-JP" sz="800" i="1">
+                                        <a:latin typeface="Cambria Math"/>
+                                      </a:rPr>
+                                      <m:t>𝑣</m:t>
+                                    </m:r>
+                                  </m:e>
+                                  <m:sub>
+                                    <m:r>
+                                      <a:rPr lang="en-US" altLang="ja-JP" sz="800" i="1">
+                                        <a:latin typeface="Cambria Math" panose="02040503050406030204" pitchFamily="18" charset="0"/>
+                                      </a:rPr>
+                                      <m:t>1</m:t>
+                                    </m:r>
+                                  </m:sub>
+                                </m:sSub>
+                              </m:e>
+                              <m:sub>
+                                <m:r>
+                                  <a:rPr lang="en-US" altLang="ja-JP" sz="800" i="1">
+                                    <a:latin typeface="Cambria Math"/>
+                                  </a:rPr>
+                                  <m:t>𝑥</m:t>
+                                </m:r>
+                              </m:sub>
+                            </m:sSub>
+                          </m:num>
+                          <m:den>
+                            <m:sSub>
+                              <m:sSubPr>
+                                <m:ctrlPr>
+                                  <a:rPr lang="en-US" altLang="ja-JP" sz="800" i="1">
+                                    <a:latin typeface="Cambria Math" panose="02040503050406030204" pitchFamily="18" charset="0"/>
+                                  </a:rPr>
+                                </m:ctrlPr>
+                              </m:sSubPr>
+                              <m:e>
+                                <m:sSub>
+                                  <m:sSubPr>
+                                    <m:ctrlPr>
+                                      <a:rPr lang="en-US" altLang="ja-JP" sz="800" i="1">
+                                        <a:latin typeface="Cambria Math" panose="02040503050406030204" pitchFamily="18" charset="0"/>
+                                      </a:rPr>
+                                    </m:ctrlPr>
+                                  </m:sSubPr>
+                                  <m:e>
+                                    <m:r>
+                                      <a:rPr lang="en-US" altLang="ja-JP" sz="800" i="1">
+                                        <a:latin typeface="Cambria Math"/>
+                                      </a:rPr>
+                                      <m:t>𝑣</m:t>
+                                    </m:r>
+                                  </m:e>
+                                  <m:sub>
+                                    <m:r>
+                                      <a:rPr lang="en-US" altLang="ja-JP" sz="800" i="1">
+                                        <a:latin typeface="Cambria Math" panose="02040503050406030204" pitchFamily="18" charset="0"/>
+                                      </a:rPr>
+                                      <m:t>1</m:t>
+                                    </m:r>
+                                  </m:sub>
+                                </m:sSub>
+                              </m:e>
+                              <m:sub>
+                                <m:r>
+                                  <a:rPr lang="en-US" altLang="ja-JP" sz="800" i="1">
+                                    <a:latin typeface="Cambria Math"/>
+                                  </a:rPr>
+                                  <m:t>𝑦</m:t>
+                                </m:r>
+                              </m:sub>
+                            </m:sSub>
+                          </m:den>
+                        </m:f>
+                      </m:e>
+                    </m:d>
+                  </m:oMath>
+                </a14:m>
+                <a:endParaRPr lang="en-US" altLang="ja-JP" sz="800" dirty="0">
+                  <a:latin typeface="メイリオ" panose="020B0604030504040204" pitchFamily="50" charset="-128"/>
+                  <a:ea typeface="メイリオ" panose="020B0604030504040204" pitchFamily="50" charset="-128"/>
+                  <a:cs typeface="メイリオ" panose="020B0604030504040204" pitchFamily="50" charset="-128"/>
+                </a:endParaRPr>
+              </a:p>
+              <a:p>
+                <a:r>
+                  <a:rPr lang="ja-JP" altLang="en-US" sz="800" dirty="0">
+                    <a:latin typeface="メイリオ" panose="020B0604030504040204" pitchFamily="50" charset="-128"/>
+                    <a:ea typeface="メイリオ" panose="020B0604030504040204" pitchFamily="50" charset="-128"/>
+                    <a:cs typeface="メイリオ" panose="020B0604030504040204" pitchFamily="50" charset="-128"/>
+                  </a:rPr>
+                  <a:t>３次スプライン曲線 </a:t>
+                </a:r>
+                <a14:m>
+                  <m:oMath xmlns:m="http://schemas.openxmlformats.org/officeDocument/2006/math">
+                    <m:r>
+                      <a:rPr lang="ja-JP" altLang="en-US" sz="800" i="1">
+                        <a:latin typeface="Cambria Math" panose="02040503050406030204" pitchFamily="18" charset="0"/>
+                      </a:rPr>
+                      <m:t> </m:t>
+                    </m:r>
+                    <m:acc>
+                      <m:accPr>
+                        <m:chr m:val="⃗"/>
+                        <m:ctrlPr>
+                          <a:rPr lang="en-US" altLang="ja-JP" sz="800" i="1">
+                            <a:latin typeface="Cambria Math" panose="02040503050406030204" pitchFamily="18" charset="0"/>
+                          </a:rPr>
+                        </m:ctrlPr>
+                      </m:accPr>
+                      <m:e>
+                        <m:r>
+                          <a:rPr lang="en-US" altLang="ja-JP" sz="800" i="1">
+                            <a:latin typeface="Cambria Math" panose="02040503050406030204" pitchFamily="18" charset="0"/>
+                          </a:rPr>
+                          <m:t>𝑃</m:t>
+                        </m:r>
+                        <m:d>
+                          <m:dPr>
+                            <m:ctrlPr>
+                              <a:rPr lang="en-US" altLang="ja-JP" sz="800" i="1">
+                                <a:latin typeface="Cambria Math" panose="02040503050406030204" pitchFamily="18" charset="0"/>
+                              </a:rPr>
+                            </m:ctrlPr>
+                          </m:dPr>
+                          <m:e>
+                            <m:r>
+                              <a:rPr lang="en-US" altLang="ja-JP" sz="800" i="1">
+                                <a:latin typeface="Cambria Math"/>
+                              </a:rPr>
+                              <m:t>𝑠</m:t>
+                            </m:r>
+                          </m:e>
+                        </m:d>
+                      </m:e>
+                    </m:acc>
+                    <m:r>
+                      <a:rPr lang="en-US" altLang="ja-JP" sz="800" i="1">
+                        <a:latin typeface="Cambria Math"/>
+                      </a:rPr>
+                      <m:t>=</m:t>
+                    </m:r>
+                    <m:acc>
+                      <m:accPr>
+                        <m:chr m:val="⃗"/>
+                        <m:ctrlPr>
+                          <a:rPr lang="en-US" altLang="ja-JP" sz="800" i="1">
+                            <a:latin typeface="Cambria Math" panose="02040503050406030204" pitchFamily="18" charset="0"/>
+                          </a:rPr>
+                        </m:ctrlPr>
+                      </m:accPr>
+                      <m:e>
+                        <m:sSub>
+                          <m:sSubPr>
+                            <m:ctrlPr>
+                              <a:rPr lang="en-US" altLang="ja-JP" sz="800" i="1">
+                                <a:latin typeface="Cambria Math" panose="02040503050406030204" pitchFamily="18" charset="0"/>
+                              </a:rPr>
+                            </m:ctrlPr>
+                          </m:sSubPr>
+                          <m:e>
+                            <m:r>
+                              <a:rPr lang="en-US" altLang="ja-JP" sz="800" i="1">
+                                <a:latin typeface="Cambria Math"/>
+                              </a:rPr>
+                              <m:t>𝑎</m:t>
+                            </m:r>
+                          </m:e>
+                          <m:sub>
+                            <m:r>
+                              <a:rPr lang="en-US" altLang="ja-JP" sz="800" i="1">
+                                <a:latin typeface="Cambria Math"/>
+                              </a:rPr>
+                              <m:t>0</m:t>
+                            </m:r>
+                          </m:sub>
+                        </m:sSub>
+                      </m:e>
+                    </m:acc>
+                    <m:r>
+                      <a:rPr lang="en-US" altLang="ja-JP" sz="800" i="1">
+                        <a:latin typeface="Cambria Math"/>
+                      </a:rPr>
+                      <m:t>+</m:t>
+                    </m:r>
+                    <m:acc>
+                      <m:accPr>
+                        <m:chr m:val="⃗"/>
+                        <m:ctrlPr>
+                          <a:rPr lang="en-US" altLang="ja-JP" sz="800" i="1">
+                            <a:latin typeface="Cambria Math" panose="02040503050406030204" pitchFamily="18" charset="0"/>
+                          </a:rPr>
+                        </m:ctrlPr>
+                      </m:accPr>
+                      <m:e>
+                        <m:sSub>
+                          <m:sSubPr>
+                            <m:ctrlPr>
+                              <a:rPr lang="en-US" altLang="ja-JP" sz="800" i="1">
+                                <a:latin typeface="Cambria Math" panose="02040503050406030204" pitchFamily="18" charset="0"/>
+                              </a:rPr>
+                            </m:ctrlPr>
+                          </m:sSubPr>
+                          <m:e>
+                            <m:r>
+                              <a:rPr lang="en-US" altLang="ja-JP" sz="800" i="1">
+                                <a:latin typeface="Cambria Math"/>
+                              </a:rPr>
+                              <m:t>𝑎</m:t>
+                            </m:r>
+                          </m:e>
+                          <m:sub>
+                            <m:r>
+                              <a:rPr lang="en-US" altLang="ja-JP" sz="800" i="1">
+                                <a:latin typeface="Cambria Math"/>
+                              </a:rPr>
+                              <m:t>1</m:t>
+                            </m:r>
+                          </m:sub>
+                        </m:sSub>
+                      </m:e>
+                    </m:acc>
+                    <m:r>
+                      <a:rPr lang="en-US" altLang="ja-JP" sz="800" i="1">
+                        <a:latin typeface="Cambria Math"/>
+                      </a:rPr>
+                      <m:t>𝑠</m:t>
+                    </m:r>
+                    <m:r>
+                      <a:rPr lang="en-US" altLang="ja-JP" sz="800" i="1">
+                        <a:latin typeface="Cambria Math"/>
+                      </a:rPr>
+                      <m:t>+</m:t>
+                    </m:r>
+                    <m:acc>
+                      <m:accPr>
+                        <m:chr m:val="⃗"/>
+                        <m:ctrlPr>
+                          <a:rPr lang="en-US" altLang="ja-JP" sz="800" i="1">
+                            <a:latin typeface="Cambria Math" panose="02040503050406030204" pitchFamily="18" charset="0"/>
+                          </a:rPr>
+                        </m:ctrlPr>
+                      </m:accPr>
+                      <m:e>
+                        <m:sSub>
+                          <m:sSubPr>
+                            <m:ctrlPr>
+                              <a:rPr lang="en-US" altLang="ja-JP" sz="800" i="1">
+                                <a:latin typeface="Cambria Math" panose="02040503050406030204" pitchFamily="18" charset="0"/>
+                              </a:rPr>
+                            </m:ctrlPr>
+                          </m:sSubPr>
+                          <m:e>
+                            <m:r>
+                              <a:rPr lang="en-US" altLang="ja-JP" sz="800" i="1">
+                                <a:latin typeface="Cambria Math"/>
+                              </a:rPr>
+                              <m:t>𝑎</m:t>
+                            </m:r>
+                          </m:e>
+                          <m:sub>
+                            <m:r>
+                              <a:rPr lang="en-US" altLang="ja-JP" sz="800" i="1">
+                                <a:latin typeface="Cambria Math"/>
+                              </a:rPr>
+                              <m:t>2</m:t>
+                            </m:r>
+                          </m:sub>
+                        </m:sSub>
+                      </m:e>
+                    </m:acc>
+                    <m:sSup>
+                      <m:sSupPr>
+                        <m:ctrlPr>
+                          <a:rPr lang="en-US" altLang="ja-JP" sz="800" i="1">
+                            <a:latin typeface="Cambria Math" panose="02040503050406030204" pitchFamily="18" charset="0"/>
+                          </a:rPr>
+                        </m:ctrlPr>
+                      </m:sSupPr>
+                      <m:e>
+                        <m:r>
+                          <a:rPr lang="en-US" altLang="ja-JP" sz="800" i="1">
+                            <a:latin typeface="Cambria Math"/>
+                          </a:rPr>
+                          <m:t>𝑠</m:t>
+                        </m:r>
+                      </m:e>
+                      <m:sup>
+                        <m:r>
+                          <a:rPr lang="en-US" altLang="ja-JP" sz="800" i="1">
+                            <a:latin typeface="Cambria Math"/>
+                          </a:rPr>
+                          <m:t>2</m:t>
+                        </m:r>
+                      </m:sup>
+                    </m:sSup>
+                    <m:r>
+                      <a:rPr lang="en-US" altLang="ja-JP" sz="800" i="1">
+                        <a:latin typeface="Cambria Math"/>
+                      </a:rPr>
+                      <m:t>+</m:t>
+                    </m:r>
+                    <m:acc>
+                      <m:accPr>
+                        <m:chr m:val="⃗"/>
+                        <m:ctrlPr>
+                          <a:rPr lang="en-US" altLang="ja-JP" sz="800" i="1">
+                            <a:latin typeface="Cambria Math" panose="02040503050406030204" pitchFamily="18" charset="0"/>
+                          </a:rPr>
+                        </m:ctrlPr>
+                      </m:accPr>
+                      <m:e>
+                        <m:sSub>
+                          <m:sSubPr>
+                            <m:ctrlPr>
+                              <a:rPr lang="en-US" altLang="ja-JP" sz="800" i="1">
+                                <a:latin typeface="Cambria Math" panose="02040503050406030204" pitchFamily="18" charset="0"/>
+                              </a:rPr>
+                            </m:ctrlPr>
+                          </m:sSubPr>
+                          <m:e>
+                            <m:r>
+                              <a:rPr lang="en-US" altLang="ja-JP" sz="800" i="1">
+                                <a:latin typeface="Cambria Math"/>
+                              </a:rPr>
+                              <m:t>𝑎</m:t>
+                            </m:r>
+                          </m:e>
+                          <m:sub>
+                            <m:r>
+                              <a:rPr lang="en-US" altLang="ja-JP" sz="800" i="1">
+                                <a:latin typeface="Cambria Math" panose="02040503050406030204" pitchFamily="18" charset="0"/>
+                              </a:rPr>
+                              <m:t>3</m:t>
+                            </m:r>
+                          </m:sub>
+                        </m:sSub>
+                      </m:e>
+                    </m:acc>
+                    <m:sSup>
+                      <m:sSupPr>
+                        <m:ctrlPr>
+                          <a:rPr lang="en-US" altLang="ja-JP" sz="800" i="1">
+                            <a:latin typeface="Cambria Math" panose="02040503050406030204" pitchFamily="18" charset="0"/>
+                          </a:rPr>
+                        </m:ctrlPr>
+                      </m:sSupPr>
+                      <m:e>
+                        <m:r>
+                          <a:rPr lang="en-US" altLang="ja-JP" sz="800" i="1">
+                            <a:latin typeface="Cambria Math" panose="02040503050406030204" pitchFamily="18" charset="0"/>
+                          </a:rPr>
+                          <m:t>𝑠</m:t>
+                        </m:r>
+                      </m:e>
+                      <m:sup>
+                        <m:r>
+                          <a:rPr lang="en-US" altLang="ja-JP" sz="800" i="1">
+                            <a:latin typeface="Cambria Math"/>
+                          </a:rPr>
+                          <m:t>3</m:t>
+                        </m:r>
+                      </m:sup>
+                    </m:sSup>
+                  </m:oMath>
+                </a14:m>
+                <a:r>
+                  <a:rPr lang="ja-JP" altLang="en-US" sz="800" dirty="0">
+                    <a:latin typeface="メイリオ" panose="020B0604030504040204" pitchFamily="50" charset="-128"/>
+                    <a:ea typeface="メイリオ" panose="020B0604030504040204" pitchFamily="50" charset="-128"/>
+                    <a:cs typeface="メイリオ" panose="020B0604030504040204" pitchFamily="50" charset="-128"/>
+                  </a:rPr>
+                  <a:t> </a:t>
+                </a:r>
+                <a:r>
+                  <a:rPr lang="en-US" altLang="ja-JP" sz="800" dirty="0">
+                    <a:latin typeface="メイリオ" panose="020B0604030504040204" pitchFamily="50" charset="-128"/>
+                    <a:ea typeface="メイリオ" panose="020B0604030504040204" pitchFamily="50" charset="-128"/>
+                    <a:cs typeface="メイリオ" panose="020B0604030504040204" pitchFamily="50" charset="-128"/>
+                  </a:rPr>
+                  <a:t>(</a:t>
+                </a:r>
+                <a14:m>
+                  <m:oMath xmlns:m="http://schemas.openxmlformats.org/officeDocument/2006/math">
+                    <m:r>
+                      <a:rPr lang="en-US" altLang="ja-JP" sz="800" dirty="0">
+                        <a:latin typeface="Cambria Math" panose="02040503050406030204" pitchFamily="18" charset="0"/>
+                        <a:ea typeface="Cambria Math" panose="02040503050406030204" pitchFamily="18" charset="0"/>
+                      </a:rPr>
+                      <m:t>0</m:t>
+                    </m:r>
+                    <m:r>
+                      <a:rPr lang="en-US" altLang="ja-JP" sz="800" i="1" dirty="0">
+                        <a:latin typeface="Cambria Math" panose="02040503050406030204" pitchFamily="18" charset="0"/>
+                        <a:ea typeface="Cambria Math" panose="02040503050406030204" pitchFamily="18" charset="0"/>
+                      </a:rPr>
+                      <m:t>≤</m:t>
+                    </m:r>
+                    <m:r>
+                      <a:rPr lang="en-US" altLang="ja-JP" sz="800" i="1" dirty="0">
+                        <a:latin typeface="Cambria Math" panose="02040503050406030204" pitchFamily="18" charset="0"/>
+                        <a:ea typeface="Cambria Math" panose="02040503050406030204" pitchFamily="18" charset="0"/>
+                      </a:rPr>
+                      <m:t>𝑠</m:t>
+                    </m:r>
+                    <m:r>
+                      <a:rPr lang="en-US" altLang="ja-JP" sz="800" i="1" dirty="0">
+                        <a:latin typeface="Cambria Math" panose="02040503050406030204" pitchFamily="18" charset="0"/>
+                        <a:ea typeface="Cambria Math" panose="02040503050406030204" pitchFamily="18" charset="0"/>
+                      </a:rPr>
+                      <m:t>≤1</m:t>
+                    </m:r>
+                  </m:oMath>
+                </a14:m>
+                <a:r>
+                  <a:rPr lang="en-US" altLang="ja-JP" sz="800" dirty="0">
+                    <a:latin typeface="メイリオ" panose="020B0604030504040204" pitchFamily="50" charset="-128"/>
+                    <a:ea typeface="メイリオ" panose="020B0604030504040204" pitchFamily="50" charset="-128"/>
+                    <a:cs typeface="メイリオ" panose="020B0604030504040204" pitchFamily="50" charset="-128"/>
+                  </a:rPr>
+                  <a:t>)  </a:t>
+                </a:r>
+                <a:r>
+                  <a:rPr lang="ja-JP" altLang="en-US" sz="800" dirty="0">
+                    <a:latin typeface="メイリオ" panose="020B0604030504040204" pitchFamily="50" charset="-128"/>
+                    <a:ea typeface="メイリオ" panose="020B0604030504040204" pitchFamily="50" charset="-128"/>
+                    <a:cs typeface="メイリオ" panose="020B0604030504040204" pitchFamily="50" charset="-128"/>
+                  </a:rPr>
+                  <a:t>の係数は、</a:t>
+                </a:r>
+                <a:endParaRPr lang="en-US" altLang="ja-JP" sz="800" dirty="0">
+                  <a:latin typeface="メイリオ" panose="020B0604030504040204" pitchFamily="50" charset="-128"/>
+                  <a:ea typeface="メイリオ" panose="020B0604030504040204" pitchFamily="50" charset="-128"/>
+                  <a:cs typeface="メイリオ" panose="020B0604030504040204" pitchFamily="50" charset="-128"/>
+                </a:endParaRPr>
+              </a:p>
+              <a:p>
+                <a:pPr indent="361950"/>
+                <a14:m>
+                  <m:oMath xmlns:m="http://schemas.openxmlformats.org/officeDocument/2006/math">
+                    <m:r>
+                      <a:rPr lang="ja-JP" altLang="en-US" sz="800" i="1">
+                        <a:latin typeface="Cambria Math" panose="02040503050406030204" pitchFamily="18" charset="0"/>
+                      </a:rPr>
+                      <m:t> </m:t>
+                    </m:r>
+                    <m:acc>
+                      <m:accPr>
+                        <m:chr m:val="⃗"/>
+                        <m:ctrlPr>
+                          <a:rPr lang="en-US" altLang="ja-JP" sz="800" i="1">
+                            <a:latin typeface="Cambria Math" panose="02040503050406030204" pitchFamily="18" charset="0"/>
+                          </a:rPr>
+                        </m:ctrlPr>
+                      </m:accPr>
+                      <m:e>
+                        <m:sSub>
+                          <m:sSubPr>
+                            <m:ctrlPr>
+                              <a:rPr lang="en-US" altLang="ja-JP" sz="800" i="1">
+                                <a:latin typeface="Cambria Math" panose="02040503050406030204" pitchFamily="18" charset="0"/>
+                              </a:rPr>
+                            </m:ctrlPr>
+                          </m:sSubPr>
+                          <m:e>
+                            <m:r>
+                              <a:rPr lang="en-US" altLang="ja-JP" sz="800" i="1">
+                                <a:latin typeface="Cambria Math"/>
+                              </a:rPr>
+                              <m:t>𝑎</m:t>
+                            </m:r>
+                          </m:e>
+                          <m:sub>
+                            <m:r>
+                              <a:rPr lang="en-US" altLang="ja-JP" sz="800" i="1">
+                                <a:latin typeface="Cambria Math"/>
+                              </a:rPr>
+                              <m:t>0</m:t>
+                            </m:r>
+                          </m:sub>
+                        </m:sSub>
+                      </m:e>
+                    </m:acc>
+                    <m:r>
+                      <a:rPr lang="en-US" altLang="ja-JP" sz="800">
+                        <a:latin typeface="Cambria Math" panose="02040503050406030204" pitchFamily="18" charset="0"/>
+                      </a:rPr>
+                      <m:t>=</m:t>
+                    </m:r>
+                    <m:acc>
+                      <m:accPr>
+                        <m:chr m:val="⃗"/>
+                        <m:ctrlPr>
+                          <a:rPr lang="en-US" altLang="ja-JP" sz="800" i="1">
+                            <a:latin typeface="Cambria Math" panose="02040503050406030204" pitchFamily="18" charset="0"/>
+                          </a:rPr>
+                        </m:ctrlPr>
+                      </m:accPr>
+                      <m:e>
+                        <m:sSub>
+                          <m:sSubPr>
+                            <m:ctrlPr>
+                              <a:rPr lang="en-US" altLang="ja-JP" sz="800" i="1">
+                                <a:latin typeface="Cambria Math" panose="02040503050406030204" pitchFamily="18" charset="0"/>
+                              </a:rPr>
+                            </m:ctrlPr>
+                          </m:sSubPr>
+                          <m:e>
+                            <m:r>
+                              <a:rPr lang="en-US" altLang="ja-JP" sz="800" i="1">
+                                <a:latin typeface="Cambria Math" panose="02040503050406030204" pitchFamily="18" charset="0"/>
+                              </a:rPr>
+                              <m:t>𝑃</m:t>
+                            </m:r>
+                          </m:e>
+                          <m:sub>
+                            <m:r>
+                              <a:rPr lang="en-US" altLang="ja-JP" sz="800" i="1">
+                                <a:latin typeface="Cambria Math"/>
+                              </a:rPr>
+                              <m:t>0</m:t>
+                            </m:r>
+                          </m:sub>
+                        </m:sSub>
+                      </m:e>
+                    </m:acc>
+                  </m:oMath>
+                </a14:m>
+                <a:r>
+                  <a:rPr lang="en-US" altLang="ja-JP" sz="800" dirty="0">
+                    <a:latin typeface="メイリオ" panose="020B0604030504040204" pitchFamily="50" charset="-128"/>
+                    <a:ea typeface="メイリオ" panose="020B0604030504040204" pitchFamily="50" charset="-128"/>
+                    <a:cs typeface="メイリオ" panose="020B0604030504040204" pitchFamily="50" charset="-128"/>
+                  </a:rPr>
+                  <a:t> </a:t>
+                </a:r>
+              </a:p>
+              <a:p>
+                <a:pPr indent="361950"/>
+                <a14:m>
+                  <m:oMath xmlns:m="http://schemas.openxmlformats.org/officeDocument/2006/math">
+                    <m:acc>
+                      <m:accPr>
+                        <m:chr m:val="⃗"/>
+                        <m:ctrlPr>
+                          <a:rPr lang="en-US" altLang="ja-JP" sz="800" i="1">
+                            <a:latin typeface="Cambria Math" panose="02040503050406030204" pitchFamily="18" charset="0"/>
+                          </a:rPr>
+                        </m:ctrlPr>
+                      </m:accPr>
+                      <m:e>
+                        <m:sSub>
+                          <m:sSubPr>
+                            <m:ctrlPr>
+                              <a:rPr lang="en-US" altLang="ja-JP" sz="800" i="1">
+                                <a:latin typeface="Cambria Math" panose="02040503050406030204" pitchFamily="18" charset="0"/>
+                              </a:rPr>
+                            </m:ctrlPr>
+                          </m:sSubPr>
+                          <m:e>
+                            <m:r>
+                              <a:rPr lang="en-US" altLang="ja-JP" sz="800" i="1">
+                                <a:latin typeface="Cambria Math"/>
+                              </a:rPr>
+                              <m:t>𝑎</m:t>
+                            </m:r>
+                          </m:e>
+                          <m:sub>
+                            <m:r>
+                              <a:rPr lang="en-US" altLang="ja-JP" sz="800" i="1">
+                                <a:latin typeface="Cambria Math" panose="02040503050406030204" pitchFamily="18" charset="0"/>
+                              </a:rPr>
+                              <m:t>1</m:t>
+                            </m:r>
+                          </m:sub>
+                        </m:sSub>
+                      </m:e>
+                    </m:acc>
+                    <m:r>
+                      <a:rPr lang="en-US" altLang="ja-JP" sz="800">
+                        <a:latin typeface="Cambria Math" panose="02040503050406030204" pitchFamily="18" charset="0"/>
+                      </a:rPr>
+                      <m:t>=</m:t>
+                    </m:r>
+                    <m:acc>
+                      <m:accPr>
+                        <m:chr m:val="⃗"/>
+                        <m:ctrlPr>
+                          <a:rPr lang="en-US" altLang="ja-JP" sz="800" i="1">
+                            <a:latin typeface="Cambria Math" panose="02040503050406030204" pitchFamily="18" charset="0"/>
+                          </a:rPr>
+                        </m:ctrlPr>
+                      </m:accPr>
+                      <m:e>
+                        <m:sSub>
+                          <m:sSubPr>
+                            <m:ctrlPr>
+                              <a:rPr lang="en-US" altLang="ja-JP" sz="800" i="1">
+                                <a:latin typeface="Cambria Math" panose="02040503050406030204" pitchFamily="18" charset="0"/>
+                              </a:rPr>
+                            </m:ctrlPr>
+                          </m:sSubPr>
+                          <m:e>
+                            <m:r>
+                              <a:rPr lang="en-US" altLang="ja-JP" sz="800" i="1">
+                                <a:latin typeface="Cambria Math" panose="02040503050406030204" pitchFamily="18" charset="0"/>
+                              </a:rPr>
+                              <m:t>𝑃</m:t>
+                            </m:r>
+                          </m:e>
+                          <m:sub>
+                            <m:r>
+                              <a:rPr lang="en-US" altLang="ja-JP" sz="800" i="1">
+                                <a:latin typeface="Cambria Math" panose="02040503050406030204" pitchFamily="18" charset="0"/>
+                              </a:rPr>
+                              <m:t>1</m:t>
+                            </m:r>
+                          </m:sub>
+                        </m:sSub>
+                      </m:e>
+                    </m:acc>
+                  </m:oMath>
+                </a14:m>
+                <a:r>
+                  <a:rPr lang="en-US" altLang="ja-JP" sz="800" dirty="0">
+                    <a:latin typeface="メイリオ" panose="020B0604030504040204" pitchFamily="50" charset="-128"/>
+                    <a:ea typeface="メイリオ" panose="020B0604030504040204" pitchFamily="50" charset="-128"/>
+                    <a:cs typeface="メイリオ" panose="020B0604030504040204" pitchFamily="50" charset="-128"/>
+                  </a:rPr>
+                  <a:t> </a:t>
+                </a:r>
+              </a:p>
+              <a:p>
+                <a:pPr marL="361950"/>
+                <a14:m>
+                  <m:oMathPara xmlns:m="http://schemas.openxmlformats.org/officeDocument/2006/math">
+                    <m:oMathParaPr>
+                      <m:jc m:val="left"/>
+                    </m:oMathParaPr>
+                    <m:oMath xmlns:m="http://schemas.openxmlformats.org/officeDocument/2006/math">
+                      <m:acc>
+                        <m:accPr>
+                          <m:chr m:val="⃗"/>
+                          <m:ctrlPr>
+                            <a:rPr lang="en-US" altLang="ja-JP" sz="800" i="1">
+                              <a:latin typeface="Cambria Math" panose="02040503050406030204" pitchFamily="18" charset="0"/>
+                            </a:rPr>
+                          </m:ctrlPr>
+                        </m:accPr>
+                        <m:e>
+                          <m:sSub>
+                            <m:sSubPr>
+                              <m:ctrlPr>
+                                <a:rPr lang="en-US" altLang="ja-JP" sz="800" i="1">
+                                  <a:latin typeface="Cambria Math" panose="02040503050406030204" pitchFamily="18" charset="0"/>
+                                </a:rPr>
+                              </m:ctrlPr>
+                            </m:sSubPr>
+                            <m:e>
+                              <m:r>
+                                <a:rPr lang="en-US" altLang="ja-JP" sz="800" i="1">
+                                  <a:latin typeface="Cambria Math"/>
+                                </a:rPr>
+                                <m:t>𝑎</m:t>
+                              </m:r>
+                            </m:e>
+                            <m:sub>
+                              <m:r>
+                                <a:rPr lang="en-US" altLang="ja-JP" sz="800" i="1">
+                                  <a:latin typeface="Cambria Math" panose="02040503050406030204" pitchFamily="18" charset="0"/>
+                                </a:rPr>
+                                <m:t>2</m:t>
+                              </m:r>
+                            </m:sub>
+                          </m:sSub>
+                        </m:e>
+                      </m:acc>
+                      <m:r>
+                        <a:rPr lang="en-US" altLang="ja-JP" sz="800" i="1">
+                          <a:latin typeface="Cambria Math"/>
+                        </a:rPr>
+                        <m:t>=</m:t>
+                      </m:r>
+                      <m:r>
+                        <a:rPr lang="en-US" altLang="ja-JP" sz="800" i="1">
+                          <a:latin typeface="Cambria Math" panose="02040503050406030204" pitchFamily="18" charset="0"/>
+                        </a:rPr>
+                        <m:t>3</m:t>
+                      </m:r>
+                      <m:acc>
+                        <m:accPr>
+                          <m:chr m:val="⃗"/>
+                          <m:ctrlPr>
+                            <a:rPr lang="en-US" altLang="ja-JP" sz="800" i="1">
+                              <a:latin typeface="Cambria Math" panose="02040503050406030204" pitchFamily="18" charset="0"/>
+                            </a:rPr>
+                          </m:ctrlPr>
+                        </m:accPr>
+                        <m:e>
+                          <m:sSub>
+                            <m:sSubPr>
+                              <m:ctrlPr>
+                                <a:rPr lang="en-US" altLang="ja-JP" sz="800" i="1">
+                                  <a:latin typeface="Cambria Math" panose="02040503050406030204" pitchFamily="18" charset="0"/>
+                                </a:rPr>
+                              </m:ctrlPr>
+                            </m:sSubPr>
+                            <m:e>
+                              <m:r>
+                                <a:rPr lang="en-US" altLang="ja-JP" sz="800" i="1">
+                                  <a:latin typeface="Cambria Math" panose="02040503050406030204" pitchFamily="18" charset="0"/>
+                                </a:rPr>
+                                <m:t>𝑃</m:t>
+                              </m:r>
+                            </m:e>
+                            <m:sub>
+                              <m:r>
+                                <a:rPr lang="en-US" altLang="ja-JP" sz="800" i="1">
+                                  <a:latin typeface="Cambria Math" panose="02040503050406030204" pitchFamily="18" charset="0"/>
+                                </a:rPr>
+                                <m:t>1</m:t>
+                              </m:r>
+                            </m:sub>
+                          </m:sSub>
+                        </m:e>
+                      </m:acc>
+                      <m:r>
+                        <a:rPr lang="en-US" altLang="ja-JP" sz="800" i="1">
+                          <a:latin typeface="Cambria Math"/>
+                        </a:rPr>
+                        <m:t>−</m:t>
+                      </m:r>
+                      <m:r>
+                        <a:rPr lang="en-US" altLang="ja-JP" sz="800" i="1">
+                          <a:latin typeface="Cambria Math" panose="02040503050406030204" pitchFamily="18" charset="0"/>
+                        </a:rPr>
+                        <m:t>3</m:t>
+                      </m:r>
+                      <m:acc>
+                        <m:accPr>
+                          <m:chr m:val="⃗"/>
+                          <m:ctrlPr>
+                            <a:rPr lang="en-US" altLang="ja-JP" sz="800" i="1">
+                              <a:latin typeface="Cambria Math" panose="02040503050406030204" pitchFamily="18" charset="0"/>
+                            </a:rPr>
+                          </m:ctrlPr>
+                        </m:accPr>
+                        <m:e>
+                          <m:sSub>
+                            <m:sSubPr>
+                              <m:ctrlPr>
+                                <a:rPr lang="en-US" altLang="ja-JP" sz="800" i="1">
+                                  <a:latin typeface="Cambria Math" panose="02040503050406030204" pitchFamily="18" charset="0"/>
+                                </a:rPr>
+                              </m:ctrlPr>
+                            </m:sSubPr>
+                            <m:e>
+                              <m:r>
+                                <a:rPr lang="en-US" altLang="ja-JP" sz="800" i="1">
+                                  <a:latin typeface="Cambria Math" panose="02040503050406030204" pitchFamily="18" charset="0"/>
+                                </a:rPr>
+                                <m:t>𝑃</m:t>
+                              </m:r>
+                            </m:e>
+                            <m:sub>
+                              <m:r>
+                                <a:rPr lang="en-US" altLang="ja-JP" sz="800" i="1">
+                                  <a:latin typeface="Cambria Math"/>
+                                </a:rPr>
+                                <m:t>0</m:t>
+                              </m:r>
+                            </m:sub>
+                          </m:sSub>
+                        </m:e>
+                      </m:acc>
+                      <m:r>
+                        <a:rPr lang="en-US" altLang="ja-JP" sz="800" i="1">
+                          <a:latin typeface="Cambria Math"/>
+                        </a:rPr>
+                        <m:t>−</m:t>
+                      </m:r>
+                      <m:r>
+                        <a:rPr lang="en-US" altLang="ja-JP" sz="800" i="1">
+                          <a:latin typeface="Cambria Math" panose="02040503050406030204" pitchFamily="18" charset="0"/>
+                        </a:rPr>
+                        <m:t>2</m:t>
+                      </m:r>
+                      <m:acc>
+                        <m:accPr>
+                          <m:chr m:val="⃗"/>
+                          <m:ctrlPr>
+                            <a:rPr lang="en-US" altLang="ja-JP" sz="800" i="1">
+                              <a:latin typeface="Cambria Math" panose="02040503050406030204" pitchFamily="18" charset="0"/>
+                            </a:rPr>
+                          </m:ctrlPr>
+                        </m:accPr>
+                        <m:e>
+                          <m:sSub>
+                            <m:sSubPr>
+                              <m:ctrlPr>
+                                <a:rPr lang="en-US" altLang="ja-JP" sz="800" i="1">
+                                  <a:latin typeface="Cambria Math" panose="02040503050406030204" pitchFamily="18" charset="0"/>
+                                </a:rPr>
+                              </m:ctrlPr>
+                            </m:sSubPr>
+                            <m:e>
+                              <m:r>
+                                <a:rPr lang="en-US" altLang="ja-JP" sz="800" i="1">
+                                  <a:latin typeface="Cambria Math"/>
+                                </a:rPr>
+                                <m:t>𝑣</m:t>
+                              </m:r>
+                            </m:e>
+                            <m:sub>
+                              <m:r>
+                                <a:rPr lang="en-US" altLang="ja-JP" sz="800" i="1">
+                                  <a:latin typeface="Cambria Math"/>
+                                </a:rPr>
+                                <m:t>0</m:t>
+                              </m:r>
+                            </m:sub>
+                          </m:sSub>
+                        </m:e>
+                      </m:acc>
+                      <m:r>
+                        <a:rPr lang="en-US" altLang="ja-JP" sz="800" i="1">
+                          <a:latin typeface="Cambria Math"/>
+                        </a:rPr>
+                        <m:t>−</m:t>
+                      </m:r>
+                      <m:acc>
+                        <m:accPr>
+                          <m:chr m:val="⃗"/>
+                          <m:ctrlPr>
+                            <a:rPr lang="en-US" altLang="ja-JP" sz="800" i="1">
+                              <a:latin typeface="Cambria Math" panose="02040503050406030204" pitchFamily="18" charset="0"/>
+                            </a:rPr>
+                          </m:ctrlPr>
+                        </m:accPr>
+                        <m:e>
+                          <m:sSub>
+                            <m:sSubPr>
+                              <m:ctrlPr>
+                                <a:rPr lang="en-US" altLang="ja-JP" sz="800" i="1">
+                                  <a:latin typeface="Cambria Math" panose="02040503050406030204" pitchFamily="18" charset="0"/>
+                                </a:rPr>
+                              </m:ctrlPr>
+                            </m:sSubPr>
+                            <m:e>
+                              <m:r>
+                                <a:rPr lang="en-US" altLang="ja-JP" sz="800" i="1">
+                                  <a:latin typeface="Cambria Math"/>
+                                </a:rPr>
+                                <m:t>𝑣</m:t>
+                              </m:r>
+                            </m:e>
+                            <m:sub>
+                              <m:r>
+                                <a:rPr lang="en-US" altLang="ja-JP" sz="800" i="1">
+                                  <a:latin typeface="Cambria Math" panose="02040503050406030204" pitchFamily="18" charset="0"/>
+                                </a:rPr>
+                                <m:t>1</m:t>
+                              </m:r>
+                            </m:sub>
+                          </m:sSub>
+                        </m:e>
+                      </m:acc>
+                    </m:oMath>
+                  </m:oMathPara>
+                </a14:m>
+                <a:endParaRPr lang="en-US" altLang="ja-JP" sz="800" dirty="0">
+                  <a:latin typeface="メイリオ" panose="020B0604030504040204" pitchFamily="50" charset="-128"/>
+                  <a:ea typeface="メイリオ" panose="020B0604030504040204" pitchFamily="50" charset="-128"/>
+                  <a:cs typeface="メイリオ" panose="020B0604030504040204" pitchFamily="50" charset="-128"/>
+                </a:endParaRPr>
+              </a:p>
+              <a:p>
+                <a:pPr marL="361950"/>
+                <a14:m>
+                  <m:oMathPara xmlns:m="http://schemas.openxmlformats.org/officeDocument/2006/math">
+                    <m:oMathParaPr>
+                      <m:jc m:val="left"/>
+                    </m:oMathParaPr>
+                    <m:oMath xmlns:m="http://schemas.openxmlformats.org/officeDocument/2006/math">
+                      <m:acc>
+                        <m:accPr>
+                          <m:chr m:val="⃗"/>
+                          <m:ctrlPr>
+                            <a:rPr lang="en-US" altLang="ja-JP" sz="800" i="1">
+                              <a:latin typeface="Cambria Math" panose="02040503050406030204" pitchFamily="18" charset="0"/>
+                            </a:rPr>
+                          </m:ctrlPr>
+                        </m:accPr>
+                        <m:e>
+                          <m:sSub>
+                            <m:sSubPr>
+                              <m:ctrlPr>
+                                <a:rPr lang="en-US" altLang="ja-JP" sz="800" i="1">
+                                  <a:latin typeface="Cambria Math" panose="02040503050406030204" pitchFamily="18" charset="0"/>
+                                </a:rPr>
+                              </m:ctrlPr>
+                            </m:sSubPr>
+                            <m:e>
+                              <m:r>
+                                <a:rPr lang="en-US" altLang="ja-JP" sz="800" i="1">
+                                  <a:latin typeface="Cambria Math"/>
+                                </a:rPr>
+                                <m:t>𝑎</m:t>
+                              </m:r>
+                            </m:e>
+                            <m:sub>
+                              <m:r>
+                                <a:rPr lang="en-US" altLang="ja-JP" sz="800" i="1">
+                                  <a:latin typeface="Cambria Math" panose="02040503050406030204" pitchFamily="18" charset="0"/>
+                                </a:rPr>
+                                <m:t>3</m:t>
+                              </m:r>
+                            </m:sub>
+                          </m:sSub>
+                        </m:e>
+                      </m:acc>
+                      <m:r>
+                        <a:rPr lang="en-US" altLang="ja-JP" sz="800" i="1">
+                          <a:latin typeface="Cambria Math"/>
+                        </a:rPr>
+                        <m:t>=</m:t>
+                      </m:r>
+                      <m:r>
+                        <a:rPr lang="en-US" altLang="ja-JP" sz="800" i="1">
+                          <a:latin typeface="Cambria Math" panose="02040503050406030204" pitchFamily="18" charset="0"/>
+                        </a:rPr>
+                        <m:t>−2</m:t>
+                      </m:r>
+                      <m:acc>
+                        <m:accPr>
+                          <m:chr m:val="⃗"/>
+                          <m:ctrlPr>
+                            <a:rPr lang="en-US" altLang="ja-JP" sz="800" i="1">
+                              <a:latin typeface="Cambria Math" panose="02040503050406030204" pitchFamily="18" charset="0"/>
+                            </a:rPr>
+                          </m:ctrlPr>
+                        </m:accPr>
+                        <m:e>
+                          <m:sSub>
+                            <m:sSubPr>
+                              <m:ctrlPr>
+                                <a:rPr lang="en-US" altLang="ja-JP" sz="800" i="1">
+                                  <a:latin typeface="Cambria Math" panose="02040503050406030204" pitchFamily="18" charset="0"/>
+                                </a:rPr>
+                              </m:ctrlPr>
+                            </m:sSubPr>
+                            <m:e>
+                              <m:r>
+                                <a:rPr lang="en-US" altLang="ja-JP" sz="800" i="1">
+                                  <a:latin typeface="Cambria Math" panose="02040503050406030204" pitchFamily="18" charset="0"/>
+                                </a:rPr>
+                                <m:t>𝑃</m:t>
+                              </m:r>
+                            </m:e>
+                            <m:sub>
+                              <m:r>
+                                <a:rPr lang="en-US" altLang="ja-JP" sz="800" i="1">
+                                  <a:latin typeface="Cambria Math" panose="02040503050406030204" pitchFamily="18" charset="0"/>
+                                </a:rPr>
+                                <m:t>1</m:t>
+                              </m:r>
+                            </m:sub>
+                          </m:sSub>
+                        </m:e>
+                      </m:acc>
+                      <m:r>
+                        <a:rPr lang="en-US" altLang="ja-JP" sz="800" i="1">
+                          <a:latin typeface="Cambria Math" panose="02040503050406030204" pitchFamily="18" charset="0"/>
+                        </a:rPr>
+                        <m:t>+2</m:t>
+                      </m:r>
+                      <m:acc>
+                        <m:accPr>
+                          <m:chr m:val="⃗"/>
+                          <m:ctrlPr>
+                            <a:rPr lang="en-US" altLang="ja-JP" sz="800" i="1">
+                              <a:latin typeface="Cambria Math" panose="02040503050406030204" pitchFamily="18" charset="0"/>
+                            </a:rPr>
+                          </m:ctrlPr>
+                        </m:accPr>
+                        <m:e>
+                          <m:sSub>
+                            <m:sSubPr>
+                              <m:ctrlPr>
+                                <a:rPr lang="en-US" altLang="ja-JP" sz="800" i="1">
+                                  <a:latin typeface="Cambria Math" panose="02040503050406030204" pitchFamily="18" charset="0"/>
+                                </a:rPr>
+                              </m:ctrlPr>
+                            </m:sSubPr>
+                            <m:e>
+                              <m:r>
+                                <a:rPr lang="en-US" altLang="ja-JP" sz="800" i="1">
+                                  <a:latin typeface="Cambria Math" panose="02040503050406030204" pitchFamily="18" charset="0"/>
+                                </a:rPr>
+                                <m:t>𝑃</m:t>
+                              </m:r>
+                            </m:e>
+                            <m:sub>
+                              <m:r>
+                                <a:rPr lang="en-US" altLang="ja-JP" sz="800" i="1">
+                                  <a:latin typeface="Cambria Math"/>
+                                </a:rPr>
+                                <m:t>0</m:t>
+                              </m:r>
+                            </m:sub>
+                          </m:sSub>
+                        </m:e>
+                      </m:acc>
+                      <m:r>
+                        <a:rPr lang="en-US" altLang="ja-JP" sz="800" i="1">
+                          <a:latin typeface="Cambria Math" panose="02040503050406030204" pitchFamily="18" charset="0"/>
+                        </a:rPr>
+                        <m:t>+</m:t>
+                      </m:r>
+                      <m:acc>
+                        <m:accPr>
+                          <m:chr m:val="⃗"/>
+                          <m:ctrlPr>
+                            <a:rPr lang="en-US" altLang="ja-JP" sz="800" i="1">
+                              <a:latin typeface="Cambria Math" panose="02040503050406030204" pitchFamily="18" charset="0"/>
+                            </a:rPr>
+                          </m:ctrlPr>
+                        </m:accPr>
+                        <m:e>
+                          <m:sSub>
+                            <m:sSubPr>
+                              <m:ctrlPr>
+                                <a:rPr lang="en-US" altLang="ja-JP" sz="800" i="1">
+                                  <a:latin typeface="Cambria Math" panose="02040503050406030204" pitchFamily="18" charset="0"/>
+                                </a:rPr>
+                              </m:ctrlPr>
+                            </m:sSubPr>
+                            <m:e>
+                              <m:r>
+                                <a:rPr lang="en-US" altLang="ja-JP" sz="800" i="1">
+                                  <a:latin typeface="Cambria Math"/>
+                                </a:rPr>
+                                <m:t>𝑣</m:t>
+                              </m:r>
+                            </m:e>
+                            <m:sub>
+                              <m:r>
+                                <a:rPr lang="en-US" altLang="ja-JP" sz="800" i="1">
+                                  <a:latin typeface="Cambria Math"/>
+                                </a:rPr>
+                                <m:t>0</m:t>
+                              </m:r>
+                            </m:sub>
+                          </m:sSub>
+                        </m:e>
+                      </m:acc>
+                      <m:r>
+                        <a:rPr lang="en-US" altLang="ja-JP" sz="800" i="1">
+                          <a:latin typeface="Cambria Math" panose="02040503050406030204" pitchFamily="18" charset="0"/>
+                        </a:rPr>
+                        <m:t>+</m:t>
+                      </m:r>
+                      <m:acc>
+                        <m:accPr>
+                          <m:chr m:val="⃗"/>
+                          <m:ctrlPr>
+                            <a:rPr lang="en-US" altLang="ja-JP" sz="800" i="1">
+                              <a:latin typeface="Cambria Math" panose="02040503050406030204" pitchFamily="18" charset="0"/>
+                            </a:rPr>
+                          </m:ctrlPr>
+                        </m:accPr>
+                        <m:e>
+                          <m:sSub>
+                            <m:sSubPr>
+                              <m:ctrlPr>
+                                <a:rPr lang="en-US" altLang="ja-JP" sz="800" i="1">
+                                  <a:latin typeface="Cambria Math" panose="02040503050406030204" pitchFamily="18" charset="0"/>
+                                </a:rPr>
+                              </m:ctrlPr>
+                            </m:sSubPr>
+                            <m:e>
+                              <m:r>
+                                <a:rPr lang="en-US" altLang="ja-JP" sz="800" i="1">
+                                  <a:latin typeface="Cambria Math"/>
+                                </a:rPr>
+                                <m:t>𝑣</m:t>
+                              </m:r>
+                            </m:e>
+                            <m:sub>
+                              <m:r>
+                                <a:rPr lang="en-US" altLang="ja-JP" sz="800" i="1">
+                                  <a:latin typeface="Cambria Math" panose="02040503050406030204" pitchFamily="18" charset="0"/>
+                                </a:rPr>
+                                <m:t>1</m:t>
+                              </m:r>
+                            </m:sub>
+                          </m:sSub>
+                        </m:e>
+                      </m:acc>
+                    </m:oMath>
+                  </m:oMathPara>
+                </a14:m>
+                <a:endParaRPr lang="en-US" altLang="ja-JP" sz="800" dirty="0">
+                  <a:latin typeface="メイリオ" panose="020B0604030504040204" pitchFamily="50" charset="-128"/>
+                  <a:ea typeface="メイリオ" panose="020B0604030504040204" pitchFamily="50" charset="-128"/>
+                  <a:cs typeface="メイリオ" panose="020B0604030504040204" pitchFamily="50" charset="-128"/>
+                </a:endParaRPr>
+              </a:p>
+              <a:p>
+                <a:pPr indent="361950"/>
+                <a:r>
+                  <a:rPr lang="ja-JP" altLang="en-US" sz="800" dirty="0">
+                    <a:latin typeface="メイリオ" panose="020B0604030504040204" pitchFamily="50" charset="-128"/>
+                    <a:ea typeface="メイリオ" panose="020B0604030504040204" pitchFamily="50" charset="-128"/>
+                    <a:cs typeface="メイリオ" panose="020B0604030504040204" pitchFamily="50" charset="-128"/>
+                  </a:rPr>
+                  <a:t>曲率半径 </a:t>
+                </a:r>
+                <a14:m>
+                  <m:oMath xmlns:m="http://schemas.openxmlformats.org/officeDocument/2006/math">
+                    <m:r>
+                      <a:rPr lang="en-US" altLang="ja-JP" sz="800" i="1">
+                        <a:latin typeface="Cambria Math" panose="02040503050406030204" pitchFamily="18" charset="0"/>
+                      </a:rPr>
+                      <m:t>𝑅</m:t>
+                    </m:r>
+                    <m:d>
+                      <m:dPr>
+                        <m:ctrlPr>
+                          <a:rPr lang="en-US" altLang="ja-JP" sz="800" i="1">
+                            <a:latin typeface="Cambria Math" panose="02040503050406030204" pitchFamily="18" charset="0"/>
+                          </a:rPr>
+                        </m:ctrlPr>
+                      </m:dPr>
+                      <m:e>
+                        <m:r>
+                          <a:rPr lang="en-US" altLang="ja-JP" sz="800" i="1">
+                            <a:latin typeface="Cambria Math" panose="02040503050406030204" pitchFamily="18" charset="0"/>
+                          </a:rPr>
+                          <m:t>𝑠</m:t>
+                        </m:r>
+                      </m:e>
+                    </m:d>
+                    <m:r>
+                      <a:rPr lang="en-US" altLang="ja-JP" sz="800" i="1">
+                        <a:latin typeface="Cambria Math" panose="02040503050406030204" pitchFamily="18" charset="0"/>
+                      </a:rPr>
+                      <m:t>=</m:t>
+                    </m:r>
+                    <m:f>
+                      <m:fPr>
+                        <m:type m:val="lin"/>
+                        <m:ctrlPr>
+                          <a:rPr lang="en-US" altLang="ja-JP" sz="800" i="1">
+                            <a:latin typeface="Cambria Math" panose="02040503050406030204" pitchFamily="18" charset="0"/>
+                          </a:rPr>
+                        </m:ctrlPr>
+                      </m:fPr>
+                      <m:num>
+                        <m:sSup>
+                          <m:sSupPr>
+                            <m:ctrlPr>
+                              <a:rPr lang="en-US" altLang="ja-JP" sz="800" i="1">
+                                <a:latin typeface="Cambria Math" panose="02040503050406030204" pitchFamily="18" charset="0"/>
+                              </a:rPr>
+                            </m:ctrlPr>
+                          </m:sSupPr>
+                          <m:e>
+                            <m:d>
+                              <m:dPr>
+                                <m:begChr m:val="|"/>
+                                <m:endChr m:val="|"/>
+                                <m:ctrlPr>
+                                  <a:rPr lang="en-US" altLang="ja-JP" sz="800" i="1">
+                                    <a:latin typeface="Cambria Math" panose="02040503050406030204" pitchFamily="18" charset="0"/>
+                                  </a:rPr>
+                                </m:ctrlPr>
+                              </m:dPr>
+                              <m:e>
+                                <m:sSup>
+                                  <m:sSupPr>
+                                    <m:ctrlPr>
+                                      <a:rPr lang="en-US" altLang="ja-JP" sz="800" i="1">
+                                        <a:latin typeface="Cambria Math" panose="02040503050406030204" pitchFamily="18" charset="0"/>
+                                      </a:rPr>
+                                    </m:ctrlPr>
+                                  </m:sSupPr>
+                                  <m:e>
+                                    <m:acc>
+                                      <m:accPr>
+                                        <m:chr m:val="⃗"/>
+                                        <m:ctrlPr>
+                                          <a:rPr lang="en-US" altLang="ja-JP" sz="800" i="1">
+                                            <a:latin typeface="Cambria Math" panose="02040503050406030204" pitchFamily="18" charset="0"/>
+                                          </a:rPr>
+                                        </m:ctrlPr>
+                                      </m:accPr>
+                                      <m:e>
+                                        <m:r>
+                                          <a:rPr lang="en-US" altLang="ja-JP" sz="800" i="1">
+                                            <a:latin typeface="Cambria Math" panose="02040503050406030204" pitchFamily="18" charset="0"/>
+                                          </a:rPr>
+                                          <m:t>𝑃</m:t>
+                                        </m:r>
+                                        <m:d>
+                                          <m:dPr>
+                                            <m:ctrlPr>
+                                              <a:rPr lang="en-US" altLang="ja-JP" sz="800" i="1">
+                                                <a:latin typeface="Cambria Math" panose="02040503050406030204" pitchFamily="18" charset="0"/>
+                                              </a:rPr>
+                                            </m:ctrlPr>
+                                          </m:dPr>
+                                          <m:e>
+                                            <m:r>
+                                              <a:rPr lang="en-US" altLang="ja-JP" sz="800" i="1">
+                                                <a:latin typeface="Cambria Math" panose="02040503050406030204" pitchFamily="18" charset="0"/>
+                                              </a:rPr>
+                                              <m:t>𝑠</m:t>
+                                            </m:r>
+                                          </m:e>
+                                        </m:d>
+                                      </m:e>
+                                    </m:acc>
+                                  </m:e>
+                                  <m:sup>
+                                    <m:r>
+                                      <a:rPr lang="en-US" altLang="ja-JP" sz="800" i="1">
+                                        <a:latin typeface="Cambria Math" panose="02040503050406030204" pitchFamily="18" charset="0"/>
+                                      </a:rPr>
+                                      <m:t>′</m:t>
+                                    </m:r>
+                                  </m:sup>
+                                </m:sSup>
+                              </m:e>
+                            </m:d>
+                          </m:e>
+                          <m:sup>
+                            <m:r>
+                              <a:rPr lang="en-US" altLang="ja-JP" sz="800" i="1">
+                                <a:latin typeface="Cambria Math" panose="02040503050406030204" pitchFamily="18" charset="0"/>
+                              </a:rPr>
+                              <m:t>3</m:t>
+                            </m:r>
+                          </m:sup>
+                        </m:sSup>
+                      </m:num>
+                      <m:den>
+                        <m:d>
+                          <m:dPr>
+                            <m:ctrlPr>
+                              <a:rPr lang="en-US" altLang="ja-JP" sz="800" i="1">
+                                <a:latin typeface="Cambria Math" panose="02040503050406030204" pitchFamily="18" charset="0"/>
+                              </a:rPr>
+                            </m:ctrlPr>
+                          </m:dPr>
+                          <m:e>
+                            <m:sSup>
+                              <m:sSupPr>
+                                <m:ctrlPr>
+                                  <a:rPr lang="en-US" altLang="ja-JP" sz="800" i="1">
+                                    <a:latin typeface="Cambria Math" panose="02040503050406030204" pitchFamily="18" charset="0"/>
+                                  </a:rPr>
+                                </m:ctrlPr>
+                              </m:sSupPr>
+                              <m:e>
+                                <m:acc>
+                                  <m:accPr>
+                                    <m:chr m:val="⃗"/>
+                                    <m:ctrlPr>
+                                      <a:rPr lang="en-US" altLang="ja-JP" sz="800" i="1">
+                                        <a:latin typeface="Cambria Math" panose="02040503050406030204" pitchFamily="18" charset="0"/>
+                                      </a:rPr>
+                                    </m:ctrlPr>
+                                  </m:accPr>
+                                  <m:e>
+                                    <m:r>
+                                      <a:rPr lang="en-US" altLang="ja-JP" sz="800" i="1">
+                                        <a:latin typeface="Cambria Math" panose="02040503050406030204" pitchFamily="18" charset="0"/>
+                                      </a:rPr>
+                                      <m:t>𝑃</m:t>
+                                    </m:r>
+                                    <m:d>
+                                      <m:dPr>
+                                        <m:ctrlPr>
+                                          <a:rPr lang="en-US" altLang="ja-JP" sz="800" i="1">
+                                            <a:latin typeface="Cambria Math" panose="02040503050406030204" pitchFamily="18" charset="0"/>
+                                          </a:rPr>
+                                        </m:ctrlPr>
+                                      </m:dPr>
+                                      <m:e>
+                                        <m:r>
+                                          <a:rPr lang="en-US" altLang="ja-JP" sz="800" i="1">
+                                            <a:latin typeface="Cambria Math" panose="02040503050406030204" pitchFamily="18" charset="0"/>
+                                          </a:rPr>
+                                          <m:t>𝑠</m:t>
+                                        </m:r>
+                                      </m:e>
+                                    </m:d>
+                                  </m:e>
+                                </m:acc>
+                              </m:e>
+                              <m:sup>
+                                <m:r>
+                                  <a:rPr lang="en-US" altLang="ja-JP" sz="800" i="1">
+                                    <a:latin typeface="Cambria Math" panose="02040503050406030204" pitchFamily="18" charset="0"/>
+                                  </a:rPr>
+                                  <m:t>′</m:t>
+                                </m:r>
+                              </m:sup>
+                            </m:sSup>
+                            <m:r>
+                              <a:rPr lang="en-US" altLang="ja-JP" sz="800" i="1">
+                                <a:latin typeface="Cambria Math" panose="02040503050406030204" pitchFamily="18" charset="0"/>
+                                <a:ea typeface="Cambria Math" panose="02040503050406030204" pitchFamily="18" charset="0"/>
+                              </a:rPr>
+                              <m:t>×</m:t>
+                            </m:r>
+                            <m:sSup>
+                              <m:sSupPr>
+                                <m:ctrlPr>
+                                  <a:rPr lang="en-US" altLang="ja-JP" sz="800" i="1">
+                                    <a:latin typeface="Cambria Math" panose="02040503050406030204" pitchFamily="18" charset="0"/>
+                                  </a:rPr>
+                                </m:ctrlPr>
+                              </m:sSupPr>
+                              <m:e>
+                                <m:acc>
+                                  <m:accPr>
+                                    <m:chr m:val="⃗"/>
+                                    <m:ctrlPr>
+                                      <a:rPr lang="en-US" altLang="ja-JP" sz="800" i="1">
+                                        <a:latin typeface="Cambria Math" panose="02040503050406030204" pitchFamily="18" charset="0"/>
+                                      </a:rPr>
+                                    </m:ctrlPr>
+                                  </m:accPr>
+                                  <m:e>
+                                    <m:r>
+                                      <a:rPr lang="en-US" altLang="ja-JP" sz="800" i="1">
+                                        <a:latin typeface="Cambria Math" panose="02040503050406030204" pitchFamily="18" charset="0"/>
+                                      </a:rPr>
+                                      <m:t>𝑃</m:t>
+                                    </m:r>
+                                    <m:d>
+                                      <m:dPr>
+                                        <m:ctrlPr>
+                                          <a:rPr lang="en-US" altLang="ja-JP" sz="800" i="1">
+                                            <a:latin typeface="Cambria Math" panose="02040503050406030204" pitchFamily="18" charset="0"/>
+                                          </a:rPr>
+                                        </m:ctrlPr>
+                                      </m:dPr>
+                                      <m:e>
+                                        <m:r>
+                                          <a:rPr lang="en-US" altLang="ja-JP" sz="800" i="1">
+                                            <a:latin typeface="Cambria Math" panose="02040503050406030204" pitchFamily="18" charset="0"/>
+                                          </a:rPr>
+                                          <m:t>𝑠</m:t>
+                                        </m:r>
+                                      </m:e>
+                                    </m:d>
+                                  </m:e>
+                                </m:acc>
+                              </m:e>
+                              <m:sup>
+                                <m:r>
+                                  <a:rPr lang="en-US" altLang="ja-JP" sz="800" i="1">
+                                    <a:latin typeface="Cambria Math" panose="02040503050406030204" pitchFamily="18" charset="0"/>
+                                  </a:rPr>
+                                  <m:t>′′</m:t>
+                                </m:r>
+                              </m:sup>
+                            </m:sSup>
+                          </m:e>
+                        </m:d>
+                      </m:den>
+                    </m:f>
+                  </m:oMath>
+                </a14:m>
+                <a:endParaRPr lang="en-US" altLang="ja-JP" sz="800" i="1" dirty="0">
+                  <a:latin typeface="メイリオ" panose="020B0604030504040204" pitchFamily="50" charset="-128"/>
+                  <a:ea typeface="メイリオ" panose="020B0604030504040204" pitchFamily="50" charset="-128"/>
+                  <a:cs typeface="メイリオ" panose="020B0604030504040204" pitchFamily="50" charset="-128"/>
+                </a:endParaRPr>
+              </a:p>
+              <a:p>
+                <a:r>
+                  <a:rPr lang="ja-JP" altLang="en-US" sz="800" dirty="0">
+                    <a:latin typeface="メイリオ" panose="020B0604030504040204" pitchFamily="50" charset="-128"/>
+                    <a:ea typeface="メイリオ" panose="020B0604030504040204" pitchFamily="50" charset="-128"/>
+                    <a:cs typeface="メイリオ" panose="020B0604030504040204" pitchFamily="50" charset="-128"/>
+                  </a:rPr>
+                  <a:t>左右モーターの回転速度の比 </a:t>
+                </a:r>
+                <a:r>
+                  <a:rPr lang="en-US" altLang="ja-JP" sz="800" dirty="0">
+                    <a:latin typeface="メイリオ" panose="020B0604030504040204" pitchFamily="50" charset="-128"/>
+                    <a:ea typeface="メイリオ" panose="020B0604030504040204" pitchFamily="50" charset="-128"/>
+                    <a:cs typeface="メイリオ" panose="020B0604030504040204" pitchFamily="50" charset="-128"/>
+                  </a:rPr>
+                  <a:t>=</a:t>
+                </a:r>
+                <a:r>
+                  <a:rPr lang="ja-JP" altLang="en-US" sz="800" dirty="0">
+                    <a:latin typeface="メイリオ" panose="020B0604030504040204" pitchFamily="50" charset="-128"/>
+                    <a:ea typeface="メイリオ" panose="020B0604030504040204" pitchFamily="50" charset="-128"/>
+                    <a:cs typeface="メイリオ" panose="020B0604030504040204" pitchFamily="50" charset="-128"/>
+                  </a:rPr>
+                  <a:t> </a:t>
+                </a:r>
+                <a14:m>
+                  <m:oMath xmlns:m="http://schemas.openxmlformats.org/officeDocument/2006/math">
+                    <m:d>
+                      <m:dPr>
+                        <m:ctrlPr>
+                          <a:rPr lang="en-US" altLang="ja-JP" sz="800" i="1">
+                            <a:latin typeface="Cambria Math" panose="02040503050406030204" pitchFamily="18" charset="0"/>
+                          </a:rPr>
+                        </m:ctrlPr>
+                      </m:dPr>
+                      <m:e>
+                        <m:r>
+                          <a:rPr lang="en-US" altLang="ja-JP" sz="800" i="1">
+                            <a:latin typeface="Cambria Math" panose="02040503050406030204" pitchFamily="18" charset="0"/>
+                          </a:rPr>
+                          <m:t>𝑅</m:t>
+                        </m:r>
+                        <m:d>
+                          <m:dPr>
+                            <m:ctrlPr>
+                              <a:rPr lang="en-US" altLang="ja-JP" sz="800" i="1">
+                                <a:latin typeface="Cambria Math" panose="02040503050406030204" pitchFamily="18" charset="0"/>
+                              </a:rPr>
+                            </m:ctrlPr>
+                          </m:dPr>
+                          <m:e>
+                            <m:r>
+                              <a:rPr lang="en-US" altLang="ja-JP" sz="800" i="1">
+                                <a:latin typeface="Cambria Math" panose="02040503050406030204" pitchFamily="18" charset="0"/>
+                              </a:rPr>
+                              <m:t>𝑠</m:t>
+                            </m:r>
+                          </m:e>
+                        </m:d>
+                        <m:r>
+                          <a:rPr lang="en-US" altLang="ja-JP" sz="800" i="1">
+                            <a:latin typeface="Cambria Math" panose="02040503050406030204" pitchFamily="18" charset="0"/>
+                          </a:rPr>
+                          <m:t>−</m:t>
+                        </m:r>
+                        <m:sSub>
+                          <m:sSubPr>
+                            <m:ctrlPr>
+                              <a:rPr lang="en-US" altLang="ja-JP" sz="800" i="1">
+                                <a:latin typeface="Cambria Math" panose="02040503050406030204" pitchFamily="18" charset="0"/>
+                              </a:rPr>
+                            </m:ctrlPr>
+                          </m:sSubPr>
+                          <m:e>
+                            <m:r>
+                              <a:rPr lang="en-US" altLang="ja-JP" sz="800" i="1">
+                                <a:latin typeface="Cambria Math" panose="02040503050406030204" pitchFamily="18" charset="0"/>
+                              </a:rPr>
+                              <m:t>𝐿</m:t>
+                            </m:r>
+                          </m:e>
+                          <m:sub>
+                            <m:r>
+                              <a:rPr lang="en-US" altLang="ja-JP" sz="800" i="1">
+                                <a:latin typeface="Cambria Math" panose="02040503050406030204" pitchFamily="18" charset="0"/>
+                              </a:rPr>
+                              <m:t>𝑇</m:t>
+                            </m:r>
+                          </m:sub>
+                        </m:sSub>
+                      </m:e>
+                    </m:d>
+                    <m:r>
+                      <a:rPr lang="en-US" altLang="ja-JP" sz="800" i="1">
+                        <a:latin typeface="Cambria Math" panose="02040503050406030204" pitchFamily="18" charset="0"/>
+                      </a:rPr>
+                      <m:t>:</m:t>
+                    </m:r>
+                    <m:d>
+                      <m:dPr>
+                        <m:ctrlPr>
+                          <a:rPr lang="en-US" altLang="ja-JP" sz="800" i="1">
+                            <a:latin typeface="Cambria Math" panose="02040503050406030204" pitchFamily="18" charset="0"/>
+                          </a:rPr>
+                        </m:ctrlPr>
+                      </m:dPr>
+                      <m:e>
+                        <m:r>
+                          <a:rPr lang="en-US" altLang="ja-JP" sz="800" i="1">
+                            <a:latin typeface="Cambria Math" panose="02040503050406030204" pitchFamily="18" charset="0"/>
+                          </a:rPr>
+                          <m:t>𝑅</m:t>
+                        </m:r>
+                        <m:d>
+                          <m:dPr>
+                            <m:ctrlPr>
+                              <a:rPr lang="en-US" altLang="ja-JP" sz="800" i="1">
+                                <a:latin typeface="Cambria Math" panose="02040503050406030204" pitchFamily="18" charset="0"/>
+                              </a:rPr>
+                            </m:ctrlPr>
+                          </m:dPr>
+                          <m:e>
+                            <m:r>
+                              <a:rPr lang="en-US" altLang="ja-JP" sz="800" i="1">
+                                <a:latin typeface="Cambria Math" panose="02040503050406030204" pitchFamily="18" charset="0"/>
+                              </a:rPr>
+                              <m:t>𝑠</m:t>
+                            </m:r>
+                          </m:e>
+                        </m:d>
+                        <m:r>
+                          <a:rPr lang="en-US" altLang="ja-JP" sz="800" i="1">
+                            <a:latin typeface="Cambria Math" panose="02040503050406030204" pitchFamily="18" charset="0"/>
+                          </a:rPr>
+                          <m:t>+</m:t>
+                        </m:r>
+                        <m:sSub>
+                          <m:sSubPr>
+                            <m:ctrlPr>
+                              <a:rPr lang="en-US" altLang="ja-JP" sz="800" i="1">
+                                <a:latin typeface="Cambria Math" panose="02040503050406030204" pitchFamily="18" charset="0"/>
+                              </a:rPr>
+                            </m:ctrlPr>
+                          </m:sSubPr>
+                          <m:e>
+                            <m:r>
+                              <a:rPr lang="en-US" altLang="ja-JP" sz="800" i="1">
+                                <a:latin typeface="Cambria Math" panose="02040503050406030204" pitchFamily="18" charset="0"/>
+                              </a:rPr>
+                              <m:t>𝐿</m:t>
+                            </m:r>
+                          </m:e>
+                          <m:sub>
+                            <m:r>
+                              <a:rPr lang="en-US" altLang="ja-JP" sz="800" i="1">
+                                <a:latin typeface="Cambria Math" panose="02040503050406030204" pitchFamily="18" charset="0"/>
+                              </a:rPr>
+                              <m:t>𝑇</m:t>
+                            </m:r>
+                          </m:sub>
+                        </m:sSub>
+                      </m:e>
+                    </m:d>
+                  </m:oMath>
+                </a14:m>
+                <a:r>
+                  <a:rPr lang="ja-JP" altLang="en-US" sz="800" dirty="0">
+                    <a:latin typeface="メイリオ" panose="020B0604030504040204" pitchFamily="50" charset="-128"/>
+                    <a:ea typeface="メイリオ" panose="020B0604030504040204" pitchFamily="50" charset="-128"/>
+                    <a:cs typeface="メイリオ" panose="020B0604030504040204" pitchFamily="50" charset="-128"/>
+                  </a:rPr>
+                  <a:t>   （</a:t>
+                </a:r>
+                <a14:m>
+                  <m:oMath xmlns:m="http://schemas.openxmlformats.org/officeDocument/2006/math">
+                    <m:sSub>
+                      <m:sSubPr>
+                        <m:ctrlPr>
+                          <a:rPr lang="en-US" altLang="ja-JP" sz="800" i="1">
+                            <a:latin typeface="Cambria Math" panose="02040503050406030204" pitchFamily="18" charset="0"/>
+                          </a:rPr>
+                        </m:ctrlPr>
+                      </m:sSubPr>
+                      <m:e>
+                        <m:r>
+                          <a:rPr lang="en-US" altLang="ja-JP" sz="800" i="1">
+                            <a:latin typeface="Cambria Math" panose="02040503050406030204" pitchFamily="18" charset="0"/>
+                          </a:rPr>
+                          <m:t>𝐿</m:t>
+                        </m:r>
+                      </m:e>
+                      <m:sub>
+                        <m:r>
+                          <a:rPr lang="en-US" altLang="ja-JP" sz="800" i="1">
+                            <a:latin typeface="Cambria Math" panose="02040503050406030204" pitchFamily="18" charset="0"/>
+                          </a:rPr>
+                          <m:t>𝑇</m:t>
+                        </m:r>
+                      </m:sub>
+                    </m:sSub>
+                  </m:oMath>
+                </a14:m>
+                <a:r>
+                  <a:rPr lang="ja-JP" altLang="en-US" sz="800" dirty="0">
+                    <a:latin typeface="メイリオ" panose="020B0604030504040204" pitchFamily="50" charset="-128"/>
+                    <a:ea typeface="メイリオ" panose="020B0604030504040204" pitchFamily="50" charset="-128"/>
+                    <a:cs typeface="メイリオ" panose="020B0604030504040204" pitchFamily="50" charset="-128"/>
+                  </a:rPr>
+                  <a:t>：トレッド長）</a:t>
+                </a:r>
+                <a:endParaRPr lang="en-US" altLang="ja-JP" sz="800" dirty="0">
+                  <a:latin typeface="メイリオ" panose="020B0604030504040204" pitchFamily="50" charset="-128"/>
+                  <a:ea typeface="メイリオ" panose="020B0604030504040204" pitchFamily="50" charset="-128"/>
+                  <a:cs typeface="メイリオ" panose="020B0604030504040204" pitchFamily="50" charset="-128"/>
+                </a:endParaRPr>
+              </a:p>
+              <a:p>
+                <a:r>
+                  <a:rPr lang="ja-JP" altLang="en-US" sz="800" dirty="0">
+                    <a:latin typeface="メイリオ" panose="020B0604030504040204" pitchFamily="50" charset="-128"/>
+                    <a:ea typeface="メイリオ" panose="020B0604030504040204" pitchFamily="50" charset="-128"/>
+                    <a:cs typeface="メイリオ" panose="020B0604030504040204" pitchFamily="50" charset="-128"/>
+                  </a:rPr>
+                  <a:t>現在の右車輪の回転速度から、左車輪の回転速度の目標値を決定し、</a:t>
+                </a:r>
+                <a:r>
+                  <a:rPr lang="en-US" altLang="ja-JP" sz="800" dirty="0">
+                    <a:latin typeface="メイリオ" panose="020B0604030504040204" pitchFamily="50" charset="-128"/>
+                    <a:ea typeface="メイリオ" panose="020B0604030504040204" pitchFamily="50" charset="-128"/>
+                    <a:cs typeface="メイリオ" panose="020B0604030504040204" pitchFamily="50" charset="-128"/>
+                  </a:rPr>
+                  <a:t>P</a:t>
+                </a:r>
+                <a:r>
+                  <a:rPr lang="ja-JP" altLang="en-US" sz="800" dirty="0">
+                    <a:latin typeface="メイリオ" panose="020B0604030504040204" pitchFamily="50" charset="-128"/>
+                    <a:ea typeface="メイリオ" panose="020B0604030504040204" pitchFamily="50" charset="-128"/>
+                    <a:cs typeface="メイリオ" panose="020B0604030504040204" pitchFamily="50" charset="-128"/>
+                  </a:rPr>
+                  <a:t>制御を行う。</a:t>
+                </a:r>
+                <a:endParaRPr lang="en-US" altLang="ja-JP" sz="800" dirty="0">
+                  <a:latin typeface="メイリオ" panose="020B0604030504040204" pitchFamily="50" charset="-128"/>
+                  <a:ea typeface="メイリオ" panose="020B0604030504040204" pitchFamily="50" charset="-128"/>
+                  <a:cs typeface="メイリオ" panose="020B0604030504040204" pitchFamily="50" charset="-128"/>
+                </a:endParaRPr>
+              </a:p>
+            </p:txBody>
+          </p:sp>
+        </mc:Choice>
+        <mc:Fallback>
+          <p:sp>
+            <p:nvSpPr>
+              <p:cNvPr id="497" name="テキスト ボックス 496"/>
+              <p:cNvSpPr txBox="1">
+                <a:spLocks noRot="1" noChangeAspect="1" noMove="1" noResize="1" noEditPoints="1" noAdjustHandles="1" noChangeArrowheads="1" noChangeShapeType="1" noTextEdit="1"/>
+              </p:cNvSpPr>
+              <p:nvPr/>
+            </p:nvSpPr>
+            <p:spPr>
+              <a:xfrm>
+                <a:off x="322220" y="4801088"/>
+                <a:ext cx="4041491" cy="1703223"/>
+              </a:xfrm>
+              <a:prstGeom prst="rect">
+                <a:avLst/>
+              </a:prstGeom>
+              <a:blipFill rotWithShape="0">
+                <a:blip r:embed="rId14"/>
+                <a:stretch>
+                  <a:fillRect b="-5018"/>
+                </a:stretch>
+              </a:blipFill>
+            </p:spPr>
+            <p:txBody>
+              <a:bodyPr/>
+              <a:lstStyle/>
+              <a:p>
+                <a:r>
+                  <a:rPr lang="ja-JP" altLang="en-US">
+                    <a:noFill/>
+                  </a:rPr>
+                  <a:t> </a:t>
+                </a:r>
+              </a:p>
+            </p:txBody>
+          </p:sp>
+        </mc:Fallback>
+      </mc:AlternateContent>
+      <p:grpSp>
+        <p:nvGrpSpPr>
+          <p:cNvPr id="498" name="グループ化 497"/>
+          <p:cNvGrpSpPr/>
+          <p:nvPr/>
+        </p:nvGrpSpPr>
+        <p:grpSpPr>
+          <a:xfrm>
+            <a:off x="3710832" y="4307988"/>
+            <a:ext cx="3552080" cy="3110274"/>
+            <a:chOff x="4871141" y="2564904"/>
+            <a:chExt cx="3625344" cy="3174425"/>
+          </a:xfrm>
+        </p:grpSpPr>
+        <p:grpSp>
+          <p:nvGrpSpPr>
+            <p:cNvPr id="499" name="グループ化 498"/>
+            <p:cNvGrpSpPr/>
+            <p:nvPr/>
+          </p:nvGrpSpPr>
+          <p:grpSpPr>
+            <a:xfrm>
+              <a:off x="5580112" y="2564904"/>
+              <a:ext cx="2916373" cy="3174425"/>
+              <a:chOff x="6084168" y="2004879"/>
+              <a:chExt cx="2916373" cy="3174425"/>
+            </a:xfrm>
+          </p:grpSpPr>
+          <p:grpSp>
+            <p:nvGrpSpPr>
+              <p:cNvPr id="509" name="グループ化 508"/>
+              <p:cNvGrpSpPr/>
+              <p:nvPr/>
+            </p:nvGrpSpPr>
+            <p:grpSpPr>
+              <a:xfrm>
+                <a:off x="6084168" y="2004879"/>
+                <a:ext cx="2916373" cy="3174425"/>
+                <a:chOff x="5202631" y="2204864"/>
+                <a:chExt cx="2916373" cy="3174425"/>
+              </a:xfrm>
+            </p:grpSpPr>
+            <p:grpSp>
+              <p:nvGrpSpPr>
+                <p:cNvPr id="511" name="グループ化 510"/>
+                <p:cNvGrpSpPr/>
+                <p:nvPr/>
+              </p:nvGrpSpPr>
+              <p:grpSpPr>
+                <a:xfrm>
+                  <a:off x="5292080" y="2204864"/>
+                  <a:ext cx="2826924" cy="3174425"/>
+                  <a:chOff x="3689292" y="2306859"/>
+                  <a:chExt cx="4224558" cy="4224558"/>
+                </a:xfrm>
+              </p:grpSpPr>
+              <p:sp>
+                <p:nvSpPr>
+                  <p:cNvPr id="519" name="円弧 518"/>
+                  <p:cNvSpPr>
+                    <a:spLocks noChangeAspect="1"/>
+                  </p:cNvSpPr>
+                  <p:nvPr/>
+                </p:nvSpPr>
+                <p:spPr>
+                  <a:xfrm>
+                    <a:off x="4634884" y="3252451"/>
+                    <a:ext cx="2163817" cy="2163817"/>
+                  </a:xfrm>
+                  <a:prstGeom prst="arc">
+                    <a:avLst>
+                      <a:gd name="adj1" fmla="val 11599156"/>
+                      <a:gd name="adj2" fmla="val 13698621"/>
+                    </a:avLst>
+                  </a:prstGeom>
+                  <a:ln w="19050">
+                    <a:solidFill>
+                      <a:schemeClr val="accent6">
+                        <a:lumMod val="75000"/>
+                      </a:schemeClr>
+                    </a:solidFill>
+                    <a:headEnd type="arrow" w="med" len="med"/>
+                    <a:tailEnd type="none" w="med" len="med"/>
+                  </a:ln>
+                </p:spPr>
+                <p:style>
+                  <a:lnRef idx="1">
+                    <a:schemeClr val="accent1"/>
+                  </a:lnRef>
+                  <a:fillRef idx="0">
+                    <a:schemeClr val="accent1"/>
+                  </a:fillRef>
+                  <a:effectRef idx="0">
+                    <a:schemeClr val="accent1"/>
+                  </a:effectRef>
+                  <a:fontRef idx="minor">
+                    <a:schemeClr val="tx1"/>
+                  </a:fontRef>
+                </p:style>
+                <p:txBody>
+                  <a:bodyPr rtlCol="0" anchor="ctr"/>
+                  <a:lstStyle/>
+                  <a:p>
+                    <a:pPr algn="ctr"/>
+                    <a:endParaRPr lang="ja-JP" altLang="en-US"/>
+                  </a:p>
+                </p:txBody>
+              </p:sp>
+              <p:sp>
+                <p:nvSpPr>
+                  <p:cNvPr id="520" name="円弧 519"/>
+                  <p:cNvSpPr>
+                    <a:spLocks noChangeAspect="1"/>
+                  </p:cNvSpPr>
+                  <p:nvPr/>
+                </p:nvSpPr>
+                <p:spPr>
+                  <a:xfrm>
+                    <a:off x="3689292" y="2306859"/>
+                    <a:ext cx="4224558" cy="4224558"/>
+                  </a:xfrm>
+                  <a:prstGeom prst="arc">
+                    <a:avLst>
+                      <a:gd name="adj1" fmla="val 11913026"/>
+                      <a:gd name="adj2" fmla="val 13702330"/>
+                    </a:avLst>
+                  </a:prstGeom>
+                  <a:ln w="19050">
+                    <a:solidFill>
+                      <a:srgbClr val="008000"/>
+                    </a:solidFill>
+                    <a:headEnd type="arrow" w="med" len="med"/>
+                    <a:tailEnd type="none" w="med" len="med"/>
+                  </a:ln>
+                </p:spPr>
+                <p:style>
+                  <a:lnRef idx="1">
+                    <a:schemeClr val="accent1"/>
+                  </a:lnRef>
+                  <a:fillRef idx="0">
+                    <a:schemeClr val="accent1"/>
+                  </a:fillRef>
+                  <a:effectRef idx="0">
+                    <a:schemeClr val="accent1"/>
+                  </a:effectRef>
+                  <a:fontRef idx="minor">
+                    <a:schemeClr val="tx1"/>
+                  </a:fontRef>
+                </p:style>
+                <p:txBody>
+                  <a:bodyPr rtlCol="0" anchor="ctr"/>
+                  <a:lstStyle/>
+                  <a:p>
+                    <a:pPr algn="ctr"/>
+                    <a:endParaRPr lang="ja-JP" altLang="en-US"/>
+                  </a:p>
+                </p:txBody>
+              </p:sp>
+              <p:sp>
+                <p:nvSpPr>
+                  <p:cNvPr id="521" name="円弧 520"/>
+                  <p:cNvSpPr>
+                    <a:spLocks noChangeAspect="1"/>
+                  </p:cNvSpPr>
+                  <p:nvPr/>
+                </p:nvSpPr>
+                <p:spPr>
+                  <a:xfrm>
+                    <a:off x="4175421" y="2792987"/>
+                    <a:ext cx="3252302" cy="3252302"/>
+                  </a:xfrm>
+                  <a:prstGeom prst="arc">
+                    <a:avLst>
+                      <a:gd name="adj1" fmla="val 11891581"/>
+                      <a:gd name="adj2" fmla="val 13722103"/>
+                    </a:avLst>
+                  </a:prstGeom>
+                  <a:ln w="19050">
+                    <a:solidFill>
+                      <a:schemeClr val="tx1"/>
+                    </a:solidFill>
+                    <a:prstDash val="sysDash"/>
+                    <a:headEnd type="arrow" w="med" len="med"/>
+                    <a:tailEnd type="none" w="med" len="med"/>
+                  </a:ln>
+                </p:spPr>
+                <p:style>
+                  <a:lnRef idx="1">
+                    <a:schemeClr val="accent1"/>
+                  </a:lnRef>
+                  <a:fillRef idx="0">
+                    <a:schemeClr val="accent1"/>
+                  </a:fillRef>
+                  <a:effectRef idx="0">
+                    <a:schemeClr val="accent1"/>
+                  </a:effectRef>
+                  <a:fontRef idx="minor">
+                    <a:schemeClr val="tx1"/>
+                  </a:fontRef>
+                </p:style>
+                <p:txBody>
+                  <a:bodyPr rtlCol="0" anchor="ctr"/>
+                  <a:lstStyle/>
+                  <a:p>
+                    <a:pPr algn="ctr"/>
+                    <a:endParaRPr lang="ja-JP" altLang="en-US"/>
+                  </a:p>
+                </p:txBody>
+              </p:sp>
+              <p:cxnSp>
+                <p:nvCxnSpPr>
+                  <p:cNvPr id="522" name="直線コネクタ 521"/>
+                  <p:cNvCxnSpPr/>
+                  <p:nvPr/>
+                </p:nvCxnSpPr>
+                <p:spPr>
+                  <a:xfrm>
+                    <a:off x="3770788" y="3815833"/>
+                    <a:ext cx="2032126" cy="607151"/>
+                  </a:xfrm>
+                  <a:prstGeom prst="line">
+                    <a:avLst/>
+                  </a:prstGeom>
+                </p:spPr>
+                <p:style>
+                  <a:lnRef idx="1">
+                    <a:schemeClr val="accent1"/>
+                  </a:lnRef>
+                  <a:fillRef idx="0">
+                    <a:schemeClr val="accent1"/>
+                  </a:fillRef>
+                  <a:effectRef idx="0">
+                    <a:schemeClr val="accent1"/>
+                  </a:effectRef>
+                  <a:fontRef idx="minor">
+                    <a:schemeClr val="tx1"/>
+                  </a:fontRef>
+                </p:style>
+              </p:cxnSp>
+              <p:cxnSp>
+                <p:nvCxnSpPr>
+                  <p:cNvPr id="523" name="直線コネクタ 522"/>
+                  <p:cNvCxnSpPr>
+                    <a:stCxn id="520" idx="2"/>
+                  </p:cNvCxnSpPr>
+                  <p:nvPr/>
+                </p:nvCxnSpPr>
+                <p:spPr>
+                  <a:xfrm>
+                    <a:off x="4309494" y="2924004"/>
+                    <a:ext cx="1490675" cy="1493609"/>
+                  </a:xfrm>
+                  <a:prstGeom prst="line">
+                    <a:avLst/>
+                  </a:prstGeom>
+                </p:spPr>
+                <p:style>
+                  <a:lnRef idx="1">
+                    <a:schemeClr val="accent1"/>
+                  </a:lnRef>
+                  <a:fillRef idx="0">
+                    <a:schemeClr val="accent1"/>
+                  </a:fillRef>
+                  <a:effectRef idx="0">
+                    <a:schemeClr val="accent1"/>
+                  </a:effectRef>
+                  <a:fontRef idx="minor">
+                    <a:schemeClr val="tx1"/>
+                  </a:fontRef>
+                </p:style>
+              </p:cxnSp>
+              <mc:AlternateContent xmlns:mc="http://schemas.openxmlformats.org/markup-compatibility/2006" xmlns:a14="http://schemas.microsoft.com/office/drawing/2010/main">
+                <mc:Choice Requires="a14">
+                  <p:sp>
+                    <p:nvSpPr>
+                      <p:cNvPr id="524" name="テキスト ボックス 523"/>
+                      <p:cNvSpPr txBox="1"/>
+                      <p:nvPr/>
+                    </p:nvSpPr>
+                    <p:spPr>
+                      <a:xfrm>
+                        <a:off x="5197069" y="3398380"/>
+                        <a:ext cx="235686" cy="307194"/>
+                      </a:xfrm>
+                      <a:prstGeom prst="rect">
+                        <a:avLst/>
+                      </a:prstGeom>
+                      <a:noFill/>
+                    </p:spPr>
+                    <p:txBody>
+                      <a:bodyPr wrap="square" rtlCol="0">
+                        <a:spAutoFit/>
+                      </a:bodyPr>
+                      <a:lstStyle/>
+                      <a:p>
+                        <a:pPr/>
+                        <a14:m>
+                          <m:oMathPara xmlns:m="http://schemas.openxmlformats.org/officeDocument/2006/math">
+                            <m:oMathParaPr>
+                              <m:jc m:val="centerGroup"/>
+                            </m:oMathParaPr>
+                            <m:oMath xmlns:m="http://schemas.openxmlformats.org/officeDocument/2006/math">
+                              <m:r>
+                                <a:rPr lang="en-US" altLang="ja-JP" sz="900" i="1">
+                                  <a:latin typeface="Cambria Math" panose="02040503050406030204" pitchFamily="18" charset="0"/>
+                                </a:rPr>
+                                <m:t>𝑅</m:t>
+                              </m:r>
+                              <m:d>
+                                <m:dPr>
+                                  <m:ctrlPr>
+                                    <a:rPr lang="en-US" altLang="ja-JP" sz="900" i="1">
+                                      <a:latin typeface="Cambria Math" panose="02040503050406030204" pitchFamily="18" charset="0"/>
+                                    </a:rPr>
+                                  </m:ctrlPr>
+                                </m:dPr>
+                                <m:e>
+                                  <m:r>
+                                    <a:rPr lang="en-US" altLang="ja-JP" sz="900" i="1">
+                                      <a:latin typeface="Cambria Math" panose="02040503050406030204" pitchFamily="18" charset="0"/>
+                                    </a:rPr>
+                                    <m:t>𝑠</m:t>
+                                  </m:r>
+                                </m:e>
+                              </m:d>
+                            </m:oMath>
+                          </m:oMathPara>
+                        </a14:m>
+                        <a:endParaRPr lang="ja-JP" altLang="en-US" sz="900" dirty="0"/>
+                      </a:p>
+                    </p:txBody>
+                  </p:sp>
+                </mc:Choice>
+                <mc:Fallback xmlns="">
+                  <p:sp>
+                    <p:nvSpPr>
+                      <p:cNvPr id="12" name="テキスト ボックス 11"/>
+                      <p:cNvSpPr txBox="1">
+                        <a:spLocks noRot="1" noChangeAspect="1" noMove="1" noResize="1" noEditPoints="1" noAdjustHandles="1" noChangeArrowheads="1" noChangeShapeType="1" noTextEdit="1"/>
+                      </p:cNvSpPr>
+                      <p:nvPr/>
+                    </p:nvSpPr>
+                    <p:spPr>
+                      <a:xfrm>
+                        <a:off x="5197069" y="3398380"/>
+                        <a:ext cx="235686" cy="307194"/>
+                      </a:xfrm>
+                      <a:prstGeom prst="rect">
+                        <a:avLst/>
+                      </a:prstGeom>
+                      <a:blipFill rotWithShape="0">
+                        <a:blip r:embed="rId15"/>
+                        <a:stretch>
+                          <a:fillRect r="-88462"/>
+                        </a:stretch>
+                      </a:blipFill>
+                    </p:spPr>
+                    <p:txBody>
+                      <a:bodyPr/>
+                      <a:lstStyle/>
+                      <a:p>
+                        <a:r>
+                          <a:rPr lang="ja-JP" altLang="en-US">
+                            <a:noFill/>
+                          </a:rPr>
+                          <a:t> </a:t>
+                        </a:r>
+                      </a:p>
+                    </p:txBody>
+                  </p:sp>
+                </mc:Fallback>
+              </mc:AlternateContent>
+              <p:sp>
+                <p:nvSpPr>
+                  <p:cNvPr id="525" name="円/楕円 524"/>
+                  <p:cNvSpPr>
+                    <a:spLocks noChangeAspect="1"/>
+                  </p:cNvSpPr>
+                  <p:nvPr/>
+                </p:nvSpPr>
+                <p:spPr>
+                  <a:xfrm>
+                    <a:off x="5765567" y="4383134"/>
+                    <a:ext cx="72008" cy="72008"/>
+                  </a:xfrm>
+                  <a:prstGeom prst="ellipse">
+                    <a:avLst/>
+                  </a:prstGeom>
+                  <a:solidFill>
+                    <a:schemeClr val="tx1"/>
+                  </a:solidFill>
+                </p:spPr>
+                <p:style>
+                  <a:lnRef idx="1">
+                    <a:schemeClr val="accent1"/>
+                  </a:lnRef>
+                  <a:fillRef idx="0">
+                    <a:schemeClr val="accent1"/>
+                  </a:fillRef>
+                  <a:effectRef idx="0">
+                    <a:schemeClr val="accent1"/>
+                  </a:effectRef>
+                  <a:fontRef idx="minor">
+                    <a:schemeClr val="tx1"/>
+                  </a:fontRef>
+                </p:style>
+                <p:txBody>
+                  <a:bodyPr rtlCol="0" anchor="ctr"/>
+                  <a:lstStyle/>
+                  <a:p>
+                    <a:pPr algn="ctr"/>
+                    <a:endParaRPr lang="ja-JP" altLang="en-US"/>
+                  </a:p>
+                </p:txBody>
+              </p:sp>
+            </p:grpSp>
+            <p:sp>
+              <p:nvSpPr>
+                <p:cNvPr id="512" name="右中かっこ 511"/>
+                <p:cNvSpPr/>
+                <p:nvPr/>
+              </p:nvSpPr>
+              <p:spPr>
+                <a:xfrm rot="19095926">
+                  <a:off x="6329062" y="2732063"/>
+                  <a:ext cx="101652" cy="1141074"/>
+                </a:xfrm>
+                <a:prstGeom prst="rightBrace">
+                  <a:avLst>
+                    <a:gd name="adj1" fmla="val 33842"/>
+                    <a:gd name="adj2" fmla="val 50000"/>
+                  </a:avLst>
+                </a:prstGeom>
+                <a:ln>
+                  <a:solidFill>
+                    <a:schemeClr val="tx1"/>
+                  </a:solidFill>
+                </a:ln>
+              </p:spPr>
+              <p:style>
+                <a:lnRef idx="1">
+                  <a:schemeClr val="accent1"/>
+                </a:lnRef>
+                <a:fillRef idx="0">
+                  <a:schemeClr val="accent1"/>
+                </a:fillRef>
+                <a:effectRef idx="0">
+                  <a:schemeClr val="accent1"/>
+                </a:effectRef>
+                <a:fontRef idx="minor">
+                  <a:schemeClr val="tx1"/>
+                </a:fontRef>
+              </p:style>
+              <p:txBody>
+                <a:bodyPr rtlCol="0" anchor="ctr"/>
+                <a:lstStyle/>
+                <a:p>
+                  <a:pPr algn="ctr"/>
+                  <a:endParaRPr lang="ja-JP" altLang="en-US"/>
+                </a:p>
+              </p:txBody>
+            </p:sp>
+            <p:sp>
+              <p:nvSpPr>
+                <p:cNvPr id="513" name="テキスト ボックス 512"/>
+                <p:cNvSpPr txBox="1"/>
+                <p:nvPr/>
+              </p:nvSpPr>
+              <p:spPr>
+                <a:xfrm rot="17572678">
+                  <a:off x="5212466" y="3606096"/>
+                  <a:ext cx="697627" cy="215444"/>
+                </a:xfrm>
+                <a:prstGeom prst="rect">
+                  <a:avLst/>
+                </a:prstGeom>
+                <a:noFill/>
+              </p:spPr>
+              <p:txBody>
+                <a:bodyPr wrap="none" rtlCol="0">
+                  <a:spAutoFit/>
+                </a:bodyPr>
+                <a:lstStyle/>
+                <a:p>
+                  <a:r>
+                    <a:rPr lang="ja-JP" altLang="en-US" sz="800" dirty="0">
+                      <a:latin typeface="メイリオ" panose="020B0604030504040204" pitchFamily="50" charset="-128"/>
+                      <a:ea typeface="メイリオ" panose="020B0604030504040204" pitchFamily="50" charset="-128"/>
+                      <a:cs typeface="メイリオ" panose="020B0604030504040204" pitchFamily="50" charset="-128"/>
+                    </a:rPr>
+                    <a:t>走行体中心</a:t>
+                  </a:r>
+                </a:p>
+              </p:txBody>
+            </p:sp>
+            <p:sp>
+              <p:nvSpPr>
+                <p:cNvPr id="514" name="テキスト ボックス 513"/>
+                <p:cNvSpPr txBox="1"/>
+                <p:nvPr/>
+              </p:nvSpPr>
+              <p:spPr>
+                <a:xfrm rot="17574324">
+                  <a:off x="5064131" y="3398719"/>
+                  <a:ext cx="492443" cy="215444"/>
+                </a:xfrm>
+                <a:prstGeom prst="rect">
+                  <a:avLst/>
+                </a:prstGeom>
+                <a:noFill/>
+              </p:spPr>
+              <p:txBody>
+                <a:bodyPr wrap="none" rtlCol="0">
+                  <a:spAutoFit/>
+                </a:bodyPr>
+                <a:lstStyle/>
+                <a:p>
+                  <a:r>
+                    <a:rPr lang="ja-JP" altLang="en-US" sz="800" dirty="0">
+                      <a:latin typeface="メイリオ" panose="020B0604030504040204" pitchFamily="50" charset="-128"/>
+                      <a:ea typeface="メイリオ" panose="020B0604030504040204" pitchFamily="50" charset="-128"/>
+                      <a:cs typeface="メイリオ" panose="020B0604030504040204" pitchFamily="50" charset="-128"/>
+                    </a:rPr>
+                    <a:t>右車輪</a:t>
+                  </a:r>
+                </a:p>
+              </p:txBody>
+            </p:sp>
+            <p:sp>
+              <p:nvSpPr>
+                <p:cNvPr id="515" name="テキスト ボックス 514"/>
+                <p:cNvSpPr txBox="1"/>
+                <p:nvPr/>
+              </p:nvSpPr>
+              <p:spPr>
+                <a:xfrm rot="17585502">
+                  <a:off x="5627899" y="3602174"/>
+                  <a:ext cx="492443" cy="215444"/>
+                </a:xfrm>
+                <a:prstGeom prst="rect">
+                  <a:avLst/>
+                </a:prstGeom>
+                <a:noFill/>
+              </p:spPr>
+              <p:txBody>
+                <a:bodyPr wrap="none" rtlCol="0">
+                  <a:spAutoFit/>
+                </a:bodyPr>
+                <a:lstStyle/>
+                <a:p>
+                  <a:r>
+                    <a:rPr lang="ja-JP" altLang="en-US" sz="800" dirty="0">
+                      <a:latin typeface="メイリオ" panose="020B0604030504040204" pitchFamily="50" charset="-128"/>
+                      <a:ea typeface="メイリオ" panose="020B0604030504040204" pitchFamily="50" charset="-128"/>
+                      <a:cs typeface="メイリオ" panose="020B0604030504040204" pitchFamily="50" charset="-128"/>
+                    </a:rPr>
+                    <a:t>左車輪</a:t>
+                  </a:r>
+                </a:p>
+              </p:txBody>
+            </p:sp>
+            <p:cxnSp>
+              <p:nvCxnSpPr>
+                <p:cNvPr id="516" name="直線コネクタ 515"/>
+                <p:cNvCxnSpPr/>
+                <p:nvPr/>
+              </p:nvCxnSpPr>
+              <p:spPr>
+                <a:xfrm flipH="1" flipV="1">
+                  <a:off x="5505413" y="2924944"/>
+                  <a:ext cx="521114" cy="384235"/>
+                </a:xfrm>
+                <a:prstGeom prst="line">
+                  <a:avLst/>
+                </a:prstGeom>
+                <a:ln w="38100">
+                  <a:solidFill>
+                    <a:schemeClr val="tx1"/>
+                  </a:solidFill>
+                </a:ln>
+              </p:spPr>
+              <p:style>
+                <a:lnRef idx="1">
+                  <a:schemeClr val="accent1"/>
+                </a:lnRef>
+                <a:fillRef idx="0">
+                  <a:schemeClr val="accent1"/>
+                </a:fillRef>
+                <a:effectRef idx="0">
+                  <a:schemeClr val="accent1"/>
+                </a:effectRef>
+                <a:fontRef idx="minor">
+                  <a:schemeClr val="tx1"/>
+                </a:fontRef>
+              </p:style>
+            </p:cxnSp>
+            <mc:AlternateContent xmlns:mc="http://schemas.openxmlformats.org/markup-compatibility/2006" xmlns:a14="http://schemas.microsoft.com/office/drawing/2010/main">
+              <mc:Choice Requires="a14">
+                <p:sp>
+                  <p:nvSpPr>
+                    <p:cNvPr id="517" name="正方形/長方形 516"/>
+                    <p:cNvSpPr/>
+                    <p:nvPr/>
+                  </p:nvSpPr>
+                  <p:spPr>
+                    <a:xfrm rot="2113442">
+                      <a:off x="5459670" y="2985562"/>
+                      <a:ext cx="318228" cy="215444"/>
+                    </a:xfrm>
+                    <a:prstGeom prst="rect">
+                      <a:avLst/>
+                    </a:prstGeom>
+                  </p:spPr>
+                  <p:txBody>
+                    <a:bodyPr wrap="none">
+                      <a:spAutoFit/>
+                    </a:bodyPr>
+                    <a:lstStyle/>
+                    <a:p>
+                      <a:pPr/>
+                      <a14:m>
+                        <m:oMathPara xmlns:m="http://schemas.openxmlformats.org/officeDocument/2006/math">
+                          <m:oMathParaPr>
+                            <m:jc m:val="centerGroup"/>
+                          </m:oMathParaPr>
+                          <m:oMath xmlns:m="http://schemas.openxmlformats.org/officeDocument/2006/math">
+                            <m:sSub>
+                              <m:sSubPr>
+                                <m:ctrlPr>
+                                  <a:rPr lang="en-US" altLang="ja-JP" sz="800" i="1">
+                                    <a:latin typeface="Cambria Math" panose="02040503050406030204" pitchFamily="18" charset="0"/>
+                                  </a:rPr>
+                                </m:ctrlPr>
+                              </m:sSubPr>
+                              <m:e>
+                                <m:r>
+                                  <a:rPr lang="en-US" altLang="ja-JP" sz="800" i="1">
+                                    <a:latin typeface="Cambria Math" panose="02040503050406030204" pitchFamily="18" charset="0"/>
+                                  </a:rPr>
+                                  <m:t>𝐿</m:t>
+                                </m:r>
+                              </m:e>
+                              <m:sub>
+                                <m:r>
+                                  <a:rPr lang="en-US" altLang="ja-JP" sz="800" i="1">
+                                    <a:latin typeface="Cambria Math" panose="02040503050406030204" pitchFamily="18" charset="0"/>
+                                  </a:rPr>
+                                  <m:t>𝑇</m:t>
+                                </m:r>
+                              </m:sub>
+                            </m:sSub>
+                          </m:oMath>
+                        </m:oMathPara>
+                      </a14:m>
+                      <a:endParaRPr lang="ja-JP" altLang="en-US" sz="800" dirty="0"/>
+                    </a:p>
+                  </p:txBody>
+                </p:sp>
+              </mc:Choice>
+              <mc:Fallback xmlns="">
+                <p:sp>
+                  <p:nvSpPr>
+                    <p:cNvPr id="22" name="正方形/長方形 21"/>
+                    <p:cNvSpPr>
+                      <a:spLocks noRot="1" noChangeAspect="1" noMove="1" noResize="1" noEditPoints="1" noAdjustHandles="1" noChangeArrowheads="1" noChangeShapeType="1" noTextEdit="1"/>
+                    </p:cNvSpPr>
+                    <p:nvPr/>
+                  </p:nvSpPr>
+                  <p:spPr>
+                    <a:xfrm rot="2113442">
+                      <a:off x="5459670" y="2985562"/>
+                      <a:ext cx="318228" cy="215444"/>
+                    </a:xfrm>
+                    <a:prstGeom prst="rect">
+                      <a:avLst/>
+                    </a:prstGeom>
+                    <a:blipFill rotWithShape="0">
+                      <a:blip r:embed="rId16"/>
+                      <a:stretch>
+                        <a:fillRect/>
+                      </a:stretch>
+                    </a:blipFill>
+                  </p:spPr>
+                  <p:txBody>
+                    <a:bodyPr/>
+                    <a:lstStyle/>
+                    <a:p>
+                      <a:r>
+                        <a:rPr lang="ja-JP" altLang="en-US">
+                          <a:noFill/>
+                        </a:rPr>
+                        <a:t> </a:t>
+                      </a:r>
+                    </a:p>
+                  </p:txBody>
+                </p:sp>
+              </mc:Fallback>
+            </mc:AlternateContent>
+            <mc:AlternateContent xmlns:mc="http://schemas.openxmlformats.org/markup-compatibility/2006" xmlns:a14="http://schemas.microsoft.com/office/drawing/2010/main">
+              <mc:Choice Requires="a14">
+                <p:sp>
+                  <p:nvSpPr>
+                    <p:cNvPr id="518" name="正方形/長方形 517"/>
+                    <p:cNvSpPr/>
+                    <p:nvPr/>
+                  </p:nvSpPr>
+                  <p:spPr>
+                    <a:xfrm rot="2113442">
+                      <a:off x="5724989" y="3181706"/>
+                      <a:ext cx="318228" cy="215444"/>
+                    </a:xfrm>
+                    <a:prstGeom prst="rect">
+                      <a:avLst/>
+                    </a:prstGeom>
+                  </p:spPr>
+                  <p:txBody>
+                    <a:bodyPr wrap="none">
+                      <a:spAutoFit/>
+                    </a:bodyPr>
+                    <a:lstStyle/>
+                    <a:p>
+                      <a:pPr/>
+                      <a14:m>
+                        <m:oMathPara xmlns:m="http://schemas.openxmlformats.org/officeDocument/2006/math">
+                          <m:oMathParaPr>
+                            <m:jc m:val="centerGroup"/>
+                          </m:oMathParaPr>
+                          <m:oMath xmlns:m="http://schemas.openxmlformats.org/officeDocument/2006/math">
+                            <m:sSub>
+                              <m:sSubPr>
+                                <m:ctrlPr>
+                                  <a:rPr lang="en-US" altLang="ja-JP" sz="800" i="1">
+                                    <a:latin typeface="Cambria Math" panose="02040503050406030204" pitchFamily="18" charset="0"/>
+                                  </a:rPr>
+                                </m:ctrlPr>
+                              </m:sSubPr>
+                              <m:e>
+                                <m:r>
+                                  <a:rPr lang="en-US" altLang="ja-JP" sz="800" i="1">
+                                    <a:latin typeface="Cambria Math" panose="02040503050406030204" pitchFamily="18" charset="0"/>
+                                  </a:rPr>
+                                  <m:t>𝐿</m:t>
+                                </m:r>
+                              </m:e>
+                              <m:sub>
+                                <m:r>
+                                  <a:rPr lang="en-US" altLang="ja-JP" sz="800" i="1">
+                                    <a:latin typeface="Cambria Math" panose="02040503050406030204" pitchFamily="18" charset="0"/>
+                                  </a:rPr>
+                                  <m:t>𝑇</m:t>
+                                </m:r>
+                              </m:sub>
+                            </m:sSub>
+                          </m:oMath>
+                        </m:oMathPara>
+                      </a14:m>
+                      <a:endParaRPr lang="ja-JP" altLang="en-US" sz="800" dirty="0"/>
+                    </a:p>
+                  </p:txBody>
+                </p:sp>
+              </mc:Choice>
+              <mc:Fallback xmlns="">
+                <p:sp>
+                  <p:nvSpPr>
+                    <p:cNvPr id="23" name="正方形/長方形 22"/>
+                    <p:cNvSpPr>
+                      <a:spLocks noRot="1" noChangeAspect="1" noMove="1" noResize="1" noEditPoints="1" noAdjustHandles="1" noChangeArrowheads="1" noChangeShapeType="1" noTextEdit="1"/>
+                    </p:cNvSpPr>
+                    <p:nvPr/>
+                  </p:nvSpPr>
+                  <p:spPr>
+                    <a:xfrm rot="2113442">
+                      <a:off x="5724989" y="3181706"/>
+                      <a:ext cx="318228" cy="215444"/>
+                    </a:xfrm>
+                    <a:prstGeom prst="rect">
+                      <a:avLst/>
+                    </a:prstGeom>
+                    <a:blipFill rotWithShape="0">
+                      <a:blip r:embed="rId17"/>
+                      <a:stretch>
+                        <a:fillRect/>
+                      </a:stretch>
+                    </a:blipFill>
+                  </p:spPr>
+                  <p:txBody>
+                    <a:bodyPr/>
+                    <a:lstStyle/>
+                    <a:p>
+                      <a:r>
+                        <a:rPr lang="ja-JP" altLang="en-US">
+                          <a:noFill/>
+                        </a:rPr>
+                        <a:t> </a:t>
+                      </a:r>
+                    </a:p>
+                  </p:txBody>
+                </p:sp>
+              </mc:Fallback>
+            </mc:AlternateContent>
+          </p:grpSp>
+          <p:cxnSp>
+            <p:nvCxnSpPr>
+              <p:cNvPr id="510" name="直線コネクタ 509"/>
+              <p:cNvCxnSpPr>
+                <a:stCxn id="525" idx="2"/>
+              </p:cNvCxnSpPr>
+              <p:nvPr/>
+            </p:nvCxnSpPr>
+            <p:spPr>
+              <a:xfrm flipH="1" flipV="1">
+                <a:off x="6583145" y="2876809"/>
+                <a:ext cx="979841" cy="715282"/>
+              </a:xfrm>
+              <a:prstGeom prst="line">
+                <a:avLst/>
+              </a:prstGeom>
+              <a:ln w="19050">
+                <a:solidFill>
+                  <a:schemeClr val="tx1"/>
+                </a:solidFill>
+                <a:prstDash val="sysDot"/>
+              </a:ln>
+            </p:spPr>
+            <p:style>
+              <a:lnRef idx="1">
+                <a:schemeClr val="accent1"/>
+              </a:lnRef>
+              <a:fillRef idx="0">
+                <a:schemeClr val="accent1"/>
+              </a:fillRef>
+              <a:effectRef idx="0">
+                <a:schemeClr val="accent1"/>
+              </a:effectRef>
+              <a:fontRef idx="minor">
+                <a:schemeClr val="tx1"/>
+              </a:fontRef>
+            </p:style>
+          </p:cxnSp>
+        </p:grpSp>
+        <p:cxnSp>
+          <p:nvCxnSpPr>
+            <p:cNvPr id="500" name="直線矢印コネクタ 499"/>
+            <p:cNvCxnSpPr/>
+            <p:nvPr/>
+          </p:nvCxnSpPr>
+          <p:spPr>
+            <a:xfrm flipH="1" flipV="1">
+              <a:off x="6557751" y="2966288"/>
+              <a:ext cx="311447" cy="20974"/>
+            </a:xfrm>
+            <a:prstGeom prst="straightConnector1">
+              <a:avLst/>
+            </a:prstGeom>
+            <a:ln w="12700">
+              <a:solidFill>
+                <a:srgbClr val="FF00FF"/>
+              </a:solidFill>
+              <a:headEnd type="diamond" w="sm" len="med"/>
+              <a:tailEnd type="arrow" w="lg" len="lg"/>
+            </a:ln>
+          </p:spPr>
+          <p:style>
+            <a:lnRef idx="1">
+              <a:schemeClr val="accent1"/>
+            </a:lnRef>
+            <a:fillRef idx="0">
+              <a:schemeClr val="accent1"/>
+            </a:fillRef>
+            <a:effectRef idx="0">
+              <a:schemeClr val="accent1"/>
+            </a:effectRef>
+            <a:fontRef idx="minor">
+              <a:schemeClr val="tx1"/>
+            </a:fontRef>
+          </p:style>
+        </p:cxnSp>
+        <p:sp>
+          <p:nvSpPr>
+            <p:cNvPr id="501" name="フリーフォーム 500"/>
+            <p:cNvSpPr/>
+            <p:nvPr/>
+          </p:nvSpPr>
+          <p:spPr>
+            <a:xfrm rot="6103293">
+              <a:off x="5119937" y="3032987"/>
+              <a:ext cx="1841444" cy="1434978"/>
+            </a:xfrm>
+            <a:custGeom>
+              <a:avLst/>
+              <a:gdLst>
+                <a:gd name="connsiteX0" fmla="*/ 0 w 2475781"/>
+                <a:gd name="connsiteY0" fmla="*/ 232913 h 951664"/>
+                <a:gd name="connsiteX1" fmla="*/ 2061713 w 2475781"/>
+                <a:gd name="connsiteY1" fmla="*/ 948905 h 951664"/>
+                <a:gd name="connsiteX2" fmla="*/ 2475781 w 2475781"/>
+                <a:gd name="connsiteY2" fmla="*/ 0 h 951664"/>
+                <a:gd name="connsiteX0" fmla="*/ 0 w 2475781"/>
+                <a:gd name="connsiteY0" fmla="*/ 232913 h 493859"/>
+                <a:gd name="connsiteX1" fmla="*/ 577970 w 2475781"/>
+                <a:gd name="connsiteY1" fmla="*/ 439946 h 493859"/>
+                <a:gd name="connsiteX2" fmla="*/ 2475781 w 2475781"/>
+                <a:gd name="connsiteY2" fmla="*/ 0 h 493859"/>
+                <a:gd name="connsiteX0" fmla="*/ 0 w 2078966"/>
+                <a:gd name="connsiteY0" fmla="*/ 0 h 841676"/>
+                <a:gd name="connsiteX1" fmla="*/ 577970 w 2078966"/>
+                <a:gd name="connsiteY1" fmla="*/ 207033 h 841676"/>
+                <a:gd name="connsiteX2" fmla="*/ 2078966 w 2078966"/>
+                <a:gd name="connsiteY2" fmla="*/ 707366 h 841676"/>
+                <a:gd name="connsiteX0" fmla="*/ 0 w 2078966"/>
+                <a:gd name="connsiteY0" fmla="*/ 0 h 707366"/>
+                <a:gd name="connsiteX1" fmla="*/ 2078966 w 2078966"/>
+                <a:gd name="connsiteY1" fmla="*/ 707366 h 707366"/>
+                <a:gd name="connsiteX0" fmla="*/ 0 w 2053086"/>
+                <a:gd name="connsiteY0" fmla="*/ 0 h 707366"/>
+                <a:gd name="connsiteX1" fmla="*/ 2053086 w 2053086"/>
+                <a:gd name="connsiteY1" fmla="*/ 707366 h 707366"/>
+                <a:gd name="connsiteX0" fmla="*/ 0 w 2199735"/>
+                <a:gd name="connsiteY0" fmla="*/ 0 h 1233577"/>
+                <a:gd name="connsiteX1" fmla="*/ 2199735 w 2199735"/>
+                <a:gd name="connsiteY1" fmla="*/ 1233577 h 1233577"/>
+                <a:gd name="connsiteX0" fmla="*/ 0 w 2199735"/>
+                <a:gd name="connsiteY0" fmla="*/ 0 h 1500417"/>
+                <a:gd name="connsiteX1" fmla="*/ 2199735 w 2199735"/>
+                <a:gd name="connsiteY1" fmla="*/ 1233577 h 1500417"/>
+                <a:gd name="connsiteX0" fmla="*/ 0 w 2070339"/>
+                <a:gd name="connsiteY0" fmla="*/ 0 h 1060328"/>
+                <a:gd name="connsiteX1" fmla="*/ 2070339 w 2070339"/>
+                <a:gd name="connsiteY1" fmla="*/ 724619 h 1060328"/>
+                <a:gd name="connsiteX0" fmla="*/ 0 w 2165060"/>
+                <a:gd name="connsiteY0" fmla="*/ 0 h 1064017"/>
+                <a:gd name="connsiteX1" fmla="*/ 2070339 w 2165060"/>
+                <a:gd name="connsiteY1" fmla="*/ 724619 h 1064017"/>
+                <a:gd name="connsiteX0" fmla="*/ 0 w 2070339"/>
+                <a:gd name="connsiteY0" fmla="*/ 0 h 724619"/>
+                <a:gd name="connsiteX1" fmla="*/ 2070339 w 2070339"/>
+                <a:gd name="connsiteY1" fmla="*/ 724619 h 724619"/>
+                <a:gd name="connsiteX0" fmla="*/ 20312 w 2090651"/>
+                <a:gd name="connsiteY0" fmla="*/ 0 h 724619"/>
+                <a:gd name="connsiteX1" fmla="*/ 2090651 w 2090651"/>
+                <a:gd name="connsiteY1" fmla="*/ 724619 h 724619"/>
+                <a:gd name="connsiteX0" fmla="*/ 5250 w 2075589"/>
+                <a:gd name="connsiteY0" fmla="*/ 0 h 863367"/>
+                <a:gd name="connsiteX1" fmla="*/ 2075589 w 2075589"/>
+                <a:gd name="connsiteY1" fmla="*/ 724619 h 863367"/>
+                <a:gd name="connsiteX0" fmla="*/ 5103 w 2127200"/>
+                <a:gd name="connsiteY0" fmla="*/ 0 h 863367"/>
+                <a:gd name="connsiteX1" fmla="*/ 2127200 w 2127200"/>
+                <a:gd name="connsiteY1" fmla="*/ 724619 h 863367"/>
+                <a:gd name="connsiteX0" fmla="*/ 4858 w 2126955"/>
+                <a:gd name="connsiteY0" fmla="*/ 0 h 865641"/>
+                <a:gd name="connsiteX1" fmla="*/ 2126955 w 2126955"/>
+                <a:gd name="connsiteY1" fmla="*/ 724619 h 865641"/>
+                <a:gd name="connsiteX0" fmla="*/ 7194 w 2129291"/>
+                <a:gd name="connsiteY0" fmla="*/ 0 h 724619"/>
+                <a:gd name="connsiteX1" fmla="*/ 2129291 w 2129291"/>
+                <a:gd name="connsiteY1" fmla="*/ 724619 h 724619"/>
+                <a:gd name="connsiteX0" fmla="*/ 7319 w 2129416"/>
+                <a:gd name="connsiteY0" fmla="*/ 0 h 724619"/>
+                <a:gd name="connsiteX1" fmla="*/ 2129416 w 2129416"/>
+                <a:gd name="connsiteY1" fmla="*/ 724619 h 724619"/>
+                <a:gd name="connsiteX0" fmla="*/ 6601 w 2128698"/>
+                <a:gd name="connsiteY0" fmla="*/ 0 h 724619"/>
+                <a:gd name="connsiteX1" fmla="*/ 2128698 w 2128698"/>
+                <a:gd name="connsiteY1" fmla="*/ 724619 h 724619"/>
+                <a:gd name="connsiteX0" fmla="*/ 1744 w 2123841"/>
+                <a:gd name="connsiteY0" fmla="*/ 0 h 724619"/>
+                <a:gd name="connsiteX1" fmla="*/ 2123841 w 2123841"/>
+                <a:gd name="connsiteY1" fmla="*/ 724619 h 724619"/>
+                <a:gd name="connsiteX0" fmla="*/ 1763 w 2101844"/>
+                <a:gd name="connsiteY0" fmla="*/ 0 h 907655"/>
+                <a:gd name="connsiteX1" fmla="*/ 2101844 w 2101844"/>
+                <a:gd name="connsiteY1" fmla="*/ 907655 h 907655"/>
+                <a:gd name="connsiteX0" fmla="*/ 2041 w 1825351"/>
+                <a:gd name="connsiteY0" fmla="*/ 0 h 1578476"/>
+                <a:gd name="connsiteX1" fmla="*/ 1825351 w 1825351"/>
+                <a:gd name="connsiteY1" fmla="*/ 1578476 h 1578476"/>
+                <a:gd name="connsiteX0" fmla="*/ 1655 w 1841221"/>
+                <a:gd name="connsiteY0" fmla="*/ 0 h 1578476"/>
+                <a:gd name="connsiteX1" fmla="*/ 1824965 w 1841221"/>
+                <a:gd name="connsiteY1" fmla="*/ 1578476 h 1578476"/>
+                <a:gd name="connsiteX0" fmla="*/ 0 w 1841444"/>
+                <a:gd name="connsiteY0" fmla="*/ 0 h 1578476"/>
+                <a:gd name="connsiteX1" fmla="*/ 1823310 w 1841444"/>
+                <a:gd name="connsiteY1" fmla="*/ 1578476 h 1578476"/>
+              </a:gdLst>
+              <a:ahLst/>
+              <a:cxnLst>
+                <a:cxn ang="0">
+                  <a:pos x="connsiteX0" y="connsiteY0"/>
+                </a:cxn>
+                <a:cxn ang="0">
+                  <a:pos x="connsiteX1" y="connsiteY1"/>
+                </a:cxn>
+              </a:cxnLst>
+              <a:rect l="l" t="t" r="r" b="b"/>
+              <a:pathLst>
+                <a:path w="1841444" h="1578476">
+                  <a:moveTo>
+                    <a:pt x="0" y="0"/>
+                  </a:moveTo>
+                  <a:cubicBezTo>
+                    <a:pt x="169576" y="1118338"/>
+                    <a:pt x="2044674" y="573351"/>
+                    <a:pt x="1823310" y="1578476"/>
+                  </a:cubicBezTo>
+                </a:path>
+              </a:pathLst>
+            </a:custGeom>
+            <a:noFill/>
+          </p:spPr>
+          <p:style>
+            <a:lnRef idx="1">
+              <a:schemeClr val="accent1"/>
+            </a:lnRef>
+            <a:fillRef idx="0">
+              <a:schemeClr val="accent1"/>
+            </a:fillRef>
+            <a:effectRef idx="0">
+              <a:schemeClr val="accent1"/>
+            </a:effectRef>
+            <a:fontRef idx="minor">
+              <a:schemeClr val="tx1"/>
+            </a:fontRef>
+          </p:style>
+          <p:txBody>
+            <a:bodyPr rtlCol="0" anchor="ctr"/>
+            <a:lstStyle/>
+            <a:p>
+              <a:pPr algn="ctr"/>
+              <a:endParaRPr lang="ja-JP" altLang="en-US"/>
+            </a:p>
+          </p:txBody>
+        </p:sp>
+        <p:sp>
+          <p:nvSpPr>
+            <p:cNvPr id="502" name="円/楕円 501"/>
+            <p:cNvSpPr>
+              <a:spLocks noChangeAspect="1"/>
+            </p:cNvSpPr>
+            <p:nvPr/>
+          </p:nvSpPr>
+          <p:spPr>
+            <a:xfrm>
+              <a:off x="6843285" y="2952406"/>
+              <a:ext cx="72008" cy="72008"/>
+            </a:xfrm>
+            <a:prstGeom prst="ellipse">
+              <a:avLst/>
+            </a:prstGeom>
+            <a:solidFill>
+              <a:srgbClr val="0000FF"/>
+            </a:solidFill>
+          </p:spPr>
+          <p:style>
+            <a:lnRef idx="1">
+              <a:schemeClr val="accent1"/>
+            </a:lnRef>
+            <a:fillRef idx="0">
+              <a:schemeClr val="accent1"/>
+            </a:fillRef>
+            <a:effectRef idx="0">
+              <a:schemeClr val="accent1"/>
+            </a:effectRef>
+            <a:fontRef idx="minor">
+              <a:schemeClr val="tx1"/>
+            </a:fontRef>
+          </p:style>
+          <p:txBody>
+            <a:bodyPr rtlCol="0" anchor="ctr"/>
+            <a:lstStyle/>
+            <a:p>
+              <a:pPr algn="ctr"/>
+              <a:endParaRPr lang="ja-JP" altLang="en-US"/>
+            </a:p>
+          </p:txBody>
+        </p:sp>
+        <p:cxnSp>
+          <p:nvCxnSpPr>
+            <p:cNvPr id="503" name="直線矢印コネクタ 502"/>
+            <p:cNvCxnSpPr/>
+            <p:nvPr/>
+          </p:nvCxnSpPr>
+          <p:spPr>
+            <a:xfrm rot="2220000" flipH="1" flipV="1">
+              <a:off x="4894413" y="4374418"/>
+              <a:ext cx="311447" cy="20974"/>
+            </a:xfrm>
+            <a:prstGeom prst="straightConnector1">
+              <a:avLst/>
+            </a:prstGeom>
+            <a:ln w="12700">
+              <a:solidFill>
+                <a:srgbClr val="FF00FF"/>
+              </a:solidFill>
+              <a:headEnd type="diamond" w="sm" len="med"/>
+              <a:tailEnd type="arrow" w="lg" len="lg"/>
+            </a:ln>
+          </p:spPr>
+          <p:style>
+            <a:lnRef idx="1">
+              <a:schemeClr val="accent1"/>
+            </a:lnRef>
+            <a:fillRef idx="0">
+              <a:schemeClr val="accent1"/>
+            </a:fillRef>
+            <a:effectRef idx="0">
+              <a:schemeClr val="accent1"/>
+            </a:effectRef>
+            <a:fontRef idx="minor">
+              <a:schemeClr val="tx1"/>
+            </a:fontRef>
+          </p:style>
+        </p:cxnSp>
+        <p:sp>
+          <p:nvSpPr>
+            <p:cNvPr id="504" name="円/楕円 503"/>
+            <p:cNvSpPr>
+              <a:spLocks noChangeAspect="1"/>
+            </p:cNvSpPr>
+            <p:nvPr/>
+          </p:nvSpPr>
+          <p:spPr>
+            <a:xfrm rot="2700000">
+              <a:off x="5128329" y="4450317"/>
+              <a:ext cx="72008" cy="72008"/>
+            </a:xfrm>
+            <a:prstGeom prst="ellipse">
+              <a:avLst/>
+            </a:prstGeom>
+            <a:solidFill>
+              <a:srgbClr val="0000FF"/>
+            </a:solidFill>
+          </p:spPr>
+          <p:style>
+            <a:lnRef idx="1">
+              <a:schemeClr val="accent1"/>
+            </a:lnRef>
+            <a:fillRef idx="0">
+              <a:schemeClr val="accent1"/>
+            </a:fillRef>
+            <a:effectRef idx="0">
+              <a:schemeClr val="accent1"/>
+            </a:effectRef>
+            <a:fontRef idx="minor">
+              <a:schemeClr val="tx1"/>
+            </a:fontRef>
+          </p:style>
+          <p:txBody>
+            <a:bodyPr rtlCol="0" anchor="ctr"/>
+            <a:lstStyle/>
+            <a:p>
+              <a:pPr algn="ctr"/>
+              <a:endParaRPr lang="ja-JP" altLang="en-US"/>
+            </a:p>
+          </p:txBody>
+        </p:sp>
+        <mc:AlternateContent xmlns:mc="http://schemas.openxmlformats.org/markup-compatibility/2006" xmlns:a14="http://schemas.microsoft.com/office/drawing/2010/main">
+          <mc:Choice Requires="a14">
+            <p:sp>
+              <p:nvSpPr>
+                <p:cNvPr id="505" name="正方形/長方形 504"/>
+                <p:cNvSpPr/>
+                <p:nvPr/>
+              </p:nvSpPr>
+              <p:spPr>
+                <a:xfrm>
+                  <a:off x="6869198" y="2853814"/>
+                  <a:ext cx="305892" cy="247697"/>
+                </a:xfrm>
+                <a:prstGeom prst="rect">
+                  <a:avLst/>
+                </a:prstGeom>
+              </p:spPr>
+              <p:txBody>
+                <a:bodyPr wrap="square">
+                  <a:spAutoFit/>
+                </a:bodyPr>
+                <a:lstStyle/>
+                <a:p>
+                  <a:pPr/>
+                  <a14:m>
+                    <m:oMathPara xmlns:m="http://schemas.openxmlformats.org/officeDocument/2006/math">
+                      <m:oMathParaPr>
+                        <m:jc m:val="centerGroup"/>
+                      </m:oMathParaPr>
+                      <m:oMath xmlns:m="http://schemas.openxmlformats.org/officeDocument/2006/math">
+                        <m:acc>
+                          <m:accPr>
+                            <m:chr m:val="⃗"/>
+                            <m:ctrlPr>
+                              <a:rPr lang="en-US" altLang="ja-JP" sz="900" i="1">
+                                <a:latin typeface="Cambria Math" panose="02040503050406030204" pitchFamily="18" charset="0"/>
+                              </a:rPr>
+                            </m:ctrlPr>
+                          </m:accPr>
+                          <m:e>
+                            <m:sSub>
+                              <m:sSubPr>
+                                <m:ctrlPr>
+                                  <a:rPr lang="en-US" altLang="ja-JP" sz="900" i="1">
+                                    <a:latin typeface="Cambria Math" panose="02040503050406030204" pitchFamily="18" charset="0"/>
+                                  </a:rPr>
+                                </m:ctrlPr>
+                              </m:sSubPr>
+                              <m:e>
+                                <m:r>
+                                  <a:rPr lang="en-US" altLang="ja-JP" sz="900" i="1">
+                                    <a:latin typeface="Cambria Math" panose="02040503050406030204" pitchFamily="18" charset="0"/>
+                                  </a:rPr>
+                                  <m:t>𝑃</m:t>
+                                </m:r>
+                              </m:e>
+                              <m:sub>
+                                <m:r>
+                                  <a:rPr lang="en-US" altLang="ja-JP" sz="900" i="1">
+                                    <a:latin typeface="Cambria Math"/>
+                                  </a:rPr>
+                                  <m:t>0</m:t>
+                                </m:r>
+                              </m:sub>
+                            </m:sSub>
+                          </m:e>
+                        </m:acc>
+                      </m:oMath>
+                    </m:oMathPara>
+                  </a14:m>
+                  <a:endParaRPr lang="ja-JP" altLang="en-US" sz="900" dirty="0"/>
+                </a:p>
+              </p:txBody>
+            </p:sp>
+          </mc:Choice>
+          <mc:Fallback xmlns="">
+            <p:sp>
+              <p:nvSpPr>
+                <p:cNvPr id="66" name="正方形/長方形 65"/>
+                <p:cNvSpPr>
+                  <a:spLocks noRot="1" noChangeAspect="1" noMove="1" noResize="1" noEditPoints="1" noAdjustHandles="1" noChangeArrowheads="1" noChangeShapeType="1" noTextEdit="1"/>
+                </p:cNvSpPr>
+                <p:nvPr/>
+              </p:nvSpPr>
+              <p:spPr>
+                <a:xfrm>
+                  <a:off x="6869198" y="2853814"/>
+                  <a:ext cx="305892" cy="247697"/>
+                </a:xfrm>
+                <a:prstGeom prst="rect">
+                  <a:avLst/>
+                </a:prstGeom>
+                <a:blipFill rotWithShape="0">
+                  <a:blip r:embed="rId18"/>
+                  <a:stretch>
+                    <a:fillRect/>
+                  </a:stretch>
+                </a:blipFill>
+              </p:spPr>
+              <p:txBody>
+                <a:bodyPr/>
+                <a:lstStyle/>
+                <a:p>
+                  <a:r>
+                    <a:rPr lang="ja-JP" altLang="en-US">
+                      <a:noFill/>
+                    </a:rPr>
+                    <a:t> </a:t>
+                  </a:r>
+                </a:p>
+              </p:txBody>
+            </p:sp>
+          </mc:Fallback>
+        </mc:AlternateContent>
+        <mc:AlternateContent xmlns:mc="http://schemas.openxmlformats.org/markup-compatibility/2006" xmlns:a14="http://schemas.microsoft.com/office/drawing/2010/main">
+          <mc:Choice Requires="a14">
+            <p:sp>
+              <p:nvSpPr>
+                <p:cNvPr id="506" name="正方形/長方形 505"/>
+                <p:cNvSpPr/>
+                <p:nvPr/>
+              </p:nvSpPr>
+              <p:spPr>
+                <a:xfrm>
+                  <a:off x="5104430" y="4245713"/>
+                  <a:ext cx="305892" cy="247697"/>
+                </a:xfrm>
+                <a:prstGeom prst="rect">
+                  <a:avLst/>
+                </a:prstGeom>
+              </p:spPr>
+              <p:txBody>
+                <a:bodyPr wrap="square">
+                  <a:spAutoFit/>
+                </a:bodyPr>
+                <a:lstStyle/>
+                <a:p>
+                  <a:pPr/>
+                  <a14:m>
+                    <m:oMathPara xmlns:m="http://schemas.openxmlformats.org/officeDocument/2006/math">
+                      <m:oMathParaPr>
+                        <m:jc m:val="centerGroup"/>
+                      </m:oMathParaPr>
+                      <m:oMath xmlns:m="http://schemas.openxmlformats.org/officeDocument/2006/math">
+                        <m:acc>
+                          <m:accPr>
+                            <m:chr m:val="⃗"/>
+                            <m:ctrlPr>
+                              <a:rPr lang="en-US" altLang="ja-JP" sz="900" i="1">
+                                <a:latin typeface="Cambria Math" panose="02040503050406030204" pitchFamily="18" charset="0"/>
+                              </a:rPr>
+                            </m:ctrlPr>
+                          </m:accPr>
+                          <m:e>
+                            <m:sSub>
+                              <m:sSubPr>
+                                <m:ctrlPr>
+                                  <a:rPr lang="en-US" altLang="ja-JP" sz="900" i="1">
+                                    <a:latin typeface="Cambria Math" panose="02040503050406030204" pitchFamily="18" charset="0"/>
+                                  </a:rPr>
+                                </m:ctrlPr>
+                              </m:sSubPr>
+                              <m:e>
+                                <m:r>
+                                  <a:rPr lang="en-US" altLang="ja-JP" sz="900" i="1">
+                                    <a:latin typeface="Cambria Math" panose="02040503050406030204" pitchFamily="18" charset="0"/>
+                                  </a:rPr>
+                                  <m:t>𝑃</m:t>
+                                </m:r>
+                              </m:e>
+                              <m:sub>
+                                <m:r>
+                                  <a:rPr lang="en-US" altLang="ja-JP" sz="900" i="1">
+                                    <a:latin typeface="Cambria Math" panose="02040503050406030204" pitchFamily="18" charset="0"/>
+                                  </a:rPr>
+                                  <m:t>1</m:t>
+                                </m:r>
+                              </m:sub>
+                            </m:sSub>
+                          </m:e>
+                        </m:acc>
+                      </m:oMath>
+                    </m:oMathPara>
+                  </a14:m>
+                  <a:endParaRPr lang="ja-JP" altLang="en-US" sz="900" dirty="0"/>
+                </a:p>
+              </p:txBody>
+            </p:sp>
+          </mc:Choice>
+          <mc:Fallback xmlns="">
+            <p:sp>
+              <p:nvSpPr>
+                <p:cNvPr id="67" name="正方形/長方形 66"/>
+                <p:cNvSpPr>
+                  <a:spLocks noRot="1" noChangeAspect="1" noMove="1" noResize="1" noEditPoints="1" noAdjustHandles="1" noChangeArrowheads="1" noChangeShapeType="1" noTextEdit="1"/>
+                </p:cNvSpPr>
+                <p:nvPr/>
+              </p:nvSpPr>
+              <p:spPr>
+                <a:xfrm>
+                  <a:off x="5104430" y="4245713"/>
+                  <a:ext cx="305892" cy="247697"/>
+                </a:xfrm>
+                <a:prstGeom prst="rect">
+                  <a:avLst/>
+                </a:prstGeom>
+                <a:blipFill rotWithShape="0">
+                  <a:blip r:embed="rId19"/>
+                  <a:stretch>
+                    <a:fillRect/>
+                  </a:stretch>
+                </a:blipFill>
+              </p:spPr>
+              <p:txBody>
+                <a:bodyPr/>
+                <a:lstStyle/>
+                <a:p>
+                  <a:r>
+                    <a:rPr lang="ja-JP" altLang="en-US">
+                      <a:noFill/>
+                    </a:rPr>
+                    <a:t> </a:t>
+                  </a:r>
+                </a:p>
+              </p:txBody>
+            </p:sp>
+          </mc:Fallback>
+        </mc:AlternateContent>
+        <mc:AlternateContent xmlns:mc="http://schemas.openxmlformats.org/markup-compatibility/2006" xmlns:a14="http://schemas.microsoft.com/office/drawing/2010/main">
+          <mc:Choice Requires="a14">
+            <p:sp>
+              <p:nvSpPr>
+                <p:cNvPr id="507" name="正方形/長方形 506"/>
+                <p:cNvSpPr/>
+                <p:nvPr/>
+              </p:nvSpPr>
+              <p:spPr>
+                <a:xfrm>
+                  <a:off x="6438940" y="2711650"/>
+                  <a:ext cx="305892" cy="230832"/>
+                </a:xfrm>
+                <a:prstGeom prst="rect">
+                  <a:avLst/>
+                </a:prstGeom>
+              </p:spPr>
+              <p:txBody>
+                <a:bodyPr wrap="square">
+                  <a:spAutoFit/>
+                </a:bodyPr>
+                <a:lstStyle/>
+                <a:p>
+                  <a:pPr/>
+                  <a14:m>
+                    <m:oMathPara xmlns:m="http://schemas.openxmlformats.org/officeDocument/2006/math">
+                      <m:oMathParaPr>
+                        <m:jc m:val="centerGroup"/>
+                      </m:oMathParaPr>
+                      <m:oMath xmlns:m="http://schemas.openxmlformats.org/officeDocument/2006/math">
+                        <m:acc>
+                          <m:accPr>
+                            <m:chr m:val="⃗"/>
+                            <m:ctrlPr>
+                              <a:rPr lang="en-US" altLang="ja-JP" sz="900" i="1">
+                                <a:latin typeface="Cambria Math" panose="02040503050406030204" pitchFamily="18" charset="0"/>
+                              </a:rPr>
+                            </m:ctrlPr>
+                          </m:accPr>
+                          <m:e>
+                            <m:sSub>
+                              <m:sSubPr>
+                                <m:ctrlPr>
+                                  <a:rPr lang="en-US" altLang="ja-JP" sz="900" i="1">
+                                    <a:latin typeface="Cambria Math" panose="02040503050406030204" pitchFamily="18" charset="0"/>
+                                  </a:rPr>
+                                </m:ctrlPr>
+                              </m:sSubPr>
+                              <m:e>
+                                <m:r>
+                                  <a:rPr lang="en-US" altLang="ja-JP" sz="900" i="1">
+                                    <a:latin typeface="Cambria Math" panose="02040503050406030204" pitchFamily="18" charset="0"/>
+                                  </a:rPr>
+                                  <m:t>𝑣</m:t>
+                                </m:r>
+                              </m:e>
+                              <m:sub>
+                                <m:r>
+                                  <a:rPr lang="en-US" altLang="ja-JP" sz="900" i="1">
+                                    <a:latin typeface="Cambria Math" panose="02040503050406030204" pitchFamily="18" charset="0"/>
+                                  </a:rPr>
+                                  <m:t>0</m:t>
+                                </m:r>
+                              </m:sub>
+                            </m:sSub>
+                          </m:e>
+                        </m:acc>
+                      </m:oMath>
+                    </m:oMathPara>
+                  </a14:m>
+                  <a:endParaRPr lang="ja-JP" altLang="en-US" sz="900" dirty="0"/>
+                </a:p>
+              </p:txBody>
+            </p:sp>
+          </mc:Choice>
+          <mc:Fallback xmlns="">
+            <p:sp>
+              <p:nvSpPr>
+                <p:cNvPr id="68" name="正方形/長方形 67"/>
+                <p:cNvSpPr>
+                  <a:spLocks noRot="1" noChangeAspect="1" noMove="1" noResize="1" noEditPoints="1" noAdjustHandles="1" noChangeArrowheads="1" noChangeShapeType="1" noTextEdit="1"/>
+                </p:cNvSpPr>
+                <p:nvPr/>
+              </p:nvSpPr>
+              <p:spPr>
+                <a:xfrm>
+                  <a:off x="6438940" y="2711650"/>
+                  <a:ext cx="305892" cy="230832"/>
+                </a:xfrm>
+                <a:prstGeom prst="rect">
+                  <a:avLst/>
+                </a:prstGeom>
+                <a:blipFill rotWithShape="0">
+                  <a:blip r:embed="rId20"/>
+                  <a:stretch>
+                    <a:fillRect/>
+                  </a:stretch>
+                </a:blipFill>
+              </p:spPr>
+              <p:txBody>
+                <a:bodyPr/>
+                <a:lstStyle/>
+                <a:p>
+                  <a:r>
+                    <a:rPr lang="ja-JP" altLang="en-US">
+                      <a:noFill/>
+                    </a:rPr>
+                    <a:t> </a:t>
+                  </a:r>
+                </a:p>
+              </p:txBody>
+            </p:sp>
+          </mc:Fallback>
+        </mc:AlternateContent>
+        <mc:AlternateContent xmlns:mc="http://schemas.openxmlformats.org/markup-compatibility/2006" xmlns:a14="http://schemas.microsoft.com/office/drawing/2010/main">
+          <mc:Choice Requires="a14">
+            <p:sp>
+              <p:nvSpPr>
+                <p:cNvPr id="508" name="正方形/長方形 507"/>
+                <p:cNvSpPr/>
+                <p:nvPr/>
+              </p:nvSpPr>
+              <p:spPr>
+                <a:xfrm>
+                  <a:off x="4871141" y="4097353"/>
+                  <a:ext cx="305892" cy="230832"/>
+                </a:xfrm>
+                <a:prstGeom prst="rect">
+                  <a:avLst/>
+                </a:prstGeom>
+              </p:spPr>
+              <p:txBody>
+                <a:bodyPr wrap="square">
+                  <a:spAutoFit/>
+                </a:bodyPr>
+                <a:lstStyle/>
+                <a:p>
+                  <a:pPr/>
+                  <a14:m>
+                    <m:oMathPara xmlns:m="http://schemas.openxmlformats.org/officeDocument/2006/math">
+                      <m:oMathParaPr>
+                        <m:jc m:val="centerGroup"/>
+                      </m:oMathParaPr>
+                      <m:oMath xmlns:m="http://schemas.openxmlformats.org/officeDocument/2006/math">
+                        <m:acc>
+                          <m:accPr>
+                            <m:chr m:val="⃗"/>
+                            <m:ctrlPr>
+                              <a:rPr lang="en-US" altLang="ja-JP" sz="900" i="1">
+                                <a:latin typeface="Cambria Math" panose="02040503050406030204" pitchFamily="18" charset="0"/>
+                              </a:rPr>
+                            </m:ctrlPr>
+                          </m:accPr>
+                          <m:e>
+                            <m:sSub>
+                              <m:sSubPr>
+                                <m:ctrlPr>
+                                  <a:rPr lang="en-US" altLang="ja-JP" sz="900" i="1">
+                                    <a:latin typeface="Cambria Math" panose="02040503050406030204" pitchFamily="18" charset="0"/>
+                                  </a:rPr>
+                                </m:ctrlPr>
+                              </m:sSubPr>
+                              <m:e>
+                                <m:r>
+                                  <a:rPr lang="en-US" altLang="ja-JP" sz="900" i="1">
+                                    <a:latin typeface="Cambria Math" panose="02040503050406030204" pitchFamily="18" charset="0"/>
+                                  </a:rPr>
+                                  <m:t>𝑣</m:t>
+                                </m:r>
+                              </m:e>
+                              <m:sub>
+                                <m:r>
+                                  <a:rPr lang="en-US" altLang="ja-JP" sz="900" i="1">
+                                    <a:latin typeface="Cambria Math" panose="02040503050406030204" pitchFamily="18" charset="0"/>
+                                  </a:rPr>
+                                  <m:t>1</m:t>
+                                </m:r>
+                              </m:sub>
+                            </m:sSub>
+                          </m:e>
+                        </m:acc>
+                      </m:oMath>
+                    </m:oMathPara>
+                  </a14:m>
+                  <a:endParaRPr lang="ja-JP" altLang="en-US" sz="900" dirty="0"/>
+                </a:p>
+              </p:txBody>
+            </p:sp>
+          </mc:Choice>
+          <mc:Fallback xmlns="">
+            <p:sp>
+              <p:nvSpPr>
+                <p:cNvPr id="69" name="正方形/長方形 68"/>
+                <p:cNvSpPr>
+                  <a:spLocks noRot="1" noChangeAspect="1" noMove="1" noResize="1" noEditPoints="1" noAdjustHandles="1" noChangeArrowheads="1" noChangeShapeType="1" noTextEdit="1"/>
+                </p:cNvSpPr>
+                <p:nvPr/>
+              </p:nvSpPr>
+              <p:spPr>
+                <a:xfrm>
+                  <a:off x="4871141" y="4097353"/>
+                  <a:ext cx="305892" cy="230832"/>
+                </a:xfrm>
+                <a:prstGeom prst="rect">
+                  <a:avLst/>
+                </a:prstGeom>
+                <a:blipFill rotWithShape="0">
+                  <a:blip r:embed="rId21"/>
+                  <a:stretch>
+                    <a:fillRect/>
+                  </a:stretch>
+                </a:blipFill>
+              </p:spPr>
+              <p:txBody>
+                <a:bodyPr/>
+                <a:lstStyle/>
+                <a:p>
+                  <a:r>
+                    <a:rPr lang="ja-JP" altLang="en-US">
+                      <a:noFill/>
+                    </a:rPr>
+                    <a:t> </a:t>
+                  </a:r>
+                </a:p>
+              </p:txBody>
+            </p:sp>
+          </mc:Fallback>
+        </mc:AlternateContent>
+      </p:grpSp>
+      <p:grpSp>
+        <p:nvGrpSpPr>
+          <p:cNvPr id="531" name="グループ化 530"/>
+          <p:cNvGrpSpPr/>
+          <p:nvPr/>
+        </p:nvGrpSpPr>
+        <p:grpSpPr>
+          <a:xfrm>
+            <a:off x="6071511" y="4228542"/>
+            <a:ext cx="5046275" cy="2725143"/>
+            <a:chOff x="5700282" y="3961413"/>
+            <a:chExt cx="5046275" cy="2725143"/>
+          </a:xfrm>
+        </p:grpSpPr>
+        <p:sp>
+          <p:nvSpPr>
+            <p:cNvPr id="532" name="正方形/長方形 531"/>
+            <p:cNvSpPr/>
+            <p:nvPr/>
+          </p:nvSpPr>
+          <p:spPr>
+            <a:xfrm>
+              <a:off x="8992642" y="4192735"/>
+              <a:ext cx="1753915" cy="1921710"/>
+            </a:xfrm>
+            <a:prstGeom prst="rect">
+              <a:avLst/>
+            </a:prstGeom>
+            <a:noFill/>
+            <a:ln>
+              <a:solidFill>
+                <a:srgbClr val="0070C0"/>
+              </a:solidFill>
+            </a:ln>
+          </p:spPr>
+          <p:style>
+            <a:lnRef idx="2">
+              <a:schemeClr val="accent6"/>
+            </a:lnRef>
+            <a:fillRef idx="1">
+              <a:schemeClr val="lt1"/>
+            </a:fillRef>
+            <a:effectRef idx="0">
+              <a:schemeClr val="accent6"/>
+            </a:effectRef>
+            <a:fontRef idx="minor">
+              <a:schemeClr val="dk1"/>
+            </a:fontRef>
+          </p:style>
+          <p:txBody>
+            <a:bodyPr rtlCol="0" anchor="ctr"/>
+            <a:lstStyle/>
+            <a:p>
+              <a:pPr algn="ctr"/>
+              <a:endParaRPr kumimoji="1" lang="ja-JP" altLang="en-US"/>
+            </a:p>
+          </p:txBody>
+        </p:sp>
+        <p:sp>
+          <p:nvSpPr>
+            <p:cNvPr id="533" name="正方形/長方形 532"/>
+            <p:cNvSpPr/>
+            <p:nvPr/>
+          </p:nvSpPr>
+          <p:spPr>
+            <a:xfrm>
+              <a:off x="7514046" y="4275294"/>
+              <a:ext cx="1410069" cy="1828663"/>
+            </a:xfrm>
+            <a:prstGeom prst="rect">
+              <a:avLst/>
+            </a:prstGeom>
+            <a:noFill/>
+            <a:ln>
+              <a:solidFill>
+                <a:srgbClr val="FF0000"/>
+              </a:solidFill>
+            </a:ln>
+          </p:spPr>
+          <p:style>
+            <a:lnRef idx="2">
+              <a:schemeClr val="accent6"/>
+            </a:lnRef>
+            <a:fillRef idx="1">
+              <a:schemeClr val="lt1"/>
+            </a:fillRef>
+            <a:effectRef idx="0">
+              <a:schemeClr val="accent6"/>
+            </a:effectRef>
+            <a:fontRef idx="minor">
+              <a:schemeClr val="dk1"/>
+            </a:fontRef>
+          </p:style>
+          <p:txBody>
+            <a:bodyPr rtlCol="0" anchor="ctr"/>
+            <a:lstStyle/>
+            <a:p>
+              <a:pPr algn="ctr"/>
+              <a:endParaRPr kumimoji="1" lang="ja-JP" altLang="en-US"/>
+            </a:p>
+          </p:txBody>
+        </p:sp>
+        <p:graphicFrame>
+          <p:nvGraphicFramePr>
+            <p:cNvPr id="534" name="グラフ 533"/>
+            <p:cNvGraphicFramePr>
+              <a:graphicFrameLocks/>
+            </p:cNvGraphicFramePr>
+            <p:nvPr>
+              <p:extLst>
+                <p:ext uri="{D42A27DB-BD31-4B8C-83A1-F6EECF244321}">
+                  <p14:modId xmlns:p14="http://schemas.microsoft.com/office/powerpoint/2010/main" val="3063830333"/>
+                </p:ext>
+              </p:extLst>
+            </p:nvPr>
+          </p:nvGraphicFramePr>
+          <p:xfrm>
+            <a:off x="5700282" y="4192735"/>
+            <a:ext cx="1917311" cy="2493821"/>
+          </p:xfrm>
+          <a:graphic>
+            <a:graphicData uri="http://schemas.openxmlformats.org/drawingml/2006/chart">
+              <c:chart xmlns:c="http://schemas.openxmlformats.org/drawingml/2006/chart" xmlns:r="http://schemas.openxmlformats.org/officeDocument/2006/relationships" r:id="rId22"/>
+            </a:graphicData>
+          </a:graphic>
+        </p:graphicFrame>
+        <p:sp>
+          <p:nvSpPr>
+            <p:cNvPr id="535" name="テキスト ボックス 534"/>
+            <p:cNvSpPr txBox="1"/>
+            <p:nvPr/>
+          </p:nvSpPr>
+          <p:spPr>
+            <a:xfrm>
+              <a:off x="7610226" y="4192735"/>
+              <a:ext cx="1172116" cy="200055"/>
+            </a:xfrm>
+            <a:prstGeom prst="rect">
+              <a:avLst/>
+            </a:prstGeom>
+            <a:solidFill>
+              <a:schemeClr val="bg1"/>
+            </a:solidFill>
+          </p:spPr>
+          <p:txBody>
+            <a:bodyPr wrap="none" rtlCol="0">
+              <a:spAutoFit/>
+            </a:bodyPr>
+            <a:lstStyle/>
+            <a:p>
+              <a:r>
+                <a:rPr lang="ja-JP" altLang="en-US" sz="700" dirty="0" smtClean="0">
+                  <a:solidFill>
+                    <a:srgbClr val="FF0000"/>
+                  </a:solidFill>
+                  <a:latin typeface="メイリオ" panose="020B0604030504040204" pitchFamily="50" charset="-128"/>
+                  <a:ea typeface="メイリオ" panose="020B0604030504040204" pitchFamily="50" charset="-128"/>
+                  <a:cs typeface="メイリオ" panose="020B0604030504040204" pitchFamily="50" charset="-128"/>
+                </a:rPr>
+                <a:t>このまま走行を続ける</a:t>
+              </a:r>
+              <a:r>
+                <a:rPr lang="ja-JP" altLang="en-US" sz="700" dirty="0">
+                  <a:solidFill>
+                    <a:srgbClr val="FF0000"/>
+                  </a:solidFill>
+                  <a:latin typeface="メイリオ" panose="020B0604030504040204" pitchFamily="50" charset="-128"/>
+                  <a:ea typeface="メイリオ" panose="020B0604030504040204" pitchFamily="50" charset="-128"/>
+                  <a:cs typeface="メイリオ" panose="020B0604030504040204" pitchFamily="50" charset="-128"/>
+                </a:rPr>
+                <a:t>と</a:t>
+              </a:r>
+              <a:endParaRPr kumimoji="1" lang="ja-JP" altLang="en-US" sz="700" dirty="0">
+                <a:solidFill>
+                  <a:srgbClr val="FF0000"/>
+                </a:solidFill>
+                <a:latin typeface="メイリオ" panose="020B0604030504040204" pitchFamily="50" charset="-128"/>
+                <a:ea typeface="メイリオ" panose="020B0604030504040204" pitchFamily="50" charset="-128"/>
+                <a:cs typeface="メイリオ" panose="020B0604030504040204" pitchFamily="50" charset="-128"/>
+              </a:endParaRPr>
+            </a:p>
+          </p:txBody>
+        </p:sp>
+        <p:grpSp>
+          <p:nvGrpSpPr>
+            <p:cNvPr id="536" name="グループ化 535"/>
+            <p:cNvGrpSpPr/>
+            <p:nvPr/>
+          </p:nvGrpSpPr>
+          <p:grpSpPr>
+            <a:xfrm>
+              <a:off x="7476451" y="4472229"/>
+              <a:ext cx="1447665" cy="1543631"/>
+              <a:chOff x="7916325" y="4409054"/>
+              <a:chExt cx="1447665" cy="1543631"/>
+            </a:xfrm>
+          </p:grpSpPr>
+          <p:cxnSp>
+            <p:nvCxnSpPr>
+              <p:cNvPr id="552" name="直線コネクタ 551"/>
+              <p:cNvCxnSpPr/>
+              <p:nvPr/>
+            </p:nvCxnSpPr>
+            <p:spPr>
+              <a:xfrm>
+                <a:off x="8507754" y="4409054"/>
+                <a:ext cx="0" cy="1097674"/>
+              </a:xfrm>
+              <a:prstGeom prst="line">
+                <a:avLst/>
+              </a:prstGeom>
+              <a:ln w="152400">
+                <a:solidFill>
+                  <a:schemeClr val="tx1"/>
+                </a:solidFill>
+              </a:ln>
+            </p:spPr>
+            <p:style>
+              <a:lnRef idx="1">
+                <a:schemeClr val="accent1"/>
+              </a:lnRef>
+              <a:fillRef idx="0">
+                <a:schemeClr val="accent1"/>
+              </a:fillRef>
+              <a:effectRef idx="0">
+                <a:schemeClr val="accent1"/>
+              </a:effectRef>
+              <a:fontRef idx="minor">
+                <a:schemeClr val="tx1"/>
+              </a:fontRef>
+            </p:style>
+          </p:cxnSp>
+          <p:grpSp>
+            <p:nvGrpSpPr>
+              <p:cNvPr id="553" name="グループ化 552"/>
+              <p:cNvGrpSpPr/>
+              <p:nvPr/>
+            </p:nvGrpSpPr>
+            <p:grpSpPr>
+              <a:xfrm rot="10800000">
+                <a:off x="8216990" y="5272413"/>
+                <a:ext cx="574352" cy="521855"/>
+                <a:chOff x="5476401" y="2958805"/>
+                <a:chExt cx="578693" cy="525800"/>
+              </a:xfrm>
+            </p:grpSpPr>
+            <p:sp>
+              <p:nvSpPr>
+                <p:cNvPr id="559" name="角丸四角形 558"/>
+                <p:cNvSpPr/>
+                <p:nvPr/>
+              </p:nvSpPr>
+              <p:spPr>
+                <a:xfrm>
+                  <a:off x="5476401" y="3079716"/>
+                  <a:ext cx="71783" cy="283978"/>
+                </a:xfrm>
+                <a:prstGeom prst="roundRect">
+                  <a:avLst>
+                    <a:gd name="adj" fmla="val 50000"/>
+                  </a:avLst>
+                </a:prstGeom>
+                <a:solidFill>
+                  <a:schemeClr val="bg2">
+                    <a:lumMod val="50000"/>
+                  </a:schemeClr>
+                </a:solidFill>
+                <a:ln>
+                  <a:solidFill>
+                    <a:schemeClr val="tx1"/>
+                  </a:solidFill>
+                </a:ln>
+              </p:spPr>
+              <p:style>
+                <a:lnRef idx="2">
+                  <a:schemeClr val="accent1">
+                    <a:shade val="50000"/>
+                  </a:schemeClr>
+                </a:lnRef>
+                <a:fillRef idx="1">
+                  <a:schemeClr val="accent1"/>
+                </a:fillRef>
+                <a:effectRef idx="0">
+                  <a:schemeClr val="accent1"/>
+                </a:effectRef>
+                <a:fontRef idx="minor">
+                  <a:schemeClr val="lt1"/>
+                </a:fontRef>
+              </p:style>
+              <p:txBody>
+                <a:bodyPr rtlCol="0" anchor="ctr"/>
+                <a:lstStyle/>
+                <a:p>
+                  <a:pPr algn="ctr"/>
+                  <a:endParaRPr kumimoji="1" lang="ja-JP" altLang="en-US" sz="900" dirty="0">
+                    <a:latin typeface="メイリオ" panose="020B0604030504040204" pitchFamily="50" charset="-128"/>
+                    <a:ea typeface="メイリオ" panose="020B0604030504040204" pitchFamily="50" charset="-128"/>
+                    <a:cs typeface="メイリオ" panose="020B0604030504040204" pitchFamily="50" charset="-128"/>
+                  </a:endParaRPr>
+                </a:p>
+              </p:txBody>
+            </p:sp>
+            <p:sp>
+              <p:nvSpPr>
+                <p:cNvPr id="560" name="正方形/長方形 559"/>
+                <p:cNvSpPr/>
+                <p:nvPr/>
+              </p:nvSpPr>
+              <p:spPr>
+                <a:xfrm>
+                  <a:off x="5548184" y="2958805"/>
+                  <a:ext cx="432486" cy="525800"/>
+                </a:xfrm>
+                <a:prstGeom prst="rect">
+                  <a:avLst/>
+                </a:prstGeom>
+                <a:solidFill>
+                  <a:schemeClr val="bg2"/>
+                </a:solidFill>
+                <a:ln>
+                  <a:solidFill>
+                    <a:schemeClr val="tx1"/>
+                  </a:solidFill>
+                </a:ln>
+              </p:spPr>
+              <p:style>
+                <a:lnRef idx="2">
+                  <a:schemeClr val="accent1">
+                    <a:shade val="50000"/>
+                  </a:schemeClr>
+                </a:lnRef>
+                <a:fillRef idx="1">
+                  <a:schemeClr val="accent1"/>
+                </a:fillRef>
+                <a:effectRef idx="0">
+                  <a:schemeClr val="accent1"/>
+                </a:effectRef>
+                <a:fontRef idx="minor">
+                  <a:schemeClr val="lt1"/>
+                </a:fontRef>
+              </p:style>
+              <p:txBody>
+                <a:bodyPr rtlCol="0" anchor="ctr"/>
+                <a:lstStyle/>
+                <a:p>
+                  <a:pPr algn="ctr"/>
+                  <a:endParaRPr kumimoji="1" lang="ja-JP" altLang="en-US" sz="900">
+                    <a:latin typeface="メイリオ" panose="020B0604030504040204" pitchFamily="50" charset="-128"/>
+                    <a:ea typeface="メイリオ" panose="020B0604030504040204" pitchFamily="50" charset="-128"/>
+                    <a:cs typeface="メイリオ" panose="020B0604030504040204" pitchFamily="50" charset="-128"/>
+                  </a:endParaRPr>
+                </a:p>
+              </p:txBody>
+            </p:sp>
+            <p:sp>
+              <p:nvSpPr>
+                <p:cNvPr id="561" name="角丸四角形 560"/>
+                <p:cNvSpPr/>
+                <p:nvPr/>
+              </p:nvSpPr>
+              <p:spPr>
+                <a:xfrm>
+                  <a:off x="5983311" y="3079716"/>
+                  <a:ext cx="71783" cy="283978"/>
+                </a:xfrm>
+                <a:prstGeom prst="roundRect">
+                  <a:avLst>
+                    <a:gd name="adj" fmla="val 50000"/>
+                  </a:avLst>
+                </a:prstGeom>
+                <a:solidFill>
+                  <a:schemeClr val="bg2">
+                    <a:lumMod val="50000"/>
+                  </a:schemeClr>
+                </a:solidFill>
+                <a:ln>
+                  <a:solidFill>
+                    <a:schemeClr val="tx1"/>
+                  </a:solidFill>
+                </a:ln>
+              </p:spPr>
+              <p:style>
+                <a:lnRef idx="2">
+                  <a:schemeClr val="accent1">
+                    <a:shade val="50000"/>
+                  </a:schemeClr>
+                </a:lnRef>
+                <a:fillRef idx="1">
+                  <a:schemeClr val="accent1"/>
+                </a:fillRef>
+                <a:effectRef idx="0">
+                  <a:schemeClr val="accent1"/>
+                </a:effectRef>
+                <a:fontRef idx="minor">
+                  <a:schemeClr val="lt1"/>
+                </a:fontRef>
+              </p:style>
+              <p:txBody>
+                <a:bodyPr rtlCol="0" anchor="ctr"/>
+                <a:lstStyle/>
+                <a:p>
+                  <a:pPr algn="ctr"/>
+                  <a:endParaRPr kumimoji="1" lang="ja-JP" altLang="en-US" sz="900" dirty="0">
+                    <a:latin typeface="メイリオ" panose="020B0604030504040204" pitchFamily="50" charset="-128"/>
+                    <a:ea typeface="メイリオ" panose="020B0604030504040204" pitchFamily="50" charset="-128"/>
+                    <a:cs typeface="メイリオ" panose="020B0604030504040204" pitchFamily="50" charset="-128"/>
+                  </a:endParaRPr>
+                </a:p>
+              </p:txBody>
+            </p:sp>
+          </p:grpSp>
+          <p:cxnSp>
+            <p:nvCxnSpPr>
+              <p:cNvPr id="554" name="直線矢印コネクタ 553"/>
+              <p:cNvCxnSpPr/>
+              <p:nvPr/>
+            </p:nvCxnSpPr>
+            <p:spPr>
+              <a:xfrm flipV="1">
+                <a:off x="8514007" y="4409054"/>
+                <a:ext cx="0" cy="863359"/>
+              </a:xfrm>
+              <a:prstGeom prst="straightConnector1">
+                <a:avLst/>
+              </a:prstGeom>
+              <a:ln w="50800">
+                <a:solidFill>
+                  <a:schemeClr val="accent4"/>
+                </a:solidFill>
+                <a:tailEnd type="triangle"/>
+              </a:ln>
+            </p:spPr>
+            <p:style>
+              <a:lnRef idx="1">
+                <a:schemeClr val="accent1"/>
+              </a:lnRef>
+              <a:fillRef idx="0">
+                <a:schemeClr val="accent1"/>
+              </a:fillRef>
+              <a:effectRef idx="0">
+                <a:schemeClr val="accent1"/>
+              </a:effectRef>
+              <a:fontRef idx="minor">
+                <a:schemeClr val="tx1"/>
+              </a:fontRef>
+            </p:style>
+          </p:cxnSp>
+          <p:cxnSp>
+            <p:nvCxnSpPr>
+              <p:cNvPr id="555" name="直線矢印コネクタ 554"/>
+              <p:cNvCxnSpPr/>
+              <p:nvPr/>
+            </p:nvCxnSpPr>
+            <p:spPr>
+              <a:xfrm flipH="1" flipV="1">
+                <a:off x="8375251" y="4409054"/>
+                <a:ext cx="138757" cy="863359"/>
+              </a:xfrm>
+              <a:prstGeom prst="straightConnector1">
+                <a:avLst/>
+              </a:prstGeom>
+              <a:ln w="50800">
+                <a:solidFill>
+                  <a:srgbClr val="00B0F0"/>
+                </a:solidFill>
+                <a:tailEnd type="triangle"/>
+              </a:ln>
+            </p:spPr>
+            <p:style>
+              <a:lnRef idx="1">
+                <a:schemeClr val="accent1"/>
+              </a:lnRef>
+              <a:fillRef idx="0">
+                <a:schemeClr val="accent1"/>
+              </a:fillRef>
+              <a:effectRef idx="0">
+                <a:schemeClr val="accent1"/>
+              </a:effectRef>
+              <a:fontRef idx="minor">
+                <a:schemeClr val="tx1"/>
+              </a:fontRef>
+            </p:style>
+          </p:cxnSp>
+          <p:sp>
+            <p:nvSpPr>
+              <p:cNvPr id="556" name="四角形吹き出し 555"/>
+              <p:cNvSpPr/>
+              <p:nvPr/>
+            </p:nvSpPr>
+            <p:spPr>
+              <a:xfrm>
+                <a:off x="8755720" y="4513117"/>
+                <a:ext cx="608270" cy="275217"/>
+              </a:xfrm>
+              <a:prstGeom prst="wedgeRectCallout">
+                <a:avLst>
+                  <a:gd name="adj1" fmla="val -87014"/>
+                  <a:gd name="adj2" fmla="val 26947"/>
+                </a:avLst>
+              </a:prstGeom>
+              <a:solidFill>
+                <a:schemeClr val="bg1"/>
+              </a:solidFill>
+            </p:spPr>
+            <p:style>
+              <a:lnRef idx="2">
+                <a:schemeClr val="accent1">
+                  <a:shade val="50000"/>
+                </a:schemeClr>
+              </a:lnRef>
+              <a:fillRef idx="1">
+                <a:schemeClr val="accent1"/>
+              </a:fillRef>
+              <a:effectRef idx="0">
+                <a:schemeClr val="accent1"/>
+              </a:effectRef>
+              <a:fontRef idx="minor">
+                <a:schemeClr val="lt1"/>
+              </a:fontRef>
+            </p:style>
+            <p:txBody>
+              <a:bodyPr rtlCol="0" anchor="ctr"/>
+              <a:lstStyle/>
+              <a:p>
+                <a:pPr algn="ctr"/>
+                <a:r>
+                  <a:rPr kumimoji="1" lang="ja-JP" altLang="en-US" sz="600" dirty="0" smtClean="0">
+                    <a:solidFill>
+                      <a:schemeClr val="tx1"/>
+                    </a:solidFill>
+                    <a:latin typeface="メイリオ" panose="020B0604030504040204" pitchFamily="50" charset="-128"/>
+                    <a:ea typeface="メイリオ" panose="020B0604030504040204" pitchFamily="50" charset="-128"/>
+                    <a:cs typeface="メイリオ" panose="020B0604030504040204" pitchFamily="50" charset="-128"/>
+                  </a:rPr>
+                  <a:t>目標の進行方向</a:t>
+                </a:r>
+                <a:endParaRPr kumimoji="1" lang="ja-JP" altLang="en-US" sz="600" dirty="0">
+                  <a:solidFill>
+                    <a:schemeClr val="tx1"/>
+                  </a:solidFill>
+                  <a:latin typeface="メイリオ" panose="020B0604030504040204" pitchFamily="50" charset="-128"/>
+                  <a:ea typeface="メイリオ" panose="020B0604030504040204" pitchFamily="50" charset="-128"/>
+                  <a:cs typeface="メイリオ" panose="020B0604030504040204" pitchFamily="50" charset="-128"/>
+                </a:endParaRPr>
+              </a:p>
+            </p:txBody>
+          </p:sp>
+          <p:sp>
+            <p:nvSpPr>
+              <p:cNvPr id="557" name="四角形吹き出し 556"/>
+              <p:cNvSpPr/>
+              <p:nvPr/>
+            </p:nvSpPr>
+            <p:spPr>
+              <a:xfrm>
+                <a:off x="8755719" y="4902206"/>
+                <a:ext cx="608270" cy="275217"/>
+              </a:xfrm>
+              <a:prstGeom prst="wedgeRectCallout">
+                <a:avLst>
+                  <a:gd name="adj1" fmla="val -97901"/>
+                  <a:gd name="adj2" fmla="val 6731"/>
+                </a:avLst>
+              </a:prstGeom>
+              <a:solidFill>
+                <a:schemeClr val="bg1"/>
+              </a:solidFill>
+            </p:spPr>
+            <p:style>
+              <a:lnRef idx="2">
+                <a:schemeClr val="accent1">
+                  <a:shade val="50000"/>
+                </a:schemeClr>
+              </a:lnRef>
+              <a:fillRef idx="1">
+                <a:schemeClr val="accent1"/>
+              </a:fillRef>
+              <a:effectRef idx="0">
+                <a:schemeClr val="accent1"/>
+              </a:effectRef>
+              <a:fontRef idx="minor">
+                <a:schemeClr val="lt1"/>
+              </a:fontRef>
+            </p:style>
+            <p:txBody>
+              <a:bodyPr rtlCol="0" anchor="ctr"/>
+              <a:lstStyle/>
+              <a:p>
+                <a:pPr algn="ctr"/>
+                <a:r>
+                  <a:rPr kumimoji="1" lang="ja-JP" altLang="en-US" sz="600" dirty="0" smtClean="0">
+                    <a:solidFill>
+                      <a:schemeClr val="tx1"/>
+                    </a:solidFill>
+                    <a:latin typeface="メイリオ" panose="020B0604030504040204" pitchFamily="50" charset="-128"/>
+                    <a:ea typeface="メイリオ" panose="020B0604030504040204" pitchFamily="50" charset="-128"/>
+                    <a:cs typeface="メイリオ" panose="020B0604030504040204" pitchFamily="50" charset="-128"/>
+                  </a:rPr>
+                  <a:t>実際の進行方向</a:t>
+                </a:r>
+                <a:endParaRPr kumimoji="1" lang="ja-JP" altLang="en-US" sz="600" dirty="0">
+                  <a:solidFill>
+                    <a:schemeClr val="tx1"/>
+                  </a:solidFill>
+                  <a:latin typeface="メイリオ" panose="020B0604030504040204" pitchFamily="50" charset="-128"/>
+                  <a:ea typeface="メイリオ" panose="020B0604030504040204" pitchFamily="50" charset="-128"/>
+                  <a:cs typeface="メイリオ" panose="020B0604030504040204" pitchFamily="50" charset="-128"/>
+                </a:endParaRPr>
+              </a:p>
+            </p:txBody>
+          </p:sp>
+          <p:sp>
+            <p:nvSpPr>
+              <p:cNvPr id="558" name="テキスト ボックス 557"/>
+              <p:cNvSpPr txBox="1"/>
+              <p:nvPr/>
+            </p:nvSpPr>
+            <p:spPr>
+              <a:xfrm>
+                <a:off x="7916325" y="5764063"/>
+                <a:ext cx="1188319" cy="188622"/>
+              </a:xfrm>
+              <a:prstGeom prst="rect">
+                <a:avLst/>
+              </a:prstGeom>
+              <a:noFill/>
+            </p:spPr>
+            <p:txBody>
+              <a:bodyPr wrap="none" rtlCol="0">
+                <a:spAutoFit/>
+              </a:bodyPr>
+              <a:lstStyle/>
+              <a:p>
+                <a:r>
+                  <a:rPr lang="ja-JP" altLang="en-US" sz="900" b="1" u="sng" dirty="0" smtClean="0">
+                    <a:solidFill>
+                      <a:srgbClr val="FF0000"/>
+                    </a:solidFill>
+                    <a:latin typeface="メイリオ" panose="020B0604030504040204" pitchFamily="50" charset="-128"/>
+                    <a:ea typeface="メイリオ" panose="020B0604030504040204" pitchFamily="50" charset="-128"/>
+                    <a:cs typeface="メイリオ" panose="020B0604030504040204" pitchFamily="50" charset="-128"/>
+                  </a:rPr>
+                  <a:t>目標方向とズレ</a:t>
+                </a:r>
+                <a:r>
+                  <a:rPr lang="ja-JP" altLang="en-US" sz="900" b="1" u="sng" dirty="0" err="1" smtClean="0">
+                    <a:solidFill>
+                      <a:srgbClr val="FF0000"/>
+                    </a:solidFill>
+                    <a:latin typeface="メイリオ" panose="020B0604030504040204" pitchFamily="50" charset="-128"/>
+                    <a:ea typeface="メイリオ" panose="020B0604030504040204" pitchFamily="50" charset="-128"/>
+                    <a:cs typeface="メイリオ" panose="020B0604030504040204" pitchFamily="50" charset="-128"/>
+                  </a:rPr>
+                  <a:t>て</a:t>
+                </a:r>
+                <a:r>
+                  <a:rPr lang="ja-JP" altLang="en-US" sz="900" b="1" u="sng" dirty="0" smtClean="0">
+                    <a:solidFill>
+                      <a:srgbClr val="FF0000"/>
+                    </a:solidFill>
+                    <a:latin typeface="メイリオ" panose="020B0604030504040204" pitchFamily="50" charset="-128"/>
+                    <a:ea typeface="メイリオ" panose="020B0604030504040204" pitchFamily="50" charset="-128"/>
+                    <a:cs typeface="メイリオ" panose="020B0604030504040204" pitchFamily="50" charset="-128"/>
+                  </a:rPr>
+                  <a:t>しまう</a:t>
+                </a:r>
+                <a:endParaRPr kumimoji="1" lang="ja-JP" altLang="en-US" sz="900" b="1" u="sng" dirty="0">
+                  <a:solidFill>
+                    <a:srgbClr val="FF0000"/>
+                  </a:solidFill>
+                  <a:latin typeface="メイリオ" panose="020B0604030504040204" pitchFamily="50" charset="-128"/>
+                  <a:ea typeface="メイリオ" panose="020B0604030504040204" pitchFamily="50" charset="-128"/>
+                  <a:cs typeface="メイリオ" panose="020B0604030504040204" pitchFamily="50" charset="-128"/>
+                </a:endParaRPr>
+              </a:p>
+            </p:txBody>
+          </p:sp>
+        </p:grpSp>
+        <p:grpSp>
+          <p:nvGrpSpPr>
+            <p:cNvPr id="537" name="グループ化 536"/>
+            <p:cNvGrpSpPr/>
+            <p:nvPr/>
+          </p:nvGrpSpPr>
+          <p:grpSpPr>
+            <a:xfrm>
+              <a:off x="8924736" y="4099067"/>
+              <a:ext cx="1755803" cy="1911843"/>
+              <a:chOff x="8651742" y="5015167"/>
+              <a:chExt cx="1755803" cy="1911843"/>
+            </a:xfrm>
+          </p:grpSpPr>
+          <p:sp>
+            <p:nvSpPr>
+              <p:cNvPr id="540" name="テキスト ボックス 539"/>
+              <p:cNvSpPr txBox="1"/>
+              <p:nvPr/>
+            </p:nvSpPr>
+            <p:spPr>
+              <a:xfrm>
+                <a:off x="8756161" y="5015167"/>
+                <a:ext cx="1429295" cy="415498"/>
+              </a:xfrm>
+              <a:prstGeom prst="rect">
+                <a:avLst/>
+              </a:prstGeom>
+              <a:solidFill>
+                <a:schemeClr val="bg1"/>
+              </a:solidFill>
+            </p:spPr>
+            <p:txBody>
+              <a:bodyPr wrap="square" rtlCol="0">
+                <a:spAutoFit/>
+              </a:bodyPr>
+              <a:lstStyle/>
+              <a:p>
+                <a:r>
+                  <a:rPr lang="ja-JP" altLang="en-US" sz="700" dirty="0" smtClean="0">
+                    <a:solidFill>
+                      <a:srgbClr val="0070C0"/>
+                    </a:solidFill>
+                    <a:latin typeface="メイリオ" panose="020B0604030504040204" pitchFamily="50" charset="-128"/>
+                    <a:ea typeface="メイリオ" panose="020B0604030504040204" pitchFamily="50" charset="-128"/>
+                    <a:cs typeface="メイリオ" panose="020B0604030504040204" pitchFamily="50" charset="-128"/>
+                  </a:rPr>
+                  <a:t>微小時間ごとに向きを検知し、</a:t>
+                </a:r>
+                <a:r>
+                  <a:rPr lang="en-US" altLang="ja-JP" sz="700" dirty="0" smtClean="0">
+                    <a:solidFill>
+                      <a:srgbClr val="0070C0"/>
+                    </a:solidFill>
+                    <a:latin typeface="メイリオ" panose="020B0604030504040204" pitchFamily="50" charset="-128"/>
+                    <a:ea typeface="メイリオ" panose="020B0604030504040204" pitchFamily="50" charset="-128"/>
+                    <a:cs typeface="メイリオ" panose="020B0604030504040204" pitchFamily="50" charset="-128"/>
+                  </a:rPr>
+                  <a:t/>
+                </a:r>
+                <a:br>
+                  <a:rPr lang="en-US" altLang="ja-JP" sz="700" dirty="0" smtClean="0">
+                    <a:solidFill>
+                      <a:srgbClr val="0070C0"/>
+                    </a:solidFill>
+                    <a:latin typeface="メイリオ" panose="020B0604030504040204" pitchFamily="50" charset="-128"/>
+                    <a:ea typeface="メイリオ" panose="020B0604030504040204" pitchFamily="50" charset="-128"/>
+                    <a:cs typeface="メイリオ" panose="020B0604030504040204" pitchFamily="50" charset="-128"/>
+                  </a:rPr>
+                </a:br>
+                <a:r>
+                  <a:rPr lang="ja-JP" altLang="en-US" sz="700" dirty="0" smtClean="0">
+                    <a:solidFill>
+                      <a:srgbClr val="0070C0"/>
+                    </a:solidFill>
+                    <a:latin typeface="メイリオ" panose="020B0604030504040204" pitchFamily="50" charset="-128"/>
+                    <a:ea typeface="メイリオ" panose="020B0604030504040204" pitchFamily="50" charset="-128"/>
+                    <a:cs typeface="メイリオ" panose="020B0604030504040204" pitchFamily="50" charset="-128"/>
+                  </a:rPr>
+                  <a:t>ズレを打ち消すように走行</a:t>
+                </a:r>
+                <a:r>
+                  <a:rPr lang="ja-JP" altLang="en-US" sz="700" dirty="0" smtClean="0">
+                    <a:solidFill>
+                      <a:srgbClr val="0070C0"/>
+                    </a:solidFill>
+                    <a:latin typeface="メイリオ" panose="020B0604030504040204" pitchFamily="50" charset="-128"/>
+                    <a:ea typeface="メイリオ" panose="020B0604030504040204" pitchFamily="50" charset="-128"/>
+                    <a:cs typeface="メイリオ" panose="020B0604030504040204" pitchFamily="50" charset="-128"/>
+                  </a:rPr>
+                  <a:t>を</a:t>
+                </a:r>
+                <a:endParaRPr lang="en-US" altLang="ja-JP" sz="700" dirty="0" smtClean="0">
+                  <a:solidFill>
+                    <a:srgbClr val="0070C0"/>
+                  </a:solidFill>
+                  <a:latin typeface="メイリオ" panose="020B0604030504040204" pitchFamily="50" charset="-128"/>
+                  <a:ea typeface="メイリオ" panose="020B0604030504040204" pitchFamily="50" charset="-128"/>
+                  <a:cs typeface="メイリオ" panose="020B0604030504040204" pitchFamily="50" charset="-128"/>
+                </a:endParaRPr>
+              </a:p>
+              <a:p>
+                <a:r>
+                  <a:rPr lang="ja-JP" altLang="en-US" sz="700" dirty="0" smtClean="0">
+                    <a:solidFill>
+                      <a:srgbClr val="0070C0"/>
+                    </a:solidFill>
+                    <a:latin typeface="メイリオ" panose="020B0604030504040204" pitchFamily="50" charset="-128"/>
+                    <a:ea typeface="メイリオ" panose="020B0604030504040204" pitchFamily="50" charset="-128"/>
+                    <a:cs typeface="メイリオ" panose="020B0604030504040204" pitchFamily="50" charset="-128"/>
+                  </a:rPr>
+                  <a:t>補正</a:t>
+                </a:r>
+                <a:r>
+                  <a:rPr lang="ja-JP" altLang="en-US" sz="700" dirty="0" smtClean="0">
+                    <a:solidFill>
+                      <a:srgbClr val="0070C0"/>
+                    </a:solidFill>
+                    <a:latin typeface="メイリオ" panose="020B0604030504040204" pitchFamily="50" charset="-128"/>
+                    <a:ea typeface="メイリオ" panose="020B0604030504040204" pitchFamily="50" charset="-128"/>
+                    <a:cs typeface="メイリオ" panose="020B0604030504040204" pitchFamily="50" charset="-128"/>
+                  </a:rPr>
+                  <a:t>する</a:t>
+                </a:r>
+                <a:endParaRPr kumimoji="1" lang="ja-JP" altLang="en-US" sz="700" dirty="0">
+                  <a:solidFill>
+                    <a:srgbClr val="0070C0"/>
+                  </a:solidFill>
+                  <a:latin typeface="メイリオ" panose="020B0604030504040204" pitchFamily="50" charset="-128"/>
+                  <a:ea typeface="メイリオ" panose="020B0604030504040204" pitchFamily="50" charset="-128"/>
+                  <a:cs typeface="メイリオ" panose="020B0604030504040204" pitchFamily="50" charset="-128"/>
+                </a:endParaRPr>
+              </a:p>
+            </p:txBody>
+          </p:sp>
+          <p:cxnSp>
+            <p:nvCxnSpPr>
+              <p:cNvPr id="541" name="直線コネクタ 540"/>
+              <p:cNvCxnSpPr/>
+              <p:nvPr/>
+            </p:nvCxnSpPr>
+            <p:spPr>
+              <a:xfrm>
+                <a:off x="9500904" y="5379495"/>
+                <a:ext cx="0" cy="1097674"/>
+              </a:xfrm>
+              <a:prstGeom prst="line">
+                <a:avLst/>
+              </a:prstGeom>
+              <a:ln w="152400">
+                <a:solidFill>
+                  <a:schemeClr val="tx1"/>
+                </a:solidFill>
+              </a:ln>
+            </p:spPr>
+            <p:style>
+              <a:lnRef idx="1">
+                <a:schemeClr val="accent1"/>
+              </a:lnRef>
+              <a:fillRef idx="0">
+                <a:schemeClr val="accent1"/>
+              </a:fillRef>
+              <a:effectRef idx="0">
+                <a:schemeClr val="accent1"/>
+              </a:effectRef>
+              <a:fontRef idx="minor">
+                <a:schemeClr val="tx1"/>
+              </a:fontRef>
+            </p:style>
+          </p:cxnSp>
+          <p:grpSp>
+            <p:nvGrpSpPr>
+              <p:cNvPr id="542" name="グループ化 541"/>
+              <p:cNvGrpSpPr/>
+              <p:nvPr/>
+            </p:nvGrpSpPr>
+            <p:grpSpPr>
+              <a:xfrm rot="10800000">
+                <a:off x="9210140" y="6242854"/>
+                <a:ext cx="574352" cy="521855"/>
+                <a:chOff x="5476401" y="2958805"/>
+                <a:chExt cx="578693" cy="525800"/>
+              </a:xfrm>
+            </p:grpSpPr>
+            <p:sp>
+              <p:nvSpPr>
+                <p:cNvPr id="549" name="角丸四角形 548"/>
+                <p:cNvSpPr/>
+                <p:nvPr/>
+              </p:nvSpPr>
+              <p:spPr>
+                <a:xfrm>
+                  <a:off x="5476401" y="3079716"/>
+                  <a:ext cx="71783" cy="283978"/>
+                </a:xfrm>
+                <a:prstGeom prst="roundRect">
+                  <a:avLst>
+                    <a:gd name="adj" fmla="val 50000"/>
+                  </a:avLst>
+                </a:prstGeom>
+                <a:solidFill>
+                  <a:schemeClr val="bg2">
+                    <a:lumMod val="50000"/>
+                  </a:schemeClr>
+                </a:solidFill>
+                <a:ln>
+                  <a:solidFill>
+                    <a:schemeClr val="tx1"/>
+                  </a:solidFill>
+                </a:ln>
+              </p:spPr>
+              <p:style>
+                <a:lnRef idx="2">
+                  <a:schemeClr val="accent1">
+                    <a:shade val="50000"/>
+                  </a:schemeClr>
+                </a:lnRef>
+                <a:fillRef idx="1">
+                  <a:schemeClr val="accent1"/>
+                </a:fillRef>
+                <a:effectRef idx="0">
+                  <a:schemeClr val="accent1"/>
+                </a:effectRef>
+                <a:fontRef idx="minor">
+                  <a:schemeClr val="lt1"/>
+                </a:fontRef>
+              </p:style>
+              <p:txBody>
+                <a:bodyPr rtlCol="0" anchor="ctr"/>
+                <a:lstStyle/>
+                <a:p>
+                  <a:pPr algn="ctr"/>
+                  <a:endParaRPr kumimoji="1" lang="ja-JP" altLang="en-US" sz="900" dirty="0">
+                    <a:latin typeface="メイリオ" panose="020B0604030504040204" pitchFamily="50" charset="-128"/>
+                    <a:ea typeface="メイリオ" panose="020B0604030504040204" pitchFamily="50" charset="-128"/>
+                    <a:cs typeface="メイリオ" panose="020B0604030504040204" pitchFamily="50" charset="-128"/>
+                  </a:endParaRPr>
+                </a:p>
+              </p:txBody>
+            </p:sp>
+            <p:sp>
+              <p:nvSpPr>
+                <p:cNvPr id="550" name="正方形/長方形 549"/>
+                <p:cNvSpPr/>
+                <p:nvPr/>
+              </p:nvSpPr>
+              <p:spPr>
+                <a:xfrm>
+                  <a:off x="5548184" y="2958805"/>
+                  <a:ext cx="432486" cy="525800"/>
+                </a:xfrm>
+                <a:prstGeom prst="rect">
+                  <a:avLst/>
+                </a:prstGeom>
+                <a:solidFill>
+                  <a:schemeClr val="bg2"/>
+                </a:solidFill>
+                <a:ln>
+                  <a:solidFill>
+                    <a:schemeClr val="tx1"/>
+                  </a:solidFill>
+                </a:ln>
+              </p:spPr>
+              <p:style>
+                <a:lnRef idx="2">
+                  <a:schemeClr val="accent1">
+                    <a:shade val="50000"/>
+                  </a:schemeClr>
+                </a:lnRef>
+                <a:fillRef idx="1">
+                  <a:schemeClr val="accent1"/>
+                </a:fillRef>
+                <a:effectRef idx="0">
+                  <a:schemeClr val="accent1"/>
+                </a:effectRef>
+                <a:fontRef idx="minor">
+                  <a:schemeClr val="lt1"/>
+                </a:fontRef>
+              </p:style>
+              <p:txBody>
+                <a:bodyPr rtlCol="0" anchor="ctr"/>
+                <a:lstStyle/>
+                <a:p>
+                  <a:pPr algn="ctr"/>
+                  <a:endParaRPr kumimoji="1" lang="ja-JP" altLang="en-US" sz="900">
+                    <a:latin typeface="メイリオ" panose="020B0604030504040204" pitchFamily="50" charset="-128"/>
+                    <a:ea typeface="メイリオ" panose="020B0604030504040204" pitchFamily="50" charset="-128"/>
+                    <a:cs typeface="メイリオ" panose="020B0604030504040204" pitchFamily="50" charset="-128"/>
+                  </a:endParaRPr>
+                </a:p>
+              </p:txBody>
+            </p:sp>
+            <p:sp>
+              <p:nvSpPr>
+                <p:cNvPr id="551" name="角丸四角形 550"/>
+                <p:cNvSpPr/>
+                <p:nvPr/>
+              </p:nvSpPr>
+              <p:spPr>
+                <a:xfrm>
+                  <a:off x="5983311" y="3079716"/>
+                  <a:ext cx="71783" cy="283978"/>
+                </a:xfrm>
+                <a:prstGeom prst="roundRect">
+                  <a:avLst>
+                    <a:gd name="adj" fmla="val 50000"/>
+                  </a:avLst>
+                </a:prstGeom>
+                <a:solidFill>
+                  <a:schemeClr val="bg2">
+                    <a:lumMod val="50000"/>
+                  </a:schemeClr>
+                </a:solidFill>
+                <a:ln>
+                  <a:solidFill>
+                    <a:schemeClr val="tx1"/>
+                  </a:solidFill>
+                </a:ln>
+              </p:spPr>
+              <p:style>
+                <a:lnRef idx="2">
+                  <a:schemeClr val="accent1">
+                    <a:shade val="50000"/>
+                  </a:schemeClr>
+                </a:lnRef>
+                <a:fillRef idx="1">
+                  <a:schemeClr val="accent1"/>
+                </a:fillRef>
+                <a:effectRef idx="0">
+                  <a:schemeClr val="accent1"/>
+                </a:effectRef>
+                <a:fontRef idx="minor">
+                  <a:schemeClr val="lt1"/>
+                </a:fontRef>
+              </p:style>
+              <p:txBody>
+                <a:bodyPr rtlCol="0" anchor="ctr"/>
+                <a:lstStyle/>
+                <a:p>
+                  <a:pPr algn="ctr"/>
+                  <a:endParaRPr kumimoji="1" lang="ja-JP" altLang="en-US" sz="900" dirty="0">
+                    <a:latin typeface="メイリオ" panose="020B0604030504040204" pitchFamily="50" charset="-128"/>
+                    <a:ea typeface="メイリオ" panose="020B0604030504040204" pitchFamily="50" charset="-128"/>
+                    <a:cs typeface="メイリオ" panose="020B0604030504040204" pitchFamily="50" charset="-128"/>
+                  </a:endParaRPr>
+                </a:p>
+              </p:txBody>
+            </p:sp>
+          </p:grpSp>
+          <p:cxnSp>
+            <p:nvCxnSpPr>
+              <p:cNvPr id="543" name="直線矢印コネクタ 542"/>
+              <p:cNvCxnSpPr/>
+              <p:nvPr/>
+            </p:nvCxnSpPr>
+            <p:spPr>
+              <a:xfrm flipV="1">
+                <a:off x="9496524" y="5379495"/>
+                <a:ext cx="0" cy="863359"/>
+              </a:xfrm>
+              <a:prstGeom prst="straightConnector1">
+                <a:avLst/>
+              </a:prstGeom>
+              <a:ln w="50800">
+                <a:solidFill>
+                  <a:schemeClr val="accent4"/>
+                </a:solidFill>
+                <a:tailEnd type="triangle"/>
+              </a:ln>
+            </p:spPr>
+            <p:style>
+              <a:lnRef idx="1">
+                <a:schemeClr val="accent1"/>
+              </a:lnRef>
+              <a:fillRef idx="0">
+                <a:schemeClr val="accent1"/>
+              </a:fillRef>
+              <a:effectRef idx="0">
+                <a:schemeClr val="accent1"/>
+              </a:effectRef>
+              <a:fontRef idx="minor">
+                <a:schemeClr val="tx1"/>
+              </a:fontRef>
+            </p:style>
+          </p:cxnSp>
+          <p:cxnSp>
+            <p:nvCxnSpPr>
+              <p:cNvPr id="544" name="直線矢印コネクタ 543"/>
+              <p:cNvCxnSpPr/>
+              <p:nvPr/>
+            </p:nvCxnSpPr>
+            <p:spPr>
+              <a:xfrm flipH="1" flipV="1">
+                <a:off x="9401193" y="5741986"/>
+                <a:ext cx="109231" cy="496699"/>
+              </a:xfrm>
+              <a:prstGeom prst="straightConnector1">
+                <a:avLst/>
+              </a:prstGeom>
+              <a:ln w="50800">
+                <a:solidFill>
+                  <a:srgbClr val="92D050"/>
+                </a:solidFill>
+                <a:tailEnd type="triangle"/>
+              </a:ln>
+            </p:spPr>
+            <p:style>
+              <a:lnRef idx="1">
+                <a:schemeClr val="accent1"/>
+              </a:lnRef>
+              <a:fillRef idx="0">
+                <a:schemeClr val="accent1"/>
+              </a:fillRef>
+              <a:effectRef idx="0">
+                <a:schemeClr val="accent1"/>
+              </a:effectRef>
+              <a:fontRef idx="minor">
+                <a:schemeClr val="tx1"/>
+              </a:fontRef>
+            </p:style>
+          </p:cxnSp>
+          <p:cxnSp>
+            <p:nvCxnSpPr>
+              <p:cNvPr id="545" name="直線矢印コネクタ 544"/>
+              <p:cNvCxnSpPr/>
+              <p:nvPr/>
+            </p:nvCxnSpPr>
+            <p:spPr>
+              <a:xfrm flipV="1">
+                <a:off x="9409699" y="5409538"/>
+                <a:ext cx="84951" cy="344186"/>
+              </a:xfrm>
+              <a:prstGeom prst="straightConnector1">
+                <a:avLst/>
+              </a:prstGeom>
+              <a:ln w="50800">
+                <a:solidFill>
+                  <a:srgbClr val="92D050"/>
+                </a:solidFill>
+                <a:tailEnd type="triangle"/>
+              </a:ln>
+            </p:spPr>
+            <p:style>
+              <a:lnRef idx="1">
+                <a:schemeClr val="accent1"/>
+              </a:lnRef>
+              <a:fillRef idx="0">
+                <a:schemeClr val="accent1"/>
+              </a:fillRef>
+              <a:effectRef idx="0">
+                <a:schemeClr val="accent1"/>
+              </a:effectRef>
+              <a:fontRef idx="minor">
+                <a:schemeClr val="tx1"/>
+              </a:fontRef>
+            </p:style>
+          </p:cxnSp>
+          <p:sp>
+            <p:nvSpPr>
+              <p:cNvPr id="546" name="四角形吹き出し 545"/>
+              <p:cNvSpPr/>
+              <p:nvPr/>
+            </p:nvSpPr>
+            <p:spPr>
+              <a:xfrm>
+                <a:off x="9799275" y="5379495"/>
+                <a:ext cx="608270" cy="275217"/>
+              </a:xfrm>
+              <a:prstGeom prst="wedgeRectCallout">
+                <a:avLst>
+                  <a:gd name="adj1" fmla="val -93278"/>
+                  <a:gd name="adj2" fmla="val 40790"/>
+                </a:avLst>
+              </a:prstGeom>
+              <a:solidFill>
+                <a:schemeClr val="bg1"/>
+              </a:solidFill>
+            </p:spPr>
+            <p:style>
+              <a:lnRef idx="2">
+                <a:schemeClr val="accent1">
+                  <a:shade val="50000"/>
+                </a:schemeClr>
+              </a:lnRef>
+              <a:fillRef idx="1">
+                <a:schemeClr val="accent1"/>
+              </a:fillRef>
+              <a:effectRef idx="0">
+                <a:schemeClr val="accent1"/>
+              </a:effectRef>
+              <a:fontRef idx="minor">
+                <a:schemeClr val="lt1"/>
+              </a:fontRef>
+            </p:style>
+            <p:txBody>
+              <a:bodyPr rtlCol="0" anchor="ctr"/>
+              <a:lstStyle/>
+              <a:p>
+                <a:pPr algn="ctr"/>
+                <a:r>
+                  <a:rPr kumimoji="1" lang="ja-JP" altLang="en-US" sz="600" dirty="0" smtClean="0">
+                    <a:solidFill>
+                      <a:schemeClr val="tx1"/>
+                    </a:solidFill>
+                    <a:latin typeface="メイリオ" panose="020B0604030504040204" pitchFamily="50" charset="-128"/>
+                    <a:ea typeface="メイリオ" panose="020B0604030504040204" pitchFamily="50" charset="-128"/>
+                    <a:cs typeface="メイリオ" panose="020B0604030504040204" pitchFamily="50" charset="-128"/>
+                  </a:rPr>
+                  <a:t>目標の進行方向</a:t>
+                </a:r>
+                <a:endParaRPr kumimoji="1" lang="ja-JP" altLang="en-US" sz="600" dirty="0">
+                  <a:solidFill>
+                    <a:schemeClr val="tx1"/>
+                  </a:solidFill>
+                  <a:latin typeface="メイリオ" panose="020B0604030504040204" pitchFamily="50" charset="-128"/>
+                  <a:ea typeface="メイリオ" panose="020B0604030504040204" pitchFamily="50" charset="-128"/>
+                  <a:cs typeface="メイリオ" panose="020B0604030504040204" pitchFamily="50" charset="-128"/>
+                </a:endParaRPr>
+              </a:p>
+            </p:txBody>
+          </p:sp>
+          <p:sp>
+            <p:nvSpPr>
+              <p:cNvPr id="547" name="四角形吹き出し 546"/>
+              <p:cNvSpPr/>
+              <p:nvPr/>
+            </p:nvSpPr>
+            <p:spPr>
+              <a:xfrm>
+                <a:off x="9774610" y="5913589"/>
+                <a:ext cx="608270" cy="275217"/>
+              </a:xfrm>
+              <a:prstGeom prst="wedgeRectCallout">
+                <a:avLst>
+                  <a:gd name="adj1" fmla="val -110428"/>
+                  <a:gd name="adj2" fmla="val -124783"/>
+                </a:avLst>
+              </a:prstGeom>
+              <a:solidFill>
+                <a:schemeClr val="bg1"/>
+              </a:solidFill>
+            </p:spPr>
+            <p:style>
+              <a:lnRef idx="2">
+                <a:schemeClr val="accent1">
+                  <a:shade val="50000"/>
+                </a:schemeClr>
+              </a:lnRef>
+              <a:fillRef idx="1">
+                <a:schemeClr val="accent1"/>
+              </a:fillRef>
+              <a:effectRef idx="0">
+                <a:schemeClr val="accent1"/>
+              </a:effectRef>
+              <a:fontRef idx="minor">
+                <a:schemeClr val="lt1"/>
+              </a:fontRef>
+            </p:style>
+            <p:txBody>
+              <a:bodyPr rtlCol="0" anchor="ctr"/>
+              <a:lstStyle/>
+              <a:p>
+                <a:pPr algn="ctr"/>
+                <a:r>
+                  <a:rPr kumimoji="1" lang="ja-JP" altLang="en-US" sz="600" dirty="0" smtClean="0">
+                    <a:solidFill>
+                      <a:schemeClr val="tx1"/>
+                    </a:solidFill>
+                    <a:latin typeface="メイリオ" panose="020B0604030504040204" pitchFamily="50" charset="-128"/>
+                    <a:ea typeface="メイリオ" panose="020B0604030504040204" pitchFamily="50" charset="-128"/>
+                    <a:cs typeface="メイリオ" panose="020B0604030504040204" pitchFamily="50" charset="-128"/>
+                  </a:rPr>
+                  <a:t>進行方向を補正する</a:t>
+                </a:r>
+                <a:endParaRPr kumimoji="1" lang="ja-JP" altLang="en-US" sz="600" dirty="0">
+                  <a:solidFill>
+                    <a:schemeClr val="tx1"/>
+                  </a:solidFill>
+                  <a:latin typeface="メイリオ" panose="020B0604030504040204" pitchFamily="50" charset="-128"/>
+                  <a:ea typeface="メイリオ" panose="020B0604030504040204" pitchFamily="50" charset="-128"/>
+                  <a:cs typeface="メイリオ" panose="020B0604030504040204" pitchFamily="50" charset="-128"/>
+                </a:endParaRPr>
+              </a:p>
+            </p:txBody>
+          </p:sp>
+          <p:sp>
+            <p:nvSpPr>
+              <p:cNvPr id="548" name="テキスト ボックス 547"/>
+              <p:cNvSpPr txBox="1"/>
+              <p:nvPr/>
+            </p:nvSpPr>
+            <p:spPr>
+              <a:xfrm>
+                <a:off x="8651742" y="6738388"/>
+                <a:ext cx="1376942" cy="188622"/>
+              </a:xfrm>
+              <a:prstGeom prst="rect">
+                <a:avLst/>
+              </a:prstGeom>
+              <a:noFill/>
+            </p:spPr>
+            <p:txBody>
+              <a:bodyPr wrap="none" rtlCol="0">
+                <a:spAutoFit/>
+              </a:bodyPr>
+              <a:lstStyle/>
+              <a:p>
+                <a:r>
+                  <a:rPr kumimoji="1" lang="ja-JP" altLang="en-US" sz="900" b="1" u="sng" dirty="0" smtClean="0">
+                    <a:solidFill>
+                      <a:srgbClr val="0070C0"/>
+                    </a:solidFill>
+                    <a:latin typeface="メイリオ" panose="020B0604030504040204" pitchFamily="50" charset="-128"/>
+                    <a:ea typeface="メイリオ" panose="020B0604030504040204" pitchFamily="50" charset="-128"/>
+                    <a:cs typeface="メイリオ" panose="020B0604030504040204" pitchFamily="50" charset="-128"/>
+                  </a:rPr>
+                  <a:t>目標方向に確実に移動させる</a:t>
+                </a:r>
+                <a:endParaRPr kumimoji="1" lang="ja-JP" altLang="en-US" sz="900" b="1" u="sng" dirty="0">
+                  <a:solidFill>
+                    <a:srgbClr val="0070C0"/>
+                  </a:solidFill>
+                  <a:latin typeface="メイリオ" panose="020B0604030504040204" pitchFamily="50" charset="-128"/>
+                  <a:ea typeface="メイリオ" panose="020B0604030504040204" pitchFamily="50" charset="-128"/>
+                  <a:cs typeface="メイリオ" panose="020B0604030504040204" pitchFamily="50" charset="-128"/>
+                </a:endParaRPr>
+              </a:p>
+            </p:txBody>
+          </p:sp>
+        </p:grpSp>
+        <p:sp>
+          <p:nvSpPr>
+            <p:cNvPr id="538" name="テキスト ボックス 537"/>
+            <p:cNvSpPr txBox="1"/>
+            <p:nvPr/>
+          </p:nvSpPr>
+          <p:spPr>
+            <a:xfrm>
+              <a:off x="5787782" y="3961413"/>
+              <a:ext cx="2190023" cy="307777"/>
+            </a:xfrm>
+            <a:prstGeom prst="rect">
+              <a:avLst/>
+            </a:prstGeom>
+            <a:noFill/>
+          </p:spPr>
+          <p:txBody>
+            <a:bodyPr wrap="none" rtlCol="0">
+              <a:spAutoFit/>
+            </a:bodyPr>
+            <a:lstStyle/>
+            <a:p>
+              <a:r>
+                <a:rPr kumimoji="1" lang="ja-JP" altLang="en-US" sz="700" dirty="0" smtClean="0">
+                  <a:latin typeface="メイリオ" panose="020B0604030504040204" pitchFamily="50" charset="-128"/>
+                  <a:ea typeface="メイリオ" panose="020B0604030504040204" pitchFamily="50" charset="-128"/>
+                  <a:cs typeface="メイリオ" panose="020B0604030504040204" pitchFamily="50" charset="-128"/>
+                </a:rPr>
+                <a:t>速度が速い場合には、同じ</a:t>
+              </a:r>
+              <a:r>
+                <a:rPr lang="en-US" altLang="ja-JP" sz="700" dirty="0">
+                  <a:latin typeface="メイリオ" panose="020B0604030504040204" pitchFamily="50" charset="-128"/>
+                  <a:ea typeface="メイリオ" panose="020B0604030504040204" pitchFamily="50" charset="-128"/>
+                  <a:cs typeface="メイリオ" panose="020B0604030504040204" pitchFamily="50" charset="-128"/>
+                </a:rPr>
+                <a:t>P</a:t>
+              </a:r>
+              <a:r>
+                <a:rPr lang="en-US" altLang="ja-JP" sz="700" dirty="0" smtClean="0">
+                  <a:latin typeface="メイリオ" panose="020B0604030504040204" pitchFamily="50" charset="-128"/>
+                  <a:ea typeface="メイリオ" panose="020B0604030504040204" pitchFamily="50" charset="-128"/>
+                  <a:cs typeface="メイリオ" panose="020B0604030504040204" pitchFamily="50" charset="-128"/>
+                </a:rPr>
+                <a:t>ower</a:t>
+              </a:r>
+              <a:r>
+                <a:rPr lang="ja-JP" altLang="en-US" sz="700" dirty="0" smtClean="0">
+                  <a:latin typeface="メイリオ" panose="020B0604030504040204" pitchFamily="50" charset="-128"/>
+                  <a:ea typeface="メイリオ" panose="020B0604030504040204" pitchFamily="50" charset="-128"/>
+                  <a:cs typeface="メイリオ" panose="020B0604030504040204" pitchFamily="50" charset="-128"/>
+                </a:rPr>
+                <a:t>値を 入力しても</a:t>
+              </a:r>
+              <a:endParaRPr lang="en-US" altLang="ja-JP" sz="700" dirty="0" smtClean="0">
+                <a:latin typeface="メイリオ" panose="020B0604030504040204" pitchFamily="50" charset="-128"/>
+                <a:ea typeface="メイリオ" panose="020B0604030504040204" pitchFamily="50" charset="-128"/>
+                <a:cs typeface="メイリオ" panose="020B0604030504040204" pitchFamily="50" charset="-128"/>
+              </a:endParaRPr>
+            </a:p>
+            <a:p>
+              <a:r>
+                <a:rPr lang="ja-JP" altLang="en-US" sz="700" dirty="0" smtClean="0">
+                  <a:latin typeface="メイリオ" panose="020B0604030504040204" pitchFamily="50" charset="-128"/>
+                  <a:ea typeface="メイリオ" panose="020B0604030504040204" pitchFamily="50" charset="-128"/>
+                  <a:cs typeface="メイリオ" panose="020B0604030504040204" pitchFamily="50" charset="-128"/>
+                </a:rPr>
+                <a:t>左右</a:t>
+              </a:r>
+              <a:r>
+                <a:rPr kumimoji="1" lang="ja-JP" altLang="en-US" sz="700" dirty="0" smtClean="0">
+                  <a:latin typeface="メイリオ" panose="020B0604030504040204" pitchFamily="50" charset="-128"/>
+                  <a:ea typeface="メイリオ" panose="020B0604030504040204" pitchFamily="50" charset="-128"/>
+                  <a:cs typeface="メイリオ" panose="020B0604030504040204" pitchFamily="50" charset="-128"/>
+                </a:rPr>
+                <a:t>タイヤの進む距離には差</a:t>
+              </a:r>
+              <a:r>
+                <a:rPr kumimoji="1" lang="ja-JP" altLang="en-US" sz="700" dirty="0" smtClean="0">
+                  <a:latin typeface="メイリオ" panose="020B0604030504040204" pitchFamily="50" charset="-128"/>
+                  <a:ea typeface="メイリオ" panose="020B0604030504040204" pitchFamily="50" charset="-128"/>
+                  <a:cs typeface="メイリオ" panose="020B0604030504040204" pitchFamily="50" charset="-128"/>
+                </a:rPr>
+                <a:t>が</a:t>
+              </a:r>
+              <a:r>
+                <a:rPr kumimoji="1" lang="ja-JP" altLang="en-US" sz="700" dirty="0" smtClean="0">
+                  <a:latin typeface="メイリオ" panose="020B0604030504040204" pitchFamily="50" charset="-128"/>
+                  <a:ea typeface="メイリオ" panose="020B0604030504040204" pitchFamily="50" charset="-128"/>
+                  <a:cs typeface="メイリオ" panose="020B0604030504040204" pitchFamily="50" charset="-128"/>
+                </a:rPr>
+                <a:t>生じる。</a:t>
+              </a:r>
+              <a:endParaRPr kumimoji="1" lang="ja-JP" altLang="en-US" sz="700" dirty="0">
+                <a:latin typeface="メイリオ" panose="020B0604030504040204" pitchFamily="50" charset="-128"/>
+                <a:ea typeface="メイリオ" panose="020B0604030504040204" pitchFamily="50" charset="-128"/>
+                <a:cs typeface="メイリオ" panose="020B0604030504040204" pitchFamily="50" charset="-128"/>
+              </a:endParaRPr>
+            </a:p>
+          </p:txBody>
+        </p:sp>
+        <p:sp>
+          <p:nvSpPr>
+            <p:cNvPr id="539" name="右矢印 538"/>
+            <p:cNvSpPr/>
+            <p:nvPr/>
+          </p:nvSpPr>
+          <p:spPr>
+            <a:xfrm>
+              <a:off x="8940771" y="4755792"/>
+              <a:ext cx="276769" cy="503439"/>
+            </a:xfrm>
+            <a:prstGeom prst="rightArrow">
+              <a:avLst/>
+            </a:prstGeom>
+          </p:spPr>
+          <p:style>
+            <a:lnRef idx="2">
+              <a:schemeClr val="accent1">
+                <a:shade val="50000"/>
+              </a:schemeClr>
+            </a:lnRef>
+            <a:fillRef idx="1">
+              <a:schemeClr val="accent1"/>
+            </a:fillRef>
+            <a:effectRef idx="0">
+              <a:schemeClr val="accent1"/>
+            </a:effectRef>
+            <a:fontRef idx="minor">
+              <a:schemeClr val="lt1"/>
+            </a:fontRef>
+          </p:style>
+          <p:txBody>
+            <a:bodyPr rtlCol="0" anchor="ctr"/>
+            <a:lstStyle/>
+            <a:p>
+              <a:pPr algn="ctr"/>
+              <a:endParaRPr kumimoji="1" lang="ja-JP" altLang="en-US"/>
+            </a:p>
+          </p:txBody>
+        </p:sp>
+      </p:grpSp>
     </p:spTree>
     <p:extLst>
       <p:ext uri="{BB962C8B-B14F-4D97-AF65-F5344CB8AC3E}">

--- a/design/2016/models/3_control_model.pptx
+++ b/design/2016/models/3_control_model.pptx
@@ -383,11 +383,11 @@
           <c:showPercent val="0"/>
           <c:showBubbleSize val="0"/>
         </c:dLbls>
-        <c:axId val="393273576"/>
-        <c:axId val="393273968"/>
+        <c:axId val="648012480"/>
+        <c:axId val="648012088"/>
       </c:scatterChart>
       <c:valAx>
-        <c:axId val="393273576"/>
+        <c:axId val="648012480"/>
         <c:scaling>
           <c:orientation val="minMax"/>
           <c:max val="100"/>
@@ -507,13 +507,13 @@
             <a:endParaRPr lang="ja-JP"/>
           </a:p>
         </c:txPr>
-        <c:crossAx val="393273968"/>
+        <c:crossAx val="648012088"/>
         <c:crosses val="autoZero"/>
         <c:crossBetween val="midCat"/>
         <c:majorUnit val="10"/>
       </c:valAx>
       <c:valAx>
-        <c:axId val="393273968"/>
+        <c:axId val="648012088"/>
         <c:scaling>
           <c:orientation val="minMax"/>
           <c:max val="5000"/>
@@ -637,7 +637,7 @@
             <a:endParaRPr lang="ja-JP"/>
           </a:p>
         </c:txPr>
-        <c:crossAx val="393273576"/>
+        <c:crossAx val="648012480"/>
         <c:crosses val="autoZero"/>
         <c:crossBetween val="midCat"/>
       </c:valAx>
@@ -6384,15 +6384,7 @@
                 <a:ea typeface="メイリオ" panose="020B0604030504040204" pitchFamily="50" charset="-128"/>
                 <a:cs typeface="メイリオ" panose="020B0604030504040204" pitchFamily="50" charset="-128"/>
               </a:rPr>
-              <a:t>度周辺</a:t>
-            </a:r>
-            <a:r>
-              <a:rPr lang="ja-JP" altLang="en-US" sz="700" dirty="0" smtClean="0">
-                <a:latin typeface="メイリオ" panose="020B0604030504040204" pitchFamily="50" charset="-128"/>
-                <a:ea typeface="メイリオ" panose="020B0604030504040204" pitchFamily="50" charset="-128"/>
-                <a:cs typeface="メイリオ" panose="020B0604030504040204" pitchFamily="50" charset="-128"/>
-              </a:rPr>
-              <a:t>で</a:t>
+              <a:t>度周辺で</a:t>
             </a:r>
             <a:r>
               <a:rPr lang="en-US" altLang="ja-JP" sz="700" dirty="0" smtClean="0">
@@ -6415,23 +6407,7 @@
                 <a:ea typeface="メイリオ" panose="020B0604030504040204" pitchFamily="50" charset="-128"/>
                 <a:cs typeface="メイリオ" panose="020B0604030504040204" pitchFamily="50" charset="-128"/>
               </a:rPr>
-              <a:t>色</a:t>
-            </a:r>
-            <a:r>
-              <a:rPr lang="ja-JP" altLang="en-US" sz="700" dirty="0" smtClean="0">
-                <a:latin typeface="メイリオ" panose="020B0604030504040204" pitchFamily="50" charset="-128"/>
-                <a:ea typeface="メイリオ" panose="020B0604030504040204" pitchFamily="50" charset="-128"/>
-                <a:cs typeface="メイリオ" panose="020B0604030504040204" pitchFamily="50" charset="-128"/>
-              </a:rPr>
-              <a:t>が確実に区別</a:t>
-            </a:r>
-            <a:r>
-              <a:rPr lang="ja-JP" altLang="en-US" sz="700" dirty="0" smtClean="0">
-                <a:latin typeface="メイリオ" panose="020B0604030504040204" pitchFamily="50" charset="-128"/>
-                <a:ea typeface="メイリオ" panose="020B0604030504040204" pitchFamily="50" charset="-128"/>
-                <a:cs typeface="メイリオ" panose="020B0604030504040204" pitchFamily="50" charset="-128"/>
-              </a:rPr>
-              <a:t>できる</a:t>
+              <a:t>色が確実に区別できる</a:t>
             </a:r>
             <a:r>
               <a:rPr lang="en-US" altLang="ja-JP" sz="700" dirty="0" smtClean="0">
@@ -6454,15 +6430,7 @@
                 <a:ea typeface="メイリオ" panose="020B0604030504040204" pitchFamily="50" charset="-128"/>
                 <a:cs typeface="メイリオ" panose="020B0604030504040204" pitchFamily="50" charset="-128"/>
               </a:rPr>
-              <a:t>こと</a:t>
-            </a:r>
-            <a:r>
-              <a:rPr lang="ja-JP" altLang="en-US" sz="700" dirty="0" smtClean="0">
-                <a:latin typeface="メイリオ" panose="020B0604030504040204" pitchFamily="50" charset="-128"/>
-                <a:ea typeface="メイリオ" panose="020B0604030504040204" pitchFamily="50" charset="-128"/>
-                <a:cs typeface="メイリオ" panose="020B0604030504040204" pitchFamily="50" charset="-128"/>
-              </a:rPr>
-              <a:t>がわかった。</a:t>
+              <a:t>ことがわかった。</a:t>
             </a:r>
             <a:r>
               <a:rPr lang="en-US" altLang="ja-JP" sz="700" dirty="0" smtClean="0">
@@ -6540,15 +6508,7 @@
                 <a:ea typeface="メイリオ" panose="020B0604030504040204" pitchFamily="50" charset="-128"/>
                 <a:cs typeface="メイリオ" panose="020B0604030504040204" pitchFamily="50" charset="-128"/>
               </a:rPr>
-              <a:t>黒</a:t>
-            </a:r>
-            <a:r>
-              <a:rPr lang="ja-JP" altLang="en-US" sz="700" dirty="0" smtClean="0">
-                <a:latin typeface="メイリオ" panose="020B0604030504040204" pitchFamily="50" charset="-128"/>
-                <a:ea typeface="メイリオ" panose="020B0604030504040204" pitchFamily="50" charset="-128"/>
-                <a:cs typeface="メイリオ" panose="020B0604030504040204" pitchFamily="50" charset="-128"/>
-              </a:rPr>
-              <a:t>として認識させる</a:t>
+              <a:t>黒として認識させる</a:t>
             </a:r>
             <a:r>
               <a:rPr lang="en-US" altLang="ja-JP" sz="700" dirty="0" smtClean="0">
@@ -6566,8 +6526,8 @@
           </a:p>
         </p:txBody>
       </p:sp>
-      <mc:AlternateContent xmlns:mc="http://schemas.openxmlformats.org/markup-compatibility/2006">
-        <mc:Choice xmlns:a14="http://schemas.microsoft.com/office/drawing/2010/main" Requires="a14">
+      <mc:AlternateContent xmlns:mc="http://schemas.openxmlformats.org/markup-compatibility/2006" xmlns:a14="http://schemas.microsoft.com/office/drawing/2010/main">
+        <mc:Choice Requires="a14">
           <p:sp>
             <p:nvSpPr>
               <p:cNvPr id="167" name="テキスト ボックス 166"/>
@@ -6629,15 +6589,7 @@
                     <a:ea typeface="メイリオ" panose="020B0604030504040204" pitchFamily="50" charset="-128"/>
                     <a:cs typeface="メイリオ" panose="020B0604030504040204" pitchFamily="50" charset="-128"/>
                   </a:rPr>
-                  <a:t>：</a:t>
-                </a:r>
-                <a:r>
-                  <a:rPr lang="ja-JP" altLang="en-US" sz="800" dirty="0" smtClean="0">
-                    <a:latin typeface="メイリオ" panose="020B0604030504040204" pitchFamily="50" charset="-128"/>
-                    <a:ea typeface="メイリオ" panose="020B0604030504040204" pitchFamily="50" charset="-128"/>
-                    <a:cs typeface="メイリオ" panose="020B0604030504040204" pitchFamily="50" charset="-128"/>
-                  </a:rPr>
-                  <a:t> </a:t>
+                  <a:t>： </a:t>
                 </a:r>
                 <a14:m>
                   <m:oMath xmlns:m="http://schemas.openxmlformats.org/officeDocument/2006/math">
@@ -6974,15 +6926,7 @@
                     <a:ea typeface="メイリオ" panose="020B0604030504040204" pitchFamily="50" charset="-128"/>
                     <a:cs typeface="メイリオ" panose="020B0604030504040204" pitchFamily="50" charset="-128"/>
                   </a:rPr>
-                  <a:t>走行体の</a:t>
-                </a:r>
-                <a:r>
-                  <a:rPr lang="ja-JP" altLang="en-US" sz="800" dirty="0" smtClean="0">
-                    <a:latin typeface="メイリオ" panose="020B0604030504040204" pitchFamily="50" charset="-128"/>
-                    <a:ea typeface="メイリオ" panose="020B0604030504040204" pitchFamily="50" charset="-128"/>
-                    <a:cs typeface="メイリオ" panose="020B0604030504040204" pitchFamily="50" charset="-128"/>
-                  </a:rPr>
-                  <a:t>座標</a:t>
+                  <a:t>走行体の座標</a:t>
                 </a:r>
                 <a:r>
                   <a:rPr lang="en-US" altLang="ja-JP" sz="800" dirty="0" smtClean="0">
@@ -7409,7 +7353,7 @@
             </p:txBody>
           </p:sp>
         </mc:Choice>
-        <mc:Fallback>
+        <mc:Fallback xmlns="">
           <p:sp>
             <p:nvSpPr>
               <p:cNvPr id="167" name="テキスト ボックス 166"/>
@@ -7448,8 +7392,8 @@
           </p:sp>
         </mc:Fallback>
       </mc:AlternateContent>
-      <mc:AlternateContent xmlns:mc="http://schemas.openxmlformats.org/markup-compatibility/2006">
-        <mc:Choice xmlns:a14="http://schemas.microsoft.com/office/drawing/2010/main" Requires="a14">
+      <mc:AlternateContent xmlns:mc="http://schemas.openxmlformats.org/markup-compatibility/2006" xmlns:a14="http://schemas.microsoft.com/office/drawing/2010/main">
+        <mc:Choice Requires="a14">
           <p:sp>
             <p:nvSpPr>
               <p:cNvPr id="180" name="テキスト ボックス 179"/>
@@ -7706,7 +7650,7 @@
             </p:txBody>
           </p:sp>
         </mc:Choice>
-        <mc:Fallback>
+        <mc:Fallback xmlns="">
           <p:sp>
             <p:nvSpPr>
               <p:cNvPr id="180" name="テキスト ボックス 179"/>
@@ -7781,23 +7725,7 @@
                 <a:ea typeface="メイリオ" panose="020B0604030504040204" pitchFamily="50" charset="-128"/>
                 <a:cs typeface="メイリオ" panose="020B0604030504040204" pitchFamily="50" charset="-128"/>
               </a:rPr>
-              <a:t>直進</a:t>
-            </a:r>
-            <a:r>
-              <a:rPr lang="ja-JP" altLang="en-US" sz="800" dirty="0" smtClean="0">
-                <a:latin typeface="メイリオ" panose="020B0604030504040204" pitchFamily="50" charset="-128"/>
-                <a:ea typeface="メイリオ" panose="020B0604030504040204" pitchFamily="50" charset="-128"/>
-                <a:cs typeface="メイリオ" panose="020B0604030504040204" pitchFamily="50" charset="-128"/>
-              </a:rPr>
-              <a:t>時は無限大と</a:t>
-            </a:r>
-            <a:r>
-              <a:rPr lang="ja-JP" altLang="en-US" sz="800" dirty="0" smtClean="0">
-                <a:latin typeface="メイリオ" panose="020B0604030504040204" pitchFamily="50" charset="-128"/>
-                <a:ea typeface="メイリオ" panose="020B0604030504040204" pitchFamily="50" charset="-128"/>
-                <a:cs typeface="メイリオ" panose="020B0604030504040204" pitchFamily="50" charset="-128"/>
-              </a:rPr>
-              <a:t>なる</a:t>
+              <a:t>直進時は無限大となる</a:t>
             </a:r>
             <a:r>
               <a:rPr lang="en-US" altLang="ja-JP" sz="800" dirty="0">
@@ -7815,8 +7743,8 @@
           </a:p>
         </p:txBody>
       </p:sp>
-      <mc:AlternateContent xmlns:mc="http://schemas.openxmlformats.org/markup-compatibility/2006">
-        <mc:Choice xmlns:a14="http://schemas.microsoft.com/office/drawing/2010/main" Requires="a14">
+      <mc:AlternateContent xmlns:mc="http://schemas.openxmlformats.org/markup-compatibility/2006" xmlns:a14="http://schemas.microsoft.com/office/drawing/2010/main">
+        <mc:Choice Requires="a14">
           <p:sp>
             <p:nvSpPr>
               <p:cNvPr id="183" name="テキスト ボックス 182"/>
@@ -8045,7 +7973,7 @@
             </p:txBody>
           </p:sp>
         </mc:Choice>
-        <mc:Fallback>
+        <mc:Fallback xmlns="">
           <p:sp>
             <p:nvSpPr>
               <p:cNvPr id="183" name="テキスト ボックス 182"/>
@@ -8084,8 +8012,8 @@
           </p:sp>
         </mc:Fallback>
       </mc:AlternateContent>
-      <mc:AlternateContent xmlns:mc="http://schemas.openxmlformats.org/markup-compatibility/2006">
-        <mc:Choice xmlns:a14="http://schemas.microsoft.com/office/drawing/2010/main" Requires="a14">
+      <mc:AlternateContent xmlns:mc="http://schemas.openxmlformats.org/markup-compatibility/2006" xmlns:a14="http://schemas.microsoft.com/office/drawing/2010/main">
+        <mc:Choice Requires="a14">
           <p:sp>
             <p:nvSpPr>
               <p:cNvPr id="188" name="テキスト ボックス 187"/>
@@ -8419,7 +8347,7 @@
             </p:txBody>
           </p:sp>
         </mc:Choice>
-        <mc:Fallback>
+        <mc:Fallback xmlns="">
           <p:sp>
             <p:nvSpPr>
               <p:cNvPr id="188" name="テキスト ボックス 187"/>
@@ -9153,18 +9081,7 @@
                 <a:ea typeface="メイリオ" panose="020B0604030504040204" pitchFamily="50" charset="-128"/>
                 <a:cs typeface="メイリオ" panose="020B0604030504040204" pitchFamily="50" charset="-128"/>
               </a:rPr>
-              <a:t>横線を通過するとき</a:t>
-            </a:r>
-            <a:r>
-              <a:rPr lang="ja-JP" altLang="en-US" sz="700" dirty="0" smtClean="0">
-                <a:solidFill>
-                  <a:schemeClr val="tx1"/>
-                </a:solidFill>
-                <a:latin typeface="メイリオ" panose="020B0604030504040204" pitchFamily="50" charset="-128"/>
-                <a:ea typeface="メイリオ" panose="020B0604030504040204" pitchFamily="50" charset="-128"/>
-                <a:cs typeface="メイリオ" panose="020B0604030504040204" pitchFamily="50" charset="-128"/>
-              </a:rPr>
-              <a:t>に自己位置推定の</a:t>
+              <a:t>横線を通過するときに自己位置推定の</a:t>
             </a:r>
             <a:r>
               <a:rPr lang="en-US" altLang="ja-JP" sz="700" dirty="0" smtClean="0">
@@ -9186,18 +9103,7 @@
                 <a:ea typeface="メイリオ" panose="020B0604030504040204" pitchFamily="50" charset="-128"/>
                 <a:cs typeface="メイリオ" panose="020B0604030504040204" pitchFamily="50" charset="-128"/>
               </a:rPr>
-              <a:t>座標</a:t>
-            </a:r>
-            <a:r>
-              <a:rPr lang="ja-JP" altLang="en-US" sz="700" dirty="0" smtClean="0">
-                <a:solidFill>
-                  <a:schemeClr val="tx1"/>
-                </a:solidFill>
-                <a:latin typeface="メイリオ" panose="020B0604030504040204" pitchFamily="50" charset="-128"/>
-                <a:ea typeface="メイリオ" panose="020B0604030504040204" pitchFamily="50" charset="-128"/>
-                <a:cs typeface="メイリオ" panose="020B0604030504040204" pitchFamily="50" charset="-128"/>
-              </a:rPr>
-              <a:t>をコースの座標に合わせる。</a:t>
+              <a:t>座標をコースの座標に合わせる。</a:t>
             </a:r>
             <a:endParaRPr kumimoji="1" lang="ja-JP" altLang="en-US" sz="700" dirty="0">
               <a:solidFill>
@@ -9491,18 +9397,7 @@
                 <a:ea typeface="メイリオ" panose="020B0604030504040204" pitchFamily="50" charset="-128"/>
                 <a:cs typeface="メイリオ" panose="020B0604030504040204" pitchFamily="50" charset="-128"/>
               </a:rPr>
-              <a:t>縦線を通過するとき</a:t>
-            </a:r>
-            <a:r>
-              <a:rPr lang="ja-JP" altLang="en-US" sz="700" dirty="0" smtClean="0">
-                <a:solidFill>
-                  <a:schemeClr val="tx1"/>
-                </a:solidFill>
-                <a:latin typeface="メイリオ" panose="020B0604030504040204" pitchFamily="50" charset="-128"/>
-                <a:ea typeface="メイリオ" panose="020B0604030504040204" pitchFamily="50" charset="-128"/>
-                <a:cs typeface="メイリオ" panose="020B0604030504040204" pitchFamily="50" charset="-128"/>
-              </a:rPr>
-              <a:t>に自己位置推定の</a:t>
+              <a:t>縦線を通過するときに自己位置推定の</a:t>
             </a:r>
             <a:r>
               <a:rPr lang="en-US" altLang="ja-JP" sz="700" dirty="0" smtClean="0">
@@ -9524,18 +9419,7 @@
                 <a:ea typeface="メイリオ" panose="020B0604030504040204" pitchFamily="50" charset="-128"/>
                 <a:cs typeface="メイリオ" panose="020B0604030504040204" pitchFamily="50" charset="-128"/>
               </a:rPr>
-              <a:t>座標</a:t>
-            </a:r>
-            <a:r>
-              <a:rPr lang="ja-JP" altLang="en-US" sz="700" dirty="0" smtClean="0">
-                <a:solidFill>
-                  <a:schemeClr val="tx1"/>
-                </a:solidFill>
-                <a:latin typeface="メイリオ" panose="020B0604030504040204" pitchFamily="50" charset="-128"/>
-                <a:ea typeface="メイリオ" panose="020B0604030504040204" pitchFamily="50" charset="-128"/>
-                <a:cs typeface="メイリオ" panose="020B0604030504040204" pitchFamily="50" charset="-128"/>
-              </a:rPr>
-              <a:t>をコースの座標に合わせる。</a:t>
+              <a:t>座標をコースの座標に合わせる。</a:t>
             </a:r>
             <a:endParaRPr kumimoji="1" lang="ja-JP" altLang="en-US" sz="700" dirty="0">
               <a:solidFill>
@@ -9695,15 +9579,7 @@
                 <a:ea typeface="メイリオ" panose="020B0604030504040204" pitchFamily="50" charset="-128"/>
                 <a:cs typeface="メイリオ" panose="020B0604030504040204" pitchFamily="50" charset="-128"/>
               </a:rPr>
-              <a:t>色</a:t>
-            </a:r>
-            <a:r>
-              <a:rPr lang="ja-JP" altLang="en-US" sz="600" dirty="0" smtClean="0">
-                <a:latin typeface="メイリオ" panose="020B0604030504040204" pitchFamily="50" charset="-128"/>
-                <a:ea typeface="メイリオ" panose="020B0604030504040204" pitchFamily="50" charset="-128"/>
-                <a:cs typeface="メイリオ" panose="020B0604030504040204" pitchFamily="50" charset="-128"/>
-              </a:rPr>
-              <a:t>認識</a:t>
+              <a:t>色認識</a:t>
             </a:r>
             <a:endParaRPr lang="en-US" altLang="ja-JP" sz="600" dirty="0" smtClean="0">
               <a:latin typeface="メイリオ" panose="020B0604030504040204" pitchFamily="50" charset="-128"/>
@@ -9741,15 +9617,7 @@
                 <a:ea typeface="メイリオ" panose="020B0604030504040204" pitchFamily="50" charset="-128"/>
                 <a:cs typeface="メイリオ" panose="020B0604030504040204" pitchFamily="50" charset="-128"/>
               </a:rPr>
-              <a:t>車輪</a:t>
-            </a:r>
-            <a:r>
-              <a:rPr lang="ja-JP" altLang="en-US" sz="600" dirty="0" smtClean="0">
-                <a:latin typeface="メイリオ" panose="020B0604030504040204" pitchFamily="50" charset="-128"/>
-                <a:ea typeface="メイリオ" panose="020B0604030504040204" pitchFamily="50" charset="-128"/>
-                <a:cs typeface="メイリオ" panose="020B0604030504040204" pitchFamily="50" charset="-128"/>
-              </a:rPr>
-              <a:t>制御</a:t>
+              <a:t>車輪制御</a:t>
             </a:r>
             <a:endParaRPr lang="en-US" altLang="ja-JP" sz="600" dirty="0" smtClean="0">
               <a:latin typeface="メイリオ" panose="020B0604030504040204" pitchFamily="50" charset="-128"/>
@@ -9791,15 +9659,7 @@
                 <a:ea typeface="メイリオ" panose="020B0604030504040204" pitchFamily="50" charset="-128"/>
                 <a:cs typeface="メイリオ" panose="020B0604030504040204" pitchFamily="50" charset="-128"/>
               </a:rPr>
-              <a:t>走行中、カラーセンサーがサークル</a:t>
-            </a:r>
-            <a:r>
-              <a:rPr lang="ja-JP" altLang="en-US" sz="600" dirty="0" smtClean="0">
-                <a:latin typeface="メイリオ" panose="020B0604030504040204" pitchFamily="50" charset="-128"/>
-                <a:ea typeface="メイリオ" panose="020B0604030504040204" pitchFamily="50" charset="-128"/>
-                <a:cs typeface="メイリオ" panose="020B0604030504040204" pitchFamily="50" charset="-128"/>
-              </a:rPr>
-              <a:t>の色を認識する。</a:t>
+              <a:t>走行中、カラーセンサーがサークルの色を認識する。</a:t>
             </a:r>
             <a:endParaRPr lang="en-US" altLang="ja-JP" sz="600" dirty="0" smtClean="0">
               <a:latin typeface="メイリオ" panose="020B0604030504040204" pitchFamily="50" charset="-128"/>
@@ -9841,15 +9701,7 @@
                 <a:ea typeface="メイリオ" panose="020B0604030504040204" pitchFamily="50" charset="-128"/>
                 <a:cs typeface="メイリオ" panose="020B0604030504040204" pitchFamily="50" charset="-128"/>
               </a:rPr>
-              <a:t>アームを上げたときにブロックと接触しない位置</a:t>
-            </a:r>
-            <a:r>
-              <a:rPr lang="ja-JP" altLang="en-US" sz="600" dirty="0" smtClean="0">
-                <a:latin typeface="メイリオ" panose="020B0604030504040204" pitchFamily="50" charset="-128"/>
-                <a:ea typeface="メイリオ" panose="020B0604030504040204" pitchFamily="50" charset="-128"/>
-                <a:cs typeface="メイリオ" panose="020B0604030504040204" pitchFamily="50" charset="-128"/>
-              </a:rPr>
-              <a:t>ま</a:t>
+              <a:t>アームを上げたときにブロックと接触しない位置ま</a:t>
             </a:r>
             <a:r>
               <a:rPr lang="ja-JP" altLang="en-US" sz="600" dirty="0">
@@ -9865,15 +9717,7 @@
                 <a:ea typeface="メイリオ" panose="020B0604030504040204" pitchFamily="50" charset="-128"/>
                 <a:cs typeface="メイリオ" panose="020B0604030504040204" pitchFamily="50" charset="-128"/>
               </a:rPr>
-              <a:t>後退</a:t>
-            </a:r>
-            <a:r>
-              <a:rPr lang="ja-JP" altLang="en-US" sz="600" dirty="0" smtClean="0">
-                <a:latin typeface="メイリオ" panose="020B0604030504040204" pitchFamily="50" charset="-128"/>
-                <a:ea typeface="メイリオ" panose="020B0604030504040204" pitchFamily="50" charset="-128"/>
-                <a:cs typeface="メイリオ" panose="020B0604030504040204" pitchFamily="50" charset="-128"/>
-              </a:rPr>
-              <a:t>する。</a:t>
+              <a:t>後退する。</a:t>
             </a:r>
             <a:endParaRPr lang="en-US" altLang="ja-JP" sz="600" dirty="0" smtClean="0">
               <a:latin typeface="メイリオ" panose="020B0604030504040204" pitchFamily="50" charset="-128"/>
@@ -9915,15 +9759,7 @@
                 <a:ea typeface="メイリオ" panose="020B0604030504040204" pitchFamily="50" charset="-128"/>
                 <a:cs typeface="メイリオ" panose="020B0604030504040204" pitchFamily="50" charset="-128"/>
               </a:rPr>
-              <a:t>アーム</a:t>
-            </a:r>
-            <a:r>
-              <a:rPr lang="ja-JP" altLang="en-US" sz="600" dirty="0" smtClean="0">
-                <a:latin typeface="メイリオ" panose="020B0604030504040204" pitchFamily="50" charset="-128"/>
-                <a:ea typeface="メイリオ" panose="020B0604030504040204" pitchFamily="50" charset="-128"/>
-                <a:cs typeface="メイリオ" panose="020B0604030504040204" pitchFamily="50" charset="-128"/>
-              </a:rPr>
-              <a:t>をあげる</a:t>
+              <a:t>アームをあげる</a:t>
             </a:r>
             <a:r>
               <a:rPr lang="en-US" altLang="ja-JP" sz="600" dirty="0" smtClean="0">
@@ -10036,31 +9872,7 @@
                 <a:ea typeface="メイリオ" panose="020B0604030504040204" pitchFamily="50" charset="-128"/>
                 <a:cs typeface="メイリオ" panose="020B0604030504040204" pitchFamily="50" charset="-128"/>
               </a:rPr>
-              <a:t>ブロックの色以外</a:t>
-            </a:r>
-            <a:r>
-              <a:rPr lang="ja-JP" altLang="en-US" sz="600" dirty="0" smtClean="0">
-                <a:latin typeface="メイリオ" panose="020B0604030504040204" pitchFamily="50" charset="-128"/>
-                <a:ea typeface="メイリオ" panose="020B0604030504040204" pitchFamily="50" charset="-128"/>
-                <a:cs typeface="メイリオ" panose="020B0604030504040204" pitchFamily="50" charset="-128"/>
-              </a:rPr>
-              <a:t>が</a:t>
-            </a:r>
-            <a:r>
-              <a:rPr lang="ja-JP" altLang="en-US" sz="600" dirty="0" smtClean="0">
-                <a:latin typeface="メイリオ" panose="020B0604030504040204" pitchFamily="50" charset="-128"/>
-                <a:ea typeface="メイリオ" panose="020B0604030504040204" pitchFamily="50" charset="-128"/>
-                <a:cs typeface="メイリオ" panose="020B0604030504040204" pitchFamily="50" charset="-128"/>
-              </a:rPr>
-              <a:t>判定</a:t>
-            </a:r>
-            <a:r>
-              <a:rPr lang="ja-JP" altLang="en-US" sz="600" dirty="0" smtClean="0">
-                <a:latin typeface="メイリオ" panose="020B0604030504040204" pitchFamily="50" charset="-128"/>
-                <a:ea typeface="メイリオ" panose="020B0604030504040204" pitchFamily="50" charset="-128"/>
-                <a:cs typeface="メイリオ" panose="020B0604030504040204" pitchFamily="50" charset="-128"/>
-              </a:rPr>
-              <a:t>された</a:t>
+              <a:t>ブロックの色以外が判定された</a:t>
             </a:r>
             <a:r>
               <a:rPr lang="ja-JP" altLang="en-US" sz="600" dirty="0">
@@ -10076,15 +9888,7 @@
                 <a:ea typeface="メイリオ" panose="020B0604030504040204" pitchFamily="50" charset="-128"/>
                 <a:cs typeface="メイリオ" panose="020B0604030504040204" pitchFamily="50" charset="-128"/>
               </a:rPr>
-              <a:t>は、接近</a:t>
-            </a:r>
-            <a:r>
-              <a:rPr lang="ja-JP" altLang="en-US" sz="600" dirty="0" smtClean="0">
-                <a:latin typeface="メイリオ" panose="020B0604030504040204" pitchFamily="50" charset="-128"/>
-                <a:ea typeface="メイリオ" panose="020B0604030504040204" pitchFamily="50" charset="-128"/>
-                <a:cs typeface="メイリオ" panose="020B0604030504040204" pitchFamily="50" charset="-128"/>
-              </a:rPr>
-              <a:t>して再度色認識を試みる</a:t>
+              <a:t>は、接近して再度色認識を試みる</a:t>
             </a:r>
             <a:r>
               <a:rPr lang="ja-JP" altLang="en-US" sz="600" dirty="0">
@@ -31523,31 +31327,7 @@
                 <a:ea typeface="メイリオ" panose="020B0604030504040204" pitchFamily="50" charset="-128"/>
                 <a:cs typeface="メイリオ" panose="020B0604030504040204" pitchFamily="50" charset="-128"/>
               </a:rPr>
-              <a:t>加えて、</a:t>
-            </a:r>
-            <a:r>
-              <a:rPr lang="ja-JP" altLang="en-US" sz="800" dirty="0" smtClean="0">
-                <a:latin typeface="メイリオ" panose="020B0604030504040204" pitchFamily="50" charset="-128"/>
-                <a:ea typeface="メイリオ" panose="020B0604030504040204" pitchFamily="50" charset="-128"/>
-                <a:cs typeface="メイリオ" panose="020B0604030504040204" pitchFamily="50" charset="-128"/>
-              </a:rPr>
-              <a:t>下図</a:t>
-            </a:r>
-            <a:r>
-              <a:rPr lang="ja-JP" altLang="en-US" sz="800" dirty="0" smtClean="0">
-                <a:latin typeface="メイリオ" panose="020B0604030504040204" pitchFamily="50" charset="-128"/>
-                <a:ea typeface="メイリオ" panose="020B0604030504040204" pitchFamily="50" charset="-128"/>
-                <a:cs typeface="メイリオ" panose="020B0604030504040204" pitchFamily="50" charset="-128"/>
-              </a:rPr>
-              <a:t>のよう</a:t>
-            </a:r>
-            <a:r>
-              <a:rPr lang="ja-JP" altLang="en-US" sz="800" dirty="0" smtClean="0">
-                <a:latin typeface="メイリオ" panose="020B0604030504040204" pitchFamily="50" charset="-128"/>
-                <a:ea typeface="メイリオ" panose="020B0604030504040204" pitchFamily="50" charset="-128"/>
-                <a:cs typeface="メイリオ" panose="020B0604030504040204" pitchFamily="50" charset="-128"/>
-              </a:rPr>
-              <a:t>に</a:t>
+              <a:t>加えて、下図のように</a:t>
             </a:r>
             <a:r>
               <a:rPr kumimoji="1" lang="ja-JP" altLang="en-US" sz="800" dirty="0" smtClean="0">
@@ -31555,23 +31335,7 @@
                 <a:ea typeface="メイリオ" panose="020B0604030504040204" pitchFamily="50" charset="-128"/>
                 <a:cs typeface="メイリオ" panose="020B0604030504040204" pitchFamily="50" charset="-128"/>
               </a:rPr>
-              <a:t>走行</a:t>
-            </a:r>
-            <a:r>
-              <a:rPr kumimoji="1" lang="ja-JP" altLang="en-US" sz="800" dirty="0" smtClean="0">
-                <a:latin typeface="メイリオ" panose="020B0604030504040204" pitchFamily="50" charset="-128"/>
-                <a:ea typeface="メイリオ" panose="020B0604030504040204" pitchFamily="50" charset="-128"/>
-                <a:cs typeface="メイリオ" panose="020B0604030504040204" pitchFamily="50" charset="-128"/>
-              </a:rPr>
-              <a:t>速度</a:t>
-            </a:r>
-            <a:r>
-              <a:rPr kumimoji="1" lang="ja-JP" altLang="en-US" sz="800" dirty="0" smtClean="0">
-                <a:latin typeface="メイリオ" panose="020B0604030504040204" pitchFamily="50" charset="-128"/>
-                <a:ea typeface="メイリオ" panose="020B0604030504040204" pitchFamily="50" charset="-128"/>
-                <a:cs typeface="メイリオ" panose="020B0604030504040204" pitchFamily="50" charset="-128"/>
-              </a:rPr>
-              <a:t>を</a:t>
+              <a:t>走行速度を</a:t>
             </a:r>
             <a:r>
               <a:rPr lang="ja-JP" altLang="en-US" sz="800" dirty="0">
@@ -33151,8 +32915,8 @@
           </p:cxnSp>
         </p:grpSp>
       </p:grpSp>
-      <mc:AlternateContent xmlns:mc="http://schemas.openxmlformats.org/markup-compatibility/2006">
-        <mc:Choice xmlns:a14="http://schemas.microsoft.com/office/drawing/2010/main" Requires="a14">
+      <mc:AlternateContent xmlns:mc="http://schemas.openxmlformats.org/markup-compatibility/2006" xmlns:a14="http://schemas.microsoft.com/office/drawing/2010/main">
+        <mc:Choice Requires="a14">
           <p:sp>
             <p:nvSpPr>
               <p:cNvPr id="497" name="テキスト ボックス 496"/>
@@ -35447,7 +35211,7 @@
             </p:txBody>
           </p:sp>
         </mc:Choice>
-        <mc:Fallback>
+        <mc:Fallback xmlns="">
           <p:sp>
             <p:nvSpPr>
               <p:cNvPr id="497" name="テキスト ボックス 496"/>
@@ -37152,8 +36916,8 @@
         </p:nvSpPr>
         <p:spPr>
           <a:xfrm>
-            <a:off x="7952652" y="4721812"/>
-            <a:ext cx="1410069" cy="1903212"/>
+            <a:off x="7952652" y="4713801"/>
+            <a:ext cx="1410069" cy="1911223"/>
           </a:xfrm>
           <a:prstGeom prst="rect">
             <a:avLst/>
@@ -37220,8 +36984,8 @@
         </p:nvSpPr>
         <p:spPr>
           <a:xfrm>
-            <a:off x="8002766" y="4613879"/>
-            <a:ext cx="1351652" cy="307777"/>
+            <a:off x="7987133" y="4613879"/>
+            <a:ext cx="1349643" cy="307777"/>
           </a:xfrm>
           <a:prstGeom prst="rect">
             <a:avLst/>
@@ -37231,7 +36995,7 @@
           </a:solidFill>
         </p:spPr>
         <p:txBody>
-          <a:bodyPr wrap="none" rtlCol="0">
+          <a:bodyPr wrap="square" rtlCol="0">
             <a:spAutoFit/>
           </a:bodyPr>
           <a:lstStyle/>
@@ -37277,7 +37041,7 @@
                 <a:ea typeface="メイリオ" panose="020B0604030504040204" pitchFamily="50" charset="-128"/>
                 <a:cs typeface="メイリオ" panose="020B0604030504040204" pitchFamily="50" charset="-128"/>
               </a:rPr>
-              <a:t>この</a:t>
+              <a:t>走行</a:t>
             </a:r>
             <a:r>
               <a:rPr lang="ja-JP" altLang="en-US" sz="700" dirty="0" smtClean="0">
@@ -37288,18 +37052,7 @@
                 <a:ea typeface="メイリオ" panose="020B0604030504040204" pitchFamily="50" charset="-128"/>
                 <a:cs typeface="メイリオ" panose="020B0604030504040204" pitchFamily="50" charset="-128"/>
               </a:rPr>
-              <a:t>まま走行を</a:t>
-            </a:r>
-            <a:r>
-              <a:rPr lang="ja-JP" altLang="en-US" sz="700" dirty="0" smtClean="0">
-                <a:solidFill>
-                  <a:srgbClr val="FF0000"/>
-                </a:solidFill>
-                <a:latin typeface="メイリオ" panose="020B0604030504040204" pitchFamily="50" charset="-128"/>
-                <a:ea typeface="メイリオ" panose="020B0604030504040204" pitchFamily="50" charset="-128"/>
-                <a:cs typeface="メイリオ" panose="020B0604030504040204" pitchFamily="50" charset="-128"/>
-              </a:rPr>
-              <a:t>続けた場合</a:t>
+              <a:t>を続けた場合</a:t>
             </a:r>
             <a:endParaRPr kumimoji="1" lang="ja-JP" altLang="en-US" sz="700" dirty="0">
               <a:solidFill>
@@ -37320,10 +37073,10 @@
         </p:nvGrpSpPr>
         <p:grpSpPr>
           <a:xfrm>
-            <a:off x="7992867" y="4993295"/>
-            <a:ext cx="1369855" cy="1588636"/>
-            <a:chOff x="7994135" y="4409054"/>
-            <a:chExt cx="1369855" cy="1588636"/>
+            <a:off x="7977938" y="4993295"/>
+            <a:ext cx="1358838" cy="1613974"/>
+            <a:chOff x="7979206" y="4409054"/>
+            <a:chExt cx="1358838" cy="1613974"/>
           </a:xfrm>
         </p:grpSpPr>
         <p:cxnSp>
@@ -37621,12 +37374,12 @@
           <p:spPr>
             <a:xfrm>
               <a:off x="8755720" y="4513117"/>
-              <a:ext cx="608270" cy="275217"/>
+              <a:ext cx="582324" cy="275217"/>
             </a:xfrm>
             <a:prstGeom prst="wedgeRectCallout">
               <a:avLst>
-                <a:gd name="adj1" fmla="val -87014"/>
-                <a:gd name="adj2" fmla="val 26947"/>
+                <a:gd name="adj1" fmla="val -84558"/>
+                <a:gd name="adj2" fmla="val 22687"/>
               </a:avLst>
             </a:prstGeom>
             <a:solidFill>
@@ -37685,12 +37438,12 @@
           <p:spPr>
             <a:xfrm>
               <a:off x="8755719" y="4902206"/>
-              <a:ext cx="608270" cy="275217"/>
+              <a:ext cx="582325" cy="275217"/>
             </a:xfrm>
             <a:prstGeom prst="wedgeRectCallout">
               <a:avLst>
-                <a:gd name="adj1" fmla="val -97901"/>
-                <a:gd name="adj2" fmla="val 6731"/>
+                <a:gd name="adj1" fmla="val -91477"/>
+                <a:gd name="adj2" fmla="val 9570"/>
               </a:avLst>
             </a:prstGeom>
             <a:solidFill>
@@ -37748,7 +37501,7 @@
           </p:nvSpPr>
           <p:spPr>
             <a:xfrm>
-              <a:off x="7994135" y="5766858"/>
+              <a:off x="7979206" y="5792196"/>
               <a:ext cx="1099129" cy="230832"/>
             </a:xfrm>
             <a:prstGeom prst="rect">
@@ -37771,18 +37524,7 @@
                   <a:ea typeface="メイリオ" panose="020B0604030504040204" pitchFamily="50" charset="-128"/>
                   <a:cs typeface="メイリオ" panose="020B0604030504040204" pitchFamily="50" charset="-128"/>
                 </a:rPr>
-                <a:t>目標方向と</a:t>
-              </a:r>
-              <a:r>
-                <a:rPr lang="ja-JP" altLang="en-US" sz="900" b="1" u="sng" dirty="0" smtClean="0">
-                  <a:solidFill>
-                    <a:srgbClr val="FF0000"/>
-                  </a:solidFill>
-                  <a:latin typeface="メイリオ" panose="020B0604030504040204" pitchFamily="50" charset="-128"/>
-                  <a:ea typeface="メイリオ" panose="020B0604030504040204" pitchFamily="50" charset="-128"/>
-                  <a:cs typeface="メイリオ" panose="020B0604030504040204" pitchFamily="50" charset="-128"/>
-                </a:rPr>
-                <a:t>ズレ</a:t>
+                <a:t>目標方向とズレ</a:t>
               </a:r>
               <a:r>
                 <a:rPr lang="ja-JP" altLang="en-US" sz="900" b="1" u="sng" dirty="0" err="1">
@@ -37854,73 +37596,7 @@
                   <a:ea typeface="メイリオ" panose="020B0604030504040204" pitchFamily="50" charset="-128"/>
                   <a:cs typeface="メイリオ" panose="020B0604030504040204" pitchFamily="50" charset="-128"/>
                 </a:rPr>
-                <a:t>微小時間ごと</a:t>
-              </a:r>
-              <a:r>
-                <a:rPr lang="ja-JP" altLang="en-US" sz="700" dirty="0" smtClean="0">
-                  <a:solidFill>
-                    <a:srgbClr val="0070C0"/>
-                  </a:solidFill>
-                  <a:latin typeface="メイリオ" panose="020B0604030504040204" pitchFamily="50" charset="-128"/>
-                  <a:ea typeface="メイリオ" panose="020B0604030504040204" pitchFamily="50" charset="-128"/>
-                  <a:cs typeface="メイリオ" panose="020B0604030504040204" pitchFamily="50" charset="-128"/>
-                </a:rPr>
-                <a:t>に進んだ向き</a:t>
-              </a:r>
-              <a:r>
-                <a:rPr lang="ja-JP" altLang="en-US" sz="700" dirty="0" smtClean="0">
-                  <a:solidFill>
-                    <a:srgbClr val="0070C0"/>
-                  </a:solidFill>
-                  <a:latin typeface="メイリオ" panose="020B0604030504040204" pitchFamily="50" charset="-128"/>
-                  <a:ea typeface="メイリオ" panose="020B0604030504040204" pitchFamily="50" charset="-128"/>
-                  <a:cs typeface="メイリオ" panose="020B0604030504040204" pitchFamily="50" charset="-128"/>
-                </a:rPr>
-                <a:t>を検知し</a:t>
-              </a:r>
-              <a:r>
-                <a:rPr lang="ja-JP" altLang="en-US" sz="700" dirty="0" smtClean="0">
-                  <a:solidFill>
-                    <a:srgbClr val="0070C0"/>
-                  </a:solidFill>
-                  <a:latin typeface="メイリオ" panose="020B0604030504040204" pitchFamily="50" charset="-128"/>
-                  <a:ea typeface="メイリオ" panose="020B0604030504040204" pitchFamily="50" charset="-128"/>
-                  <a:cs typeface="メイリオ" panose="020B0604030504040204" pitchFamily="50" charset="-128"/>
-                </a:rPr>
-                <a:t>、発生したズレ</a:t>
-              </a:r>
-              <a:r>
-                <a:rPr lang="ja-JP" altLang="en-US" sz="700" dirty="0" smtClean="0">
-                  <a:solidFill>
-                    <a:srgbClr val="0070C0"/>
-                  </a:solidFill>
-                  <a:latin typeface="メイリオ" panose="020B0604030504040204" pitchFamily="50" charset="-128"/>
-                  <a:ea typeface="メイリオ" panose="020B0604030504040204" pitchFamily="50" charset="-128"/>
-                  <a:cs typeface="メイリオ" panose="020B0604030504040204" pitchFamily="50" charset="-128"/>
-                </a:rPr>
-                <a:t>を打ち消すように走行</a:t>
-              </a:r>
-              <a:r>
-                <a:rPr lang="ja-JP" altLang="en-US" sz="700" dirty="0" smtClean="0">
-                  <a:solidFill>
-                    <a:srgbClr val="0070C0"/>
-                  </a:solidFill>
-                  <a:latin typeface="メイリオ" panose="020B0604030504040204" pitchFamily="50" charset="-128"/>
-                  <a:ea typeface="メイリオ" panose="020B0604030504040204" pitchFamily="50" charset="-128"/>
-                  <a:cs typeface="メイリオ" panose="020B0604030504040204" pitchFamily="50" charset="-128"/>
-                </a:rPr>
-                <a:t>を補正</a:t>
-              </a:r>
-              <a:r>
-                <a:rPr lang="ja-JP" altLang="en-US" sz="700" dirty="0" smtClean="0">
-                  <a:solidFill>
-                    <a:srgbClr val="0070C0"/>
-                  </a:solidFill>
-                  <a:latin typeface="メイリオ" panose="020B0604030504040204" pitchFamily="50" charset="-128"/>
-                  <a:ea typeface="メイリオ" panose="020B0604030504040204" pitchFamily="50" charset="-128"/>
-                  <a:cs typeface="メイリオ" panose="020B0604030504040204" pitchFamily="50" charset="-128"/>
-                </a:rPr>
-                <a:t>する</a:t>
+                <a:t>微小時間ごとに進んだ向きを検知し、発生したズレを打ち消すように走行を補正する</a:t>
               </a:r>
               <a:endParaRPr kumimoji="1" lang="ja-JP" altLang="en-US" sz="700" dirty="0">
                 <a:solidFill>
@@ -38199,7 +37875,7 @@
             </a:prstGeom>
             <a:ln w="50800">
               <a:solidFill>
-                <a:srgbClr val="92D050"/>
+                <a:srgbClr val="00B0F0"/>
               </a:solidFill>
               <a:tailEnd type="triangle"/>
             </a:ln>
@@ -38268,7 +37944,7 @@
             </a:xfrm>
             <a:prstGeom prst="wedgeRectCallout">
               <a:avLst>
-                <a:gd name="adj1" fmla="val -93278"/>
+                <a:gd name="adj1" fmla="val -91993"/>
                 <a:gd name="adj2" fmla="val 40790"/>
               </a:avLst>
             </a:prstGeom>
@@ -38332,8 +38008,8 @@
             </a:xfrm>
             <a:prstGeom prst="wedgeRectCallout">
               <a:avLst>
-                <a:gd name="adj1" fmla="val -110428"/>
-                <a:gd name="adj2" fmla="val -124783"/>
+                <a:gd name="adj1" fmla="val -100792"/>
+                <a:gd name="adj2" fmla="val -117684"/>
               </a:avLst>
             </a:prstGeom>
             <a:solidFill>
@@ -38414,18 +38090,7 @@
                   <a:ea typeface="メイリオ" panose="020B0604030504040204" pitchFamily="50" charset="-128"/>
                   <a:cs typeface="メイリオ" panose="020B0604030504040204" pitchFamily="50" charset="-128"/>
                 </a:rPr>
-                <a:t>目標方向に確実に</a:t>
-              </a:r>
-              <a:r>
-                <a:rPr kumimoji="1" lang="ja-JP" altLang="en-US" sz="900" b="1" u="sng" dirty="0" smtClean="0">
-                  <a:solidFill>
-                    <a:srgbClr val="0070C0"/>
-                  </a:solidFill>
-                  <a:latin typeface="メイリオ" panose="020B0604030504040204" pitchFamily="50" charset="-128"/>
-                  <a:ea typeface="メイリオ" panose="020B0604030504040204" pitchFamily="50" charset="-128"/>
-                  <a:cs typeface="メイリオ" panose="020B0604030504040204" pitchFamily="50" charset="-128"/>
-                </a:rPr>
-                <a:t>移動</a:t>
+                <a:t>目標方向に確実に移動</a:t>
               </a:r>
               <a:r>
                 <a:rPr lang="ja-JP" altLang="en-US" sz="900" b="1" u="sng" dirty="0" smtClean="0">
@@ -38521,15 +38186,7 @@
                 <a:ea typeface="メイリオ" panose="020B0604030504040204" pitchFamily="50" charset="-128"/>
                 <a:cs typeface="メイリオ" panose="020B0604030504040204" pitchFamily="50" charset="-128"/>
               </a:rPr>
-              <a:t>左右モーターが</a:t>
-            </a:r>
-            <a:r>
-              <a:rPr lang="ja-JP" altLang="en-US" sz="700" dirty="0" smtClean="0">
-                <a:latin typeface="メイリオ" panose="020B0604030504040204" pitchFamily="50" charset="-128"/>
-                <a:ea typeface="メイリオ" panose="020B0604030504040204" pitchFamily="50" charset="-128"/>
-                <a:cs typeface="メイリオ" panose="020B0604030504040204" pitchFamily="50" charset="-128"/>
-              </a:rPr>
-              <a:t>同じ</a:t>
+              <a:t>左右モーターが同じ</a:t>
             </a:r>
             <a:r>
               <a:rPr lang="en-US" altLang="ja-JP" sz="700" dirty="0">
@@ -38584,23 +38241,7 @@
                 <a:ea typeface="メイリオ" panose="020B0604030504040204" pitchFamily="50" charset="-128"/>
                 <a:cs typeface="メイリオ" panose="020B0604030504040204" pitchFamily="50" charset="-128"/>
               </a:rPr>
-              <a:t>タイヤの進む距離</a:t>
-            </a:r>
-            <a:r>
-              <a:rPr kumimoji="1" lang="ja-JP" altLang="en-US" sz="700" dirty="0" smtClean="0">
-                <a:latin typeface="メイリオ" panose="020B0604030504040204" pitchFamily="50" charset="-128"/>
-                <a:ea typeface="メイリオ" panose="020B0604030504040204" pitchFamily="50" charset="-128"/>
-                <a:cs typeface="メイリオ" panose="020B0604030504040204" pitchFamily="50" charset="-128"/>
-              </a:rPr>
-              <a:t>には下グラフのように差</a:t>
-            </a:r>
-            <a:r>
-              <a:rPr kumimoji="1" lang="ja-JP" altLang="en-US" sz="700" dirty="0" smtClean="0">
-                <a:latin typeface="メイリオ" panose="020B0604030504040204" pitchFamily="50" charset="-128"/>
-                <a:ea typeface="メイリオ" panose="020B0604030504040204" pitchFamily="50" charset="-128"/>
-                <a:cs typeface="メイリオ" panose="020B0604030504040204" pitchFamily="50" charset="-128"/>
-              </a:rPr>
-              <a:t>が生じる。</a:t>
+              <a:t>タイヤの進む距離には下グラフのように差が生じる。</a:t>
             </a:r>
             <a:endParaRPr kumimoji="1" lang="ja-JP" altLang="en-US" sz="700" dirty="0">
               <a:latin typeface="メイリオ" panose="020B0604030504040204" pitchFamily="50" charset="-128"/>

--- a/design/2016/models/3_control_model.pptx
+++ b/design/2016/models/3_control_model.pptx
@@ -383,11 +383,11 @@
           <c:showPercent val="0"/>
           <c:showBubbleSize val="0"/>
         </c:dLbls>
-        <c:axId val="648012480"/>
-        <c:axId val="648012088"/>
+        <c:axId val="648019928"/>
+        <c:axId val="648018752"/>
       </c:scatterChart>
       <c:valAx>
-        <c:axId val="648012480"/>
+        <c:axId val="648019928"/>
         <c:scaling>
           <c:orientation val="minMax"/>
           <c:max val="100"/>
@@ -507,13 +507,13 @@
             <a:endParaRPr lang="ja-JP"/>
           </a:p>
         </c:txPr>
-        <c:crossAx val="648012088"/>
+        <c:crossAx val="648018752"/>
         <c:crosses val="autoZero"/>
         <c:crossBetween val="midCat"/>
         <c:majorUnit val="10"/>
       </c:valAx>
       <c:valAx>
-        <c:axId val="648012088"/>
+        <c:axId val="648018752"/>
         <c:scaling>
           <c:orientation val="minMax"/>
           <c:max val="5000"/>
@@ -637,7 +637,7 @@
             <a:endParaRPr lang="ja-JP"/>
           </a:p>
         </c:txPr>
-        <c:crossAx val="648012480"/>
+        <c:crossAx val="648019928"/>
         <c:crosses val="autoZero"/>
         <c:crossBetween val="midCat"/>
       </c:valAx>
@@ -9938,8 +9938,8 @@
         </p:nvSpPr>
         <p:spPr>
           <a:xfrm>
-            <a:off x="951394" y="7419402"/>
-            <a:ext cx="333476" cy="461653"/>
+            <a:off x="404049" y="7388666"/>
+            <a:ext cx="628086" cy="184654"/>
           </a:xfrm>
           <a:prstGeom prst="rect">
             <a:avLst/>
@@ -9960,14 +9960,16 @@
             <a:pPr algn="ctr"/>
             <a:r>
               <a:rPr lang="ja-JP" altLang="en-US" sz="600" dirty="0" smtClean="0">
-                <a:latin typeface="HG丸ｺﾞｼｯｸM-PRO" panose="020F0600000000000000" pitchFamily="50" charset="-128"/>
-                <a:ea typeface="HG丸ｺﾞｼｯｸM-PRO" panose="020F0600000000000000" pitchFamily="50" charset="-128"/>
+                <a:latin typeface="メイリオ" panose="020B0604030504040204" pitchFamily="50" charset="-128"/>
+                <a:ea typeface="メイリオ" panose="020B0604030504040204" pitchFamily="50" charset="-128"/>
+                <a:cs typeface="メイリオ" panose="020B0604030504040204" pitchFamily="50" charset="-128"/>
               </a:rPr>
               <a:t>初期状態</a:t>
             </a:r>
             <a:endParaRPr lang="en-US" altLang="ja-JP" sz="600" dirty="0" smtClean="0">
-              <a:latin typeface="HG丸ｺﾞｼｯｸM-PRO" panose="020F0600000000000000" pitchFamily="50" charset="-128"/>
-              <a:ea typeface="HG丸ｺﾞｼｯｸM-PRO" panose="020F0600000000000000" pitchFamily="50" charset="-128"/>
+              <a:latin typeface="メイリオ" panose="020B0604030504040204" pitchFamily="50" charset="-128"/>
+              <a:ea typeface="メイリオ" panose="020B0604030504040204" pitchFamily="50" charset="-128"/>
+              <a:cs typeface="メイリオ" panose="020B0604030504040204" pitchFamily="50" charset="-128"/>
             </a:endParaRPr>
           </a:p>
         </p:txBody>
@@ -37041,18 +37043,7 @@
                 <a:ea typeface="メイリオ" panose="020B0604030504040204" pitchFamily="50" charset="-128"/>
                 <a:cs typeface="メイリオ" panose="020B0604030504040204" pitchFamily="50" charset="-128"/>
               </a:rPr>
-              <a:t>走行</a:t>
-            </a:r>
-            <a:r>
-              <a:rPr lang="ja-JP" altLang="en-US" sz="700" dirty="0" smtClean="0">
-                <a:solidFill>
-                  <a:srgbClr val="FF0000"/>
-                </a:solidFill>
-                <a:latin typeface="メイリオ" panose="020B0604030504040204" pitchFamily="50" charset="-128"/>
-                <a:ea typeface="メイリオ" panose="020B0604030504040204" pitchFamily="50" charset="-128"/>
-                <a:cs typeface="メイリオ" panose="020B0604030504040204" pitchFamily="50" charset="-128"/>
-              </a:rPr>
-              <a:t>を続けた場合</a:t>
+              <a:t>走行を続けた場合</a:t>
             </a:r>
             <a:endParaRPr kumimoji="1" lang="ja-JP" altLang="en-US" sz="700" dirty="0">
               <a:solidFill>

--- a/design/2016/models/3_control_model.pptx
+++ b/design/2016/models/3_control_model.pptx
@@ -383,11 +383,11 @@
           <c:showPercent val="0"/>
           <c:showBubbleSize val="0"/>
         </c:dLbls>
-        <c:axId val="648019928"/>
-        <c:axId val="648018752"/>
+        <c:axId val="345753192"/>
+        <c:axId val="345754368"/>
       </c:scatterChart>
       <c:valAx>
-        <c:axId val="648019928"/>
+        <c:axId val="345753192"/>
         <c:scaling>
           <c:orientation val="minMax"/>
           <c:max val="100"/>
@@ -507,13 +507,13 @@
             <a:endParaRPr lang="ja-JP"/>
           </a:p>
         </c:txPr>
-        <c:crossAx val="648018752"/>
+        <c:crossAx val="345754368"/>
         <c:crosses val="autoZero"/>
         <c:crossBetween val="midCat"/>
         <c:majorUnit val="10"/>
       </c:valAx>
       <c:valAx>
-        <c:axId val="648018752"/>
+        <c:axId val="345754368"/>
         <c:scaling>
           <c:orientation val="minMax"/>
           <c:max val="5000"/>
@@ -637,7 +637,7 @@
             <a:endParaRPr lang="ja-JP"/>
           </a:p>
         </c:txPr>
-        <c:crossAx val="648019928"/>
+        <c:crossAx val="345753192"/>
         <c:crosses val="autoZero"/>
         <c:crossBetween val="midCat"/>
       </c:valAx>
@@ -4853,7 +4853,7 @@
         </p:blipFill>
         <p:spPr>
           <a:xfrm>
-            <a:off x="11368222" y="2712532"/>
+            <a:off x="11368222" y="2696203"/>
             <a:ext cx="3236481" cy="4178003"/>
           </a:xfrm>
           <a:prstGeom prst="rect">
@@ -4869,7 +4869,7 @@
         </p:nvSpPr>
         <p:spPr>
           <a:xfrm>
-            <a:off x="6002541" y="1767628"/>
+            <a:off x="6002541" y="1751299"/>
             <a:ext cx="5300486" cy="2106743"/>
           </a:xfrm>
           <a:prstGeom prst="rect">
@@ -4923,7 +4923,7 @@
         </p:blipFill>
         <p:spPr>
           <a:xfrm>
-            <a:off x="6090290" y="2488867"/>
+            <a:off x="6090290" y="2472538"/>
             <a:ext cx="1365789" cy="1405163"/>
           </a:xfrm>
           <a:prstGeom prst="rect">
@@ -5714,7 +5714,7 @@
         </p:nvSpPr>
         <p:spPr>
           <a:xfrm>
-            <a:off x="361022" y="1763095"/>
+            <a:off x="361022" y="1746766"/>
             <a:ext cx="2606804" cy="369332"/>
           </a:xfrm>
           <a:prstGeom prst="rect">
@@ -5782,7 +5782,7 @@
         </p:nvSpPr>
         <p:spPr>
           <a:xfrm>
-            <a:off x="361021" y="1763097"/>
+            <a:off x="361021" y="1746768"/>
             <a:ext cx="5645639" cy="2674782"/>
           </a:xfrm>
           <a:prstGeom prst="rect">
@@ -5828,7 +5828,7 @@
         </p:nvSpPr>
         <p:spPr>
           <a:xfrm>
-            <a:off x="6002541" y="1767628"/>
+            <a:off x="6002541" y="1751299"/>
             <a:ext cx="2145139" cy="369332"/>
           </a:xfrm>
           <a:prstGeom prst="rect">
@@ -5885,7 +5885,7 @@
         </p:nvSpPr>
         <p:spPr>
           <a:xfrm>
-            <a:off x="5992252" y="3869056"/>
+            <a:off x="5992252" y="3852727"/>
             <a:ext cx="2145139" cy="369332"/>
           </a:xfrm>
           <a:prstGeom prst="rect">
@@ -5942,7 +5942,7 @@
         </p:nvSpPr>
         <p:spPr>
           <a:xfrm>
-            <a:off x="6006857" y="3869057"/>
+            <a:off x="6006857" y="3852728"/>
             <a:ext cx="5303479" cy="2967621"/>
           </a:xfrm>
           <a:prstGeom prst="rect">
@@ -5988,7 +5988,7 @@
         </p:nvSpPr>
         <p:spPr>
           <a:xfrm>
-            <a:off x="361023" y="4442430"/>
+            <a:off x="361023" y="4426101"/>
             <a:ext cx="2145139" cy="369332"/>
           </a:xfrm>
           <a:prstGeom prst="rect">
@@ -6045,7 +6045,7 @@
         </p:nvSpPr>
         <p:spPr>
           <a:xfrm>
-            <a:off x="361022" y="4442429"/>
+            <a:off x="361022" y="4426100"/>
             <a:ext cx="5643020" cy="2397785"/>
           </a:xfrm>
           <a:prstGeom prst="rect">
@@ -6091,7 +6091,7 @@
         </p:nvSpPr>
         <p:spPr>
           <a:xfrm>
-            <a:off x="7145444" y="6839105"/>
+            <a:off x="7145444" y="6822776"/>
             <a:ext cx="7619200" cy="3676495"/>
           </a:xfrm>
           <a:prstGeom prst="rect">
@@ -6137,7 +6137,7 @@
         </p:nvSpPr>
         <p:spPr>
           <a:xfrm>
-            <a:off x="364928" y="6838675"/>
+            <a:off x="364928" y="6822346"/>
             <a:ext cx="2760692" cy="369332"/>
           </a:xfrm>
           <a:prstGeom prst="rect">
@@ -6194,7 +6194,7 @@
         </p:nvSpPr>
         <p:spPr>
           <a:xfrm>
-            <a:off x="364928" y="6838675"/>
+            <a:off x="364928" y="6822346"/>
             <a:ext cx="6780516" cy="3676925"/>
           </a:xfrm>
           <a:prstGeom prst="rect">
@@ -6240,7 +6240,7 @@
         </p:nvSpPr>
         <p:spPr>
           <a:xfrm>
-            <a:off x="11303029" y="1779580"/>
+            <a:off x="11303029" y="1763251"/>
             <a:ext cx="1221809" cy="369332"/>
           </a:xfrm>
           <a:prstGeom prst="rect">
@@ -6297,7 +6297,7 @@
         </p:nvSpPr>
         <p:spPr>
           <a:xfrm>
-            <a:off x="11303028" y="1771897"/>
+            <a:off x="11303028" y="1755568"/>
             <a:ext cx="3450114" cy="5064781"/>
           </a:xfrm>
           <a:prstGeom prst="rect">
@@ -6343,7 +6343,7 @@
         </p:nvSpPr>
         <p:spPr>
           <a:xfrm>
-            <a:off x="6066396" y="8805217"/>
+            <a:off x="6066396" y="8788888"/>
             <a:ext cx="1104180" cy="630942"/>
           </a:xfrm>
           <a:prstGeom prst="rect">
@@ -6526,8 +6526,8 @@
           </a:p>
         </p:txBody>
       </p:sp>
-      <mc:AlternateContent xmlns:mc="http://schemas.openxmlformats.org/markup-compatibility/2006" xmlns:a14="http://schemas.microsoft.com/office/drawing/2010/main">
-        <mc:Choice Requires="a14">
+      <mc:AlternateContent xmlns:mc="http://schemas.openxmlformats.org/markup-compatibility/2006">
+        <mc:Choice xmlns:a14="http://schemas.microsoft.com/office/drawing/2010/main" Requires="a14">
           <p:sp>
             <p:nvSpPr>
               <p:cNvPr id="167" name="テキスト ボックス 166"/>
@@ -6536,7 +6536,7 @@
             </p:nvSpPr>
             <p:spPr>
               <a:xfrm>
-                <a:off x="2184132" y="2151287"/>
+                <a:off x="2184132" y="2134958"/>
                 <a:ext cx="4589053" cy="1323427"/>
               </a:xfrm>
               <a:prstGeom prst="rect">
@@ -7353,7 +7353,7 @@
             </p:txBody>
           </p:sp>
         </mc:Choice>
-        <mc:Fallback xmlns="">
+        <mc:Fallback>
           <p:sp>
             <p:nvSpPr>
               <p:cNvPr id="167" name="テキスト ボックス 166"/>
@@ -7364,7 +7364,7 @@
             </p:nvSpPr>
             <p:spPr>
               <a:xfrm>
-                <a:off x="2184132" y="2151287"/>
+                <a:off x="2184132" y="2134958"/>
                 <a:ext cx="4589053" cy="1323427"/>
               </a:xfrm>
               <a:prstGeom prst="rect">
@@ -7392,8 +7392,8 @@
           </p:sp>
         </mc:Fallback>
       </mc:AlternateContent>
-      <mc:AlternateContent xmlns:mc="http://schemas.openxmlformats.org/markup-compatibility/2006" xmlns:a14="http://schemas.microsoft.com/office/drawing/2010/main">
-        <mc:Choice Requires="a14">
+      <mc:AlternateContent xmlns:mc="http://schemas.openxmlformats.org/markup-compatibility/2006">
+        <mc:Choice xmlns:a14="http://schemas.microsoft.com/office/drawing/2010/main" Requires="a14">
           <p:sp>
             <p:nvSpPr>
               <p:cNvPr id="180" name="テキスト ボックス 179"/>
@@ -7402,7 +7402,7 @@
             </p:nvSpPr>
             <p:spPr>
               <a:xfrm>
-                <a:off x="2525989" y="3575703"/>
+                <a:off x="2525989" y="3559374"/>
                 <a:ext cx="1085169" cy="352019"/>
               </a:xfrm>
               <a:prstGeom prst="rect">
@@ -7650,7 +7650,7 @@
             </p:txBody>
           </p:sp>
         </mc:Choice>
-        <mc:Fallback xmlns="">
+        <mc:Fallback>
           <p:sp>
             <p:nvSpPr>
               <p:cNvPr id="180" name="テキスト ボックス 179"/>
@@ -7661,7 +7661,7 @@
             </p:nvSpPr>
             <p:spPr>
               <a:xfrm>
-                <a:off x="2525989" y="3575703"/>
+                <a:off x="2525989" y="3559374"/>
                 <a:ext cx="1085169" cy="352019"/>
               </a:xfrm>
               <a:prstGeom prst="rect">
@@ -7697,7 +7697,7 @@
         </p:nvSpPr>
         <p:spPr>
           <a:xfrm>
-            <a:off x="2474585" y="3884235"/>
+            <a:off x="2474585" y="3867906"/>
             <a:ext cx="1300356" cy="215444"/>
           </a:xfrm>
           <a:prstGeom prst="rect">
@@ -7743,8 +7743,8 @@
           </a:p>
         </p:txBody>
       </p:sp>
-      <mc:AlternateContent xmlns:mc="http://schemas.openxmlformats.org/markup-compatibility/2006" xmlns:a14="http://schemas.microsoft.com/office/drawing/2010/main">
-        <mc:Choice Requires="a14">
+      <mc:AlternateContent xmlns:mc="http://schemas.openxmlformats.org/markup-compatibility/2006">
+        <mc:Choice xmlns:a14="http://schemas.microsoft.com/office/drawing/2010/main" Requires="a14">
           <p:sp>
             <p:nvSpPr>
               <p:cNvPr id="183" name="テキスト ボックス 182"/>
@@ -7753,7 +7753,7 @@
             </p:nvSpPr>
             <p:spPr>
               <a:xfrm>
-                <a:off x="3930185" y="3555864"/>
+                <a:off x="3930185" y="3539535"/>
                 <a:ext cx="1239442" cy="351378"/>
               </a:xfrm>
               <a:prstGeom prst="rect">
@@ -7973,7 +7973,7 @@
             </p:txBody>
           </p:sp>
         </mc:Choice>
-        <mc:Fallback xmlns="">
+        <mc:Fallback>
           <p:sp>
             <p:nvSpPr>
               <p:cNvPr id="183" name="テキスト ボックス 182"/>
@@ -7984,7 +7984,7 @@
             </p:nvSpPr>
             <p:spPr>
               <a:xfrm>
-                <a:off x="3930185" y="3555864"/>
+                <a:off x="3930185" y="3539535"/>
                 <a:ext cx="1239442" cy="351378"/>
               </a:xfrm>
               <a:prstGeom prst="rect">
@@ -8012,8 +8012,8 @@
           </p:sp>
         </mc:Fallback>
       </mc:AlternateContent>
-      <mc:AlternateContent xmlns:mc="http://schemas.openxmlformats.org/markup-compatibility/2006" xmlns:a14="http://schemas.microsoft.com/office/drawing/2010/main">
-        <mc:Choice Requires="a14">
+      <mc:AlternateContent xmlns:mc="http://schemas.openxmlformats.org/markup-compatibility/2006">
+        <mc:Choice xmlns:a14="http://schemas.microsoft.com/office/drawing/2010/main" Requires="a14">
           <p:sp>
             <p:nvSpPr>
               <p:cNvPr id="188" name="テキスト ボックス 187"/>
@@ -8022,7 +8022,7 @@
             </p:nvSpPr>
             <p:spPr>
               <a:xfrm>
-                <a:off x="427669" y="3844876"/>
+                <a:off x="427669" y="3828547"/>
                 <a:ext cx="1426673" cy="338554"/>
               </a:xfrm>
               <a:prstGeom prst="rect">
@@ -8347,7 +8347,7 @@
             </p:txBody>
           </p:sp>
         </mc:Choice>
-        <mc:Fallback xmlns="">
+        <mc:Fallback>
           <p:sp>
             <p:nvSpPr>
               <p:cNvPr id="188" name="テキスト ボックス 187"/>
@@ -8358,7 +8358,7 @@
             </p:nvSpPr>
             <p:spPr>
               <a:xfrm>
-                <a:off x="427669" y="3844876"/>
+                <a:off x="427669" y="3828547"/>
                 <a:ext cx="1426673" cy="338554"/>
               </a:xfrm>
               <a:prstGeom prst="rect">
@@ -8394,7 +8394,7 @@
         </p:nvSpPr>
         <p:spPr>
           <a:xfrm>
-            <a:off x="2182943" y="3460258"/>
+            <a:off x="2182943" y="3443929"/>
             <a:ext cx="1518364" cy="215444"/>
           </a:xfrm>
           <a:prstGeom prst="rect">
@@ -8431,7 +8431,7 @@
         </p:nvSpPr>
         <p:spPr>
           <a:xfrm>
-            <a:off x="441787" y="3681227"/>
+            <a:off x="441787" y="3664898"/>
             <a:ext cx="1107996" cy="215444"/>
           </a:xfrm>
           <a:prstGeom prst="rect">
@@ -8476,7 +8476,7 @@
         </p:blipFill>
         <p:spPr>
           <a:xfrm>
-            <a:off x="8919949" y="2229057"/>
+            <a:off x="8919949" y="2212728"/>
             <a:ext cx="1337639" cy="1484349"/>
           </a:xfrm>
           <a:prstGeom prst="rect">
@@ -8492,7 +8492,7 @@
         </p:nvSpPr>
         <p:spPr>
           <a:xfrm>
-            <a:off x="7196474" y="2820989"/>
+            <a:off x="7196474" y="2804660"/>
             <a:ext cx="353586" cy="311127"/>
           </a:xfrm>
           <a:prstGeom prst="roundRect">
@@ -8543,7 +8543,7 @@
         </p:nvSpPr>
         <p:spPr>
           <a:xfrm>
-            <a:off x="8919949" y="2229057"/>
+            <a:off x="8919949" y="2212728"/>
             <a:ext cx="1549559" cy="1484349"/>
           </a:xfrm>
           <a:prstGeom prst="roundRect">
@@ -8594,7 +8594,7 @@
         </p:nvGrpSpPr>
         <p:grpSpPr>
           <a:xfrm rot="19976373">
-            <a:off x="8985411" y="2382853"/>
+            <a:off x="8985411" y="2366524"/>
             <a:ext cx="430850" cy="391469"/>
             <a:chOff x="5476401" y="2958805"/>
             <a:chExt cx="578693" cy="525800"/>
@@ -8773,7 +8773,7 @@
         </p:nvCxnSpPr>
         <p:spPr>
           <a:xfrm>
-            <a:off x="9296371" y="2756424"/>
+            <a:off x="9296371" y="2740095"/>
             <a:ext cx="232194" cy="456581"/>
           </a:xfrm>
           <a:prstGeom prst="straightConnector1">
@@ -8807,7 +8807,7 @@
         </p:nvGrpSpPr>
         <p:grpSpPr>
           <a:xfrm rot="14990070">
-            <a:off x="9001309" y="3215361"/>
+            <a:off x="9001309" y="3199032"/>
             <a:ext cx="430850" cy="391469"/>
             <a:chOff x="5476401" y="2958805"/>
             <a:chExt cx="578693" cy="525800"/>
@@ -8986,7 +8986,7 @@
         </p:nvSpPr>
         <p:spPr>
           <a:xfrm>
-            <a:off x="9303952" y="2826585"/>
+            <a:off x="9303952" y="2810256"/>
             <a:ext cx="72510" cy="77405"/>
           </a:xfrm>
           <a:prstGeom prst="ellipse">
@@ -9038,7 +9038,7 @@
         </p:nvSpPr>
         <p:spPr>
           <a:xfrm>
-            <a:off x="10025332" y="2139388"/>
+            <a:off x="10025332" y="2123059"/>
             <a:ext cx="1068130" cy="482130"/>
           </a:xfrm>
           <a:prstGeom prst="wedgeRectCallout">
@@ -9124,7 +9124,7 @@
         </p:nvCxnSpPr>
         <p:spPr>
           <a:xfrm flipV="1">
-            <a:off x="8885443" y="2071546"/>
+            <a:off x="8885443" y="2055217"/>
             <a:ext cx="0" cy="1664864"/>
           </a:xfrm>
           <a:prstGeom prst="straightConnector1">
@@ -9157,7 +9157,7 @@
         </p:nvCxnSpPr>
         <p:spPr>
           <a:xfrm>
-            <a:off x="8869819" y="3746706"/>
+            <a:off x="8869819" y="3730377"/>
             <a:ext cx="1660467" cy="7"/>
           </a:xfrm>
           <a:prstGeom prst="straightConnector1">
@@ -9190,7 +9190,7 @@
         </p:nvSpPr>
         <p:spPr>
           <a:xfrm>
-            <a:off x="8630373" y="2036159"/>
+            <a:off x="8630373" y="2019830"/>
             <a:ext cx="271228" cy="276999"/>
           </a:xfrm>
           <a:prstGeom prst="rect">
@@ -9228,7 +9228,7 @@
         </p:nvSpPr>
         <p:spPr>
           <a:xfrm>
-            <a:off x="10516695" y="3624953"/>
+            <a:off x="10516695" y="3608624"/>
             <a:ext cx="269626" cy="276999"/>
           </a:xfrm>
           <a:prstGeom prst="rect">
@@ -9268,7 +9268,7 @@
         </p:nvCxnSpPr>
         <p:spPr>
           <a:xfrm flipV="1">
-            <a:off x="9400809" y="3110631"/>
+            <a:off x="9400809" y="3094302"/>
             <a:ext cx="586708" cy="233911"/>
           </a:xfrm>
           <a:prstGeom prst="straightConnector1">
@@ -9302,7 +9302,7 @@
         </p:nvSpPr>
         <p:spPr>
           <a:xfrm>
-            <a:off x="9734799" y="3155509"/>
+            <a:off x="9734799" y="3139180"/>
             <a:ext cx="72510" cy="77405"/>
           </a:xfrm>
           <a:prstGeom prst="ellipse">
@@ -9354,7 +9354,7 @@
         </p:nvSpPr>
         <p:spPr>
           <a:xfrm>
-            <a:off x="10172760" y="2932838"/>
+            <a:off x="10172760" y="2916509"/>
             <a:ext cx="1046394" cy="504832"/>
           </a:xfrm>
           <a:prstGeom prst="wedgeRectCallout">
@@ -9442,7 +9442,7 @@
         </p:nvCxnSpPr>
         <p:spPr>
           <a:xfrm flipV="1">
-            <a:off x="7373267" y="2248354"/>
+            <a:off x="7373267" y="2232025"/>
             <a:ext cx="1669969" cy="572635"/>
           </a:xfrm>
           <a:prstGeom prst="line">
@@ -9480,7 +9480,7 @@
         </p:nvCxnSpPr>
         <p:spPr>
           <a:xfrm>
-            <a:off x="7373267" y="3132116"/>
+            <a:off x="7373267" y="3115787"/>
             <a:ext cx="1731414" cy="581290"/>
           </a:xfrm>
           <a:prstGeom prst="line">
@@ -9516,8 +9516,8 @@
         </p:nvSpPr>
         <p:spPr>
           <a:xfrm>
-            <a:off x="1812528" y="7202228"/>
-            <a:ext cx="2061815" cy="553986"/>
+            <a:off x="1036004" y="7209010"/>
+            <a:ext cx="2061815" cy="276987"/>
           </a:xfrm>
           <a:prstGeom prst="rect">
             <a:avLst/>
@@ -9536,7 +9536,7 @@
                 <a:ea typeface="メイリオ" panose="020B0604030504040204" pitchFamily="50" charset="-128"/>
                 <a:cs typeface="メイリオ" panose="020B0604030504040204" pitchFamily="50" charset="-128"/>
               </a:rPr>
-              <a:t>以下</a:t>
+              <a:t>色</a:t>
             </a:r>
             <a:r>
               <a:rPr lang="ja-JP" altLang="en-US" sz="600" dirty="0" smtClean="0">
@@ -9544,7 +9544,7 @@
                 <a:ea typeface="メイリオ" panose="020B0604030504040204" pitchFamily="50" charset="-128"/>
                 <a:cs typeface="メイリオ" panose="020B0604030504040204" pitchFamily="50" charset="-128"/>
               </a:rPr>
-              <a:t>の</a:t>
+              <a:t>認識</a:t>
             </a:r>
             <a:r>
               <a:rPr lang="ja-JP" altLang="en-US" sz="600" dirty="0">
@@ -9552,46 +9552,8 @@
                 <a:ea typeface="メイリオ" panose="020B0604030504040204" pitchFamily="50" charset="-128"/>
                 <a:cs typeface="メイリオ" panose="020B0604030504040204" pitchFamily="50" charset="-128"/>
               </a:rPr>
-              <a:t>要素技術を用いて、次の手順によってブロックをアームに収めることを実現する</a:t>
+              <a:t>、</a:t>
             </a:r>
-            <a:r>
-              <a:rPr lang="ja-JP" altLang="en-US" sz="600" dirty="0" smtClean="0">
-                <a:latin typeface="メイリオ" panose="020B0604030504040204" pitchFamily="50" charset="-128"/>
-                <a:ea typeface="メイリオ" panose="020B0604030504040204" pitchFamily="50" charset="-128"/>
-                <a:cs typeface="メイリオ" panose="020B0604030504040204" pitchFamily="50" charset="-128"/>
-              </a:rPr>
-              <a:t>。</a:t>
-            </a:r>
-            <a:endParaRPr lang="en-US" altLang="ja-JP" sz="600" dirty="0" smtClean="0">
-              <a:latin typeface="メイリオ" panose="020B0604030504040204" pitchFamily="50" charset="-128"/>
-              <a:ea typeface="メイリオ" panose="020B0604030504040204" pitchFamily="50" charset="-128"/>
-              <a:cs typeface="メイリオ" panose="020B0604030504040204" pitchFamily="50" charset="-128"/>
-            </a:endParaRPr>
-          </a:p>
-          <a:p>
-            <a:pPr marL="171450" indent="-171450">
-              <a:buFont typeface="Arial" panose="020B0604020202020204" pitchFamily="34" charset="0"/>
-              <a:buChar char="•"/>
-            </a:pPr>
-            <a:r>
-              <a:rPr lang="ja-JP" altLang="en-US" sz="600" dirty="0" smtClean="0">
-                <a:latin typeface="メイリオ" panose="020B0604030504040204" pitchFamily="50" charset="-128"/>
-                <a:ea typeface="メイリオ" panose="020B0604030504040204" pitchFamily="50" charset="-128"/>
-                <a:cs typeface="メイリオ" panose="020B0604030504040204" pitchFamily="50" charset="-128"/>
-              </a:rPr>
-              <a:t>色認識</a:t>
-            </a:r>
-            <a:endParaRPr lang="en-US" altLang="ja-JP" sz="600" dirty="0" smtClean="0">
-              <a:latin typeface="メイリオ" panose="020B0604030504040204" pitchFamily="50" charset="-128"/>
-              <a:ea typeface="メイリオ" panose="020B0604030504040204" pitchFamily="50" charset="-128"/>
-              <a:cs typeface="メイリオ" panose="020B0604030504040204" pitchFamily="50" charset="-128"/>
-            </a:endParaRPr>
-          </a:p>
-          <a:p>
-            <a:pPr marL="171450" indent="-171450">
-              <a:buFont typeface="Arial" panose="020B0604020202020204" pitchFamily="34" charset="0"/>
-              <a:buChar char="•"/>
-            </a:pPr>
             <a:r>
               <a:rPr lang="ja-JP" altLang="en-US" sz="600" dirty="0" smtClean="0">
                 <a:latin typeface="メイリオ" panose="020B0604030504040204" pitchFamily="50" charset="-128"/>
@@ -9600,17 +9562,14 @@
               </a:rPr>
               <a:t>アーム制御</a:t>
             </a:r>
-            <a:endParaRPr lang="en-US" altLang="ja-JP" sz="600" dirty="0" smtClean="0">
-              <a:latin typeface="メイリオ" panose="020B0604030504040204" pitchFamily="50" charset="-128"/>
-              <a:ea typeface="メイリオ" panose="020B0604030504040204" pitchFamily="50" charset="-128"/>
-              <a:cs typeface="メイリオ" panose="020B0604030504040204" pitchFamily="50" charset="-128"/>
-            </a:endParaRPr>
-          </a:p>
-          <a:p>
-            <a:pPr marL="171450" indent="-171450">
-              <a:buFont typeface="Arial" panose="020B0604020202020204" pitchFamily="34" charset="0"/>
-              <a:buChar char="•"/>
-            </a:pPr>
+            <a:r>
+              <a:rPr lang="ja-JP" altLang="en-US" sz="600" dirty="0">
+                <a:latin typeface="メイリオ" panose="020B0604030504040204" pitchFamily="50" charset="-128"/>
+                <a:ea typeface="メイリオ" panose="020B0604030504040204" pitchFamily="50" charset="-128"/>
+                <a:cs typeface="メイリオ" panose="020B0604030504040204" pitchFamily="50" charset="-128"/>
+              </a:rPr>
+              <a:t>、</a:t>
+            </a:r>
             <a:r>
               <a:rPr lang="ja-JP" altLang="en-US" sz="600" dirty="0" smtClean="0">
                 <a:latin typeface="メイリオ" panose="020B0604030504040204" pitchFamily="50" charset="-128"/>
@@ -9618,6 +9577,14 @@
                 <a:cs typeface="メイリオ" panose="020B0604030504040204" pitchFamily="50" charset="-128"/>
               </a:rPr>
               <a:t>車輪制御</a:t>
+            </a:r>
+            <a:r>
+              <a:rPr lang="ja-JP" altLang="en-US" sz="600" dirty="0" smtClean="0">
+                <a:latin typeface="メイリオ" panose="020B0604030504040204" pitchFamily="50" charset="-128"/>
+                <a:ea typeface="メイリオ" panose="020B0604030504040204" pitchFamily="50" charset="-128"/>
+                <a:cs typeface="メイリオ" panose="020B0604030504040204" pitchFamily="50" charset="-128"/>
+              </a:rPr>
+              <a:t>を用いて、次の手順によってブロックをアームに収めることを実現する。</a:t>
             </a:r>
             <a:endParaRPr lang="en-US" altLang="ja-JP" sz="600" dirty="0" smtClean="0">
               <a:latin typeface="メイリオ" panose="020B0604030504040204" pitchFamily="50" charset="-128"/>
@@ -9635,7 +9602,7 @@
         </p:nvSpPr>
         <p:spPr>
           <a:xfrm>
-            <a:off x="509428" y="9005858"/>
+            <a:off x="509428" y="8989529"/>
             <a:ext cx="1200304" cy="369320"/>
           </a:xfrm>
           <a:prstGeom prst="rect">
@@ -9677,7 +9644,7 @@
         </p:nvSpPr>
         <p:spPr>
           <a:xfrm>
-            <a:off x="2339235" y="8990024"/>
+            <a:off x="2339235" y="8973695"/>
             <a:ext cx="1608975" cy="276987"/>
           </a:xfrm>
           <a:prstGeom prst="rect">
@@ -9735,7 +9702,7 @@
         </p:nvSpPr>
         <p:spPr>
           <a:xfrm>
-            <a:off x="480838" y="10054691"/>
+            <a:off x="480838" y="10038362"/>
             <a:ext cx="1304867" cy="369320"/>
           </a:xfrm>
           <a:prstGeom prst="rect">
@@ -9825,7 +9792,7 @@
         </p:nvSpPr>
         <p:spPr>
           <a:xfrm>
-            <a:off x="2059120" y="9918473"/>
+            <a:off x="2059120" y="9902144"/>
             <a:ext cx="2086515" cy="553986"/>
           </a:xfrm>
           <a:prstGeom prst="rect">
@@ -9938,7 +9905,7 @@
         </p:nvSpPr>
         <p:spPr>
           <a:xfrm>
-            <a:off x="404049" y="7388666"/>
+            <a:off x="404049" y="7372337"/>
             <a:ext cx="628086" cy="184654"/>
           </a:xfrm>
           <a:prstGeom prst="rect">
@@ -9982,7 +9949,7 @@
         </p:nvCxnSpPr>
         <p:spPr>
           <a:xfrm>
-            <a:off x="550004" y="7583985"/>
+            <a:off x="550004" y="7567656"/>
             <a:ext cx="742491" cy="0"/>
           </a:xfrm>
           <a:prstGeom prst="straightConnector1">
@@ -10019,7 +9986,7 @@
         </p:nvGrpSpPr>
         <p:grpSpPr>
           <a:xfrm>
-            <a:off x="482384" y="9800193"/>
+            <a:off x="482384" y="9783864"/>
             <a:ext cx="1159729" cy="187204"/>
             <a:chOff x="1459487" y="2185176"/>
             <a:chExt cx="2520280" cy="406824"/>
@@ -10237,7 +10204,7 @@
         </p:nvGrpSpPr>
         <p:grpSpPr>
           <a:xfrm>
-            <a:off x="614924" y="9444767"/>
+            <a:off x="614924" y="9428438"/>
             <a:ext cx="757335" cy="521674"/>
             <a:chOff x="1403648" y="4781477"/>
             <a:chExt cx="1645813" cy="1133683"/>
@@ -11865,7 +11832,7 @@
         </p:nvGrpSpPr>
         <p:grpSpPr>
           <a:xfrm>
-            <a:off x="505908" y="7673567"/>
+            <a:off x="505908" y="7657238"/>
             <a:ext cx="1159729" cy="556967"/>
             <a:chOff x="9978164" y="2270191"/>
             <a:chExt cx="2520280" cy="1210380"/>
@@ -13726,7 +13693,7 @@
         </p:nvGrpSpPr>
         <p:grpSpPr>
           <a:xfrm>
-            <a:off x="509428" y="8765212"/>
+            <a:off x="509428" y="8748883"/>
             <a:ext cx="1159729" cy="187204"/>
             <a:chOff x="1459487" y="2185176"/>
             <a:chExt cx="2520280" cy="406824"/>
@@ -13944,7 +13911,7 @@
         </p:nvGrpSpPr>
         <p:grpSpPr>
           <a:xfrm>
-            <a:off x="765512" y="8409786"/>
+            <a:off x="765512" y="8393457"/>
             <a:ext cx="750088" cy="556967"/>
             <a:chOff x="10050172" y="2270191"/>
             <a:chExt cx="1630064" cy="1210380"/>
@@ -15572,7 +15539,7 @@
         </p:nvSpPr>
         <p:spPr>
           <a:xfrm>
-            <a:off x="1239104" y="8851166"/>
+            <a:off x="1239104" y="8834837"/>
             <a:ext cx="136623" cy="136623"/>
           </a:xfrm>
           <a:prstGeom prst="ellipse">
@@ -15616,7 +15583,7 @@
         </p:nvGrpSpPr>
         <p:grpSpPr>
           <a:xfrm>
-            <a:off x="2339299" y="8765212"/>
+            <a:off x="2339299" y="8748883"/>
             <a:ext cx="1159729" cy="187204"/>
             <a:chOff x="1459487" y="2185176"/>
             <a:chExt cx="2520280" cy="406824"/>
@@ -15834,7 +15801,7 @@
         </p:nvGrpSpPr>
         <p:grpSpPr>
           <a:xfrm>
-            <a:off x="2504975" y="8409786"/>
+            <a:off x="2504975" y="8393457"/>
             <a:ext cx="750088" cy="556967"/>
             <a:chOff x="10050172" y="2270191"/>
             <a:chExt cx="1630064" cy="1210380"/>
@@ -17462,7 +17429,7 @@
         </p:nvSpPr>
         <p:spPr>
           <a:xfrm rot="4402454">
-            <a:off x="932497" y="9580333"/>
+            <a:off x="932497" y="9564004"/>
             <a:ext cx="369327" cy="369327"/>
           </a:xfrm>
           <a:prstGeom prst="arc">
@@ -17507,7 +17474,7 @@
         </p:nvGrpSpPr>
         <p:grpSpPr>
           <a:xfrm>
-            <a:off x="2339299" y="9688698"/>
+            <a:off x="2339299" y="9672369"/>
             <a:ext cx="1159729" cy="187204"/>
             <a:chOff x="1459487" y="2185176"/>
             <a:chExt cx="2520280" cy="406824"/>
@@ -17725,7 +17692,7 @@
         </p:nvGrpSpPr>
         <p:grpSpPr>
           <a:xfrm>
-            <a:off x="2471839" y="9333272"/>
+            <a:off x="2471839" y="9316943"/>
             <a:ext cx="757335" cy="521674"/>
             <a:chOff x="1403648" y="4781477"/>
             <a:chExt cx="1645813" cy="1133683"/>
@@ -19353,7 +19320,7 @@
         </p:nvSpPr>
         <p:spPr>
           <a:xfrm>
-            <a:off x="3101633" y="9622512"/>
+            <a:off x="3101633" y="9606183"/>
             <a:ext cx="136623" cy="136623"/>
           </a:xfrm>
           <a:prstGeom prst="ellipse">
@@ -19397,7 +19364,7 @@
         </p:nvSpPr>
         <p:spPr>
           <a:xfrm>
-            <a:off x="1676645" y="8613723"/>
+            <a:off x="1676645" y="8597394"/>
             <a:ext cx="607884" cy="171310"/>
           </a:xfrm>
           <a:prstGeom prst="rightArrow">
@@ -19435,7 +19402,7 @@
         </p:nvSpPr>
         <p:spPr>
           <a:xfrm>
-            <a:off x="1643068" y="9596784"/>
+            <a:off x="1643068" y="9580455"/>
             <a:ext cx="607884" cy="171310"/>
           </a:xfrm>
           <a:prstGeom prst="rightArrow">
@@ -19473,7 +19440,7 @@
         </p:nvSpPr>
         <p:spPr>
           <a:xfrm rot="9443361">
-            <a:off x="1597760" y="9175231"/>
+            <a:off x="1597760" y="9158902"/>
             <a:ext cx="596278" cy="171310"/>
           </a:xfrm>
           <a:prstGeom prst="rightArrow">
@@ -19511,7 +19478,7 @@
         </p:nvCxnSpPr>
         <p:spPr>
           <a:xfrm flipH="1">
-            <a:off x="2555065" y="8379632"/>
+            <a:off x="2555065" y="8363303"/>
             <a:ext cx="520337" cy="0"/>
           </a:xfrm>
           <a:prstGeom prst="straightConnector1">
@@ -19549,13 +19516,13 @@
           <p:nvPr>
             <p:extLst>
               <p:ext uri="{D42A27DB-BD31-4B8C-83A1-F6EECF244321}">
-                <p14:modId xmlns:p14="http://schemas.microsoft.com/office/powerpoint/2010/main" val="3266789662"/>
+                <p14:modId xmlns:p14="http://schemas.microsoft.com/office/powerpoint/2010/main" val="1517478655"/>
               </p:ext>
             </p:extLst>
           </p:nvPr>
         </p:nvGraphicFramePr>
         <p:xfrm>
-          <a:off x="4213291" y="7155261"/>
+          <a:off x="4213291" y="7138932"/>
           <a:ext cx="1855403" cy="3299912"/>
         </p:xfrm>
         <a:graphic>
@@ -31118,7 +31085,7 @@
         </p:nvSpPr>
         <p:spPr>
           <a:xfrm>
-            <a:off x="4178240" y="8861871"/>
+            <a:off x="4178240" y="8845542"/>
             <a:ext cx="1583750" cy="821240"/>
           </a:xfrm>
           <a:prstGeom prst="rect">
@@ -31164,7 +31131,7 @@
         </p:nvSpPr>
         <p:spPr>
           <a:xfrm>
-            <a:off x="4036590" y="6967431"/>
+            <a:off x="4036590" y="6951102"/>
             <a:ext cx="2355556" cy="230832"/>
           </a:xfrm>
           <a:prstGeom prst="rect">
@@ -31207,7 +31174,7 @@
         </p:nvSpPr>
         <p:spPr>
           <a:xfrm>
-            <a:off x="11347528" y="2163013"/>
+            <a:off x="11347528" y="2146684"/>
             <a:ext cx="3405613" cy="584775"/>
           </a:xfrm>
           <a:prstGeom prst="rect">
@@ -31395,7 +31362,7 @@
         </p:nvGrpSpPr>
         <p:grpSpPr>
           <a:xfrm>
-            <a:off x="266750" y="2063907"/>
+            <a:off x="266750" y="2047578"/>
             <a:ext cx="3972652" cy="3973129"/>
             <a:chOff x="-1260648" y="1301975"/>
             <a:chExt cx="3972652" cy="3973129"/>
@@ -32917,8 +32884,8 @@
           </p:cxnSp>
         </p:grpSp>
       </p:grpSp>
-      <mc:AlternateContent xmlns:mc="http://schemas.openxmlformats.org/markup-compatibility/2006" xmlns:a14="http://schemas.microsoft.com/office/drawing/2010/main">
-        <mc:Choice Requires="a14">
+      <mc:AlternateContent xmlns:mc="http://schemas.openxmlformats.org/markup-compatibility/2006">
+        <mc:Choice xmlns:a14="http://schemas.microsoft.com/office/drawing/2010/main" Requires="a14">
           <p:sp>
             <p:nvSpPr>
               <p:cNvPr id="497" name="テキスト ボックス 496"/>
@@ -32927,7 +32894,7 @@
             </p:nvSpPr>
             <p:spPr>
               <a:xfrm>
-                <a:off x="322220" y="4801088"/>
+                <a:off x="322220" y="4784759"/>
                 <a:ext cx="4041491" cy="1703223"/>
               </a:xfrm>
               <a:prstGeom prst="rect">
@@ -35213,7 +35180,7 @@
             </p:txBody>
           </p:sp>
         </mc:Choice>
-        <mc:Fallback xmlns="">
+        <mc:Fallback>
           <p:sp>
             <p:nvSpPr>
               <p:cNvPr id="497" name="テキスト ボックス 496"/>
@@ -35224,7 +35191,7 @@
             </p:nvSpPr>
             <p:spPr>
               <a:xfrm>
-                <a:off x="322220" y="4801088"/>
+                <a:off x="322220" y="4784759"/>
                 <a:ext cx="4041491" cy="1703223"/>
               </a:xfrm>
               <a:prstGeom prst="rect">
@@ -35260,7 +35227,7 @@
         </p:nvGrpSpPr>
         <p:grpSpPr>
           <a:xfrm>
-            <a:off x="3710832" y="4307988"/>
+            <a:off x="3710832" y="4291659"/>
             <a:ext cx="3552080" cy="3110274"/>
             <a:chOff x="4871141" y="2564904"/>
             <a:chExt cx="3625344" cy="3174425"/>
@@ -36874,7 +36841,7 @@
         </p:nvSpPr>
         <p:spPr>
           <a:xfrm>
-            <a:off x="9431248" y="4713801"/>
+            <a:off x="9431248" y="4697472"/>
             <a:ext cx="1753915" cy="1921710"/>
           </a:xfrm>
           <a:prstGeom prst="rect">
@@ -36918,7 +36885,7 @@
         </p:nvSpPr>
         <p:spPr>
           <a:xfrm>
-            <a:off x="7952652" y="4713801"/>
+            <a:off x="7952652" y="4697472"/>
             <a:ext cx="1410069" cy="1911223"/>
           </a:xfrm>
           <a:prstGeom prst="rect">
@@ -36963,13 +36930,13 @@
           <p:nvPr>
             <p:extLst>
               <p:ext uri="{D42A27DB-BD31-4B8C-83A1-F6EECF244321}">
-                <p14:modId xmlns:p14="http://schemas.microsoft.com/office/powerpoint/2010/main" val="3063830333"/>
+                <p14:modId xmlns:p14="http://schemas.microsoft.com/office/powerpoint/2010/main" val="2785663666"/>
               </p:ext>
             </p:extLst>
           </p:nvPr>
         </p:nvGraphicFramePr>
         <p:xfrm>
-          <a:off x="6071511" y="4459864"/>
+          <a:off x="6071511" y="4443535"/>
           <a:ext cx="1917311" cy="2493821"/>
         </p:xfrm>
         <a:graphic>
@@ -36986,7 +36953,7 @@
         </p:nvSpPr>
         <p:spPr>
           <a:xfrm>
-            <a:off x="7987133" y="4613879"/>
+            <a:off x="7987133" y="4597550"/>
             <a:ext cx="1349643" cy="307777"/>
           </a:xfrm>
           <a:prstGeom prst="rect">
@@ -37064,7 +37031,7 @@
         </p:nvGrpSpPr>
         <p:grpSpPr>
           <a:xfrm>
-            <a:off x="7977938" y="4993295"/>
+            <a:off x="7977938" y="4976966"/>
             <a:ext cx="1358838" cy="1613974"/>
             <a:chOff x="7979206" y="4409054"/>
             <a:chExt cx="1358838" cy="1613974"/>
@@ -37548,7 +37515,7 @@
         </p:nvGrpSpPr>
         <p:grpSpPr>
           <a:xfrm>
-            <a:off x="9467761" y="4620133"/>
+            <a:off x="9467761" y="4603804"/>
             <a:ext cx="1735742" cy="1987136"/>
             <a:chOff x="8756161" y="5015167"/>
             <a:chExt cx="1735742" cy="1987136"/>
@@ -38125,7 +38092,7 @@
         </p:nvSpPr>
         <p:spPr>
           <a:xfrm>
-            <a:off x="6159011" y="4228542"/>
+            <a:off x="6159011" y="4212213"/>
             <a:ext cx="2967479" cy="307777"/>
           </a:xfrm>
           <a:prstGeom prst="rect">
@@ -38250,7 +38217,7 @@
         </p:nvSpPr>
         <p:spPr>
           <a:xfrm>
-            <a:off x="9379377" y="5276858"/>
+            <a:off x="9379377" y="5260529"/>
             <a:ext cx="276769" cy="503439"/>
           </a:xfrm>
           <a:prstGeom prst="rightArrow">
@@ -38290,7 +38257,7 @@
         </p:nvSpPr>
         <p:spPr>
           <a:xfrm>
-            <a:off x="2966959" y="1763097"/>
+            <a:off x="2966959" y="1746768"/>
             <a:ext cx="972751" cy="300495"/>
           </a:xfrm>
           <a:prstGeom prst="roundRect">
@@ -38350,7 +38317,7 @@
         </p:nvSpPr>
         <p:spPr>
           <a:xfrm>
-            <a:off x="2507000" y="4442429"/>
+            <a:off x="2507000" y="4426100"/>
             <a:ext cx="972751" cy="300495"/>
           </a:xfrm>
           <a:prstGeom prst="roundRect">
@@ -38410,7 +38377,7 @@
         </p:nvSpPr>
         <p:spPr>
           <a:xfrm>
-            <a:off x="8142743" y="1767628"/>
+            <a:off x="8142743" y="1751299"/>
             <a:ext cx="972751" cy="300495"/>
           </a:xfrm>
           <a:prstGeom prst="roundRect">
@@ -38470,7 +38437,7 @@
         </p:nvSpPr>
         <p:spPr>
           <a:xfrm>
-            <a:off x="8144167" y="3869057"/>
+            <a:off x="8144167" y="3852728"/>
             <a:ext cx="972751" cy="300495"/>
           </a:xfrm>
           <a:prstGeom prst="roundRect">
@@ -38530,7 +38497,7 @@
         </p:nvSpPr>
         <p:spPr>
           <a:xfrm>
-            <a:off x="3131053" y="6838675"/>
+            <a:off x="3131053" y="6822346"/>
             <a:ext cx="972751" cy="300495"/>
           </a:xfrm>
           <a:prstGeom prst="roundRect">
@@ -38590,7 +38557,7 @@
         </p:nvSpPr>
         <p:spPr>
           <a:xfrm>
-            <a:off x="8587980" y="6839105"/>
+            <a:off x="8587980" y="6822776"/>
             <a:ext cx="972751" cy="300495"/>
           </a:xfrm>
           <a:prstGeom prst="roundRect">
@@ -38658,7 +38625,7 @@
         </p:nvSpPr>
         <p:spPr>
           <a:xfrm>
-            <a:off x="12524831" y="1771897"/>
+            <a:off x="12524831" y="1755568"/>
             <a:ext cx="972751" cy="300495"/>
           </a:xfrm>
           <a:prstGeom prst="roundRect">
@@ -38726,7 +38693,7 @@
         </p:nvSpPr>
         <p:spPr>
           <a:xfrm>
-            <a:off x="7133943" y="6839104"/>
+            <a:off x="7133943" y="6822775"/>
             <a:ext cx="1452642" cy="369332"/>
           </a:xfrm>
           <a:prstGeom prst="rect">
@@ -38783,7 +38750,7 @@
         </p:nvSpPr>
         <p:spPr>
           <a:xfrm>
-            <a:off x="6005995" y="2182012"/>
+            <a:off x="6005995" y="2165683"/>
             <a:ext cx="2518638" cy="415498"/>
           </a:xfrm>
           <a:prstGeom prst="rect">
@@ -38867,7 +38834,7 @@
         </p:nvSpPr>
         <p:spPr>
           <a:xfrm>
-            <a:off x="1624392" y="7890560"/>
+            <a:off x="1624392" y="7874231"/>
             <a:ext cx="2305793" cy="461665"/>
           </a:xfrm>
           <a:prstGeom prst="rect">

--- a/design/2016/models/3_control_model.pptx
+++ b/design/2016/models/3_control_model.pptx
@@ -383,11 +383,11 @@
           <c:showPercent val="0"/>
           <c:showBubbleSize val="0"/>
         </c:dLbls>
-        <c:axId val="345753192"/>
-        <c:axId val="345754368"/>
+        <c:axId val="614403056"/>
+        <c:axId val="614406976"/>
       </c:scatterChart>
       <c:valAx>
-        <c:axId val="345753192"/>
+        <c:axId val="614403056"/>
         <c:scaling>
           <c:orientation val="minMax"/>
           <c:max val="100"/>
@@ -507,13 +507,13 @@
             <a:endParaRPr lang="ja-JP"/>
           </a:p>
         </c:txPr>
-        <c:crossAx val="345754368"/>
+        <c:crossAx val="614406976"/>
         <c:crosses val="autoZero"/>
         <c:crossBetween val="midCat"/>
         <c:majorUnit val="10"/>
       </c:valAx>
       <c:valAx>
-        <c:axId val="345754368"/>
+        <c:axId val="614406976"/>
         <c:scaling>
           <c:orientation val="minMax"/>
           <c:max val="5000"/>
@@ -637,7 +637,7 @@
             <a:endParaRPr lang="ja-JP"/>
           </a:p>
         </c:txPr>
-        <c:crossAx val="345753192"/>
+        <c:crossAx val="614403056"/>
         <c:crosses val="autoZero"/>
         <c:crossBetween val="midCat"/>
       </c:valAx>
@@ -6526,8 +6526,8 @@
           </a:p>
         </p:txBody>
       </p:sp>
-      <mc:AlternateContent xmlns:mc="http://schemas.openxmlformats.org/markup-compatibility/2006">
-        <mc:Choice xmlns:a14="http://schemas.microsoft.com/office/drawing/2010/main" Requires="a14">
+      <mc:AlternateContent xmlns:mc="http://schemas.openxmlformats.org/markup-compatibility/2006" xmlns:a14="http://schemas.microsoft.com/office/drawing/2010/main">
+        <mc:Choice Requires="a14">
           <p:sp>
             <p:nvSpPr>
               <p:cNvPr id="167" name="テキスト ボックス 166"/>
@@ -7353,7 +7353,7 @@
             </p:txBody>
           </p:sp>
         </mc:Choice>
-        <mc:Fallback>
+        <mc:Fallback xmlns="">
           <p:sp>
             <p:nvSpPr>
               <p:cNvPr id="167" name="テキスト ボックス 166"/>
@@ -7392,8 +7392,8 @@
           </p:sp>
         </mc:Fallback>
       </mc:AlternateContent>
-      <mc:AlternateContent xmlns:mc="http://schemas.openxmlformats.org/markup-compatibility/2006">
-        <mc:Choice xmlns:a14="http://schemas.microsoft.com/office/drawing/2010/main" Requires="a14">
+      <mc:AlternateContent xmlns:mc="http://schemas.openxmlformats.org/markup-compatibility/2006" xmlns:a14="http://schemas.microsoft.com/office/drawing/2010/main">
+        <mc:Choice Requires="a14">
           <p:sp>
             <p:nvSpPr>
               <p:cNvPr id="180" name="テキスト ボックス 179"/>
@@ -7650,7 +7650,7 @@
             </p:txBody>
           </p:sp>
         </mc:Choice>
-        <mc:Fallback>
+        <mc:Fallback xmlns="">
           <p:sp>
             <p:nvSpPr>
               <p:cNvPr id="180" name="テキスト ボックス 179"/>
@@ -7743,8 +7743,8 @@
           </a:p>
         </p:txBody>
       </p:sp>
-      <mc:AlternateContent xmlns:mc="http://schemas.openxmlformats.org/markup-compatibility/2006">
-        <mc:Choice xmlns:a14="http://schemas.microsoft.com/office/drawing/2010/main" Requires="a14">
+      <mc:AlternateContent xmlns:mc="http://schemas.openxmlformats.org/markup-compatibility/2006" xmlns:a14="http://schemas.microsoft.com/office/drawing/2010/main">
+        <mc:Choice Requires="a14">
           <p:sp>
             <p:nvSpPr>
               <p:cNvPr id="183" name="テキスト ボックス 182"/>
@@ -7973,7 +7973,7 @@
             </p:txBody>
           </p:sp>
         </mc:Choice>
-        <mc:Fallback>
+        <mc:Fallback xmlns="">
           <p:sp>
             <p:nvSpPr>
               <p:cNvPr id="183" name="テキスト ボックス 182"/>
@@ -8012,8 +8012,8 @@
           </p:sp>
         </mc:Fallback>
       </mc:AlternateContent>
-      <mc:AlternateContent xmlns:mc="http://schemas.openxmlformats.org/markup-compatibility/2006">
-        <mc:Choice xmlns:a14="http://schemas.microsoft.com/office/drawing/2010/main" Requires="a14">
+      <mc:AlternateContent xmlns:mc="http://schemas.openxmlformats.org/markup-compatibility/2006" xmlns:a14="http://schemas.microsoft.com/office/drawing/2010/main">
+        <mc:Choice Requires="a14">
           <p:sp>
             <p:nvSpPr>
               <p:cNvPr id="188" name="テキスト ボックス 187"/>
@@ -8347,7 +8347,7 @@
             </p:txBody>
           </p:sp>
         </mc:Choice>
-        <mc:Fallback>
+        <mc:Fallback xmlns="">
           <p:sp>
             <p:nvSpPr>
               <p:cNvPr id="188" name="テキスト ボックス 187"/>
@@ -9103,7 +9103,51 @@
                 <a:ea typeface="メイリオ" panose="020B0604030504040204" pitchFamily="50" charset="-128"/>
                 <a:cs typeface="メイリオ" panose="020B0604030504040204" pitchFamily="50" charset="-128"/>
               </a:rPr>
-              <a:t>座標をコースの座標に合わせる。</a:t>
+              <a:t>座標をコース</a:t>
+            </a:r>
+            <a:r>
+              <a:rPr lang="ja-JP" altLang="en-US" sz="700" dirty="0" smtClean="0">
+                <a:solidFill>
+                  <a:schemeClr val="tx1"/>
+                </a:solidFill>
+                <a:latin typeface="メイリオ" panose="020B0604030504040204" pitchFamily="50" charset="-128"/>
+                <a:ea typeface="メイリオ" panose="020B0604030504040204" pitchFamily="50" charset="-128"/>
+                <a:cs typeface="メイリオ" panose="020B0604030504040204" pitchFamily="50" charset="-128"/>
+              </a:rPr>
+              <a:t>の</a:t>
+            </a:r>
+            <a:r>
+              <a:rPr lang="en-US" altLang="ja-JP" sz="700" dirty="0" smtClean="0">
+                <a:solidFill>
+                  <a:schemeClr val="tx1"/>
+                </a:solidFill>
+                <a:latin typeface="メイリオ" panose="020B0604030504040204" pitchFamily="50" charset="-128"/>
+                <a:ea typeface="メイリオ" panose="020B0604030504040204" pitchFamily="50" charset="-128"/>
+                <a:cs typeface="メイリオ" panose="020B0604030504040204" pitchFamily="50" charset="-128"/>
+              </a:rPr>
+              <a:t>y</a:t>
+            </a:r>
+            <a:r>
+              <a:rPr lang="ja-JP" altLang="en-US" sz="700" dirty="0" smtClean="0">
+                <a:solidFill>
+                  <a:schemeClr val="tx1"/>
+                </a:solidFill>
+                <a:latin typeface="メイリオ" panose="020B0604030504040204" pitchFamily="50" charset="-128"/>
+                <a:ea typeface="メイリオ" panose="020B0604030504040204" pitchFamily="50" charset="-128"/>
+                <a:cs typeface="メイリオ" panose="020B0604030504040204" pitchFamily="50" charset="-128"/>
+              </a:rPr>
+              <a:t>座標</a:t>
+            </a:r>
+            <a:r>
+              <a:rPr lang="ja-JP" altLang="en-US" sz="700" dirty="0" smtClean="0">
+                <a:solidFill>
+                  <a:schemeClr val="tx1"/>
+                </a:solidFill>
+                <a:latin typeface="メイリオ" panose="020B0604030504040204" pitchFamily="50" charset="-128"/>
+                <a:ea typeface="メイリオ" panose="020B0604030504040204" pitchFamily="50" charset="-128"/>
+                <a:cs typeface="メイリオ" panose="020B0604030504040204" pitchFamily="50" charset="-128"/>
+              </a:rPr>
+              <a:t>に合わせる。</a:t>
             </a:r>
             <a:endParaRPr kumimoji="1" lang="ja-JP" altLang="en-US" sz="700" dirty="0">
               <a:solidFill>
@@ -9419,7 +9463,51 @@
                 <a:ea typeface="メイリオ" panose="020B0604030504040204" pitchFamily="50" charset="-128"/>
                 <a:cs typeface="メイリオ" panose="020B0604030504040204" pitchFamily="50" charset="-128"/>
               </a:rPr>
-              <a:t>座標をコースの座標に合わせる。</a:t>
+              <a:t>座標をコース</a:t>
+            </a:r>
+            <a:r>
+              <a:rPr lang="ja-JP" altLang="en-US" sz="700" dirty="0" smtClean="0">
+                <a:solidFill>
+                  <a:schemeClr val="tx1"/>
+                </a:solidFill>
+                <a:latin typeface="メイリオ" panose="020B0604030504040204" pitchFamily="50" charset="-128"/>
+                <a:ea typeface="メイリオ" panose="020B0604030504040204" pitchFamily="50" charset="-128"/>
+                <a:cs typeface="メイリオ" panose="020B0604030504040204" pitchFamily="50" charset="-128"/>
+              </a:rPr>
+              <a:t>の</a:t>
+            </a:r>
+            <a:r>
+              <a:rPr lang="en-US" altLang="ja-JP" sz="700" smtClean="0">
+                <a:solidFill>
+                  <a:schemeClr val="tx1"/>
+                </a:solidFill>
+                <a:latin typeface="メイリオ" panose="020B0604030504040204" pitchFamily="50" charset="-128"/>
+                <a:ea typeface="メイリオ" panose="020B0604030504040204" pitchFamily="50" charset="-128"/>
+                <a:cs typeface="メイリオ" panose="020B0604030504040204" pitchFamily="50" charset="-128"/>
+              </a:rPr>
+              <a:t>x</a:t>
+            </a:r>
+            <a:r>
+              <a:rPr lang="ja-JP" altLang="en-US" sz="700" smtClean="0">
+                <a:solidFill>
+                  <a:schemeClr val="tx1"/>
+                </a:solidFill>
+                <a:latin typeface="メイリオ" panose="020B0604030504040204" pitchFamily="50" charset="-128"/>
+                <a:ea typeface="メイリオ" panose="020B0604030504040204" pitchFamily="50" charset="-128"/>
+                <a:cs typeface="メイリオ" panose="020B0604030504040204" pitchFamily="50" charset="-128"/>
+              </a:rPr>
+              <a:t>座標</a:t>
+            </a:r>
+            <a:r>
+              <a:rPr lang="ja-JP" altLang="en-US" sz="700" dirty="0" smtClean="0">
+                <a:solidFill>
+                  <a:schemeClr val="tx1"/>
+                </a:solidFill>
+                <a:latin typeface="メイリオ" panose="020B0604030504040204" pitchFamily="50" charset="-128"/>
+                <a:ea typeface="メイリオ" panose="020B0604030504040204" pitchFamily="50" charset="-128"/>
+                <a:cs typeface="メイリオ" panose="020B0604030504040204" pitchFamily="50" charset="-128"/>
+              </a:rPr>
+              <a:t>に合わせる。</a:t>
             </a:r>
             <a:endParaRPr kumimoji="1" lang="ja-JP" altLang="en-US" sz="700" dirty="0">
               <a:solidFill>
@@ -9576,15 +9664,7 @@
                 <a:ea typeface="メイリオ" panose="020B0604030504040204" pitchFamily="50" charset="-128"/>
                 <a:cs typeface="メイリオ" panose="020B0604030504040204" pitchFamily="50" charset="-128"/>
               </a:rPr>
-              <a:t>車輪制御</a:t>
-            </a:r>
-            <a:r>
-              <a:rPr lang="ja-JP" altLang="en-US" sz="600" dirty="0" smtClean="0">
-                <a:latin typeface="メイリオ" panose="020B0604030504040204" pitchFamily="50" charset="-128"/>
-                <a:ea typeface="メイリオ" panose="020B0604030504040204" pitchFamily="50" charset="-128"/>
-                <a:cs typeface="メイリオ" panose="020B0604030504040204" pitchFamily="50" charset="-128"/>
-              </a:rPr>
-              <a:t>を用いて、次の手順によってブロックをアームに収めることを実現する。</a:t>
+              <a:t>車輪制御を用いて、次の手順によってブロックをアームに収めることを実現する。</a:t>
             </a:r>
             <a:endParaRPr lang="en-US" altLang="ja-JP" sz="600" dirty="0" smtClean="0">
               <a:latin typeface="メイリオ" panose="020B0604030504040204" pitchFamily="50" charset="-128"/>
@@ -32884,8 +32964,8 @@
           </p:cxnSp>
         </p:grpSp>
       </p:grpSp>
-      <mc:AlternateContent xmlns:mc="http://schemas.openxmlformats.org/markup-compatibility/2006">
-        <mc:Choice xmlns:a14="http://schemas.microsoft.com/office/drawing/2010/main" Requires="a14">
+      <mc:AlternateContent xmlns:mc="http://schemas.openxmlformats.org/markup-compatibility/2006" xmlns:a14="http://schemas.microsoft.com/office/drawing/2010/main">
+        <mc:Choice Requires="a14">
           <p:sp>
             <p:nvSpPr>
               <p:cNvPr id="497" name="テキスト ボックス 496"/>
@@ -35180,7 +35260,7 @@
             </p:txBody>
           </p:sp>
         </mc:Choice>
-        <mc:Fallback>
+        <mc:Fallback xmlns="">
           <p:sp>
             <p:nvSpPr>
               <p:cNvPr id="497" name="テキスト ボックス 496"/>

--- a/design/2016/models/3_control_model.pptx
+++ b/design/2016/models/3_control_model.pptx
@@ -383,11 +383,11 @@
           <c:showPercent val="0"/>
           <c:showBubbleSize val="0"/>
         </c:dLbls>
-        <c:axId val="614403056"/>
-        <c:axId val="614406976"/>
+        <c:axId val="342606920"/>
+        <c:axId val="342606136"/>
       </c:scatterChart>
       <c:valAx>
-        <c:axId val="614403056"/>
+        <c:axId val="342606920"/>
         <c:scaling>
           <c:orientation val="minMax"/>
           <c:max val="100"/>
@@ -507,13 +507,13 @@
             <a:endParaRPr lang="ja-JP"/>
           </a:p>
         </c:txPr>
-        <c:crossAx val="614406976"/>
+        <c:crossAx val="342606136"/>
         <c:crosses val="autoZero"/>
         <c:crossBetween val="midCat"/>
         <c:majorUnit val="10"/>
       </c:valAx>
       <c:valAx>
-        <c:axId val="614406976"/>
+        <c:axId val="342606136"/>
         <c:scaling>
           <c:orientation val="minMax"/>
           <c:max val="5000"/>
@@ -637,7 +637,7 @@
             <a:endParaRPr lang="ja-JP"/>
           </a:p>
         </c:txPr>
-        <c:crossAx val="614403056"/>
+        <c:crossAx val="342606920"/>
         <c:crosses val="autoZero"/>
         <c:crossBetween val="midCat"/>
       </c:valAx>
@@ -1346,7 +1346,7 @@
           <a:p>
             <a:fld id="{729140AA-5DCF-4644-846F-5EE03622738A}" type="datetimeFigureOut">
               <a:rPr kumimoji="1" lang="ja-JP" altLang="en-US" smtClean="0"/>
-              <a:t>2016/8/17</a:t>
+              <a:t>2016/8/18</a:t>
             </a:fld>
             <a:endParaRPr kumimoji="1" lang="ja-JP" altLang="en-US"/>
           </a:p>
@@ -1777,7 +1777,7 @@
           <a:p>
             <a:fld id="{D72B48E1-50D5-40B7-9AA4-D680720A3CD4}" type="datetimeFigureOut">
               <a:rPr kumimoji="1" lang="ja-JP" altLang="en-US" smtClean="0"/>
-              <a:t>2016/8/17</a:t>
+              <a:t>2016/8/18</a:t>
             </a:fld>
             <a:endParaRPr kumimoji="1" lang="ja-JP" altLang="en-US"/>
           </a:p>
@@ -1979,7 +1979,7 @@
           <a:p>
             <a:fld id="{D72B48E1-50D5-40B7-9AA4-D680720A3CD4}" type="datetimeFigureOut">
               <a:rPr kumimoji="1" lang="ja-JP" altLang="en-US" smtClean="0"/>
-              <a:t>2016/8/17</a:t>
+              <a:t>2016/8/18</a:t>
             </a:fld>
             <a:endParaRPr kumimoji="1" lang="ja-JP" altLang="en-US"/>
           </a:p>
@@ -2191,7 +2191,7 @@
           <a:p>
             <a:fld id="{D72B48E1-50D5-40B7-9AA4-D680720A3CD4}" type="datetimeFigureOut">
               <a:rPr kumimoji="1" lang="ja-JP" altLang="en-US" smtClean="0"/>
-              <a:t>2016/8/17</a:t>
+              <a:t>2016/8/18</a:t>
             </a:fld>
             <a:endParaRPr kumimoji="1" lang="ja-JP" altLang="en-US"/>
           </a:p>
@@ -2430,7 +2430,7 @@
           <a:p>
             <a:fld id="{D72B48E1-50D5-40B7-9AA4-D680720A3CD4}" type="datetimeFigureOut">
               <a:rPr kumimoji="1" lang="ja-JP" altLang="en-US" smtClean="0"/>
-              <a:t>2016/8/17</a:t>
+              <a:t>2016/8/18</a:t>
             </a:fld>
             <a:endParaRPr kumimoji="1" lang="ja-JP" altLang="en-US"/>
           </a:p>
@@ -2674,7 +2674,7 @@
           <a:p>
             <a:fld id="{D72B48E1-50D5-40B7-9AA4-D680720A3CD4}" type="datetimeFigureOut">
               <a:rPr kumimoji="1" lang="ja-JP" altLang="en-US" smtClean="0"/>
-              <a:t>2016/8/17</a:t>
+              <a:t>2016/8/18</a:t>
             </a:fld>
             <a:endParaRPr kumimoji="1" lang="ja-JP" altLang="en-US"/>
           </a:p>
@@ -2970,7 +2970,7 @@
           <a:p>
             <a:fld id="{D72B48E1-50D5-40B7-9AA4-D680720A3CD4}" type="datetimeFigureOut">
               <a:rPr kumimoji="1" lang="ja-JP" altLang="en-US" smtClean="0"/>
-              <a:t>2016/8/17</a:t>
+              <a:t>2016/8/18</a:t>
             </a:fld>
             <a:endParaRPr kumimoji="1" lang="ja-JP" altLang="en-US"/>
           </a:p>
@@ -3401,7 +3401,7 @@
           <a:p>
             <a:fld id="{D72B48E1-50D5-40B7-9AA4-D680720A3CD4}" type="datetimeFigureOut">
               <a:rPr kumimoji="1" lang="ja-JP" altLang="en-US" smtClean="0"/>
-              <a:t>2016/8/17</a:t>
+              <a:t>2016/8/18</a:t>
             </a:fld>
             <a:endParaRPr kumimoji="1" lang="ja-JP" altLang="en-US"/>
           </a:p>
@@ -3519,7 +3519,7 @@
           <a:p>
             <a:fld id="{D72B48E1-50D5-40B7-9AA4-D680720A3CD4}" type="datetimeFigureOut">
               <a:rPr kumimoji="1" lang="ja-JP" altLang="en-US" smtClean="0"/>
-              <a:t>2016/8/17</a:t>
+              <a:t>2016/8/18</a:t>
             </a:fld>
             <a:endParaRPr kumimoji="1" lang="ja-JP" altLang="en-US"/>
           </a:p>
@@ -3614,7 +3614,7 @@
           <a:p>
             <a:fld id="{D72B48E1-50D5-40B7-9AA4-D680720A3CD4}" type="datetimeFigureOut">
               <a:rPr kumimoji="1" lang="ja-JP" altLang="en-US" smtClean="0"/>
-              <a:t>2016/8/17</a:t>
+              <a:t>2016/8/18</a:t>
             </a:fld>
             <a:endParaRPr kumimoji="1" lang="ja-JP" altLang="en-US"/>
           </a:p>
@@ -3923,7 +3923,7 @@
           <a:p>
             <a:fld id="{D72B48E1-50D5-40B7-9AA4-D680720A3CD4}" type="datetimeFigureOut">
               <a:rPr kumimoji="1" lang="ja-JP" altLang="en-US" smtClean="0"/>
-              <a:t>2016/8/17</a:t>
+              <a:t>2016/8/18</a:t>
             </a:fld>
             <a:endParaRPr kumimoji="1" lang="ja-JP" altLang="en-US"/>
           </a:p>
@@ -4180,7 +4180,7 @@
           <a:p>
             <a:fld id="{D72B48E1-50D5-40B7-9AA4-D680720A3CD4}" type="datetimeFigureOut">
               <a:rPr kumimoji="1" lang="ja-JP" altLang="en-US" smtClean="0"/>
-              <a:t>2016/8/17</a:t>
+              <a:t>2016/8/18</a:t>
             </a:fld>
             <a:endParaRPr kumimoji="1" lang="ja-JP" altLang="en-US"/>
           </a:p>
@@ -4425,7 +4425,7 @@
           <a:p>
             <a:fld id="{D72B48E1-50D5-40B7-9AA4-D680720A3CD4}" type="datetimeFigureOut">
               <a:rPr kumimoji="1" lang="ja-JP" altLang="en-US" smtClean="0"/>
-              <a:t>2016/8/17</a:t>
+              <a:t>2016/8/18</a:t>
             </a:fld>
             <a:endParaRPr kumimoji="1" lang="ja-JP" altLang="en-US"/>
           </a:p>
@@ -5235,7 +5235,28 @@
                 <a:ea typeface="メイリオ" panose="020B0604030504040204" pitchFamily="50" charset="-128"/>
                 <a:cs typeface="メイリオ" panose="020B0604030504040204" pitchFamily="50" charset="-128"/>
               </a:rPr>
-              <a:t>(1/2)</a:t>
+              <a:t>(</a:t>
+            </a:r>
+            <a:r>
+              <a:rPr lang="en-US" altLang="ja-JP" sz="2000" dirty="0" smtClean="0">
+                <a:ln w="0"/>
+                <a:solidFill>
+                  <a:schemeClr val="bg1">
+                    <a:lumMod val="50000"/>
+                  </a:schemeClr>
+                </a:solidFill>
+                <a:effectLst>
+                  <a:outerShdw blurRad="38100" dist="38100" dir="2700000" algn="tl">
+                    <a:srgbClr val="000000">
+                      <a:alpha val="43137"/>
+                    </a:srgbClr>
+                  </a:outerShdw>
+                </a:effectLst>
+                <a:latin typeface="メイリオ" panose="020B0604030504040204" pitchFamily="50" charset="-128"/>
+                <a:ea typeface="メイリオ" panose="020B0604030504040204" pitchFamily="50" charset="-128"/>
+                <a:cs typeface="メイリオ" panose="020B0604030504040204" pitchFamily="50" charset="-128"/>
+              </a:rPr>
+              <a:t>1)</a:t>
             </a:r>
             <a:endParaRPr lang="ja-JP" altLang="en-US" sz="2227" dirty="0">
               <a:ln w="0"/>
@@ -5352,7 +5373,7 @@
               <a:t>設計</a:t>
             </a:r>
             <a:r>
-              <a:rPr lang="en-US" altLang="ja-JP" sz="2000" dirty="0">
+              <a:rPr lang="en-US" altLang="ja-JP" sz="2000">
                 <a:ln w="0"/>
                 <a:solidFill>
                   <a:schemeClr val="bg1">
@@ -5370,7 +5391,28 @@
                 <a:ea typeface="メイリオ" panose="020B0604030504040204" pitchFamily="50" charset="-128"/>
                 <a:cs typeface="メイリオ" panose="020B0604030504040204" pitchFamily="50" charset="-128"/>
               </a:rPr>
-              <a:t>(2/2)</a:t>
+              <a:t>(</a:t>
+            </a:r>
+            <a:r>
+              <a:rPr lang="en-US" altLang="ja-JP" sz="2000" smtClean="0">
+                <a:ln w="0"/>
+                <a:solidFill>
+                  <a:schemeClr val="bg1">
+                    <a:lumMod val="50000"/>
+                  </a:schemeClr>
+                </a:solidFill>
+                <a:effectLst>
+                  <a:outerShdw blurRad="38100" dist="38100" dir="2700000" algn="tl">
+                    <a:srgbClr val="000000">
+                      <a:alpha val="43137"/>
+                    </a:srgbClr>
+                  </a:outerShdw>
+                </a:effectLst>
+                <a:latin typeface="メイリオ" panose="020B0604030504040204" pitchFamily="50" charset="-128"/>
+                <a:ea typeface="メイリオ" panose="020B0604030504040204" pitchFamily="50" charset="-128"/>
+                <a:cs typeface="メイリオ" panose="020B0604030504040204" pitchFamily="50" charset="-128"/>
+              </a:rPr>
+              <a:t>2)</a:t>
             </a:r>
             <a:endParaRPr lang="ja-JP" altLang="en-US" sz="2000" dirty="0">
               <a:ln w="0"/>
@@ -9103,18 +9145,7 @@
                 <a:ea typeface="メイリオ" panose="020B0604030504040204" pitchFamily="50" charset="-128"/>
                 <a:cs typeface="メイリオ" panose="020B0604030504040204" pitchFamily="50" charset="-128"/>
               </a:rPr>
-              <a:t>座標をコース</a:t>
-            </a:r>
-            <a:r>
-              <a:rPr lang="ja-JP" altLang="en-US" sz="700" dirty="0" smtClean="0">
-                <a:solidFill>
-                  <a:schemeClr val="tx1"/>
-                </a:solidFill>
-                <a:latin typeface="メイリオ" panose="020B0604030504040204" pitchFamily="50" charset="-128"/>
-                <a:ea typeface="メイリオ" panose="020B0604030504040204" pitchFamily="50" charset="-128"/>
-                <a:cs typeface="メイリオ" panose="020B0604030504040204" pitchFamily="50" charset="-128"/>
-              </a:rPr>
-              <a:t>の</a:t>
+              <a:t>座標をコースの</a:t>
             </a:r>
             <a:r>
               <a:rPr lang="en-US" altLang="ja-JP" sz="700" dirty="0" smtClean="0">
@@ -9136,18 +9167,7 @@
                 <a:ea typeface="メイリオ" panose="020B0604030504040204" pitchFamily="50" charset="-128"/>
                 <a:cs typeface="メイリオ" panose="020B0604030504040204" pitchFamily="50" charset="-128"/>
               </a:rPr>
-              <a:t>座標</a:t>
-            </a:r>
-            <a:r>
-              <a:rPr lang="ja-JP" altLang="en-US" sz="700" dirty="0" smtClean="0">
-                <a:solidFill>
-                  <a:schemeClr val="tx1"/>
-                </a:solidFill>
-                <a:latin typeface="メイリオ" panose="020B0604030504040204" pitchFamily="50" charset="-128"/>
-                <a:ea typeface="メイリオ" panose="020B0604030504040204" pitchFamily="50" charset="-128"/>
-                <a:cs typeface="メイリオ" panose="020B0604030504040204" pitchFamily="50" charset="-128"/>
-              </a:rPr>
-              <a:t>に合わせる。</a:t>
+              <a:t>座標に合わせる。</a:t>
             </a:r>
             <a:endParaRPr kumimoji="1" lang="ja-JP" altLang="en-US" sz="700" dirty="0">
               <a:solidFill>
@@ -9463,18 +9483,7 @@
                 <a:ea typeface="メイリオ" panose="020B0604030504040204" pitchFamily="50" charset="-128"/>
                 <a:cs typeface="メイリオ" panose="020B0604030504040204" pitchFamily="50" charset="-128"/>
               </a:rPr>
-              <a:t>座標をコース</a:t>
-            </a:r>
-            <a:r>
-              <a:rPr lang="ja-JP" altLang="en-US" sz="700" dirty="0" smtClean="0">
-                <a:solidFill>
-                  <a:schemeClr val="tx1"/>
-                </a:solidFill>
-                <a:latin typeface="メイリオ" panose="020B0604030504040204" pitchFamily="50" charset="-128"/>
-                <a:ea typeface="メイリオ" panose="020B0604030504040204" pitchFamily="50" charset="-128"/>
-                <a:cs typeface="メイリオ" panose="020B0604030504040204" pitchFamily="50" charset="-128"/>
-              </a:rPr>
-              <a:t>の</a:t>
+              <a:t>座標をコースの</a:t>
             </a:r>
             <a:r>
               <a:rPr lang="en-US" altLang="ja-JP" sz="700" smtClean="0">

--- a/design/2016/models/3_control_model.pptx
+++ b/design/2016/models/3_control_model.pptx
@@ -383,11 +383,11 @@
           <c:showPercent val="0"/>
           <c:showBubbleSize val="0"/>
         </c:dLbls>
-        <c:axId val="342606920"/>
-        <c:axId val="342606136"/>
+        <c:axId val="393191184"/>
+        <c:axId val="393292344"/>
       </c:scatterChart>
       <c:valAx>
-        <c:axId val="342606920"/>
+        <c:axId val="393191184"/>
         <c:scaling>
           <c:orientation val="minMax"/>
           <c:max val="100"/>
@@ -507,13 +507,13 @@
             <a:endParaRPr lang="ja-JP"/>
           </a:p>
         </c:txPr>
-        <c:crossAx val="342606136"/>
+        <c:crossAx val="393292344"/>
         <c:crosses val="autoZero"/>
         <c:crossBetween val="midCat"/>
         <c:majorUnit val="10"/>
       </c:valAx>
       <c:valAx>
-        <c:axId val="342606136"/>
+        <c:axId val="393292344"/>
         <c:scaling>
           <c:orientation val="minMax"/>
           <c:max val="5000"/>
@@ -637,7 +637,7 @@
             <a:endParaRPr lang="ja-JP"/>
           </a:p>
         </c:txPr>
-        <c:crossAx val="342606920"/>
+        <c:crossAx val="393191184"/>
         <c:crosses val="autoZero"/>
         <c:crossBetween val="midCat"/>
       </c:valAx>
@@ -6385,8 +6385,8 @@
         </p:nvSpPr>
         <p:spPr>
           <a:xfrm>
-            <a:off x="6066396" y="8788888"/>
-            <a:ext cx="1104180" cy="630942"/>
+            <a:off x="6074248" y="8788888"/>
+            <a:ext cx="1096328" cy="630942"/>
           </a:xfrm>
           <a:prstGeom prst="rect">
             <a:avLst/>
@@ -6545,12 +6545,36 @@
               </a:rPr>
             </a:br>
             <a:r>
+              <a:rPr lang="en-US" altLang="ja-JP" sz="700" dirty="0" smtClean="0">
+                <a:latin typeface="メイリオ" panose="020B0604030504040204" pitchFamily="50" charset="-128"/>
+                <a:ea typeface="メイリオ" panose="020B0604030504040204" pitchFamily="50" charset="-128"/>
+                <a:cs typeface="メイリオ" panose="020B0604030504040204" pitchFamily="50" charset="-128"/>
+              </a:rPr>
+              <a:t>BLACK</a:t>
+            </a:r>
+            <a:r>
               <a:rPr lang="ja-JP" altLang="en-US" sz="700" dirty="0" smtClean="0">
                 <a:latin typeface="メイリオ" panose="020B0604030504040204" pitchFamily="50" charset="-128"/>
                 <a:ea typeface="メイリオ" panose="020B0604030504040204" pitchFamily="50" charset="-128"/>
                 <a:cs typeface="メイリオ" panose="020B0604030504040204" pitchFamily="50" charset="-128"/>
               </a:rPr>
-              <a:t>黒として認識させる</a:t>
+              <a:t>と</a:t>
+            </a:r>
+            <a:r>
+              <a:rPr lang="ja-JP" altLang="en-US" sz="700" dirty="0" smtClean="0">
+                <a:latin typeface="メイリオ" panose="020B0604030504040204" pitchFamily="50" charset="-128"/>
+                <a:ea typeface="メイリオ" panose="020B0604030504040204" pitchFamily="50" charset="-128"/>
+                <a:cs typeface="メイリオ" panose="020B0604030504040204" pitchFamily="50" charset="-128"/>
+              </a:rPr>
+              <a:t>みな</a:t>
+            </a:r>
+            <a:r>
+              <a:rPr lang="ja-JP" altLang="en-US" sz="700" dirty="0">
+                <a:latin typeface="メイリオ" panose="020B0604030504040204" pitchFamily="50" charset="-128"/>
+                <a:ea typeface="メイリオ" panose="020B0604030504040204" pitchFamily="50" charset="-128"/>
+                <a:cs typeface="メイリオ" panose="020B0604030504040204" pitchFamily="50" charset="-128"/>
+              </a:rPr>
+              <a:t>す</a:t>
             </a:r>
             <a:r>
               <a:rPr lang="en-US" altLang="ja-JP" sz="700" dirty="0" smtClean="0">
@@ -9167,7 +9191,7 @@
                 <a:ea typeface="メイリオ" panose="020B0604030504040204" pitchFamily="50" charset="-128"/>
                 <a:cs typeface="メイリオ" panose="020B0604030504040204" pitchFamily="50" charset="-128"/>
               </a:rPr>
-              <a:t>座標に合わせる。</a:t>
+              <a:t>座標に合わせる</a:t>
             </a:r>
             <a:endParaRPr kumimoji="1" lang="ja-JP" altLang="en-US" sz="700" dirty="0">
               <a:solidFill>
@@ -9486,7 +9510,7 @@
               <a:t>座標をコースの</a:t>
             </a:r>
             <a:r>
-              <a:rPr lang="en-US" altLang="ja-JP" sz="700" smtClean="0">
+              <a:rPr lang="en-US" altLang="ja-JP" sz="700" dirty="0" smtClean="0">
                 <a:solidFill>
                   <a:schemeClr val="tx1"/>
                 </a:solidFill>
@@ -9497,17 +9521,6 @@
               <a:t>x</a:t>
             </a:r>
             <a:r>
-              <a:rPr lang="ja-JP" altLang="en-US" sz="700" smtClean="0">
-                <a:solidFill>
-                  <a:schemeClr val="tx1"/>
-                </a:solidFill>
-                <a:latin typeface="メイリオ" panose="020B0604030504040204" pitchFamily="50" charset="-128"/>
-                <a:ea typeface="メイリオ" panose="020B0604030504040204" pitchFamily="50" charset="-128"/>
-                <a:cs typeface="メイリオ" panose="020B0604030504040204" pitchFamily="50" charset="-128"/>
-              </a:rPr>
-              <a:t>座標</a:t>
-            </a:r>
-            <a:r>
               <a:rPr lang="ja-JP" altLang="en-US" sz="700" dirty="0" smtClean="0">
                 <a:solidFill>
                   <a:schemeClr val="tx1"/>
@@ -9516,7 +9529,7 @@
                 <a:ea typeface="メイリオ" panose="020B0604030504040204" pitchFamily="50" charset="-128"/>
                 <a:cs typeface="メイリオ" panose="020B0604030504040204" pitchFamily="50" charset="-128"/>
               </a:rPr>
-              <a:t>に合わせる。</a:t>
+              <a:t>座標に合わせる</a:t>
             </a:r>
             <a:endParaRPr kumimoji="1" lang="ja-JP" altLang="en-US" sz="700" dirty="0">
               <a:solidFill>
@@ -9815,7 +9828,7 @@
                 <a:ea typeface="メイリオ" panose="020B0604030504040204" pitchFamily="50" charset="-128"/>
                 <a:cs typeface="メイリオ" panose="020B0604030504040204" pitchFamily="50" charset="-128"/>
               </a:rPr>
-              <a:t>アームをあげる</a:t>
+              <a:t>アームを上げる</a:t>
             </a:r>
             <a:r>
               <a:rPr lang="en-US" altLang="ja-JP" sz="600" dirty="0" smtClean="0">
@@ -9882,7 +9895,7 @@
         <p:spPr>
           <a:xfrm>
             <a:off x="2059120" y="9902144"/>
-            <a:ext cx="2086515" cy="553986"/>
+            <a:ext cx="2086515" cy="369320"/>
           </a:xfrm>
           <a:prstGeom prst="rect">
             <a:avLst/>
@@ -9923,12 +9936,92 @@
               </a:rPr>
             </a:br>
             <a:r>
+              <a:rPr lang="en-US" altLang="ja-JP" sz="600" dirty="0" smtClean="0">
+                <a:latin typeface="メイリオ" panose="020B0604030504040204" pitchFamily="50" charset="-128"/>
+                <a:ea typeface="メイリオ" panose="020B0604030504040204" pitchFamily="50" charset="-128"/>
+                <a:cs typeface="メイリオ" panose="020B0604030504040204" pitchFamily="50" charset="-128"/>
+              </a:rPr>
+              <a:t>5</a:t>
+            </a:r>
+            <a:r>
               <a:rPr lang="ja-JP" altLang="en-US" sz="600" dirty="0" smtClean="0">
                 <a:latin typeface="メイリオ" panose="020B0604030504040204" pitchFamily="50" charset="-128"/>
                 <a:ea typeface="メイリオ" panose="020B0604030504040204" pitchFamily="50" charset="-128"/>
                 <a:cs typeface="メイリオ" panose="020B0604030504040204" pitchFamily="50" charset="-128"/>
               </a:rPr>
-              <a:t>ブロックの色以外が判定された</a:t>
+              <a:t>色</a:t>
+            </a:r>
+            <a:r>
+              <a:rPr lang="en-US" altLang="ja-JP" sz="600" dirty="0" smtClean="0">
+                <a:latin typeface="メイリオ" panose="020B0604030504040204" pitchFamily="50" charset="-128"/>
+                <a:ea typeface="メイリオ" panose="020B0604030504040204" pitchFamily="50" charset="-128"/>
+                <a:cs typeface="メイリオ" panose="020B0604030504040204" pitchFamily="50" charset="-128"/>
+              </a:rPr>
+              <a:t>(</a:t>
+            </a:r>
+            <a:r>
+              <a:rPr lang="ja-JP" altLang="en-US" sz="600" dirty="0" smtClean="0">
+                <a:latin typeface="メイリオ" panose="020B0604030504040204" pitchFamily="50" charset="-128"/>
+                <a:ea typeface="メイリオ" panose="020B0604030504040204" pitchFamily="50" charset="-128"/>
+                <a:cs typeface="メイリオ" panose="020B0604030504040204" pitchFamily="50" charset="-128"/>
+              </a:rPr>
+              <a:t>緑</a:t>
+            </a:r>
+            <a:r>
+              <a:rPr lang="ja-JP" altLang="en-US" sz="600" dirty="0" smtClean="0">
+                <a:latin typeface="メイリオ" panose="020B0604030504040204" pitchFamily="50" charset="-128"/>
+                <a:ea typeface="メイリオ" panose="020B0604030504040204" pitchFamily="50" charset="-128"/>
+                <a:cs typeface="メイリオ" panose="020B0604030504040204" pitchFamily="50" charset="-128"/>
+              </a:rPr>
+              <a:t>、</a:t>
+            </a:r>
+            <a:r>
+              <a:rPr lang="ja-JP" altLang="en-US" sz="600" dirty="0" smtClean="0">
+                <a:latin typeface="メイリオ" panose="020B0604030504040204" pitchFamily="50" charset="-128"/>
+                <a:ea typeface="メイリオ" panose="020B0604030504040204" pitchFamily="50" charset="-128"/>
+                <a:cs typeface="メイリオ" panose="020B0604030504040204" pitchFamily="50" charset="-128"/>
+              </a:rPr>
+              <a:t>黄、</a:t>
+            </a:r>
+            <a:r>
+              <a:rPr lang="ja-JP" altLang="en-US" sz="600" dirty="0" smtClean="0">
+                <a:latin typeface="メイリオ" panose="020B0604030504040204" pitchFamily="50" charset="-128"/>
+                <a:ea typeface="メイリオ" panose="020B0604030504040204" pitchFamily="50" charset="-128"/>
+                <a:cs typeface="メイリオ" panose="020B0604030504040204" pitchFamily="50" charset="-128"/>
+              </a:rPr>
+              <a:t>赤、青、</a:t>
+            </a:r>
+            <a:r>
+              <a:rPr lang="ja-JP" altLang="en-US" sz="600" dirty="0" smtClean="0">
+                <a:latin typeface="メイリオ" panose="020B0604030504040204" pitchFamily="50" charset="-128"/>
+                <a:ea typeface="メイリオ" panose="020B0604030504040204" pitchFamily="50" charset="-128"/>
+                <a:cs typeface="メイリオ" panose="020B0604030504040204" pitchFamily="50" charset="-128"/>
+              </a:rPr>
+              <a:t>黒</a:t>
+            </a:r>
+            <a:r>
+              <a:rPr lang="en-US" altLang="ja-JP" sz="600" dirty="0" smtClean="0">
+                <a:latin typeface="メイリオ" panose="020B0604030504040204" pitchFamily="50" charset="-128"/>
+                <a:ea typeface="メイリオ" panose="020B0604030504040204" pitchFamily="50" charset="-128"/>
+                <a:cs typeface="メイリオ" panose="020B0604030504040204" pitchFamily="50" charset="-128"/>
+              </a:rPr>
+              <a:t>)</a:t>
+            </a:r>
+            <a:r>
+              <a:rPr lang="ja-JP" altLang="en-US" sz="600" dirty="0" smtClean="0">
+                <a:latin typeface="メイリオ" panose="020B0604030504040204" pitchFamily="50" charset="-128"/>
+                <a:ea typeface="メイリオ" panose="020B0604030504040204" pitchFamily="50" charset="-128"/>
+                <a:cs typeface="メイリオ" panose="020B0604030504040204" pitchFamily="50" charset="-128"/>
+              </a:rPr>
+              <a:t>以外</a:t>
+            </a:r>
+            <a:r>
+              <a:rPr lang="ja-JP" altLang="en-US" sz="600" dirty="0" smtClean="0">
+                <a:latin typeface="メイリオ" panose="020B0604030504040204" pitchFamily="50" charset="-128"/>
+                <a:ea typeface="メイリオ" panose="020B0604030504040204" pitchFamily="50" charset="-128"/>
+                <a:cs typeface="メイリオ" panose="020B0604030504040204" pitchFamily="50" charset="-128"/>
+              </a:rPr>
+              <a:t>の色と判定された</a:t>
             </a:r>
             <a:r>
               <a:rPr lang="ja-JP" altLang="en-US" sz="600" dirty="0">
@@ -9945,30 +10038,6 @@
                 <a:cs typeface="メイリオ" panose="020B0604030504040204" pitchFamily="50" charset="-128"/>
               </a:rPr>
               <a:t>は、接近して再度色認識を試みる</a:t>
-            </a:r>
-            <a:r>
-              <a:rPr lang="ja-JP" altLang="en-US" sz="600" dirty="0">
-                <a:latin typeface="メイリオ" panose="020B0604030504040204" pitchFamily="50" charset="-128"/>
-                <a:ea typeface="メイリオ" panose="020B0604030504040204" pitchFamily="50" charset="-128"/>
-                <a:cs typeface="メイリオ" panose="020B0604030504040204" pitchFamily="50" charset="-128"/>
-              </a:rPr>
-              <a:t>。ただし、黒色ブロックは認識しづらいため</a:t>
-            </a:r>
-            <a:r>
-              <a:rPr lang="en-US" altLang="ja-JP" sz="600" dirty="0">
-                <a:latin typeface="メイリオ" panose="020B0604030504040204" pitchFamily="50" charset="-128"/>
-                <a:ea typeface="メイリオ" panose="020B0604030504040204" pitchFamily="50" charset="-128"/>
-                <a:cs typeface="メイリオ" panose="020B0604030504040204" pitchFamily="50" charset="-128"/>
-              </a:rPr>
-              <a:t>NONE</a:t>
-            </a:r>
-            <a:r>
-              <a:rPr lang="ja-JP" altLang="en-US" sz="600" dirty="0">
-                <a:latin typeface="メイリオ" panose="020B0604030504040204" pitchFamily="50" charset="-128"/>
-                <a:ea typeface="メイリオ" panose="020B0604030504040204" pitchFamily="50" charset="-128"/>
-                <a:cs typeface="メイリオ" panose="020B0604030504040204" pitchFamily="50" charset="-128"/>
-              </a:rPr>
-              <a:t>と認識された場合も黒色と判定する</a:t>
             </a:r>
             <a:r>
               <a:rPr lang="ja-JP" altLang="en-US" sz="600" dirty="0" smtClean="0">
@@ -31220,7 +31289,7 @@
         </p:nvSpPr>
         <p:spPr>
           <a:xfrm>
-            <a:off x="4036590" y="6951102"/>
+            <a:off x="4093234" y="6951102"/>
             <a:ext cx="2355556" cy="230832"/>
           </a:xfrm>
           <a:prstGeom prst="rect">
@@ -31315,7 +31384,23 @@
                 <a:ea typeface="メイリオ" panose="020B0604030504040204" pitchFamily="50" charset="-128"/>
                 <a:cs typeface="メイリオ" panose="020B0604030504040204" pitchFamily="50" charset="-128"/>
               </a:rPr>
-              <a:t>によって、安定した座標指定移動が可能となる。</a:t>
+              <a:t>によって、安定した座標指定移動が可能となるので、</a:t>
+            </a:r>
+            <a:r>
+              <a:rPr lang="en-US" altLang="ja-JP" sz="800" dirty="0" smtClean="0">
+                <a:latin typeface="メイリオ" panose="020B0604030504040204" pitchFamily="50" charset="-128"/>
+                <a:ea typeface="メイリオ" panose="020B0604030504040204" pitchFamily="50" charset="-128"/>
+                <a:cs typeface="メイリオ" panose="020B0604030504040204" pitchFamily="50" charset="-128"/>
+              </a:rPr>
+              <a:t>R</a:t>
+            </a:r>
+            <a:r>
+              <a:rPr lang="ja-JP" altLang="en-US" sz="800" dirty="0" smtClean="0">
+                <a:latin typeface="メイリオ" panose="020B0604030504040204" pitchFamily="50" charset="-128"/>
+                <a:ea typeface="メイリオ" panose="020B0604030504040204" pitchFamily="50" charset="-128"/>
+                <a:cs typeface="メイリオ" panose="020B0604030504040204" pitchFamily="50" charset="-128"/>
+              </a:rPr>
+              <a:t>コース上での走行は全て座標指定移動で行う。</a:t>
             </a:r>
             <a:r>
               <a:rPr lang="en-US" altLang="ja-JP" sz="800" dirty="0" smtClean="0">
@@ -31338,15 +31423,15 @@
                 <a:ea typeface="メイリオ" panose="020B0604030504040204" pitchFamily="50" charset="-128"/>
                 <a:cs typeface="メイリオ" panose="020B0604030504040204" pitchFamily="50" charset="-128"/>
               </a:rPr>
-              <a:t>それを用いて、</a:t>
+              <a:t>さら</a:t>
             </a:r>
             <a:r>
-              <a:rPr lang="en-US" altLang="ja-JP" sz="800" dirty="0" smtClean="0">
+              <a:rPr lang="ja-JP" altLang="en-US" sz="800" dirty="0">
                 <a:latin typeface="メイリオ" panose="020B0604030504040204" pitchFamily="50" charset="-128"/>
                 <a:ea typeface="メイリオ" panose="020B0604030504040204" pitchFamily="50" charset="-128"/>
                 <a:cs typeface="メイリオ" panose="020B0604030504040204" pitchFamily="50" charset="-128"/>
               </a:rPr>
-              <a:t>R</a:t>
+              <a:t>に</a:t>
             </a:r>
             <a:r>
               <a:rPr lang="ja-JP" altLang="en-US" sz="800" dirty="0" smtClean="0">
@@ -31354,38 +31439,7 @@
                 <a:ea typeface="メイリオ" panose="020B0604030504040204" pitchFamily="50" charset="-128"/>
                 <a:cs typeface="メイリオ" panose="020B0604030504040204" pitchFamily="50" charset="-128"/>
               </a:rPr>
-              <a:t>コース上で走行体を座標指定移動させる</a:t>
-            </a:r>
-            <a:r>
-              <a:rPr lang="ja-JP" altLang="en-US" sz="800" dirty="0">
-                <a:latin typeface="メイリオ" panose="020B0604030504040204" pitchFamily="50" charset="-128"/>
-                <a:ea typeface="メイリオ" panose="020B0604030504040204" pitchFamily="50" charset="-128"/>
-                <a:cs typeface="メイリオ" panose="020B0604030504040204" pitchFamily="50" charset="-128"/>
-              </a:rPr>
-              <a:t>。</a:t>
-            </a:r>
-            <a:r>
-              <a:rPr lang="en-US" altLang="ja-JP" sz="800" dirty="0" smtClean="0">
-                <a:latin typeface="メイリオ" panose="020B0604030504040204" pitchFamily="50" charset="-128"/>
-                <a:ea typeface="メイリオ" panose="020B0604030504040204" pitchFamily="50" charset="-128"/>
-                <a:cs typeface="メイリオ" panose="020B0604030504040204" pitchFamily="50" charset="-128"/>
-              </a:rPr>
-              <a:t/>
-            </a:r>
-            <a:br>
-              <a:rPr lang="en-US" altLang="ja-JP" sz="800" dirty="0" smtClean="0">
-                <a:latin typeface="メイリオ" panose="020B0604030504040204" pitchFamily="50" charset="-128"/>
-                <a:ea typeface="メイリオ" panose="020B0604030504040204" pitchFamily="50" charset="-128"/>
-                <a:cs typeface="メイリオ" panose="020B0604030504040204" pitchFamily="50" charset="-128"/>
-              </a:rPr>
-            </a:br>
-            <a:r>
-              <a:rPr lang="ja-JP" altLang="en-US" sz="800" dirty="0" smtClean="0">
-                <a:latin typeface="メイリオ" panose="020B0604030504040204" pitchFamily="50" charset="-128"/>
-                <a:ea typeface="メイリオ" panose="020B0604030504040204" pitchFamily="50" charset="-128"/>
-                <a:cs typeface="メイリオ" panose="020B0604030504040204" pitchFamily="50" charset="-128"/>
-              </a:rPr>
-              <a:t>加えて、下図のように</a:t>
+              <a:t>、</a:t>
             </a:r>
             <a:r>
               <a:rPr kumimoji="1" lang="ja-JP" altLang="en-US" sz="800" dirty="0" smtClean="0">
@@ -31409,15 +31463,7 @@
                 <a:ea typeface="メイリオ" panose="020B0604030504040204" pitchFamily="50" charset="-128"/>
                 <a:cs typeface="メイリオ" panose="020B0604030504040204" pitchFamily="50" charset="-128"/>
               </a:rPr>
-              <a:t>に従って設定</a:t>
-            </a:r>
-            <a:r>
-              <a:rPr lang="ja-JP" altLang="en-US" sz="800" dirty="0">
-                <a:latin typeface="メイリオ" panose="020B0604030504040204" pitchFamily="50" charset="-128"/>
-                <a:ea typeface="メイリオ" panose="020B0604030504040204" pitchFamily="50" charset="-128"/>
-                <a:cs typeface="メイリオ" panose="020B0604030504040204" pitchFamily="50" charset="-128"/>
-              </a:rPr>
-              <a:t>す</a:t>
+              <a:t>に従って設定す</a:t>
             </a:r>
             <a:r>
               <a:rPr kumimoji="1" lang="ja-JP" altLang="en-US" sz="800" dirty="0" smtClean="0">
@@ -31425,7 +31471,39 @@
                 <a:ea typeface="メイリオ" panose="020B0604030504040204" pitchFamily="50" charset="-128"/>
                 <a:cs typeface="メイリオ" panose="020B0604030504040204" pitchFamily="50" charset="-128"/>
               </a:rPr>
-              <a:t>ることで、さらに安定して走行させる</a:t>
+              <a:t>る</a:t>
+            </a:r>
+            <a:r>
+              <a:rPr kumimoji="1" lang="en-US" altLang="ja-JP" sz="800" dirty="0" smtClean="0">
+                <a:latin typeface="メイリオ" panose="020B0604030504040204" pitchFamily="50" charset="-128"/>
+                <a:ea typeface="メイリオ" panose="020B0604030504040204" pitchFamily="50" charset="-128"/>
+                <a:cs typeface="メイリオ" panose="020B0604030504040204" pitchFamily="50" charset="-128"/>
+              </a:rPr>
+              <a:t>(</a:t>
+            </a:r>
+            <a:r>
+              <a:rPr lang="ja-JP" altLang="en-US" sz="800" dirty="0" smtClean="0">
+                <a:latin typeface="メイリオ" panose="020B0604030504040204" pitchFamily="50" charset="-128"/>
+                <a:ea typeface="メイリオ" panose="020B0604030504040204" pitchFamily="50" charset="-128"/>
+                <a:cs typeface="メイリオ" panose="020B0604030504040204" pitchFamily="50" charset="-128"/>
+              </a:rPr>
+              <a:t>下図参照</a:t>
+            </a:r>
+            <a:r>
+              <a:rPr lang="en-US" altLang="ja-JP" sz="800" dirty="0" smtClean="0">
+                <a:latin typeface="メイリオ" panose="020B0604030504040204" pitchFamily="50" charset="-128"/>
+                <a:ea typeface="メイリオ" panose="020B0604030504040204" pitchFamily="50" charset="-128"/>
+                <a:cs typeface="メイリオ" panose="020B0604030504040204" pitchFamily="50" charset="-128"/>
+              </a:rPr>
+              <a:t>)</a:t>
+            </a:r>
+            <a:r>
+              <a:rPr kumimoji="1" lang="ja-JP" altLang="en-US" sz="800" dirty="0" smtClean="0">
+                <a:latin typeface="メイリオ" panose="020B0604030504040204" pitchFamily="50" charset="-128"/>
+                <a:ea typeface="メイリオ" panose="020B0604030504040204" pitchFamily="50" charset="-128"/>
+                <a:cs typeface="メイリオ" panose="020B0604030504040204" pitchFamily="50" charset="-128"/>
+              </a:rPr>
+              <a:t>ことで、走行の安定性を向上させる</a:t>
             </a:r>
             <a:r>
               <a:rPr lang="ja-JP" altLang="en-US" sz="800" dirty="0" smtClean="0">
@@ -38182,7 +38260,7 @@
         <p:spPr>
           <a:xfrm>
             <a:off x="6159011" y="4212213"/>
-            <a:ext cx="2967479" cy="307777"/>
+            <a:ext cx="3579826" cy="307777"/>
           </a:xfrm>
           <a:prstGeom prst="rect">
             <a:avLst/>
@@ -38209,7 +38287,7 @@
                 <a:ea typeface="メイリオ" panose="020B0604030504040204" pitchFamily="50" charset="-128"/>
                 <a:cs typeface="メイリオ" panose="020B0604030504040204" pitchFamily="50" charset="-128"/>
               </a:rPr>
-              <a:t>Power</a:t>
+              <a:t>[power]</a:t>
             </a:r>
             <a:r>
               <a:rPr lang="ja-JP" altLang="en-US" sz="700" dirty="0" smtClean="0">
@@ -38233,15 +38311,7 @@
                 <a:ea typeface="メイリオ" panose="020B0604030504040204" pitchFamily="50" charset="-128"/>
                 <a:cs typeface="メイリオ" panose="020B0604030504040204" pitchFamily="50" charset="-128"/>
               </a:rPr>
-              <a:t>左右モーターが同じ</a:t>
-            </a:r>
-            <a:r>
-              <a:rPr lang="en-US" altLang="ja-JP" sz="700" dirty="0">
-                <a:latin typeface="メイリオ" panose="020B0604030504040204" pitchFamily="50" charset="-128"/>
-                <a:ea typeface="メイリオ" panose="020B0604030504040204" pitchFamily="50" charset="-128"/>
-                <a:cs typeface="メイリオ" panose="020B0604030504040204" pitchFamily="50" charset="-128"/>
-              </a:rPr>
-              <a:t>P</a:t>
+              <a:t>左右モーターへの入力</a:t>
             </a:r>
             <a:r>
               <a:rPr lang="en-US" altLang="ja-JP" sz="700" dirty="0" smtClean="0">
@@ -38249,7 +38319,7 @@
                 <a:ea typeface="メイリオ" panose="020B0604030504040204" pitchFamily="50" charset="-128"/>
                 <a:cs typeface="メイリオ" panose="020B0604030504040204" pitchFamily="50" charset="-128"/>
               </a:rPr>
-              <a:t>ower</a:t>
+              <a:t>[power]</a:t>
             </a:r>
             <a:r>
               <a:rPr lang="ja-JP" altLang="en-US" sz="700" dirty="0" smtClean="0">
@@ -38257,7 +38327,7 @@
                 <a:ea typeface="メイリオ" panose="020B0604030504040204" pitchFamily="50" charset="-128"/>
                 <a:cs typeface="メイリオ" panose="020B0604030504040204" pitchFamily="50" charset="-128"/>
               </a:rPr>
-              <a:t>値であっても、</a:t>
+              <a:t>値が同じであっても、</a:t>
             </a:r>
             <a:r>
               <a:rPr lang="en-US" altLang="ja-JP" sz="700" dirty="0">
@@ -38840,7 +38910,7 @@
         <p:spPr>
           <a:xfrm>
             <a:off x="6005995" y="2165683"/>
-            <a:ext cx="2518638" cy="415498"/>
+            <a:ext cx="2428870" cy="415498"/>
           </a:xfrm>
           <a:prstGeom prst="rect">
             <a:avLst/>
@@ -38859,7 +38929,7 @@
                 <a:ea typeface="メイリオ" panose="020B0604030504040204" pitchFamily="50" charset="-128"/>
                 <a:cs typeface="メイリオ" panose="020B0604030504040204" pitchFamily="50" charset="-128"/>
               </a:rPr>
-              <a:t>自己位置推定には走行時の摩擦等によって誤差が生じる</a:t>
+              <a:t>自己位置推定では走行時の摩擦等によって誤差が生じる</a:t>
             </a:r>
             <a:r>
               <a:rPr kumimoji="1" lang="en-US" altLang="ja-JP" sz="700" dirty="0" smtClean="0">
@@ -38890,7 +38960,7 @@
                 <a:ea typeface="メイリオ" panose="020B0604030504040204" pitchFamily="50" charset="-128"/>
                 <a:cs typeface="メイリオ" panose="020B0604030504040204" pitchFamily="50" charset="-128"/>
               </a:rPr>
-              <a:t>るため、コース内の格子等の目印によって</a:t>
+              <a:t>るため、コース内の格子等の目印に</a:t>
             </a:r>
             <a:endParaRPr lang="en-US" altLang="ja-JP" sz="700" dirty="0" smtClean="0">
               <a:latin typeface="メイリオ" panose="020B0604030504040204" pitchFamily="50" charset="-128"/>

--- a/design/2016/models/3_control_model.pptx
+++ b/design/2016/models/3_control_model.pptx
@@ -109,7 +109,18 @@
   </p:defaultTextStyle>
   <p:extLst>
     <p:ext uri="{EFAFB233-063F-42B5-8137-9DF3F51BA10A}">
-      <p15:sldGuideLst xmlns:p15="http://schemas.microsoft.com/office/powerpoint/2012/main"/>
+      <p15:sldGuideLst xmlns:p15="http://schemas.microsoft.com/office/powerpoint/2012/main">
+        <p15:guide id="1" orient="horz" pos="3367">
+          <p15:clr>
+            <a:srgbClr val="A4A3A4"/>
+          </p15:clr>
+        </p15:guide>
+        <p15:guide id="2" pos="4762">
+          <p15:clr>
+            <a:srgbClr val="A4A3A4"/>
+          </p15:clr>
+        </p15:guide>
+      </p15:sldGuideLst>
     </p:ext>
   </p:extLst>
 </p:presentation>
@@ -383,11 +394,11 @@
           <c:showPercent val="0"/>
           <c:showBubbleSize val="0"/>
         </c:dLbls>
-        <c:axId val="393191184"/>
-        <c:axId val="393292344"/>
+        <c:axId val="356477272"/>
+        <c:axId val="356474920"/>
       </c:scatterChart>
       <c:valAx>
-        <c:axId val="393191184"/>
+        <c:axId val="356477272"/>
         <c:scaling>
           <c:orientation val="minMax"/>
           <c:max val="100"/>
@@ -507,13 +518,13 @@
             <a:endParaRPr lang="ja-JP"/>
           </a:p>
         </c:txPr>
-        <c:crossAx val="393292344"/>
+        <c:crossAx val="356474920"/>
         <c:crosses val="autoZero"/>
         <c:crossBetween val="midCat"/>
         <c:majorUnit val="10"/>
       </c:valAx>
       <c:valAx>
-        <c:axId val="393292344"/>
+        <c:axId val="356474920"/>
         <c:scaling>
           <c:orientation val="minMax"/>
           <c:max val="5000"/>
@@ -637,7 +648,7 @@
             <a:endParaRPr lang="ja-JP"/>
           </a:p>
         </c:txPr>
-        <c:crossAx val="393191184"/>
+        <c:crossAx val="356477272"/>
         <c:crosses val="autoZero"/>
         <c:crossBetween val="midCat"/>
       </c:valAx>
@@ -6558,15 +6569,7 @@
                 <a:ea typeface="メイリオ" panose="020B0604030504040204" pitchFamily="50" charset="-128"/>
                 <a:cs typeface="メイリオ" panose="020B0604030504040204" pitchFamily="50" charset="-128"/>
               </a:rPr>
-              <a:t>と</a:t>
-            </a:r>
-            <a:r>
-              <a:rPr lang="ja-JP" altLang="en-US" sz="700" dirty="0" smtClean="0">
-                <a:latin typeface="メイリオ" panose="020B0604030504040204" pitchFamily="50" charset="-128"/>
-                <a:ea typeface="メイリオ" panose="020B0604030504040204" pitchFamily="50" charset="-128"/>
-                <a:cs typeface="メイリオ" panose="020B0604030504040204" pitchFamily="50" charset="-128"/>
-              </a:rPr>
-              <a:t>みな</a:t>
+              <a:t>とみな</a:t>
             </a:r>
             <a:r>
               <a:rPr lang="ja-JP" altLang="en-US" sz="700" dirty="0">
@@ -9965,39 +9968,7 @@
                 <a:ea typeface="メイリオ" panose="020B0604030504040204" pitchFamily="50" charset="-128"/>
                 <a:cs typeface="メイリオ" panose="020B0604030504040204" pitchFamily="50" charset="-128"/>
               </a:rPr>
-              <a:t>緑</a:t>
-            </a:r>
-            <a:r>
-              <a:rPr lang="ja-JP" altLang="en-US" sz="600" dirty="0" smtClean="0">
-                <a:latin typeface="メイリオ" panose="020B0604030504040204" pitchFamily="50" charset="-128"/>
-                <a:ea typeface="メイリオ" panose="020B0604030504040204" pitchFamily="50" charset="-128"/>
-                <a:cs typeface="メイリオ" panose="020B0604030504040204" pitchFamily="50" charset="-128"/>
-              </a:rPr>
-              <a:t>、</a:t>
-            </a:r>
-            <a:r>
-              <a:rPr lang="ja-JP" altLang="en-US" sz="600" dirty="0" smtClean="0">
-                <a:latin typeface="メイリオ" panose="020B0604030504040204" pitchFamily="50" charset="-128"/>
-                <a:ea typeface="メイリオ" panose="020B0604030504040204" pitchFamily="50" charset="-128"/>
-                <a:cs typeface="メイリオ" panose="020B0604030504040204" pitchFamily="50" charset="-128"/>
-              </a:rPr>
-              <a:t>黄、</a:t>
-            </a:r>
-            <a:r>
-              <a:rPr lang="ja-JP" altLang="en-US" sz="600" dirty="0" smtClean="0">
-                <a:latin typeface="メイリオ" panose="020B0604030504040204" pitchFamily="50" charset="-128"/>
-                <a:ea typeface="メイリオ" panose="020B0604030504040204" pitchFamily="50" charset="-128"/>
-                <a:cs typeface="メイリオ" panose="020B0604030504040204" pitchFamily="50" charset="-128"/>
-              </a:rPr>
-              <a:t>赤、青、</a:t>
-            </a:r>
-            <a:r>
-              <a:rPr lang="ja-JP" altLang="en-US" sz="600" dirty="0" smtClean="0">
-                <a:latin typeface="メイリオ" panose="020B0604030504040204" pitchFamily="50" charset="-128"/>
-                <a:ea typeface="メイリオ" panose="020B0604030504040204" pitchFamily="50" charset="-128"/>
-                <a:cs typeface="メイリオ" panose="020B0604030504040204" pitchFamily="50" charset="-128"/>
-              </a:rPr>
-              <a:t>黒</a:t>
+              <a:t>緑、黄、赤、青、黒</a:t>
             </a:r>
             <a:r>
               <a:rPr lang="en-US" altLang="ja-JP" sz="600" dirty="0" smtClean="0">
@@ -10013,15 +9984,7 @@
                 <a:ea typeface="メイリオ" panose="020B0604030504040204" pitchFamily="50" charset="-128"/>
                 <a:cs typeface="メイリオ" panose="020B0604030504040204" pitchFamily="50" charset="-128"/>
               </a:rPr>
-              <a:t>以外</a:t>
-            </a:r>
-            <a:r>
-              <a:rPr lang="ja-JP" altLang="en-US" sz="600" dirty="0" smtClean="0">
-                <a:latin typeface="メイリオ" panose="020B0604030504040204" pitchFamily="50" charset="-128"/>
-                <a:ea typeface="メイリオ" panose="020B0604030504040204" pitchFamily="50" charset="-128"/>
-                <a:cs typeface="メイリオ" panose="020B0604030504040204" pitchFamily="50" charset="-128"/>
-              </a:rPr>
-              <a:t>の色と判定された</a:t>
+              <a:t>以外の色と判定された</a:t>
             </a:r>
             <a:r>
               <a:rPr lang="ja-JP" altLang="en-US" sz="600" dirty="0">
@@ -10037,15 +10000,7 @@
                 <a:ea typeface="メイリオ" panose="020B0604030504040204" pitchFamily="50" charset="-128"/>
                 <a:cs typeface="メイリオ" panose="020B0604030504040204" pitchFamily="50" charset="-128"/>
               </a:rPr>
-              <a:t>は、接近して再度色認識を試みる</a:t>
-            </a:r>
-            <a:r>
-              <a:rPr lang="ja-JP" altLang="en-US" sz="600" dirty="0" smtClean="0">
-                <a:latin typeface="メイリオ" panose="020B0604030504040204" pitchFamily="50" charset="-128"/>
-                <a:ea typeface="メイリオ" panose="020B0604030504040204" pitchFamily="50" charset="-128"/>
-                <a:cs typeface="メイリオ" panose="020B0604030504040204" pitchFamily="50" charset="-128"/>
-              </a:rPr>
-              <a:t>。</a:t>
+              <a:t>は、接近して再度色認識を試みる。</a:t>
             </a:r>
             <a:endParaRPr lang="en-US" altLang="ja-JP" sz="600" dirty="0" smtClean="0">
               <a:latin typeface="メイリオ" panose="020B0604030504040204" pitchFamily="50" charset="-128"/>
@@ -39171,6 +39126,372 @@
           </a:p>
         </p:txBody>
       </p:sp>
+      <p:sp>
+        <p:nvSpPr>
+          <p:cNvPr id="4" name="テキスト ボックス 3"/>
+          <p:cNvSpPr txBox="1"/>
+          <p:nvPr/>
+        </p:nvSpPr>
+        <p:spPr>
+          <a:xfrm>
+            <a:off x="7772400" y="7691680"/>
+            <a:ext cx="184731" cy="467692"/>
+          </a:xfrm>
+          <a:prstGeom prst="rect">
+            <a:avLst/>
+          </a:prstGeom>
+          <a:noFill/>
+        </p:spPr>
+        <p:txBody>
+          <a:bodyPr wrap="none" rtlCol="0">
+            <a:spAutoFit/>
+          </a:bodyPr>
+          <a:lstStyle/>
+          <a:p>
+            <a:endParaRPr kumimoji="1" lang="ja-JP" altLang="en-US" dirty="0"/>
+          </a:p>
+        </p:txBody>
+      </p:sp>
+      <p:sp>
+        <p:nvSpPr>
+          <p:cNvPr id="441" name="テキスト ボックス 440"/>
+          <p:cNvSpPr txBox="1"/>
+          <p:nvPr/>
+        </p:nvSpPr>
+        <p:spPr>
+          <a:xfrm>
+            <a:off x="10786321" y="7448993"/>
+            <a:ext cx="3461307" cy="707886"/>
+          </a:xfrm>
+          <a:prstGeom prst="rect">
+            <a:avLst/>
+          </a:prstGeom>
+          <a:noFill/>
+        </p:spPr>
+        <p:txBody>
+          <a:bodyPr wrap="square" rtlCol="0">
+            <a:spAutoFit/>
+          </a:bodyPr>
+          <a:lstStyle/>
+          <a:p>
+            <a:r>
+              <a:rPr lang="ja-JP" altLang="en-US" sz="800" dirty="0" smtClean="0">
+                <a:latin typeface="メイリオ" panose="020B0604030504040204" pitchFamily="50" charset="-128"/>
+                <a:ea typeface="メイリオ" panose="020B0604030504040204" pitchFamily="50" charset="-128"/>
+                <a:cs typeface="メイリオ" panose="020B0604030504040204" pitchFamily="50" charset="-128"/>
+              </a:rPr>
+              <a:t>抽象マップ上で決定された移動経路は直線的な軌跡だが、これを現実の走行体の動きに変換する際には、要素技術</a:t>
+            </a:r>
+            <a:r>
+              <a:rPr lang="en-US" altLang="ja-JP" sz="800" dirty="0" smtClean="0">
+                <a:latin typeface="メイリオ" panose="020B0604030504040204" pitchFamily="50" charset="-128"/>
+                <a:ea typeface="メイリオ" panose="020B0604030504040204" pitchFamily="50" charset="-128"/>
+                <a:cs typeface="メイリオ" panose="020B0604030504040204" pitchFamily="50" charset="-128"/>
+              </a:rPr>
+              <a:t>3-3.</a:t>
+            </a:r>
+            <a:r>
+              <a:rPr lang="ja-JP" altLang="en-US" sz="800" dirty="0" smtClean="0">
+                <a:latin typeface="メイリオ" panose="020B0604030504040204" pitchFamily="50" charset="-128"/>
+                <a:ea typeface="メイリオ" panose="020B0604030504040204" pitchFamily="50" charset="-128"/>
+                <a:cs typeface="メイリオ" panose="020B0604030504040204" pitchFamily="50" charset="-128"/>
+              </a:rPr>
+              <a:t>を用いて、経由点を滑らかに結ぶ</a:t>
+            </a:r>
+            <a:r>
+              <a:rPr lang="en-US" altLang="ja-JP" sz="800" dirty="0">
+                <a:latin typeface="メイリオ" panose="020B0604030504040204" pitchFamily="50" charset="-128"/>
+                <a:ea typeface="メイリオ" panose="020B0604030504040204" pitchFamily="50" charset="-128"/>
+                <a:cs typeface="メイリオ" panose="020B0604030504040204" pitchFamily="50" charset="-128"/>
+              </a:rPr>
+              <a:t>3</a:t>
+            </a:r>
+            <a:r>
+              <a:rPr lang="ja-JP" altLang="en-US" sz="800" dirty="0" smtClean="0">
+                <a:latin typeface="メイリオ" panose="020B0604030504040204" pitchFamily="50" charset="-128"/>
+                <a:ea typeface="メイリオ" panose="020B0604030504040204" pitchFamily="50" charset="-128"/>
+                <a:cs typeface="メイリオ" panose="020B0604030504040204" pitchFamily="50" charset="-128"/>
+              </a:rPr>
+              <a:t>次スプラインに変換する。</a:t>
+            </a:r>
+            <a:endParaRPr lang="en-US" altLang="ja-JP" sz="800" dirty="0" smtClean="0">
+              <a:latin typeface="メイリオ" panose="020B0604030504040204" pitchFamily="50" charset="-128"/>
+              <a:ea typeface="メイリオ" panose="020B0604030504040204" pitchFamily="50" charset="-128"/>
+              <a:cs typeface="メイリオ" panose="020B0604030504040204" pitchFamily="50" charset="-128"/>
+            </a:endParaRPr>
+          </a:p>
+          <a:p>
+            <a:endParaRPr kumimoji="1" lang="en-US" altLang="ja-JP" sz="800" dirty="0">
+              <a:latin typeface="メイリオ" panose="020B0604030504040204" pitchFamily="50" charset="-128"/>
+              <a:ea typeface="メイリオ" panose="020B0604030504040204" pitchFamily="50" charset="-128"/>
+              <a:cs typeface="メイリオ" panose="020B0604030504040204" pitchFamily="50" charset="-128"/>
+            </a:endParaRPr>
+          </a:p>
+          <a:p>
+            <a:r>
+              <a:rPr lang="ja-JP" altLang="en-US" sz="800">
+                <a:latin typeface="メイリオ" panose="020B0604030504040204" pitchFamily="50" charset="-128"/>
+                <a:ea typeface="メイリオ" panose="020B0604030504040204" pitchFamily="50" charset="-128"/>
+                <a:cs typeface="メイリオ" panose="020B0604030504040204" pitchFamily="50" charset="-128"/>
+              </a:rPr>
+              <a:t>これ</a:t>
+            </a:r>
+            <a:r>
+              <a:rPr lang="ja-JP" altLang="en-US" sz="800" smtClean="0">
+                <a:latin typeface="メイリオ" panose="020B0604030504040204" pitchFamily="50" charset="-128"/>
+                <a:ea typeface="メイリオ" panose="020B0604030504040204" pitchFamily="50" charset="-128"/>
+                <a:cs typeface="メイリオ" panose="020B0604030504040204" pitchFamily="50" charset="-128"/>
+              </a:rPr>
+              <a:t>によって、滑らかで迅速な移動が可能となる。</a:t>
+            </a:r>
+            <a:endParaRPr kumimoji="1" lang="ja-JP" altLang="en-US" sz="800" dirty="0">
+              <a:latin typeface="メイリオ" panose="020B0604030504040204" pitchFamily="50" charset="-128"/>
+              <a:ea typeface="メイリオ" panose="020B0604030504040204" pitchFamily="50" charset="-128"/>
+              <a:cs typeface="メイリオ" panose="020B0604030504040204" pitchFamily="50" charset="-128"/>
+            </a:endParaRPr>
+          </a:p>
+        </p:txBody>
+      </p:sp>
+      <p:pic>
+        <p:nvPicPr>
+          <p:cNvPr id="55" name="Picture 2"/>
+          <p:cNvPicPr>
+            <a:picLocks noChangeAspect="1" noChangeArrowheads="1"/>
+          </p:cNvPicPr>
+          <p:nvPr/>
+        </p:nvPicPr>
+        <p:blipFill>
+          <a:blip r:embed="rId23" cstate="print">
+            <a:extLst>
+              <a:ext uri="{28A0092B-C50C-407E-A947-70E740481C1C}">
+                <a14:useLocalDpi xmlns:a14="http://schemas.microsoft.com/office/drawing/2010/main" val="0"/>
+              </a:ext>
+            </a:extLst>
+          </a:blip>
+          <a:srcRect/>
+          <a:stretch>
+            <a:fillRect/>
+          </a:stretch>
+        </p:blipFill>
+        <p:spPr bwMode="auto">
+          <a:xfrm>
+            <a:off x="7456079" y="7177291"/>
+            <a:ext cx="3265870" cy="3280564"/>
+          </a:xfrm>
+          <a:prstGeom prst="rect">
+            <a:avLst/>
+          </a:prstGeom>
+          <a:noFill/>
+          <a:ln>
+            <a:noFill/>
+          </a:ln>
+          <a:effectLst/>
+          <a:extLst>
+            <a:ext uri="{909E8E84-426E-40DD-AFC4-6F175D3DCCD1}">
+              <a14:hiddenFill xmlns:a14="http://schemas.microsoft.com/office/drawing/2010/main">
+                <a:solidFill>
+                  <a:schemeClr val="accent1"/>
+                </a:solidFill>
+              </a14:hiddenFill>
+            </a:ext>
+            <a:ext uri="{91240B29-F687-4F45-9708-019B960494DF}">
+              <a14:hiddenLine xmlns:a14="http://schemas.microsoft.com/office/drawing/2010/main" w="9525">
+                <a:solidFill>
+                  <a:schemeClr val="tx1"/>
+                </a:solidFill>
+                <a:miter lim="800000"/>
+                <a:headEnd/>
+                <a:tailEnd/>
+              </a14:hiddenLine>
+            </a:ext>
+            <a:ext uri="{AF507438-7753-43E0-B8FC-AC1667EBCBE1}">
+              <a14:hiddenEffects xmlns:a14="http://schemas.microsoft.com/office/drawing/2010/main">
+                <a:effectLst>
+                  <a:outerShdw dist="35921" dir="2700000" algn="ctr" rotWithShape="0">
+                    <a:schemeClr val="bg2"/>
+                  </a:outerShdw>
+                </a:effectLst>
+              </a14:hiddenEffects>
+            </a:ext>
+          </a:extLst>
+        </p:spPr>
+      </p:pic>
+      <p:cxnSp>
+        <p:nvCxnSpPr>
+          <p:cNvPr id="681" name="直線矢印コネクタ 680"/>
+          <p:cNvCxnSpPr/>
+          <p:nvPr/>
+        </p:nvCxnSpPr>
+        <p:spPr>
+          <a:xfrm>
+            <a:off x="11160708" y="8434715"/>
+            <a:ext cx="328747" cy="0"/>
+          </a:xfrm>
+          <a:prstGeom prst="straightConnector1">
+            <a:avLst/>
+          </a:prstGeom>
+          <a:ln w="28575">
+            <a:solidFill>
+              <a:srgbClr val="FF25FF"/>
+            </a:solidFill>
+            <a:prstDash val="sysDash"/>
+            <a:headEnd type="none" w="med" len="lg"/>
+            <a:tailEnd type="none" w="med" len="lg"/>
+          </a:ln>
+        </p:spPr>
+        <p:style>
+          <a:lnRef idx="1">
+            <a:schemeClr val="accent1"/>
+          </a:lnRef>
+          <a:fillRef idx="0">
+            <a:schemeClr val="accent1"/>
+          </a:fillRef>
+          <a:effectRef idx="0">
+            <a:schemeClr val="accent1"/>
+          </a:effectRef>
+          <a:fontRef idx="minor">
+            <a:schemeClr val="tx1"/>
+          </a:fontRef>
+        </p:style>
+      </p:cxnSp>
+      <p:sp>
+        <p:nvSpPr>
+          <p:cNvPr id="682" name="テキスト ボックス 681"/>
+          <p:cNvSpPr txBox="1"/>
+          <p:nvPr/>
+        </p:nvSpPr>
+        <p:spPr>
+          <a:xfrm>
+            <a:off x="11507210" y="8339189"/>
+            <a:ext cx="1723549" cy="215444"/>
+          </a:xfrm>
+          <a:prstGeom prst="rect">
+            <a:avLst/>
+          </a:prstGeom>
+          <a:noFill/>
+        </p:spPr>
+        <p:txBody>
+          <a:bodyPr wrap="none" rtlCol="0">
+            <a:spAutoFit/>
+          </a:bodyPr>
+          <a:lstStyle/>
+          <a:p>
+            <a:r>
+              <a:rPr lang="ja-JP" altLang="en-US" sz="800" dirty="0">
+                <a:latin typeface="メイリオ" panose="020B0604030504040204" pitchFamily="50" charset="-128"/>
+                <a:ea typeface="メイリオ" panose="020B0604030504040204" pitchFamily="50" charset="-128"/>
+              </a:rPr>
+              <a:t>抽象</a:t>
+            </a:r>
+            <a:r>
+              <a:rPr lang="ja-JP" altLang="en-US" sz="800" dirty="0" smtClean="0">
+                <a:latin typeface="メイリオ" panose="020B0604030504040204" pitchFamily="50" charset="-128"/>
+                <a:ea typeface="メイリオ" panose="020B0604030504040204" pitchFamily="50" charset="-128"/>
+              </a:rPr>
+              <a:t>マップ上の走行体の移動経路</a:t>
+            </a:r>
+            <a:endParaRPr kumimoji="1" lang="ja-JP" altLang="en-US" sz="800" dirty="0">
+              <a:latin typeface="メイリオ" panose="020B0604030504040204" pitchFamily="50" charset="-128"/>
+              <a:ea typeface="メイリオ" panose="020B0604030504040204" pitchFamily="50" charset="-128"/>
+            </a:endParaRPr>
+          </a:p>
+        </p:txBody>
+      </p:sp>
+      <p:cxnSp>
+        <p:nvCxnSpPr>
+          <p:cNvPr id="683" name="直線矢印コネクタ 682"/>
+          <p:cNvCxnSpPr/>
+          <p:nvPr/>
+        </p:nvCxnSpPr>
+        <p:spPr>
+          <a:xfrm>
+            <a:off x="11185163" y="8652745"/>
+            <a:ext cx="328747" cy="0"/>
+          </a:xfrm>
+          <a:prstGeom prst="straightConnector1">
+            <a:avLst/>
+          </a:prstGeom>
+          <a:ln w="28575">
+            <a:solidFill>
+              <a:srgbClr val="3333CC"/>
+            </a:solidFill>
+            <a:prstDash val="solid"/>
+            <a:headEnd type="none" w="med" len="lg"/>
+            <a:tailEnd type="none" w="med" len="lg"/>
+          </a:ln>
+        </p:spPr>
+        <p:style>
+          <a:lnRef idx="1">
+            <a:schemeClr val="accent1"/>
+          </a:lnRef>
+          <a:fillRef idx="0">
+            <a:schemeClr val="accent1"/>
+          </a:fillRef>
+          <a:effectRef idx="0">
+            <a:schemeClr val="accent1"/>
+          </a:effectRef>
+          <a:fontRef idx="minor">
+            <a:schemeClr val="tx1"/>
+          </a:fontRef>
+        </p:style>
+      </p:cxnSp>
+      <p:sp>
+        <p:nvSpPr>
+          <p:cNvPr id="684" name="テキスト ボックス 683"/>
+          <p:cNvSpPr txBox="1"/>
+          <p:nvPr/>
+        </p:nvSpPr>
+        <p:spPr>
+          <a:xfrm>
+            <a:off x="11507210" y="8578956"/>
+            <a:ext cx="1415772" cy="215444"/>
+          </a:xfrm>
+          <a:prstGeom prst="rect">
+            <a:avLst/>
+          </a:prstGeom>
+          <a:noFill/>
+        </p:spPr>
+        <p:txBody>
+          <a:bodyPr wrap="none" rtlCol="0">
+            <a:spAutoFit/>
+          </a:bodyPr>
+          <a:lstStyle/>
+          <a:p>
+            <a:r>
+              <a:rPr lang="ja-JP" altLang="en-US" sz="800" dirty="0">
+                <a:latin typeface="メイリオ" panose="020B0604030504040204" pitchFamily="50" charset="-128"/>
+                <a:ea typeface="メイリオ" panose="020B0604030504040204" pitchFamily="50" charset="-128"/>
+              </a:rPr>
+              <a:t>現実</a:t>
+            </a:r>
+            <a:r>
+              <a:rPr lang="ja-JP" altLang="en-US" sz="800" dirty="0" smtClean="0">
+                <a:latin typeface="メイリオ" panose="020B0604030504040204" pitchFamily="50" charset="-128"/>
+                <a:ea typeface="メイリオ" panose="020B0604030504040204" pitchFamily="50" charset="-128"/>
+              </a:rPr>
+              <a:t>での</a:t>
+            </a:r>
+            <a:r>
+              <a:rPr lang="ja-JP" altLang="en-US" sz="800" dirty="0" smtClean="0">
+                <a:latin typeface="メイリオ" panose="020B0604030504040204" pitchFamily="50" charset="-128"/>
+                <a:ea typeface="メイリオ" panose="020B0604030504040204" pitchFamily="50" charset="-128"/>
+              </a:rPr>
+              <a:t>走行体</a:t>
+            </a:r>
+            <a:r>
+              <a:rPr lang="ja-JP" altLang="en-US" sz="800" dirty="0" smtClean="0">
+                <a:latin typeface="メイリオ" panose="020B0604030504040204" pitchFamily="50" charset="-128"/>
+                <a:ea typeface="メイリオ" panose="020B0604030504040204" pitchFamily="50" charset="-128"/>
+              </a:rPr>
+              <a:t>の移動経路</a:t>
+            </a:r>
+            <a:endParaRPr kumimoji="1" lang="ja-JP" altLang="en-US" sz="800" dirty="0">
+              <a:latin typeface="メイリオ" panose="020B0604030504040204" pitchFamily="50" charset="-128"/>
+              <a:ea typeface="メイリオ" panose="020B0604030504040204" pitchFamily="50" charset="-128"/>
+            </a:endParaRPr>
+          </a:p>
+        </p:txBody>
+      </p:sp>
     </p:spTree>
     <p:extLst>
       <p:ext uri="{BB962C8B-B14F-4D97-AF65-F5344CB8AC3E}">

--- a/design/2016/models/3_control_model.pptx
+++ b/design/2016/models/3_control_model.pptx
@@ -394,11 +394,11 @@
           <c:showPercent val="0"/>
           <c:showBubbleSize val="0"/>
         </c:dLbls>
-        <c:axId val="356477272"/>
-        <c:axId val="356474920"/>
+        <c:axId val="547716048"/>
+        <c:axId val="358490888"/>
       </c:scatterChart>
       <c:valAx>
-        <c:axId val="356477272"/>
+        <c:axId val="547716048"/>
         <c:scaling>
           <c:orientation val="minMax"/>
           <c:max val="100"/>
@@ -518,13 +518,13 @@
             <a:endParaRPr lang="ja-JP"/>
           </a:p>
         </c:txPr>
-        <c:crossAx val="356474920"/>
+        <c:crossAx val="358490888"/>
         <c:crosses val="autoZero"/>
         <c:crossBetween val="midCat"/>
         <c:majorUnit val="10"/>
       </c:valAx>
       <c:valAx>
-        <c:axId val="356474920"/>
+        <c:axId val="358490888"/>
         <c:scaling>
           <c:orientation val="minMax"/>
           <c:max val="5000"/>
@@ -648,7 +648,7 @@
             <a:endParaRPr lang="ja-JP"/>
           </a:p>
         </c:txPr>
-        <c:crossAx val="356477272"/>
+        <c:crossAx val="547716048"/>
         <c:crosses val="autoZero"/>
         <c:crossBetween val="midCat"/>
       </c:valAx>
@@ -33006,8 +33006,8 @@
           </p:cxnSp>
         </p:grpSp>
       </p:grpSp>
-      <mc:AlternateContent xmlns:mc="http://schemas.openxmlformats.org/markup-compatibility/2006" xmlns:a14="http://schemas.microsoft.com/office/drawing/2010/main">
-        <mc:Choice Requires="a14">
+      <mc:AlternateContent xmlns:mc="http://schemas.openxmlformats.org/markup-compatibility/2006">
+        <mc:Choice xmlns:a14="http://schemas.microsoft.com/office/drawing/2010/main" Requires="a14">
           <p:sp>
             <p:nvSpPr>
               <p:cNvPr id="497" name="テキスト ボックス 496"/>
@@ -33017,7 +33017,7 @@
             <p:spPr>
               <a:xfrm>
                 <a:off x="322220" y="4784759"/>
-                <a:ext cx="4041491" cy="1703223"/>
+                <a:ext cx="4903907" cy="1703223"/>
               </a:xfrm>
               <a:prstGeom prst="rect">
                 <a:avLst/>
@@ -35275,15 +35275,15 @@
                     <a:ea typeface="メイリオ" panose="020B0604030504040204" pitchFamily="50" charset="-128"/>
                     <a:cs typeface="メイリオ" panose="020B0604030504040204" pitchFamily="50" charset="-128"/>
                   </a:rPr>
-                  <a:t>現在の右車輪の回転速度から、左車輪の回転速度の目標値を決定し、</a:t>
+                  <a:t>現在の右車輪の回転速度から、左車輪の回転速度の目標値を決定し</a:t>
                 </a:r>
                 <a:r>
-                  <a:rPr lang="en-US" altLang="ja-JP" sz="800" dirty="0">
+                  <a:rPr lang="ja-JP" altLang="en-US" sz="800" dirty="0" smtClean="0">
                     <a:latin typeface="メイリオ" panose="020B0604030504040204" pitchFamily="50" charset="-128"/>
                     <a:ea typeface="メイリオ" panose="020B0604030504040204" pitchFamily="50" charset="-128"/>
                     <a:cs typeface="メイリオ" panose="020B0604030504040204" pitchFamily="50" charset="-128"/>
                   </a:rPr>
-                  <a:t>P</a:t>
+                  <a:t>、負のフィードバック制御</a:t>
                 </a:r>
                 <a:r>
                   <a:rPr lang="ja-JP" altLang="en-US" sz="800" dirty="0">
@@ -35291,7 +35291,7 @@
                     <a:ea typeface="メイリオ" panose="020B0604030504040204" pitchFamily="50" charset="-128"/>
                     <a:cs typeface="メイリオ" panose="020B0604030504040204" pitchFamily="50" charset="-128"/>
                   </a:rPr>
-                  <a:t>制御を行う。</a:t>
+                  <a:t>を行う。</a:t>
                 </a:r>
                 <a:endParaRPr lang="en-US" altLang="ja-JP" sz="800" dirty="0">
                   <a:latin typeface="メイリオ" panose="020B0604030504040204" pitchFamily="50" charset="-128"/>
@@ -35302,7 +35302,7 @@
             </p:txBody>
           </p:sp>
         </mc:Choice>
-        <mc:Fallback xmlns="">
+        <mc:Fallback>
           <p:sp>
             <p:nvSpPr>
               <p:cNvPr id="497" name="テキスト ボックス 496"/>
@@ -35314,7 +35314,7 @@
             <p:spPr>
               <a:xfrm>
                 <a:off x="322220" y="4784759"/>
-                <a:ext cx="4041491" cy="1703223"/>
+                <a:ext cx="4903907" cy="1703223"/>
               </a:xfrm>
               <a:prstGeom prst="rect">
                 <a:avLst/>
@@ -39469,21 +39469,7 @@
                 <a:latin typeface="メイリオ" panose="020B0604030504040204" pitchFamily="50" charset="-128"/>
                 <a:ea typeface="メイリオ" panose="020B0604030504040204" pitchFamily="50" charset="-128"/>
               </a:rPr>
-              <a:t>での</a:t>
-            </a:r>
-            <a:r>
-              <a:rPr lang="ja-JP" altLang="en-US" sz="800" dirty="0" smtClean="0">
-                <a:latin typeface="メイリオ" panose="020B0604030504040204" pitchFamily="50" charset="-128"/>
-                <a:ea typeface="メイリオ" panose="020B0604030504040204" pitchFamily="50" charset="-128"/>
-              </a:rPr>
-              <a:t>走行体</a:t>
-            </a:r>
-            <a:r>
-              <a:rPr lang="ja-JP" altLang="en-US" sz="800" dirty="0" smtClean="0">
-                <a:latin typeface="メイリオ" panose="020B0604030504040204" pitchFamily="50" charset="-128"/>
-                <a:ea typeface="メイリオ" panose="020B0604030504040204" pitchFamily="50" charset="-128"/>
-              </a:rPr>
-              <a:t>の移動経路</a:t>
+              <a:t>での走行体の移動経路</a:t>
             </a:r>
             <a:endParaRPr kumimoji="1" lang="ja-JP" altLang="en-US" sz="800" dirty="0">
               <a:latin typeface="メイリオ" panose="020B0604030504040204" pitchFamily="50" charset="-128"/>

--- a/design/2016/models/3_control_model.pptx
+++ b/design/2016/models/3_control_model.pptx
@@ -394,11 +394,11 @@
           <c:showPercent val="0"/>
           <c:showBubbleSize val="0"/>
         </c:dLbls>
-        <c:axId val="547716048"/>
-        <c:axId val="358490888"/>
+        <c:axId val="350582952"/>
+        <c:axId val="351071048"/>
       </c:scatterChart>
       <c:valAx>
-        <c:axId val="547716048"/>
+        <c:axId val="350582952"/>
         <c:scaling>
           <c:orientation val="minMax"/>
           <c:max val="100"/>
@@ -518,13 +518,13 @@
             <a:endParaRPr lang="ja-JP"/>
           </a:p>
         </c:txPr>
-        <c:crossAx val="358490888"/>
+        <c:crossAx val="351071048"/>
         <c:crosses val="autoZero"/>
         <c:crossBetween val="midCat"/>
         <c:majorUnit val="10"/>
       </c:valAx>
       <c:valAx>
-        <c:axId val="358490888"/>
+        <c:axId val="351071048"/>
         <c:scaling>
           <c:orientation val="minMax"/>
           <c:max val="5000"/>
@@ -648,7 +648,7 @@
             <a:endParaRPr lang="ja-JP"/>
           </a:p>
         </c:txPr>
-        <c:crossAx val="547716048"/>
+        <c:crossAx val="350582952"/>
         <c:crosses val="autoZero"/>
         <c:crossBetween val="midCat"/>
       </c:valAx>
@@ -33006,8 +33006,8 @@
           </p:cxnSp>
         </p:grpSp>
       </p:grpSp>
-      <mc:AlternateContent xmlns:mc="http://schemas.openxmlformats.org/markup-compatibility/2006">
-        <mc:Choice xmlns:a14="http://schemas.microsoft.com/office/drawing/2010/main" Requires="a14">
+      <mc:AlternateContent xmlns:mc="http://schemas.openxmlformats.org/markup-compatibility/2006" xmlns:a14="http://schemas.microsoft.com/office/drawing/2010/main">
+        <mc:Choice Requires="a14">
           <p:sp>
             <p:nvSpPr>
               <p:cNvPr id="497" name="テキスト ボックス 496"/>
@@ -35302,7 +35302,7 @@
             </p:txBody>
           </p:sp>
         </mc:Choice>
-        <mc:Fallback>
+        <mc:Fallback xmlns="">
           <p:sp>
             <p:nvSpPr>
               <p:cNvPr id="497" name="テキスト ボックス 496"/>
@@ -39160,7 +39160,7 @@
         </p:nvSpPr>
         <p:spPr>
           <a:xfrm>
-            <a:off x="10786321" y="7448993"/>
+            <a:off x="11014921" y="7309293"/>
             <a:ext cx="3461307" cy="707886"/>
           </a:xfrm>
           <a:prstGeom prst="rect">
@@ -39212,7 +39212,39 @@
                 <a:ea typeface="メイリオ" panose="020B0604030504040204" pitchFamily="50" charset="-128"/>
                 <a:cs typeface="メイリオ" panose="020B0604030504040204" pitchFamily="50" charset="-128"/>
               </a:rPr>
-              <a:t>次スプラインに変換する。</a:t>
+              <a:t>次</a:t>
+            </a:r>
+            <a:r>
+              <a:rPr lang="ja-JP" altLang="en-US" sz="800" dirty="0" smtClean="0">
+                <a:latin typeface="メイリオ" panose="020B0604030504040204" pitchFamily="50" charset="-128"/>
+                <a:ea typeface="メイリオ" panose="020B0604030504040204" pitchFamily="50" charset="-128"/>
+                <a:cs typeface="メイリオ" panose="020B0604030504040204" pitchFamily="50" charset="-128"/>
+              </a:rPr>
+              <a:t>スプライン</a:t>
+            </a:r>
+            <a:r>
+              <a:rPr lang="ja-JP" altLang="en-US" sz="800" dirty="0">
+                <a:latin typeface="メイリオ" panose="020B0604030504040204" pitchFamily="50" charset="-128"/>
+                <a:ea typeface="メイリオ" panose="020B0604030504040204" pitchFamily="50" charset="-128"/>
+                <a:cs typeface="メイリオ" panose="020B0604030504040204" pitchFamily="50" charset="-128"/>
+              </a:rPr>
+              <a:t>曲線</a:t>
+            </a:r>
+            <a:r>
+              <a:rPr lang="ja-JP" altLang="en-US" sz="800" dirty="0" smtClean="0">
+                <a:latin typeface="メイリオ" panose="020B0604030504040204" pitchFamily="50" charset="-128"/>
+                <a:ea typeface="メイリオ" panose="020B0604030504040204" pitchFamily="50" charset="-128"/>
+                <a:cs typeface="メイリオ" panose="020B0604030504040204" pitchFamily="50" charset="-128"/>
+              </a:rPr>
+              <a:t>に</a:t>
+            </a:r>
+            <a:r>
+              <a:rPr lang="ja-JP" altLang="en-US" sz="800" dirty="0" smtClean="0">
+                <a:latin typeface="メイリオ" panose="020B0604030504040204" pitchFamily="50" charset="-128"/>
+                <a:ea typeface="メイリオ" panose="020B0604030504040204" pitchFamily="50" charset="-128"/>
+                <a:cs typeface="メイリオ" panose="020B0604030504040204" pitchFamily="50" charset="-128"/>
+              </a:rPr>
+              <a:t>変換する。</a:t>
             </a:r>
             <a:endParaRPr lang="en-US" altLang="ja-JP" sz="800" dirty="0" smtClean="0">
               <a:latin typeface="メイリオ" panose="020B0604030504040204" pitchFamily="50" charset="-128"/>
@@ -39229,7 +39261,7 @@
           </a:p>
           <a:p>
             <a:r>
-              <a:rPr lang="ja-JP" altLang="en-US" sz="800">
+              <a:rPr lang="ja-JP" altLang="en-US" sz="800" dirty="0">
                 <a:latin typeface="メイリオ" panose="020B0604030504040204" pitchFamily="50" charset="-128"/>
                 <a:ea typeface="メイリオ" panose="020B0604030504040204" pitchFamily="50" charset="-128"/>
                 <a:cs typeface="メイリオ" panose="020B0604030504040204" pitchFamily="50" charset="-128"/>
@@ -39237,12 +39269,44 @@
               <a:t>これ</a:t>
             </a:r>
             <a:r>
-              <a:rPr lang="ja-JP" altLang="en-US" sz="800" smtClean="0">
+              <a:rPr lang="ja-JP" altLang="en-US" sz="800" dirty="0" smtClean="0">
                 <a:latin typeface="メイリオ" panose="020B0604030504040204" pitchFamily="50" charset="-128"/>
                 <a:ea typeface="メイリオ" panose="020B0604030504040204" pitchFamily="50" charset="-128"/>
                 <a:cs typeface="メイリオ" panose="020B0604030504040204" pitchFamily="50" charset="-128"/>
               </a:rPr>
-              <a:t>によって、滑らかで迅速な移動が可能となる。</a:t>
+              <a:t>によって、滑らかで</a:t>
+            </a:r>
+            <a:r>
+              <a:rPr lang="ja-JP" altLang="en-US" sz="800" dirty="0" smtClean="0">
+                <a:latin typeface="メイリオ" panose="020B0604030504040204" pitchFamily="50" charset="-128"/>
+                <a:ea typeface="メイリオ" panose="020B0604030504040204" pitchFamily="50" charset="-128"/>
+                <a:cs typeface="メイリオ" panose="020B0604030504040204" pitchFamily="50" charset="-128"/>
+              </a:rPr>
+              <a:t>迅速に移動</a:t>
+            </a:r>
+            <a:r>
+              <a:rPr lang="ja-JP" altLang="en-US" sz="800" dirty="0" smtClean="0">
+                <a:latin typeface="メイリオ" panose="020B0604030504040204" pitchFamily="50" charset="-128"/>
+                <a:ea typeface="メイリオ" panose="020B0604030504040204" pitchFamily="50" charset="-128"/>
+                <a:cs typeface="メイリオ" panose="020B0604030504040204" pitchFamily="50" charset="-128"/>
+              </a:rPr>
+              <a:t>す</a:t>
+            </a:r>
+            <a:r>
+              <a:rPr lang="ja-JP" altLang="en-US" sz="800" dirty="0" smtClean="0">
+                <a:latin typeface="メイリオ" panose="020B0604030504040204" pitchFamily="50" charset="-128"/>
+                <a:ea typeface="メイリオ" panose="020B0604030504040204" pitchFamily="50" charset="-128"/>
+                <a:cs typeface="メイリオ" panose="020B0604030504040204" pitchFamily="50" charset="-128"/>
+              </a:rPr>
+              <a:t>る</a:t>
+            </a:r>
+            <a:r>
+              <a:rPr lang="ja-JP" altLang="en-US" sz="800" dirty="0" smtClean="0">
+                <a:latin typeface="メイリオ" panose="020B0604030504040204" pitchFamily="50" charset="-128"/>
+                <a:ea typeface="メイリオ" panose="020B0604030504040204" pitchFamily="50" charset="-128"/>
+                <a:cs typeface="メイリオ" panose="020B0604030504040204" pitchFamily="50" charset="-128"/>
+              </a:rPr>
+              <a:t>。</a:t>
             </a:r>
             <a:endParaRPr kumimoji="1" lang="ja-JP" altLang="en-US" sz="800" dirty="0">
               <a:latin typeface="メイリオ" panose="020B0604030504040204" pitchFamily="50" charset="-128"/>
@@ -39275,7 +39339,7 @@
         </p:blipFill>
         <p:spPr bwMode="auto">
           <a:xfrm>
-            <a:off x="7456079" y="7177291"/>
+            <a:off x="7481479" y="7177291"/>
             <a:ext cx="3265870" cy="3280564"/>
           </a:xfrm>
           <a:prstGeom prst="rect">
@@ -39324,7 +39388,7 @@
         </p:nvCxnSpPr>
         <p:spPr>
           <a:xfrm>
-            <a:off x="11160708" y="8434715"/>
+            <a:off x="11208156" y="8739356"/>
             <a:ext cx="328747" cy="0"/>
           </a:xfrm>
           <a:prstGeom prst="straightConnector1">
@@ -39362,7 +39426,7 @@
         </p:nvSpPr>
         <p:spPr>
           <a:xfrm>
-            <a:off x="11507210" y="8339189"/>
+            <a:off x="11554658" y="8643830"/>
             <a:ext cx="1723549" cy="215444"/>
           </a:xfrm>
           <a:prstGeom prst="rect">
@@ -39405,7 +39469,7 @@
         </p:nvCxnSpPr>
         <p:spPr>
           <a:xfrm>
-            <a:off x="11185163" y="8652745"/>
+            <a:off x="11232611" y="8957386"/>
             <a:ext cx="328747" cy="0"/>
           </a:xfrm>
           <a:prstGeom prst="straightConnector1">
@@ -39443,7 +39507,7 @@
         </p:nvSpPr>
         <p:spPr>
           <a:xfrm>
-            <a:off x="11507210" y="8578956"/>
+            <a:off x="11554658" y="8883597"/>
             <a:ext cx="1415772" cy="215444"/>
           </a:xfrm>
           <a:prstGeom prst="rect">
